--- a/ارائه مهندسي نيازمندي ها.pptx
+++ b/ارائه مهندسي نيازمندي ها.pptx
@@ -113,6 +113,11 @@
       </a:defRPr>
     </a:lvl9pPr>
   </p:defaultTextStyle>
+  <p:extLst>
+    <p:ext uri="{EFAFB233-063F-42B5-8137-9DF3F51BA10A}">
+      <p15:sldGuideLst xmlns:p15="http://schemas.microsoft.com/office/powerpoint/2012/main"/>
+    </p:ext>
+  </p:extLst>
 </p:presentation>
 </file>
 
@@ -6906,7 +6911,12 @@
           <a:bodyPr/>
           <a:lstStyle/>
           <a:p>
-            <a:endParaRPr lang="en-US"/>
+            <a:pPr algn="r" rtl="1"/>
+            <a:r>
+              <a:rPr lang="fa-IR" dirty="0" smtClean="0"/>
+              <a:t>کلاس کاربران ناراضی</a:t>
+            </a:r>
+            <a:endParaRPr lang="en-US" dirty="0"/>
           </a:p>
         </p:txBody>
       </p:sp>
@@ -6925,7 +6935,69 @@
           <a:bodyPr/>
           <a:lstStyle/>
           <a:p>
-            <a:endParaRPr lang="en-US"/>
+            <a:pPr algn="r" rtl="1">
+              <a:buFont typeface="Arial" panose="020B0604020202020204" pitchFamily="34" charset="0"/>
+              <a:buChar char="•"/>
+            </a:pPr>
+            <a:r>
+              <a:rPr lang="fa-IR" dirty="0" smtClean="0"/>
+              <a:t>دسته بندی کاربران ناراضی کاربرانی هستند که به دلایل قوانین </a:t>
+            </a:r>
+            <a:r>
+              <a:rPr lang="fa-IR" dirty="0" smtClean="0">
+                <a:solidFill>
+                  <a:srgbClr val="FF0000"/>
+                </a:solidFill>
+              </a:rPr>
+              <a:t>امنیتی</a:t>
+            </a:r>
+            <a:r>
+              <a:rPr lang="fa-IR" dirty="0" smtClean="0"/>
+              <a:t> یا </a:t>
+            </a:r>
+            <a:r>
+              <a:rPr lang="fa-IR" dirty="0" smtClean="0">
+                <a:solidFill>
+                  <a:srgbClr val="FF0000"/>
+                </a:solidFill>
+              </a:rPr>
+              <a:t>ایمنی</a:t>
+            </a:r>
+            <a:r>
+              <a:rPr lang="fa-IR" dirty="0" smtClean="0"/>
+              <a:t> مجاز به استفاده از سیستم نیستند . </a:t>
+            </a:r>
+          </a:p>
+          <a:p>
+            <a:pPr algn="r" rtl="1">
+              <a:buFont typeface="Arial" panose="020B0604020202020204" pitchFamily="34" charset="0"/>
+              <a:buChar char="•"/>
+            </a:pPr>
+            <a:r>
+              <a:rPr lang="fa-IR" dirty="0" smtClean="0"/>
+              <a:t>در سیستم ویژگی های باید در نظر گرفته شود که انجام دادن بعضی از کارهایی که این کاربران تمایل به انجام آن دارند را سخت کند.</a:t>
+            </a:r>
+          </a:p>
+          <a:p>
+            <a:pPr algn="r" rtl="1">
+              <a:buFont typeface="Arial" panose="020B0604020202020204" pitchFamily="34" charset="0"/>
+              <a:buChar char="•"/>
+            </a:pPr>
+            <a:r>
+              <a:rPr lang="fa-IR" dirty="0" smtClean="0"/>
+              <a:t>براي مثال :مكانيزم هاي دسترسي امنيتي ، سطح دسترسي كاربران </a:t>
+            </a:r>
+            <a:r>
+              <a:rPr lang="fa-IR" smtClean="0"/>
+              <a:t>، ويژگي هاي ضدبدافزاري، گزارشات اسفاده </a:t>
+            </a:r>
+          </a:p>
+          <a:p>
+            <a:pPr algn="r" rtl="1">
+              <a:buFont typeface="Arial" panose="020B0604020202020204" pitchFamily="34" charset="0"/>
+              <a:buChar char="•"/>
+            </a:pPr>
+            <a:endParaRPr lang="en-US" dirty="0"/>
           </a:p>
         </p:txBody>
       </p:sp>

--- a/ارائه مهندسي نيازمندي ها.pptx
+++ b/ارائه مهندسي نيازمندي ها.pptx
@@ -15,6 +15,10 @@
     <p:sldId id="264" r:id="rId9"/>
     <p:sldId id="265" r:id="rId10"/>
     <p:sldId id="266" r:id="rId11"/>
+    <p:sldId id="267" r:id="rId12"/>
+    <p:sldId id="268" r:id="rId13"/>
+    <p:sldId id="269" r:id="rId14"/>
+    <p:sldId id="270" r:id="rId15"/>
   </p:sldIdLst>
   <p:sldSz cx="12192000" cy="6858000"/>
   <p:notesSz cx="6858000" cy="9144000"/>
@@ -5958,7 +5962,12 @@
           <a:bodyPr/>
           <a:lstStyle/>
           <a:p>
-            <a:endParaRPr lang="en-US"/>
+            <a:pPr algn="r" rtl="1"/>
+            <a:r>
+              <a:rPr lang="fa-IR" dirty="0" smtClean="0"/>
+              <a:t>كلاس هاي كاربري غير انساني </a:t>
+            </a:r>
+            <a:endParaRPr lang="en-US" dirty="0"/>
           </a:p>
         </p:txBody>
       </p:sp>
@@ -5977,7 +5986,81 @@
           <a:bodyPr/>
           <a:lstStyle/>
           <a:p>
-            <a:endParaRPr lang="en-US"/>
+            <a:pPr algn="r" rtl="1">
+              <a:buFont typeface="Wingdings" panose="05000000000000000000" pitchFamily="2" charset="2"/>
+              <a:buChar char="§"/>
+            </a:pPr>
+            <a:r>
+              <a:rPr lang="fa-IR" dirty="0" smtClean="0"/>
+              <a:t>كلاس هاي كاربري به انسان ها محدود نمي‌شوند . </a:t>
+            </a:r>
+          </a:p>
+          <a:p>
+            <a:pPr algn="r" rtl="1">
+              <a:buFont typeface="Wingdings" panose="05000000000000000000" pitchFamily="2" charset="2"/>
+              <a:buChar char="§"/>
+            </a:pPr>
+            <a:r>
+              <a:rPr lang="fa-IR" dirty="0" smtClean="0"/>
+              <a:t>از اعضاء مهم اين كلاس هاي كاربري </a:t>
+            </a:r>
+            <a:r>
+              <a:rPr lang="fa-IR" dirty="0" smtClean="0">
+                <a:solidFill>
+                  <a:srgbClr val="C00000"/>
+                </a:solidFill>
+              </a:rPr>
+              <a:t>عامل هاي نرم افزاري </a:t>
+            </a:r>
+            <a:r>
+              <a:rPr lang="fa-IR" dirty="0" smtClean="0"/>
+              <a:t>و </a:t>
+            </a:r>
+            <a:r>
+              <a:rPr lang="fa-IR" dirty="0" smtClean="0">
+                <a:solidFill>
+                  <a:srgbClr val="C00000"/>
+                </a:solidFill>
+              </a:rPr>
+              <a:t>عامل هاي اينترنتي </a:t>
+            </a:r>
+            <a:r>
+              <a:rPr lang="fa-IR" dirty="0" smtClean="0"/>
+              <a:t>هستند .</a:t>
+            </a:r>
+          </a:p>
+          <a:p>
+            <a:pPr algn="r" rtl="1">
+              <a:buFont typeface="Wingdings" panose="05000000000000000000" pitchFamily="2" charset="2"/>
+              <a:buChar char="§"/>
+            </a:pPr>
+            <a:r>
+              <a:rPr lang="fa-IR" dirty="0" smtClean="0"/>
+              <a:t>اين كلاس ممكن است شامل </a:t>
+            </a:r>
+            <a:r>
+              <a:rPr lang="fa-IR" dirty="0" smtClean="0">
+                <a:solidFill>
+                  <a:srgbClr val="C00000"/>
+                </a:solidFill>
+              </a:rPr>
+              <a:t>كلاس كاربران ناراضي </a:t>
+            </a:r>
+            <a:r>
+              <a:rPr lang="fa-IR" dirty="0" smtClean="0"/>
+              <a:t>باشد . </a:t>
+            </a:r>
+          </a:p>
+          <a:p>
+            <a:pPr algn="r" rtl="1">
+              <a:buFont typeface="Wingdings" panose="05000000000000000000" pitchFamily="2" charset="2"/>
+              <a:buChar char="§"/>
+            </a:pPr>
+            <a:r>
+              <a:rPr lang="fa-IR" dirty="0" smtClean="0"/>
+              <a:t>پس بايد در نظر گرفته شود آيا به آنها خدمات ارائه شود يا راه هايي براي جلوگيري از دسترسي آنها به وجود آورد . </a:t>
+            </a:r>
+            <a:endParaRPr lang="en-US" dirty="0"/>
           </a:p>
         </p:txBody>
       </p:sp>
@@ -5998,6 +6081,332 @@
       </p:par>
     </p:tnLst>
   </p:timing>
+</p:sld>
+</file>
+
+<file path=ppt/slides/slide11.xml><?xml version="1.0" encoding="utf-8"?>
+<p:sld xmlns:a="http://schemas.openxmlformats.org/drawingml/2006/main" xmlns:r="http://schemas.openxmlformats.org/officeDocument/2006/relationships" xmlns:p="http://schemas.openxmlformats.org/presentationml/2006/main">
+  <p:cSld>
+    <p:spTree>
+      <p:nvGrpSpPr>
+        <p:cNvPr id="1" name=""/>
+        <p:cNvGrpSpPr/>
+        <p:nvPr/>
+      </p:nvGrpSpPr>
+      <p:grpSpPr>
+        <a:xfrm>
+          <a:off x="0" y="0"/>
+          <a:ext cx="0" cy="0"/>
+          <a:chOff x="0" y="0"/>
+          <a:chExt cx="0" cy="0"/>
+        </a:xfrm>
+      </p:grpSpPr>
+      <p:sp>
+        <p:nvSpPr>
+          <p:cNvPr id="2" name="Title 1"/>
+          <p:cNvSpPr>
+            <a:spLocks noGrp="1"/>
+          </p:cNvSpPr>
+          <p:nvPr>
+            <p:ph type="title"/>
+          </p:nvPr>
+        </p:nvSpPr>
+        <p:spPr/>
+        <p:txBody>
+          <a:bodyPr/>
+          <a:lstStyle/>
+          <a:p>
+            <a:pPr algn="r" rtl="1"/>
+            <a:r>
+              <a:rPr lang="fa-IR" dirty="0" smtClean="0"/>
+              <a:t>شناسايي كلاس‌هاي كاربري</a:t>
+            </a:r>
+            <a:endParaRPr lang="en-US" dirty="0"/>
+          </a:p>
+        </p:txBody>
+      </p:sp>
+      <p:sp>
+        <p:nvSpPr>
+          <p:cNvPr id="3" name="Content Placeholder 2"/>
+          <p:cNvSpPr>
+            <a:spLocks noGrp="1"/>
+          </p:cNvSpPr>
+          <p:nvPr>
+            <p:ph idx="1"/>
+          </p:nvPr>
+        </p:nvSpPr>
+        <p:spPr/>
+        <p:txBody>
+          <a:bodyPr/>
+          <a:lstStyle/>
+          <a:p>
+            <a:pPr algn="r" rtl="1">
+              <a:buFont typeface="Wingdings" panose="05000000000000000000" pitchFamily="2" charset="2"/>
+              <a:buChar char="§"/>
+            </a:pPr>
+            <a:r>
+              <a:rPr lang="fa-IR" dirty="0" smtClean="0">
+                <a:solidFill>
+                  <a:srgbClr val="C00000"/>
+                </a:solidFill>
+              </a:rPr>
+              <a:t>كلاس هاي كاربري </a:t>
+            </a:r>
+            <a:r>
+              <a:rPr lang="fa-IR" dirty="0" smtClean="0"/>
+              <a:t>مختلف را از اوايل پروژه شناسايي كنيد</a:t>
+            </a:r>
+          </a:p>
+          <a:p>
+            <a:pPr algn="r" rtl="1">
+              <a:buFont typeface="Wingdings" panose="05000000000000000000" pitchFamily="2" charset="2"/>
+              <a:buChar char="§"/>
+            </a:pPr>
+            <a:r>
+              <a:rPr lang="fa-IR" dirty="0" smtClean="0"/>
+              <a:t>بدين وسيله مي توانيد نيازمندي ها را از نمايندگان هر يك از كلاس ها بدست بياوريد.</a:t>
+            </a:r>
+          </a:p>
+          <a:p>
+            <a:pPr algn="r" rtl="1">
+              <a:buFont typeface="Wingdings" panose="05000000000000000000" pitchFamily="2" charset="2"/>
+              <a:buChar char="§"/>
+            </a:pPr>
+            <a:r>
+              <a:rPr lang="fa-IR" dirty="0" smtClean="0"/>
+              <a:t>يك تكنيك كاربردي در اين الگوي گسترش و انقباض است . </a:t>
+            </a:r>
+            <a:endParaRPr lang="en-US" dirty="0"/>
+          </a:p>
+        </p:txBody>
+      </p:sp>
+    </p:spTree>
+    <p:extLst>
+      <p:ext uri="{BB962C8B-B14F-4D97-AF65-F5344CB8AC3E}">
+        <p14:creationId xmlns:p14="http://schemas.microsoft.com/office/powerpoint/2010/main" val="1359199256"/>
+      </p:ext>
+    </p:extLst>
+  </p:cSld>
+  <p:clrMapOvr>
+    <a:masterClrMapping/>
+  </p:clrMapOvr>
+</p:sld>
+</file>
+
+<file path=ppt/slides/slide12.xml><?xml version="1.0" encoding="utf-8"?>
+<p:sld xmlns:a="http://schemas.openxmlformats.org/drawingml/2006/main" xmlns:r="http://schemas.openxmlformats.org/officeDocument/2006/relationships" xmlns:p="http://schemas.openxmlformats.org/presentationml/2006/main">
+  <p:cSld>
+    <p:spTree>
+      <p:nvGrpSpPr>
+        <p:cNvPr id="1" name=""/>
+        <p:cNvGrpSpPr/>
+        <p:nvPr/>
+      </p:nvGrpSpPr>
+      <p:grpSpPr>
+        <a:xfrm>
+          <a:off x="0" y="0"/>
+          <a:ext cx="0" cy="0"/>
+          <a:chOff x="0" y="0"/>
+          <a:chExt cx="0" cy="0"/>
+        </a:xfrm>
+      </p:grpSpPr>
+      <p:sp>
+        <p:nvSpPr>
+          <p:cNvPr id="2" name="Title 1"/>
+          <p:cNvSpPr>
+            <a:spLocks noGrp="1"/>
+          </p:cNvSpPr>
+          <p:nvPr>
+            <p:ph type="title"/>
+          </p:nvPr>
+        </p:nvSpPr>
+        <p:spPr/>
+        <p:txBody>
+          <a:bodyPr/>
+          <a:lstStyle/>
+          <a:p>
+            <a:pPr algn="r" rtl="1"/>
+            <a:r>
+              <a:rPr lang="fa-IR" dirty="0" smtClean="0"/>
+              <a:t>الگوي گسترش و انقباض</a:t>
+            </a:r>
+            <a:endParaRPr lang="en-US" dirty="0"/>
+          </a:p>
+        </p:txBody>
+      </p:sp>
+      <p:sp>
+        <p:nvSpPr>
+          <p:cNvPr id="3" name="Content Placeholder 2"/>
+          <p:cNvSpPr>
+            <a:spLocks noGrp="1"/>
+          </p:cNvSpPr>
+          <p:nvPr>
+            <p:ph idx="1"/>
+          </p:nvPr>
+        </p:nvSpPr>
+        <p:spPr/>
+        <p:txBody>
+          <a:bodyPr/>
+          <a:lstStyle/>
+          <a:p>
+            <a:pPr algn="r" rtl="1"/>
+            <a:r>
+              <a:rPr lang="fa-IR" dirty="0" smtClean="0"/>
+              <a:t>با سوال از اسپانسر شروع مي‌شود كه چه انتظاري از سيستم دارد . </a:t>
+            </a:r>
+          </a:p>
+          <a:p>
+            <a:pPr algn="r" rtl="1"/>
+            <a:endParaRPr lang="en-US" dirty="0"/>
+          </a:p>
+        </p:txBody>
+      </p:sp>
+    </p:spTree>
+    <p:extLst>
+      <p:ext uri="{BB962C8B-B14F-4D97-AF65-F5344CB8AC3E}">
+        <p14:creationId xmlns:p14="http://schemas.microsoft.com/office/powerpoint/2010/main" val="2532531457"/>
+      </p:ext>
+    </p:extLst>
+  </p:cSld>
+  <p:clrMapOvr>
+    <a:masterClrMapping/>
+  </p:clrMapOvr>
+</p:sld>
+</file>
+
+<file path=ppt/slides/slide13.xml><?xml version="1.0" encoding="utf-8"?>
+<p:sld xmlns:a="http://schemas.openxmlformats.org/drawingml/2006/main" xmlns:r="http://schemas.openxmlformats.org/officeDocument/2006/relationships" xmlns:p="http://schemas.openxmlformats.org/presentationml/2006/main">
+  <p:cSld>
+    <p:spTree>
+      <p:nvGrpSpPr>
+        <p:cNvPr id="1" name=""/>
+        <p:cNvGrpSpPr/>
+        <p:nvPr/>
+      </p:nvGrpSpPr>
+      <p:grpSpPr>
+        <a:xfrm>
+          <a:off x="0" y="0"/>
+          <a:ext cx="0" cy="0"/>
+          <a:chOff x="0" y="0"/>
+          <a:chExt cx="0" cy="0"/>
+        </a:xfrm>
+      </p:grpSpPr>
+      <p:sp>
+        <p:nvSpPr>
+          <p:cNvPr id="2" name="Title 1"/>
+          <p:cNvSpPr>
+            <a:spLocks noGrp="1"/>
+          </p:cNvSpPr>
+          <p:nvPr>
+            <p:ph type="title"/>
+          </p:nvPr>
+        </p:nvSpPr>
+        <p:spPr/>
+        <p:txBody>
+          <a:bodyPr/>
+          <a:lstStyle/>
+          <a:p>
+            <a:endParaRPr lang="en-US"/>
+          </a:p>
+        </p:txBody>
+      </p:sp>
+      <p:sp>
+        <p:nvSpPr>
+          <p:cNvPr id="3" name="Content Placeholder 2"/>
+          <p:cNvSpPr>
+            <a:spLocks noGrp="1"/>
+          </p:cNvSpPr>
+          <p:nvPr>
+            <p:ph idx="1"/>
+          </p:nvPr>
+        </p:nvSpPr>
+        <p:spPr/>
+        <p:txBody>
+          <a:bodyPr/>
+          <a:lstStyle/>
+          <a:p>
+            <a:endParaRPr lang="en-US"/>
+          </a:p>
+        </p:txBody>
+      </p:sp>
+    </p:spTree>
+    <p:extLst>
+      <p:ext uri="{BB962C8B-B14F-4D97-AF65-F5344CB8AC3E}">
+        <p14:creationId xmlns:p14="http://schemas.microsoft.com/office/powerpoint/2010/main" val="1624693966"/>
+      </p:ext>
+    </p:extLst>
+  </p:cSld>
+  <p:clrMapOvr>
+    <a:masterClrMapping/>
+  </p:clrMapOvr>
+</p:sld>
+</file>
+
+<file path=ppt/slides/slide14.xml><?xml version="1.0" encoding="utf-8"?>
+<p:sld xmlns:a="http://schemas.openxmlformats.org/drawingml/2006/main" xmlns:r="http://schemas.openxmlformats.org/officeDocument/2006/relationships" xmlns:p="http://schemas.openxmlformats.org/presentationml/2006/main">
+  <p:cSld>
+    <p:spTree>
+      <p:nvGrpSpPr>
+        <p:cNvPr id="1" name=""/>
+        <p:cNvGrpSpPr/>
+        <p:nvPr/>
+      </p:nvGrpSpPr>
+      <p:grpSpPr>
+        <a:xfrm>
+          <a:off x="0" y="0"/>
+          <a:ext cx="0" cy="0"/>
+          <a:chOff x="0" y="0"/>
+          <a:chExt cx="0" cy="0"/>
+        </a:xfrm>
+      </p:grpSpPr>
+      <p:sp>
+        <p:nvSpPr>
+          <p:cNvPr id="2" name="Title 1"/>
+          <p:cNvSpPr>
+            <a:spLocks noGrp="1"/>
+          </p:cNvSpPr>
+          <p:nvPr>
+            <p:ph type="title"/>
+          </p:nvPr>
+        </p:nvSpPr>
+        <p:spPr/>
+        <p:txBody>
+          <a:bodyPr/>
+          <a:lstStyle/>
+          <a:p>
+            <a:endParaRPr lang="en-US"/>
+          </a:p>
+        </p:txBody>
+      </p:sp>
+      <p:sp>
+        <p:nvSpPr>
+          <p:cNvPr id="3" name="Content Placeholder 2"/>
+          <p:cNvSpPr>
+            <a:spLocks noGrp="1"/>
+          </p:cNvSpPr>
+          <p:nvPr>
+            <p:ph idx="1"/>
+          </p:nvPr>
+        </p:nvSpPr>
+        <p:spPr/>
+        <p:txBody>
+          <a:bodyPr/>
+          <a:lstStyle/>
+          <a:p>
+            <a:endParaRPr lang="en-US"/>
+          </a:p>
+        </p:txBody>
+      </p:sp>
+    </p:spTree>
+    <p:extLst>
+      <p:ext uri="{BB962C8B-B14F-4D97-AF65-F5344CB8AC3E}">
+        <p14:creationId xmlns:p14="http://schemas.microsoft.com/office/powerpoint/2010/main" val="3828282582"/>
+      </p:ext>
+    </p:extLst>
+  </p:cSld>
+  <p:clrMapOvr>
+    <a:masterClrMapping/>
+  </p:clrMapOvr>
 </p:sld>
 </file>
 
@@ -6985,11 +7394,7 @@
             </a:pPr>
             <a:r>
               <a:rPr lang="fa-IR" dirty="0" smtClean="0"/>
-              <a:t>براي مثال :مكانيزم هاي دسترسي امنيتي ، سطح دسترسي كاربران </a:t>
-            </a:r>
-            <a:r>
-              <a:rPr lang="fa-IR" smtClean="0"/>
-              <a:t>، ويژگي هاي ضدبدافزاري، گزارشات اسفاده </a:t>
+              <a:t>براي مثال :مكانيزم هاي دسترسي امنيتي ، سطح دسترسي كاربران ، ويژگي هاي ضدبدافزاري، گزارشات اسفاده </a:t>
             </a:r>
           </a:p>
           <a:p>
@@ -7053,7 +7458,12 @@
           <a:bodyPr/>
           <a:lstStyle/>
           <a:p>
-            <a:endParaRPr lang="en-US"/>
+            <a:pPr algn="r" rtl="1"/>
+            <a:r>
+              <a:rPr lang="fa-IR" dirty="0" smtClean="0"/>
+              <a:t>كلاس هاي كاربري غير مستقيم </a:t>
+            </a:r>
+            <a:endParaRPr lang="en-US" dirty="0"/>
           </a:p>
         </p:txBody>
       </p:sp>
@@ -7072,7 +7482,47 @@
           <a:bodyPr/>
           <a:lstStyle/>
           <a:p>
-            <a:endParaRPr lang="en-US"/>
+            <a:pPr algn="r" rtl="1">
+              <a:buFont typeface="Wingdings" panose="05000000000000000000" pitchFamily="2" charset="2"/>
+              <a:buChar char="§"/>
+            </a:pPr>
+            <a:r>
+              <a:rPr lang="fa-IR" dirty="0" smtClean="0"/>
+              <a:t>كلاس هاي كاربري  هستند كه به طور </a:t>
+            </a:r>
+            <a:r>
+              <a:rPr lang="fa-IR" dirty="0" smtClean="0">
+                <a:solidFill>
+                  <a:srgbClr val="FF0000"/>
+                </a:solidFill>
+              </a:rPr>
+              <a:t>غير مستقيم </a:t>
+            </a:r>
+            <a:r>
+              <a:rPr lang="fa-IR" dirty="0" smtClean="0"/>
+              <a:t>با سيستم سر  و كار دارند .</a:t>
+            </a:r>
+          </a:p>
+          <a:p>
+            <a:pPr algn="r" rtl="1">
+              <a:buFont typeface="Wingdings" panose="05000000000000000000" pitchFamily="2" charset="2"/>
+              <a:buChar char="§"/>
+            </a:pPr>
+            <a:r>
+              <a:rPr lang="fa-IR" dirty="0" smtClean="0"/>
+              <a:t>از طريق برنامه هاي كاربردي ديگر با اين سيستم سر و كار دارند .</a:t>
+            </a:r>
+          </a:p>
+          <a:p>
+            <a:pPr algn="r" rtl="1">
+              <a:buFont typeface="Wingdings" panose="05000000000000000000" pitchFamily="2" charset="2"/>
+              <a:buChar char="§"/>
+            </a:pPr>
+            <a:r>
+              <a:rPr lang="fa-IR" dirty="0" smtClean="0"/>
+              <a:t>از اين دسته از كاربران نبايد صرف نظر كرد . </a:t>
+            </a:r>
+            <a:endParaRPr lang="en-US" dirty="0"/>
           </a:p>
         </p:txBody>
       </p:sp>

--- a/ارائه مهندسي نيازمندي ها.pptx
+++ b/ارائه مهندسي نيازمندي ها.pptx
@@ -19,6 +19,12 @@
     <p:sldId id="268" r:id="rId13"/>
     <p:sldId id="269" r:id="rId14"/>
     <p:sldId id="270" r:id="rId15"/>
+    <p:sldId id="271" r:id="rId16"/>
+    <p:sldId id="272" r:id="rId17"/>
+    <p:sldId id="273" r:id="rId18"/>
+    <p:sldId id="274" r:id="rId19"/>
+    <p:sldId id="275" r:id="rId20"/>
+    <p:sldId id="276" r:id="rId21"/>
   </p:sldIdLst>
   <p:sldSz cx="12192000" cy="6858000"/>
   <p:notesSz cx="6858000" cy="9144000"/>
@@ -847,7 +853,7 @@
           <a:p>
             <a:fld id="{02730C7D-E670-452F-99B3-10B0C33A0E2C}" type="datetimeFigureOut">
               <a:rPr lang="en-US" smtClean="0"/>
-              <a:t>12/21/2021</a:t>
+              <a:t>12/25/2021</a:t>
             </a:fld>
             <a:endParaRPr lang="en-US"/>
           </a:p>
@@ -1098,7 +1104,7 @@
           <a:p>
             <a:fld id="{02730C7D-E670-452F-99B3-10B0C33A0E2C}" type="datetimeFigureOut">
               <a:rPr lang="en-US" smtClean="0"/>
-              <a:t>12/21/2021</a:t>
+              <a:t>12/25/2021</a:t>
             </a:fld>
             <a:endParaRPr lang="en-US"/>
           </a:p>
@@ -1412,7 +1418,7 @@
           <a:p>
             <a:fld id="{02730C7D-E670-452F-99B3-10B0C33A0E2C}" type="datetimeFigureOut">
               <a:rPr lang="en-US" smtClean="0"/>
-              <a:t>12/21/2021</a:t>
+              <a:t>12/25/2021</a:t>
             </a:fld>
             <a:endParaRPr lang="en-US"/>
           </a:p>
@@ -1753,7 +1759,7 @@
           <a:p>
             <a:fld id="{02730C7D-E670-452F-99B3-10B0C33A0E2C}" type="datetimeFigureOut">
               <a:rPr lang="en-US" smtClean="0"/>
-              <a:t>12/21/2021</a:t>
+              <a:t>12/25/2021</a:t>
             </a:fld>
             <a:endParaRPr lang="en-US"/>
           </a:p>
@@ -2067,7 +2073,7 @@
           <a:p>
             <a:fld id="{02730C7D-E670-452F-99B3-10B0C33A0E2C}" type="datetimeFigureOut">
               <a:rPr lang="en-US" smtClean="0"/>
-              <a:t>12/21/2021</a:t>
+              <a:t>12/25/2021</a:t>
             </a:fld>
             <a:endParaRPr lang="en-US"/>
           </a:p>
@@ -2460,7 +2466,7 @@
           <a:p>
             <a:fld id="{02730C7D-E670-452F-99B3-10B0C33A0E2C}" type="datetimeFigureOut">
               <a:rPr lang="en-US" smtClean="0"/>
-              <a:t>12/21/2021</a:t>
+              <a:t>12/25/2021</a:t>
             </a:fld>
             <a:endParaRPr lang="en-US"/>
           </a:p>
@@ -2630,7 +2636,7 @@
           <a:p>
             <a:fld id="{02730C7D-E670-452F-99B3-10B0C33A0E2C}" type="datetimeFigureOut">
               <a:rPr lang="en-US" smtClean="0"/>
-              <a:t>12/21/2021</a:t>
+              <a:t>12/25/2021</a:t>
             </a:fld>
             <a:endParaRPr lang="en-US"/>
           </a:p>
@@ -2810,7 +2816,7 @@
           <a:p>
             <a:fld id="{02730C7D-E670-452F-99B3-10B0C33A0E2C}" type="datetimeFigureOut">
               <a:rPr lang="en-US" smtClean="0"/>
-              <a:t>12/21/2021</a:t>
+              <a:t>12/25/2021</a:t>
             </a:fld>
             <a:endParaRPr lang="en-US"/>
           </a:p>
@@ -2986,7 +2992,7 @@
           <a:p>
             <a:fld id="{02730C7D-E670-452F-99B3-10B0C33A0E2C}" type="datetimeFigureOut">
               <a:rPr lang="en-US" smtClean="0"/>
-              <a:t>12/21/2021</a:t>
+              <a:t>12/25/2021</a:t>
             </a:fld>
             <a:endParaRPr lang="en-US"/>
           </a:p>
@@ -3233,7 +3239,7 @@
           <a:p>
             <a:fld id="{02730C7D-E670-452F-99B3-10B0C33A0E2C}" type="datetimeFigureOut">
               <a:rPr lang="en-US" smtClean="0"/>
-              <a:t>12/21/2021</a:t>
+              <a:t>12/25/2021</a:t>
             </a:fld>
             <a:endParaRPr lang="en-US"/>
           </a:p>
@@ -3465,7 +3471,7 @@
           <a:p>
             <a:fld id="{02730C7D-E670-452F-99B3-10B0C33A0E2C}" type="datetimeFigureOut">
               <a:rPr lang="en-US" smtClean="0"/>
-              <a:t>12/21/2021</a:t>
+              <a:t>12/25/2021</a:t>
             </a:fld>
             <a:endParaRPr lang="en-US"/>
           </a:p>
@@ -3839,7 +3845,7 @@
           <a:p>
             <a:fld id="{02730C7D-E670-452F-99B3-10B0C33A0E2C}" type="datetimeFigureOut">
               <a:rPr lang="en-US" smtClean="0"/>
-              <a:t>12/21/2021</a:t>
+              <a:t>12/25/2021</a:t>
             </a:fld>
             <a:endParaRPr lang="en-US"/>
           </a:p>
@@ -3962,7 +3968,7 @@
           <a:p>
             <a:fld id="{02730C7D-E670-452F-99B3-10B0C33A0E2C}" type="datetimeFigureOut">
               <a:rPr lang="en-US" smtClean="0"/>
-              <a:t>12/21/2021</a:t>
+              <a:t>12/25/2021</a:t>
             </a:fld>
             <a:endParaRPr lang="en-US"/>
           </a:p>
@@ -4057,7 +4063,7 @@
           <a:p>
             <a:fld id="{02730C7D-E670-452F-99B3-10B0C33A0E2C}" type="datetimeFigureOut">
               <a:rPr lang="en-US" smtClean="0"/>
-              <a:t>12/21/2021</a:t>
+              <a:t>12/25/2021</a:t>
             </a:fld>
             <a:endParaRPr lang="en-US"/>
           </a:p>
@@ -4312,7 +4318,7 @@
           <a:p>
             <a:fld id="{02730C7D-E670-452F-99B3-10B0C33A0E2C}" type="datetimeFigureOut">
               <a:rPr lang="en-US" smtClean="0"/>
-              <a:t>12/21/2021</a:t>
+              <a:t>12/25/2021</a:t>
             </a:fld>
             <a:endParaRPr lang="en-US"/>
           </a:p>
@@ -4575,7 +4581,7 @@
           <a:p>
             <a:fld id="{02730C7D-E670-452F-99B3-10B0C33A0E2C}" type="datetimeFigureOut">
               <a:rPr lang="en-US" smtClean="0"/>
-              <a:t>12/21/2021</a:t>
+              <a:t>12/25/2021</a:t>
             </a:fld>
             <a:endParaRPr lang="en-US"/>
           </a:p>
@@ -5318,7 +5324,7 @@
           <a:p>
             <a:fld id="{02730C7D-E670-452F-99B3-10B0C33A0E2C}" type="datetimeFigureOut">
               <a:rPr lang="en-US" smtClean="0"/>
-              <a:t>12/21/2021</a:t>
+              <a:t>12/25/2021</a:t>
             </a:fld>
             <a:endParaRPr lang="en-US"/>
           </a:p>
@@ -6228,7 +6234,15 @@
             <a:pPr algn="r" rtl="1"/>
             <a:r>
               <a:rPr lang="fa-IR" dirty="0" smtClean="0"/>
-              <a:t>الگوي گسترش و انقباض</a:t>
+              <a:t>شناسايي كلاس هاي كاربري (الگوي </a:t>
+            </a:r>
+            <a:r>
+              <a:rPr lang="fa-IR" dirty="0" smtClean="0"/>
+              <a:t>گسترش و </a:t>
+            </a:r>
+            <a:r>
+              <a:rPr lang="fa-IR" dirty="0" smtClean="0"/>
+              <a:t>انقباض)</a:t>
             </a:r>
             <a:endParaRPr lang="en-US" dirty="0"/>
           </a:p>
@@ -6254,9 +6268,36 @@
               <a:rPr lang="fa-IR" dirty="0" smtClean="0"/>
               <a:t>با سوال از اسپانسر شروع مي‌شود كه چه انتظاري از سيستم دارد . </a:t>
             </a:r>
+            <a:endParaRPr lang="fa-IR" dirty="0" smtClean="0"/>
           </a:p>
           <a:p>
             <a:pPr algn="r" rtl="1"/>
+            <a:r>
+              <a:rPr lang="fa-IR" dirty="0" smtClean="0"/>
+              <a:t>سپس به تعداد كلاس‌هاي كاربري كه فكرش را مي‌كنيد طوفان فكري كنيد .</a:t>
+            </a:r>
+          </a:p>
+          <a:p>
+            <a:pPr algn="r" rtl="1"/>
+            <a:r>
+              <a:rPr lang="fa-IR" dirty="0" smtClean="0"/>
+              <a:t>اگر تعداد زيادي در اين مرحله وجود دارد نگران نباشيد بعدا آن‌ها را دسته بندي و فشرده مي‌كنيد.</a:t>
+            </a:r>
+            <a:endParaRPr lang="fa-IR" dirty="0" smtClean="0"/>
+          </a:p>
+          <a:p>
+            <a:pPr algn="r" rtl="1"/>
+            <a:r>
+              <a:rPr lang="fa-IR" dirty="0" smtClean="0"/>
+              <a:t>از ناديده گرفتن بعضي از كلاس‌هاي كاربري خودداري كنيد زيرا بعدا مشكلات شديدي را به وجود مي آورد . </a:t>
+            </a:r>
+          </a:p>
+          <a:p>
+            <a:pPr algn="r" rtl="1"/>
+            <a:r>
+              <a:rPr lang="fa-IR" dirty="0" smtClean="0"/>
+              <a:t>در آخر كلاس‌هايي با نياز مندي هاي مشابه را تركيب كرده و يك كلاس به وجود بياوريد.</a:t>
+            </a:r>
             <a:endParaRPr lang="en-US" dirty="0"/>
           </a:p>
         </p:txBody>
@@ -6306,7 +6347,12 @@
           <a:bodyPr/>
           <a:lstStyle/>
           <a:p>
-            <a:endParaRPr lang="en-US"/>
+            <a:pPr algn="r" rtl="1"/>
+            <a:r>
+              <a:rPr lang="fa-IR" dirty="0" smtClean="0"/>
+              <a:t>شناسايي كلاس‌هاي كاربري (ادامه )</a:t>
+            </a:r>
+            <a:endParaRPr lang="en-US" dirty="0"/>
           </a:p>
         </p:txBody>
       </p:sp>
@@ -6325,7 +6371,43 @@
           <a:bodyPr/>
           <a:lstStyle/>
           <a:p>
-            <a:endParaRPr lang="en-US"/>
+            <a:pPr algn="r" rtl="1"/>
+            <a:r>
+              <a:rPr lang="fa-IR" dirty="0" smtClean="0"/>
+              <a:t>مدل‌هاي تحليلي مختلف مي‌توانند به شما كمك كنند كه كلاس‌هاي كاربري مختلف را شناسايي كنيد . </a:t>
+            </a:r>
+          </a:p>
+          <a:p>
+            <a:pPr algn="r" rtl="1"/>
+            <a:r>
+              <a:rPr lang="fa-IR" dirty="0" smtClean="0"/>
+              <a:t>موجوديت هاي خارجي سيستم را بر روي يك كانتكست دياگرام نمايش دهيد .</a:t>
+            </a:r>
+          </a:p>
+          <a:p>
+            <a:pPr algn="r" rtl="1"/>
+            <a:r>
+              <a:rPr lang="fa-IR" dirty="0" smtClean="0"/>
+              <a:t>اين موجوديت ها نمايندگاني براي كلاس هاي كاربري شما هستند . </a:t>
+            </a:r>
+          </a:p>
+          <a:p>
+            <a:pPr algn="r" rtl="1"/>
+            <a:r>
+              <a:rPr lang="fa-IR" dirty="0" smtClean="0"/>
+              <a:t>كانتكست دياگرام به شما كمك مي‌كند تا  كاربران بالقوه و همه ذي نفعان را شناسايي كنيد . </a:t>
+            </a:r>
+          </a:p>
+          <a:p>
+            <a:pPr algn="r" rtl="1"/>
+            <a:r>
+              <a:rPr lang="fa-IR" dirty="0" smtClean="0"/>
+              <a:t>تقريبا همه كاربران بالقوه در اين نمودار جاي مي‌گيرند.</a:t>
+            </a:r>
+          </a:p>
+          <a:p>
+            <a:pPr algn="r" rtl="1"/>
+            <a:endParaRPr lang="en-US" dirty="0"/>
           </a:p>
         </p:txBody>
       </p:sp>
@@ -6374,7 +6456,12 @@
           <a:bodyPr/>
           <a:lstStyle/>
           <a:p>
-            <a:endParaRPr lang="en-US"/>
+            <a:pPr algn="r" rtl="1"/>
+            <a:r>
+              <a:rPr lang="fa-IR" dirty="0" smtClean="0"/>
+              <a:t>شناسايي كلاس هاي كاربري(ادامه )</a:t>
+            </a:r>
+            <a:endParaRPr lang="en-US" dirty="0"/>
           </a:p>
         </p:txBody>
       </p:sp>
@@ -6393,7 +6480,174 @@
           <a:bodyPr/>
           <a:lstStyle/>
           <a:p>
-            <a:endParaRPr lang="en-US"/>
+            <a:pPr algn="r" rtl="1"/>
+            <a:r>
+              <a:rPr lang="fa-IR" sz="2000" dirty="0">
+                <a:cs typeface="B Nazanin" panose="00000400000000000000" pitchFamily="2" charset="-78"/>
+              </a:rPr>
+              <a:t>هنگام انجام تجزیه و تحلیل ذینفعان و کاربران، نمودار سازمانی را مطالعه کنید تا به دنبال آن باشید</a:t>
+            </a:r>
+            <a:r>
+              <a:rPr lang="fa-IR" sz="2000" dirty="0" smtClean="0">
+                <a:cs typeface="B Nazanin" panose="00000400000000000000" pitchFamily="2" charset="-78"/>
+              </a:rPr>
+              <a:t>:</a:t>
+            </a:r>
+          </a:p>
+          <a:p>
+            <a:pPr lvl="0" algn="r" rtl="1">
+              <a:lnSpc>
+                <a:spcPct val="107000"/>
+              </a:lnSpc>
+              <a:spcBef>
+                <a:spcPts val="0"/>
+              </a:spcBef>
+              <a:spcAft>
+                <a:spcPts val="800"/>
+              </a:spcAft>
+              <a:buFont typeface="Symbol" panose="05050102010706020507" pitchFamily="18" charset="2"/>
+              <a:buChar char=""/>
+            </a:pPr>
+            <a:r>
+              <a:rPr lang="fa-IR" sz="2000" dirty="0">
+                <a:latin typeface="Calibri" panose="020F0502020204030204" pitchFamily="34" charset="0"/>
+                <a:ea typeface="Calibri" panose="020F0502020204030204" pitchFamily="34" charset="0"/>
+                <a:cs typeface="Arial" panose="020B0604020202020204" pitchFamily="34" charset="0"/>
+              </a:rPr>
+              <a:t>دپارتمان هایی که در پروسه کسب و کار شرکت داشته اند .</a:t>
+            </a:r>
+            <a:endParaRPr lang="en-US" sz="2000" dirty="0">
+              <a:latin typeface="Calibri" panose="020F0502020204030204" pitchFamily="34" charset="0"/>
+              <a:ea typeface="Calibri" panose="020F0502020204030204" pitchFamily="34" charset="0"/>
+              <a:cs typeface="Arial" panose="020B0604020202020204" pitchFamily="34" charset="0"/>
+            </a:endParaRPr>
+          </a:p>
+          <a:p>
+            <a:pPr lvl="0" algn="r" rtl="1">
+              <a:lnSpc>
+                <a:spcPct val="107000"/>
+              </a:lnSpc>
+              <a:spcBef>
+                <a:spcPts val="0"/>
+              </a:spcBef>
+              <a:spcAft>
+                <a:spcPts val="800"/>
+              </a:spcAft>
+              <a:buFont typeface="Symbol" panose="05050102010706020507" pitchFamily="18" charset="2"/>
+              <a:buChar char=""/>
+            </a:pPr>
+            <a:r>
+              <a:rPr lang="fa-IR" sz="2000" dirty="0">
+                <a:latin typeface="Calibri" panose="020F0502020204030204" pitchFamily="34" charset="0"/>
+                <a:ea typeface="Calibri" panose="020F0502020204030204" pitchFamily="34" charset="0"/>
+                <a:cs typeface="Arial" panose="020B0604020202020204" pitchFamily="34" charset="0"/>
+              </a:rPr>
+              <a:t>دپارتمان هایی که بر روی پروسه کسب و کار تاثیر داشته اند . </a:t>
+            </a:r>
+            <a:endParaRPr lang="en-US" sz="2000" dirty="0">
+              <a:latin typeface="Calibri" panose="020F0502020204030204" pitchFamily="34" charset="0"/>
+              <a:ea typeface="Calibri" panose="020F0502020204030204" pitchFamily="34" charset="0"/>
+              <a:cs typeface="Arial" panose="020B0604020202020204" pitchFamily="34" charset="0"/>
+            </a:endParaRPr>
+          </a:p>
+          <a:p>
+            <a:pPr lvl="0" algn="r" rtl="1">
+              <a:lnSpc>
+                <a:spcPct val="107000"/>
+              </a:lnSpc>
+              <a:spcBef>
+                <a:spcPts val="0"/>
+              </a:spcBef>
+              <a:spcAft>
+                <a:spcPts val="800"/>
+              </a:spcAft>
+              <a:buFont typeface="Symbol" panose="05050102010706020507" pitchFamily="18" charset="2"/>
+              <a:buChar char=""/>
+            </a:pPr>
+            <a:r>
+              <a:rPr lang="fa-IR" sz="2000" dirty="0">
+                <a:latin typeface="Calibri" panose="020F0502020204030204" pitchFamily="34" charset="0"/>
+                <a:ea typeface="Calibri" panose="020F0502020204030204" pitchFamily="34" charset="0"/>
+                <a:cs typeface="Arial" panose="020B0604020202020204" pitchFamily="34" charset="0"/>
+              </a:rPr>
+              <a:t>بخش‌ها یا نام‌هایی که کاربران مستقیم یا غیرمستقیم در آن‌ها یافت می‌شوند</a:t>
+            </a:r>
+            <a:endParaRPr lang="en-US" sz="2000" dirty="0">
+              <a:latin typeface="Calibri" panose="020F0502020204030204" pitchFamily="34" charset="0"/>
+              <a:ea typeface="Calibri" panose="020F0502020204030204" pitchFamily="34" charset="0"/>
+              <a:cs typeface="Arial" panose="020B0604020202020204" pitchFamily="34" charset="0"/>
+            </a:endParaRPr>
+          </a:p>
+          <a:p>
+            <a:pPr lvl="0" algn="r" rtl="1">
+              <a:lnSpc>
+                <a:spcPct val="107000"/>
+              </a:lnSpc>
+              <a:spcBef>
+                <a:spcPts val="0"/>
+              </a:spcBef>
+              <a:spcAft>
+                <a:spcPts val="800"/>
+              </a:spcAft>
+              <a:buFont typeface="Symbol" panose="05050102010706020507" pitchFamily="18" charset="2"/>
+              <a:buChar char=""/>
+            </a:pPr>
+            <a:r>
+              <a:rPr lang="fa-IR" sz="2000" dirty="0">
+                <a:latin typeface="Calibri" panose="020F0502020204030204" pitchFamily="34" charset="0"/>
+                <a:ea typeface="Calibri" panose="020F0502020204030204" pitchFamily="34" charset="0"/>
+                <a:cs typeface="Arial" panose="020B0604020202020204" pitchFamily="34" charset="0"/>
+              </a:rPr>
+              <a:t>کلاس های کاربری که چندین بخش را در بر می گیرند</a:t>
+            </a:r>
+            <a:endParaRPr lang="en-US" sz="2000" dirty="0">
+              <a:latin typeface="Calibri" panose="020F0502020204030204" pitchFamily="34" charset="0"/>
+              <a:ea typeface="Calibri" panose="020F0502020204030204" pitchFamily="34" charset="0"/>
+              <a:cs typeface="Arial" panose="020B0604020202020204" pitchFamily="34" charset="0"/>
+            </a:endParaRPr>
+          </a:p>
+          <a:p>
+            <a:pPr lvl="0" algn="r" rtl="1">
+              <a:lnSpc>
+                <a:spcPct val="107000"/>
+              </a:lnSpc>
+              <a:spcBef>
+                <a:spcPts val="0"/>
+              </a:spcBef>
+              <a:spcAft>
+                <a:spcPts val="800"/>
+              </a:spcAft>
+              <a:buFont typeface="Symbol" panose="05050102010706020507" pitchFamily="18" charset="2"/>
+              <a:buChar char=""/>
+            </a:pPr>
+            <a:r>
+              <a:rPr lang="fa-IR" sz="2000" dirty="0">
+                <a:latin typeface="Calibri" panose="020F0502020204030204" pitchFamily="34" charset="0"/>
+                <a:ea typeface="Calibri" panose="020F0502020204030204" pitchFamily="34" charset="0"/>
+                <a:cs typeface="Arial" panose="020B0604020202020204" pitchFamily="34" charset="0"/>
+              </a:rPr>
+              <a:t>بخش هایی که ممکن است با ذینفعان خارجی خارج از شرکت رابط داشته </a:t>
+            </a:r>
+            <a:r>
+              <a:rPr lang="fa-IR" sz="2000" dirty="0" smtClean="0">
+                <a:latin typeface="Calibri" panose="020F0502020204030204" pitchFamily="34" charset="0"/>
+                <a:ea typeface="Calibri" panose="020F0502020204030204" pitchFamily="34" charset="0"/>
+                <a:cs typeface="Arial" panose="020B0604020202020204" pitchFamily="34" charset="0"/>
+              </a:rPr>
+              <a:t>باشند.</a:t>
+            </a:r>
+            <a:endParaRPr lang="en-US" sz="2000" dirty="0">
+              <a:latin typeface="Calibri" panose="020F0502020204030204" pitchFamily="34" charset="0"/>
+              <a:ea typeface="Calibri" panose="020F0502020204030204" pitchFamily="34" charset="0"/>
+              <a:cs typeface="Arial" panose="020B0604020202020204" pitchFamily="34" charset="0"/>
+            </a:endParaRPr>
+          </a:p>
+          <a:p>
+            <a:pPr algn="r" rtl="1">
+              <a:buFont typeface="+mj-lt"/>
+              <a:buAutoNum type="arabicPeriod"/>
+            </a:pPr>
+            <a:endParaRPr lang="en-US" dirty="0"/>
           </a:p>
         </p:txBody>
       </p:sp>
@@ -6401,6 +6655,346 @@
     <p:extLst>
       <p:ext uri="{BB962C8B-B14F-4D97-AF65-F5344CB8AC3E}">
         <p14:creationId xmlns:p14="http://schemas.microsoft.com/office/powerpoint/2010/main" val="3828282582"/>
+      </p:ext>
+    </p:extLst>
+  </p:cSld>
+  <p:clrMapOvr>
+    <a:masterClrMapping/>
+  </p:clrMapOvr>
+</p:sld>
+</file>
+
+<file path=ppt/slides/slide15.xml><?xml version="1.0" encoding="utf-8"?>
+<p:sld xmlns:a="http://schemas.openxmlformats.org/drawingml/2006/main" xmlns:r="http://schemas.openxmlformats.org/officeDocument/2006/relationships" xmlns:p="http://schemas.openxmlformats.org/presentationml/2006/main">
+  <p:cSld>
+    <p:spTree>
+      <p:nvGrpSpPr>
+        <p:cNvPr id="1" name=""/>
+        <p:cNvGrpSpPr/>
+        <p:nvPr/>
+      </p:nvGrpSpPr>
+      <p:grpSpPr>
+        <a:xfrm>
+          <a:off x="0" y="0"/>
+          <a:ext cx="0" cy="0"/>
+          <a:chOff x="0" y="0"/>
+          <a:chExt cx="0" cy="0"/>
+        </a:xfrm>
+      </p:grpSpPr>
+      <p:sp>
+        <p:nvSpPr>
+          <p:cNvPr id="2" name="Title 1"/>
+          <p:cNvSpPr>
+            <a:spLocks noGrp="1"/>
+          </p:cNvSpPr>
+          <p:nvPr>
+            <p:ph type="title"/>
+          </p:nvPr>
+        </p:nvSpPr>
+        <p:spPr/>
+        <p:txBody>
+          <a:bodyPr/>
+          <a:lstStyle/>
+          <a:p>
+            <a:endParaRPr lang="en-US"/>
+          </a:p>
+        </p:txBody>
+      </p:sp>
+      <p:sp>
+        <p:nvSpPr>
+          <p:cNvPr id="3" name="Content Placeholder 2"/>
+          <p:cNvSpPr>
+            <a:spLocks noGrp="1"/>
+          </p:cNvSpPr>
+          <p:nvPr>
+            <p:ph idx="1"/>
+          </p:nvPr>
+        </p:nvSpPr>
+        <p:spPr/>
+        <p:txBody>
+          <a:bodyPr/>
+          <a:lstStyle/>
+          <a:p>
+            <a:endParaRPr lang="en-US"/>
+          </a:p>
+        </p:txBody>
+      </p:sp>
+    </p:spTree>
+    <p:extLst>
+      <p:ext uri="{BB962C8B-B14F-4D97-AF65-F5344CB8AC3E}">
+        <p14:creationId xmlns:p14="http://schemas.microsoft.com/office/powerpoint/2010/main" val="1394043056"/>
+      </p:ext>
+    </p:extLst>
+  </p:cSld>
+  <p:clrMapOvr>
+    <a:masterClrMapping/>
+  </p:clrMapOvr>
+</p:sld>
+</file>
+
+<file path=ppt/slides/slide16.xml><?xml version="1.0" encoding="utf-8"?>
+<p:sld xmlns:a="http://schemas.openxmlformats.org/drawingml/2006/main" xmlns:r="http://schemas.openxmlformats.org/officeDocument/2006/relationships" xmlns:p="http://schemas.openxmlformats.org/presentationml/2006/main">
+  <p:cSld>
+    <p:spTree>
+      <p:nvGrpSpPr>
+        <p:cNvPr id="1" name=""/>
+        <p:cNvGrpSpPr/>
+        <p:nvPr/>
+      </p:nvGrpSpPr>
+      <p:grpSpPr>
+        <a:xfrm>
+          <a:off x="0" y="0"/>
+          <a:ext cx="0" cy="0"/>
+          <a:chOff x="0" y="0"/>
+          <a:chExt cx="0" cy="0"/>
+        </a:xfrm>
+      </p:grpSpPr>
+      <p:sp>
+        <p:nvSpPr>
+          <p:cNvPr id="2" name="Title 1"/>
+          <p:cNvSpPr>
+            <a:spLocks noGrp="1"/>
+          </p:cNvSpPr>
+          <p:nvPr>
+            <p:ph type="title"/>
+          </p:nvPr>
+        </p:nvSpPr>
+        <p:spPr/>
+        <p:txBody>
+          <a:bodyPr/>
+          <a:lstStyle/>
+          <a:p>
+            <a:endParaRPr lang="en-US"/>
+          </a:p>
+        </p:txBody>
+      </p:sp>
+      <p:sp>
+        <p:nvSpPr>
+          <p:cNvPr id="3" name="Content Placeholder 2"/>
+          <p:cNvSpPr>
+            <a:spLocks noGrp="1"/>
+          </p:cNvSpPr>
+          <p:nvPr>
+            <p:ph idx="1"/>
+          </p:nvPr>
+        </p:nvSpPr>
+        <p:spPr/>
+        <p:txBody>
+          <a:bodyPr/>
+          <a:lstStyle/>
+          <a:p>
+            <a:endParaRPr lang="en-US"/>
+          </a:p>
+        </p:txBody>
+      </p:sp>
+    </p:spTree>
+    <p:extLst>
+      <p:ext uri="{BB962C8B-B14F-4D97-AF65-F5344CB8AC3E}">
+        <p14:creationId xmlns:p14="http://schemas.microsoft.com/office/powerpoint/2010/main" val="273974870"/>
+      </p:ext>
+    </p:extLst>
+  </p:cSld>
+  <p:clrMapOvr>
+    <a:masterClrMapping/>
+  </p:clrMapOvr>
+</p:sld>
+</file>
+
+<file path=ppt/slides/slide17.xml><?xml version="1.0" encoding="utf-8"?>
+<p:sld xmlns:a="http://schemas.openxmlformats.org/drawingml/2006/main" xmlns:r="http://schemas.openxmlformats.org/officeDocument/2006/relationships" xmlns:p="http://schemas.openxmlformats.org/presentationml/2006/main">
+  <p:cSld>
+    <p:spTree>
+      <p:nvGrpSpPr>
+        <p:cNvPr id="1" name=""/>
+        <p:cNvGrpSpPr/>
+        <p:nvPr/>
+      </p:nvGrpSpPr>
+      <p:grpSpPr>
+        <a:xfrm>
+          <a:off x="0" y="0"/>
+          <a:ext cx="0" cy="0"/>
+          <a:chOff x="0" y="0"/>
+          <a:chExt cx="0" cy="0"/>
+        </a:xfrm>
+      </p:grpSpPr>
+      <p:sp>
+        <p:nvSpPr>
+          <p:cNvPr id="2" name="Title 1"/>
+          <p:cNvSpPr>
+            <a:spLocks noGrp="1"/>
+          </p:cNvSpPr>
+          <p:nvPr>
+            <p:ph type="title"/>
+          </p:nvPr>
+        </p:nvSpPr>
+        <p:spPr/>
+        <p:txBody>
+          <a:bodyPr/>
+          <a:lstStyle/>
+          <a:p>
+            <a:endParaRPr lang="en-US"/>
+          </a:p>
+        </p:txBody>
+      </p:sp>
+      <p:sp>
+        <p:nvSpPr>
+          <p:cNvPr id="3" name="Content Placeholder 2"/>
+          <p:cNvSpPr>
+            <a:spLocks noGrp="1"/>
+          </p:cNvSpPr>
+          <p:nvPr>
+            <p:ph idx="1"/>
+          </p:nvPr>
+        </p:nvSpPr>
+        <p:spPr/>
+        <p:txBody>
+          <a:bodyPr/>
+          <a:lstStyle/>
+          <a:p>
+            <a:endParaRPr lang="en-US"/>
+          </a:p>
+        </p:txBody>
+      </p:sp>
+    </p:spTree>
+    <p:extLst>
+      <p:ext uri="{BB962C8B-B14F-4D97-AF65-F5344CB8AC3E}">
+        <p14:creationId xmlns:p14="http://schemas.microsoft.com/office/powerpoint/2010/main" val="4180595628"/>
+      </p:ext>
+    </p:extLst>
+  </p:cSld>
+  <p:clrMapOvr>
+    <a:masterClrMapping/>
+  </p:clrMapOvr>
+</p:sld>
+</file>
+
+<file path=ppt/slides/slide18.xml><?xml version="1.0" encoding="utf-8"?>
+<p:sld xmlns:a="http://schemas.openxmlformats.org/drawingml/2006/main" xmlns:r="http://schemas.openxmlformats.org/officeDocument/2006/relationships" xmlns:p="http://schemas.openxmlformats.org/presentationml/2006/main">
+  <p:cSld>
+    <p:spTree>
+      <p:nvGrpSpPr>
+        <p:cNvPr id="1" name=""/>
+        <p:cNvGrpSpPr/>
+        <p:nvPr/>
+      </p:nvGrpSpPr>
+      <p:grpSpPr>
+        <a:xfrm>
+          <a:off x="0" y="0"/>
+          <a:ext cx="0" cy="0"/>
+          <a:chOff x="0" y="0"/>
+          <a:chExt cx="0" cy="0"/>
+        </a:xfrm>
+      </p:grpSpPr>
+      <p:sp>
+        <p:nvSpPr>
+          <p:cNvPr id="2" name="Title 1"/>
+          <p:cNvSpPr>
+            <a:spLocks noGrp="1"/>
+          </p:cNvSpPr>
+          <p:nvPr>
+            <p:ph type="title"/>
+          </p:nvPr>
+        </p:nvSpPr>
+        <p:spPr/>
+        <p:txBody>
+          <a:bodyPr/>
+          <a:lstStyle/>
+          <a:p>
+            <a:endParaRPr lang="en-US"/>
+          </a:p>
+        </p:txBody>
+      </p:sp>
+      <p:sp>
+        <p:nvSpPr>
+          <p:cNvPr id="3" name="Content Placeholder 2"/>
+          <p:cNvSpPr>
+            <a:spLocks noGrp="1"/>
+          </p:cNvSpPr>
+          <p:nvPr>
+            <p:ph idx="1"/>
+          </p:nvPr>
+        </p:nvSpPr>
+        <p:spPr/>
+        <p:txBody>
+          <a:bodyPr/>
+          <a:lstStyle/>
+          <a:p>
+            <a:endParaRPr lang="en-US"/>
+          </a:p>
+        </p:txBody>
+      </p:sp>
+    </p:spTree>
+    <p:extLst>
+      <p:ext uri="{BB962C8B-B14F-4D97-AF65-F5344CB8AC3E}">
+        <p14:creationId xmlns:p14="http://schemas.microsoft.com/office/powerpoint/2010/main" val="4059136810"/>
+      </p:ext>
+    </p:extLst>
+  </p:cSld>
+  <p:clrMapOvr>
+    <a:masterClrMapping/>
+  </p:clrMapOvr>
+</p:sld>
+</file>
+
+<file path=ppt/slides/slide19.xml><?xml version="1.0" encoding="utf-8"?>
+<p:sld xmlns:a="http://schemas.openxmlformats.org/drawingml/2006/main" xmlns:r="http://schemas.openxmlformats.org/officeDocument/2006/relationships" xmlns:p="http://schemas.openxmlformats.org/presentationml/2006/main">
+  <p:cSld>
+    <p:spTree>
+      <p:nvGrpSpPr>
+        <p:cNvPr id="1" name=""/>
+        <p:cNvGrpSpPr/>
+        <p:nvPr/>
+      </p:nvGrpSpPr>
+      <p:grpSpPr>
+        <a:xfrm>
+          <a:off x="0" y="0"/>
+          <a:ext cx="0" cy="0"/>
+          <a:chOff x="0" y="0"/>
+          <a:chExt cx="0" cy="0"/>
+        </a:xfrm>
+      </p:grpSpPr>
+      <p:sp>
+        <p:nvSpPr>
+          <p:cNvPr id="2" name="Title 1"/>
+          <p:cNvSpPr>
+            <a:spLocks noGrp="1"/>
+          </p:cNvSpPr>
+          <p:nvPr>
+            <p:ph type="title"/>
+          </p:nvPr>
+        </p:nvSpPr>
+        <p:spPr/>
+        <p:txBody>
+          <a:bodyPr/>
+          <a:lstStyle/>
+          <a:p>
+            <a:endParaRPr lang="en-US"/>
+          </a:p>
+        </p:txBody>
+      </p:sp>
+      <p:sp>
+        <p:nvSpPr>
+          <p:cNvPr id="3" name="Content Placeholder 2"/>
+          <p:cNvSpPr>
+            <a:spLocks noGrp="1"/>
+          </p:cNvSpPr>
+          <p:nvPr>
+            <p:ph idx="1"/>
+          </p:nvPr>
+        </p:nvSpPr>
+        <p:spPr/>
+        <p:txBody>
+          <a:bodyPr/>
+          <a:lstStyle/>
+          <a:p>
+            <a:endParaRPr lang="en-US"/>
+          </a:p>
+        </p:txBody>
+      </p:sp>
+    </p:spTree>
+    <p:extLst>
+      <p:ext uri="{BB962C8B-B14F-4D97-AF65-F5344CB8AC3E}">
+        <p14:creationId xmlns:p14="http://schemas.microsoft.com/office/powerpoint/2010/main" val="872599586"/>
       </p:ext>
     </p:extLst>
   </p:cSld>
@@ -6568,6 +7162,74 @@
       </p:par>
     </p:tnLst>
   </p:timing>
+</p:sld>
+</file>
+
+<file path=ppt/slides/slide20.xml><?xml version="1.0" encoding="utf-8"?>
+<p:sld xmlns:a="http://schemas.openxmlformats.org/drawingml/2006/main" xmlns:r="http://schemas.openxmlformats.org/officeDocument/2006/relationships" xmlns:p="http://schemas.openxmlformats.org/presentationml/2006/main">
+  <p:cSld>
+    <p:spTree>
+      <p:nvGrpSpPr>
+        <p:cNvPr id="1" name=""/>
+        <p:cNvGrpSpPr/>
+        <p:nvPr/>
+      </p:nvGrpSpPr>
+      <p:grpSpPr>
+        <a:xfrm>
+          <a:off x="0" y="0"/>
+          <a:ext cx="0" cy="0"/>
+          <a:chOff x="0" y="0"/>
+          <a:chExt cx="0" cy="0"/>
+        </a:xfrm>
+      </p:grpSpPr>
+      <p:sp>
+        <p:nvSpPr>
+          <p:cNvPr id="2" name="Title 1"/>
+          <p:cNvSpPr>
+            <a:spLocks noGrp="1"/>
+          </p:cNvSpPr>
+          <p:nvPr>
+            <p:ph type="title"/>
+          </p:nvPr>
+        </p:nvSpPr>
+        <p:spPr/>
+        <p:txBody>
+          <a:bodyPr/>
+          <a:lstStyle/>
+          <a:p>
+            <a:endParaRPr lang="en-US"/>
+          </a:p>
+        </p:txBody>
+      </p:sp>
+      <p:sp>
+        <p:nvSpPr>
+          <p:cNvPr id="3" name="Content Placeholder 2"/>
+          <p:cNvSpPr>
+            <a:spLocks noGrp="1"/>
+          </p:cNvSpPr>
+          <p:nvPr>
+            <p:ph idx="1"/>
+          </p:nvPr>
+        </p:nvSpPr>
+        <p:spPr/>
+        <p:txBody>
+          <a:bodyPr/>
+          <a:lstStyle/>
+          <a:p>
+            <a:endParaRPr lang="en-US"/>
+          </a:p>
+        </p:txBody>
+      </p:sp>
+    </p:spTree>
+    <p:extLst>
+      <p:ext uri="{BB962C8B-B14F-4D97-AF65-F5344CB8AC3E}">
+        <p14:creationId xmlns:p14="http://schemas.microsoft.com/office/powerpoint/2010/main" val="128213998"/>
+      </p:ext>
+    </p:extLst>
+  </p:cSld>
+  <p:clrMapOvr>
+    <a:masterClrMapping/>
+  </p:clrMapOvr>
 </p:sld>
 </file>
 

--- a/ارائه مهندسي نيازمندي ها.pptx
+++ b/ارائه مهندسي نيازمندي ها.pptx
@@ -4,6 +4,9 @@
   <p:sldMasterIdLst>
     <p:sldMasterId id="2147483932" r:id="rId1"/>
   </p:sldMasterIdLst>
+  <p:notesMasterIdLst>
+    <p:notesMasterId r:id="rId23"/>
+  </p:notesMasterIdLst>
   <p:sldIdLst>
     <p:sldId id="257" r:id="rId2"/>
     <p:sldId id="260" r:id="rId3"/>
@@ -22,9 +25,10 @@
     <p:sldId id="271" r:id="rId16"/>
     <p:sldId id="272" r:id="rId17"/>
     <p:sldId id="273" r:id="rId18"/>
-    <p:sldId id="274" r:id="rId19"/>
-    <p:sldId id="275" r:id="rId20"/>
-    <p:sldId id="276" r:id="rId21"/>
+    <p:sldId id="277" r:id="rId19"/>
+    <p:sldId id="274" r:id="rId20"/>
+    <p:sldId id="275" r:id="rId21"/>
+    <p:sldId id="276" r:id="rId22"/>
   </p:sldIdLst>
   <p:sldSz cx="12192000" cy="6858000"/>
   <p:notesSz cx="6858000" cy="9144000"/>
@@ -129,6 +133,484 @@
     </p:ext>
   </p:extLst>
 </p:presentation>
+</file>
+
+<file path=ppt/notesMasters/notesMaster1.xml><?xml version="1.0" encoding="utf-8"?>
+<p:notesMaster xmlns:a="http://schemas.openxmlformats.org/drawingml/2006/main" xmlns:r="http://schemas.openxmlformats.org/officeDocument/2006/relationships" xmlns:p="http://schemas.openxmlformats.org/presentationml/2006/main">
+  <p:cSld>
+    <p:bg>
+      <p:bgRef idx="1001">
+        <a:schemeClr val="bg1"/>
+      </p:bgRef>
+    </p:bg>
+    <p:spTree>
+      <p:nvGrpSpPr>
+        <p:cNvPr id="1" name=""/>
+        <p:cNvGrpSpPr/>
+        <p:nvPr/>
+      </p:nvGrpSpPr>
+      <p:grpSpPr>
+        <a:xfrm>
+          <a:off x="0" y="0"/>
+          <a:ext cx="0" cy="0"/>
+          <a:chOff x="0" y="0"/>
+          <a:chExt cx="0" cy="0"/>
+        </a:xfrm>
+      </p:grpSpPr>
+      <p:sp>
+        <p:nvSpPr>
+          <p:cNvPr id="2" name="Header Placeholder 1"/>
+          <p:cNvSpPr>
+            <a:spLocks noGrp="1"/>
+          </p:cNvSpPr>
+          <p:nvPr>
+            <p:ph type="hdr" sz="quarter"/>
+          </p:nvPr>
+        </p:nvSpPr>
+        <p:spPr>
+          <a:xfrm>
+            <a:off x="0" y="0"/>
+            <a:ext cx="2971800" cy="458788"/>
+          </a:xfrm>
+          <a:prstGeom prst="rect">
+            <a:avLst/>
+          </a:prstGeom>
+        </p:spPr>
+        <p:txBody>
+          <a:bodyPr vert="horz" lIns="91440" tIns="45720" rIns="91440" bIns="45720" rtlCol="0"/>
+          <a:lstStyle>
+            <a:lvl1pPr algn="r">
+              <a:defRPr sz="1200">
+                <a:cs typeface="B Nazanin" panose="00000400000000000000" pitchFamily="2" charset="-78"/>
+              </a:defRPr>
+            </a:lvl1pPr>
+          </a:lstStyle>
+          <a:p>
+            <a:endParaRPr lang="fa-IR" dirty="0"/>
+          </a:p>
+        </p:txBody>
+      </p:sp>
+      <p:sp>
+        <p:nvSpPr>
+          <p:cNvPr id="3" name="Date Placeholder 2"/>
+          <p:cNvSpPr>
+            <a:spLocks noGrp="1"/>
+          </p:cNvSpPr>
+          <p:nvPr>
+            <p:ph type="dt" idx="1"/>
+          </p:nvPr>
+        </p:nvSpPr>
+        <p:spPr>
+          <a:xfrm>
+            <a:off x="3884613" y="0"/>
+            <a:ext cx="2971800" cy="458788"/>
+          </a:xfrm>
+          <a:prstGeom prst="rect">
+            <a:avLst/>
+          </a:prstGeom>
+        </p:spPr>
+        <p:txBody>
+          <a:bodyPr vert="horz" lIns="91440" tIns="45720" rIns="91440" bIns="45720" rtlCol="0"/>
+          <a:lstStyle>
+            <a:lvl1pPr algn="l">
+              <a:defRPr sz="1200">
+                <a:cs typeface="B Nazanin" panose="00000400000000000000" pitchFamily="2" charset="-78"/>
+              </a:defRPr>
+            </a:lvl1pPr>
+          </a:lstStyle>
+          <a:p>
+            <a:fld id="{D5904EEC-1544-4F8A-9627-C15A01248C3F}" type="datetimeFigureOut">
+              <a:rPr lang="fa-IR" smtClean="0"/>
+              <a:pPr/>
+              <a:t>27/05/1443</a:t>
+            </a:fld>
+            <a:endParaRPr lang="fa-IR" dirty="0"/>
+          </a:p>
+        </p:txBody>
+      </p:sp>
+      <p:sp>
+        <p:nvSpPr>
+          <p:cNvPr id="4" name="Slide Image Placeholder 3"/>
+          <p:cNvSpPr>
+            <a:spLocks noGrp="1" noRot="1" noChangeAspect="1"/>
+          </p:cNvSpPr>
+          <p:nvPr>
+            <p:ph type="sldImg" idx="2"/>
+          </p:nvPr>
+        </p:nvSpPr>
+        <p:spPr>
+          <a:xfrm>
+            <a:off x="685800" y="1143000"/>
+            <a:ext cx="5486400" cy="3086100"/>
+          </a:xfrm>
+          <a:prstGeom prst="rect">
+            <a:avLst/>
+          </a:prstGeom>
+          <a:noFill/>
+          <a:ln w="12700">
+            <a:solidFill>
+              <a:prstClr val="black"/>
+            </a:solidFill>
+          </a:ln>
+        </p:spPr>
+        <p:txBody>
+          <a:bodyPr vert="horz" lIns="91440" tIns="45720" rIns="91440" bIns="45720" rtlCol="0" anchor="ctr"/>
+          <a:lstStyle/>
+          <a:p>
+            <a:endParaRPr lang="fa-IR" dirty="0"/>
+          </a:p>
+        </p:txBody>
+      </p:sp>
+      <p:sp>
+        <p:nvSpPr>
+          <p:cNvPr id="5" name="Notes Placeholder 4"/>
+          <p:cNvSpPr>
+            <a:spLocks noGrp="1"/>
+          </p:cNvSpPr>
+          <p:nvPr>
+            <p:ph type="body" sz="quarter" idx="3"/>
+          </p:nvPr>
+        </p:nvSpPr>
+        <p:spPr>
+          <a:xfrm>
+            <a:off x="685800" y="4400550"/>
+            <a:ext cx="5486400" cy="3600450"/>
+          </a:xfrm>
+          <a:prstGeom prst="rect">
+            <a:avLst/>
+          </a:prstGeom>
+        </p:spPr>
+        <p:txBody>
+          <a:bodyPr vert="horz" lIns="91440" tIns="45720" rIns="91440" bIns="45720" rtlCol="0"/>
+          <a:lstStyle/>
+          <a:p>
+            <a:pPr lvl="0"/>
+            <a:r>
+              <a:rPr lang="en-US" dirty="0" smtClean="0"/>
+              <a:t>Edit Master text styles</a:t>
+            </a:r>
+          </a:p>
+          <a:p>
+            <a:pPr lvl="1"/>
+            <a:r>
+              <a:rPr lang="en-US" dirty="0" smtClean="0"/>
+              <a:t>Second level</a:t>
+            </a:r>
+          </a:p>
+          <a:p>
+            <a:pPr lvl="2"/>
+            <a:r>
+              <a:rPr lang="en-US" dirty="0" smtClean="0"/>
+              <a:t>Third level</a:t>
+            </a:r>
+          </a:p>
+          <a:p>
+            <a:pPr lvl="3"/>
+            <a:r>
+              <a:rPr lang="en-US" dirty="0" smtClean="0"/>
+              <a:t>Fourth level</a:t>
+            </a:r>
+          </a:p>
+          <a:p>
+            <a:pPr lvl="4"/>
+            <a:r>
+              <a:rPr lang="en-US" dirty="0" smtClean="0"/>
+              <a:t>Fifth level</a:t>
+            </a:r>
+            <a:endParaRPr lang="fa-IR" dirty="0"/>
+          </a:p>
+        </p:txBody>
+      </p:sp>
+      <p:sp>
+        <p:nvSpPr>
+          <p:cNvPr id="6" name="Footer Placeholder 5"/>
+          <p:cNvSpPr>
+            <a:spLocks noGrp="1"/>
+          </p:cNvSpPr>
+          <p:nvPr>
+            <p:ph type="ftr" sz="quarter" idx="4"/>
+          </p:nvPr>
+        </p:nvSpPr>
+        <p:spPr>
+          <a:xfrm>
+            <a:off x="0" y="8685213"/>
+            <a:ext cx="2971800" cy="458787"/>
+          </a:xfrm>
+          <a:prstGeom prst="rect">
+            <a:avLst/>
+          </a:prstGeom>
+        </p:spPr>
+        <p:txBody>
+          <a:bodyPr vert="horz" lIns="91440" tIns="45720" rIns="91440" bIns="45720" rtlCol="0" anchor="b"/>
+          <a:lstStyle>
+            <a:lvl1pPr algn="r">
+              <a:defRPr sz="1200">
+                <a:cs typeface="B Nazanin" panose="00000400000000000000" pitchFamily="2" charset="-78"/>
+              </a:defRPr>
+            </a:lvl1pPr>
+          </a:lstStyle>
+          <a:p>
+            <a:endParaRPr lang="fa-IR" dirty="0"/>
+          </a:p>
+        </p:txBody>
+      </p:sp>
+      <p:sp>
+        <p:nvSpPr>
+          <p:cNvPr id="7" name="Slide Number Placeholder 6"/>
+          <p:cNvSpPr>
+            <a:spLocks noGrp="1"/>
+          </p:cNvSpPr>
+          <p:nvPr>
+            <p:ph type="sldNum" sz="quarter" idx="5"/>
+          </p:nvPr>
+        </p:nvSpPr>
+        <p:spPr>
+          <a:xfrm>
+            <a:off x="3884613" y="8685213"/>
+            <a:ext cx="2971800" cy="458787"/>
+          </a:xfrm>
+          <a:prstGeom prst="rect">
+            <a:avLst/>
+          </a:prstGeom>
+        </p:spPr>
+        <p:txBody>
+          <a:bodyPr vert="horz" lIns="91440" tIns="45720" rIns="91440" bIns="45720" rtlCol="0" anchor="b"/>
+          <a:lstStyle>
+            <a:lvl1pPr algn="l">
+              <a:defRPr sz="1200">
+                <a:cs typeface="B Nazanin" panose="00000400000000000000" pitchFamily="2" charset="-78"/>
+              </a:defRPr>
+            </a:lvl1pPr>
+          </a:lstStyle>
+          <a:p>
+            <a:fld id="{888333F8-F81D-47B6-A515-82D4D6D258EC}" type="slidenum">
+              <a:rPr lang="fa-IR" smtClean="0"/>
+              <a:pPr/>
+              <a:t>‹#›</a:t>
+            </a:fld>
+            <a:endParaRPr lang="fa-IR" dirty="0"/>
+          </a:p>
+        </p:txBody>
+      </p:sp>
+    </p:spTree>
+    <p:extLst>
+      <p:ext uri="{BB962C8B-B14F-4D97-AF65-F5344CB8AC3E}">
+        <p14:creationId xmlns:p14="http://schemas.microsoft.com/office/powerpoint/2010/main" val="4158710765"/>
+      </p:ext>
+    </p:extLst>
+  </p:cSld>
+  <p:clrMap bg1="lt1" tx1="dk1" bg2="lt2" tx2="dk2" accent1="accent1" accent2="accent2" accent3="accent3" accent4="accent4" accent5="accent5" accent6="accent6" hlink="hlink" folHlink="folHlink"/>
+  <p:notesStyle>
+    <a:lvl1pPr marL="0" algn="l" defTabSz="914400" rtl="0" eaLnBrk="1" latinLnBrk="0" hangingPunct="1">
+      <a:defRPr sz="1200" kern="1200">
+        <a:solidFill>
+          <a:schemeClr val="tx1"/>
+        </a:solidFill>
+        <a:latin typeface="+mn-lt"/>
+        <a:ea typeface="+mn-ea"/>
+        <a:cs typeface="B Nazanin" panose="00000400000000000000" pitchFamily="2" charset="-78"/>
+      </a:defRPr>
+    </a:lvl1pPr>
+    <a:lvl2pPr marL="457200" algn="l" defTabSz="914400" rtl="0" eaLnBrk="1" latinLnBrk="0" hangingPunct="1">
+      <a:defRPr sz="1200" kern="1200">
+        <a:solidFill>
+          <a:schemeClr val="tx1"/>
+        </a:solidFill>
+        <a:latin typeface="+mn-lt"/>
+        <a:ea typeface="+mn-ea"/>
+        <a:cs typeface="+mn-cs"/>
+      </a:defRPr>
+    </a:lvl2pPr>
+    <a:lvl3pPr marL="914400" algn="l" defTabSz="914400" rtl="0" eaLnBrk="1" latinLnBrk="0" hangingPunct="1">
+      <a:defRPr sz="1200" kern="1200">
+        <a:solidFill>
+          <a:schemeClr val="tx1"/>
+        </a:solidFill>
+        <a:latin typeface="+mn-lt"/>
+        <a:ea typeface="+mn-ea"/>
+        <a:cs typeface="+mn-cs"/>
+      </a:defRPr>
+    </a:lvl3pPr>
+    <a:lvl4pPr marL="1371600" algn="l" defTabSz="914400" rtl="0" eaLnBrk="1" latinLnBrk="0" hangingPunct="1">
+      <a:defRPr sz="1200" kern="1200">
+        <a:solidFill>
+          <a:schemeClr val="tx1"/>
+        </a:solidFill>
+        <a:latin typeface="+mn-lt"/>
+        <a:ea typeface="+mn-ea"/>
+        <a:cs typeface="+mn-cs"/>
+      </a:defRPr>
+    </a:lvl4pPr>
+    <a:lvl5pPr marL="1828800" algn="l" defTabSz="914400" rtl="0" eaLnBrk="1" latinLnBrk="0" hangingPunct="1">
+      <a:defRPr sz="1200" kern="1200">
+        <a:solidFill>
+          <a:schemeClr val="tx1"/>
+        </a:solidFill>
+        <a:latin typeface="+mn-lt"/>
+        <a:ea typeface="+mn-ea"/>
+        <a:cs typeface="B Nazanin" panose="00000400000000000000" pitchFamily="2" charset="-78"/>
+      </a:defRPr>
+    </a:lvl5pPr>
+    <a:lvl6pPr marL="2286000" algn="l" defTabSz="914400" rtl="0" eaLnBrk="1" latinLnBrk="0" hangingPunct="1">
+      <a:defRPr sz="1200" kern="1200">
+        <a:solidFill>
+          <a:schemeClr val="tx1"/>
+        </a:solidFill>
+        <a:latin typeface="+mn-lt"/>
+        <a:ea typeface="+mn-ea"/>
+        <a:cs typeface="+mn-cs"/>
+      </a:defRPr>
+    </a:lvl6pPr>
+    <a:lvl7pPr marL="2743200" algn="l" defTabSz="914400" rtl="0" eaLnBrk="1" latinLnBrk="0" hangingPunct="1">
+      <a:defRPr sz="1200" kern="1200">
+        <a:solidFill>
+          <a:schemeClr val="tx1"/>
+        </a:solidFill>
+        <a:latin typeface="+mn-lt"/>
+        <a:ea typeface="+mn-ea"/>
+        <a:cs typeface="+mn-cs"/>
+      </a:defRPr>
+    </a:lvl7pPr>
+    <a:lvl8pPr marL="3200400" algn="l" defTabSz="914400" rtl="0" eaLnBrk="1" latinLnBrk="0" hangingPunct="1">
+      <a:defRPr sz="1200" kern="1200">
+        <a:solidFill>
+          <a:schemeClr val="tx1"/>
+        </a:solidFill>
+        <a:latin typeface="+mn-lt"/>
+        <a:ea typeface="+mn-ea"/>
+        <a:cs typeface="+mn-cs"/>
+      </a:defRPr>
+    </a:lvl8pPr>
+    <a:lvl9pPr marL="3657600" algn="l" defTabSz="914400" rtl="0" eaLnBrk="1" latinLnBrk="0" hangingPunct="1">
+      <a:defRPr sz="1200" kern="1200">
+        <a:solidFill>
+          <a:schemeClr val="tx1"/>
+        </a:solidFill>
+        <a:latin typeface="+mn-lt"/>
+        <a:ea typeface="+mn-ea"/>
+        <a:cs typeface="+mn-cs"/>
+      </a:defRPr>
+    </a:lvl9pPr>
+  </p:notesStyle>
+</p:notesMaster>
+</file>
+
+<file path=ppt/notesSlides/notesSlide1.xml><?xml version="1.0" encoding="utf-8"?>
+<p:notes xmlns:a="http://schemas.openxmlformats.org/drawingml/2006/main" xmlns:r="http://schemas.openxmlformats.org/officeDocument/2006/relationships" xmlns:p="http://schemas.openxmlformats.org/presentationml/2006/main">
+  <p:cSld>
+    <p:spTree>
+      <p:nvGrpSpPr>
+        <p:cNvPr id="1" name=""/>
+        <p:cNvGrpSpPr/>
+        <p:nvPr/>
+      </p:nvGrpSpPr>
+      <p:grpSpPr>
+        <a:xfrm>
+          <a:off x="0" y="0"/>
+          <a:ext cx="0" cy="0"/>
+          <a:chOff x="0" y="0"/>
+          <a:chExt cx="0" cy="0"/>
+        </a:xfrm>
+      </p:grpSpPr>
+      <p:sp>
+        <p:nvSpPr>
+          <p:cNvPr id="2" name="Slide Image Placeholder 1"/>
+          <p:cNvSpPr>
+            <a:spLocks noGrp="1" noRot="1" noChangeAspect="1"/>
+          </p:cNvSpPr>
+          <p:nvPr>
+            <p:ph type="sldImg"/>
+          </p:nvPr>
+        </p:nvSpPr>
+        <p:spPr/>
+      </p:sp>
+      <p:sp>
+        <p:nvSpPr>
+          <p:cNvPr id="3" name="Notes Placeholder 2"/>
+          <p:cNvSpPr>
+            <a:spLocks noGrp="1"/>
+          </p:cNvSpPr>
+          <p:nvPr>
+            <p:ph type="body" idx="1"/>
+          </p:nvPr>
+        </p:nvSpPr>
+        <p:spPr/>
+        <p:txBody>
+          <a:bodyPr/>
+          <a:lstStyle/>
+          <a:p>
+            <a:pPr marL="457200" marR="0" algn="l" rtl="1">
+              <a:lnSpc>
+                <a:spcPct val="107000"/>
+              </a:lnSpc>
+              <a:spcBef>
+                <a:spcPts val="0"/>
+              </a:spcBef>
+              <a:spcAft>
+                <a:spcPts val="800"/>
+              </a:spcAft>
+            </a:pPr>
+            <a:r>
+              <a:rPr lang="en-US" sz="1200" dirty="0" smtClean="0">
+                <a:effectLst/>
+                <a:latin typeface="Calibri" panose="020F0502020204030204" pitchFamily="34" charset="0"/>
+                <a:ea typeface="Calibri" panose="020F0502020204030204" pitchFamily="34" charset="0"/>
+              </a:rPr>
+              <a:t>Every kind of project—corporate information systems, commercial applications, embedded systems, websites, contracted software—needs suitable representatives to provide the voice of the user. These users should be involved throughout the development life cycle, not just in an isolated requirements phase at the beginning of the project. Each user class needs someone to speak for it</a:t>
+            </a:r>
+            <a:endParaRPr lang="en-US" sz="1050" dirty="0" smtClean="0">
+              <a:effectLst/>
+              <a:latin typeface="Calibri" panose="020F0502020204030204" pitchFamily="34" charset="0"/>
+              <a:ea typeface="Calibri" panose="020F0502020204030204" pitchFamily="34" charset="0"/>
+            </a:endParaRPr>
+          </a:p>
+          <a:p>
+            <a:r>
+              <a:rPr lang="fa-IR" sz="1200" dirty="0" smtClean="0">
+                <a:effectLst/>
+                <a:latin typeface="Calibri" panose="020F0502020204030204" pitchFamily="34" charset="0"/>
+                <a:ea typeface="Calibri" panose="020F0502020204030204" pitchFamily="34" charset="0"/>
+              </a:rPr>
+              <a:t>هر نوع پروژه ای- شرکت های اطلاع رسانی حقوقی، نرم افزار های تجاری ، امبدد سیستم ها ، وب سایت ها، نرم افزار های قراردادی – به نماینده مناسبی احتایج داند  تا صدای کاربر را به اطلاع برساند این کاربران باید در طول چرخه عمر توسعه شرکت داشته باشند ، نه فقط در یک فاز بسته نیازمندی در آغاز پروژه . هر کلاس کاربری به شخصی نیاز دارد تا از طرفش صحبت کند . </a:t>
+            </a:r>
+            <a:endParaRPr lang="fa-IR" dirty="0"/>
+          </a:p>
+        </p:txBody>
+      </p:sp>
+      <p:sp>
+        <p:nvSpPr>
+          <p:cNvPr id="4" name="Slide Number Placeholder 3"/>
+          <p:cNvSpPr>
+            <a:spLocks noGrp="1"/>
+          </p:cNvSpPr>
+          <p:nvPr>
+            <p:ph type="sldNum" sz="quarter" idx="10"/>
+          </p:nvPr>
+        </p:nvSpPr>
+        <p:spPr/>
+        <p:txBody>
+          <a:bodyPr/>
+          <a:lstStyle/>
+          <a:p>
+            <a:fld id="{888333F8-F81D-47B6-A515-82D4D6D258EC}" type="slidenum">
+              <a:rPr lang="fa-IR" smtClean="0"/>
+              <a:t>15</a:t>
+            </a:fld>
+            <a:endParaRPr lang="fa-IR"/>
+          </a:p>
+        </p:txBody>
+      </p:sp>
+    </p:spTree>
+    <p:extLst>
+      <p:ext uri="{BB962C8B-B14F-4D97-AF65-F5344CB8AC3E}">
+        <p14:creationId xmlns:p14="http://schemas.microsoft.com/office/powerpoint/2010/main" val="445034964"/>
+      </p:ext>
+    </p:extLst>
+  </p:cSld>
+  <p:clrMapOvr>
+    <a:masterClrMapping/>
+  </p:clrMapOvr>
+</p:notes>
 </file>
 
 <file path=ppt/slideLayouts/slideLayout1.xml><?xml version="1.0" encoding="utf-8"?>
@@ -853,7 +1335,7 @@
           <a:p>
             <a:fld id="{02730C7D-E670-452F-99B3-10B0C33A0E2C}" type="datetimeFigureOut">
               <a:rPr lang="en-US" smtClean="0"/>
-              <a:t>12/25/2021</a:t>
+              <a:t>12/31/2021</a:t>
             </a:fld>
             <a:endParaRPr lang="en-US"/>
           </a:p>
@@ -1104,7 +1586,7 @@
           <a:p>
             <a:fld id="{02730C7D-E670-452F-99B3-10B0C33A0E2C}" type="datetimeFigureOut">
               <a:rPr lang="en-US" smtClean="0"/>
-              <a:t>12/25/2021</a:t>
+              <a:t>12/31/2021</a:t>
             </a:fld>
             <a:endParaRPr lang="en-US"/>
           </a:p>
@@ -1418,7 +1900,7 @@
           <a:p>
             <a:fld id="{02730C7D-E670-452F-99B3-10B0C33A0E2C}" type="datetimeFigureOut">
               <a:rPr lang="en-US" smtClean="0"/>
-              <a:t>12/25/2021</a:t>
+              <a:t>12/31/2021</a:t>
             </a:fld>
             <a:endParaRPr lang="en-US"/>
           </a:p>
@@ -1759,7 +2241,7 @@
           <a:p>
             <a:fld id="{02730C7D-E670-452F-99B3-10B0C33A0E2C}" type="datetimeFigureOut">
               <a:rPr lang="en-US" smtClean="0"/>
-              <a:t>12/25/2021</a:t>
+              <a:t>12/31/2021</a:t>
             </a:fld>
             <a:endParaRPr lang="en-US"/>
           </a:p>
@@ -2073,7 +2555,7 @@
           <a:p>
             <a:fld id="{02730C7D-E670-452F-99B3-10B0C33A0E2C}" type="datetimeFigureOut">
               <a:rPr lang="en-US" smtClean="0"/>
-              <a:t>12/25/2021</a:t>
+              <a:t>12/31/2021</a:t>
             </a:fld>
             <a:endParaRPr lang="en-US"/>
           </a:p>
@@ -2466,7 +2948,7 @@
           <a:p>
             <a:fld id="{02730C7D-E670-452F-99B3-10B0C33A0E2C}" type="datetimeFigureOut">
               <a:rPr lang="en-US" smtClean="0"/>
-              <a:t>12/25/2021</a:t>
+              <a:t>12/31/2021</a:t>
             </a:fld>
             <a:endParaRPr lang="en-US"/>
           </a:p>
@@ -2636,7 +3118,7 @@
           <a:p>
             <a:fld id="{02730C7D-E670-452F-99B3-10B0C33A0E2C}" type="datetimeFigureOut">
               <a:rPr lang="en-US" smtClean="0"/>
-              <a:t>12/25/2021</a:t>
+              <a:t>12/31/2021</a:t>
             </a:fld>
             <a:endParaRPr lang="en-US"/>
           </a:p>
@@ -2816,7 +3298,7 @@
           <a:p>
             <a:fld id="{02730C7D-E670-452F-99B3-10B0C33A0E2C}" type="datetimeFigureOut">
               <a:rPr lang="en-US" smtClean="0"/>
-              <a:t>12/25/2021</a:t>
+              <a:t>12/31/2021</a:t>
             </a:fld>
             <a:endParaRPr lang="en-US"/>
           </a:p>
@@ -2992,7 +3474,7 @@
           <a:p>
             <a:fld id="{02730C7D-E670-452F-99B3-10B0C33A0E2C}" type="datetimeFigureOut">
               <a:rPr lang="en-US" smtClean="0"/>
-              <a:t>12/25/2021</a:t>
+              <a:t>12/31/2021</a:t>
             </a:fld>
             <a:endParaRPr lang="en-US"/>
           </a:p>
@@ -3050,6 +3532,13 @@
   <p:clrMapOvr>
     <a:masterClrMapping/>
   </p:clrMapOvr>
+  <p:timing>
+    <p:tnLst>
+      <p:par>
+        <p:cTn id="1" dur="indefinite" restart="never" nodeType="tmRoot"/>
+      </p:par>
+    </p:tnLst>
+  </p:timing>
 </p:sldLayout>
 </file>
 
@@ -3239,7 +3728,7 @@
           <a:p>
             <a:fld id="{02730C7D-E670-452F-99B3-10B0C33A0E2C}" type="datetimeFigureOut">
               <a:rPr lang="en-US" smtClean="0"/>
-              <a:t>12/25/2021</a:t>
+              <a:t>12/31/2021</a:t>
             </a:fld>
             <a:endParaRPr lang="en-US"/>
           </a:p>
@@ -3471,7 +3960,7 @@
           <a:p>
             <a:fld id="{02730C7D-E670-452F-99B3-10B0C33A0E2C}" type="datetimeFigureOut">
               <a:rPr lang="en-US" smtClean="0"/>
-              <a:t>12/25/2021</a:t>
+              <a:t>12/31/2021</a:t>
             </a:fld>
             <a:endParaRPr lang="en-US"/>
           </a:p>
@@ -3845,7 +4334,7 @@
           <a:p>
             <a:fld id="{02730C7D-E670-452F-99B3-10B0C33A0E2C}" type="datetimeFigureOut">
               <a:rPr lang="en-US" smtClean="0"/>
-              <a:t>12/25/2021</a:t>
+              <a:t>12/31/2021</a:t>
             </a:fld>
             <a:endParaRPr lang="en-US"/>
           </a:p>
@@ -3968,7 +4457,7 @@
           <a:p>
             <a:fld id="{02730C7D-E670-452F-99B3-10B0C33A0E2C}" type="datetimeFigureOut">
               <a:rPr lang="en-US" smtClean="0"/>
-              <a:t>12/25/2021</a:t>
+              <a:t>12/31/2021</a:t>
             </a:fld>
             <a:endParaRPr lang="en-US"/>
           </a:p>
@@ -4063,7 +4552,7 @@
           <a:p>
             <a:fld id="{02730C7D-E670-452F-99B3-10B0C33A0E2C}" type="datetimeFigureOut">
               <a:rPr lang="en-US" smtClean="0"/>
-              <a:t>12/25/2021</a:t>
+              <a:t>12/31/2021</a:t>
             </a:fld>
             <a:endParaRPr lang="en-US"/>
           </a:p>
@@ -4318,7 +4807,7 @@
           <a:p>
             <a:fld id="{02730C7D-E670-452F-99B3-10B0C33A0E2C}" type="datetimeFigureOut">
               <a:rPr lang="en-US" smtClean="0"/>
-              <a:t>12/25/2021</a:t>
+              <a:t>12/31/2021</a:t>
             </a:fld>
             <a:endParaRPr lang="en-US"/>
           </a:p>
@@ -4581,7 +5070,7 @@
           <a:p>
             <a:fld id="{02730C7D-E670-452F-99B3-10B0C33A0E2C}" type="datetimeFigureOut">
               <a:rPr lang="en-US" smtClean="0"/>
-              <a:t>12/25/2021</a:t>
+              <a:t>12/31/2021</a:t>
             </a:fld>
             <a:endParaRPr lang="en-US"/>
           </a:p>
@@ -5324,7 +5813,7 @@
           <a:p>
             <a:fld id="{02730C7D-E670-452F-99B3-10B0C33A0E2C}" type="datetimeFigureOut">
               <a:rPr lang="en-US" smtClean="0"/>
-              <a:t>12/25/2021</a:t>
+              <a:t>12/31/2021</a:t>
             </a:fld>
             <a:endParaRPr lang="en-US"/>
           </a:p>
@@ -5406,36 +5895,6 @@
           </a:p>
         </p:txBody>
       </p:sp>
-      <p:pic>
-        <p:nvPicPr>
-          <p:cNvPr id="18" name="Picture 17"/>
-          <p:cNvPicPr>
-            <a:picLocks noChangeAspect="1"/>
-          </p:cNvPicPr>
-          <p:nvPr userDrawn="1"/>
-        </p:nvPicPr>
-        <p:blipFill>
-          <a:blip r:embed="rId18">
-            <a:extLst>
-              <a:ext uri="{28A0092B-C50C-407E-A947-70E740481C1C}">
-                <a14:useLocalDpi xmlns:a14="http://schemas.microsoft.com/office/drawing/2010/main" val="0"/>
-              </a:ext>
-            </a:extLst>
-          </a:blip>
-          <a:stretch>
-            <a:fillRect/>
-          </a:stretch>
-        </p:blipFill>
-        <p:spPr>
-          <a:xfrm>
-            <a:off x="10460051" y="298861"/>
-            <a:ext cx="1165892" cy="1355768"/>
-          </a:xfrm>
-          <a:prstGeom prst="rect">
-            <a:avLst/>
-          </a:prstGeom>
-        </p:spPr>
-      </p:pic>
     </p:spTree>
     <p:extLst>
       <p:ext uri="{BB962C8B-B14F-4D97-AF65-F5344CB8AC3E}">
@@ -5462,6 +5921,13 @@
     <p:sldLayoutId id="2147483947" r:id="rId15"/>
     <p:sldLayoutId id="2147483948" r:id="rId16"/>
   </p:sldLayoutIdLst>
+  <p:timing>
+    <p:tnLst>
+      <p:par>
+        <p:cTn id="1" dur="indefinite" restart="never" nodeType="tmRoot"/>
+      </p:par>
+    </p:tnLst>
+  </p:timing>
   <p:txStyles>
     <p:titleStyle>
       <a:lvl1pPr algn="l" defTabSz="457200" rtl="0" eaLnBrk="1" latinLnBrk="0" hangingPunct="1">
@@ -6234,15 +6700,7 @@
             <a:pPr algn="r" rtl="1"/>
             <a:r>
               <a:rPr lang="fa-IR" dirty="0" smtClean="0"/>
-              <a:t>شناسايي كلاس هاي كاربري (الگوي </a:t>
-            </a:r>
-            <a:r>
-              <a:rPr lang="fa-IR" dirty="0" smtClean="0"/>
-              <a:t>گسترش و </a:t>
-            </a:r>
-            <a:r>
-              <a:rPr lang="fa-IR" dirty="0" smtClean="0"/>
-              <a:t>انقباض)</a:t>
+              <a:t>شناسايي كلاس هاي كاربري (الگوي گسترش و انقباض)</a:t>
             </a:r>
             <a:endParaRPr lang="en-US" dirty="0"/>
           </a:p>
@@ -6268,7 +6726,6 @@
               <a:rPr lang="fa-IR" dirty="0" smtClean="0"/>
               <a:t>با سوال از اسپانسر شروع مي‌شود كه چه انتظاري از سيستم دارد . </a:t>
             </a:r>
-            <a:endParaRPr lang="fa-IR" dirty="0" smtClean="0"/>
           </a:p>
           <a:p>
             <a:pPr algn="r" rtl="1"/>
@@ -6283,7 +6740,6 @@
               <a:rPr lang="fa-IR" dirty="0" smtClean="0"/>
               <a:t>اگر تعداد زيادي در اين مرحله وجود دارد نگران نباشيد بعدا آن‌ها را دسته بندي و فشرده مي‌كنيد.</a:t>
             </a:r>
-            <a:endParaRPr lang="fa-IR" dirty="0" smtClean="0"/>
           </a:p>
           <a:p>
             <a:pPr algn="r" rtl="1"/>
@@ -6421,6 +6877,13 @@
   <p:clrMapOvr>
     <a:masterClrMapping/>
   </p:clrMapOvr>
+  <p:timing>
+    <p:tnLst>
+      <p:par>
+        <p:cTn id="1" dur="indefinite" restart="never" nodeType="tmRoot"/>
+      </p:par>
+    </p:tnLst>
+  </p:timing>
 </p:sld>
 </file>
 
@@ -6512,14 +6975,14 @@
               <a:rPr lang="fa-IR" sz="2000" dirty="0">
                 <a:latin typeface="Calibri" panose="020F0502020204030204" pitchFamily="34" charset="0"/>
                 <a:ea typeface="Calibri" panose="020F0502020204030204" pitchFamily="34" charset="0"/>
-                <a:cs typeface="Arial" panose="020B0604020202020204" pitchFamily="34" charset="0"/>
+                <a:cs typeface="B Nazanin" panose="00000400000000000000" pitchFamily="2" charset="-78"/>
               </a:rPr>
               <a:t>دپارتمان هایی که در پروسه کسب و کار شرکت داشته اند .</a:t>
             </a:r>
             <a:endParaRPr lang="en-US" sz="2000" dirty="0">
               <a:latin typeface="Calibri" panose="020F0502020204030204" pitchFamily="34" charset="0"/>
               <a:ea typeface="Calibri" panose="020F0502020204030204" pitchFamily="34" charset="0"/>
-              <a:cs typeface="Arial" panose="020B0604020202020204" pitchFamily="34" charset="0"/>
+              <a:cs typeface="B Nazanin" panose="00000400000000000000" pitchFamily="2" charset="-78"/>
             </a:endParaRPr>
           </a:p>
           <a:p>
@@ -6540,14 +7003,14 @@
               <a:rPr lang="fa-IR" sz="2000" dirty="0">
                 <a:latin typeface="Calibri" panose="020F0502020204030204" pitchFamily="34" charset="0"/>
                 <a:ea typeface="Calibri" panose="020F0502020204030204" pitchFamily="34" charset="0"/>
-                <a:cs typeface="Arial" panose="020B0604020202020204" pitchFamily="34" charset="0"/>
+                <a:cs typeface="B Nazanin" panose="00000400000000000000" pitchFamily="2" charset="-78"/>
               </a:rPr>
               <a:t>دپارتمان هایی که بر روی پروسه کسب و کار تاثیر داشته اند . </a:t>
             </a:r>
             <a:endParaRPr lang="en-US" sz="2000" dirty="0">
               <a:latin typeface="Calibri" panose="020F0502020204030204" pitchFamily="34" charset="0"/>
               <a:ea typeface="Calibri" panose="020F0502020204030204" pitchFamily="34" charset="0"/>
-              <a:cs typeface="Arial" panose="020B0604020202020204" pitchFamily="34" charset="0"/>
+              <a:cs typeface="B Nazanin" panose="00000400000000000000" pitchFamily="2" charset="-78"/>
             </a:endParaRPr>
           </a:p>
           <a:p>
@@ -6568,14 +7031,14 @@
               <a:rPr lang="fa-IR" sz="2000" dirty="0">
                 <a:latin typeface="Calibri" panose="020F0502020204030204" pitchFamily="34" charset="0"/>
                 <a:ea typeface="Calibri" panose="020F0502020204030204" pitchFamily="34" charset="0"/>
-                <a:cs typeface="Arial" panose="020B0604020202020204" pitchFamily="34" charset="0"/>
+                <a:cs typeface="B Nazanin" panose="00000400000000000000" pitchFamily="2" charset="-78"/>
               </a:rPr>
               <a:t>بخش‌ها یا نام‌هایی که کاربران مستقیم یا غیرمستقیم در آن‌ها یافت می‌شوند</a:t>
             </a:r>
             <a:endParaRPr lang="en-US" sz="2000" dirty="0">
               <a:latin typeface="Calibri" panose="020F0502020204030204" pitchFamily="34" charset="0"/>
               <a:ea typeface="Calibri" panose="020F0502020204030204" pitchFamily="34" charset="0"/>
-              <a:cs typeface="Arial" panose="020B0604020202020204" pitchFamily="34" charset="0"/>
+              <a:cs typeface="B Nazanin" panose="00000400000000000000" pitchFamily="2" charset="-78"/>
             </a:endParaRPr>
           </a:p>
           <a:p>
@@ -6596,14 +7059,14 @@
               <a:rPr lang="fa-IR" sz="2000" dirty="0">
                 <a:latin typeface="Calibri" panose="020F0502020204030204" pitchFamily="34" charset="0"/>
                 <a:ea typeface="Calibri" panose="020F0502020204030204" pitchFamily="34" charset="0"/>
-                <a:cs typeface="Arial" panose="020B0604020202020204" pitchFamily="34" charset="0"/>
+                <a:cs typeface="B Nazanin" panose="00000400000000000000" pitchFamily="2" charset="-78"/>
               </a:rPr>
               <a:t>کلاس های کاربری که چندین بخش را در بر می گیرند</a:t>
             </a:r>
             <a:endParaRPr lang="en-US" sz="2000" dirty="0">
               <a:latin typeface="Calibri" panose="020F0502020204030204" pitchFamily="34" charset="0"/>
               <a:ea typeface="Calibri" panose="020F0502020204030204" pitchFamily="34" charset="0"/>
-              <a:cs typeface="Arial" panose="020B0604020202020204" pitchFamily="34" charset="0"/>
+              <a:cs typeface="B Nazanin" panose="00000400000000000000" pitchFamily="2" charset="-78"/>
             </a:endParaRPr>
           </a:p>
           <a:p>
@@ -6624,7 +7087,7 @@
               <a:rPr lang="fa-IR" sz="2000" dirty="0">
                 <a:latin typeface="Calibri" panose="020F0502020204030204" pitchFamily="34" charset="0"/>
                 <a:ea typeface="Calibri" panose="020F0502020204030204" pitchFamily="34" charset="0"/>
-                <a:cs typeface="Arial" panose="020B0604020202020204" pitchFamily="34" charset="0"/>
+                <a:cs typeface="B Nazanin" panose="00000400000000000000" pitchFamily="2" charset="-78"/>
               </a:rPr>
               <a:t>بخش هایی که ممکن است با ذینفعان خارجی خارج از شرکت رابط داشته </a:t>
             </a:r>
@@ -6632,14 +7095,14 @@
               <a:rPr lang="fa-IR" sz="2000" dirty="0" smtClean="0">
                 <a:latin typeface="Calibri" panose="020F0502020204030204" pitchFamily="34" charset="0"/>
                 <a:ea typeface="Calibri" panose="020F0502020204030204" pitchFamily="34" charset="0"/>
-                <a:cs typeface="Arial" panose="020B0604020202020204" pitchFamily="34" charset="0"/>
+                <a:cs typeface="B Nazanin" panose="00000400000000000000" pitchFamily="2" charset="-78"/>
               </a:rPr>
               <a:t>باشند.</a:t>
             </a:r>
             <a:endParaRPr lang="en-US" sz="2000" dirty="0">
               <a:latin typeface="Calibri" panose="020F0502020204030204" pitchFamily="34" charset="0"/>
               <a:ea typeface="Calibri" panose="020F0502020204030204" pitchFamily="34" charset="0"/>
-              <a:cs typeface="Arial" panose="020B0604020202020204" pitchFamily="34" charset="0"/>
+              <a:cs typeface="B Nazanin" panose="00000400000000000000" pitchFamily="2" charset="-78"/>
             </a:endParaRPr>
           </a:p>
           <a:p>
@@ -6661,6 +7124,13 @@
   <p:clrMapOvr>
     <a:masterClrMapping/>
   </p:clrMapOvr>
+  <p:timing>
+    <p:tnLst>
+      <p:par>
+        <p:cTn id="1" dur="indefinite" restart="never" nodeType="tmRoot"/>
+      </p:par>
+    </p:tnLst>
+  </p:timing>
 </p:sld>
 </file>
 
@@ -6693,10 +7163,27 @@
         </p:nvSpPr>
         <p:spPr/>
         <p:txBody>
-          <a:bodyPr/>
-          <a:lstStyle/>
-          <a:p>
-            <a:endParaRPr lang="en-US"/>
+          <a:bodyPr>
+            <a:normAutofit/>
+          </a:bodyPr>
+          <a:lstStyle/>
+          <a:p>
+            <a:pPr algn="ctr" rtl="1"/>
+            <a:r>
+              <a:rPr lang="fa-IR" sz="4400" u="sng" dirty="0" smtClean="0">
+                <a:solidFill>
+                  <a:srgbClr val="C00000"/>
+                </a:solidFill>
+                <a:cs typeface="B Nazanin" panose="00000400000000000000" pitchFamily="2" charset="-78"/>
+              </a:rPr>
+              <a:t>ارتباط با نمایندگان کاربران </a:t>
+            </a:r>
+            <a:endParaRPr lang="en-US" sz="4400" u="sng" dirty="0">
+              <a:solidFill>
+                <a:srgbClr val="C00000"/>
+              </a:solidFill>
+              <a:cs typeface="B Nazanin" panose="00000400000000000000" pitchFamily="2" charset="-78"/>
+            </a:endParaRPr>
           </a:p>
         </p:txBody>
       </p:sp>
@@ -6710,12 +7197,190 @@
             <p:ph idx="1"/>
           </p:nvPr>
         </p:nvSpPr>
-        <p:spPr/>
-        <p:txBody>
-          <a:bodyPr/>
-          <a:lstStyle/>
-          <a:p>
-            <a:endParaRPr lang="en-US"/>
+        <p:spPr>
+          <a:xfrm>
+            <a:off x="677334" y="2160589"/>
+            <a:ext cx="8596668" cy="3040061"/>
+          </a:xfrm>
+        </p:spPr>
+        <p:txBody>
+          <a:bodyPr>
+            <a:normAutofit/>
+          </a:bodyPr>
+          <a:lstStyle/>
+          <a:p>
+            <a:pPr algn="just" rtl="1">
+              <a:buFont typeface="Wingdings" panose="05000000000000000000" pitchFamily="2" charset="2"/>
+              <a:buChar char="§"/>
+            </a:pPr>
+            <a:r>
+              <a:rPr lang="fa-IR" sz="2400" dirty="0" smtClean="0">
+                <a:cs typeface="B Nazanin" panose="00000400000000000000" pitchFamily="2" charset="-78"/>
+              </a:rPr>
+              <a:t>هرنوع پروژه ای به نماینده مناسبی احتیاج دارند تا صداي كاربران را به گوش برساند . </a:t>
+            </a:r>
+          </a:p>
+          <a:p>
+            <a:pPr algn="just" rtl="1">
+              <a:buFont typeface="Wingdings" panose="05000000000000000000" pitchFamily="2" charset="2"/>
+              <a:buChar char="§"/>
+            </a:pPr>
+            <a:r>
+              <a:rPr lang="fa-IR" sz="2400" dirty="0" smtClean="0">
+                <a:cs typeface="B Nazanin" panose="00000400000000000000" pitchFamily="2" charset="-78"/>
+              </a:rPr>
+              <a:t>اين پروژه ها مي‌تواند اعم</a:t>
+            </a:r>
+            <a:r>
+              <a:rPr lang="fa-IR" sz="2400" dirty="0" smtClean="0">
+                <a:cs typeface="B Nazanin" panose="00000400000000000000" pitchFamily="2" charset="-78"/>
+              </a:rPr>
+              <a:t> از </a:t>
+            </a:r>
+            <a:r>
+              <a:rPr lang="fa-IR" sz="2400" dirty="0" smtClean="0">
+                <a:solidFill>
+                  <a:srgbClr val="C00000"/>
+                </a:solidFill>
+                <a:cs typeface="B Nazanin" panose="00000400000000000000" pitchFamily="2" charset="-78"/>
+              </a:rPr>
+              <a:t>شرکت‌های</a:t>
+            </a:r>
+            <a:r>
+              <a:rPr lang="fa-IR" sz="2400" dirty="0" smtClean="0">
+                <a:cs typeface="B Nazanin" panose="00000400000000000000" pitchFamily="2" charset="-78"/>
+              </a:rPr>
+              <a:t> </a:t>
+            </a:r>
+            <a:r>
+              <a:rPr lang="fa-IR" sz="2400" dirty="0" smtClean="0">
+                <a:solidFill>
+                  <a:srgbClr val="C00000"/>
+                </a:solidFill>
+                <a:cs typeface="B Nazanin" panose="00000400000000000000" pitchFamily="2" charset="-78"/>
+              </a:rPr>
+              <a:t>اطلاع رسانی حقوقی</a:t>
+            </a:r>
+            <a:r>
+              <a:rPr lang="fa-IR" sz="2400" dirty="0" smtClean="0">
+                <a:cs typeface="B Nazanin" panose="00000400000000000000" pitchFamily="2" charset="-78"/>
+              </a:rPr>
+              <a:t>، </a:t>
+            </a:r>
+            <a:r>
+              <a:rPr lang="fa-IR" sz="2400" dirty="0" smtClean="0">
+                <a:solidFill>
+                  <a:srgbClr val="C00000"/>
+                </a:solidFill>
+                <a:cs typeface="B Nazanin" panose="00000400000000000000" pitchFamily="2" charset="-78"/>
+              </a:rPr>
+              <a:t>نرم‌افزارهای تجاری </a:t>
+            </a:r>
+            <a:r>
+              <a:rPr lang="fa-IR" sz="2400" dirty="0" smtClean="0">
+                <a:cs typeface="B Nazanin" panose="00000400000000000000" pitchFamily="2" charset="-78"/>
+              </a:rPr>
+              <a:t>، </a:t>
+            </a:r>
+            <a:r>
+              <a:rPr lang="fa-IR" sz="2400" dirty="0" smtClean="0">
+                <a:solidFill>
+                  <a:srgbClr val="C00000"/>
+                </a:solidFill>
+                <a:cs typeface="B Nazanin" panose="00000400000000000000" pitchFamily="2" charset="-78"/>
+              </a:rPr>
+              <a:t>سیستم‌های نهفته </a:t>
+            </a:r>
+            <a:r>
+              <a:rPr lang="fa-IR" sz="2400" dirty="0" smtClean="0">
+                <a:cs typeface="B Nazanin" panose="00000400000000000000" pitchFamily="2" charset="-78"/>
+              </a:rPr>
+              <a:t>، </a:t>
+            </a:r>
+            <a:r>
+              <a:rPr lang="fa-IR" sz="2400" dirty="0" smtClean="0">
+                <a:solidFill>
+                  <a:srgbClr val="C00000"/>
+                </a:solidFill>
+                <a:cs typeface="B Nazanin" panose="00000400000000000000" pitchFamily="2" charset="-78"/>
+              </a:rPr>
+              <a:t>وب‌سایت‌ها</a:t>
+            </a:r>
+            <a:r>
+              <a:rPr lang="fa-IR" sz="2400" dirty="0" smtClean="0">
+                <a:cs typeface="B Nazanin" panose="00000400000000000000" pitchFamily="2" charset="-78"/>
+              </a:rPr>
+              <a:t> ، </a:t>
+            </a:r>
+            <a:r>
+              <a:rPr lang="fa-IR" sz="2400" dirty="0" smtClean="0">
+                <a:solidFill>
+                  <a:srgbClr val="C00000"/>
+                </a:solidFill>
+                <a:cs typeface="B Nazanin" panose="00000400000000000000" pitchFamily="2" charset="-78"/>
+              </a:rPr>
+              <a:t>نرم‌افزارهای سفارشی  </a:t>
+            </a:r>
+            <a:r>
+              <a:rPr lang="fa-IR" sz="2400" dirty="0" smtClean="0">
+                <a:solidFill>
+                  <a:schemeClr val="tx1"/>
+                </a:solidFill>
+                <a:cs typeface="B Nazanin" panose="00000400000000000000" pitchFamily="2" charset="-78"/>
+              </a:rPr>
+              <a:t>باشد.</a:t>
+            </a:r>
+          </a:p>
+          <a:p>
+            <a:pPr algn="just" rtl="1">
+              <a:buFont typeface="Wingdings" panose="05000000000000000000" pitchFamily="2" charset="2"/>
+              <a:buChar char="§"/>
+            </a:pPr>
+            <a:r>
+              <a:rPr lang="fa-IR" sz="2400" dirty="0" smtClean="0">
+                <a:solidFill>
+                  <a:schemeClr val="tx1"/>
+                </a:solidFill>
+                <a:cs typeface="B Nazanin" panose="00000400000000000000" pitchFamily="2" charset="-78"/>
+              </a:rPr>
+              <a:t>حضور اين كاربران محدود به فاز نيازمندي‌ها نيست .</a:t>
+            </a:r>
+          </a:p>
+          <a:p>
+            <a:pPr algn="just" rtl="1">
+              <a:buFont typeface="Wingdings" panose="05000000000000000000" pitchFamily="2" charset="2"/>
+              <a:buChar char="§"/>
+            </a:pPr>
+            <a:r>
+              <a:rPr lang="fa-IR" sz="2400" dirty="0" smtClean="0">
+                <a:solidFill>
+                  <a:schemeClr val="tx1"/>
+                </a:solidFill>
+                <a:cs typeface="B Nazanin" panose="00000400000000000000" pitchFamily="2" charset="-78"/>
+              </a:rPr>
+              <a:t>اين نمايندگان بايد در كل پروسه توليد نرم افزار حضور داشته باشند. </a:t>
+            </a:r>
+          </a:p>
+          <a:p>
+            <a:pPr algn="just" rtl="1">
+              <a:buFont typeface="Wingdings" panose="05000000000000000000" pitchFamily="2" charset="2"/>
+              <a:buChar char="§"/>
+            </a:pPr>
+            <a:endParaRPr lang="fa-IR" sz="2000" dirty="0" smtClean="0">
+              <a:solidFill>
+                <a:srgbClr val="C00000"/>
+              </a:solidFill>
+              <a:cs typeface="B Nazanin" panose="00000400000000000000" pitchFamily="2" charset="-78"/>
+            </a:endParaRPr>
+          </a:p>
+          <a:p>
+            <a:pPr algn="r" rtl="1">
+              <a:buFont typeface="Wingdings" panose="05000000000000000000" pitchFamily="2" charset="2"/>
+              <a:buChar char="§"/>
+            </a:pPr>
+            <a:endParaRPr lang="fa-IR" sz="2400" dirty="0">
+              <a:cs typeface="B Nazanin" panose="00000400000000000000" pitchFamily="2" charset="-78"/>
+            </a:endParaRPr>
           </a:p>
         </p:txBody>
       </p:sp>
@@ -6729,6 +7394,13 @@
   <p:clrMapOvr>
     <a:masterClrMapping/>
   </p:clrMapOvr>
+  <p:timing>
+    <p:tnLst>
+      <p:par>
+        <p:cTn id="1" dur="indefinite" restart="never" nodeType="tmRoot"/>
+      </p:par>
+    </p:tnLst>
+  </p:timing>
 </p:sld>
 </file>
 
@@ -6761,10 +7433,27 @@
         </p:nvSpPr>
         <p:spPr/>
         <p:txBody>
-          <a:bodyPr/>
-          <a:lstStyle/>
-          <a:p>
-            <a:endParaRPr lang="en-US"/>
+          <a:bodyPr>
+            <a:normAutofit/>
+          </a:bodyPr>
+          <a:lstStyle/>
+          <a:p>
+            <a:pPr algn="ctr" rtl="1"/>
+            <a:r>
+              <a:rPr lang="fa-IR" sz="4000" u="sng" dirty="0" smtClean="0">
+                <a:solidFill>
+                  <a:srgbClr val="C00000"/>
+                </a:solidFill>
+                <a:cs typeface="B Nazanin" panose="00000400000000000000" pitchFamily="2" charset="-78"/>
+              </a:rPr>
+              <a:t>ارتباط با نمايندگان كاربران (ادامه )</a:t>
+            </a:r>
+            <a:endParaRPr lang="en-US" sz="4000" u="sng" dirty="0">
+              <a:solidFill>
+                <a:srgbClr val="C00000"/>
+              </a:solidFill>
+              <a:cs typeface="B Nazanin" panose="00000400000000000000" pitchFamily="2" charset="-78"/>
+            </a:endParaRPr>
           </a:p>
         </p:txBody>
       </p:sp>
@@ -6780,10 +7469,72 @@
         </p:nvSpPr>
         <p:spPr/>
         <p:txBody>
-          <a:bodyPr/>
-          <a:lstStyle/>
-          <a:p>
-            <a:endParaRPr lang="en-US"/>
+          <a:bodyPr>
+            <a:normAutofit/>
+          </a:bodyPr>
+          <a:lstStyle/>
+          <a:p>
+            <a:pPr algn="r" rtl="1">
+              <a:buFont typeface="Wingdings" panose="05000000000000000000" pitchFamily="2" charset="2"/>
+              <a:buChar char="§"/>
+            </a:pPr>
+            <a:r>
+              <a:rPr lang="fa-IR" sz="2400" dirty="0" smtClean="0">
+                <a:cs typeface="B Nazanin" panose="00000400000000000000" pitchFamily="2" charset="-78"/>
+              </a:rPr>
+              <a:t>به جای اینکه خود را به جای کاربران واقعی قرار داده و نیازهای آن ها را حدث بزنید از کاربران واقعی استفاده کنید . </a:t>
+            </a:r>
+          </a:p>
+          <a:p>
+            <a:pPr algn="r" rtl="1">
+              <a:buFont typeface="Wingdings" panose="05000000000000000000" pitchFamily="2" charset="2"/>
+              <a:buChar char="§"/>
+            </a:pPr>
+            <a:r>
+              <a:rPr lang="fa-IR" sz="2400" dirty="0" smtClean="0">
+                <a:cs typeface="B Nazanin" panose="00000400000000000000" pitchFamily="2" charset="-78"/>
+              </a:rPr>
+              <a:t>براي اينكار مي‌توانيد گروه‌های متمرکزی از کاربران فعلی خودتان یا رقبا را تشکیل داده و از آنها استفاده کنید . </a:t>
+            </a:r>
+          </a:p>
+          <a:p>
+            <a:pPr algn="r" rtl="1">
+              <a:buFont typeface="Wingdings" panose="05000000000000000000" pitchFamily="2" charset="2"/>
+              <a:buChar char="§"/>
+            </a:pPr>
+            <a:r>
+              <a:rPr lang="fa-IR" sz="2400" dirty="0" smtClean="0">
+                <a:cs typeface="B Nazanin" panose="00000400000000000000" pitchFamily="2" charset="-78"/>
+              </a:rPr>
+              <a:t>این کاربران را باید طیفی از کاربران با تجربه و هم چنین تازه کار تشکیل دهد . </a:t>
+            </a:r>
+          </a:p>
+          <a:p>
+            <a:pPr algn="r" rtl="1">
+              <a:buFont typeface="Wingdings" panose="05000000000000000000" pitchFamily="2" charset="2"/>
+              <a:buChar char="§"/>
+            </a:pPr>
+            <a:endParaRPr lang="fa-IR" sz="2400" dirty="0" smtClean="0">
+              <a:cs typeface="B Nazanin" panose="00000400000000000000" pitchFamily="2" charset="-78"/>
+            </a:endParaRPr>
+          </a:p>
+          <a:p>
+            <a:pPr algn="r" rtl="1">
+              <a:buFont typeface="Wingdings" panose="05000000000000000000" pitchFamily="2" charset="2"/>
+              <a:buChar char="§"/>
+            </a:pPr>
+            <a:endParaRPr lang="fa-IR" sz="2400" dirty="0" smtClean="0">
+              <a:cs typeface="B Nazanin" panose="00000400000000000000" pitchFamily="2" charset="-78"/>
+            </a:endParaRPr>
+          </a:p>
+          <a:p>
+            <a:pPr algn="r" rtl="1">
+              <a:buFont typeface="Wingdings" panose="05000000000000000000" pitchFamily="2" charset="2"/>
+              <a:buChar char="§"/>
+            </a:pPr>
+            <a:endParaRPr lang="en-US" sz="2400" dirty="0">
+              <a:cs typeface="B Nazanin" panose="00000400000000000000" pitchFamily="2" charset="-78"/>
+            </a:endParaRPr>
           </a:p>
         </p:txBody>
       </p:sp>
@@ -6797,6 +7548,13 @@
   <p:clrMapOvr>
     <a:masterClrMapping/>
   </p:clrMapOvr>
+  <p:timing>
+    <p:tnLst>
+      <p:par>
+        <p:cTn id="1" dur="indefinite" restart="never" nodeType="tmRoot"/>
+      </p:par>
+    </p:tnLst>
+  </p:timing>
 </p:sld>
 </file>
 
@@ -6827,31 +7585,84 @@
             <p:ph type="title"/>
           </p:nvPr>
         </p:nvSpPr>
+        <p:spPr>
+          <a:xfrm>
+            <a:off x="677334" y="647700"/>
+            <a:ext cx="8596668" cy="1320800"/>
+          </a:xfrm>
+        </p:spPr>
+        <p:txBody>
+          <a:bodyPr/>
+          <a:lstStyle/>
+          <a:p>
+            <a:pPr algn="ctr" rtl="1"/>
+            <a:r>
+              <a:rPr lang="fa-IR" u="sng" dirty="0" smtClean="0">
+                <a:solidFill>
+                  <a:srgbClr val="C00000"/>
+                </a:solidFill>
+                <a:cs typeface="B Nazanin" panose="00000400000000000000" pitchFamily="2" charset="-78"/>
+              </a:rPr>
+              <a:t>قهرمان محصول</a:t>
+            </a:r>
+            <a:endParaRPr lang="en-US" u="sng" dirty="0">
+              <a:solidFill>
+                <a:srgbClr val="C00000"/>
+              </a:solidFill>
+              <a:cs typeface="B Nazanin" panose="00000400000000000000" pitchFamily="2" charset="-78"/>
+            </a:endParaRPr>
+          </a:p>
+        </p:txBody>
+      </p:sp>
+      <p:sp>
+        <p:nvSpPr>
+          <p:cNvPr id="3" name="Content Placeholder 2"/>
+          <p:cNvSpPr>
+            <a:spLocks noGrp="1"/>
+          </p:cNvSpPr>
+          <p:nvPr>
+            <p:ph idx="1"/>
+          </p:nvPr>
+        </p:nvSpPr>
         <p:spPr/>
         <p:txBody>
           <a:bodyPr/>
           <a:lstStyle/>
           <a:p>
-            <a:endParaRPr lang="en-US"/>
-          </a:p>
-        </p:txBody>
-      </p:sp>
-      <p:sp>
-        <p:nvSpPr>
-          <p:cNvPr id="3" name="Content Placeholder 2"/>
-          <p:cNvSpPr>
-            <a:spLocks noGrp="1"/>
-          </p:cNvSpPr>
-          <p:nvPr>
-            <p:ph idx="1"/>
-          </p:nvPr>
-        </p:nvSpPr>
-        <p:spPr/>
-        <p:txBody>
-          <a:bodyPr/>
-          <a:lstStyle/>
-          <a:p>
-            <a:endParaRPr lang="en-US"/>
+            <a:pPr algn="r" rtl="1"/>
+            <a:r>
+              <a:rPr lang="fa-IR" dirty="0" smtClean="0"/>
+              <a:t>قهرمان محصول به عنوان رابط اصلی بین کاربران یک کلاس کاربری و تحلیگر کسب و کار عمل میکند .</a:t>
+            </a:r>
+          </a:p>
+          <a:p>
+            <a:pPr algn="r" rtl="1"/>
+            <a:r>
+              <a:rPr lang="fa-IR" dirty="0" smtClean="0"/>
+              <a:t>در حالت ایده آل قهرمان محصول یک کاربر واقعی است . </a:t>
+            </a:r>
+          </a:p>
+          <a:p>
+            <a:pPr algn="r" rtl="1"/>
+            <a:r>
+              <a:rPr lang="fa-IR" dirty="0" smtClean="0"/>
+              <a:t>در حالت غیر ایده آل قهرمان محصول عضوی از خود سازمان توسعه دهنده است که خود را جای یک کاربر جازده است </a:t>
+            </a:r>
+          </a:p>
+          <a:p>
+            <a:pPr algn="r" rtl="1"/>
+            <a:r>
+              <a:rPr lang="fa-IR" dirty="0" smtClean="0"/>
+              <a:t>قهرمان محصول نیازمندی ها را از کاربران کلاس کاربری که نماینده آن هاست استخراج میکند .</a:t>
+            </a:r>
+          </a:p>
+          <a:p>
+            <a:pPr algn="r" rtl="1"/>
+            <a:r>
+              <a:rPr lang="fa-IR" dirty="0" smtClean="0"/>
+              <a:t>قهرمان محصول تضادهای بین نیازمندیها را بر طرف می ‌کند و به تحلیلگر کسب و کار ارائه میدهد .</a:t>
+            </a:r>
+            <a:endParaRPr lang="en-US" dirty="0"/>
           </a:p>
         </p:txBody>
       </p:sp>
@@ -6865,6 +7676,13 @@
   <p:clrMapOvr>
     <a:masterClrMapping/>
   </p:clrMapOvr>
+  <p:timing>
+    <p:tnLst>
+      <p:par>
+        <p:cTn id="1" dur="indefinite" restart="never" nodeType="tmRoot"/>
+      </p:par>
+    </p:tnLst>
+  </p:timing>
 </p:sld>
 </file>
 
@@ -6895,44 +7713,137 @@
             <p:ph type="title"/>
           </p:nvPr>
         </p:nvSpPr>
+        <p:spPr>
+          <a:xfrm>
+            <a:off x="677334" y="647700"/>
+            <a:ext cx="8596668" cy="1320800"/>
+          </a:xfrm>
+        </p:spPr>
+        <p:txBody>
+          <a:bodyPr/>
+          <a:lstStyle/>
+          <a:p>
+            <a:pPr algn="ctr" rtl="1"/>
+            <a:r>
+              <a:rPr lang="fa-IR" u="sng" dirty="0" smtClean="0">
+                <a:solidFill>
+                  <a:srgbClr val="C00000"/>
+                </a:solidFill>
+                <a:cs typeface="B Nazanin" panose="00000400000000000000" pitchFamily="2" charset="-78"/>
+              </a:rPr>
+              <a:t>قهرمان محصول(ادامه )</a:t>
+            </a:r>
+            <a:endParaRPr lang="en-US" u="sng" dirty="0">
+              <a:solidFill>
+                <a:srgbClr val="C00000"/>
+              </a:solidFill>
+              <a:cs typeface="B Nazanin" panose="00000400000000000000" pitchFamily="2" charset="-78"/>
+            </a:endParaRPr>
+          </a:p>
+        </p:txBody>
+      </p:sp>
+      <p:sp>
+        <p:nvSpPr>
+          <p:cNvPr id="3" name="Content Placeholder 2"/>
+          <p:cNvSpPr>
+            <a:spLocks noGrp="1"/>
+          </p:cNvSpPr>
+          <p:nvPr>
+            <p:ph idx="1"/>
+          </p:nvPr>
+        </p:nvSpPr>
         <p:spPr/>
         <p:txBody>
           <a:bodyPr/>
           <a:lstStyle/>
           <a:p>
-            <a:endParaRPr lang="en-US"/>
-          </a:p>
-        </p:txBody>
-      </p:sp>
-      <p:sp>
-        <p:nvSpPr>
-          <p:cNvPr id="3" name="Content Placeholder 2"/>
-          <p:cNvSpPr>
-            <a:spLocks noGrp="1"/>
-          </p:cNvSpPr>
-          <p:nvPr>
-            <p:ph idx="1"/>
-          </p:nvPr>
-        </p:nvSpPr>
-        <p:spPr/>
-        <p:txBody>
-          <a:bodyPr/>
-          <a:lstStyle/>
-          <a:p>
-            <a:endParaRPr lang="en-US"/>
+            <a:pPr algn="r" rtl="1">
+              <a:buFont typeface="Wingdings" panose="05000000000000000000" pitchFamily="2" charset="2"/>
+              <a:buChar char="q"/>
+            </a:pPr>
+            <a:r>
+              <a:rPr lang="fa-IR" sz="2400" dirty="0" smtClean="0">
+                <a:solidFill>
+                  <a:srgbClr val="C00000"/>
+                </a:solidFill>
+                <a:cs typeface="B Nazanin" panose="00000400000000000000" pitchFamily="2" charset="-78"/>
+              </a:rPr>
+              <a:t>ویژگی های قهرمان محصول </a:t>
+            </a:r>
+          </a:p>
+          <a:p>
+            <a:pPr algn="r" rtl="1">
+              <a:buFont typeface="Wingdings" panose="05000000000000000000" pitchFamily="2" charset="2"/>
+              <a:buChar char="§"/>
+            </a:pPr>
+            <a:r>
+              <a:rPr lang="fa-IR" dirty="0" smtClean="0">
+                <a:cs typeface="B Nazanin" panose="00000400000000000000" pitchFamily="2" charset="-78"/>
+              </a:rPr>
+              <a:t>بهترین قهرمان محصول کسی است که دیدگاه روشنی نسبت به سیستم جدید دارد . </a:t>
+            </a:r>
+          </a:p>
+          <a:p>
+            <a:pPr algn="r" rtl="1">
+              <a:buFont typeface="Wingdings" panose="05000000000000000000" pitchFamily="2" charset="2"/>
+              <a:buChar char="§"/>
+            </a:pPr>
+            <a:r>
+              <a:rPr lang="fa-IR" dirty="0" smtClean="0">
+                <a:cs typeface="B Nazanin" panose="00000400000000000000" pitchFamily="2" charset="-78"/>
+              </a:rPr>
+              <a:t>باید ارتباط دهنده های موثری باشند که مورد احترام همتایان خود باشند . </a:t>
+            </a:r>
+          </a:p>
+          <a:p>
+            <a:pPr algn="r" rtl="1">
+              <a:buFont typeface="Wingdings" panose="05000000000000000000" pitchFamily="2" charset="2"/>
+              <a:buChar char="§"/>
+            </a:pPr>
+            <a:r>
+              <a:rPr lang="fa-IR" dirty="0" smtClean="0">
+                <a:cs typeface="B Nazanin" panose="00000400000000000000" pitchFamily="2" charset="-78"/>
+              </a:rPr>
+              <a:t>آنها باید درک کاملی از حوزه برنامه و محیط عملیاتی داشته باشند  . </a:t>
+            </a:r>
+          </a:p>
+          <a:p>
+            <a:pPr algn="r" rtl="1">
+              <a:buFont typeface="Wingdings" panose="05000000000000000000" pitchFamily="2" charset="2"/>
+              <a:buChar char="§"/>
+            </a:pPr>
+            <a:endParaRPr lang="fa-IR" dirty="0" smtClean="0">
+              <a:cs typeface="B Nazanin" panose="00000400000000000000" pitchFamily="2" charset="-78"/>
+            </a:endParaRPr>
+          </a:p>
+          <a:p>
+            <a:pPr algn="r" rtl="1">
+              <a:buFont typeface="Wingdings" panose="05000000000000000000" pitchFamily="2" charset="2"/>
+              <a:buChar char="§"/>
+            </a:pPr>
+            <a:endParaRPr lang="en-US" dirty="0">
+              <a:cs typeface="B Nazanin" panose="00000400000000000000" pitchFamily="2" charset="-78"/>
+            </a:endParaRPr>
           </a:p>
         </p:txBody>
       </p:sp>
     </p:spTree>
     <p:extLst>
       <p:ext uri="{BB962C8B-B14F-4D97-AF65-F5344CB8AC3E}">
-        <p14:creationId xmlns:p14="http://schemas.microsoft.com/office/powerpoint/2010/main" val="4059136810"/>
+        <p14:creationId xmlns:p14="http://schemas.microsoft.com/office/powerpoint/2010/main" val="2835657515"/>
       </p:ext>
     </p:extLst>
   </p:cSld>
   <p:clrMapOvr>
     <a:masterClrMapping/>
   </p:clrMapOvr>
+  <p:timing>
+    <p:tnLst>
+      <p:par>
+        <p:cTn id="1" dur="indefinite" restart="never" nodeType="tmRoot"/>
+      </p:par>
+    </p:tnLst>
+  </p:timing>
 </p:sld>
 </file>
 
@@ -6968,7 +7879,22 @@
           <a:bodyPr/>
           <a:lstStyle/>
           <a:p>
-            <a:endParaRPr lang="en-US"/>
+            <a:pPr algn="ctr"/>
+            <a:r>
+              <a:rPr lang="fa-IR" dirty="0" smtClean="0">
+                <a:solidFill>
+                  <a:srgbClr val="C00000"/>
+                </a:solidFill>
+                <a:cs typeface="B Nazanin" panose="00000400000000000000" pitchFamily="2" charset="-78"/>
+              </a:rPr>
+              <a:t>قهرمان محصول (ادامه)</a:t>
+            </a:r>
+            <a:endParaRPr lang="en-US" dirty="0">
+              <a:solidFill>
+                <a:srgbClr val="C00000"/>
+              </a:solidFill>
+              <a:cs typeface="B Nazanin" panose="00000400000000000000" pitchFamily="2" charset="-78"/>
+            </a:endParaRPr>
           </a:p>
         </p:txBody>
       </p:sp>
@@ -6984,23 +7910,164 @@
         </p:nvSpPr>
         <p:spPr/>
         <p:txBody>
-          <a:bodyPr/>
-          <a:lstStyle/>
-          <a:p>
-            <a:endParaRPr lang="en-US"/>
+          <a:bodyPr>
+            <a:normAutofit/>
+          </a:bodyPr>
+          <a:lstStyle/>
+          <a:p>
+            <a:pPr algn="r" rtl="1">
+              <a:buFont typeface="Wingdings" panose="05000000000000000000" pitchFamily="2" charset="2"/>
+              <a:buChar char="q"/>
+            </a:pPr>
+            <a:r>
+              <a:rPr lang="fa-IR" sz="2400" dirty="0" smtClean="0">
+                <a:solidFill>
+                  <a:srgbClr val="C00000"/>
+                </a:solidFill>
+                <a:cs typeface="B Nazanin" panose="00000400000000000000" pitchFamily="2" charset="-78"/>
+              </a:rPr>
+              <a:t>بهترین عملکرد قهرمان محصول </a:t>
+            </a:r>
+          </a:p>
+          <a:p>
+            <a:pPr algn="r" rtl="1">
+              <a:buFont typeface="Wingdings" panose="05000000000000000000" pitchFamily="2" charset="2"/>
+              <a:buChar char="§"/>
+            </a:pPr>
+            <a:r>
+              <a:rPr lang="fa-IR" sz="2000" dirty="0" smtClean="0">
+                <a:solidFill>
+                  <a:schemeClr val="tx1"/>
+                </a:solidFill>
+                <a:cs typeface="B Nazanin" panose="00000400000000000000" pitchFamily="2" charset="-78"/>
+              </a:rPr>
+              <a:t>اگر قهرمان محصول اختیار کامل داشته باشد که از طرف کلاس کاربری که نماینده آن است تصمیمات سازنده اتخاذ کند .</a:t>
+            </a:r>
+          </a:p>
+          <a:p>
+            <a:pPr algn="r" rtl="1">
+              <a:buFont typeface="Wingdings" panose="05000000000000000000" pitchFamily="2" charset="2"/>
+              <a:buChar char="§"/>
+            </a:pPr>
+            <a:r>
+              <a:rPr lang="fa-IR" sz="2000" dirty="0" smtClean="0">
+                <a:solidFill>
+                  <a:schemeClr val="tx1"/>
+                </a:solidFill>
+                <a:cs typeface="B Nazanin" panose="00000400000000000000" pitchFamily="2" charset="-78"/>
+              </a:rPr>
+              <a:t>تعامالات قهرمان محصول با همتایان خود نباید کم باشد . </a:t>
+            </a:r>
+          </a:p>
+          <a:p>
+            <a:pPr algn="r" rtl="1">
+              <a:buFont typeface="Wingdings" panose="05000000000000000000" pitchFamily="2" charset="2"/>
+              <a:buChar char="§"/>
+            </a:pPr>
+            <a:r>
+              <a:rPr lang="fa-IR" sz="2000" dirty="0" smtClean="0">
+                <a:solidFill>
+                  <a:schemeClr val="tx1"/>
+                </a:solidFill>
+                <a:cs typeface="B Nazanin" panose="00000400000000000000" pitchFamily="2" charset="-78"/>
+              </a:rPr>
+              <a:t>قهرمان محصول نباید فقط و فقط خواسته ها و ایده های خود را ارائه دهد . </a:t>
+            </a:r>
+          </a:p>
+          <a:p>
+            <a:pPr algn="r" rtl="1">
+              <a:buFont typeface="Wingdings" panose="05000000000000000000" pitchFamily="2" charset="2"/>
+              <a:buChar char="§"/>
+            </a:pPr>
+            <a:r>
+              <a:rPr lang="fa-IR" sz="2000" dirty="0">
+                <a:solidFill>
+                  <a:schemeClr val="tx1"/>
+                </a:solidFill>
+                <a:cs typeface="B Nazanin" panose="00000400000000000000" pitchFamily="2" charset="-78"/>
+              </a:rPr>
+              <a:t>در اینصورت رویکرد قهرمان محصول بهترین کارکرد را دارد . </a:t>
+            </a:r>
+          </a:p>
+          <a:p>
+            <a:pPr algn="r" rtl="1">
+              <a:buFont typeface="Wingdings" panose="05000000000000000000" pitchFamily="2" charset="2"/>
+              <a:buChar char="§"/>
+            </a:pPr>
+            <a:endParaRPr lang="fa-IR" sz="2000" dirty="0" smtClean="0">
+              <a:solidFill>
+                <a:schemeClr val="tx1"/>
+              </a:solidFill>
+              <a:cs typeface="B Nazanin" panose="00000400000000000000" pitchFamily="2" charset="-78"/>
+            </a:endParaRPr>
+          </a:p>
+          <a:p>
+            <a:pPr algn="r" rtl="1">
+              <a:buFont typeface="Wingdings" panose="05000000000000000000" pitchFamily="2" charset="2"/>
+              <a:buChar char="§"/>
+            </a:pPr>
+            <a:endParaRPr lang="fa-IR" sz="2000" dirty="0">
+              <a:solidFill>
+                <a:schemeClr val="tx1"/>
+              </a:solidFill>
+              <a:cs typeface="B Nazanin" panose="00000400000000000000" pitchFamily="2" charset="-78"/>
+            </a:endParaRPr>
+          </a:p>
+          <a:p>
+            <a:pPr algn="r" rtl="1">
+              <a:buFont typeface="Wingdings" panose="05000000000000000000" pitchFamily="2" charset="2"/>
+              <a:buChar char="§"/>
+            </a:pPr>
+            <a:endParaRPr lang="fa-IR" sz="2000" dirty="0" smtClean="0">
+              <a:solidFill>
+                <a:schemeClr val="tx1"/>
+              </a:solidFill>
+              <a:cs typeface="B Nazanin" panose="00000400000000000000" pitchFamily="2" charset="-78"/>
+            </a:endParaRPr>
+          </a:p>
+          <a:p>
+            <a:pPr algn="r" rtl="1">
+              <a:buFont typeface="Wingdings" panose="05000000000000000000" pitchFamily="2" charset="2"/>
+              <a:buChar char="§"/>
+            </a:pPr>
+            <a:endParaRPr lang="fa-IR" sz="2000" dirty="0" smtClean="0">
+              <a:solidFill>
+                <a:schemeClr val="tx1"/>
+              </a:solidFill>
+              <a:cs typeface="B Nazanin" panose="00000400000000000000" pitchFamily="2" charset="-78"/>
+            </a:endParaRPr>
+          </a:p>
+          <a:p>
+            <a:pPr algn="r" rtl="1">
+              <a:buFont typeface="Wingdings" panose="05000000000000000000" pitchFamily="2" charset="2"/>
+              <a:buChar char="§"/>
+            </a:pPr>
+            <a:endParaRPr lang="en-US" sz="2000" dirty="0">
+              <a:solidFill>
+                <a:srgbClr val="C00000"/>
+              </a:solidFill>
+              <a:cs typeface="B Nazanin" panose="00000400000000000000" pitchFamily="2" charset="-78"/>
+            </a:endParaRPr>
           </a:p>
         </p:txBody>
       </p:sp>
     </p:spTree>
     <p:extLst>
       <p:ext uri="{BB962C8B-B14F-4D97-AF65-F5344CB8AC3E}">
-        <p14:creationId xmlns:p14="http://schemas.microsoft.com/office/powerpoint/2010/main" val="872599586"/>
+        <p14:creationId xmlns:p14="http://schemas.microsoft.com/office/powerpoint/2010/main" val="4059136810"/>
       </p:ext>
     </p:extLst>
   </p:cSld>
   <p:clrMapOvr>
     <a:masterClrMapping/>
   </p:clrMapOvr>
+  <p:timing>
+    <p:tnLst>
+      <p:par>
+        <p:cTn id="1" dur="indefinite" restart="never" nodeType="tmRoot"/>
+      </p:par>
+    </p:tnLst>
+  </p:timing>
 </p:sld>
 </file>
 
@@ -7166,6 +8233,136 @@
 </file>
 
 <file path=ppt/slides/slide20.xml><?xml version="1.0" encoding="utf-8"?>
+<p:sld xmlns:a="http://schemas.openxmlformats.org/drawingml/2006/main" xmlns:r="http://schemas.openxmlformats.org/officeDocument/2006/relationships" xmlns:p="http://schemas.openxmlformats.org/presentationml/2006/main">
+  <p:cSld>
+    <p:spTree>
+      <p:nvGrpSpPr>
+        <p:cNvPr id="1" name=""/>
+        <p:cNvGrpSpPr/>
+        <p:nvPr/>
+      </p:nvGrpSpPr>
+      <p:grpSpPr>
+        <a:xfrm>
+          <a:off x="0" y="0"/>
+          <a:ext cx="0" cy="0"/>
+          <a:chOff x="0" y="0"/>
+          <a:chExt cx="0" cy="0"/>
+        </a:xfrm>
+      </p:grpSpPr>
+      <p:sp>
+        <p:nvSpPr>
+          <p:cNvPr id="2" name="Title 1"/>
+          <p:cNvSpPr>
+            <a:spLocks noGrp="1"/>
+          </p:cNvSpPr>
+          <p:nvPr>
+            <p:ph type="title"/>
+          </p:nvPr>
+        </p:nvSpPr>
+        <p:spPr/>
+        <p:txBody>
+          <a:bodyPr/>
+          <a:lstStyle/>
+          <a:p>
+            <a:pPr algn="ctr"/>
+            <a:r>
+              <a:rPr lang="fa-IR" u="sng" dirty="0" smtClean="0">
+                <a:solidFill>
+                  <a:srgbClr val="C00000"/>
+                </a:solidFill>
+                <a:cs typeface="B Nazanin" panose="00000400000000000000" pitchFamily="2" charset="-78"/>
+              </a:rPr>
+              <a:t>قهرمان محصول خارجی</a:t>
+            </a:r>
+            <a:endParaRPr lang="en-US" u="sng" dirty="0">
+              <a:solidFill>
+                <a:srgbClr val="C00000"/>
+              </a:solidFill>
+              <a:cs typeface="B Nazanin" panose="00000400000000000000" pitchFamily="2" charset="-78"/>
+            </a:endParaRPr>
+          </a:p>
+        </p:txBody>
+      </p:sp>
+      <p:sp>
+        <p:nvSpPr>
+          <p:cNvPr id="3" name="Content Placeholder 2"/>
+          <p:cNvSpPr>
+            <a:spLocks noGrp="1"/>
+          </p:cNvSpPr>
+          <p:nvPr>
+            <p:ph idx="1"/>
+          </p:nvPr>
+        </p:nvSpPr>
+        <p:spPr>
+          <a:xfrm>
+            <a:off x="677334" y="2160589"/>
+            <a:ext cx="8596668" cy="5440361"/>
+          </a:xfrm>
+        </p:spPr>
+        <p:txBody>
+          <a:bodyPr/>
+          <a:lstStyle/>
+          <a:p>
+            <a:pPr algn="r" rtl="1">
+              <a:buFont typeface="Wingdings" panose="05000000000000000000" pitchFamily="2" charset="2"/>
+              <a:buChar char="§"/>
+            </a:pPr>
+            <a:r>
+              <a:rPr lang="fa-IR" sz="2000" dirty="0" smtClean="0">
+                <a:cs typeface="B Nazanin" panose="00000400000000000000" pitchFamily="2" charset="-78"/>
+              </a:rPr>
+              <a:t>پیدا کردن قهرمان محصول خارجی در هنگام توسعه نرم‌افزار های تجاری می‌تواند دشوار باشد . </a:t>
+            </a:r>
+          </a:p>
+          <a:p>
+            <a:pPr algn="r" rtl="1">
+              <a:buFont typeface="Wingdings" panose="05000000000000000000" pitchFamily="2" charset="2"/>
+              <a:buChar char="§"/>
+            </a:pPr>
+            <a:r>
+              <a:rPr lang="fa-IR" sz="2000" dirty="0">
+                <a:cs typeface="B Nazanin" panose="00000400000000000000" pitchFamily="2" charset="-78"/>
+              </a:rPr>
+              <a:t>هنگام توسعه نرم افزار تجاری، پیدا کردن قهرمانان محصول از خارج از شرکت شما می تواند دشوار باشد. شرکت‌هایی که محصولات تجاری تولید می‌کنند، گاهی به کارشناسان داخلی یا مشاوران خارجی برای به کار گرفته شدن به عنوان نماینده  برای کاربران واقعی، که ممکن است ناشناخته یا دشوار  باشد که استخدام گردند ، متکی هستند. اگر با برخی از مشتریان شرکتی بزرگ رابطه کاری نزدیک دارید، ممکن است از این فرصت برای مشارکت در استخراج نیازمندی ها استقبال کنند. شما ممکن است به قهرمانان محصول خارجی انگیزه های اقتصادی برای مشارکت آنها بدهید. در نظر بگیرید که برای آنها تخفیف هایی را برای محصول ارائه دهید یا برای زمانی که برای کار با شما در مورد الزامات می گذرانند، بپردازید. شما هنوز با این چالش روبرو هستید که تنها نیازهای قهرمان را نشنوید و نیازهای سایر ذینفعان را هم در نظر بگیرید. اگر پایگاه مشتری متنوعی دارید، ابتدا الزامات اصلی را که برای همه مشتریان مشترک است شناسایی کنید. سپس الزامات اضافی را تعریف کنید که مختص مشتریان شرکتی، بخش های بازار، یا طبقات کاربر است.</a:t>
+            </a:r>
+            <a:endParaRPr lang="en-US" sz="2000" dirty="0">
+              <a:cs typeface="B Nazanin" panose="00000400000000000000" pitchFamily="2" charset="-78"/>
+            </a:endParaRPr>
+          </a:p>
+          <a:p>
+            <a:pPr algn="r" rtl="1">
+              <a:buFont typeface="Wingdings" panose="05000000000000000000" pitchFamily="2" charset="2"/>
+              <a:buChar char="§"/>
+            </a:pPr>
+            <a:r>
+              <a:rPr lang="fa-IR" dirty="0" smtClean="0"/>
+              <a:t> </a:t>
+            </a:r>
+            <a:endParaRPr lang="en-US" dirty="0"/>
+          </a:p>
+        </p:txBody>
+      </p:sp>
+    </p:spTree>
+    <p:extLst>
+      <p:ext uri="{BB962C8B-B14F-4D97-AF65-F5344CB8AC3E}">
+        <p14:creationId xmlns:p14="http://schemas.microsoft.com/office/powerpoint/2010/main" val="872599586"/>
+      </p:ext>
+    </p:extLst>
+  </p:cSld>
+  <p:clrMapOvr>
+    <a:masterClrMapping/>
+  </p:clrMapOvr>
+  <p:timing>
+    <p:tnLst>
+      <p:par>
+        <p:cTn id="1" dur="indefinite" restart="never" nodeType="tmRoot"/>
+      </p:par>
+    </p:tnLst>
+  </p:timing>
+</p:sld>
+</file>
+
+<file path=ppt/slides/slide21.xml><?xml version="1.0" encoding="utf-8"?>
 <p:sld xmlns:a="http://schemas.openxmlformats.org/drawingml/2006/main" xmlns:r="http://schemas.openxmlformats.org/officeDocument/2006/relationships" xmlns:p="http://schemas.openxmlformats.org/presentationml/2006/main">
   <p:cSld>
     <p:spTree>
@@ -8463,4 +9660,265 @@
     </a:ext>
   </a:extLst>
 </a:theme>
+</file>
+
+<file path=ppt/theme/theme2.xml><?xml version="1.0" encoding="utf-8"?>
+<a:theme xmlns:a="http://schemas.openxmlformats.org/drawingml/2006/main" name="Office Theme">
+  <a:themeElements>
+    <a:clrScheme name="Office">
+      <a:dk1>
+        <a:sysClr val="windowText" lastClr="000000"/>
+      </a:dk1>
+      <a:lt1>
+        <a:sysClr val="window" lastClr="FFFFFF"/>
+      </a:lt1>
+      <a:dk2>
+        <a:srgbClr val="44546A"/>
+      </a:dk2>
+      <a:lt2>
+        <a:srgbClr val="E7E6E6"/>
+      </a:lt2>
+      <a:accent1>
+        <a:srgbClr val="5B9BD5"/>
+      </a:accent1>
+      <a:accent2>
+        <a:srgbClr val="ED7D31"/>
+      </a:accent2>
+      <a:accent3>
+        <a:srgbClr val="A5A5A5"/>
+      </a:accent3>
+      <a:accent4>
+        <a:srgbClr val="FFC000"/>
+      </a:accent4>
+      <a:accent5>
+        <a:srgbClr val="4472C4"/>
+      </a:accent5>
+      <a:accent6>
+        <a:srgbClr val="70AD47"/>
+      </a:accent6>
+      <a:hlink>
+        <a:srgbClr val="0563C1"/>
+      </a:hlink>
+      <a:folHlink>
+        <a:srgbClr val="954F72"/>
+      </a:folHlink>
+    </a:clrScheme>
+    <a:fontScheme name="Office">
+      <a:majorFont>
+        <a:latin typeface="Calibri Light" panose="020F0302020204030204"/>
+        <a:ea typeface=""/>
+        <a:cs typeface=""/>
+        <a:font script="Jpan" typeface="游ゴシック Light"/>
+        <a:font script="Hang" typeface="맑은 고딕"/>
+        <a:font script="Hans" typeface="等线 Light"/>
+        <a:font script="Hant" typeface="新細明體"/>
+        <a:font script="Arab" typeface="Times New Roman"/>
+        <a:font script="Hebr" typeface="Times New Roman"/>
+        <a:font script="Thai" typeface="Angsana New"/>
+        <a:font script="Ethi" typeface="Nyala"/>
+        <a:font script="Beng" typeface="Vrinda"/>
+        <a:font script="Gujr" typeface="Shruti"/>
+        <a:font script="Khmr" typeface="MoolBoran"/>
+        <a:font script="Knda" typeface="Tunga"/>
+        <a:font script="Guru" typeface="Raavi"/>
+        <a:font script="Cans" typeface="Euphemia"/>
+        <a:font script="Cher" typeface="Plantagenet Cherokee"/>
+        <a:font script="Yiii" typeface="Microsoft Yi Baiti"/>
+        <a:font script="Tibt" typeface="Microsoft Himalaya"/>
+        <a:font script="Thaa" typeface="MV Boli"/>
+        <a:font script="Deva" typeface="Mangal"/>
+        <a:font script="Telu" typeface="Gautami"/>
+        <a:font script="Taml" typeface="Latha"/>
+        <a:font script="Syrc" typeface="Estrangelo Edessa"/>
+        <a:font script="Orya" typeface="Kalinga"/>
+        <a:font script="Mlym" typeface="Kartika"/>
+        <a:font script="Laoo" typeface="DokChampa"/>
+        <a:font script="Sinh" typeface="Iskoola Pota"/>
+        <a:font script="Mong" typeface="Mongolian Baiti"/>
+        <a:font script="Viet" typeface="Times New Roman"/>
+        <a:font script="Uigh" typeface="Microsoft Uighur"/>
+        <a:font script="Geor" typeface="Sylfaen"/>
+      </a:majorFont>
+      <a:minorFont>
+        <a:latin typeface="Calibri" panose="020F0502020204030204"/>
+        <a:ea typeface=""/>
+        <a:cs typeface=""/>
+        <a:font script="Jpan" typeface="游ゴシック"/>
+        <a:font script="Hang" typeface="맑은 고딕"/>
+        <a:font script="Hans" typeface="等线"/>
+        <a:font script="Hant" typeface="新細明體"/>
+        <a:font script="Arab" typeface="Arial"/>
+        <a:font script="Hebr" typeface="Arial"/>
+        <a:font script="Thai" typeface="Cordia New"/>
+        <a:font script="Ethi" typeface="Nyala"/>
+        <a:font script="Beng" typeface="Vrinda"/>
+        <a:font script="Gujr" typeface="Shruti"/>
+        <a:font script="Khmr" typeface="DaunPenh"/>
+        <a:font script="Knda" typeface="Tunga"/>
+        <a:font script="Guru" typeface="Raavi"/>
+        <a:font script="Cans" typeface="Euphemia"/>
+        <a:font script="Cher" typeface="Plantagenet Cherokee"/>
+        <a:font script="Yiii" typeface="Microsoft Yi Baiti"/>
+        <a:font script="Tibt" typeface="Microsoft Himalaya"/>
+        <a:font script="Thaa" typeface="MV Boli"/>
+        <a:font script="Deva" typeface="Mangal"/>
+        <a:font script="Telu" typeface="Gautami"/>
+        <a:font script="Taml" typeface="Latha"/>
+        <a:font script="Syrc" typeface="Estrangelo Edessa"/>
+        <a:font script="Orya" typeface="Kalinga"/>
+        <a:font script="Mlym" typeface="Kartika"/>
+        <a:font script="Laoo" typeface="DokChampa"/>
+        <a:font script="Sinh" typeface="Iskoola Pota"/>
+        <a:font script="Mong" typeface="Mongolian Baiti"/>
+        <a:font script="Viet" typeface="Arial"/>
+        <a:font script="Uigh" typeface="Microsoft Uighur"/>
+        <a:font script="Geor" typeface="Sylfaen"/>
+      </a:minorFont>
+    </a:fontScheme>
+    <a:fmtScheme name="Office">
+      <a:fillStyleLst>
+        <a:solidFill>
+          <a:schemeClr val="phClr"/>
+        </a:solidFill>
+        <a:gradFill rotWithShape="1">
+          <a:gsLst>
+            <a:gs pos="0">
+              <a:schemeClr val="phClr">
+                <a:lumMod val="110000"/>
+                <a:satMod val="105000"/>
+                <a:tint val="67000"/>
+              </a:schemeClr>
+            </a:gs>
+            <a:gs pos="50000">
+              <a:schemeClr val="phClr">
+                <a:lumMod val="105000"/>
+                <a:satMod val="103000"/>
+                <a:tint val="73000"/>
+              </a:schemeClr>
+            </a:gs>
+            <a:gs pos="100000">
+              <a:schemeClr val="phClr">
+                <a:lumMod val="105000"/>
+                <a:satMod val="109000"/>
+                <a:tint val="81000"/>
+              </a:schemeClr>
+            </a:gs>
+          </a:gsLst>
+          <a:lin ang="5400000" scaled="0"/>
+        </a:gradFill>
+        <a:gradFill rotWithShape="1">
+          <a:gsLst>
+            <a:gs pos="0">
+              <a:schemeClr val="phClr">
+                <a:satMod val="103000"/>
+                <a:lumMod val="102000"/>
+                <a:tint val="94000"/>
+              </a:schemeClr>
+            </a:gs>
+            <a:gs pos="50000">
+              <a:schemeClr val="phClr">
+                <a:satMod val="110000"/>
+                <a:lumMod val="100000"/>
+                <a:shade val="100000"/>
+              </a:schemeClr>
+            </a:gs>
+            <a:gs pos="100000">
+              <a:schemeClr val="phClr">
+                <a:lumMod val="99000"/>
+                <a:satMod val="120000"/>
+                <a:shade val="78000"/>
+              </a:schemeClr>
+            </a:gs>
+          </a:gsLst>
+          <a:lin ang="5400000" scaled="0"/>
+        </a:gradFill>
+      </a:fillStyleLst>
+      <a:lnStyleLst>
+        <a:ln w="6350" cap="flat" cmpd="sng" algn="ctr">
+          <a:solidFill>
+            <a:schemeClr val="phClr"/>
+          </a:solidFill>
+          <a:prstDash val="solid"/>
+          <a:miter lim="800000"/>
+        </a:ln>
+        <a:ln w="12700" cap="flat" cmpd="sng" algn="ctr">
+          <a:solidFill>
+            <a:schemeClr val="phClr"/>
+          </a:solidFill>
+          <a:prstDash val="solid"/>
+          <a:miter lim="800000"/>
+        </a:ln>
+        <a:ln w="19050" cap="flat" cmpd="sng" algn="ctr">
+          <a:solidFill>
+            <a:schemeClr val="phClr"/>
+          </a:solidFill>
+          <a:prstDash val="solid"/>
+          <a:miter lim="800000"/>
+        </a:ln>
+      </a:lnStyleLst>
+      <a:effectStyleLst>
+        <a:effectStyle>
+          <a:effectLst/>
+        </a:effectStyle>
+        <a:effectStyle>
+          <a:effectLst/>
+        </a:effectStyle>
+        <a:effectStyle>
+          <a:effectLst>
+            <a:outerShdw blurRad="57150" dist="19050" dir="5400000" algn="ctr" rotWithShape="0">
+              <a:srgbClr val="000000">
+                <a:alpha val="63000"/>
+              </a:srgbClr>
+            </a:outerShdw>
+          </a:effectLst>
+        </a:effectStyle>
+      </a:effectStyleLst>
+      <a:bgFillStyleLst>
+        <a:solidFill>
+          <a:schemeClr val="phClr"/>
+        </a:solidFill>
+        <a:solidFill>
+          <a:schemeClr val="phClr">
+            <a:tint val="95000"/>
+            <a:satMod val="170000"/>
+          </a:schemeClr>
+        </a:solidFill>
+        <a:gradFill rotWithShape="1">
+          <a:gsLst>
+            <a:gs pos="0">
+              <a:schemeClr val="phClr">
+                <a:tint val="93000"/>
+                <a:satMod val="150000"/>
+                <a:shade val="98000"/>
+                <a:lumMod val="102000"/>
+              </a:schemeClr>
+            </a:gs>
+            <a:gs pos="50000">
+              <a:schemeClr val="phClr">
+                <a:tint val="98000"/>
+                <a:satMod val="130000"/>
+                <a:shade val="90000"/>
+                <a:lumMod val="103000"/>
+              </a:schemeClr>
+            </a:gs>
+            <a:gs pos="100000">
+              <a:schemeClr val="phClr">
+                <a:shade val="63000"/>
+                <a:satMod val="120000"/>
+              </a:schemeClr>
+            </a:gs>
+          </a:gsLst>
+          <a:lin ang="5400000" scaled="0"/>
+        </a:gradFill>
+      </a:bgFillStyleLst>
+    </a:fmtScheme>
+  </a:themeElements>
+  <a:objectDefaults/>
+  <a:extraClrSchemeLst/>
+  <a:extLst>
+    <a:ext uri="{05A4C25C-085E-4340-85A3-A5531E510DB2}">
+      <thm15:themeFamily xmlns:thm15="http://schemas.microsoft.com/office/thememl/2012/main" name="Office Theme" id="{62F939B6-93AF-4DB8-9C6B-D6C7DFDC589F}" vid="{4A3C46E8-61CC-4603-A589-7422A47A8E4A}"/>
+    </a:ext>
+  </a:extLst>
+</a:theme>
 </file>
--- a/ارائه مهندسي نيازمندي ها.pptx
+++ b/ارائه مهندسي نيازمندي ها.pptx
@@ -5,7 +5,7 @@
     <p:sldMasterId id="2147483932" r:id="rId1"/>
   </p:sldMasterIdLst>
   <p:notesMasterIdLst>
-    <p:notesMasterId r:id="rId23"/>
+    <p:notesMasterId r:id="rId29"/>
   </p:notesMasterIdLst>
   <p:sldIdLst>
     <p:sldId id="257" r:id="rId2"/>
@@ -29,6 +29,12 @@
     <p:sldId id="274" r:id="rId20"/>
     <p:sldId id="275" r:id="rId21"/>
     <p:sldId id="276" r:id="rId22"/>
+    <p:sldId id="279" r:id="rId23"/>
+    <p:sldId id="280" r:id="rId24"/>
+    <p:sldId id="281" r:id="rId25"/>
+    <p:sldId id="278" r:id="rId26"/>
+    <p:sldId id="282" r:id="rId27"/>
+    <p:sldId id="283" r:id="rId28"/>
   </p:sldIdLst>
   <p:sldSz cx="12192000" cy="6858000"/>
   <p:notesSz cx="6858000" cy="9144000"/>
@@ -222,7 +228,7 @@
             <a:fld id="{D5904EEC-1544-4F8A-9627-C15A01248C3F}" type="datetimeFigureOut">
               <a:rPr lang="fa-IR" smtClean="0"/>
               <a:pPr/>
-              <a:t>27/05/1443</a:t>
+              <a:t>28/05/1443</a:t>
             </a:fld>
             <a:endParaRPr lang="fa-IR" dirty="0"/>
           </a:p>
@@ -1335,7 +1341,7 @@
           <a:p>
             <a:fld id="{02730C7D-E670-452F-99B3-10B0C33A0E2C}" type="datetimeFigureOut">
               <a:rPr lang="en-US" smtClean="0"/>
-              <a:t>12/31/2021</a:t>
+              <a:t>1/1/2022</a:t>
             </a:fld>
             <a:endParaRPr lang="en-US"/>
           </a:p>
@@ -1586,7 +1592,7 @@
           <a:p>
             <a:fld id="{02730C7D-E670-452F-99B3-10B0C33A0E2C}" type="datetimeFigureOut">
               <a:rPr lang="en-US" smtClean="0"/>
-              <a:t>12/31/2021</a:t>
+              <a:t>1/1/2022</a:t>
             </a:fld>
             <a:endParaRPr lang="en-US"/>
           </a:p>
@@ -1900,7 +1906,7 @@
           <a:p>
             <a:fld id="{02730C7D-E670-452F-99B3-10B0C33A0E2C}" type="datetimeFigureOut">
               <a:rPr lang="en-US" smtClean="0"/>
-              <a:t>12/31/2021</a:t>
+              <a:t>1/1/2022</a:t>
             </a:fld>
             <a:endParaRPr lang="en-US"/>
           </a:p>
@@ -2241,7 +2247,7 @@
           <a:p>
             <a:fld id="{02730C7D-E670-452F-99B3-10B0C33A0E2C}" type="datetimeFigureOut">
               <a:rPr lang="en-US" smtClean="0"/>
-              <a:t>12/31/2021</a:t>
+              <a:t>1/1/2022</a:t>
             </a:fld>
             <a:endParaRPr lang="en-US"/>
           </a:p>
@@ -2555,7 +2561,7 @@
           <a:p>
             <a:fld id="{02730C7D-E670-452F-99B3-10B0C33A0E2C}" type="datetimeFigureOut">
               <a:rPr lang="en-US" smtClean="0"/>
-              <a:t>12/31/2021</a:t>
+              <a:t>1/1/2022</a:t>
             </a:fld>
             <a:endParaRPr lang="en-US"/>
           </a:p>
@@ -2948,7 +2954,7 @@
           <a:p>
             <a:fld id="{02730C7D-E670-452F-99B3-10B0C33A0E2C}" type="datetimeFigureOut">
               <a:rPr lang="en-US" smtClean="0"/>
-              <a:t>12/31/2021</a:t>
+              <a:t>1/1/2022</a:t>
             </a:fld>
             <a:endParaRPr lang="en-US"/>
           </a:p>
@@ -3118,7 +3124,7 @@
           <a:p>
             <a:fld id="{02730C7D-E670-452F-99B3-10B0C33A0E2C}" type="datetimeFigureOut">
               <a:rPr lang="en-US" smtClean="0"/>
-              <a:t>12/31/2021</a:t>
+              <a:t>1/1/2022</a:t>
             </a:fld>
             <a:endParaRPr lang="en-US"/>
           </a:p>
@@ -3298,7 +3304,7 @@
           <a:p>
             <a:fld id="{02730C7D-E670-452F-99B3-10B0C33A0E2C}" type="datetimeFigureOut">
               <a:rPr lang="en-US" smtClean="0"/>
-              <a:t>12/31/2021</a:t>
+              <a:t>1/1/2022</a:t>
             </a:fld>
             <a:endParaRPr lang="en-US"/>
           </a:p>
@@ -3474,7 +3480,7 @@
           <a:p>
             <a:fld id="{02730C7D-E670-452F-99B3-10B0C33A0E2C}" type="datetimeFigureOut">
               <a:rPr lang="en-US" smtClean="0"/>
-              <a:t>12/31/2021</a:t>
+              <a:t>1/1/2022</a:t>
             </a:fld>
             <a:endParaRPr lang="en-US"/>
           </a:p>
@@ -3728,7 +3734,7 @@
           <a:p>
             <a:fld id="{02730C7D-E670-452F-99B3-10B0C33A0E2C}" type="datetimeFigureOut">
               <a:rPr lang="en-US" smtClean="0"/>
-              <a:t>12/31/2021</a:t>
+              <a:t>1/1/2022</a:t>
             </a:fld>
             <a:endParaRPr lang="en-US"/>
           </a:p>
@@ -3960,7 +3966,7 @@
           <a:p>
             <a:fld id="{02730C7D-E670-452F-99B3-10B0C33A0E2C}" type="datetimeFigureOut">
               <a:rPr lang="en-US" smtClean="0"/>
-              <a:t>12/31/2021</a:t>
+              <a:t>1/1/2022</a:t>
             </a:fld>
             <a:endParaRPr lang="en-US"/>
           </a:p>
@@ -4334,7 +4340,7 @@
           <a:p>
             <a:fld id="{02730C7D-E670-452F-99B3-10B0C33A0E2C}" type="datetimeFigureOut">
               <a:rPr lang="en-US" smtClean="0"/>
-              <a:t>12/31/2021</a:t>
+              <a:t>1/1/2022</a:t>
             </a:fld>
             <a:endParaRPr lang="en-US"/>
           </a:p>
@@ -4457,7 +4463,7 @@
           <a:p>
             <a:fld id="{02730C7D-E670-452F-99B3-10B0C33A0E2C}" type="datetimeFigureOut">
               <a:rPr lang="en-US" smtClean="0"/>
-              <a:t>12/31/2021</a:t>
+              <a:t>1/1/2022</a:t>
             </a:fld>
             <a:endParaRPr lang="en-US"/>
           </a:p>
@@ -4552,7 +4558,7 @@
           <a:p>
             <a:fld id="{02730C7D-E670-452F-99B3-10B0C33A0E2C}" type="datetimeFigureOut">
               <a:rPr lang="en-US" smtClean="0"/>
-              <a:t>12/31/2021</a:t>
+              <a:t>1/1/2022</a:t>
             </a:fld>
             <a:endParaRPr lang="en-US"/>
           </a:p>
@@ -4807,7 +4813,7 @@
           <a:p>
             <a:fld id="{02730C7D-E670-452F-99B3-10B0C33A0E2C}" type="datetimeFigureOut">
               <a:rPr lang="en-US" smtClean="0"/>
-              <a:t>12/31/2021</a:t>
+              <a:t>1/1/2022</a:t>
             </a:fld>
             <a:endParaRPr lang="en-US"/>
           </a:p>
@@ -5070,7 +5076,7 @@
           <a:p>
             <a:fld id="{02730C7D-E670-452F-99B3-10B0C33A0E2C}" type="datetimeFigureOut">
               <a:rPr lang="en-US" smtClean="0"/>
-              <a:t>12/31/2021</a:t>
+              <a:t>1/1/2022</a:t>
             </a:fld>
             <a:endParaRPr lang="en-US"/>
           </a:p>
@@ -5813,7 +5819,7 @@
           <a:p>
             <a:fld id="{02730C7D-E670-452F-99B3-10B0C33A0E2C}" type="datetimeFigureOut">
               <a:rPr lang="en-US" smtClean="0"/>
-              <a:t>12/31/2021</a:t>
+              <a:t>1/1/2022</a:t>
             </a:fld>
             <a:endParaRPr lang="en-US"/>
           </a:p>
@@ -7229,13 +7235,7 @@
               <a:rPr lang="fa-IR" sz="2400" dirty="0" smtClean="0">
                 <a:cs typeface="B Nazanin" panose="00000400000000000000" pitchFamily="2" charset="-78"/>
               </a:rPr>
-              <a:t>اين پروژه ها مي‌تواند اعم</a:t>
-            </a:r>
-            <a:r>
-              <a:rPr lang="fa-IR" sz="2400" dirty="0" smtClean="0">
-                <a:cs typeface="B Nazanin" panose="00000400000000000000" pitchFamily="2" charset="-78"/>
-              </a:rPr>
-              <a:t> از </a:t>
+              <a:t>اين پروژه ها مي‌تواند اعم از </a:t>
             </a:r>
             <a:r>
               <a:rPr lang="fa-IR" sz="2400" dirty="0" smtClean="0">
@@ -7626,43 +7626,57 @@
         </p:nvSpPr>
         <p:spPr/>
         <p:txBody>
-          <a:bodyPr/>
+          <a:bodyPr>
+            <a:normAutofit/>
+          </a:bodyPr>
           <a:lstStyle/>
           <a:p>
             <a:pPr algn="r" rtl="1"/>
             <a:r>
-              <a:rPr lang="fa-IR" dirty="0" smtClean="0"/>
+              <a:rPr lang="fa-IR" sz="2000" dirty="0" smtClean="0">
+                <a:cs typeface="B Nazanin" panose="00000400000000000000" pitchFamily="2" charset="-78"/>
+              </a:rPr>
               <a:t>قهرمان محصول به عنوان رابط اصلی بین کاربران یک کلاس کاربری و تحلیگر کسب و کار عمل میکند .</a:t>
             </a:r>
           </a:p>
           <a:p>
             <a:pPr algn="r" rtl="1"/>
             <a:r>
-              <a:rPr lang="fa-IR" dirty="0" smtClean="0"/>
+              <a:rPr lang="fa-IR" sz="2000" dirty="0" smtClean="0">
+                <a:cs typeface="B Nazanin" panose="00000400000000000000" pitchFamily="2" charset="-78"/>
+              </a:rPr>
               <a:t>در حالت ایده آل قهرمان محصول یک کاربر واقعی است . </a:t>
             </a:r>
           </a:p>
           <a:p>
             <a:pPr algn="r" rtl="1"/>
             <a:r>
-              <a:rPr lang="fa-IR" dirty="0" smtClean="0"/>
+              <a:rPr lang="fa-IR" sz="2000" dirty="0" smtClean="0">
+                <a:cs typeface="B Nazanin" panose="00000400000000000000" pitchFamily="2" charset="-78"/>
+              </a:rPr>
               <a:t>در حالت غیر ایده آل قهرمان محصول عضوی از خود سازمان توسعه دهنده است که خود را جای یک کاربر جازده است </a:t>
             </a:r>
           </a:p>
           <a:p>
             <a:pPr algn="r" rtl="1"/>
             <a:r>
-              <a:rPr lang="fa-IR" dirty="0" smtClean="0"/>
+              <a:rPr lang="fa-IR" sz="2000" dirty="0" smtClean="0">
+                <a:cs typeface="B Nazanin" panose="00000400000000000000" pitchFamily="2" charset="-78"/>
+              </a:rPr>
               <a:t>قهرمان محصول نیازمندی ها را از کاربران کلاس کاربری که نماینده آن هاست استخراج میکند .</a:t>
             </a:r>
           </a:p>
           <a:p>
             <a:pPr algn="r" rtl="1"/>
             <a:r>
-              <a:rPr lang="fa-IR" dirty="0" smtClean="0"/>
+              <a:rPr lang="fa-IR" sz="2000" dirty="0" smtClean="0">
+                <a:cs typeface="B Nazanin" panose="00000400000000000000" pitchFamily="2" charset="-78"/>
+              </a:rPr>
               <a:t>قهرمان محصول تضادهای بین نیازمندیها را بر طرف می ‌کند و به تحلیلگر کسب و کار ارائه میدهد .</a:t>
             </a:r>
-            <a:endParaRPr lang="en-US" dirty="0"/>
+            <a:endParaRPr lang="en-US" sz="2000" dirty="0">
+              <a:cs typeface="B Nazanin" panose="00000400000000000000" pitchFamily="2" charset="-78"/>
+            </a:endParaRPr>
           </a:p>
         </p:txBody>
       </p:sp>
@@ -7762,7 +7776,7 @@
               <a:buChar char="q"/>
             </a:pPr>
             <a:r>
-              <a:rPr lang="fa-IR" sz="2400" dirty="0" smtClean="0">
+              <a:rPr lang="fa-IR" sz="2000" dirty="0" smtClean="0">
                 <a:solidFill>
                   <a:srgbClr val="C00000"/>
                 </a:solidFill>
@@ -7777,7 +7791,7 @@
               <a:buChar char="§"/>
             </a:pPr>
             <a:r>
-              <a:rPr lang="fa-IR" dirty="0" smtClean="0">
+              <a:rPr lang="fa-IR" sz="2000" dirty="0" smtClean="0">
                 <a:cs typeface="B Nazanin" panose="00000400000000000000" pitchFamily="2" charset="-78"/>
               </a:rPr>
               <a:t>بهترین قهرمان محصول کسی است که دیدگاه روشنی نسبت به سیستم جدید دارد . </a:t>
@@ -7789,7 +7803,7 @@
               <a:buChar char="§"/>
             </a:pPr>
             <a:r>
-              <a:rPr lang="fa-IR" dirty="0" smtClean="0">
+              <a:rPr lang="fa-IR" sz="2000" dirty="0" smtClean="0">
                 <a:cs typeface="B Nazanin" panose="00000400000000000000" pitchFamily="2" charset="-78"/>
               </a:rPr>
               <a:t>باید ارتباط دهنده های موثری باشند که مورد احترام همتایان خود باشند . </a:t>
@@ -7801,7 +7815,7 @@
               <a:buChar char="§"/>
             </a:pPr>
             <a:r>
-              <a:rPr lang="fa-IR" dirty="0" smtClean="0">
+              <a:rPr lang="fa-IR" sz="2000" dirty="0" smtClean="0">
                 <a:cs typeface="B Nazanin" panose="00000400000000000000" pitchFamily="2" charset="-78"/>
               </a:rPr>
               <a:t>آنها باید درک کاملی از حوزه برنامه و محیط عملیاتی داشته باشند  . </a:t>
@@ -8295,12 +8309,14 @@
         </p:nvSpPr>
         <p:spPr>
           <a:xfrm>
-            <a:off x="677334" y="2160589"/>
-            <a:ext cx="8596668" cy="5440361"/>
+            <a:off x="867834" y="1504950"/>
+            <a:ext cx="8596668" cy="3952875"/>
           </a:xfrm>
         </p:spPr>
         <p:txBody>
-          <a:bodyPr/>
+          <a:bodyPr>
+            <a:normAutofit lnSpcReduction="10000"/>
+          </a:bodyPr>
           <a:lstStyle/>
           <a:p>
             <a:pPr algn="r" rtl="1">
@@ -8311,7 +8327,7 @@
               <a:rPr lang="fa-IR" sz="2000" dirty="0" smtClean="0">
                 <a:cs typeface="B Nazanin" panose="00000400000000000000" pitchFamily="2" charset="-78"/>
               </a:rPr>
-              <a:t>پیدا کردن قهرمان محصول خارجی در هنگام توسعه نرم‌افزار های تجاری می‌تواند دشوار باشد . </a:t>
+              <a:t>گاهی استخدام کاربران واقعی به عنوان قهرمان محصول می‌تواند سخت باشد . </a:t>
             </a:r>
           </a:p>
           <a:p>
@@ -8320,19 +8336,75 @@
               <a:buChar char="§"/>
             </a:pPr>
             <a:r>
-              <a:rPr lang="fa-IR" sz="2000" dirty="0">
-                <a:cs typeface="B Nazanin" panose="00000400000000000000" pitchFamily="2" charset="-78"/>
-              </a:rPr>
-              <a:t>هنگام توسعه نرم افزار تجاری، پیدا کردن قهرمانان محصول از خارج از شرکت شما می تواند دشوار باشد. شرکت‌هایی که محصولات تجاری تولید می‌کنند، گاهی به کارشناسان داخلی یا مشاوران خارجی برای به کار گرفته شدن به عنوان نماینده  برای کاربران واقعی، که ممکن است ناشناخته یا دشوار  باشد که استخدام گردند ، متکی هستند. اگر با برخی از مشتریان شرکتی بزرگ رابطه کاری نزدیک دارید، ممکن است از این فرصت برای مشارکت در استخراج نیازمندی ها استقبال کنند. شما ممکن است به قهرمانان محصول خارجی انگیزه های اقتصادی برای مشارکت آنها بدهید. در نظر بگیرید که برای آنها تخفیف هایی را برای محصول ارائه دهید یا برای زمانی که برای کار با شما در مورد الزامات می گذرانند، بپردازید. شما هنوز با این چالش روبرو هستید که تنها نیازهای قهرمان را نشنوید و نیازهای سایر ذینفعان را هم در نظر بگیرید. اگر پایگاه مشتری متنوعی دارید، ابتدا الزامات اصلی را که برای همه مشتریان مشترک است شناسایی کنید. سپس الزامات اضافی را تعریف کنید که مختص مشتریان شرکتی، بخش های بازار، یا طبقات کاربر است.</a:t>
-            </a:r>
-            <a:endParaRPr lang="en-US" sz="2000" dirty="0">
-              <a:cs typeface="B Nazanin" panose="00000400000000000000" pitchFamily="2" charset="-78"/>
-            </a:endParaRPr>
+              <a:rPr lang="fa-IR" sz="2000" dirty="0" smtClean="0">
+                <a:cs typeface="B Nazanin" panose="00000400000000000000" pitchFamily="2" charset="-78"/>
+              </a:rPr>
+              <a:t>در این گونه مواقع می توان از کارشناسان داخلی یا مشاوران خارجی برای شبیه سازی نقش این کاربران استفاده کرد .</a:t>
+            </a:r>
           </a:p>
           <a:p>
             <a:pPr algn="r" rtl="1">
               <a:buFont typeface="Wingdings" panose="05000000000000000000" pitchFamily="2" charset="2"/>
-              <a:buChar char="§"/>
+              <a:buChar char="Ø"/>
+            </a:pPr>
+            <a:r>
+              <a:rPr lang="fa-IR" sz="2000" dirty="0" smtClean="0">
+                <a:cs typeface="B Nazanin" panose="00000400000000000000" pitchFamily="2" charset="-78"/>
+              </a:rPr>
+              <a:t>اگر تعداد کلاس‌های کاربری زیادی دارید ابتدا نیازمندی های اصلی که برای کاربران مشترک است را شناسایی کنید . </a:t>
+            </a:r>
+          </a:p>
+          <a:p>
+            <a:pPr algn="r" rtl="1">
+              <a:buFont typeface="Wingdings" panose="05000000000000000000" pitchFamily="2" charset="2"/>
+              <a:buChar char="Ø"/>
+            </a:pPr>
+            <a:r>
+              <a:rPr lang="fa-IR" sz="2000" dirty="0" smtClean="0">
+                <a:cs typeface="B Nazanin" panose="00000400000000000000" pitchFamily="2" charset="-78"/>
+              </a:rPr>
+              <a:t>سپس نیازمندی های که مخوص کلاس های کاربری خاصی است را در نظر بگیرید .</a:t>
+            </a:r>
+          </a:p>
+          <a:p>
+            <a:pPr algn="r" rtl="1">
+              <a:buFont typeface="Wingdings" panose="05000000000000000000" pitchFamily="2" charset="2"/>
+              <a:buChar char="Ø"/>
+            </a:pPr>
+            <a:r>
+              <a:rPr lang="fa-IR" sz="2000" dirty="0" smtClean="0">
+                <a:cs typeface="B Nazanin" panose="00000400000000000000" pitchFamily="2" charset="-78"/>
+              </a:rPr>
+              <a:t>به علت امکان تغییر سریع دامنه بعضی از مسائل سیستم نیازمندی های کاربران ممکن است ثابت نباشد.</a:t>
+            </a:r>
+          </a:p>
+          <a:p>
+            <a:pPr algn="r" rtl="1">
+              <a:buFont typeface="Wingdings" panose="05000000000000000000" pitchFamily="2" charset="2"/>
+              <a:buChar char="Ø"/>
+            </a:pPr>
+            <a:r>
+              <a:rPr lang="fa-IR" sz="2000" dirty="0" smtClean="0">
+                <a:cs typeface="B Nazanin" panose="00000400000000000000" pitchFamily="2" charset="-78"/>
+              </a:rPr>
+              <a:t> قهرمان محصول را از کاربران فعلی سیستم فعلی انتخاب کنید .</a:t>
+            </a:r>
+          </a:p>
+          <a:p>
+            <a:pPr algn="r" rtl="1">
+              <a:buFont typeface="Wingdings" panose="05000000000000000000" pitchFamily="2" charset="2"/>
+              <a:buChar char="Ø"/>
+            </a:pPr>
+            <a:r>
+              <a:rPr lang="fa-IR" sz="2000" dirty="0" smtClean="0">
+                <a:cs typeface="B Nazanin" panose="00000400000000000000" pitchFamily="2" charset="-78"/>
+              </a:rPr>
+              <a:t>اگر از کاربران سابق سیستم باشد ممکن است نیازمندی های بروزنشده ای را ارائه دهد . </a:t>
+            </a:r>
+          </a:p>
+          <a:p>
+            <a:pPr marL="0" indent="0" algn="r" rtl="1">
+              <a:buNone/>
             </a:pPr>
             <a:r>
               <a:rPr lang="fa-IR" dirty="0" smtClean="0"/>
@@ -8394,7 +8466,22 @@
           <a:bodyPr/>
           <a:lstStyle/>
           <a:p>
-            <a:endParaRPr lang="en-US"/>
+            <a:pPr algn="ctr"/>
+            <a:r>
+              <a:rPr lang="fa-IR" u="sng" dirty="0" smtClean="0">
+                <a:solidFill>
+                  <a:srgbClr val="C00000"/>
+                </a:solidFill>
+                <a:cs typeface="B Nazanin" panose="00000400000000000000" pitchFamily="2" charset="-78"/>
+              </a:rPr>
+              <a:t>انتظارات از قهرمان محصول </a:t>
+            </a:r>
+            <a:endParaRPr lang="en-US" u="sng" dirty="0">
+              <a:solidFill>
+                <a:srgbClr val="C00000"/>
+              </a:solidFill>
+              <a:cs typeface="B Nazanin" panose="00000400000000000000" pitchFamily="2" charset="-78"/>
+            </a:endParaRPr>
           </a:p>
         </p:txBody>
       </p:sp>
@@ -8410,10 +8497,198 @@
         </p:nvSpPr>
         <p:spPr/>
         <p:txBody>
-          <a:bodyPr/>
-          <a:lstStyle/>
-          <a:p>
-            <a:endParaRPr lang="en-US"/>
+          <a:bodyPr>
+            <a:normAutofit/>
+          </a:bodyPr>
+          <a:lstStyle/>
+          <a:p>
+            <a:pPr algn="r" rtl="1">
+              <a:buFont typeface="Wingdings" panose="05000000000000000000" pitchFamily="2" charset="2"/>
+              <a:buChar char="§"/>
+            </a:pPr>
+            <a:r>
+              <a:rPr lang="fa-IR" sz="2000" dirty="0" smtClean="0">
+                <a:cs typeface="B Nazanin" panose="00000400000000000000" pitchFamily="2" charset="-78"/>
+              </a:rPr>
+              <a:t>آنچه را از </a:t>
+            </a:r>
+            <a:r>
+              <a:rPr lang="fa-IR" sz="2000" dirty="0" smtClean="0">
+                <a:solidFill>
+                  <a:srgbClr val="C00000"/>
+                </a:solidFill>
+                <a:cs typeface="B Nazanin" panose="00000400000000000000" pitchFamily="2" charset="-78"/>
+              </a:rPr>
+              <a:t>قهرمان محصول </a:t>
+            </a:r>
+            <a:r>
+              <a:rPr lang="fa-IR" sz="2000" dirty="0" smtClean="0">
+                <a:cs typeface="B Nazanin" panose="00000400000000000000" pitchFamily="2" charset="-78"/>
+              </a:rPr>
+              <a:t>خود انتظار انجام دهید </a:t>
+            </a:r>
+            <a:r>
+              <a:rPr lang="fa-IR" sz="2000" dirty="0" smtClean="0">
+                <a:solidFill>
+                  <a:srgbClr val="C00000"/>
+                </a:solidFill>
+                <a:cs typeface="B Nazanin" panose="00000400000000000000" pitchFamily="2" charset="-78"/>
+              </a:rPr>
+              <a:t>مستند</a:t>
+            </a:r>
+            <a:r>
+              <a:rPr lang="fa-IR" sz="2000" dirty="0" smtClean="0">
+                <a:cs typeface="B Nazanin" panose="00000400000000000000" pitchFamily="2" charset="-78"/>
+              </a:rPr>
+              <a:t> کنید . </a:t>
+            </a:r>
+          </a:p>
+          <a:p>
+            <a:pPr algn="r" rtl="1">
+              <a:buFont typeface="Wingdings" panose="05000000000000000000" pitchFamily="2" charset="2"/>
+              <a:buChar char="§"/>
+            </a:pPr>
+            <a:r>
+              <a:rPr lang="fa-IR" sz="2000" dirty="0" smtClean="0">
+                <a:cs typeface="B Nazanin" panose="00000400000000000000" pitchFamily="2" charset="-78"/>
+              </a:rPr>
+              <a:t>برای هر </a:t>
+            </a:r>
+            <a:r>
+              <a:rPr lang="fa-IR" sz="2000" dirty="0" smtClean="0">
+                <a:solidFill>
+                  <a:srgbClr val="C00000"/>
+                </a:solidFill>
+                <a:cs typeface="B Nazanin" panose="00000400000000000000" pitchFamily="2" charset="-78"/>
+              </a:rPr>
+              <a:t>قهرمان محصول </a:t>
+            </a:r>
+            <a:r>
+              <a:rPr lang="fa-IR" sz="2000" dirty="0" smtClean="0">
+                <a:cs typeface="B Nazanin" panose="00000400000000000000" pitchFamily="2" charset="-78"/>
+              </a:rPr>
+              <a:t>پرونده ای ایجاد کنید و </a:t>
+            </a:r>
+            <a:r>
+              <a:rPr lang="fa-IR" sz="2000" dirty="0" smtClean="0">
+                <a:solidFill>
+                  <a:srgbClr val="C00000"/>
+                </a:solidFill>
+                <a:cs typeface="B Nazanin" panose="00000400000000000000" pitchFamily="2" charset="-78"/>
+              </a:rPr>
+              <a:t>نقش ها </a:t>
+            </a:r>
+            <a:r>
+              <a:rPr lang="fa-IR" sz="2000" dirty="0" smtClean="0">
+                <a:cs typeface="B Nazanin" panose="00000400000000000000" pitchFamily="2" charset="-78"/>
+              </a:rPr>
+              <a:t>و </a:t>
+            </a:r>
+            <a:r>
+              <a:rPr lang="fa-IR" sz="2000" dirty="0" smtClean="0">
+                <a:solidFill>
+                  <a:srgbClr val="C00000"/>
+                </a:solidFill>
+                <a:cs typeface="B Nazanin" panose="00000400000000000000" pitchFamily="2" charset="-78"/>
+              </a:rPr>
+              <a:t>وظایفشان</a:t>
+            </a:r>
+            <a:r>
+              <a:rPr lang="fa-IR" sz="2000" dirty="0" smtClean="0">
+                <a:cs typeface="B Nazanin" panose="00000400000000000000" pitchFamily="2" charset="-78"/>
+              </a:rPr>
+              <a:t> را سند کنید . </a:t>
+            </a:r>
+          </a:p>
+          <a:p>
+            <a:pPr algn="r" rtl="1">
+              <a:buFont typeface="Wingdings" panose="05000000000000000000" pitchFamily="2" charset="2"/>
+              <a:buChar char="§"/>
+            </a:pPr>
+            <a:r>
+              <a:rPr lang="fa-IR" sz="2000" dirty="0" smtClean="0">
+                <a:cs typeface="B Nazanin" panose="00000400000000000000" pitchFamily="2" charset="-78"/>
+              </a:rPr>
+              <a:t>برای شروع مطابق الگوی زیر جلو بروید .</a:t>
+            </a:r>
+          </a:p>
+          <a:p>
+            <a:pPr algn="r" rtl="1">
+              <a:buFont typeface="Wingdings" panose="05000000000000000000" pitchFamily="2" charset="2"/>
+              <a:buChar char="v"/>
+            </a:pPr>
+            <a:r>
+              <a:rPr lang="fa-IR" sz="2000" dirty="0" smtClean="0">
+                <a:cs typeface="B Nazanin" panose="00000400000000000000" pitchFamily="2" charset="-78"/>
+              </a:rPr>
+              <a:t>برنامه ریزی :</a:t>
+            </a:r>
+          </a:p>
+          <a:p>
+            <a:pPr lvl="1" algn="r" rtl="1">
+              <a:buFont typeface="Wingdings" panose="05000000000000000000" pitchFamily="2" charset="2"/>
+              <a:buChar char="q"/>
+            </a:pPr>
+            <a:r>
+              <a:rPr lang="fa-IR" sz="2000" dirty="0" smtClean="0">
+                <a:cs typeface="B Nazanin" panose="00000400000000000000" pitchFamily="2" charset="-78"/>
+              </a:rPr>
+              <a:t>محدوده و محدودیت های سیستم را مشخص کند .</a:t>
+            </a:r>
+          </a:p>
+          <a:p>
+            <a:pPr lvl="1" algn="r" rtl="1">
+              <a:buFont typeface="Wingdings" panose="05000000000000000000" pitchFamily="2" charset="2"/>
+              <a:buChar char="q"/>
+            </a:pPr>
+            <a:r>
+              <a:rPr lang="fa-IR" sz="2000" dirty="0" smtClean="0">
+                <a:cs typeface="B Nazanin" panose="00000400000000000000" pitchFamily="2" charset="-78"/>
+              </a:rPr>
+              <a:t>سیستم های که با آن ها در تعامل است سیستم فعلی را مشخص کند .</a:t>
+            </a:r>
+          </a:p>
+          <a:p>
+            <a:pPr lvl="1" algn="r" rtl="1">
+              <a:buFont typeface="Wingdings" panose="05000000000000000000" pitchFamily="2" charset="2"/>
+              <a:buChar char="q"/>
+            </a:pPr>
+            <a:r>
+              <a:rPr lang="fa-IR" sz="2000" dirty="0" smtClean="0">
+                <a:cs typeface="B Nazanin" panose="00000400000000000000" pitchFamily="2" charset="-78"/>
+              </a:rPr>
+              <a:t>یک مسیر انتقال از برنامه های فعلی یا عملیات دستی تعریف کنید .</a:t>
+            </a:r>
+          </a:p>
+          <a:p>
+            <a:pPr lvl="1" algn="r" rtl="1">
+              <a:buFont typeface="Wingdings" panose="05000000000000000000" pitchFamily="2" charset="2"/>
+              <a:buChar char="q"/>
+            </a:pPr>
+            <a:r>
+              <a:rPr lang="fa-IR" sz="2000" dirty="0" smtClean="0">
+                <a:cs typeface="B Nazanin" panose="00000400000000000000" pitchFamily="2" charset="-78"/>
+              </a:rPr>
+              <a:t>استاندارهای مربوطه و نیازمندی های گواهینامه را مشخص کنید . </a:t>
+            </a:r>
+          </a:p>
+          <a:p>
+            <a:pPr algn="r" rtl="1">
+              <a:buFont typeface="Wingdings" panose="05000000000000000000" pitchFamily="2" charset="2"/>
+              <a:buChar char="q"/>
+            </a:pPr>
+            <a:endParaRPr lang="fa-IR" sz="2000" dirty="0" smtClean="0">
+              <a:cs typeface="B Nazanin" panose="00000400000000000000" pitchFamily="2" charset="-78"/>
+            </a:endParaRPr>
+          </a:p>
+          <a:p>
+            <a:pPr algn="r" rtl="1">
+              <a:buFont typeface="Wingdings" panose="05000000000000000000" pitchFamily="2" charset="2"/>
+              <a:buChar char="q"/>
+            </a:pPr>
+            <a:endParaRPr lang="fa-IR" sz="2000" dirty="0" smtClean="0">
+              <a:cs typeface="B Nazanin" panose="00000400000000000000" pitchFamily="2" charset="-78"/>
+            </a:endParaRPr>
           </a:p>
         </p:txBody>
       </p:sp>
@@ -8421,6 +8696,930 @@
     <p:extLst>
       <p:ext uri="{BB962C8B-B14F-4D97-AF65-F5344CB8AC3E}">
         <p14:creationId xmlns:p14="http://schemas.microsoft.com/office/powerpoint/2010/main" val="128213998"/>
+      </p:ext>
+    </p:extLst>
+  </p:cSld>
+  <p:clrMapOvr>
+    <a:masterClrMapping/>
+  </p:clrMapOvr>
+</p:sld>
+</file>
+
+<file path=ppt/slides/slide22.xml><?xml version="1.0" encoding="utf-8"?>
+<p:sld xmlns:a="http://schemas.openxmlformats.org/drawingml/2006/main" xmlns:r="http://schemas.openxmlformats.org/officeDocument/2006/relationships" xmlns:p="http://schemas.openxmlformats.org/presentationml/2006/main">
+  <p:cSld>
+    <p:spTree>
+      <p:nvGrpSpPr>
+        <p:cNvPr id="1" name=""/>
+        <p:cNvGrpSpPr/>
+        <p:nvPr/>
+      </p:nvGrpSpPr>
+      <p:grpSpPr>
+        <a:xfrm>
+          <a:off x="0" y="0"/>
+          <a:ext cx="0" cy="0"/>
+          <a:chOff x="0" y="0"/>
+          <a:chExt cx="0" cy="0"/>
+        </a:xfrm>
+      </p:grpSpPr>
+      <p:sp>
+        <p:nvSpPr>
+          <p:cNvPr id="2" name="Title 1"/>
+          <p:cNvSpPr>
+            <a:spLocks noGrp="1"/>
+          </p:cNvSpPr>
+          <p:nvPr>
+            <p:ph type="title"/>
+          </p:nvPr>
+        </p:nvSpPr>
+        <p:spPr/>
+        <p:txBody>
+          <a:bodyPr/>
+          <a:lstStyle/>
+          <a:p>
+            <a:pPr algn="ctr"/>
+            <a:r>
+              <a:rPr lang="fa-IR" u="sng" dirty="0" smtClean="0">
+                <a:solidFill>
+                  <a:srgbClr val="C00000"/>
+                </a:solidFill>
+                <a:cs typeface="B Nazanin" panose="00000400000000000000" pitchFamily="2" charset="-78"/>
+              </a:rPr>
+              <a:t>انتظارات از قهرمان محصول (ادامه)</a:t>
+            </a:r>
+            <a:endParaRPr lang="en-US" u="sng" dirty="0">
+              <a:solidFill>
+                <a:srgbClr val="C00000"/>
+              </a:solidFill>
+              <a:cs typeface="B Nazanin" panose="00000400000000000000" pitchFamily="2" charset="-78"/>
+            </a:endParaRPr>
+          </a:p>
+        </p:txBody>
+      </p:sp>
+      <p:sp>
+        <p:nvSpPr>
+          <p:cNvPr id="3" name="Content Placeholder 2"/>
+          <p:cNvSpPr>
+            <a:spLocks noGrp="1"/>
+          </p:cNvSpPr>
+          <p:nvPr>
+            <p:ph idx="1"/>
+          </p:nvPr>
+        </p:nvSpPr>
+        <p:spPr/>
+        <p:txBody>
+          <a:bodyPr>
+            <a:normAutofit/>
+          </a:bodyPr>
+          <a:lstStyle/>
+          <a:p>
+            <a:pPr algn="r" rtl="1">
+              <a:buFont typeface="Wingdings" panose="05000000000000000000" pitchFamily="2" charset="2"/>
+              <a:buChar char="v"/>
+            </a:pPr>
+            <a:r>
+              <a:rPr lang="fa-IR" sz="2000" dirty="0" smtClean="0">
+                <a:cs typeface="B Nazanin" panose="00000400000000000000" pitchFamily="2" charset="-78"/>
+              </a:rPr>
+              <a:t>نیازمندی ها:</a:t>
+            </a:r>
+          </a:p>
+          <a:p>
+            <a:pPr lvl="1" algn="r" rtl="1">
+              <a:buFont typeface="Wingdings" panose="05000000000000000000" pitchFamily="2" charset="2"/>
+              <a:buChar char="q"/>
+            </a:pPr>
+            <a:r>
+              <a:rPr lang="fa-IR" sz="2000" dirty="0" smtClean="0">
+                <a:cs typeface="B Nazanin" panose="00000400000000000000" pitchFamily="2" charset="-78"/>
+              </a:rPr>
+              <a:t>نیازمندی ها را از کاربران جمع آوری کند .</a:t>
+            </a:r>
+          </a:p>
+          <a:p>
+            <a:pPr lvl="1" algn="r" rtl="1">
+              <a:buFont typeface="Wingdings" panose="05000000000000000000" pitchFamily="2" charset="2"/>
+              <a:buChar char="q"/>
+            </a:pPr>
+            <a:r>
+              <a:rPr lang="fa-IR" sz="2000" dirty="0" smtClean="0">
+                <a:cs typeface="B Nazanin" panose="00000400000000000000" pitchFamily="2" charset="-78"/>
+              </a:rPr>
+              <a:t>سناریوهای استفاده ، یوزکیس ها و داستان های کاربران را بسط دهد . </a:t>
+            </a:r>
+          </a:p>
+          <a:p>
+            <a:pPr lvl="1" algn="r" rtl="1">
+              <a:buFont typeface="Wingdings" panose="05000000000000000000" pitchFamily="2" charset="2"/>
+              <a:buChar char="q"/>
+            </a:pPr>
+            <a:r>
+              <a:rPr lang="fa-IR" sz="2000" dirty="0" smtClean="0">
+                <a:cs typeface="B Nazanin" panose="00000400000000000000" pitchFamily="2" charset="-78"/>
+              </a:rPr>
+              <a:t>تضادها بین نیازمندی های پیشنهاد شده در کلاس کاربری را حل کند . </a:t>
+            </a:r>
+          </a:p>
+          <a:p>
+            <a:pPr lvl="1" algn="r" rtl="1">
+              <a:buFont typeface="Wingdings" panose="05000000000000000000" pitchFamily="2" charset="2"/>
+              <a:buChar char="q"/>
+            </a:pPr>
+            <a:r>
+              <a:rPr lang="fa-IR" sz="2000" dirty="0" smtClean="0">
+                <a:cs typeface="B Nazanin" panose="00000400000000000000" pitchFamily="2" charset="-78"/>
+              </a:rPr>
+              <a:t>الویت های اجرایی را تعریف کند .</a:t>
+            </a:r>
+          </a:p>
+          <a:p>
+            <a:pPr lvl="1" algn="r" rtl="1">
+              <a:buFont typeface="Wingdings" panose="05000000000000000000" pitchFamily="2" charset="2"/>
+              <a:buChar char="q"/>
+            </a:pPr>
+            <a:r>
+              <a:rPr lang="en-US" sz="1800" dirty="0"/>
+              <a:t>Provide input regarding performance and other quality requirements</a:t>
+            </a:r>
+            <a:r>
+              <a:rPr lang="en-US" sz="1800" dirty="0" smtClean="0"/>
+              <a:t>.</a:t>
+            </a:r>
+            <a:endParaRPr lang="fa-IR" sz="1800" dirty="0" smtClean="0"/>
+          </a:p>
+          <a:p>
+            <a:pPr lvl="1" algn="r" rtl="1">
+              <a:buFont typeface="Wingdings" panose="05000000000000000000" pitchFamily="2" charset="2"/>
+              <a:buChar char="q"/>
+            </a:pPr>
+            <a:r>
+              <a:rPr lang="fa-IR" sz="2000" dirty="0" smtClean="0">
+                <a:cs typeface="B Nazanin" panose="00000400000000000000" pitchFamily="2" charset="-78"/>
+              </a:rPr>
+              <a:t>نمونه های اولیه را ارزیابی کند . </a:t>
+            </a:r>
+          </a:p>
+          <a:p>
+            <a:pPr lvl="1" algn="r" rtl="1">
+              <a:buFont typeface="Wingdings" panose="05000000000000000000" pitchFamily="2" charset="2"/>
+              <a:buChar char="q"/>
+            </a:pPr>
+            <a:r>
+              <a:rPr lang="fa-IR" sz="2000" dirty="0" smtClean="0">
+                <a:cs typeface="B Nazanin" panose="00000400000000000000" pitchFamily="2" charset="-78"/>
+              </a:rPr>
+              <a:t>با سایر تصمیم گیرندگان راهبردی برای برطرف کردن تضادها بین سایر ذینفعان کار کند . </a:t>
+            </a:r>
+          </a:p>
+          <a:p>
+            <a:pPr lvl="1" algn="r" rtl="1">
+              <a:buFont typeface="Wingdings" panose="05000000000000000000" pitchFamily="2" charset="2"/>
+              <a:buChar char="q"/>
+            </a:pPr>
+            <a:r>
+              <a:rPr lang="fa-IR" sz="2000" dirty="0" smtClean="0">
+                <a:cs typeface="B Nazanin" panose="00000400000000000000" pitchFamily="2" charset="-78"/>
+              </a:rPr>
+              <a:t>الگوریتم های تخصصی را ارائه بدهد . </a:t>
+            </a:r>
+          </a:p>
+          <a:p>
+            <a:pPr algn="r" rtl="1">
+              <a:buFont typeface="Wingdings" panose="05000000000000000000" pitchFamily="2" charset="2"/>
+              <a:buChar char="q"/>
+            </a:pPr>
+            <a:endParaRPr lang="fa-IR" sz="2000" dirty="0" smtClean="0">
+              <a:cs typeface="B Nazanin" panose="00000400000000000000" pitchFamily="2" charset="-78"/>
+            </a:endParaRPr>
+          </a:p>
+          <a:p>
+            <a:pPr algn="r" rtl="1">
+              <a:buFont typeface="Wingdings" panose="05000000000000000000" pitchFamily="2" charset="2"/>
+              <a:buChar char="q"/>
+            </a:pPr>
+            <a:endParaRPr lang="fa-IR" sz="2000" dirty="0" smtClean="0">
+              <a:cs typeface="B Nazanin" panose="00000400000000000000" pitchFamily="2" charset="-78"/>
+            </a:endParaRPr>
+          </a:p>
+        </p:txBody>
+      </p:sp>
+    </p:spTree>
+    <p:extLst>
+      <p:ext uri="{BB962C8B-B14F-4D97-AF65-F5344CB8AC3E}">
+        <p14:creationId xmlns:p14="http://schemas.microsoft.com/office/powerpoint/2010/main" val="3060607866"/>
+      </p:ext>
+    </p:extLst>
+  </p:cSld>
+  <p:clrMapOvr>
+    <a:masterClrMapping/>
+  </p:clrMapOvr>
+</p:sld>
+</file>
+
+<file path=ppt/slides/slide23.xml><?xml version="1.0" encoding="utf-8"?>
+<p:sld xmlns:a="http://schemas.openxmlformats.org/drawingml/2006/main" xmlns:r="http://schemas.openxmlformats.org/officeDocument/2006/relationships" xmlns:p="http://schemas.openxmlformats.org/presentationml/2006/main">
+  <p:cSld>
+    <p:spTree>
+      <p:nvGrpSpPr>
+        <p:cNvPr id="1" name=""/>
+        <p:cNvGrpSpPr/>
+        <p:nvPr/>
+      </p:nvGrpSpPr>
+      <p:grpSpPr>
+        <a:xfrm>
+          <a:off x="0" y="0"/>
+          <a:ext cx="0" cy="0"/>
+          <a:chOff x="0" y="0"/>
+          <a:chExt cx="0" cy="0"/>
+        </a:xfrm>
+      </p:grpSpPr>
+      <p:sp>
+        <p:nvSpPr>
+          <p:cNvPr id="2" name="Title 1"/>
+          <p:cNvSpPr>
+            <a:spLocks noGrp="1"/>
+          </p:cNvSpPr>
+          <p:nvPr>
+            <p:ph type="title"/>
+          </p:nvPr>
+        </p:nvSpPr>
+        <p:spPr/>
+        <p:txBody>
+          <a:bodyPr/>
+          <a:lstStyle/>
+          <a:p>
+            <a:pPr algn="ctr"/>
+            <a:r>
+              <a:rPr lang="fa-IR" u="sng" dirty="0" smtClean="0">
+                <a:solidFill>
+                  <a:srgbClr val="C00000"/>
+                </a:solidFill>
+                <a:cs typeface="B Nazanin" panose="00000400000000000000" pitchFamily="2" charset="-78"/>
+              </a:rPr>
+              <a:t>انتظارات از قهرمان محصول (ادامه)</a:t>
+            </a:r>
+            <a:endParaRPr lang="en-US" u="sng" dirty="0">
+              <a:solidFill>
+                <a:srgbClr val="C00000"/>
+              </a:solidFill>
+              <a:cs typeface="B Nazanin" panose="00000400000000000000" pitchFamily="2" charset="-78"/>
+            </a:endParaRPr>
+          </a:p>
+        </p:txBody>
+      </p:sp>
+      <p:sp>
+        <p:nvSpPr>
+          <p:cNvPr id="3" name="Content Placeholder 2"/>
+          <p:cNvSpPr>
+            <a:spLocks noGrp="1"/>
+          </p:cNvSpPr>
+          <p:nvPr>
+            <p:ph idx="1"/>
+          </p:nvPr>
+        </p:nvSpPr>
+        <p:spPr/>
+        <p:txBody>
+          <a:bodyPr>
+            <a:normAutofit/>
+          </a:bodyPr>
+          <a:lstStyle/>
+          <a:p>
+            <a:pPr algn="r" rtl="1">
+              <a:buFont typeface="Wingdings" panose="05000000000000000000" pitchFamily="2" charset="2"/>
+              <a:buChar char="v"/>
+            </a:pPr>
+            <a:r>
+              <a:rPr lang="fa-IR" sz="2000" dirty="0" smtClean="0">
+                <a:cs typeface="B Nazanin" panose="00000400000000000000" pitchFamily="2" charset="-78"/>
+              </a:rPr>
+              <a:t>اعتبار سنجی و تایید :</a:t>
+            </a:r>
+          </a:p>
+          <a:p>
+            <a:pPr lvl="1" algn="r" rtl="1">
+              <a:buFont typeface="Wingdings" panose="05000000000000000000" pitchFamily="2" charset="2"/>
+              <a:buChar char="q"/>
+            </a:pPr>
+            <a:r>
+              <a:rPr lang="fa-IR" sz="2000" dirty="0" smtClean="0">
+                <a:cs typeface="B Nazanin" panose="00000400000000000000" pitchFamily="2" charset="-78"/>
+              </a:rPr>
+              <a:t>مشخات نیازمندی ها را بررسی کند .</a:t>
+            </a:r>
+          </a:p>
+          <a:p>
+            <a:pPr lvl="1" algn="r" rtl="1">
+              <a:buFont typeface="Wingdings" panose="05000000000000000000" pitchFamily="2" charset="2"/>
+              <a:buChar char="q"/>
+            </a:pPr>
+            <a:r>
+              <a:rPr lang="fa-IR" sz="2000" dirty="0" smtClean="0">
+                <a:cs typeface="B Nazanin" panose="00000400000000000000" pitchFamily="2" charset="-78"/>
+              </a:rPr>
+              <a:t>معیارهای پذیرش را تعریف کند </a:t>
+            </a:r>
+          </a:p>
+          <a:p>
+            <a:pPr lvl="1" algn="r" rtl="1">
+              <a:buFont typeface="Wingdings" panose="05000000000000000000" pitchFamily="2" charset="2"/>
+              <a:buChar char="q"/>
+            </a:pPr>
+            <a:r>
+              <a:rPr lang="fa-IR" sz="2000" dirty="0" smtClean="0">
+                <a:cs typeface="B Nazanin" panose="00000400000000000000" pitchFamily="2" charset="-78"/>
+              </a:rPr>
+              <a:t>از سناریوهای کاربردی تست پذیرش کاربر را توسعه دهد . </a:t>
+            </a:r>
+          </a:p>
+          <a:p>
+            <a:pPr lvl="1" algn="r" rtl="1">
+              <a:buFont typeface="Wingdings" panose="05000000000000000000" pitchFamily="2" charset="2"/>
+              <a:buChar char="q"/>
+            </a:pPr>
+            <a:r>
+              <a:rPr lang="fa-IR" sz="2000" dirty="0">
+                <a:cs typeface="B Nazanin" panose="00000400000000000000" pitchFamily="2" charset="-78"/>
+              </a:rPr>
+              <a:t>مجموعه داده های آزمایشی را از کسب و کار ارائه </a:t>
+            </a:r>
+            <a:r>
+              <a:rPr lang="fa-IR" sz="2000" dirty="0" smtClean="0">
+                <a:cs typeface="B Nazanin" panose="00000400000000000000" pitchFamily="2" charset="-78"/>
+              </a:rPr>
+              <a:t>دهید </a:t>
+            </a:r>
+          </a:p>
+          <a:p>
+            <a:pPr lvl="1" algn="r" rtl="1">
+              <a:buFont typeface="Wingdings" panose="05000000000000000000" pitchFamily="2" charset="2"/>
+              <a:buChar char="q"/>
+            </a:pPr>
+            <a:r>
+              <a:rPr lang="fa-IR" sz="2000" dirty="0" smtClean="0">
+                <a:cs typeface="B Nazanin" panose="00000400000000000000" pitchFamily="2" charset="-78"/>
+              </a:rPr>
+              <a:t>تست پذیرش کاربر یا بتا تست را انجام دهد . </a:t>
+            </a:r>
+          </a:p>
+          <a:p>
+            <a:pPr algn="r" rtl="1">
+              <a:buFont typeface="Wingdings" panose="05000000000000000000" pitchFamily="2" charset="2"/>
+              <a:buChar char="q"/>
+            </a:pPr>
+            <a:endParaRPr lang="fa-IR" sz="2000" dirty="0" smtClean="0">
+              <a:cs typeface="B Nazanin" panose="00000400000000000000" pitchFamily="2" charset="-78"/>
+            </a:endParaRPr>
+          </a:p>
+          <a:p>
+            <a:pPr algn="r" rtl="1">
+              <a:buFont typeface="Wingdings" panose="05000000000000000000" pitchFamily="2" charset="2"/>
+              <a:buChar char="q"/>
+            </a:pPr>
+            <a:endParaRPr lang="fa-IR" sz="2000" dirty="0" smtClean="0">
+              <a:cs typeface="B Nazanin" panose="00000400000000000000" pitchFamily="2" charset="-78"/>
+            </a:endParaRPr>
+          </a:p>
+        </p:txBody>
+      </p:sp>
+    </p:spTree>
+    <p:extLst>
+      <p:ext uri="{BB962C8B-B14F-4D97-AF65-F5344CB8AC3E}">
+        <p14:creationId xmlns:p14="http://schemas.microsoft.com/office/powerpoint/2010/main" val="1900475528"/>
+      </p:ext>
+    </p:extLst>
+  </p:cSld>
+  <p:clrMapOvr>
+    <a:masterClrMapping/>
+  </p:clrMapOvr>
+</p:sld>
+</file>
+
+<file path=ppt/slides/slide24.xml><?xml version="1.0" encoding="utf-8"?>
+<p:sld xmlns:a="http://schemas.openxmlformats.org/drawingml/2006/main" xmlns:r="http://schemas.openxmlformats.org/officeDocument/2006/relationships" xmlns:p="http://schemas.openxmlformats.org/presentationml/2006/main">
+  <p:cSld>
+    <p:spTree>
+      <p:nvGrpSpPr>
+        <p:cNvPr id="1" name=""/>
+        <p:cNvGrpSpPr/>
+        <p:nvPr/>
+      </p:nvGrpSpPr>
+      <p:grpSpPr>
+        <a:xfrm>
+          <a:off x="0" y="0"/>
+          <a:ext cx="0" cy="0"/>
+          <a:chOff x="0" y="0"/>
+          <a:chExt cx="0" cy="0"/>
+        </a:xfrm>
+      </p:grpSpPr>
+      <p:sp>
+        <p:nvSpPr>
+          <p:cNvPr id="2" name="Title 1"/>
+          <p:cNvSpPr>
+            <a:spLocks noGrp="1"/>
+          </p:cNvSpPr>
+          <p:nvPr>
+            <p:ph type="title"/>
+          </p:nvPr>
+        </p:nvSpPr>
+        <p:spPr/>
+        <p:txBody>
+          <a:bodyPr/>
+          <a:lstStyle/>
+          <a:p>
+            <a:pPr algn="ctr"/>
+            <a:r>
+              <a:rPr lang="fa-IR" u="sng" dirty="0" smtClean="0">
+                <a:solidFill>
+                  <a:srgbClr val="C00000"/>
+                </a:solidFill>
+                <a:cs typeface="B Nazanin" panose="00000400000000000000" pitchFamily="2" charset="-78"/>
+              </a:rPr>
+              <a:t>انتظارات از قهرمان محصول (ادامه)</a:t>
+            </a:r>
+            <a:endParaRPr lang="en-US" u="sng" dirty="0">
+              <a:solidFill>
+                <a:srgbClr val="C00000"/>
+              </a:solidFill>
+              <a:cs typeface="B Nazanin" panose="00000400000000000000" pitchFamily="2" charset="-78"/>
+            </a:endParaRPr>
+          </a:p>
+        </p:txBody>
+      </p:sp>
+      <p:sp>
+        <p:nvSpPr>
+          <p:cNvPr id="3" name="Content Placeholder 2"/>
+          <p:cNvSpPr>
+            <a:spLocks noGrp="1"/>
+          </p:cNvSpPr>
+          <p:nvPr>
+            <p:ph idx="1"/>
+          </p:nvPr>
+        </p:nvSpPr>
+        <p:spPr/>
+        <p:txBody>
+          <a:bodyPr>
+            <a:normAutofit/>
+          </a:bodyPr>
+          <a:lstStyle/>
+          <a:p>
+            <a:pPr algn="r" rtl="1">
+              <a:buFont typeface="Wingdings" panose="05000000000000000000" pitchFamily="2" charset="2"/>
+              <a:buChar char="v"/>
+            </a:pPr>
+            <a:r>
+              <a:rPr lang="fa-IR" sz="2000" dirty="0" smtClean="0">
+                <a:cs typeface="B Nazanin" panose="00000400000000000000" pitchFamily="2" charset="-78"/>
+              </a:rPr>
+              <a:t>کمک های کاربر</a:t>
+            </a:r>
+          </a:p>
+          <a:p>
+            <a:pPr lvl="1" algn="r" rtl="1">
+              <a:buFont typeface="Wingdings" panose="05000000000000000000" pitchFamily="2" charset="2"/>
+              <a:buChar char="q"/>
+            </a:pPr>
+            <a:r>
+              <a:rPr lang="fa-IR" sz="1800" dirty="0" smtClean="0">
+                <a:cs typeface="B Nazanin" panose="00000400000000000000" pitchFamily="2" charset="-78"/>
+              </a:rPr>
+              <a:t>بخش های از اسناد کاربر و متن راهنما را بنویسد .</a:t>
+            </a:r>
+          </a:p>
+          <a:p>
+            <a:pPr lvl="1" algn="r" rtl="1">
+              <a:buFont typeface="Wingdings" panose="05000000000000000000" pitchFamily="2" charset="2"/>
+              <a:buChar char="q"/>
+            </a:pPr>
+            <a:r>
+              <a:rPr lang="fa-IR" sz="1800" dirty="0" smtClean="0">
+                <a:cs typeface="B Nazanin" panose="00000400000000000000" pitchFamily="2" charset="-78"/>
+              </a:rPr>
+              <a:t>در برنامه های تمرینی یا آموزش شرکت کند .</a:t>
+            </a:r>
+          </a:p>
+          <a:p>
+            <a:pPr lvl="1" algn="r" rtl="1">
+              <a:buFont typeface="Wingdings" panose="05000000000000000000" pitchFamily="2" charset="2"/>
+              <a:buChar char="q"/>
+            </a:pPr>
+            <a:r>
+              <a:rPr lang="fa-IR" sz="1800" dirty="0" smtClean="0">
+                <a:cs typeface="B Nazanin" panose="00000400000000000000" pitchFamily="2" charset="-78"/>
+              </a:rPr>
+              <a:t>سیستم را برای همتایان خود شرح دهد . </a:t>
+            </a:r>
+          </a:p>
+          <a:p>
+            <a:pPr algn="r" rtl="1">
+              <a:buFont typeface="Wingdings" panose="05000000000000000000" pitchFamily="2" charset="2"/>
+              <a:buChar char="v"/>
+            </a:pPr>
+            <a:r>
+              <a:rPr lang="fa-IR" sz="2000" dirty="0" smtClean="0">
+                <a:cs typeface="B Nazanin" panose="00000400000000000000" pitchFamily="2" charset="-78"/>
+              </a:rPr>
+              <a:t>مدیریت تغییرات </a:t>
+            </a:r>
+            <a:endParaRPr lang="fa-IR" sz="2000" dirty="0">
+              <a:cs typeface="B Nazanin" panose="00000400000000000000" pitchFamily="2" charset="-78"/>
+            </a:endParaRPr>
+          </a:p>
+          <a:p>
+            <a:pPr lvl="1" algn="r" rtl="1">
+              <a:buFont typeface="Wingdings" panose="05000000000000000000" pitchFamily="2" charset="2"/>
+              <a:buChar char="q"/>
+            </a:pPr>
+            <a:r>
+              <a:rPr lang="fa-IR" sz="1800" dirty="0" smtClean="0">
+                <a:cs typeface="B Nazanin" panose="00000400000000000000" pitchFamily="2" charset="-78"/>
+              </a:rPr>
+              <a:t>درخواست های بهبود و اصلاحات نقص ها را الویت بندی کند .</a:t>
+            </a:r>
+          </a:p>
+          <a:p>
+            <a:pPr lvl="1" algn="r" rtl="1">
+              <a:buFont typeface="Wingdings" panose="05000000000000000000" pitchFamily="2" charset="2"/>
+              <a:buChar char="q"/>
+            </a:pPr>
+            <a:r>
+              <a:rPr lang="fa-IR" sz="1800" dirty="0" smtClean="0">
+                <a:cs typeface="B Nazanin" panose="00000400000000000000" pitchFamily="2" charset="-78"/>
+              </a:rPr>
+              <a:t>به صورت پویا محدوده انتشارات آینده را مشخص کند . </a:t>
+            </a:r>
+          </a:p>
+          <a:p>
+            <a:pPr lvl="1" algn="r" rtl="1">
+              <a:buFont typeface="Wingdings" panose="05000000000000000000" pitchFamily="2" charset="2"/>
+              <a:buChar char="q"/>
+            </a:pPr>
+            <a:r>
+              <a:rPr lang="fa-IR" sz="1800" dirty="0" smtClean="0">
+                <a:cs typeface="B Nazanin" panose="00000400000000000000" pitchFamily="2" charset="-78"/>
+              </a:rPr>
+              <a:t>تاثیر تغییرات پیشنهادی بر روی کاربران و فرایندهای تجاری را ارزیابی کند . </a:t>
+            </a:r>
+          </a:p>
+          <a:p>
+            <a:pPr lvl="1" algn="r" rtl="1">
+              <a:buFont typeface="Wingdings" panose="05000000000000000000" pitchFamily="2" charset="2"/>
+              <a:buChar char="q"/>
+            </a:pPr>
+            <a:r>
+              <a:rPr lang="fa-IR" sz="1800" dirty="0" smtClean="0">
+                <a:cs typeface="B Nazanin" panose="00000400000000000000" pitchFamily="2" charset="-78"/>
+              </a:rPr>
+              <a:t>در تصمیم گیری برای تغییرات سازنده شرکت کند . </a:t>
+            </a:r>
+            <a:endParaRPr lang="fa-IR" sz="1800" dirty="0">
+              <a:cs typeface="B Nazanin" panose="00000400000000000000" pitchFamily="2" charset="-78"/>
+            </a:endParaRPr>
+          </a:p>
+          <a:p>
+            <a:pPr algn="r" rtl="1">
+              <a:buFont typeface="Wingdings" panose="05000000000000000000" pitchFamily="2" charset="2"/>
+              <a:buChar char="q"/>
+            </a:pPr>
+            <a:endParaRPr lang="fa-IR" sz="2000" dirty="0" smtClean="0">
+              <a:cs typeface="B Nazanin" panose="00000400000000000000" pitchFamily="2" charset="-78"/>
+            </a:endParaRPr>
+          </a:p>
+          <a:p>
+            <a:pPr algn="r" rtl="1">
+              <a:buFont typeface="Wingdings" panose="05000000000000000000" pitchFamily="2" charset="2"/>
+              <a:buChar char="q"/>
+            </a:pPr>
+            <a:endParaRPr lang="fa-IR" sz="2000" dirty="0" smtClean="0">
+              <a:cs typeface="B Nazanin" panose="00000400000000000000" pitchFamily="2" charset="-78"/>
+            </a:endParaRPr>
+          </a:p>
+          <a:p>
+            <a:pPr algn="r" rtl="1">
+              <a:buFont typeface="Wingdings" panose="05000000000000000000" pitchFamily="2" charset="2"/>
+              <a:buChar char="q"/>
+            </a:pPr>
+            <a:endParaRPr lang="fa-IR" sz="2000" dirty="0" smtClean="0">
+              <a:cs typeface="B Nazanin" panose="00000400000000000000" pitchFamily="2" charset="-78"/>
+            </a:endParaRPr>
+          </a:p>
+          <a:p>
+            <a:pPr algn="r" rtl="1">
+              <a:buFont typeface="Wingdings" panose="05000000000000000000" pitchFamily="2" charset="2"/>
+              <a:buChar char="q"/>
+            </a:pPr>
+            <a:endParaRPr lang="fa-IR" sz="2000" dirty="0" smtClean="0">
+              <a:cs typeface="B Nazanin" panose="00000400000000000000" pitchFamily="2" charset="-78"/>
+            </a:endParaRPr>
+          </a:p>
+        </p:txBody>
+      </p:sp>
+    </p:spTree>
+    <p:extLst>
+      <p:ext uri="{BB962C8B-B14F-4D97-AF65-F5344CB8AC3E}">
+        <p14:creationId xmlns:p14="http://schemas.microsoft.com/office/powerpoint/2010/main" val="2598287691"/>
+      </p:ext>
+    </p:extLst>
+  </p:cSld>
+  <p:clrMapOvr>
+    <a:masterClrMapping/>
+  </p:clrMapOvr>
+</p:sld>
+</file>
+
+<file path=ppt/slides/slide25.xml><?xml version="1.0" encoding="utf-8"?>
+<p:sld xmlns:a="http://schemas.openxmlformats.org/drawingml/2006/main" xmlns:r="http://schemas.openxmlformats.org/officeDocument/2006/relationships" xmlns:p="http://schemas.openxmlformats.org/presentationml/2006/main">
+  <p:cSld>
+    <p:spTree>
+      <p:nvGrpSpPr>
+        <p:cNvPr id="1" name=""/>
+        <p:cNvGrpSpPr/>
+        <p:nvPr/>
+      </p:nvGrpSpPr>
+      <p:grpSpPr>
+        <a:xfrm>
+          <a:off x="0" y="0"/>
+          <a:ext cx="0" cy="0"/>
+          <a:chOff x="0" y="0"/>
+          <a:chExt cx="0" cy="0"/>
+        </a:xfrm>
+      </p:grpSpPr>
+      <p:sp>
+        <p:nvSpPr>
+          <p:cNvPr id="2" name="Title 1"/>
+          <p:cNvSpPr>
+            <a:spLocks noGrp="1"/>
+          </p:cNvSpPr>
+          <p:nvPr>
+            <p:ph type="title"/>
+          </p:nvPr>
+        </p:nvSpPr>
+        <p:spPr/>
+        <p:txBody>
+          <a:bodyPr/>
+          <a:lstStyle/>
+          <a:p>
+            <a:pPr algn="ctr"/>
+            <a:r>
+              <a:rPr lang="fa-IR" u="sng" dirty="0" smtClean="0">
+                <a:solidFill>
+                  <a:srgbClr val="C00000"/>
+                </a:solidFill>
+                <a:cs typeface="B Nazanin" panose="00000400000000000000" pitchFamily="2" charset="-78"/>
+              </a:rPr>
+              <a:t>چندین قهرمان محصول</a:t>
+            </a:r>
+            <a:endParaRPr lang="fa-IR" u="sng" dirty="0">
+              <a:solidFill>
+                <a:srgbClr val="C00000"/>
+              </a:solidFill>
+              <a:cs typeface="B Nazanin" panose="00000400000000000000" pitchFamily="2" charset="-78"/>
+            </a:endParaRPr>
+          </a:p>
+        </p:txBody>
+      </p:sp>
+      <p:sp>
+        <p:nvSpPr>
+          <p:cNvPr id="3" name="Content Placeholder 2"/>
+          <p:cNvSpPr>
+            <a:spLocks noGrp="1"/>
+          </p:cNvSpPr>
+          <p:nvPr>
+            <p:ph idx="1"/>
+          </p:nvPr>
+        </p:nvSpPr>
+        <p:spPr/>
+        <p:txBody>
+          <a:bodyPr>
+            <a:normAutofit/>
+          </a:bodyPr>
+          <a:lstStyle/>
+          <a:p>
+            <a:pPr algn="r" rtl="1">
+              <a:buFont typeface="Wingdings" panose="05000000000000000000" pitchFamily="2" charset="2"/>
+              <a:buChar char="§"/>
+            </a:pPr>
+            <a:r>
+              <a:rPr lang="fa-IR" sz="2400" dirty="0" smtClean="0">
+                <a:cs typeface="B Nazanin" panose="00000400000000000000" pitchFamily="2" charset="-78"/>
+              </a:rPr>
+              <a:t>یک نفر به ندرت می‌تواند نیازمندی های همه کلاسهای کاربری یک سیستم را توصیف کند . </a:t>
+            </a:r>
+          </a:p>
+          <a:p>
+            <a:pPr algn="r" rtl="1">
+              <a:buFont typeface="Wingdings" panose="05000000000000000000" pitchFamily="2" charset="2"/>
+              <a:buChar char="§"/>
+            </a:pPr>
+            <a:r>
+              <a:rPr lang="fa-IR" sz="2400" dirty="0" smtClean="0">
+                <a:cs typeface="B Nazanin" panose="00000400000000000000" pitchFamily="2" charset="-78"/>
+              </a:rPr>
+              <a:t>برای اینکه این کار به خوبی انجام شود به تعداد کلاس‌های کاربری باید قهرمان محصول در نظر گرفت . </a:t>
+            </a:r>
+            <a:endParaRPr lang="fa-IR" sz="2400" dirty="0">
+              <a:cs typeface="B Nazanin" panose="00000400000000000000" pitchFamily="2" charset="-78"/>
+            </a:endParaRPr>
+          </a:p>
+        </p:txBody>
+      </p:sp>
+    </p:spTree>
+    <p:extLst>
+      <p:ext uri="{BB962C8B-B14F-4D97-AF65-F5344CB8AC3E}">
+        <p14:creationId xmlns:p14="http://schemas.microsoft.com/office/powerpoint/2010/main" val="950362897"/>
+      </p:ext>
+    </p:extLst>
+  </p:cSld>
+  <p:clrMapOvr>
+    <a:masterClrMapping/>
+  </p:clrMapOvr>
+</p:sld>
+</file>
+
+<file path=ppt/slides/slide26.xml><?xml version="1.0" encoding="utf-8"?>
+<p:sld xmlns:a="http://schemas.openxmlformats.org/drawingml/2006/main" xmlns:r="http://schemas.openxmlformats.org/officeDocument/2006/relationships" xmlns:p="http://schemas.openxmlformats.org/presentationml/2006/main">
+  <p:cSld>
+    <p:spTree>
+      <p:nvGrpSpPr>
+        <p:cNvPr id="1" name=""/>
+        <p:cNvGrpSpPr/>
+        <p:nvPr/>
+      </p:nvGrpSpPr>
+      <p:grpSpPr>
+        <a:xfrm>
+          <a:off x="0" y="0"/>
+          <a:ext cx="0" cy="0"/>
+          <a:chOff x="0" y="0"/>
+          <a:chExt cx="0" cy="0"/>
+        </a:xfrm>
+      </p:grpSpPr>
+      <p:sp>
+        <p:nvSpPr>
+          <p:cNvPr id="2" name="Title 1"/>
+          <p:cNvSpPr>
+            <a:spLocks noGrp="1"/>
+          </p:cNvSpPr>
+          <p:nvPr>
+            <p:ph type="title"/>
+          </p:nvPr>
+        </p:nvSpPr>
+        <p:spPr/>
+        <p:txBody>
+          <a:bodyPr/>
+          <a:lstStyle/>
+          <a:p>
+            <a:pPr algn="ctr"/>
+            <a:r>
+              <a:rPr lang="fa-IR" u="sng" dirty="0" smtClean="0">
+                <a:solidFill>
+                  <a:srgbClr val="C00000"/>
+                </a:solidFill>
+                <a:cs typeface="B Nazanin" panose="00000400000000000000" pitchFamily="2" charset="-78"/>
+              </a:rPr>
+              <a:t>فروش ایده قهرمان محصول </a:t>
+            </a:r>
+            <a:endParaRPr lang="fa-IR" u="sng" dirty="0">
+              <a:solidFill>
+                <a:srgbClr val="C00000"/>
+              </a:solidFill>
+              <a:cs typeface="B Nazanin" panose="00000400000000000000" pitchFamily="2" charset="-78"/>
+            </a:endParaRPr>
+          </a:p>
+        </p:txBody>
+      </p:sp>
+      <p:sp>
+        <p:nvSpPr>
+          <p:cNvPr id="3" name="Content Placeholder 2"/>
+          <p:cNvSpPr>
+            <a:spLocks noGrp="1"/>
+          </p:cNvSpPr>
+          <p:nvPr>
+            <p:ph idx="1"/>
+          </p:nvPr>
+        </p:nvSpPr>
+        <p:spPr/>
+        <p:txBody>
+          <a:bodyPr>
+            <a:normAutofit/>
+          </a:bodyPr>
+          <a:lstStyle/>
+          <a:p>
+            <a:pPr algn="r" rtl="1">
+              <a:buFont typeface="Wingdings" panose="05000000000000000000" pitchFamily="2" charset="2"/>
+              <a:buChar char="§"/>
+            </a:pPr>
+            <a:endParaRPr lang="fa-IR" sz="2400" dirty="0" smtClean="0">
+              <a:cs typeface="B Nazanin" panose="00000400000000000000" pitchFamily="2" charset="-78"/>
+            </a:endParaRPr>
+          </a:p>
+          <a:p>
+            <a:pPr algn="r" rtl="1">
+              <a:buFont typeface="Wingdings" panose="05000000000000000000" pitchFamily="2" charset="2"/>
+              <a:buChar char="§"/>
+            </a:pPr>
+            <a:endParaRPr lang="fa-IR" sz="2400" dirty="0">
+              <a:cs typeface="B Nazanin" panose="00000400000000000000" pitchFamily="2" charset="-78"/>
+            </a:endParaRPr>
+          </a:p>
+        </p:txBody>
+      </p:sp>
+    </p:spTree>
+    <p:extLst>
+      <p:ext uri="{BB962C8B-B14F-4D97-AF65-F5344CB8AC3E}">
+        <p14:creationId xmlns:p14="http://schemas.microsoft.com/office/powerpoint/2010/main" val="1630348328"/>
+      </p:ext>
+    </p:extLst>
+  </p:cSld>
+  <p:clrMapOvr>
+    <a:masterClrMapping/>
+  </p:clrMapOvr>
+</p:sld>
+</file>
+
+<file path=ppt/slides/slide27.xml><?xml version="1.0" encoding="utf-8"?>
+<p:sld xmlns:a="http://schemas.openxmlformats.org/drawingml/2006/main" xmlns:r="http://schemas.openxmlformats.org/officeDocument/2006/relationships" xmlns:p="http://schemas.openxmlformats.org/presentationml/2006/main">
+  <p:cSld>
+    <p:spTree>
+      <p:nvGrpSpPr>
+        <p:cNvPr id="1" name=""/>
+        <p:cNvGrpSpPr/>
+        <p:nvPr/>
+      </p:nvGrpSpPr>
+      <p:grpSpPr>
+        <a:xfrm>
+          <a:off x="0" y="0"/>
+          <a:ext cx="0" cy="0"/>
+          <a:chOff x="0" y="0"/>
+          <a:chExt cx="0" cy="0"/>
+        </a:xfrm>
+      </p:grpSpPr>
+      <p:sp>
+        <p:nvSpPr>
+          <p:cNvPr id="2" name="Title 1"/>
+          <p:cNvSpPr>
+            <a:spLocks noGrp="1"/>
+          </p:cNvSpPr>
+          <p:nvPr>
+            <p:ph type="title"/>
+          </p:nvPr>
+        </p:nvSpPr>
+        <p:spPr/>
+        <p:txBody>
+          <a:bodyPr/>
+          <a:lstStyle/>
+          <a:p>
+            <a:pPr algn="ctr"/>
+            <a:r>
+              <a:rPr lang="fa-IR" u="sng" dirty="0" smtClean="0">
+                <a:solidFill>
+                  <a:srgbClr val="C00000"/>
+                </a:solidFill>
+                <a:cs typeface="B Nazanin" panose="00000400000000000000" pitchFamily="2" charset="-78"/>
+              </a:rPr>
+              <a:t>نماینده کاربر در پروژه های چابک</a:t>
+            </a:r>
+            <a:endParaRPr lang="fa-IR" u="sng" dirty="0">
+              <a:solidFill>
+                <a:srgbClr val="C00000"/>
+              </a:solidFill>
+              <a:cs typeface="B Nazanin" panose="00000400000000000000" pitchFamily="2" charset="-78"/>
+            </a:endParaRPr>
+          </a:p>
+        </p:txBody>
+      </p:sp>
+      <p:sp>
+        <p:nvSpPr>
+          <p:cNvPr id="3" name="Content Placeholder 2"/>
+          <p:cNvSpPr>
+            <a:spLocks noGrp="1"/>
+          </p:cNvSpPr>
+          <p:nvPr>
+            <p:ph idx="1"/>
+          </p:nvPr>
+        </p:nvSpPr>
+        <p:spPr/>
+        <p:txBody>
+          <a:bodyPr>
+            <a:normAutofit/>
+          </a:bodyPr>
+          <a:lstStyle/>
+          <a:p>
+            <a:pPr algn="r" rtl="1">
+              <a:buFont typeface="Wingdings" panose="05000000000000000000" pitchFamily="2" charset="2"/>
+              <a:buChar char="§"/>
+            </a:pPr>
+            <a:r>
+              <a:rPr lang="fa-IR" sz="2400" dirty="0">
+                <a:cs typeface="B Nazanin" panose="00000400000000000000" pitchFamily="2" charset="-78"/>
+              </a:rPr>
+              <a:t>مکالمات مکرر بین اعضای تیم پروژه و مشتریان مناسب موثرترین راه برای حل بسیاری از مسائل مورد نیاز و مشخص کردن نیازهای خاص در صورت نیاز است.</a:t>
+            </a:r>
+          </a:p>
+        </p:txBody>
+      </p:sp>
+    </p:spTree>
+    <p:extLst>
+      <p:ext uri="{BB962C8B-B14F-4D97-AF65-F5344CB8AC3E}">
+        <p14:creationId xmlns:p14="http://schemas.microsoft.com/office/powerpoint/2010/main" val="496497235"/>
       </p:ext>
     </p:extLst>
   </p:cSld>

--- a/ارائه مهندسي نيازمندي ها.pptx
+++ b/ارائه مهندسي نيازمندي ها.pptx
@@ -226,7 +226,7 @@
             <a:fld id="{D5904EEC-1544-4F8A-9627-C15A01248C3F}" type="datetimeFigureOut">
               <a:rPr lang="fa-IR" smtClean="0"/>
               <a:pPr/>
-              <a:t>02/06/1443</a:t>
+              <a:t>03/06/1443</a:t>
             </a:fld>
             <a:endParaRPr lang="fa-IR" dirty="0"/>
           </a:p>
@@ -748,7 +748,7 @@
           <a:p>
             <a:fld id="{02730C7D-E670-452F-99B3-10B0C33A0E2C}" type="datetimeFigureOut">
               <a:rPr lang="en-US" smtClean="0"/>
-              <a:t>1/5/2022</a:t>
+              <a:t>1/6/2022</a:t>
             </a:fld>
             <a:endParaRPr lang="en-US"/>
           </a:p>
@@ -918,7 +918,7 @@
           <a:p>
             <a:fld id="{02730C7D-E670-452F-99B3-10B0C33A0E2C}" type="datetimeFigureOut">
               <a:rPr lang="en-US" smtClean="0"/>
-              <a:t>1/5/2022</a:t>
+              <a:t>1/6/2022</a:t>
             </a:fld>
             <a:endParaRPr lang="en-US"/>
           </a:p>
@@ -1098,7 +1098,7 @@
           <a:p>
             <a:fld id="{02730C7D-E670-452F-99B3-10B0C33A0E2C}" type="datetimeFigureOut">
               <a:rPr lang="en-US" smtClean="0"/>
-              <a:t>1/5/2022</a:t>
+              <a:t>1/6/2022</a:t>
             </a:fld>
             <a:endParaRPr lang="en-US"/>
           </a:p>
@@ -1268,7 +1268,7 @@
           <a:p>
             <a:fld id="{02730C7D-E670-452F-99B3-10B0C33A0E2C}" type="datetimeFigureOut">
               <a:rPr lang="en-US" smtClean="0"/>
-              <a:t>1/5/2022</a:t>
+              <a:t>1/6/2022</a:t>
             </a:fld>
             <a:endParaRPr lang="en-US"/>
           </a:p>
@@ -1514,7 +1514,7 @@
           <a:p>
             <a:fld id="{02730C7D-E670-452F-99B3-10B0C33A0E2C}" type="datetimeFigureOut">
               <a:rPr lang="en-US" smtClean="0"/>
-              <a:t>1/5/2022</a:t>
+              <a:t>1/6/2022</a:t>
             </a:fld>
             <a:endParaRPr lang="en-US"/>
           </a:p>
@@ -1746,7 +1746,7 @@
           <a:p>
             <a:fld id="{02730C7D-E670-452F-99B3-10B0C33A0E2C}" type="datetimeFigureOut">
               <a:rPr lang="en-US" smtClean="0"/>
-              <a:t>1/5/2022</a:t>
+              <a:t>1/6/2022</a:t>
             </a:fld>
             <a:endParaRPr lang="en-US"/>
           </a:p>
@@ -2113,7 +2113,7 @@
           <a:p>
             <a:fld id="{02730C7D-E670-452F-99B3-10B0C33A0E2C}" type="datetimeFigureOut">
               <a:rPr lang="en-US" smtClean="0"/>
-              <a:t>1/5/2022</a:t>
+              <a:t>1/6/2022</a:t>
             </a:fld>
             <a:endParaRPr lang="en-US"/>
           </a:p>
@@ -2231,7 +2231,7 @@
           <a:p>
             <a:fld id="{02730C7D-E670-452F-99B3-10B0C33A0E2C}" type="datetimeFigureOut">
               <a:rPr lang="en-US" smtClean="0"/>
-              <a:t>1/5/2022</a:t>
+              <a:t>1/6/2022</a:t>
             </a:fld>
             <a:endParaRPr lang="en-US"/>
           </a:p>
@@ -2326,7 +2326,7 @@
           <a:p>
             <a:fld id="{02730C7D-E670-452F-99B3-10B0C33A0E2C}" type="datetimeFigureOut">
               <a:rPr lang="en-US" smtClean="0"/>
-              <a:t>1/5/2022</a:t>
+              <a:t>1/6/2022</a:t>
             </a:fld>
             <a:endParaRPr lang="en-US"/>
           </a:p>
@@ -2603,7 +2603,7 @@
           <a:p>
             <a:fld id="{02730C7D-E670-452F-99B3-10B0C33A0E2C}" type="datetimeFigureOut">
               <a:rPr lang="en-US" smtClean="0"/>
-              <a:t>1/5/2022</a:t>
+              <a:t>1/6/2022</a:t>
             </a:fld>
             <a:endParaRPr lang="en-US"/>
           </a:p>
@@ -2860,7 +2860,7 @@
           <a:p>
             <a:fld id="{02730C7D-E670-452F-99B3-10B0C33A0E2C}" type="datetimeFigureOut">
               <a:rPr lang="en-US" smtClean="0"/>
-              <a:t>1/5/2022</a:t>
+              <a:t>1/6/2022</a:t>
             </a:fld>
             <a:endParaRPr lang="en-US"/>
           </a:p>
@@ -3073,7 +3073,7 @@
           <a:p>
             <a:fld id="{02730C7D-E670-452F-99B3-10B0C33A0E2C}" type="datetimeFigureOut">
               <a:rPr lang="en-US" smtClean="0"/>
-              <a:t>1/5/2022</a:t>
+              <a:t>1/6/2022</a:t>
             </a:fld>
             <a:endParaRPr lang="en-US"/>
           </a:p>
@@ -3637,25 +3637,12 @@
                   <a:srgbClr val="C00000"/>
                 </a:solidFill>
               </a:rPr>
-              <a:t>كلاس </a:t>
-            </a:r>
-            <a:r>
-              <a:rPr lang="fa-IR" sz="2000" dirty="0" smtClean="0">
-                <a:solidFill>
-                  <a:srgbClr val="C00000"/>
-                </a:solidFill>
-              </a:rPr>
-              <a:t>هاي كاربري </a:t>
+              <a:t>كلاس هاي كاربري </a:t>
             </a:r>
             <a:r>
               <a:rPr lang="fa-IR" sz="2000" dirty="0" smtClean="0"/>
-              <a:t>مختلف را از اوايل پروژه شناسايي </a:t>
-            </a:r>
-            <a:r>
-              <a:rPr lang="fa-IR" sz="2000" dirty="0" smtClean="0"/>
-              <a:t>كنيد.</a:t>
-            </a:r>
-            <a:endParaRPr lang="fa-IR" sz="2000" dirty="0" smtClean="0"/>
+              <a:t>مختلف را از اوايل پروژه شناسايي كنيد.</a:t>
+            </a:r>
           </a:p>
           <a:p>
             <a:pPr algn="r" rtl="1"/>
@@ -3680,11 +3667,7 @@
             <a:pPr algn="r" rtl="1"/>
             <a:r>
               <a:rPr lang="fa-IR" sz="2000" dirty="0" smtClean="0"/>
-              <a:t>يك تكنيك كاربردي در اين الگوي گسترش و انقباض است </a:t>
-            </a:r>
-            <a:r>
-              <a:rPr lang="fa-IR" sz="2000" dirty="0" smtClean="0"/>
-              <a:t>. </a:t>
+              <a:t>يك تكنيك كاربردي در اين الگوي گسترش و انقباض است . </a:t>
             </a:r>
             <a:endParaRPr lang="en-US" sz="2000" dirty="0" smtClean="0"/>
           </a:p>
@@ -4112,7 +4095,16 @@
                 </a:solidFill>
                 <a:cs typeface="B Nazanin" panose="00000400000000000000" pitchFamily="2" charset="-78"/>
               </a:rPr>
-              <a:t>شخصیت‌های کاربری</a:t>
+              <a:t>پرسوناهای </a:t>
+            </a:r>
+            <a:r>
+              <a:rPr lang="fa-IR" sz="4000" u="sng" dirty="0" smtClean="0">
+                <a:solidFill>
+                  <a:srgbClr val="C00000"/>
+                </a:solidFill>
+                <a:cs typeface="B Nazanin" panose="00000400000000000000" pitchFamily="2" charset="-78"/>
+              </a:rPr>
+              <a:t>کاربری</a:t>
             </a:r>
             <a:endParaRPr lang="fa-IR" sz="4000" u="sng" dirty="0">
               <a:solidFill>
@@ -4135,8 +4127,8 @@
         </p:nvSpPr>
         <p:spPr>
           <a:xfrm>
-            <a:off x="838200" y="1295400"/>
-            <a:ext cx="10515600" cy="4881563"/>
+            <a:off x="838200" y="1133476"/>
+            <a:ext cx="10515600" cy="5043487"/>
           </a:xfrm>
         </p:spPr>
         <p:txBody>
@@ -4146,9 +4138,45 @@
           <a:lstStyle/>
           <a:p>
             <a:r>
-              <a:rPr lang="fa-IR" sz="2000" smtClean="0"/>
-              <a:t>برای کمک به زنده </a:t>
-            </a:r>
+              <a:rPr lang="fa-IR" sz="2000" dirty="0" smtClean="0"/>
+              <a:t>پرسونا شرحی از یک عضو نماینده کلاس کاربری است .</a:t>
+            </a:r>
+          </a:p>
+          <a:p>
+            <a:r>
+              <a:rPr lang="fa-IR" sz="2000" dirty="0" smtClean="0"/>
+              <a:t>پرسونا توصیفی از یک فرد فرضی و عمومی است که به عنوان جایگاهی برای گروهی از کاربران با ویژگی هاو نیازهای مشابه عمل می‌کند . </a:t>
+            </a:r>
+          </a:p>
+          <a:p>
+            <a:r>
+              <a:rPr lang="fa-IR" sz="2000" dirty="0" smtClean="0"/>
+              <a:t>زمانی که تحلیلگر کسب و کار نمانیده کلاس کاربری واقعی در اختیار نداشته باشد، به جای توقف پیشرفت پروژه ، می‌تواند به طور موقت از یک پرسونا به عنوان کاربر فرضی استفاده کند .</a:t>
+            </a:r>
+          </a:p>
+          <a:p>
+            <a:r>
+              <a:rPr lang="fa-IR" sz="2000" dirty="0" smtClean="0"/>
+              <a:t>تحلیگر کسب و کار می‌تواند از پرسونا برای تصور نماینده کلاس کاربری استفاده کند و نیازهای اولیه را از آن بدست بیاورد تا یک نماینده کاربری واقعی بدست بیاورد . </a:t>
+            </a:r>
+            <a:r>
+              <a:rPr lang="fa-IR" sz="2000" dirty="0" smtClean="0"/>
+              <a:t> </a:t>
+            </a:r>
+          </a:p>
+          <a:p>
+            <a:pPr marL="0" indent="0">
+              <a:buNone/>
+            </a:pPr>
+            <a:endParaRPr lang="fa-IR" sz="2000" dirty="0" smtClean="0"/>
+          </a:p>
+          <a:p>
+            <a:endParaRPr lang="fa-IR" sz="2000" dirty="0"/>
+          </a:p>
+          <a:p>
+            <a:endParaRPr lang="fa-IR" sz="2000" dirty="0" smtClean="0"/>
+          </a:p>
+          <a:p>
             <a:endParaRPr lang="fa-IR" sz="2000" dirty="0"/>
           </a:p>
         </p:txBody>
@@ -4193,7 +4221,12 @@
             <p:ph type="title"/>
           </p:nvPr>
         </p:nvSpPr>
-        <p:spPr/>
+        <p:spPr>
+          <a:xfrm>
+            <a:off x="838200" y="365126"/>
+            <a:ext cx="10515600" cy="635000"/>
+          </a:xfrm>
+        </p:spPr>
         <p:txBody>
           <a:bodyPr>
             <a:normAutofit/>
@@ -4202,7 +4235,7 @@
           <a:p>
             <a:pPr algn="ctr" rtl="1"/>
             <a:r>
-              <a:rPr lang="fa-IR" sz="4400" u="sng" dirty="0" smtClean="0">
+              <a:rPr lang="fa-IR" sz="3600" u="sng" dirty="0" smtClean="0">
                 <a:solidFill>
                   <a:srgbClr val="C00000"/>
                 </a:solidFill>
@@ -4210,7 +4243,7 @@
               </a:rPr>
               <a:t>ارتباط با نمایندگان کاربران </a:t>
             </a:r>
-            <a:endParaRPr lang="en-US" sz="4400" u="sng" dirty="0">
+            <a:endParaRPr lang="en-US" sz="3600" u="sng" dirty="0">
               <a:solidFill>
                 <a:srgbClr val="C00000"/>
               </a:solidFill>
@@ -4231,8 +4264,8 @@
         </p:nvSpPr>
         <p:spPr>
           <a:xfrm>
-            <a:off x="677333" y="2160589"/>
-            <a:ext cx="11162241" cy="3040061"/>
+            <a:off x="677333" y="1400175"/>
+            <a:ext cx="11162241" cy="4572000"/>
           </a:xfrm>
         </p:spPr>
         <p:txBody>
@@ -4246,10 +4279,22 @@
               <a:buChar char="§"/>
             </a:pPr>
             <a:r>
-              <a:rPr lang="fa-IR" sz="2400" dirty="0" smtClean="0">
-                <a:cs typeface="B Nazanin" panose="00000400000000000000" pitchFamily="2" charset="-78"/>
-              </a:rPr>
-              <a:t>هرنوع پروژه ای به نماینده مناسبی احتیاج دارند تا صداي كاربران را به گوش برساند . </a:t>
+              <a:rPr lang="fa-IR" sz="2000" dirty="0" smtClean="0">
+                <a:cs typeface="B Nazanin" panose="00000400000000000000" pitchFamily="2" charset="-78"/>
+              </a:rPr>
+              <a:t>هرنوع پروژه ای به نماینده مناسبی احتیاج </a:t>
+            </a:r>
+            <a:r>
+              <a:rPr lang="fa-IR" sz="2000" dirty="0" smtClean="0">
+                <a:cs typeface="B Nazanin" panose="00000400000000000000" pitchFamily="2" charset="-78"/>
+              </a:rPr>
+              <a:t>دارد </a:t>
+            </a:r>
+            <a:r>
+              <a:rPr lang="fa-IR" sz="2000" dirty="0" smtClean="0">
+                <a:cs typeface="B Nazanin" panose="00000400000000000000" pitchFamily="2" charset="-78"/>
+              </a:rPr>
+              <a:t>تا صداي كاربران را به گوش برساند . </a:t>
             </a:r>
           </a:p>
           <a:p>
@@ -4258,13 +4303,13 @@
               <a:buChar char="§"/>
             </a:pPr>
             <a:r>
-              <a:rPr lang="fa-IR" sz="2400" dirty="0" smtClean="0">
+              <a:rPr lang="fa-IR" sz="2000" dirty="0" smtClean="0">
                 <a:cs typeface="B Nazanin" panose="00000400000000000000" pitchFamily="2" charset="-78"/>
               </a:rPr>
               <a:t>اين پروژه ها مي‌تواند اعم از </a:t>
             </a:r>
             <a:r>
-              <a:rPr lang="fa-IR" sz="2400" dirty="0" smtClean="0">
+              <a:rPr lang="fa-IR" sz="2000" dirty="0" smtClean="0">
                 <a:solidFill>
                   <a:srgbClr val="C00000"/>
                 </a:solidFill>
@@ -4273,13 +4318,13 @@
               <a:t>شرکت‌های</a:t>
             </a:r>
             <a:r>
-              <a:rPr lang="fa-IR" sz="2400" dirty="0" smtClean="0">
+              <a:rPr lang="fa-IR" sz="2000" dirty="0" smtClean="0">
                 <a:cs typeface="B Nazanin" panose="00000400000000000000" pitchFamily="2" charset="-78"/>
               </a:rPr>
               <a:t> </a:t>
             </a:r>
             <a:r>
-              <a:rPr lang="fa-IR" sz="2400" dirty="0" smtClean="0">
+              <a:rPr lang="fa-IR" sz="2000" dirty="0" smtClean="0">
                 <a:solidFill>
                   <a:srgbClr val="C00000"/>
                 </a:solidFill>
@@ -4288,13 +4333,13 @@
               <a:t>اطلاع رسانی حقوقی</a:t>
             </a:r>
             <a:r>
-              <a:rPr lang="fa-IR" sz="2400" dirty="0" smtClean="0">
+              <a:rPr lang="fa-IR" sz="2000" dirty="0" smtClean="0">
                 <a:cs typeface="B Nazanin" panose="00000400000000000000" pitchFamily="2" charset="-78"/>
               </a:rPr>
               <a:t>، </a:t>
             </a:r>
             <a:r>
-              <a:rPr lang="fa-IR" sz="2400" dirty="0" smtClean="0">
+              <a:rPr lang="fa-IR" sz="2000" dirty="0" smtClean="0">
                 <a:solidFill>
                   <a:srgbClr val="C00000"/>
                 </a:solidFill>
@@ -4303,13 +4348,13 @@
               <a:t>نرم‌افزارهای تجاری </a:t>
             </a:r>
             <a:r>
-              <a:rPr lang="fa-IR" sz="2400" dirty="0" smtClean="0">
+              <a:rPr lang="fa-IR" sz="2000" dirty="0" smtClean="0">
                 <a:cs typeface="B Nazanin" panose="00000400000000000000" pitchFamily="2" charset="-78"/>
               </a:rPr>
               <a:t>، </a:t>
             </a:r>
             <a:r>
-              <a:rPr lang="fa-IR" sz="2400" dirty="0" smtClean="0">
+              <a:rPr lang="fa-IR" sz="2000" dirty="0" smtClean="0">
                 <a:solidFill>
                   <a:srgbClr val="C00000"/>
                 </a:solidFill>
@@ -4318,13 +4363,13 @@
               <a:t>سیستم‌های نهفته </a:t>
             </a:r>
             <a:r>
-              <a:rPr lang="fa-IR" sz="2400" dirty="0" smtClean="0">
+              <a:rPr lang="fa-IR" sz="2000" dirty="0" smtClean="0">
                 <a:cs typeface="B Nazanin" panose="00000400000000000000" pitchFamily="2" charset="-78"/>
               </a:rPr>
               <a:t>، </a:t>
             </a:r>
             <a:r>
-              <a:rPr lang="fa-IR" sz="2400" dirty="0" smtClean="0">
+              <a:rPr lang="fa-IR" sz="2000" dirty="0" smtClean="0">
                 <a:solidFill>
                   <a:srgbClr val="C00000"/>
                 </a:solidFill>
@@ -4333,13 +4378,13 @@
               <a:t>وب‌سایت‌ها</a:t>
             </a:r>
             <a:r>
-              <a:rPr lang="fa-IR" sz="2400" dirty="0" smtClean="0">
+              <a:rPr lang="fa-IR" sz="2000" dirty="0" smtClean="0">
                 <a:cs typeface="B Nazanin" panose="00000400000000000000" pitchFamily="2" charset="-78"/>
               </a:rPr>
               <a:t> ، </a:t>
             </a:r>
             <a:r>
-              <a:rPr lang="fa-IR" sz="2400" dirty="0" smtClean="0">
+              <a:rPr lang="fa-IR" sz="2000" dirty="0" smtClean="0">
                 <a:solidFill>
                   <a:srgbClr val="C00000"/>
                 </a:solidFill>
@@ -4348,7 +4393,7 @@
               <a:t>نرم‌افزارهای سفارشی  </a:t>
             </a:r>
             <a:r>
-              <a:rPr lang="fa-IR" sz="2400" dirty="0" smtClean="0">
+              <a:rPr lang="fa-IR" sz="2000" dirty="0" smtClean="0">
                 <a:solidFill>
                   <a:schemeClr val="tx1"/>
                 </a:solidFill>
@@ -4363,7 +4408,7 @@
               <a:buChar char="§"/>
             </a:pPr>
             <a:r>
-              <a:rPr lang="fa-IR" sz="2400" dirty="0" smtClean="0">
+              <a:rPr lang="fa-IR" sz="2000" dirty="0" smtClean="0">
                 <a:solidFill>
                   <a:schemeClr val="tx1"/>
                 </a:solidFill>
@@ -4378,7 +4423,7 @@
               <a:buChar char="§"/>
             </a:pPr>
             <a:r>
-              <a:rPr lang="fa-IR" sz="2400" dirty="0" smtClean="0">
+              <a:rPr lang="fa-IR" sz="2000" dirty="0" smtClean="0">
                 <a:solidFill>
                   <a:schemeClr val="tx1"/>
                 </a:solidFill>
@@ -4388,9 +4433,98 @@
             </a:r>
           </a:p>
           <a:p>
-            <a:pPr algn="just" rtl="1">
+            <a:pPr>
               <a:buFont typeface="Wingdings" panose="05000000000000000000" pitchFamily="2" charset="2"/>
               <a:buChar char="§"/>
+            </a:pPr>
+            <a:r>
+              <a:rPr lang="fa-IR" sz="2000" dirty="0">
+                <a:cs typeface="B Nazanin" panose="00000400000000000000" pitchFamily="2" charset="-78"/>
+              </a:rPr>
+              <a:t>به جای اینکه خود را به جای کاربران واقعی قرار داده و نیازهای آن ها را حدث بزنید از کاربران واقعی استفاده کنید . </a:t>
+            </a:r>
+          </a:p>
+          <a:p>
+            <a:pPr>
+              <a:buFont typeface="Wingdings" panose="05000000000000000000" pitchFamily="2" charset="2"/>
+              <a:buChar char="§"/>
+            </a:pPr>
+            <a:r>
+              <a:rPr lang="fa-IR" sz="2000" dirty="0">
+                <a:cs typeface="B Nazanin" panose="00000400000000000000" pitchFamily="2" charset="-78"/>
+              </a:rPr>
+              <a:t>براي اينكار </a:t>
+            </a:r>
+            <a:r>
+              <a:rPr lang="fa-IR" sz="2000" dirty="0" smtClean="0">
+                <a:cs typeface="B Nazanin" panose="00000400000000000000" pitchFamily="2" charset="-78"/>
+              </a:rPr>
+              <a:t>مي‌شود  </a:t>
+            </a:r>
+            <a:r>
+              <a:rPr lang="fa-IR" sz="2000" dirty="0">
+                <a:cs typeface="B Nazanin" panose="00000400000000000000" pitchFamily="2" charset="-78"/>
+              </a:rPr>
+              <a:t>گروه‌های متمرکزی از کاربران فعلی </a:t>
+            </a:r>
+            <a:r>
+              <a:rPr lang="fa-IR" sz="2000" dirty="0" smtClean="0">
+                <a:cs typeface="B Nazanin" panose="00000400000000000000" pitchFamily="2" charset="-78"/>
+              </a:rPr>
+              <a:t>سازمان  </a:t>
+            </a:r>
+            <a:r>
+              <a:rPr lang="fa-IR" sz="2000" dirty="0">
+                <a:cs typeface="B Nazanin" panose="00000400000000000000" pitchFamily="2" charset="-78"/>
+              </a:rPr>
+              <a:t>یا رقبا را تشکیل داده و از آنها استفاده </a:t>
+            </a:r>
+            <a:r>
+              <a:rPr lang="fa-IR" sz="2000" dirty="0" smtClean="0">
+                <a:cs typeface="B Nazanin" panose="00000400000000000000" pitchFamily="2" charset="-78"/>
+              </a:rPr>
+              <a:t>کرد </a:t>
+            </a:r>
+            <a:r>
+              <a:rPr lang="fa-IR" sz="2000" dirty="0">
+                <a:cs typeface="B Nazanin" panose="00000400000000000000" pitchFamily="2" charset="-78"/>
+              </a:rPr>
+              <a:t>. </a:t>
+            </a:r>
+          </a:p>
+          <a:p>
+            <a:pPr>
+              <a:buFont typeface="Wingdings" panose="05000000000000000000" pitchFamily="2" charset="2"/>
+              <a:buChar char="§"/>
+            </a:pPr>
+            <a:r>
+              <a:rPr lang="fa-IR" sz="2000" dirty="0">
+                <a:cs typeface="B Nazanin" panose="00000400000000000000" pitchFamily="2" charset="-78"/>
+              </a:rPr>
+              <a:t>این کاربران را باید طیفی از کاربران با تجربه و هم چنین تازه کار تشکیل </a:t>
+            </a:r>
+            <a:r>
+              <a:rPr lang="fa-IR" sz="2000" dirty="0" smtClean="0">
+                <a:cs typeface="B Nazanin" panose="00000400000000000000" pitchFamily="2" charset="-78"/>
+              </a:rPr>
+              <a:t>دهد.</a:t>
+            </a:r>
+          </a:p>
+          <a:p>
+            <a:pPr>
+              <a:buFont typeface="Wingdings" panose="05000000000000000000" pitchFamily="2" charset="2"/>
+              <a:buChar char="§"/>
+            </a:pPr>
+            <a:r>
+              <a:rPr lang="fa-IR" sz="2000" dirty="0" smtClean="0">
+                <a:cs typeface="B Nazanin" panose="00000400000000000000" pitchFamily="2" charset="-78"/>
+              </a:rPr>
+              <a:t>اگرگروه متمرکز فقط شامل پذیرندگان اولیه یا متفکران آسمان آبی باشد ،ممکن است سازمان با بسیاری از الزامات پیچیده و از نظر فنی دشوار روبرو شود که برای مشتریان کمتر مفید است .  </a:t>
+            </a:r>
+          </a:p>
+          <a:p>
+            <a:pPr marL="0" indent="0">
+              <a:buNone/>
             </a:pPr>
             <a:endParaRPr lang="fa-IR" sz="2000" dirty="0" smtClean="0">
               <a:solidFill>
@@ -4404,7 +4538,7 @@
               <a:buFont typeface="Wingdings" panose="05000000000000000000" pitchFamily="2" charset="2"/>
               <a:buChar char="§"/>
             </a:pPr>
-            <a:endParaRPr lang="fa-IR" sz="2400" dirty="0">
+            <a:endParaRPr lang="fa-IR" sz="2400" b="1" dirty="0">
               <a:cs typeface="B Nazanin" panose="00000400000000000000" pitchFamily="2" charset="-78"/>
             </a:endParaRPr>
           </a:p>
@@ -4457,7 +4591,12 @@
             <p:ph type="title"/>
           </p:nvPr>
         </p:nvSpPr>
-        <p:spPr/>
+        <p:spPr>
+          <a:xfrm>
+            <a:off x="838200" y="365126"/>
+            <a:ext cx="10515600" cy="768350"/>
+          </a:xfrm>
+        </p:spPr>
         <p:txBody>
           <a:bodyPr>
             <a:normAutofit/>
@@ -4466,7 +4605,7 @@
           <a:p>
             <a:pPr algn="ctr" rtl="1"/>
             <a:r>
-              <a:rPr lang="fa-IR" sz="4000" u="sng" dirty="0" smtClean="0">
+              <a:rPr lang="fa-IR" sz="3600" u="sng" dirty="0" smtClean="0">
                 <a:solidFill>
                   <a:srgbClr val="C00000"/>
                 </a:solidFill>
@@ -4474,7 +4613,7 @@
               </a:rPr>
               <a:t>ارتباط با نمايندگان كاربران (ادامه )</a:t>
             </a:r>
-            <a:endParaRPr lang="en-US" sz="4000" u="sng" dirty="0">
+            <a:endParaRPr lang="en-US" sz="3600" u="sng" dirty="0">
               <a:solidFill>
                 <a:srgbClr val="C00000"/>
               </a:solidFill>
@@ -4493,7 +4632,12 @@
             <p:ph idx="1"/>
           </p:nvPr>
         </p:nvSpPr>
-        <p:spPr/>
+        <p:spPr>
+          <a:xfrm>
+            <a:off x="838200" y="1276350"/>
+            <a:ext cx="10515600" cy="4900613"/>
+          </a:xfrm>
+        </p:spPr>
         <p:txBody>
           <a:bodyPr>
             <a:normAutofit/>
@@ -4504,42 +4648,6 @@
               <a:buFont typeface="Wingdings" panose="05000000000000000000" pitchFamily="2" charset="2"/>
               <a:buChar char="§"/>
             </a:pPr>
-            <a:r>
-              <a:rPr lang="fa-IR" sz="2400" dirty="0" smtClean="0">
-                <a:cs typeface="B Nazanin" panose="00000400000000000000" pitchFamily="2" charset="-78"/>
-              </a:rPr>
-              <a:t>به جای اینکه خود را به جای کاربران واقعی قرار داده و نیازهای آن ها را حدث بزنید از کاربران واقعی استفاده کنید . </a:t>
-            </a:r>
-          </a:p>
-          <a:p>
-            <a:pPr algn="r" rtl="1">
-              <a:buFont typeface="Wingdings" panose="05000000000000000000" pitchFamily="2" charset="2"/>
-              <a:buChar char="§"/>
-            </a:pPr>
-            <a:r>
-              <a:rPr lang="fa-IR" sz="2400" dirty="0" smtClean="0">
-                <a:cs typeface="B Nazanin" panose="00000400000000000000" pitchFamily="2" charset="-78"/>
-              </a:rPr>
-              <a:t>براي اينكار مي‌توانيد گروه‌های متمرکزی از کاربران فعلی خودتان یا رقبا را تشکیل داده و از آنها استفاده کنید . </a:t>
-            </a:r>
-          </a:p>
-          <a:p>
-            <a:pPr algn="r" rtl="1">
-              <a:buFont typeface="Wingdings" panose="05000000000000000000" pitchFamily="2" charset="2"/>
-              <a:buChar char="§"/>
-            </a:pPr>
-            <a:r>
-              <a:rPr lang="fa-IR" sz="2400" dirty="0" smtClean="0">
-                <a:cs typeface="B Nazanin" panose="00000400000000000000" pitchFamily="2" charset="-78"/>
-              </a:rPr>
-              <a:t>این کاربران را باید طیفی از کاربران با تجربه و هم چنین تازه کار تشکیل دهد . </a:t>
-            </a:r>
-          </a:p>
-          <a:p>
-            <a:pPr algn="r" rtl="1">
-              <a:buFont typeface="Wingdings" panose="05000000000000000000" pitchFamily="2" charset="2"/>
-              <a:buChar char="§"/>
-            </a:pPr>
             <a:endParaRPr lang="fa-IR" sz="2400" dirty="0" smtClean="0">
               <a:cs typeface="B Nazanin" panose="00000400000000000000" pitchFamily="2" charset="-78"/>
             </a:endParaRPr>
@@ -4558,12 +4666,45 @@
               <a:buFont typeface="Wingdings" panose="05000000000000000000" pitchFamily="2" charset="2"/>
               <a:buChar char="§"/>
             </a:pPr>
+            <a:endParaRPr lang="fa-IR" sz="2400" dirty="0" smtClean="0">
+              <a:cs typeface="B Nazanin" panose="00000400000000000000" pitchFamily="2" charset="-78"/>
+            </a:endParaRPr>
+          </a:p>
+          <a:p>
+            <a:pPr algn="r" rtl="1">
+              <a:buFont typeface="Wingdings" panose="05000000000000000000" pitchFamily="2" charset="2"/>
+              <a:buChar char="§"/>
+            </a:pPr>
             <a:endParaRPr lang="en-US" sz="2400" dirty="0">
               <a:cs typeface="B Nazanin" panose="00000400000000000000" pitchFamily="2" charset="-78"/>
             </a:endParaRPr>
           </a:p>
         </p:txBody>
       </p:sp>
+      <p:pic>
+        <p:nvPicPr>
+          <p:cNvPr id="4" name="Picture 3"/>
+          <p:cNvPicPr>
+            <a:picLocks noChangeAspect="1"/>
+          </p:cNvPicPr>
+          <p:nvPr/>
+        </p:nvPicPr>
+        <p:blipFill>
+          <a:blip r:embed="rId2"/>
+          <a:stretch>
+            <a:fillRect/>
+          </a:stretch>
+        </p:blipFill>
+        <p:spPr>
+          <a:xfrm>
+            <a:off x="1295400" y="1316553"/>
+            <a:ext cx="9705975" cy="5003284"/>
+          </a:xfrm>
+          <a:prstGeom prst="rect">
+            <a:avLst/>
+          </a:prstGeom>
+        </p:spPr>
+      </p:pic>
     </p:spTree>
     <p:extLst>
       <p:ext uri="{BB962C8B-B14F-4D97-AF65-F5344CB8AC3E}">
@@ -4613,17 +4754,19 @@
         </p:nvSpPr>
         <p:spPr>
           <a:xfrm>
-            <a:off x="677334" y="647700"/>
-            <a:ext cx="8596668" cy="1320800"/>
+            <a:off x="648229" y="352425"/>
+            <a:ext cx="10895541" cy="657225"/>
           </a:xfrm>
         </p:spPr>
         <p:txBody>
-          <a:bodyPr/>
+          <a:bodyPr>
+            <a:normAutofit/>
+          </a:bodyPr>
           <a:lstStyle/>
           <a:p>
             <a:pPr algn="ctr" rtl="1"/>
             <a:r>
-              <a:rPr lang="fa-IR" u="sng" dirty="0" smtClean="0">
+              <a:rPr lang="fa-IR" sz="3600" u="sng" dirty="0" smtClean="0">
                 <a:solidFill>
                   <a:srgbClr val="C00000"/>
                 </a:solidFill>
@@ -4631,7 +4774,7 @@
               </a:rPr>
               <a:t>قهرمان محصول</a:t>
             </a:r>
-            <a:endParaRPr lang="en-US" u="sng" dirty="0">
+            <a:endParaRPr lang="en-US" sz="3600" u="sng" dirty="0">
               <a:solidFill>
                 <a:srgbClr val="C00000"/>
               </a:solidFill>
@@ -4650,7 +4793,12 @@
             <p:ph idx="1"/>
           </p:nvPr>
         </p:nvSpPr>
-        <p:spPr/>
+        <p:spPr>
+          <a:xfrm>
+            <a:off x="838200" y="1247775"/>
+            <a:ext cx="10515600" cy="4929188"/>
+          </a:xfrm>
+        </p:spPr>
         <p:txBody>
           <a:bodyPr>
             <a:normAutofit/>
@@ -4666,22 +4814,39 @@
             </a:r>
           </a:p>
           <a:p>
-            <a:pPr algn="r" rtl="1"/>
-            <a:r>
-              <a:rPr lang="fa-IR" sz="2000" dirty="0" smtClean="0">
-                <a:cs typeface="B Nazanin" panose="00000400000000000000" pitchFamily="2" charset="-78"/>
-              </a:rPr>
-              <a:t>در حالت ایده آل قهرمان محصول یک کاربر واقعی است . </a:t>
-            </a:r>
-          </a:p>
-          <a:p>
-            <a:pPr algn="r" rtl="1"/>
-            <a:r>
-              <a:rPr lang="fa-IR" sz="2000" dirty="0" smtClean="0">
-                <a:cs typeface="B Nazanin" panose="00000400000000000000" pitchFamily="2" charset="-78"/>
-              </a:rPr>
-              <a:t>در حالت غیر ایده آل قهرمان محصول عضوی از خود سازمان توسعه دهنده است که خود را جای یک کاربر جازده است </a:t>
-            </a:r>
+            <a:r>
+              <a:rPr lang="fa-IR" sz="2000" dirty="0" smtClean="0">
+                <a:cs typeface="B Nazanin" panose="00000400000000000000" pitchFamily="2" charset="-78"/>
+              </a:rPr>
+              <a:t>در حالت ایده آل قهرمان محصول یک کاربر واقعی است </a:t>
+            </a:r>
+            <a:r>
+              <a:rPr lang="fa-IR" sz="2000" dirty="0">
+                <a:cs typeface="B Nazanin" panose="00000400000000000000" pitchFamily="2" charset="-78"/>
+              </a:rPr>
+              <a:t>،</a:t>
+            </a:r>
+            <a:r>
+              <a:rPr lang="fa-IR" sz="2000" dirty="0" smtClean="0">
+                <a:cs typeface="B Nazanin" panose="00000400000000000000" pitchFamily="2" charset="-78"/>
+              </a:rPr>
+              <a:t> </a:t>
+            </a:r>
+            <a:r>
+              <a:rPr lang="fa-IR" sz="2000" dirty="0">
+                <a:cs typeface="B Nazanin" panose="00000400000000000000" pitchFamily="2" charset="-78"/>
+              </a:rPr>
+              <a:t>نه جانشیانی مانند حامیان مالی،کارکنان بازاریابی، مدیریت کاربران یا توسعه دهندگان نرم‌افزاری</a:t>
+            </a:r>
+            <a:r>
+              <a:rPr lang="fa-IR" sz="2000" dirty="0" smtClean="0">
+                <a:cs typeface="B Nazanin" panose="00000400000000000000" pitchFamily="2" charset="-78"/>
+              </a:rPr>
+              <a:t> که خود را به جای کاربران واقعی جای زده اند . </a:t>
+            </a:r>
+            <a:endParaRPr lang="fa-IR" sz="2000" dirty="0" smtClean="0">
+              <a:cs typeface="B Nazanin" panose="00000400000000000000" pitchFamily="2" charset="-78"/>
+            </a:endParaRPr>
           </a:p>
           <a:p>
             <a:pPr algn="r" rtl="1"/>
@@ -4755,8 +4920,8 @@
         </p:nvSpPr>
         <p:spPr>
           <a:xfrm>
-            <a:off x="677334" y="647700"/>
-            <a:ext cx="8596668" cy="1320800"/>
+            <a:off x="677333" y="647700"/>
+            <a:ext cx="10857441" cy="762000"/>
           </a:xfrm>
         </p:spPr>
         <p:txBody>
@@ -4914,7 +5079,12 @@
             <p:ph type="title"/>
           </p:nvPr>
         </p:nvSpPr>
-        <p:spPr/>
+        <p:spPr>
+          <a:xfrm>
+            <a:off x="838200" y="365125"/>
+            <a:ext cx="10515600" cy="796925"/>
+          </a:xfrm>
+        </p:spPr>
         <p:txBody>
           <a:bodyPr/>
           <a:lstStyle/>
@@ -5138,7 +5308,12 @@
             <p:ph type="title"/>
           </p:nvPr>
         </p:nvSpPr>
-        <p:spPr/>
+        <p:spPr>
+          <a:xfrm>
+            <a:off x="838200" y="365126"/>
+            <a:ext cx="10515600" cy="844550"/>
+          </a:xfrm>
+        </p:spPr>
         <p:txBody>
           <a:bodyPr/>
           <a:lstStyle/>
@@ -6799,12 +6974,6 @@
               </a:rPr>
               <a:t>لازمه موفقیت در نیازمندی های نرم افزار و همچنین توسعه  نرم افزار وابسته به رساندن صدای کاربران به گوش توسعه دهنده است . </a:t>
             </a:r>
-            <a:endParaRPr lang="fa-IR" sz="2400" dirty="0" smtClean="0">
-              <a:solidFill>
-                <a:schemeClr val="tx1"/>
-              </a:solidFill>
-              <a:cs typeface="B Nazanin" panose="00000400000000000000" pitchFamily="2" charset="-78"/>
-            </a:endParaRPr>
           </a:p>
           <a:p>
             <a:pPr algn="r" rtl="1">
@@ -7255,16 +7424,7 @@
                 </a:solidFill>
                 <a:cs typeface="B Nazanin" panose="00000400000000000000" pitchFamily="2" charset="-78"/>
               </a:rPr>
-              <a:t> طبقه‌بندی </a:t>
-            </a:r>
-            <a:r>
-              <a:rPr lang="fa-IR" sz="2800" dirty="0" smtClean="0">
-                <a:solidFill>
-                  <a:srgbClr val="C00000"/>
-                </a:solidFill>
-                <a:cs typeface="B Nazanin" panose="00000400000000000000" pitchFamily="2" charset="-78"/>
-              </a:rPr>
-              <a:t>کلاس کاربران </a:t>
+              <a:t> طبقه‌بندی کلاس کاربران </a:t>
             </a:r>
           </a:p>
           <a:p>
@@ -7363,13 +7523,7 @@
               <a:rPr lang="fa-IR" sz="2000" dirty="0" smtClean="0">
                 <a:cs typeface="B Nazanin" panose="00000400000000000000" pitchFamily="2" charset="-78"/>
               </a:rPr>
-              <a:t>يك كاربر مي‌تواند همزمان عضوي از كلاس هاي كاربري متفاوت باشد </a:t>
-            </a:r>
-            <a:r>
-              <a:rPr lang="fa-IR" sz="2000" dirty="0" smtClean="0">
-                <a:cs typeface="B Nazanin" panose="00000400000000000000" pitchFamily="2" charset="-78"/>
-              </a:rPr>
-              <a:t>.</a:t>
+              <a:t>يك كاربر مي‌تواند همزمان عضوي از كلاس هاي كاربري متفاوت باشد .</a:t>
             </a:r>
           </a:p>
           <a:p>
@@ -7380,9 +7534,6 @@
               </a:rPr>
               <a:t>کاربران را براساس که تفاوت های زیر دسته بندی می‌شود :</a:t>
             </a:r>
-            <a:endParaRPr lang="fa-IR" sz="2000" dirty="0" smtClean="0">
-              <a:cs typeface="B Nazanin" panose="00000400000000000000" pitchFamily="2" charset="-78"/>
-            </a:endParaRPr>
           </a:p>
           <a:p>
             <a:pPr marL="914400" lvl="2" indent="0">

--- a/ارائه مهندسي نيازمندي ها.pptx
+++ b/ارائه مهندسي نيازمندي ها.pptx
@@ -4127,7 +4127,7 @@
         </p:nvSpPr>
         <p:spPr>
           <a:xfrm>
-            <a:off x="838200" y="1133476"/>
+            <a:off x="838200" y="1628776"/>
             <a:ext cx="10515600" cy="5043487"/>
           </a:xfrm>
         </p:spPr>
@@ -4962,9 +4962,8 @@
           <a:bodyPr/>
           <a:lstStyle/>
           <a:p>
-            <a:pPr algn="r" rtl="1">
-              <a:buFont typeface="Wingdings" panose="05000000000000000000" pitchFamily="2" charset="2"/>
-              <a:buChar char="q"/>
+            <a:pPr marL="0" indent="0" algn="r" rtl="1">
+              <a:buNone/>
             </a:pPr>
             <a:r>
               <a:rPr lang="fa-IR" sz="2000" dirty="0" smtClean="0">
@@ -4973,7 +4972,16 @@
                 </a:solidFill>
                 <a:cs typeface="B Nazanin" panose="00000400000000000000" pitchFamily="2" charset="-78"/>
               </a:rPr>
-              <a:t>ویژگی های قهرمان محصول </a:t>
+              <a:t>      ویژگی </a:t>
+            </a:r>
+            <a:r>
+              <a:rPr lang="fa-IR" sz="2000" dirty="0" smtClean="0">
+                <a:solidFill>
+                  <a:srgbClr val="C00000"/>
+                </a:solidFill>
+                <a:cs typeface="B Nazanin" panose="00000400000000000000" pitchFamily="2" charset="-78"/>
+              </a:rPr>
+              <a:t>های قهرمان محصول </a:t>
             </a:r>
           </a:p>
           <a:p>
@@ -4985,8 +4993,29 @@
               <a:rPr lang="fa-IR" sz="2000" dirty="0" smtClean="0">
                 <a:cs typeface="B Nazanin" panose="00000400000000000000" pitchFamily="2" charset="-78"/>
               </a:rPr>
-              <a:t>بهترین قهرمان محصول کسی است که دیدگاه روشنی نسبت به سیستم جدید دارد . </a:t>
-            </a:r>
+              <a:t>بهترین قهرمان محصول کسی است که دیدگاه روشنی نسبت به سیستم جدید دارد </a:t>
+            </a:r>
+            <a:r>
+              <a:rPr lang="fa-IR" sz="2000" dirty="0" smtClean="0">
+                <a:cs typeface="B Nazanin" panose="00000400000000000000" pitchFamily="2" charset="-78"/>
+              </a:rPr>
+              <a:t>.</a:t>
+            </a:r>
+            <a:r>
+              <a:rPr lang="fa-IR" sz="2000" dirty="0" smtClean="0">
+                <a:cs typeface="B Nazanin" panose="00000400000000000000" pitchFamily="2" charset="-78"/>
+              </a:rPr>
+              <a:t> </a:t>
+            </a:r>
+            <a:r>
+              <a:rPr lang="fa-IR" sz="2000" dirty="0" smtClean="0">
+                <a:cs typeface="B Nazanin" panose="00000400000000000000" pitchFamily="2" charset="-78"/>
+              </a:rPr>
+              <a:t> </a:t>
+            </a:r>
+            <a:endParaRPr lang="fa-IR" sz="2000" dirty="0" smtClean="0">
+              <a:cs typeface="B Nazanin" panose="00000400000000000000" pitchFamily="2" charset="-78"/>
+            </a:endParaRPr>
           </a:p>
           <a:p>
             <a:pPr algn="r" rtl="1">
@@ -5011,12 +5040,42 @@
               </a:rPr>
               <a:t>آنها باید درک کاملی از حوزه برنامه و محیط عملیاتی داشته باشند  . </a:t>
             </a:r>
+            <a:endParaRPr lang="fa-IR" sz="2000" dirty="0" smtClean="0">
+              <a:cs typeface="B Nazanin" panose="00000400000000000000" pitchFamily="2" charset="-78"/>
+            </a:endParaRPr>
           </a:p>
           <a:p>
             <a:pPr algn="r" rtl="1">
               <a:buFont typeface="Wingdings" panose="05000000000000000000" pitchFamily="2" charset="2"/>
               <a:buChar char="§"/>
             </a:pPr>
+            <a:r>
+              <a:rPr lang="fa-IR" sz="2000" dirty="0" smtClean="0">
+                <a:cs typeface="B Nazanin" panose="00000400000000000000" pitchFamily="2" charset="-78"/>
+              </a:rPr>
+              <a:t>قهرمان محصول ایده‌‌‌‌‌‌‌‌‌‌‌‌‌‌‌‌‌‌‌‌‌‌‌‌‌‌‌‌‌‌‌‌‌آل پیشنهادهای دیگری برای ایفای این نقش توسط دیگران دارد پس باید دلیل متقاعد کننده ای برای مشارکتش ارائه شود . </a:t>
+            </a:r>
+          </a:p>
+          <a:p>
+            <a:pPr algn="r" rtl="1">
+              <a:buFont typeface="Wingdings" panose="05000000000000000000" pitchFamily="2" charset="2"/>
+              <a:buChar char="§"/>
+            </a:pPr>
+            <a:r>
+              <a:rPr lang="fa-IR" sz="2000" dirty="0" smtClean="0">
+                <a:cs typeface="B Nazanin" panose="00000400000000000000" pitchFamily="2" charset="-78"/>
+              </a:rPr>
+              <a:t>قهرمان محصول خوب باعث ایجاد تفاوت بسیاری در یک پروژه می‌شود پس باید جایزه و قدردانی از او گردد. </a:t>
+            </a:r>
+            <a:endParaRPr lang="fa-IR" sz="2000" dirty="0" smtClean="0">
+              <a:cs typeface="B Nazanin" panose="00000400000000000000" pitchFamily="2" charset="-78"/>
+            </a:endParaRPr>
+          </a:p>
+          <a:p>
+            <a:pPr algn="r" rtl="1">
+              <a:buFont typeface="Wingdings" panose="05000000000000000000" pitchFamily="2" charset="2"/>
+              <a:buChar char="§"/>
+            </a:pPr>
             <a:endParaRPr lang="fa-IR" dirty="0" smtClean="0">
               <a:cs typeface="B Nazanin" panose="00000400000000000000" pitchFamily="2" charset="-78"/>
             </a:endParaRPr>
@@ -5029,6 +5088,54 @@
             <a:endParaRPr lang="en-US" dirty="0">
               <a:cs typeface="B Nazanin" panose="00000400000000000000" pitchFamily="2" charset="-78"/>
             </a:endParaRPr>
+          </a:p>
+        </p:txBody>
+      </p:sp>
+      <p:sp>
+        <p:nvSpPr>
+          <p:cNvPr id="5" name="Cube 4"/>
+          <p:cNvSpPr/>
+          <p:nvPr/>
+        </p:nvSpPr>
+        <p:spPr>
+          <a:xfrm>
+            <a:off x="11001375" y="1895475"/>
+            <a:ext cx="285750" cy="238125"/>
+          </a:xfrm>
+          <a:prstGeom prst="cube">
+            <a:avLst/>
+          </a:prstGeom>
+          <a:solidFill>
+            <a:srgbClr val="C00000"/>
+          </a:solidFill>
+          <a:ln>
+            <a:solidFill>
+              <a:srgbClr val="C00000"/>
+            </a:solidFill>
+          </a:ln>
+        </p:spPr>
+        <p:style>
+          <a:lnRef idx="2">
+            <a:schemeClr val="accent1">
+              <a:shade val="50000"/>
+            </a:schemeClr>
+          </a:lnRef>
+          <a:fillRef idx="1">
+            <a:schemeClr val="accent1"/>
+          </a:fillRef>
+          <a:effectRef idx="0">
+            <a:schemeClr val="accent1"/>
+          </a:effectRef>
+          <a:fontRef idx="minor">
+            <a:schemeClr val="lt1"/>
+          </a:fontRef>
+        </p:style>
+        <p:txBody>
+          <a:bodyPr rtlCol="1" anchor="ctr"/>
+          <a:lstStyle/>
+          <a:p>
+            <a:pPr algn="ctr"/>
+            <a:endParaRPr lang="fa-IR"/>
           </a:p>
         </p:txBody>
       </p:sp>
@@ -5125,9 +5232,8 @@
           </a:bodyPr>
           <a:lstStyle/>
           <a:p>
-            <a:pPr algn="r" rtl="1">
-              <a:buFont typeface="Wingdings" panose="05000000000000000000" pitchFamily="2" charset="2"/>
-              <a:buChar char="q"/>
+            <a:pPr marL="0" indent="0" algn="r" rtl="1">
+              <a:buNone/>
             </a:pPr>
             <a:r>
               <a:rPr lang="fa-IR" sz="2400" dirty="0" smtClean="0">
@@ -5136,7 +5242,16 @@
                 </a:solidFill>
                 <a:cs typeface="B Nazanin" panose="00000400000000000000" pitchFamily="2" charset="-78"/>
               </a:rPr>
-              <a:t>بهترین عملکرد قهرمان محصول </a:t>
+              <a:t>    بهترین </a:t>
+            </a:r>
+            <a:r>
+              <a:rPr lang="fa-IR" sz="2400" dirty="0" smtClean="0">
+                <a:solidFill>
+                  <a:srgbClr val="C00000"/>
+                </a:solidFill>
+                <a:cs typeface="B Nazanin" panose="00000400000000000000" pitchFamily="2" charset="-78"/>
+              </a:rPr>
+              <a:t>عملکرد قهرمان محصول </a:t>
             </a:r>
           </a:p>
           <a:p>
@@ -5146,12 +5261,36 @@
             </a:pPr>
             <a:r>
               <a:rPr lang="fa-IR" sz="2000" dirty="0" smtClean="0">
+                <a:cs typeface="B Nazanin" panose="00000400000000000000" pitchFamily="2" charset="-78"/>
+              </a:rPr>
+              <a:t>اگر</a:t>
+            </a:r>
+            <a:r>
+              <a:rPr lang="fa-IR" sz="2000" dirty="0" smtClean="0">
                 <a:solidFill>
                   <a:schemeClr val="tx1"/>
                 </a:solidFill>
                 <a:cs typeface="B Nazanin" panose="00000400000000000000" pitchFamily="2" charset="-78"/>
               </a:rPr>
-              <a:t>اگر قهرمان محصول اختیار کامل داشته باشد که از طرف کلاس کاربری که نماینده آن است تصمیمات سازنده اتخاذ کند .</a:t>
+              <a:t>قهرمان </a:t>
+            </a:r>
+            <a:r>
+              <a:rPr lang="fa-IR" sz="2000" dirty="0" smtClean="0">
+                <a:solidFill>
+                  <a:schemeClr val="tx1"/>
+                </a:solidFill>
+                <a:cs typeface="B Nazanin" panose="00000400000000000000" pitchFamily="2" charset="-78"/>
+              </a:rPr>
+              <a:t>محصول اختیار کامل داشته باشد که از طرف کلاس کاربری که نماینده آن است تصمیمات سازنده اتخاذ کند </a:t>
+            </a:r>
+            <a:r>
+              <a:rPr lang="fa-IR" sz="2000" dirty="0" smtClean="0">
+                <a:solidFill>
+                  <a:schemeClr val="tx1"/>
+                </a:solidFill>
+                <a:cs typeface="B Nazanin" panose="00000400000000000000" pitchFamily="2" charset="-78"/>
+              </a:rPr>
+              <a:t>.</a:t>
             </a:r>
           </a:p>
           <a:p>
@@ -5161,49 +5300,10 @@
             </a:pPr>
             <a:r>
               <a:rPr lang="fa-IR" sz="2000" dirty="0" smtClean="0">
-                <a:solidFill>
-                  <a:schemeClr val="tx1"/>
-                </a:solidFill>
-                <a:cs typeface="B Nazanin" panose="00000400000000000000" pitchFamily="2" charset="-78"/>
-              </a:rPr>
-              <a:t>تعامالات قهرمان محصول با همتایان خود نباید کم باشد . </a:t>
-            </a:r>
-          </a:p>
-          <a:p>
-            <a:pPr algn="r" rtl="1">
-              <a:buFont typeface="Wingdings" panose="05000000000000000000" pitchFamily="2" charset="2"/>
-              <a:buChar char="§"/>
-            </a:pPr>
-            <a:r>
-              <a:rPr lang="fa-IR" sz="2000" dirty="0" smtClean="0">
-                <a:solidFill>
-                  <a:schemeClr val="tx1"/>
-                </a:solidFill>
-                <a:cs typeface="B Nazanin" panose="00000400000000000000" pitchFamily="2" charset="-78"/>
-              </a:rPr>
-              <a:t>قهرمان محصول نباید فقط و فقط خواسته ها و ایده های خود را ارائه دهد . </a:t>
-            </a:r>
-          </a:p>
-          <a:p>
-            <a:pPr algn="r" rtl="1">
-              <a:buFont typeface="Wingdings" panose="05000000000000000000" pitchFamily="2" charset="2"/>
-              <a:buChar char="§"/>
-            </a:pPr>
-            <a:r>
-              <a:rPr lang="fa-IR" sz="2000" dirty="0">
-                <a:solidFill>
-                  <a:schemeClr val="tx1"/>
-                </a:solidFill>
-                <a:cs typeface="B Nazanin" panose="00000400000000000000" pitchFamily="2" charset="-78"/>
-              </a:rPr>
-              <a:t>در اینصورت رویکرد قهرمان محصول بهترین کارکرد را دارد . </a:t>
-            </a:r>
-          </a:p>
-          <a:p>
-            <a:pPr algn="r" rtl="1">
-              <a:buFont typeface="Wingdings" panose="05000000000000000000" pitchFamily="2" charset="2"/>
-              <a:buChar char="§"/>
-            </a:pPr>
+                <a:cs typeface="B Nazanin" panose="00000400000000000000" pitchFamily="2" charset="-78"/>
+              </a:rPr>
+              <a:t>اگر تصمیمات یک قهرمان محصول به طور مداوم توسط دیگران نادیده نگرفته شود . </a:t>
+            </a:r>
             <a:endParaRPr lang="fa-IR" sz="2000" dirty="0" smtClean="0">
               <a:solidFill>
                 <a:schemeClr val="tx1"/>
@@ -5216,6 +5316,115 @@
               <a:buFont typeface="Wingdings" panose="05000000000000000000" pitchFamily="2" charset="2"/>
               <a:buChar char="§"/>
             </a:pPr>
+            <a:r>
+              <a:rPr lang="fa-IR" sz="2000" dirty="0" smtClean="0">
+                <a:solidFill>
+                  <a:schemeClr val="tx1"/>
+                </a:solidFill>
+                <a:cs typeface="B Nazanin" panose="00000400000000000000" pitchFamily="2" charset="-78"/>
+              </a:rPr>
+              <a:t>اگر تعامالات </a:t>
+            </a:r>
+            <a:r>
+              <a:rPr lang="fa-IR" sz="2000" dirty="0" smtClean="0">
+                <a:solidFill>
+                  <a:schemeClr val="tx1"/>
+                </a:solidFill>
+                <a:cs typeface="B Nazanin" panose="00000400000000000000" pitchFamily="2" charset="-78"/>
+              </a:rPr>
+              <a:t>قهرمان محصول با همتایان </a:t>
+            </a:r>
+            <a:r>
+              <a:rPr lang="fa-IR" sz="2000" dirty="0" smtClean="0">
+                <a:solidFill>
+                  <a:schemeClr val="tx1"/>
+                </a:solidFill>
+                <a:cs typeface="B Nazanin" panose="00000400000000000000" pitchFamily="2" charset="-78"/>
+              </a:rPr>
+              <a:t>خود به اندازه کافی باشد . </a:t>
+            </a:r>
+            <a:endParaRPr lang="fa-IR" sz="2000" dirty="0" smtClean="0">
+              <a:solidFill>
+                <a:schemeClr val="tx1"/>
+              </a:solidFill>
+              <a:cs typeface="B Nazanin" panose="00000400000000000000" pitchFamily="2" charset="-78"/>
+            </a:endParaRPr>
+          </a:p>
+          <a:p>
+            <a:pPr algn="r" rtl="1">
+              <a:buFont typeface="Wingdings" panose="05000000000000000000" pitchFamily="2" charset="2"/>
+              <a:buChar char="§"/>
+            </a:pPr>
+            <a:r>
+              <a:rPr lang="fa-IR" sz="2000" dirty="0" smtClean="0">
+                <a:solidFill>
+                  <a:schemeClr val="tx1"/>
+                </a:solidFill>
+                <a:cs typeface="B Nazanin" panose="00000400000000000000" pitchFamily="2" charset="-78"/>
+              </a:rPr>
+              <a:t>اگر قهرمان محصول فقط و فقط خواسته های خود را ارائه ندهد .</a:t>
+            </a:r>
+          </a:p>
+          <a:p>
+            <a:pPr marL="0" indent="0" algn="r" rtl="1">
+              <a:buNone/>
+            </a:pPr>
+            <a:r>
+              <a:rPr lang="fa-IR" sz="2000" dirty="0" smtClean="0">
+                <a:solidFill>
+                  <a:schemeClr val="tx1"/>
+                </a:solidFill>
+                <a:cs typeface="B Nazanin" panose="00000400000000000000" pitchFamily="2" charset="-78"/>
+              </a:rPr>
+              <a:t> </a:t>
+            </a:r>
+            <a:endParaRPr lang="fa-IR" sz="2000" dirty="0" smtClean="0">
+              <a:solidFill>
+                <a:schemeClr val="tx1"/>
+              </a:solidFill>
+              <a:cs typeface="B Nazanin" panose="00000400000000000000" pitchFamily="2" charset="-78"/>
+            </a:endParaRPr>
+          </a:p>
+          <a:p>
+            <a:pPr marL="0" indent="0" algn="r" rtl="1">
+              <a:buNone/>
+            </a:pPr>
+            <a:r>
+              <a:rPr lang="fa-IR" sz="2000" dirty="0" smtClean="0">
+                <a:solidFill>
+                  <a:schemeClr val="tx1"/>
+                </a:solidFill>
+                <a:cs typeface="B Nazanin" panose="00000400000000000000" pitchFamily="2" charset="-78"/>
+              </a:rPr>
+              <a:t>                        در </a:t>
+            </a:r>
+            <a:r>
+              <a:rPr lang="fa-IR" sz="2000" dirty="0">
+                <a:solidFill>
+                  <a:schemeClr val="tx1"/>
+                </a:solidFill>
+                <a:cs typeface="B Nazanin" panose="00000400000000000000" pitchFamily="2" charset="-78"/>
+              </a:rPr>
+              <a:t>اینصورت رویکرد قهرمان محصول بهترین کارکرد را دارد . </a:t>
+            </a:r>
+          </a:p>
+          <a:p>
+            <a:pPr algn="r" rtl="1">
+              <a:buFont typeface="Wingdings" panose="05000000000000000000" pitchFamily="2" charset="2"/>
+              <a:buChar char="§"/>
+            </a:pPr>
+            <a:endParaRPr lang="fa-IR" sz="2000" dirty="0" smtClean="0">
+              <a:solidFill>
+                <a:schemeClr val="tx1"/>
+              </a:solidFill>
+              <a:cs typeface="B Nazanin" panose="00000400000000000000" pitchFamily="2" charset="-78"/>
+            </a:endParaRPr>
+          </a:p>
+          <a:p>
+            <a:pPr algn="r" rtl="1">
+              <a:buFont typeface="Wingdings" panose="05000000000000000000" pitchFamily="2" charset="2"/>
+              <a:buChar char="§"/>
+            </a:pPr>
             <a:endParaRPr lang="fa-IR" sz="2000" dirty="0">
               <a:solidFill>
                 <a:schemeClr val="tx1"/>
@@ -5258,6 +5467,102 @@
               </a:solidFill>
               <a:cs typeface="B Nazanin" panose="00000400000000000000" pitchFamily="2" charset="-78"/>
             </a:endParaRPr>
+          </a:p>
+        </p:txBody>
+      </p:sp>
+      <p:sp>
+        <p:nvSpPr>
+          <p:cNvPr id="4" name="Cube 3"/>
+          <p:cNvSpPr/>
+          <p:nvPr/>
+        </p:nvSpPr>
+        <p:spPr>
+          <a:xfrm>
+            <a:off x="11068050" y="1933182"/>
+            <a:ext cx="285750" cy="238125"/>
+          </a:xfrm>
+          <a:prstGeom prst="cube">
+            <a:avLst/>
+          </a:prstGeom>
+          <a:solidFill>
+            <a:srgbClr val="C00000"/>
+          </a:solidFill>
+          <a:ln>
+            <a:solidFill>
+              <a:srgbClr val="C00000"/>
+            </a:solidFill>
+          </a:ln>
+        </p:spPr>
+        <p:style>
+          <a:lnRef idx="2">
+            <a:schemeClr val="accent1">
+              <a:shade val="50000"/>
+            </a:schemeClr>
+          </a:lnRef>
+          <a:fillRef idx="1">
+            <a:schemeClr val="accent1"/>
+          </a:fillRef>
+          <a:effectRef idx="0">
+            <a:schemeClr val="accent1"/>
+          </a:effectRef>
+          <a:fontRef idx="minor">
+            <a:schemeClr val="lt1"/>
+          </a:fontRef>
+        </p:style>
+        <p:txBody>
+          <a:bodyPr rtlCol="1" anchor="ctr"/>
+          <a:lstStyle/>
+          <a:p>
+            <a:pPr algn="ctr"/>
+            <a:endParaRPr lang="fa-IR"/>
+          </a:p>
+        </p:txBody>
+      </p:sp>
+      <p:sp>
+        <p:nvSpPr>
+          <p:cNvPr id="7" name="Left Arrow 6"/>
+          <p:cNvSpPr/>
+          <p:nvPr/>
+        </p:nvSpPr>
+        <p:spPr>
+          <a:xfrm>
+            <a:off x="9902073" y="4298622"/>
+            <a:ext cx="1451727" cy="329938"/>
+          </a:xfrm>
+          <a:prstGeom prst="leftArrow">
+            <a:avLst/>
+          </a:prstGeom>
+          <a:solidFill>
+            <a:srgbClr val="C00000"/>
+          </a:solidFill>
+          <a:ln>
+            <a:solidFill>
+              <a:srgbClr val="C00000"/>
+            </a:solidFill>
+          </a:ln>
+        </p:spPr>
+        <p:style>
+          <a:lnRef idx="2">
+            <a:schemeClr val="accent1">
+              <a:shade val="50000"/>
+            </a:schemeClr>
+          </a:lnRef>
+          <a:fillRef idx="1">
+            <a:schemeClr val="accent1"/>
+          </a:fillRef>
+          <a:effectRef idx="0">
+            <a:schemeClr val="accent1"/>
+          </a:effectRef>
+          <a:fontRef idx="minor">
+            <a:schemeClr val="lt1"/>
+          </a:fontRef>
+        </p:style>
+        <p:txBody>
+          <a:bodyPr rtlCol="1" anchor="ctr"/>
+          <a:lstStyle/>
+          <a:p>
+            <a:pPr algn="ctr"/>
+            <a:endParaRPr lang="fa-IR"/>
           </a:p>
         </p:txBody>
       </p:sp>
@@ -5315,12 +5620,14 @@
           </a:xfrm>
         </p:spPr>
         <p:txBody>
-          <a:bodyPr/>
+          <a:bodyPr>
+            <a:normAutofit/>
+          </a:bodyPr>
           <a:lstStyle/>
           <a:p>
             <a:pPr algn="ctr"/>
             <a:r>
-              <a:rPr lang="fa-IR" u="sng" dirty="0" smtClean="0">
+              <a:rPr lang="fa-IR" sz="4000" u="sng" dirty="0" smtClean="0">
                 <a:solidFill>
                   <a:srgbClr val="C00000"/>
                 </a:solidFill>
@@ -5328,7 +5635,7 @@
               </a:rPr>
               <a:t>قهرمان محصول خارجی</a:t>
             </a:r>
-            <a:endParaRPr lang="en-US" u="sng" dirty="0">
+            <a:endParaRPr lang="en-US" sz="4000" u="sng" dirty="0">
               <a:solidFill>
                 <a:srgbClr val="C00000"/>
               </a:solidFill>
@@ -5349,8 +5656,8 @@
         </p:nvSpPr>
         <p:spPr>
           <a:xfrm>
-            <a:off x="867834" y="1504950"/>
-            <a:ext cx="8596668" cy="3952875"/>
+            <a:off x="867833" y="1209676"/>
+            <a:ext cx="10981659" cy="5125136"/>
           </a:xfrm>
         </p:spPr>
         <p:txBody>
@@ -5359,6 +5666,109 @@
           </a:bodyPr>
           <a:lstStyle/>
           <a:p>
+            <a:pPr marL="0" indent="0" algn="r" rtl="1">
+              <a:buNone/>
+            </a:pPr>
+            <a:r>
+              <a:rPr lang="fa-IR" sz="2000" dirty="0">
+                <a:cs typeface="B Nazanin" panose="00000400000000000000" pitchFamily="2" charset="-78"/>
+              </a:rPr>
+              <a:t> </a:t>
+            </a:r>
+            <a:r>
+              <a:rPr lang="fa-IR" sz="2000" dirty="0" smtClean="0">
+                <a:cs typeface="B Nazanin" panose="00000400000000000000" pitchFamily="2" charset="-78"/>
+              </a:rPr>
+              <a:t>      </a:t>
+            </a:r>
+            <a:r>
+              <a:rPr lang="fa-IR" dirty="0" smtClean="0">
+                <a:solidFill>
+                  <a:srgbClr val="C00000"/>
+                </a:solidFill>
+                <a:cs typeface="B Nazanin" panose="00000400000000000000" pitchFamily="2" charset="-78"/>
+              </a:rPr>
+              <a:t>قهرمان محصول خارجی </a:t>
+            </a:r>
+            <a:endParaRPr lang="fa-IR" dirty="0">
+              <a:solidFill>
+                <a:srgbClr val="C00000"/>
+              </a:solidFill>
+              <a:cs typeface="B Nazanin" panose="00000400000000000000" pitchFamily="2" charset="-78"/>
+            </a:endParaRPr>
+          </a:p>
+          <a:p>
+            <a:pPr algn="r" rtl="1">
+              <a:buFont typeface="Wingdings" panose="05000000000000000000" pitchFamily="2" charset="2"/>
+              <a:buChar char="v"/>
+            </a:pPr>
+            <a:r>
+              <a:rPr lang="fa-IR" sz="2000" dirty="0" smtClean="0">
+                <a:cs typeface="B Nazanin" panose="00000400000000000000" pitchFamily="2" charset="-78"/>
+              </a:rPr>
+              <a:t> گاهی </a:t>
+            </a:r>
+            <a:r>
+              <a:rPr lang="fa-IR" sz="2000" dirty="0" smtClean="0">
+                <a:cs typeface="B Nazanin" panose="00000400000000000000" pitchFamily="2" charset="-78"/>
+              </a:rPr>
+              <a:t>استخدام </a:t>
+            </a:r>
+            <a:r>
+              <a:rPr lang="fa-IR" sz="2000" dirty="0" smtClean="0">
+                <a:solidFill>
+                  <a:srgbClr val="C00000"/>
+                </a:solidFill>
+                <a:cs typeface="B Nazanin" panose="00000400000000000000" pitchFamily="2" charset="-78"/>
+              </a:rPr>
+              <a:t>کاربران واقعی </a:t>
+            </a:r>
+            <a:r>
+              <a:rPr lang="fa-IR" sz="2000" dirty="0" smtClean="0">
+                <a:cs typeface="B Nazanin" panose="00000400000000000000" pitchFamily="2" charset="-78"/>
+              </a:rPr>
+              <a:t>به عنوان </a:t>
+            </a:r>
+            <a:r>
+              <a:rPr lang="fa-IR" sz="2000" dirty="0" smtClean="0">
+                <a:solidFill>
+                  <a:srgbClr val="C00000"/>
+                </a:solidFill>
+                <a:cs typeface="B Nazanin" panose="00000400000000000000" pitchFamily="2" charset="-78"/>
+              </a:rPr>
+              <a:t>قهرمان محصول </a:t>
+            </a:r>
+            <a:r>
+              <a:rPr lang="fa-IR" sz="2000" dirty="0" smtClean="0">
+                <a:cs typeface="B Nazanin" panose="00000400000000000000" pitchFamily="2" charset="-78"/>
+              </a:rPr>
+              <a:t>می‌تواند سخت باشد . </a:t>
+            </a:r>
+          </a:p>
+          <a:p>
+            <a:pPr marL="0" indent="0" algn="r" rtl="1">
+              <a:buNone/>
+            </a:pPr>
+            <a:r>
+              <a:rPr lang="fa-IR" sz="2000" dirty="0" smtClean="0">
+                <a:cs typeface="B Nazanin" panose="00000400000000000000" pitchFamily="2" charset="-78"/>
+              </a:rPr>
+              <a:t>       در </a:t>
+            </a:r>
+            <a:r>
+              <a:rPr lang="fa-IR" sz="2000" dirty="0" smtClean="0">
+                <a:cs typeface="B Nazanin" panose="00000400000000000000" pitchFamily="2" charset="-78"/>
+              </a:rPr>
+              <a:t>این گونه مواقع می توان از کارشناسان داخلی یا مشاوران خارجی برای شبیه سازی نقش این کاربران استفاده کرد </a:t>
+            </a:r>
+            <a:r>
+              <a:rPr lang="fa-IR" sz="2000" dirty="0" smtClean="0">
+                <a:cs typeface="B Nazanin" panose="00000400000000000000" pitchFamily="2" charset="-78"/>
+              </a:rPr>
+              <a:t>.</a:t>
+            </a:r>
+          </a:p>
+          <a:p>
             <a:pPr algn="r" rtl="1">
               <a:buFont typeface="Wingdings" panose="05000000000000000000" pitchFamily="2" charset="2"/>
               <a:buChar char="§"/>
@@ -5367,7 +5777,7 @@
               <a:rPr lang="fa-IR" sz="2000" dirty="0" smtClean="0">
                 <a:cs typeface="B Nazanin" panose="00000400000000000000" pitchFamily="2" charset="-78"/>
               </a:rPr>
-              <a:t>گاهی استخدام کاربران واقعی به عنوان قهرمان محصول می‌تواند سخت باشد . </a:t>
+              <a:t> اگر سازمان با مشتریان حقوقی بزرگ ارتباط دارد می‌شود از این فرصت برای مشارکت در استخراج نیازمندی‌ها استفاده کرد .</a:t>
             </a:r>
           </a:p>
           <a:p>
@@ -5379,13 +5789,16 @@
               <a:rPr lang="fa-IR" sz="2000" dirty="0" smtClean="0">
                 <a:cs typeface="B Nazanin" panose="00000400000000000000" pitchFamily="2" charset="-78"/>
               </a:rPr>
-              <a:t>در این گونه مواقع می توان از کارشناسان داخلی یا مشاوران خارجی برای شبیه سازی نقش این کاربران استفاده کرد .</a:t>
-            </a:r>
+              <a:t>همچنین برای مشارکت قهرمان محصول خارجی باید انگیزه ایجاد کرد . </a:t>
+            </a:r>
+            <a:endParaRPr lang="fa-IR" sz="2000" dirty="0" smtClean="0">
+              <a:cs typeface="B Nazanin" panose="00000400000000000000" pitchFamily="2" charset="-78"/>
+            </a:endParaRPr>
           </a:p>
           <a:p>
             <a:pPr algn="r" rtl="1">
               <a:buFont typeface="Wingdings" panose="05000000000000000000" pitchFamily="2" charset="2"/>
-              <a:buChar char="Ø"/>
+              <a:buChar char="v"/>
             </a:pPr>
             <a:r>
               <a:rPr lang="fa-IR" sz="2000" dirty="0" smtClean="0">
@@ -5397,19 +5810,31 @@
           <a:p>
             <a:pPr algn="r" rtl="1">
               <a:buFont typeface="Wingdings" panose="05000000000000000000" pitchFamily="2" charset="2"/>
-              <a:buChar char="Ø"/>
-            </a:pPr>
-            <a:r>
-              <a:rPr lang="fa-IR" sz="2000" dirty="0" smtClean="0">
-                <a:cs typeface="B Nazanin" panose="00000400000000000000" pitchFamily="2" charset="-78"/>
-              </a:rPr>
-              <a:t>سپس نیازمندی های که مخوص کلاس های کاربری خاصی است را در نظر بگیرید .</a:t>
+              <a:buChar char="v"/>
+            </a:pPr>
+            <a:r>
+              <a:rPr lang="fa-IR" sz="2000" dirty="0" smtClean="0">
+                <a:cs typeface="B Nazanin" panose="00000400000000000000" pitchFamily="2" charset="-78"/>
+              </a:rPr>
+              <a:t>سپس نیازمندی های که </a:t>
+            </a:r>
+            <a:r>
+              <a:rPr lang="fa-IR" sz="2000" dirty="0" smtClean="0">
+                <a:cs typeface="B Nazanin" panose="00000400000000000000" pitchFamily="2" charset="-78"/>
+              </a:rPr>
+              <a:t>مخصوص </a:t>
+            </a:r>
+            <a:r>
+              <a:rPr lang="fa-IR" sz="2000" dirty="0" smtClean="0">
+                <a:cs typeface="B Nazanin" panose="00000400000000000000" pitchFamily="2" charset="-78"/>
+              </a:rPr>
+              <a:t>کلاس های کاربری خاصی است را در نظر بگیرید .</a:t>
             </a:r>
           </a:p>
           <a:p>
             <a:pPr algn="r" rtl="1">
               <a:buFont typeface="Wingdings" panose="05000000000000000000" pitchFamily="2" charset="2"/>
-              <a:buChar char="Ø"/>
+              <a:buChar char="v"/>
             </a:pPr>
             <a:r>
               <a:rPr lang="fa-IR" sz="2000" dirty="0" smtClean="0">
@@ -5421,7 +5846,7 @@
           <a:p>
             <a:pPr algn="r" rtl="1">
               <a:buFont typeface="Wingdings" panose="05000000000000000000" pitchFamily="2" charset="2"/>
-              <a:buChar char="Ø"/>
+              <a:buChar char="v"/>
             </a:pPr>
             <a:r>
               <a:rPr lang="fa-IR" sz="2000" dirty="0" smtClean="0">
@@ -5433,7 +5858,7 @@
           <a:p>
             <a:pPr algn="r" rtl="1">
               <a:buFont typeface="Wingdings" panose="05000000000000000000" pitchFamily="2" charset="2"/>
-              <a:buChar char="Ø"/>
+              <a:buChar char="v"/>
             </a:pPr>
             <a:r>
               <a:rPr lang="fa-IR" sz="2000" dirty="0" smtClean="0">
@@ -5451,6 +5876,70 @@
               <a:t> </a:t>
             </a:r>
             <a:endParaRPr lang="en-US" dirty="0"/>
+          </a:p>
+        </p:txBody>
+      </p:sp>
+      <p:pic>
+        <p:nvPicPr>
+          <p:cNvPr id="4" name="Picture 3"/>
+          <p:cNvPicPr>
+            <a:picLocks noChangeAspect="1"/>
+          </p:cNvPicPr>
+          <p:nvPr/>
+        </p:nvPicPr>
+        <p:blipFill>
+          <a:blip r:embed="rId2"/>
+          <a:stretch>
+            <a:fillRect/>
+          </a:stretch>
+        </p:blipFill>
+        <p:spPr>
+          <a:xfrm>
+            <a:off x="11458958" y="1286685"/>
+            <a:ext cx="298730" cy="249958"/>
+          </a:xfrm>
+          <a:prstGeom prst="rect">
+            <a:avLst/>
+          </a:prstGeom>
+        </p:spPr>
+      </p:pic>
+      <p:sp>
+        <p:nvSpPr>
+          <p:cNvPr id="5" name="Left Arrow 4"/>
+          <p:cNvSpPr/>
+          <p:nvPr/>
+        </p:nvSpPr>
+        <p:spPr>
+          <a:xfrm>
+            <a:off x="11411361" y="2211511"/>
+            <a:ext cx="346327" cy="169682"/>
+          </a:xfrm>
+          <a:prstGeom prst="leftArrow">
+            <a:avLst/>
+          </a:prstGeom>
+        </p:spPr>
+        <p:style>
+          <a:lnRef idx="2">
+            <a:schemeClr val="accent1">
+              <a:shade val="50000"/>
+            </a:schemeClr>
+          </a:lnRef>
+          <a:fillRef idx="1">
+            <a:schemeClr val="accent1"/>
+          </a:fillRef>
+          <a:effectRef idx="0">
+            <a:schemeClr val="accent1"/>
+          </a:effectRef>
+          <a:fontRef idx="minor">
+            <a:schemeClr val="lt1"/>
+          </a:fontRef>
+        </p:style>
+        <p:txBody>
+          <a:bodyPr rtlCol="1" anchor="ctr"/>
+          <a:lstStyle/>
+          <a:p>
+            <a:pPr algn="ctr"/>
+            <a:endParaRPr lang="fa-IR"/>
           </a:p>
         </p:txBody>
       </p:sp>
@@ -5501,22 +5990,29 @@
             <p:ph type="title"/>
           </p:nvPr>
         </p:nvSpPr>
-        <p:spPr/>
-        <p:txBody>
-          <a:bodyPr/>
+        <p:spPr>
+          <a:xfrm>
+            <a:off x="838200" y="365126"/>
+            <a:ext cx="10515600" cy="634115"/>
+          </a:xfrm>
+        </p:spPr>
+        <p:txBody>
+          <a:bodyPr>
+            <a:normAutofit fontScale="90000"/>
+          </a:bodyPr>
           <a:lstStyle/>
           <a:p>
             <a:pPr algn="ctr"/>
             <a:r>
-              <a:rPr lang="fa-IR" u="sng" dirty="0" smtClean="0">
+              <a:rPr lang="fa-IR" sz="4000" u="sng" dirty="0" smtClean="0">
                 <a:solidFill>
                   <a:srgbClr val="C00000"/>
                 </a:solidFill>
                 <a:cs typeface="B Nazanin" panose="00000400000000000000" pitchFamily="2" charset="-78"/>
               </a:rPr>
-              <a:t>انتظارات از قهرمان محصول </a:t>
-            </a:r>
-            <a:endParaRPr lang="en-US" u="sng" dirty="0">
+              <a:t>قهرمان محصول (ادامه )</a:t>
+            </a:r>
+            <a:endParaRPr lang="en-US" sz="4000" u="sng" dirty="0">
               <a:solidFill>
                 <a:srgbClr val="C00000"/>
               </a:solidFill>
@@ -5535,13 +6031,38 @@
             <p:ph idx="1"/>
           </p:nvPr>
         </p:nvSpPr>
-        <p:spPr/>
+        <p:spPr>
+          <a:xfrm>
+            <a:off x="838200" y="1148571"/>
+            <a:ext cx="10515600" cy="4989186"/>
+          </a:xfrm>
+        </p:spPr>
         <p:txBody>
           <a:bodyPr>
             <a:normAutofit/>
           </a:bodyPr>
           <a:lstStyle/>
           <a:p>
+            <a:pPr marL="0" indent="0" algn="r" rtl="1">
+              <a:buNone/>
+            </a:pPr>
+            <a:r>
+              <a:rPr lang="fa-IR" sz="2000" dirty="0" smtClean="0">
+                <a:cs typeface="B Nazanin" panose="00000400000000000000" pitchFamily="2" charset="-78"/>
+              </a:rPr>
+              <a:t>     </a:t>
+            </a:r>
+            <a:r>
+              <a:rPr lang="fa-IR" dirty="0" smtClean="0">
+                <a:solidFill>
+                  <a:srgbClr val="C00000"/>
+                </a:solidFill>
+                <a:cs typeface="B Nazanin" panose="00000400000000000000" pitchFamily="2" charset="-78"/>
+              </a:rPr>
+              <a:t>انتظارات از قهرمان محصول </a:t>
+            </a:r>
+          </a:p>
+          <a:p>
             <a:pPr algn="r" rtl="1">
               <a:buFont typeface="Wingdings" panose="05000000000000000000" pitchFamily="2" charset="2"/>
               <a:buChar char="§"/>
@@ -5550,7 +6071,13 @@
               <a:rPr lang="fa-IR" sz="2000" dirty="0" smtClean="0">
                 <a:cs typeface="B Nazanin" panose="00000400000000000000" pitchFamily="2" charset="-78"/>
               </a:rPr>
-              <a:t>آنچه را از </a:t>
+              <a:t>آنچه </a:t>
+            </a:r>
+            <a:r>
+              <a:rPr lang="fa-IR" sz="2000" dirty="0" smtClean="0">
+                <a:cs typeface="B Nazanin" panose="00000400000000000000" pitchFamily="2" charset="-78"/>
+              </a:rPr>
+              <a:t>را از </a:t>
             </a:r>
             <a:r>
               <a:rPr lang="fa-IR" sz="2000" dirty="0" smtClean="0">
@@ -5653,60 +6180,61 @@
             </a:r>
           </a:p>
           <a:p>
-            <a:pPr algn="r" rtl="1">
-              <a:buFont typeface="Wingdings" panose="05000000000000000000" pitchFamily="2" charset="2"/>
-              <a:buChar char="v"/>
-            </a:pPr>
-            <a:r>
-              <a:rPr lang="fa-IR" sz="2000" dirty="0" smtClean="0">
-                <a:cs typeface="B Nazanin" panose="00000400000000000000" pitchFamily="2" charset="-78"/>
-              </a:rPr>
-              <a:t>برنامه ریزی :</a:t>
-            </a:r>
-          </a:p>
-          <a:p>
-            <a:pPr lvl="1" algn="r" rtl="1">
-              <a:buFont typeface="Wingdings" panose="05000000000000000000" pitchFamily="2" charset="2"/>
-              <a:buChar char="q"/>
-            </a:pPr>
-            <a:r>
-              <a:rPr lang="fa-IR" sz="2000" dirty="0" smtClean="0">
+            <a:pPr marL="0" indent="0" algn="r" rtl="1">
+              <a:buNone/>
+            </a:pPr>
+            <a:r>
+              <a:rPr lang="fa-IR" sz="2000" dirty="0" smtClean="0">
+                <a:cs typeface="B Nazanin" panose="00000400000000000000" pitchFamily="2" charset="-78"/>
+              </a:rPr>
+              <a:t>    برنامه </a:t>
+            </a:r>
+            <a:r>
+              <a:rPr lang="fa-IR" sz="2000" dirty="0" smtClean="0">
+                <a:cs typeface="B Nazanin" panose="00000400000000000000" pitchFamily="2" charset="-78"/>
+              </a:rPr>
+              <a:t>ریزی :</a:t>
+            </a:r>
+          </a:p>
+          <a:p>
+            <a:pPr marL="914400" lvl="2" indent="0">
+              <a:buNone/>
+            </a:pPr>
+            <a:r>
+              <a:rPr lang="fa-IR" dirty="0" smtClean="0">
                 <a:cs typeface="B Nazanin" panose="00000400000000000000" pitchFamily="2" charset="-78"/>
               </a:rPr>
               <a:t>محدوده و محدودیت های سیستم را مشخص کند .</a:t>
             </a:r>
           </a:p>
           <a:p>
-            <a:pPr lvl="1" algn="r" rtl="1">
-              <a:buFont typeface="Wingdings" panose="05000000000000000000" pitchFamily="2" charset="2"/>
-              <a:buChar char="q"/>
-            </a:pPr>
-            <a:r>
-              <a:rPr lang="fa-IR" sz="2000" dirty="0" smtClean="0">
+            <a:pPr marL="914400" lvl="2" indent="0">
+              <a:buNone/>
+            </a:pPr>
+            <a:r>
+              <a:rPr lang="fa-IR" dirty="0" smtClean="0">
                 <a:cs typeface="B Nazanin" panose="00000400000000000000" pitchFamily="2" charset="-78"/>
               </a:rPr>
               <a:t>سیستم های که با آن ها در تعامل است سیستم فعلی را مشخص کند .</a:t>
             </a:r>
           </a:p>
           <a:p>
-            <a:pPr lvl="1" algn="r" rtl="1">
-              <a:buFont typeface="Wingdings" panose="05000000000000000000" pitchFamily="2" charset="2"/>
-              <a:buChar char="q"/>
-            </a:pPr>
-            <a:r>
-              <a:rPr lang="fa-IR" sz="2000" dirty="0" smtClean="0">
+            <a:pPr marL="914400" lvl="2" indent="0">
+              <a:buNone/>
+            </a:pPr>
+            <a:r>
+              <a:rPr lang="fa-IR" dirty="0" smtClean="0">
                 <a:cs typeface="B Nazanin" panose="00000400000000000000" pitchFamily="2" charset="-78"/>
               </a:rPr>
               <a:t>یک مسیر انتقال از برنامه های فعلی یا عملیات دستی تعریف کنید .</a:t>
             </a:r>
           </a:p>
           <a:p>
-            <a:pPr lvl="1" algn="r" rtl="1">
-              <a:buFont typeface="Wingdings" panose="05000000000000000000" pitchFamily="2" charset="2"/>
-              <a:buChar char="q"/>
-            </a:pPr>
-            <a:r>
-              <a:rPr lang="fa-IR" sz="2000" dirty="0" smtClean="0">
+            <a:pPr marL="914400" lvl="2" indent="0">
+              <a:buNone/>
+            </a:pPr>
+            <a:r>
+              <a:rPr lang="fa-IR" dirty="0" smtClean="0">
                 <a:cs typeface="B Nazanin" panose="00000400000000000000" pitchFamily="2" charset="-78"/>
               </a:rPr>
               <a:t>استاندارهای مربوطه و نیازمندی های گواهینامه را مشخص کنید . </a:t>
@@ -5729,6 +6257,198 @@
             <a:endParaRPr lang="fa-IR" sz="2000" dirty="0" smtClean="0">
               <a:cs typeface="B Nazanin" panose="00000400000000000000" pitchFamily="2" charset="-78"/>
             </a:endParaRPr>
+          </a:p>
+        </p:txBody>
+      </p:sp>
+      <p:sp>
+        <p:nvSpPr>
+          <p:cNvPr id="5" name="Cube 4"/>
+          <p:cNvSpPr/>
+          <p:nvPr/>
+        </p:nvSpPr>
+        <p:spPr>
+          <a:xfrm>
+            <a:off x="11068050" y="1272618"/>
+            <a:ext cx="285750" cy="238125"/>
+          </a:xfrm>
+          <a:prstGeom prst="cube">
+            <a:avLst/>
+          </a:prstGeom>
+          <a:solidFill>
+            <a:srgbClr val="C00000"/>
+          </a:solidFill>
+          <a:ln>
+            <a:solidFill>
+              <a:srgbClr val="C00000"/>
+            </a:solidFill>
+          </a:ln>
+        </p:spPr>
+        <p:style>
+          <a:lnRef idx="2">
+            <a:schemeClr val="accent1">
+              <a:shade val="50000"/>
+            </a:schemeClr>
+          </a:lnRef>
+          <a:fillRef idx="1">
+            <a:schemeClr val="accent1"/>
+          </a:fillRef>
+          <a:effectRef idx="0">
+            <a:schemeClr val="accent1"/>
+          </a:effectRef>
+          <a:fontRef idx="minor">
+            <a:schemeClr val="lt1"/>
+          </a:fontRef>
+        </p:style>
+        <p:txBody>
+          <a:bodyPr rtlCol="1" anchor="ctr"/>
+          <a:lstStyle/>
+          <a:p>
+            <a:pPr algn="ctr"/>
+            <a:endParaRPr lang="fa-IR"/>
+          </a:p>
+        </p:txBody>
+      </p:sp>
+      <p:pic>
+        <p:nvPicPr>
+          <p:cNvPr id="6" name="Picture 5"/>
+          <p:cNvPicPr>
+            <a:picLocks noChangeAspect="1"/>
+          </p:cNvPicPr>
+          <p:nvPr/>
+        </p:nvPicPr>
+        <p:blipFill>
+          <a:blip r:embed="rId2"/>
+          <a:stretch>
+            <a:fillRect/>
+          </a:stretch>
+        </p:blipFill>
+        <p:spPr>
+          <a:xfrm>
+            <a:off x="10507169" y="3332698"/>
+            <a:ext cx="560881" cy="243861"/>
+          </a:xfrm>
+          <a:prstGeom prst="rect">
+            <a:avLst/>
+          </a:prstGeom>
+        </p:spPr>
+      </p:pic>
+      <p:pic>
+        <p:nvPicPr>
+          <p:cNvPr id="7" name="Picture 6"/>
+          <p:cNvPicPr>
+            <a:picLocks noChangeAspect="1"/>
+          </p:cNvPicPr>
+          <p:nvPr/>
+        </p:nvPicPr>
+        <p:blipFill>
+          <a:blip r:embed="rId2"/>
+          <a:stretch>
+            <a:fillRect/>
+          </a:stretch>
+        </p:blipFill>
+        <p:spPr>
+          <a:xfrm>
+            <a:off x="10507168" y="3643164"/>
+            <a:ext cx="560881" cy="243861"/>
+          </a:xfrm>
+          <a:prstGeom prst="rect">
+            <a:avLst/>
+          </a:prstGeom>
+        </p:spPr>
+      </p:pic>
+      <p:pic>
+        <p:nvPicPr>
+          <p:cNvPr id="8" name="Picture 7"/>
+          <p:cNvPicPr>
+            <a:picLocks noChangeAspect="1"/>
+          </p:cNvPicPr>
+          <p:nvPr/>
+        </p:nvPicPr>
+        <p:blipFill>
+          <a:blip r:embed="rId2"/>
+          <a:stretch>
+            <a:fillRect/>
+          </a:stretch>
+        </p:blipFill>
+        <p:spPr>
+          <a:xfrm>
+            <a:off x="10507167" y="3953630"/>
+            <a:ext cx="560881" cy="243861"/>
+          </a:xfrm>
+          <a:prstGeom prst="rect">
+            <a:avLst/>
+          </a:prstGeom>
+        </p:spPr>
+      </p:pic>
+      <p:pic>
+        <p:nvPicPr>
+          <p:cNvPr id="9" name="Picture 8"/>
+          <p:cNvPicPr>
+            <a:picLocks noChangeAspect="1"/>
+          </p:cNvPicPr>
+          <p:nvPr/>
+        </p:nvPicPr>
+        <p:blipFill>
+          <a:blip r:embed="rId2"/>
+          <a:stretch>
+            <a:fillRect/>
+          </a:stretch>
+        </p:blipFill>
+        <p:spPr>
+          <a:xfrm>
+            <a:off x="10507167" y="4281903"/>
+            <a:ext cx="560881" cy="243861"/>
+          </a:xfrm>
+          <a:prstGeom prst="rect">
+            <a:avLst/>
+          </a:prstGeom>
+        </p:spPr>
+      </p:pic>
+      <p:sp>
+        <p:nvSpPr>
+          <p:cNvPr id="15" name="Isosceles Triangle 14"/>
+          <p:cNvSpPr/>
+          <p:nvPr/>
+        </p:nvSpPr>
+        <p:spPr>
+          <a:xfrm rot="16200000">
+            <a:off x="11025629" y="2980239"/>
+            <a:ext cx="282804" cy="197966"/>
+          </a:xfrm>
+          <a:prstGeom prst="triangle">
+            <a:avLst/>
+          </a:prstGeom>
+          <a:solidFill>
+            <a:srgbClr val="C00000"/>
+          </a:solidFill>
+          <a:ln>
+            <a:solidFill>
+              <a:srgbClr val="C00000"/>
+            </a:solidFill>
+          </a:ln>
+        </p:spPr>
+        <p:style>
+          <a:lnRef idx="2">
+            <a:schemeClr val="accent1">
+              <a:shade val="50000"/>
+            </a:schemeClr>
+          </a:lnRef>
+          <a:fillRef idx="1">
+            <a:schemeClr val="accent1"/>
+          </a:fillRef>
+          <a:effectRef idx="0">
+            <a:schemeClr val="accent1"/>
+          </a:effectRef>
+          <a:fontRef idx="minor">
+            <a:schemeClr val="lt1"/>
+          </a:fontRef>
+        </p:style>
+        <p:txBody>
+          <a:bodyPr rtlCol="1" anchor="ctr"/>
+          <a:lstStyle/>
+          <a:p>
+            <a:pPr algn="ctr"/>
+            <a:endParaRPr lang="fa-IR"/>
           </a:p>
         </p:txBody>
       </p:sp>
@@ -5742,6 +6462,13 @@
   <p:clrMapOvr>
     <a:masterClrMapping/>
   </p:clrMapOvr>
+  <p:timing>
+    <p:tnLst>
+      <p:par>
+        <p:cTn id="1" dur="indefinite" restart="never" nodeType="tmRoot"/>
+      </p:par>
+    </p:tnLst>
+  </p:timing>
 </p:sld>
 </file>
 
@@ -5956,111 +6683,120 @@
           </a:bodyPr>
           <a:lstStyle/>
           <a:p>
-            <a:pPr algn="r" rtl="1">
-              <a:buFont typeface="Wingdings" panose="05000000000000000000" pitchFamily="2" charset="2"/>
-              <a:buChar char="v"/>
-            </a:pPr>
-            <a:r>
-              <a:rPr lang="fa-IR" sz="2000" dirty="0" smtClean="0">
-                <a:cs typeface="B Nazanin" panose="00000400000000000000" pitchFamily="2" charset="-78"/>
-              </a:rPr>
-              <a:t>نیازمندی ها:</a:t>
-            </a:r>
-          </a:p>
-          <a:p>
-            <a:pPr lvl="1" algn="r" rtl="1">
-              <a:buFont typeface="Wingdings" panose="05000000000000000000" pitchFamily="2" charset="2"/>
-              <a:buChar char="q"/>
-            </a:pPr>
-            <a:r>
-              <a:rPr lang="fa-IR" sz="2000" dirty="0" smtClean="0">
+            <a:pPr marL="0" indent="0" algn="r" rtl="1">
+              <a:buNone/>
+            </a:pPr>
+            <a:r>
+              <a:rPr lang="fa-IR" sz="2000" dirty="0" smtClean="0">
+                <a:cs typeface="B Nazanin" panose="00000400000000000000" pitchFamily="2" charset="-78"/>
+              </a:rPr>
+              <a:t>     نیازمندی </a:t>
+            </a:r>
+            <a:r>
+              <a:rPr lang="fa-IR" sz="2000" dirty="0" smtClean="0">
+                <a:cs typeface="B Nazanin" panose="00000400000000000000" pitchFamily="2" charset="-78"/>
+              </a:rPr>
+              <a:t>ها:</a:t>
+            </a:r>
+          </a:p>
+          <a:p>
+            <a:pPr marL="914400" lvl="2" indent="0">
+              <a:buNone/>
+            </a:pPr>
+            <a:r>
+              <a:rPr lang="fa-IR" dirty="0" smtClean="0">
                 <a:cs typeface="B Nazanin" panose="00000400000000000000" pitchFamily="2" charset="-78"/>
               </a:rPr>
               <a:t>نیازمندی ها را از کاربران جمع آوری کند .</a:t>
             </a:r>
           </a:p>
           <a:p>
-            <a:pPr lvl="1" algn="r" rtl="1">
-              <a:buFont typeface="Wingdings" panose="05000000000000000000" pitchFamily="2" charset="2"/>
-              <a:buChar char="q"/>
-            </a:pPr>
-            <a:r>
-              <a:rPr lang="fa-IR" sz="2000" dirty="0" smtClean="0">
+            <a:pPr marL="914400" lvl="2" indent="0">
+              <a:buNone/>
+            </a:pPr>
+            <a:r>
+              <a:rPr lang="fa-IR" dirty="0" smtClean="0">
                 <a:cs typeface="B Nazanin" panose="00000400000000000000" pitchFamily="2" charset="-78"/>
               </a:rPr>
               <a:t>سناریوهای استفاده ، یوزکیس ها و داستان های کاربران را بسط دهد . </a:t>
             </a:r>
           </a:p>
           <a:p>
-            <a:pPr lvl="1" algn="r" rtl="1">
-              <a:buFont typeface="Wingdings" panose="05000000000000000000" pitchFamily="2" charset="2"/>
-              <a:buChar char="q"/>
-            </a:pPr>
-            <a:r>
-              <a:rPr lang="fa-IR" sz="2000" dirty="0" smtClean="0">
+            <a:pPr marL="914400" lvl="2" indent="0">
+              <a:buNone/>
+            </a:pPr>
+            <a:r>
+              <a:rPr lang="fa-IR" dirty="0" smtClean="0">
                 <a:cs typeface="B Nazanin" panose="00000400000000000000" pitchFamily="2" charset="-78"/>
               </a:rPr>
               <a:t>تضادها بین نیازمندی های پیشنهاد شده در کلاس کاربری را حل کند . </a:t>
             </a:r>
           </a:p>
           <a:p>
-            <a:pPr lvl="1" algn="r" rtl="1">
-              <a:buFont typeface="Wingdings" panose="05000000000000000000" pitchFamily="2" charset="2"/>
-              <a:buChar char="q"/>
-            </a:pPr>
-            <a:r>
-              <a:rPr lang="fa-IR" sz="2000" dirty="0" smtClean="0">
-                <a:cs typeface="B Nazanin" panose="00000400000000000000" pitchFamily="2" charset="-78"/>
-              </a:rPr>
-              <a:t>الویت های اجرایی را تعریف کند .</a:t>
-            </a:r>
-          </a:p>
-          <a:p>
-            <a:pPr lvl="1" algn="r" rtl="1">
-              <a:buFont typeface="Wingdings" panose="05000000000000000000" pitchFamily="2" charset="2"/>
-              <a:buChar char="q"/>
-            </a:pPr>
-            <a:r>
-              <a:rPr lang="en-US" sz="1800" dirty="0"/>
-              <a:t>Provide input regarding performance and other quality requirements</a:t>
-            </a:r>
-            <a:r>
-              <a:rPr lang="en-US" sz="1800" dirty="0" smtClean="0"/>
+            <a:pPr marL="914400" lvl="2" indent="0">
+              <a:buNone/>
+            </a:pPr>
+            <a:r>
+              <a:rPr lang="fa-IR" dirty="0" smtClean="0">
+                <a:cs typeface="B Nazanin" panose="00000400000000000000" pitchFamily="2" charset="-78"/>
+              </a:rPr>
+              <a:t>الویت های اجرایی را تعریف کند </a:t>
+            </a:r>
+            <a:r>
+              <a:rPr lang="fa-IR" dirty="0" smtClean="0">
+                <a:cs typeface="B Nazanin" panose="00000400000000000000" pitchFamily="2" charset="-78"/>
+              </a:rPr>
               <a:t>.</a:t>
             </a:r>
-            <a:endParaRPr lang="fa-IR" sz="1800" dirty="0" smtClean="0"/>
-          </a:p>
-          <a:p>
-            <a:pPr lvl="1" algn="r" rtl="1">
-              <a:buFont typeface="Wingdings" panose="05000000000000000000" pitchFamily="2" charset="2"/>
-              <a:buChar char="q"/>
-            </a:pPr>
-            <a:r>
-              <a:rPr lang="fa-IR" sz="2000" dirty="0" smtClean="0">
-                <a:cs typeface="B Nazanin" panose="00000400000000000000" pitchFamily="2" charset="-78"/>
-              </a:rPr>
-              <a:t>نمونه های اولیه را ارزیابی کند . </a:t>
-            </a:r>
-          </a:p>
-          <a:p>
-            <a:pPr lvl="1" algn="r" rtl="1">
-              <a:buFont typeface="Wingdings" panose="05000000000000000000" pitchFamily="2" charset="2"/>
-              <a:buChar char="q"/>
-            </a:pPr>
-            <a:r>
-              <a:rPr lang="fa-IR" sz="2000" dirty="0" smtClean="0">
+          </a:p>
+          <a:p>
+            <a:pPr marL="914400" lvl="2" indent="0">
+              <a:buNone/>
+            </a:pPr>
+            <a:r>
+              <a:rPr lang="fa-IR" dirty="0" smtClean="0">
+                <a:cs typeface="B Nazanin" panose="00000400000000000000" pitchFamily="2" charset="-78"/>
+              </a:rPr>
+              <a:t>ورودی‌ها را در مورد عملکرد و سایر الزامات کیفی ارائه دهد .</a:t>
+            </a:r>
+            <a:endParaRPr lang="fa-IR" dirty="0" smtClean="0">
+              <a:cs typeface="B Nazanin" panose="00000400000000000000" pitchFamily="2" charset="-78"/>
+            </a:endParaRPr>
+          </a:p>
+          <a:p>
+            <a:pPr marL="914400" lvl="2" indent="0">
+              <a:buNone/>
+            </a:pPr>
+            <a:r>
+              <a:rPr lang="fa-IR" dirty="0" smtClean="0">
+                <a:cs typeface="B Nazanin" panose="00000400000000000000" pitchFamily="2" charset="-78"/>
+              </a:rPr>
+              <a:t>نمونه </a:t>
+            </a:r>
+            <a:r>
+              <a:rPr lang="fa-IR" dirty="0" smtClean="0">
+                <a:cs typeface="B Nazanin" panose="00000400000000000000" pitchFamily="2" charset="-78"/>
+              </a:rPr>
+              <a:t>های اولیه را ارزیابی کند . </a:t>
+            </a:r>
+          </a:p>
+          <a:p>
+            <a:pPr marL="914400" lvl="2" indent="0">
+              <a:buNone/>
+            </a:pPr>
+            <a:r>
+              <a:rPr lang="fa-IR" dirty="0" smtClean="0">
                 <a:cs typeface="B Nazanin" panose="00000400000000000000" pitchFamily="2" charset="-78"/>
               </a:rPr>
               <a:t>با سایر تصمیم گیرندگان راهبردی برای برطرف کردن تضادها بین سایر ذینفعان کار کند . </a:t>
             </a:r>
           </a:p>
           <a:p>
-            <a:pPr lvl="1" algn="r" rtl="1">
-              <a:buFont typeface="Wingdings" panose="05000000000000000000" pitchFamily="2" charset="2"/>
-              <a:buChar char="q"/>
-            </a:pPr>
-            <a:r>
-              <a:rPr lang="fa-IR" sz="2000" dirty="0" smtClean="0">
+            <a:pPr marL="914400" lvl="2" indent="0">
+              <a:buNone/>
+            </a:pPr>
+            <a:r>
+              <a:rPr lang="fa-IR" dirty="0" smtClean="0">
                 <a:cs typeface="B Nazanin" panose="00000400000000000000" pitchFamily="2" charset="-78"/>
               </a:rPr>
               <a:t>الگوریتم های تخصصی را ارائه بدهد . </a:t>
@@ -6083,6 +6819,246 @@
             <a:endParaRPr lang="fa-IR" sz="2000" dirty="0" smtClean="0">
               <a:cs typeface="B Nazanin" panose="00000400000000000000" pitchFamily="2" charset="-78"/>
             </a:endParaRPr>
+          </a:p>
+        </p:txBody>
+      </p:sp>
+      <p:pic>
+        <p:nvPicPr>
+          <p:cNvPr id="4" name="Picture 3"/>
+          <p:cNvPicPr>
+            <a:picLocks noChangeAspect="1"/>
+          </p:cNvPicPr>
+          <p:nvPr/>
+        </p:nvPicPr>
+        <p:blipFill>
+          <a:blip r:embed="rId2"/>
+          <a:stretch>
+            <a:fillRect/>
+          </a:stretch>
+        </p:blipFill>
+        <p:spPr>
+          <a:xfrm>
+            <a:off x="10502055" y="2210909"/>
+            <a:ext cx="560881" cy="243861"/>
+          </a:xfrm>
+          <a:prstGeom prst="rect">
+            <a:avLst/>
+          </a:prstGeom>
+        </p:spPr>
+      </p:pic>
+      <p:pic>
+        <p:nvPicPr>
+          <p:cNvPr id="5" name="Picture 4"/>
+          <p:cNvPicPr>
+            <a:picLocks noChangeAspect="1"/>
+          </p:cNvPicPr>
+          <p:nvPr/>
+        </p:nvPicPr>
+        <p:blipFill>
+          <a:blip r:embed="rId2"/>
+          <a:stretch>
+            <a:fillRect/>
+          </a:stretch>
+        </p:blipFill>
+        <p:spPr>
+          <a:xfrm>
+            <a:off x="10502055" y="2589707"/>
+            <a:ext cx="560881" cy="243861"/>
+          </a:xfrm>
+          <a:prstGeom prst="rect">
+            <a:avLst/>
+          </a:prstGeom>
+        </p:spPr>
+      </p:pic>
+      <p:pic>
+        <p:nvPicPr>
+          <p:cNvPr id="6" name="Picture 5"/>
+          <p:cNvPicPr>
+            <a:picLocks noChangeAspect="1"/>
+          </p:cNvPicPr>
+          <p:nvPr/>
+        </p:nvPicPr>
+        <p:blipFill>
+          <a:blip r:embed="rId2"/>
+          <a:stretch>
+            <a:fillRect/>
+          </a:stretch>
+        </p:blipFill>
+        <p:spPr>
+          <a:xfrm>
+            <a:off x="10502055" y="2875396"/>
+            <a:ext cx="560881" cy="243861"/>
+          </a:xfrm>
+          <a:prstGeom prst="rect">
+            <a:avLst/>
+          </a:prstGeom>
+        </p:spPr>
+      </p:pic>
+      <p:pic>
+        <p:nvPicPr>
+          <p:cNvPr id="7" name="Picture 6"/>
+          <p:cNvPicPr>
+            <a:picLocks noChangeAspect="1"/>
+          </p:cNvPicPr>
+          <p:nvPr/>
+        </p:nvPicPr>
+        <p:blipFill>
+          <a:blip r:embed="rId2"/>
+          <a:stretch>
+            <a:fillRect/>
+          </a:stretch>
+        </p:blipFill>
+        <p:spPr>
+          <a:xfrm>
+            <a:off x="10502055" y="3181885"/>
+            <a:ext cx="560881" cy="243861"/>
+          </a:xfrm>
+          <a:prstGeom prst="rect">
+            <a:avLst/>
+          </a:prstGeom>
+        </p:spPr>
+      </p:pic>
+      <p:pic>
+        <p:nvPicPr>
+          <p:cNvPr id="8" name="Picture 7"/>
+          <p:cNvPicPr>
+            <a:picLocks noChangeAspect="1"/>
+          </p:cNvPicPr>
+          <p:nvPr/>
+        </p:nvPicPr>
+        <p:blipFill>
+          <a:blip r:embed="rId2"/>
+          <a:stretch>
+            <a:fillRect/>
+          </a:stretch>
+        </p:blipFill>
+        <p:spPr>
+          <a:xfrm>
+            <a:off x="10502054" y="3586517"/>
+            <a:ext cx="560881" cy="243861"/>
+          </a:xfrm>
+          <a:prstGeom prst="rect">
+            <a:avLst/>
+          </a:prstGeom>
+        </p:spPr>
+      </p:pic>
+      <p:pic>
+        <p:nvPicPr>
+          <p:cNvPr id="9" name="Picture 8"/>
+          <p:cNvPicPr>
+            <a:picLocks noChangeAspect="1"/>
+          </p:cNvPicPr>
+          <p:nvPr/>
+        </p:nvPicPr>
+        <p:blipFill>
+          <a:blip r:embed="rId2"/>
+          <a:stretch>
+            <a:fillRect/>
+          </a:stretch>
+        </p:blipFill>
+        <p:spPr>
+          <a:xfrm>
+            <a:off x="10502054" y="3934834"/>
+            <a:ext cx="560881" cy="243861"/>
+          </a:xfrm>
+          <a:prstGeom prst="rect">
+            <a:avLst/>
+          </a:prstGeom>
+        </p:spPr>
+      </p:pic>
+      <p:pic>
+        <p:nvPicPr>
+          <p:cNvPr id="10" name="Picture 9"/>
+          <p:cNvPicPr>
+            <a:picLocks noChangeAspect="1"/>
+          </p:cNvPicPr>
+          <p:nvPr/>
+        </p:nvPicPr>
+        <p:blipFill>
+          <a:blip r:embed="rId2"/>
+          <a:stretch>
+            <a:fillRect/>
+          </a:stretch>
+        </p:blipFill>
+        <p:spPr>
+          <a:xfrm>
+            <a:off x="10502054" y="4278776"/>
+            <a:ext cx="560881" cy="243861"/>
+          </a:xfrm>
+          <a:prstGeom prst="rect">
+            <a:avLst/>
+          </a:prstGeom>
+        </p:spPr>
+      </p:pic>
+      <p:pic>
+        <p:nvPicPr>
+          <p:cNvPr id="11" name="Picture 10"/>
+          <p:cNvPicPr>
+            <a:picLocks noChangeAspect="1"/>
+          </p:cNvPicPr>
+          <p:nvPr/>
+        </p:nvPicPr>
+        <p:blipFill>
+          <a:blip r:embed="rId2"/>
+          <a:stretch>
+            <a:fillRect/>
+          </a:stretch>
+        </p:blipFill>
+        <p:spPr>
+          <a:xfrm>
+            <a:off x="10502054" y="4622718"/>
+            <a:ext cx="560881" cy="243861"/>
+          </a:xfrm>
+          <a:prstGeom prst="rect">
+            <a:avLst/>
+          </a:prstGeom>
+        </p:spPr>
+      </p:pic>
+      <p:sp>
+        <p:nvSpPr>
+          <p:cNvPr id="12" name="Isosceles Triangle 11"/>
+          <p:cNvSpPr/>
+          <p:nvPr/>
+        </p:nvSpPr>
+        <p:spPr>
+          <a:xfrm rot="16200000">
+            <a:off x="11020516" y="1887518"/>
+            <a:ext cx="282804" cy="197966"/>
+          </a:xfrm>
+          <a:prstGeom prst="triangle">
+            <a:avLst/>
+          </a:prstGeom>
+          <a:solidFill>
+            <a:srgbClr val="C00000"/>
+          </a:solidFill>
+          <a:ln>
+            <a:solidFill>
+              <a:srgbClr val="C00000"/>
+            </a:solidFill>
+          </a:ln>
+        </p:spPr>
+        <p:style>
+          <a:lnRef idx="2">
+            <a:schemeClr val="accent1">
+              <a:shade val="50000"/>
+            </a:schemeClr>
+          </a:lnRef>
+          <a:fillRef idx="1">
+            <a:schemeClr val="accent1"/>
+          </a:fillRef>
+          <a:effectRef idx="0">
+            <a:schemeClr val="accent1"/>
+          </a:effectRef>
+          <a:fontRef idx="minor">
+            <a:schemeClr val="lt1"/>
+          </a:fontRef>
+        </p:style>
+        <p:txBody>
+          <a:bodyPr rtlCol="1" anchor="ctr"/>
+          <a:lstStyle/>
+          <a:p>
+            <a:pPr algn="ctr"/>
+            <a:endParaRPr lang="fa-IR"/>
           </a:p>
         </p:txBody>
       </p:sp>
@@ -6167,78 +7143,78 @@
           </a:bodyPr>
           <a:lstStyle/>
           <a:p>
-            <a:pPr algn="r" rtl="1">
-              <a:buFont typeface="Wingdings" panose="05000000000000000000" pitchFamily="2" charset="2"/>
-              <a:buChar char="v"/>
-            </a:pPr>
-            <a:r>
-              <a:rPr lang="fa-IR" sz="2000" dirty="0" smtClean="0">
-                <a:cs typeface="B Nazanin" panose="00000400000000000000" pitchFamily="2" charset="-78"/>
-              </a:rPr>
-              <a:t>اعتبار سنجی و تایید :</a:t>
-            </a:r>
-          </a:p>
-          <a:p>
-            <a:pPr lvl="1" algn="r" rtl="1">
-              <a:buFont typeface="Wingdings" panose="05000000000000000000" pitchFamily="2" charset="2"/>
-              <a:buChar char="q"/>
-            </a:pPr>
-            <a:r>
-              <a:rPr lang="fa-IR" sz="2000" dirty="0" smtClean="0">
+            <a:pPr marL="0" indent="0" algn="r" rtl="1">
+              <a:buNone/>
+            </a:pPr>
+            <a:r>
+              <a:rPr lang="fa-IR" sz="2000" dirty="0" smtClean="0">
+                <a:cs typeface="B Nazanin" panose="00000400000000000000" pitchFamily="2" charset="-78"/>
+              </a:rPr>
+              <a:t>    اعتبار </a:t>
+            </a:r>
+            <a:r>
+              <a:rPr lang="fa-IR" sz="2000" dirty="0" smtClean="0">
+                <a:cs typeface="B Nazanin" panose="00000400000000000000" pitchFamily="2" charset="-78"/>
+              </a:rPr>
+              <a:t>سنجی و تایید :</a:t>
+            </a:r>
+          </a:p>
+          <a:p>
+            <a:pPr marL="914400" lvl="2" indent="0">
+              <a:buNone/>
+            </a:pPr>
+            <a:r>
+              <a:rPr lang="fa-IR" dirty="0" smtClean="0">
                 <a:cs typeface="B Nazanin" panose="00000400000000000000" pitchFamily="2" charset="-78"/>
               </a:rPr>
               <a:t>مشخات نیازمندی ها را بررسی کند .</a:t>
             </a:r>
           </a:p>
           <a:p>
-            <a:pPr lvl="1" algn="r" rtl="1">
-              <a:buFont typeface="Wingdings" panose="05000000000000000000" pitchFamily="2" charset="2"/>
-              <a:buChar char="q"/>
-            </a:pPr>
-            <a:r>
-              <a:rPr lang="fa-IR" sz="2000" dirty="0" smtClean="0">
+            <a:pPr marL="914400" lvl="2" indent="0">
+              <a:buNone/>
+            </a:pPr>
+            <a:r>
+              <a:rPr lang="fa-IR" dirty="0" smtClean="0">
                 <a:cs typeface="B Nazanin" panose="00000400000000000000" pitchFamily="2" charset="-78"/>
               </a:rPr>
               <a:t>معیارهای پذیرش را تعریف کند </a:t>
             </a:r>
           </a:p>
           <a:p>
-            <a:pPr lvl="1" algn="r" rtl="1">
-              <a:buFont typeface="Wingdings" panose="05000000000000000000" pitchFamily="2" charset="2"/>
-              <a:buChar char="q"/>
-            </a:pPr>
-            <a:r>
-              <a:rPr lang="fa-IR" sz="2000" dirty="0" smtClean="0">
+            <a:pPr marL="914400" lvl="2" indent="0">
+              <a:buNone/>
+            </a:pPr>
+            <a:r>
+              <a:rPr lang="fa-IR" dirty="0" smtClean="0">
                 <a:cs typeface="B Nazanin" panose="00000400000000000000" pitchFamily="2" charset="-78"/>
               </a:rPr>
               <a:t>از سناریوهای کاربردی تست پذیرش کاربر را توسعه دهد . </a:t>
             </a:r>
           </a:p>
           <a:p>
-            <a:pPr lvl="1" algn="r" rtl="1">
-              <a:buFont typeface="Wingdings" panose="05000000000000000000" pitchFamily="2" charset="2"/>
-              <a:buChar char="q"/>
-            </a:pPr>
-            <a:r>
-              <a:rPr lang="fa-IR" sz="2000" dirty="0">
+            <a:pPr marL="914400" lvl="2" indent="0">
+              <a:buNone/>
+            </a:pPr>
+            <a:r>
+              <a:rPr lang="fa-IR" dirty="0">
                 <a:cs typeface="B Nazanin" panose="00000400000000000000" pitchFamily="2" charset="-78"/>
               </a:rPr>
               <a:t>مجموعه داده های آزمایشی را از کسب و کار ارائه </a:t>
             </a:r>
             <a:r>
-              <a:rPr lang="fa-IR" sz="2000" dirty="0" smtClean="0">
+              <a:rPr lang="fa-IR" dirty="0" smtClean="0">
                 <a:cs typeface="B Nazanin" panose="00000400000000000000" pitchFamily="2" charset="-78"/>
               </a:rPr>
               <a:t>دهید </a:t>
             </a:r>
           </a:p>
           <a:p>
-            <a:pPr lvl="1" algn="r" rtl="1">
-              <a:buFont typeface="Wingdings" panose="05000000000000000000" pitchFamily="2" charset="2"/>
-              <a:buChar char="q"/>
-            </a:pPr>
-            <a:r>
-              <a:rPr lang="fa-IR" sz="2000" dirty="0" smtClean="0">
+            <a:pPr marL="914400" lvl="2" indent="0">
+              <a:buNone/>
+            </a:pPr>
+            <a:r>
+              <a:rPr lang="fa-IR" dirty="0" smtClean="0">
                 <a:cs typeface="B Nazanin" panose="00000400000000000000" pitchFamily="2" charset="-78"/>
               </a:rPr>
               <a:t>تست پذیرش کاربر یا بتا تست را انجام دهد . </a:t>
@@ -6264,6 +7240,174 @@
           </a:p>
         </p:txBody>
       </p:sp>
+      <p:sp>
+        <p:nvSpPr>
+          <p:cNvPr id="4" name="Isosceles Triangle 3"/>
+          <p:cNvSpPr/>
+          <p:nvPr/>
+        </p:nvSpPr>
+        <p:spPr>
+          <a:xfrm rot="16200000">
+            <a:off x="11113415" y="1868044"/>
+            <a:ext cx="282804" cy="197966"/>
+          </a:xfrm>
+          <a:prstGeom prst="triangle">
+            <a:avLst/>
+          </a:prstGeom>
+          <a:solidFill>
+            <a:srgbClr val="C00000"/>
+          </a:solidFill>
+          <a:ln>
+            <a:solidFill>
+              <a:srgbClr val="C00000"/>
+            </a:solidFill>
+          </a:ln>
+        </p:spPr>
+        <p:style>
+          <a:lnRef idx="2">
+            <a:schemeClr val="accent1">
+              <a:shade val="50000"/>
+            </a:schemeClr>
+          </a:lnRef>
+          <a:fillRef idx="1">
+            <a:schemeClr val="accent1"/>
+          </a:fillRef>
+          <a:effectRef idx="0">
+            <a:schemeClr val="accent1"/>
+          </a:effectRef>
+          <a:fontRef idx="minor">
+            <a:schemeClr val="lt1"/>
+          </a:fontRef>
+        </p:style>
+        <p:txBody>
+          <a:bodyPr rtlCol="1" anchor="ctr"/>
+          <a:lstStyle/>
+          <a:p>
+            <a:pPr algn="ctr"/>
+            <a:endParaRPr lang="fa-IR"/>
+          </a:p>
+        </p:txBody>
+      </p:sp>
+      <p:pic>
+        <p:nvPicPr>
+          <p:cNvPr id="5" name="Picture 4"/>
+          <p:cNvPicPr>
+            <a:picLocks noChangeAspect="1"/>
+          </p:cNvPicPr>
+          <p:nvPr/>
+        </p:nvPicPr>
+        <p:blipFill>
+          <a:blip r:embed="rId2"/>
+          <a:stretch>
+            <a:fillRect/>
+          </a:stretch>
+        </p:blipFill>
+        <p:spPr>
+          <a:xfrm>
+            <a:off x="10502055" y="2210909"/>
+            <a:ext cx="560881" cy="243861"/>
+          </a:xfrm>
+          <a:prstGeom prst="rect">
+            <a:avLst/>
+          </a:prstGeom>
+        </p:spPr>
+      </p:pic>
+      <p:pic>
+        <p:nvPicPr>
+          <p:cNvPr id="6" name="Picture 5"/>
+          <p:cNvPicPr>
+            <a:picLocks noChangeAspect="1"/>
+          </p:cNvPicPr>
+          <p:nvPr/>
+        </p:nvPicPr>
+        <p:blipFill>
+          <a:blip r:embed="rId2"/>
+          <a:stretch>
+            <a:fillRect/>
+          </a:stretch>
+        </p:blipFill>
+        <p:spPr>
+          <a:xfrm>
+            <a:off x="10502054" y="2596193"/>
+            <a:ext cx="560881" cy="243861"/>
+          </a:xfrm>
+          <a:prstGeom prst="rect">
+            <a:avLst/>
+          </a:prstGeom>
+        </p:spPr>
+      </p:pic>
+      <p:pic>
+        <p:nvPicPr>
+          <p:cNvPr id="7" name="Picture 6"/>
+          <p:cNvPicPr>
+            <a:picLocks noChangeAspect="1"/>
+          </p:cNvPicPr>
+          <p:nvPr/>
+        </p:nvPicPr>
+        <p:blipFill>
+          <a:blip r:embed="rId2"/>
+          <a:stretch>
+            <a:fillRect/>
+          </a:stretch>
+        </p:blipFill>
+        <p:spPr>
+          <a:xfrm>
+            <a:off x="10502054" y="2916136"/>
+            <a:ext cx="560881" cy="243861"/>
+          </a:xfrm>
+          <a:prstGeom prst="rect">
+            <a:avLst/>
+          </a:prstGeom>
+        </p:spPr>
+      </p:pic>
+      <p:pic>
+        <p:nvPicPr>
+          <p:cNvPr id="8" name="Picture 7"/>
+          <p:cNvPicPr>
+            <a:picLocks noChangeAspect="1"/>
+          </p:cNvPicPr>
+          <p:nvPr/>
+        </p:nvPicPr>
+        <p:blipFill>
+          <a:blip r:embed="rId2"/>
+          <a:stretch>
+            <a:fillRect/>
+          </a:stretch>
+        </p:blipFill>
+        <p:spPr>
+          <a:xfrm>
+            <a:off x="10502054" y="3238344"/>
+            <a:ext cx="560881" cy="243861"/>
+          </a:xfrm>
+          <a:prstGeom prst="rect">
+            <a:avLst/>
+          </a:prstGeom>
+        </p:spPr>
+      </p:pic>
+      <p:pic>
+        <p:nvPicPr>
+          <p:cNvPr id="9" name="Picture 8"/>
+          <p:cNvPicPr>
+            <a:picLocks noChangeAspect="1"/>
+          </p:cNvPicPr>
+          <p:nvPr/>
+        </p:nvPicPr>
+        <p:blipFill>
+          <a:blip r:embed="rId2"/>
+          <a:stretch>
+            <a:fillRect/>
+          </a:stretch>
+        </p:blipFill>
+        <p:spPr>
+          <a:xfrm>
+            <a:off x="10502054" y="3558287"/>
+            <a:ext cx="560881" cy="243861"/>
+          </a:xfrm>
+          <a:prstGeom prst="rect">
+            <a:avLst/>
+          </a:prstGeom>
+        </p:spPr>
+      </p:pic>
     </p:spTree>
     <p:extLst>
       <p:ext uri="{BB962C8B-B14F-4D97-AF65-F5344CB8AC3E}">
@@ -6345,116 +7489,119 @@
           </a:bodyPr>
           <a:lstStyle/>
           <a:p>
-            <a:pPr algn="r" rtl="1">
-              <a:buFont typeface="Wingdings" panose="05000000000000000000" pitchFamily="2" charset="2"/>
-              <a:buChar char="v"/>
-            </a:pPr>
-            <a:r>
-              <a:rPr lang="fa-IR" sz="2000" dirty="0" smtClean="0">
-                <a:cs typeface="B Nazanin" panose="00000400000000000000" pitchFamily="2" charset="-78"/>
-              </a:rPr>
-              <a:t>کمک های کاربر</a:t>
-            </a:r>
-          </a:p>
-          <a:p>
-            <a:pPr lvl="1" algn="r" rtl="1">
-              <a:buFont typeface="Wingdings" panose="05000000000000000000" pitchFamily="2" charset="2"/>
-              <a:buChar char="q"/>
-            </a:pPr>
-            <a:r>
-              <a:rPr lang="fa-IR" sz="1800" dirty="0" smtClean="0">
+            <a:pPr marL="0" indent="0" algn="r" rtl="1">
+              <a:buNone/>
+            </a:pPr>
+            <a:r>
+              <a:rPr lang="fa-IR" sz="2000" dirty="0" smtClean="0">
+                <a:cs typeface="B Nazanin" panose="00000400000000000000" pitchFamily="2" charset="-78"/>
+              </a:rPr>
+              <a:t>    کمک </a:t>
+            </a:r>
+            <a:r>
+              <a:rPr lang="fa-IR" sz="2000" dirty="0" smtClean="0">
+                <a:cs typeface="B Nazanin" panose="00000400000000000000" pitchFamily="2" charset="-78"/>
+              </a:rPr>
+              <a:t>های کاربر</a:t>
+            </a:r>
+          </a:p>
+          <a:p>
+            <a:pPr marL="914400" lvl="2" indent="0">
+              <a:buNone/>
+            </a:pPr>
+            <a:r>
+              <a:rPr lang="fa-IR" dirty="0" smtClean="0">
                 <a:cs typeface="B Nazanin" panose="00000400000000000000" pitchFamily="2" charset="-78"/>
               </a:rPr>
               <a:t>بخش های از اسناد کاربر و متن راهنما را بنویسد .</a:t>
             </a:r>
           </a:p>
           <a:p>
-            <a:pPr lvl="1" algn="r" rtl="1">
-              <a:buFont typeface="Wingdings" panose="05000000000000000000" pitchFamily="2" charset="2"/>
-              <a:buChar char="q"/>
-            </a:pPr>
-            <a:r>
-              <a:rPr lang="fa-IR" sz="1800" dirty="0" smtClean="0">
+            <a:pPr marL="914400" lvl="2" indent="0">
+              <a:buNone/>
+            </a:pPr>
+            <a:r>
+              <a:rPr lang="fa-IR" dirty="0" smtClean="0">
                 <a:cs typeface="B Nazanin" panose="00000400000000000000" pitchFamily="2" charset="-78"/>
               </a:rPr>
               <a:t>در برنامه های تمرینی یا آموزش شرکت کند .</a:t>
             </a:r>
           </a:p>
           <a:p>
-            <a:pPr lvl="1" algn="r" rtl="1">
-              <a:buFont typeface="Wingdings" panose="05000000000000000000" pitchFamily="2" charset="2"/>
-              <a:buChar char="q"/>
-            </a:pPr>
-            <a:r>
-              <a:rPr lang="fa-IR" sz="1800" dirty="0" smtClean="0">
+            <a:pPr marL="914400" lvl="2" indent="0">
+              <a:buNone/>
+            </a:pPr>
+            <a:r>
+              <a:rPr lang="fa-IR" dirty="0" smtClean="0">
                 <a:cs typeface="B Nazanin" panose="00000400000000000000" pitchFamily="2" charset="-78"/>
               </a:rPr>
               <a:t>سیستم را برای همتایان خود شرح دهد . </a:t>
             </a:r>
           </a:p>
           <a:p>
-            <a:pPr algn="r" rtl="1">
-              <a:buFont typeface="Wingdings" panose="05000000000000000000" pitchFamily="2" charset="2"/>
-              <a:buChar char="v"/>
-            </a:pPr>
-            <a:r>
-              <a:rPr lang="fa-IR" sz="2000" dirty="0" smtClean="0">
-                <a:cs typeface="B Nazanin" panose="00000400000000000000" pitchFamily="2" charset="-78"/>
-              </a:rPr>
-              <a:t>مدیریت تغییرات </a:t>
+            <a:pPr marL="0" indent="0" algn="r" rtl="1">
+              <a:buNone/>
+            </a:pPr>
+            <a:r>
+              <a:rPr lang="fa-IR" sz="2000" dirty="0" smtClean="0">
+                <a:cs typeface="B Nazanin" panose="00000400000000000000" pitchFamily="2" charset="-78"/>
+              </a:rPr>
+              <a:t>    مدیریت </a:t>
+            </a:r>
+            <a:r>
+              <a:rPr lang="fa-IR" sz="2000" dirty="0" smtClean="0">
+                <a:cs typeface="B Nazanin" panose="00000400000000000000" pitchFamily="2" charset="-78"/>
+              </a:rPr>
+              <a:t>تغییرات </a:t>
             </a:r>
             <a:endParaRPr lang="fa-IR" sz="2000" dirty="0">
               <a:cs typeface="B Nazanin" panose="00000400000000000000" pitchFamily="2" charset="-78"/>
             </a:endParaRPr>
           </a:p>
           <a:p>
-            <a:pPr lvl="1" algn="r" rtl="1">
-              <a:buFont typeface="Wingdings" panose="05000000000000000000" pitchFamily="2" charset="2"/>
-              <a:buChar char="q"/>
-            </a:pPr>
-            <a:r>
-              <a:rPr lang="fa-IR" sz="1800" dirty="0" smtClean="0">
+            <a:pPr marL="914400" lvl="2" indent="0">
+              <a:buNone/>
+            </a:pPr>
+            <a:r>
+              <a:rPr lang="fa-IR" dirty="0" smtClean="0">
                 <a:cs typeface="B Nazanin" panose="00000400000000000000" pitchFamily="2" charset="-78"/>
               </a:rPr>
               <a:t>درخواست های بهبود و اصلاحات نقص ها را الویت بندی کند .</a:t>
             </a:r>
           </a:p>
           <a:p>
-            <a:pPr lvl="1" algn="r" rtl="1">
-              <a:buFont typeface="Wingdings" panose="05000000000000000000" pitchFamily="2" charset="2"/>
-              <a:buChar char="q"/>
-            </a:pPr>
-            <a:r>
-              <a:rPr lang="fa-IR" sz="1800" dirty="0" smtClean="0">
+            <a:pPr marL="914400" lvl="2" indent="0">
+              <a:buNone/>
+            </a:pPr>
+            <a:r>
+              <a:rPr lang="fa-IR" dirty="0" smtClean="0">
                 <a:cs typeface="B Nazanin" panose="00000400000000000000" pitchFamily="2" charset="-78"/>
               </a:rPr>
               <a:t>به صورت پویا محدوده انتشارات آینده را مشخص کند . </a:t>
             </a:r>
           </a:p>
           <a:p>
-            <a:pPr lvl="1" algn="r" rtl="1">
-              <a:buFont typeface="Wingdings" panose="05000000000000000000" pitchFamily="2" charset="2"/>
-              <a:buChar char="q"/>
-            </a:pPr>
-            <a:r>
-              <a:rPr lang="fa-IR" sz="1800" dirty="0" smtClean="0">
+            <a:pPr marL="914400" lvl="2" indent="0">
+              <a:buNone/>
+            </a:pPr>
+            <a:r>
+              <a:rPr lang="fa-IR" dirty="0" smtClean="0">
                 <a:cs typeface="B Nazanin" panose="00000400000000000000" pitchFamily="2" charset="-78"/>
               </a:rPr>
               <a:t>تاثیر تغییرات پیشنهادی بر روی کاربران و فرایندهای تجاری را ارزیابی کند . </a:t>
             </a:r>
           </a:p>
           <a:p>
-            <a:pPr lvl="1" algn="r" rtl="1">
-              <a:buFont typeface="Wingdings" panose="05000000000000000000" pitchFamily="2" charset="2"/>
-              <a:buChar char="q"/>
-            </a:pPr>
-            <a:r>
-              <a:rPr lang="fa-IR" sz="1800" dirty="0" smtClean="0">
+            <a:pPr marL="914400" lvl="2" indent="0">
+              <a:buNone/>
+            </a:pPr>
+            <a:r>
+              <a:rPr lang="fa-IR" dirty="0" smtClean="0">
                 <a:cs typeface="B Nazanin" panose="00000400000000000000" pitchFamily="2" charset="-78"/>
               </a:rPr>
               <a:t>در تصمیم گیری برای تغییرات سازنده شرکت کند . </a:t>
             </a:r>
-            <a:endParaRPr lang="fa-IR" sz="1800" dirty="0">
+            <a:endParaRPr lang="fa-IR" dirty="0">
               <a:cs typeface="B Nazanin" panose="00000400000000000000" pitchFamily="2" charset="-78"/>
             </a:endParaRPr>
           </a:p>
@@ -6496,6 +7643,294 @@
           </a:p>
         </p:txBody>
       </p:sp>
+      <p:sp>
+        <p:nvSpPr>
+          <p:cNvPr id="4" name="Isosceles Triangle 3"/>
+          <p:cNvSpPr/>
+          <p:nvPr/>
+        </p:nvSpPr>
+        <p:spPr>
+          <a:xfrm rot="16200000">
+            <a:off x="11031711" y="1868044"/>
+            <a:ext cx="282804" cy="197966"/>
+          </a:xfrm>
+          <a:prstGeom prst="triangle">
+            <a:avLst/>
+          </a:prstGeom>
+          <a:solidFill>
+            <a:srgbClr val="C00000"/>
+          </a:solidFill>
+          <a:ln>
+            <a:solidFill>
+              <a:srgbClr val="C00000"/>
+            </a:solidFill>
+          </a:ln>
+        </p:spPr>
+        <p:style>
+          <a:lnRef idx="2">
+            <a:schemeClr val="accent1">
+              <a:shade val="50000"/>
+            </a:schemeClr>
+          </a:lnRef>
+          <a:fillRef idx="1">
+            <a:schemeClr val="accent1"/>
+          </a:fillRef>
+          <a:effectRef idx="0">
+            <a:schemeClr val="accent1"/>
+          </a:effectRef>
+          <a:fontRef idx="minor">
+            <a:schemeClr val="lt1"/>
+          </a:fontRef>
+        </p:style>
+        <p:txBody>
+          <a:bodyPr rtlCol="1" anchor="ctr"/>
+          <a:lstStyle/>
+          <a:p>
+            <a:pPr algn="ctr"/>
+            <a:endParaRPr lang="fa-IR"/>
+          </a:p>
+        </p:txBody>
+      </p:sp>
+      <p:sp>
+        <p:nvSpPr>
+          <p:cNvPr id="5" name="Isosceles Triangle 4"/>
+          <p:cNvSpPr/>
+          <p:nvPr/>
+        </p:nvSpPr>
+        <p:spPr>
+          <a:xfrm rot="16200000">
+            <a:off x="11032498" y="3234763"/>
+            <a:ext cx="282804" cy="197966"/>
+          </a:xfrm>
+          <a:prstGeom prst="triangle">
+            <a:avLst/>
+          </a:prstGeom>
+          <a:solidFill>
+            <a:srgbClr val="C00000"/>
+          </a:solidFill>
+          <a:ln>
+            <a:solidFill>
+              <a:srgbClr val="C00000"/>
+            </a:solidFill>
+          </a:ln>
+        </p:spPr>
+        <p:style>
+          <a:lnRef idx="2">
+            <a:schemeClr val="accent1">
+              <a:shade val="50000"/>
+            </a:schemeClr>
+          </a:lnRef>
+          <a:fillRef idx="1">
+            <a:schemeClr val="accent1"/>
+          </a:fillRef>
+          <a:effectRef idx="0">
+            <a:schemeClr val="accent1"/>
+          </a:effectRef>
+          <a:fontRef idx="minor">
+            <a:schemeClr val="lt1"/>
+          </a:fontRef>
+        </p:style>
+        <p:txBody>
+          <a:bodyPr rtlCol="1" anchor="ctr"/>
+          <a:lstStyle/>
+          <a:p>
+            <a:pPr algn="ctr"/>
+            <a:endParaRPr lang="fa-IR"/>
+          </a:p>
+        </p:txBody>
+      </p:sp>
+      <p:pic>
+        <p:nvPicPr>
+          <p:cNvPr id="6" name="Picture 5"/>
+          <p:cNvPicPr>
+            <a:picLocks noChangeAspect="1"/>
+          </p:cNvPicPr>
+          <p:nvPr/>
+        </p:nvPicPr>
+        <p:blipFill>
+          <a:blip r:embed="rId2"/>
+          <a:stretch>
+            <a:fillRect/>
+          </a:stretch>
+        </p:blipFill>
+        <p:spPr>
+          <a:xfrm>
+            <a:off x="10513249" y="2243366"/>
+            <a:ext cx="560881" cy="243861"/>
+          </a:xfrm>
+          <a:prstGeom prst="rect">
+            <a:avLst/>
+          </a:prstGeom>
+        </p:spPr>
+      </p:pic>
+      <p:pic>
+        <p:nvPicPr>
+          <p:cNvPr id="7" name="Picture 6"/>
+          <p:cNvPicPr>
+            <a:picLocks noChangeAspect="1"/>
+          </p:cNvPicPr>
+          <p:nvPr/>
+        </p:nvPicPr>
+        <p:blipFill>
+          <a:blip r:embed="rId2"/>
+          <a:stretch>
+            <a:fillRect/>
+          </a:stretch>
+        </p:blipFill>
+        <p:spPr>
+          <a:xfrm>
+            <a:off x="10502055" y="2210909"/>
+            <a:ext cx="560881" cy="243861"/>
+          </a:xfrm>
+          <a:prstGeom prst="rect">
+            <a:avLst/>
+          </a:prstGeom>
+        </p:spPr>
+      </p:pic>
+      <p:pic>
+        <p:nvPicPr>
+          <p:cNvPr id="8" name="Picture 7"/>
+          <p:cNvPicPr>
+            <a:picLocks noChangeAspect="1"/>
+          </p:cNvPicPr>
+          <p:nvPr/>
+        </p:nvPicPr>
+        <p:blipFill>
+          <a:blip r:embed="rId2"/>
+          <a:stretch>
+            <a:fillRect/>
+          </a:stretch>
+        </p:blipFill>
+        <p:spPr>
+          <a:xfrm>
+            <a:off x="10513249" y="2589707"/>
+            <a:ext cx="560881" cy="243861"/>
+          </a:xfrm>
+          <a:prstGeom prst="rect">
+            <a:avLst/>
+          </a:prstGeom>
+        </p:spPr>
+      </p:pic>
+      <p:pic>
+        <p:nvPicPr>
+          <p:cNvPr id="9" name="Picture 8"/>
+          <p:cNvPicPr>
+            <a:picLocks noChangeAspect="1"/>
+          </p:cNvPicPr>
+          <p:nvPr/>
+        </p:nvPicPr>
+        <p:blipFill>
+          <a:blip r:embed="rId2"/>
+          <a:stretch>
+            <a:fillRect/>
+          </a:stretch>
+        </p:blipFill>
+        <p:spPr>
+          <a:xfrm>
+            <a:off x="10513249" y="2931842"/>
+            <a:ext cx="560881" cy="243861"/>
+          </a:xfrm>
+          <a:prstGeom prst="rect">
+            <a:avLst/>
+          </a:prstGeom>
+        </p:spPr>
+      </p:pic>
+      <p:pic>
+        <p:nvPicPr>
+          <p:cNvPr id="10" name="Picture 9"/>
+          <p:cNvPicPr>
+            <a:picLocks noChangeAspect="1"/>
+          </p:cNvPicPr>
+          <p:nvPr/>
+        </p:nvPicPr>
+        <p:blipFill>
+          <a:blip r:embed="rId2"/>
+          <a:stretch>
+            <a:fillRect/>
+          </a:stretch>
+        </p:blipFill>
+        <p:spPr>
+          <a:xfrm>
+            <a:off x="10502054" y="3629872"/>
+            <a:ext cx="560881" cy="243861"/>
+          </a:xfrm>
+          <a:prstGeom prst="rect">
+            <a:avLst/>
+          </a:prstGeom>
+        </p:spPr>
+      </p:pic>
+      <p:pic>
+        <p:nvPicPr>
+          <p:cNvPr id="11" name="Picture 10"/>
+          <p:cNvPicPr>
+            <a:picLocks noChangeAspect="1"/>
+          </p:cNvPicPr>
+          <p:nvPr/>
+        </p:nvPicPr>
+        <p:blipFill>
+          <a:blip r:embed="rId2"/>
+          <a:stretch>
+            <a:fillRect/>
+          </a:stretch>
+        </p:blipFill>
+        <p:spPr>
+          <a:xfrm>
+            <a:off x="10502054" y="4005008"/>
+            <a:ext cx="560881" cy="243861"/>
+          </a:xfrm>
+          <a:prstGeom prst="rect">
+            <a:avLst/>
+          </a:prstGeom>
+        </p:spPr>
+      </p:pic>
+      <p:pic>
+        <p:nvPicPr>
+          <p:cNvPr id="12" name="Picture 11"/>
+          <p:cNvPicPr>
+            <a:picLocks noChangeAspect="1"/>
+          </p:cNvPicPr>
+          <p:nvPr/>
+        </p:nvPicPr>
+        <p:blipFill>
+          <a:blip r:embed="rId2"/>
+          <a:stretch>
+            <a:fillRect/>
+          </a:stretch>
+        </p:blipFill>
+        <p:spPr>
+          <a:xfrm>
+            <a:off x="10513249" y="4350805"/>
+            <a:ext cx="560881" cy="243861"/>
+          </a:xfrm>
+          <a:prstGeom prst="rect">
+            <a:avLst/>
+          </a:prstGeom>
+        </p:spPr>
+      </p:pic>
+      <p:pic>
+        <p:nvPicPr>
+          <p:cNvPr id="13" name="Picture 12"/>
+          <p:cNvPicPr>
+            <a:picLocks noChangeAspect="1"/>
+          </p:cNvPicPr>
+          <p:nvPr/>
+        </p:nvPicPr>
+        <p:blipFill>
+          <a:blip r:embed="rId2"/>
+          <a:stretch>
+            <a:fillRect/>
+          </a:stretch>
+        </p:blipFill>
+        <p:spPr>
+          <a:xfrm>
+            <a:off x="10497921" y="4673838"/>
+            <a:ext cx="560881" cy="243861"/>
+          </a:xfrm>
+          <a:prstGeom prst="rect">
+            <a:avLst/>
+          </a:prstGeom>
+        </p:spPr>
+      </p:pic>
     </p:spTree>
     <p:extLst>
       <p:ext uri="{BB962C8B-B14F-4D97-AF65-F5344CB8AC3E}">
@@ -6536,22 +7971,29 @@
             <p:ph type="title"/>
           </p:nvPr>
         </p:nvSpPr>
-        <p:spPr/>
-        <p:txBody>
-          <a:bodyPr/>
+        <p:spPr>
+          <a:xfrm>
+            <a:off x="838200" y="365126"/>
+            <a:ext cx="10515600" cy="652970"/>
+          </a:xfrm>
+        </p:spPr>
+        <p:txBody>
+          <a:bodyPr>
+            <a:normAutofit/>
+          </a:bodyPr>
           <a:lstStyle/>
           <a:p>
             <a:pPr algn="ctr"/>
             <a:r>
-              <a:rPr lang="fa-IR" u="sng" dirty="0" smtClean="0">
+              <a:rPr lang="fa-IR" sz="3600" u="sng" dirty="0" smtClean="0">
                 <a:solidFill>
                   <a:srgbClr val="C00000"/>
                 </a:solidFill>
                 <a:cs typeface="B Nazanin" panose="00000400000000000000" pitchFamily="2" charset="-78"/>
               </a:rPr>
-              <a:t>چندین قهرمان محصول</a:t>
-            </a:r>
-            <a:endParaRPr lang="fa-IR" u="sng" dirty="0">
+              <a:t>قهرمان محصول (ادامه )</a:t>
+            </a:r>
+            <a:endParaRPr lang="fa-IR" sz="3600" u="sng" dirty="0">
               <a:solidFill>
                 <a:srgbClr val="C00000"/>
               </a:solidFill>
@@ -6570,7 +8012,12 @@
             <p:ph idx="1"/>
           </p:nvPr>
         </p:nvSpPr>
-        <p:spPr/>
+        <p:spPr>
+          <a:xfrm>
+            <a:off x="838200" y="1272619"/>
+            <a:ext cx="10515600" cy="4904344"/>
+          </a:xfrm>
+        </p:spPr>
         <p:txBody>
           <a:bodyPr>
             <a:normAutofit/>
@@ -6581,11 +8028,26 @@
               <a:buFont typeface="Wingdings" panose="05000000000000000000" pitchFamily="2" charset="2"/>
               <a:buChar char="§"/>
             </a:pPr>
+            <a:endParaRPr lang="fa-IR" sz="2400" dirty="0" smtClean="0">
+              <a:cs typeface="B Nazanin" panose="00000400000000000000" pitchFamily="2" charset="-78"/>
+            </a:endParaRPr>
+          </a:p>
+          <a:p>
+            <a:pPr algn="r" rtl="1">
+              <a:buFont typeface="Wingdings" panose="05000000000000000000" pitchFamily="2" charset="2"/>
+              <a:buChar char="§"/>
+            </a:pPr>
             <a:r>
               <a:rPr lang="fa-IR" sz="2400" dirty="0" smtClean="0">
                 <a:cs typeface="B Nazanin" panose="00000400000000000000" pitchFamily="2" charset="-78"/>
               </a:rPr>
-              <a:t>یک نفر به ندرت می‌تواند نیازمندی های همه کلاسهای کاربری یک سیستم را توصیف کند . </a:t>
+              <a:t>یک </a:t>
+            </a:r>
+            <a:r>
+              <a:rPr lang="fa-IR" sz="2400" dirty="0" smtClean="0">
+                <a:cs typeface="B Nazanin" panose="00000400000000000000" pitchFamily="2" charset="-78"/>
+              </a:rPr>
+              <a:t>نفر به ندرت می‌تواند نیازمندی های همه کلاسهای کاربری یک سیستم را توصیف کند . </a:t>
             </a:r>
           </a:p>
           <a:p>

--- a/ارائه مهندسي نيازمندي ها.pptx
+++ b/ارائه مهندسي نيازمندي ها.pptx
@@ -226,7 +226,7 @@
             <a:fld id="{D5904EEC-1544-4F8A-9627-C15A01248C3F}" type="datetimeFigureOut">
               <a:rPr lang="fa-IR" smtClean="0"/>
               <a:pPr/>
-              <a:t>03/06/1443</a:t>
+              <a:t>05/06/1443</a:t>
             </a:fld>
             <a:endParaRPr lang="fa-IR" dirty="0"/>
           </a:p>
@@ -748,7 +748,7 @@
           <a:p>
             <a:fld id="{02730C7D-E670-452F-99B3-10B0C33A0E2C}" type="datetimeFigureOut">
               <a:rPr lang="en-US" smtClean="0"/>
-              <a:t>1/6/2022</a:t>
+              <a:t>1/8/2022</a:t>
             </a:fld>
             <a:endParaRPr lang="en-US"/>
           </a:p>
@@ -918,7 +918,7 @@
           <a:p>
             <a:fld id="{02730C7D-E670-452F-99B3-10B0C33A0E2C}" type="datetimeFigureOut">
               <a:rPr lang="en-US" smtClean="0"/>
-              <a:t>1/6/2022</a:t>
+              <a:t>1/8/2022</a:t>
             </a:fld>
             <a:endParaRPr lang="en-US"/>
           </a:p>
@@ -1098,7 +1098,7 @@
           <a:p>
             <a:fld id="{02730C7D-E670-452F-99B3-10B0C33A0E2C}" type="datetimeFigureOut">
               <a:rPr lang="en-US" smtClean="0"/>
-              <a:t>1/6/2022</a:t>
+              <a:t>1/8/2022</a:t>
             </a:fld>
             <a:endParaRPr lang="en-US"/>
           </a:p>
@@ -1268,7 +1268,7 @@
           <a:p>
             <a:fld id="{02730C7D-E670-452F-99B3-10B0C33A0E2C}" type="datetimeFigureOut">
               <a:rPr lang="en-US" smtClean="0"/>
-              <a:t>1/6/2022</a:t>
+              <a:t>1/8/2022</a:t>
             </a:fld>
             <a:endParaRPr lang="en-US"/>
           </a:p>
@@ -1514,7 +1514,7 @@
           <a:p>
             <a:fld id="{02730C7D-E670-452F-99B3-10B0C33A0E2C}" type="datetimeFigureOut">
               <a:rPr lang="en-US" smtClean="0"/>
-              <a:t>1/6/2022</a:t>
+              <a:t>1/8/2022</a:t>
             </a:fld>
             <a:endParaRPr lang="en-US"/>
           </a:p>
@@ -1746,7 +1746,7 @@
           <a:p>
             <a:fld id="{02730C7D-E670-452F-99B3-10B0C33A0E2C}" type="datetimeFigureOut">
               <a:rPr lang="en-US" smtClean="0"/>
-              <a:t>1/6/2022</a:t>
+              <a:t>1/8/2022</a:t>
             </a:fld>
             <a:endParaRPr lang="en-US"/>
           </a:p>
@@ -2113,7 +2113,7 @@
           <a:p>
             <a:fld id="{02730C7D-E670-452F-99B3-10B0C33A0E2C}" type="datetimeFigureOut">
               <a:rPr lang="en-US" smtClean="0"/>
-              <a:t>1/6/2022</a:t>
+              <a:t>1/8/2022</a:t>
             </a:fld>
             <a:endParaRPr lang="en-US"/>
           </a:p>
@@ -2231,7 +2231,7 @@
           <a:p>
             <a:fld id="{02730C7D-E670-452F-99B3-10B0C33A0E2C}" type="datetimeFigureOut">
               <a:rPr lang="en-US" smtClean="0"/>
-              <a:t>1/6/2022</a:t>
+              <a:t>1/8/2022</a:t>
             </a:fld>
             <a:endParaRPr lang="en-US"/>
           </a:p>
@@ -2326,7 +2326,7 @@
           <a:p>
             <a:fld id="{02730C7D-E670-452F-99B3-10B0C33A0E2C}" type="datetimeFigureOut">
               <a:rPr lang="en-US" smtClean="0"/>
-              <a:t>1/6/2022</a:t>
+              <a:t>1/8/2022</a:t>
             </a:fld>
             <a:endParaRPr lang="en-US"/>
           </a:p>
@@ -2603,7 +2603,7 @@
           <a:p>
             <a:fld id="{02730C7D-E670-452F-99B3-10B0C33A0E2C}" type="datetimeFigureOut">
               <a:rPr lang="en-US" smtClean="0"/>
-              <a:t>1/6/2022</a:t>
+              <a:t>1/8/2022</a:t>
             </a:fld>
             <a:endParaRPr lang="en-US"/>
           </a:p>
@@ -2860,7 +2860,7 @@
           <a:p>
             <a:fld id="{02730C7D-E670-452F-99B3-10B0C33A0E2C}" type="datetimeFigureOut">
               <a:rPr lang="en-US" smtClean="0"/>
-              <a:t>1/6/2022</a:t>
+              <a:t>1/8/2022</a:t>
             </a:fld>
             <a:endParaRPr lang="en-US"/>
           </a:p>
@@ -3073,7 +3073,7 @@
           <a:p>
             <a:fld id="{02730C7D-E670-452F-99B3-10B0C33A0E2C}" type="datetimeFigureOut">
               <a:rPr lang="en-US" smtClean="0"/>
-              <a:t>1/6/2022</a:t>
+              <a:t>1/8/2022</a:t>
             </a:fld>
             <a:endParaRPr lang="en-US"/>
           </a:p>
@@ -4095,16 +4095,7 @@
                 </a:solidFill>
                 <a:cs typeface="B Nazanin" panose="00000400000000000000" pitchFamily="2" charset="-78"/>
               </a:rPr>
-              <a:t>پرسوناهای </a:t>
-            </a:r>
-            <a:r>
-              <a:rPr lang="fa-IR" sz="4000" u="sng" dirty="0" smtClean="0">
-                <a:solidFill>
-                  <a:srgbClr val="C00000"/>
-                </a:solidFill>
-                <a:cs typeface="B Nazanin" panose="00000400000000000000" pitchFamily="2" charset="-78"/>
-              </a:rPr>
-              <a:t>کاربری</a:t>
+              <a:t>پرسوناهای کاربری</a:t>
             </a:r>
             <a:endParaRPr lang="fa-IR" sz="4000" u="sng" dirty="0">
               <a:solidFill>
@@ -4157,11 +4148,7 @@
           <a:p>
             <a:r>
               <a:rPr lang="fa-IR" sz="2000" dirty="0" smtClean="0"/>
-              <a:t>تحلیگر کسب و کار می‌تواند از پرسونا برای تصور نماینده کلاس کاربری استفاده کند و نیازهای اولیه را از آن بدست بیاورد تا یک نماینده کاربری واقعی بدست بیاورد . </a:t>
-            </a:r>
-            <a:r>
-              <a:rPr lang="fa-IR" sz="2000" dirty="0" smtClean="0"/>
-              <a:t> </a:t>
+              <a:t>تحلیگر کسب و کار می‌تواند از پرسونا برای تصور نماینده کلاس کاربری استفاده کند و نیازهای اولیه را از آن بدست بیاورد تا یک نماینده کاربری واقعی بدست بیاورد .  </a:t>
             </a:r>
           </a:p>
           <a:p>
@@ -4282,19 +4269,7 @@
               <a:rPr lang="fa-IR" sz="2000" dirty="0" smtClean="0">
                 <a:cs typeface="B Nazanin" panose="00000400000000000000" pitchFamily="2" charset="-78"/>
               </a:rPr>
-              <a:t>هرنوع پروژه ای به نماینده مناسبی احتیاج </a:t>
-            </a:r>
-            <a:r>
-              <a:rPr lang="fa-IR" sz="2000" dirty="0" smtClean="0">
-                <a:cs typeface="B Nazanin" panose="00000400000000000000" pitchFamily="2" charset="-78"/>
-              </a:rPr>
-              <a:t>دارد </a:t>
-            </a:r>
-            <a:r>
-              <a:rPr lang="fa-IR" sz="2000" dirty="0" smtClean="0">
-                <a:cs typeface="B Nazanin" panose="00000400000000000000" pitchFamily="2" charset="-78"/>
-              </a:rPr>
-              <a:t>تا صداي كاربران را به گوش برساند . </a:t>
+              <a:t>هرنوع پروژه ای به نماینده مناسبی احتیاج دارد تا صداي كاربران را به گوش برساند . </a:t>
             </a:r>
           </a:p>
           <a:p>
@@ -4844,9 +4819,6 @@
               </a:rPr>
               <a:t> که خود را به جای کاربران واقعی جای زده اند . </a:t>
             </a:r>
-            <a:endParaRPr lang="fa-IR" sz="2000" dirty="0" smtClean="0">
-              <a:cs typeface="B Nazanin" panose="00000400000000000000" pitchFamily="2" charset="-78"/>
-            </a:endParaRPr>
           </a:p>
           <a:p>
             <a:pPr algn="r" rtl="1"/>
@@ -4972,16 +4944,7 @@
                 </a:solidFill>
                 <a:cs typeface="B Nazanin" panose="00000400000000000000" pitchFamily="2" charset="-78"/>
               </a:rPr>
-              <a:t>      ویژگی </a:t>
-            </a:r>
-            <a:r>
-              <a:rPr lang="fa-IR" sz="2000" dirty="0" smtClean="0">
-                <a:solidFill>
-                  <a:srgbClr val="C00000"/>
-                </a:solidFill>
-                <a:cs typeface="B Nazanin" panose="00000400000000000000" pitchFamily="2" charset="-78"/>
-              </a:rPr>
-              <a:t>های قهرمان محصول </a:t>
+              <a:t>      ویژگی های قهرمان محصول </a:t>
             </a:r>
           </a:p>
           <a:p>
@@ -4993,29 +4956,8 @@
               <a:rPr lang="fa-IR" sz="2000" dirty="0" smtClean="0">
                 <a:cs typeface="B Nazanin" panose="00000400000000000000" pitchFamily="2" charset="-78"/>
               </a:rPr>
-              <a:t>بهترین قهرمان محصول کسی است که دیدگاه روشنی نسبت به سیستم جدید دارد </a:t>
-            </a:r>
-            <a:r>
-              <a:rPr lang="fa-IR" sz="2000" dirty="0" smtClean="0">
-                <a:cs typeface="B Nazanin" panose="00000400000000000000" pitchFamily="2" charset="-78"/>
-              </a:rPr>
-              <a:t>.</a:t>
-            </a:r>
-            <a:r>
-              <a:rPr lang="fa-IR" sz="2000" dirty="0" smtClean="0">
-                <a:cs typeface="B Nazanin" panose="00000400000000000000" pitchFamily="2" charset="-78"/>
-              </a:rPr>
-              <a:t> </a:t>
-            </a:r>
-            <a:r>
-              <a:rPr lang="fa-IR" sz="2000" dirty="0" smtClean="0">
-                <a:cs typeface="B Nazanin" panose="00000400000000000000" pitchFamily="2" charset="-78"/>
-              </a:rPr>
-              <a:t> </a:t>
-            </a:r>
-            <a:endParaRPr lang="fa-IR" sz="2000" dirty="0" smtClean="0">
-              <a:cs typeface="B Nazanin" panose="00000400000000000000" pitchFamily="2" charset="-78"/>
-            </a:endParaRPr>
+              <a:t>بهترین قهرمان محصول کسی است که دیدگاه روشنی نسبت به سیستم جدید دارد .  </a:t>
+            </a:r>
           </a:p>
           <a:p>
             <a:pPr algn="r" rtl="1">
@@ -5040,9 +4982,6 @@
               </a:rPr>
               <a:t>آنها باید درک کاملی از حوزه برنامه و محیط عملیاتی داشته باشند  . </a:t>
             </a:r>
-            <a:endParaRPr lang="fa-IR" sz="2000" dirty="0" smtClean="0">
-              <a:cs typeface="B Nazanin" panose="00000400000000000000" pitchFamily="2" charset="-78"/>
-            </a:endParaRPr>
           </a:p>
           <a:p>
             <a:pPr algn="r" rtl="1">
@@ -5067,9 +5006,6 @@
               </a:rPr>
               <a:t>قهرمان محصول خوب باعث ایجاد تفاوت بسیاری در یک پروژه می‌شود پس باید جایزه و قدردانی از او گردد. </a:t>
             </a:r>
-            <a:endParaRPr lang="fa-IR" sz="2000" dirty="0" smtClean="0">
-              <a:cs typeface="B Nazanin" panose="00000400000000000000" pitchFamily="2" charset="-78"/>
-            </a:endParaRPr>
           </a:p>
           <a:p>
             <a:pPr algn="r" rtl="1">
@@ -5242,16 +5178,7 @@
                 </a:solidFill>
                 <a:cs typeface="B Nazanin" panose="00000400000000000000" pitchFamily="2" charset="-78"/>
               </a:rPr>
-              <a:t>    بهترین </a:t>
-            </a:r>
-            <a:r>
-              <a:rPr lang="fa-IR" sz="2400" dirty="0" smtClean="0">
-                <a:solidFill>
-                  <a:srgbClr val="C00000"/>
-                </a:solidFill>
-                <a:cs typeface="B Nazanin" panose="00000400000000000000" pitchFamily="2" charset="-78"/>
-              </a:rPr>
-              <a:t>عملکرد قهرمان محصول </a:t>
+              <a:t>    بهترین عملکرد قهرمان محصول </a:t>
             </a:r>
           </a:p>
           <a:p>
@@ -5272,25 +5199,7 @@
                 </a:solidFill>
                 <a:cs typeface="B Nazanin" panose="00000400000000000000" pitchFamily="2" charset="-78"/>
               </a:rPr>
-              <a:t>قهرمان </a:t>
-            </a:r>
-            <a:r>
-              <a:rPr lang="fa-IR" sz="2000" dirty="0" smtClean="0">
-                <a:solidFill>
-                  <a:schemeClr val="tx1"/>
-                </a:solidFill>
-                <a:cs typeface="B Nazanin" panose="00000400000000000000" pitchFamily="2" charset="-78"/>
-              </a:rPr>
-              <a:t>محصول اختیار کامل داشته باشد که از طرف کلاس کاربری که نماینده آن است تصمیمات سازنده اتخاذ کند </a:t>
-            </a:r>
-            <a:r>
-              <a:rPr lang="fa-IR" sz="2000" dirty="0" smtClean="0">
-                <a:solidFill>
-                  <a:schemeClr val="tx1"/>
-                </a:solidFill>
-                <a:cs typeface="B Nazanin" panose="00000400000000000000" pitchFamily="2" charset="-78"/>
-              </a:rPr>
-              <a:t>.</a:t>
+              <a:t>قهرمان محصول اختیار کامل داشته باشد که از طرف کلاس کاربری که نماینده آن است تصمیمات سازنده اتخاذ کند .</a:t>
             </a:r>
           </a:p>
           <a:p>
@@ -5323,32 +5232,8 @@
                 </a:solidFill>
                 <a:cs typeface="B Nazanin" panose="00000400000000000000" pitchFamily="2" charset="-78"/>
               </a:rPr>
-              <a:t>اگر تعامالات </a:t>
-            </a:r>
-            <a:r>
-              <a:rPr lang="fa-IR" sz="2000" dirty="0" smtClean="0">
-                <a:solidFill>
-                  <a:schemeClr val="tx1"/>
-                </a:solidFill>
-                <a:cs typeface="B Nazanin" panose="00000400000000000000" pitchFamily="2" charset="-78"/>
-              </a:rPr>
-              <a:t>قهرمان محصول با همتایان </a:t>
-            </a:r>
-            <a:r>
-              <a:rPr lang="fa-IR" sz="2000" dirty="0" smtClean="0">
-                <a:solidFill>
-                  <a:schemeClr val="tx1"/>
-                </a:solidFill>
-                <a:cs typeface="B Nazanin" panose="00000400000000000000" pitchFamily="2" charset="-78"/>
-              </a:rPr>
-              <a:t>خود به اندازه کافی باشد . </a:t>
-            </a:r>
-            <a:endParaRPr lang="fa-IR" sz="2000" dirty="0" smtClean="0">
-              <a:solidFill>
-                <a:schemeClr val="tx1"/>
-              </a:solidFill>
-              <a:cs typeface="B Nazanin" panose="00000400000000000000" pitchFamily="2" charset="-78"/>
-            </a:endParaRPr>
+              <a:t>اگر تعامالات قهرمان محصول با همتایان خود به اندازه کافی باشد . </a:t>
+            </a:r>
           </a:p>
           <a:p>
             <a:pPr algn="r" rtl="1">
@@ -5378,12 +5263,6 @@
               </a:rPr>
               <a:t> </a:t>
             </a:r>
-            <a:endParaRPr lang="fa-IR" sz="2000" dirty="0" smtClean="0">
-              <a:solidFill>
-                <a:schemeClr val="tx1"/>
-              </a:solidFill>
-              <a:cs typeface="B Nazanin" panose="00000400000000000000" pitchFamily="2" charset="-78"/>
-            </a:endParaRPr>
           </a:p>
           <a:p>
             <a:pPr marL="0" indent="0" algn="r" rtl="1">
@@ -5706,66 +5585,48 @@
               <a:rPr lang="fa-IR" sz="2000" dirty="0" smtClean="0">
                 <a:cs typeface="B Nazanin" panose="00000400000000000000" pitchFamily="2" charset="-78"/>
               </a:rPr>
-              <a:t> گاهی </a:t>
+              <a:t> گاهی استخدام </a:t>
             </a:r>
             <a:r>
               <a:rPr lang="fa-IR" sz="2000" dirty="0" smtClean="0">
-                <a:cs typeface="B Nazanin" panose="00000400000000000000" pitchFamily="2" charset="-78"/>
-              </a:rPr>
-              <a:t>استخدام </a:t>
+                <a:solidFill>
+                  <a:srgbClr val="C00000"/>
+                </a:solidFill>
+                <a:cs typeface="B Nazanin" panose="00000400000000000000" pitchFamily="2" charset="-78"/>
+              </a:rPr>
+              <a:t>کاربران واقعی </a:t>
             </a:r>
             <a:r>
               <a:rPr lang="fa-IR" sz="2000" dirty="0" smtClean="0">
+                <a:cs typeface="B Nazanin" panose="00000400000000000000" pitchFamily="2" charset="-78"/>
+              </a:rPr>
+              <a:t>به عنوان </a:t>
+            </a:r>
+            <a:r>
+              <a:rPr lang="fa-IR" sz="2000" dirty="0" smtClean="0">
                 <a:solidFill>
                   <a:srgbClr val="C00000"/>
                 </a:solidFill>
                 <a:cs typeface="B Nazanin" panose="00000400000000000000" pitchFamily="2" charset="-78"/>
               </a:rPr>
-              <a:t>کاربران واقعی </a:t>
+              <a:t>قهرمان محصول </a:t>
             </a:r>
             <a:r>
               <a:rPr lang="fa-IR" sz="2000" dirty="0" smtClean="0">
                 <a:cs typeface="B Nazanin" panose="00000400000000000000" pitchFamily="2" charset="-78"/>
               </a:rPr>
-              <a:t>به عنوان </a:t>
-            </a:r>
+              <a:t>می‌تواند سخت باشد . </a:t>
+            </a:r>
+          </a:p>
+          <a:p>
+            <a:pPr marL="0" indent="0" algn="r" rtl="1">
+              <a:buNone/>
+            </a:pPr>
             <a:r>
               <a:rPr lang="fa-IR" sz="2000" dirty="0" smtClean="0">
-                <a:solidFill>
-                  <a:srgbClr val="C00000"/>
-                </a:solidFill>
-                <a:cs typeface="B Nazanin" panose="00000400000000000000" pitchFamily="2" charset="-78"/>
-              </a:rPr>
-              <a:t>قهرمان محصول </a:t>
-            </a:r>
-            <a:r>
-              <a:rPr lang="fa-IR" sz="2000" dirty="0" smtClean="0">
-                <a:cs typeface="B Nazanin" panose="00000400000000000000" pitchFamily="2" charset="-78"/>
-              </a:rPr>
-              <a:t>می‌تواند سخت باشد . </a:t>
-            </a:r>
-          </a:p>
-          <a:p>
-            <a:pPr marL="0" indent="0" algn="r" rtl="1">
-              <a:buNone/>
-            </a:pPr>
-            <a:r>
-              <a:rPr lang="fa-IR" sz="2000" dirty="0" smtClean="0">
-                <a:cs typeface="B Nazanin" panose="00000400000000000000" pitchFamily="2" charset="-78"/>
-              </a:rPr>
-              <a:t>       در </a:t>
-            </a:r>
-            <a:r>
-              <a:rPr lang="fa-IR" sz="2000" dirty="0" smtClean="0">
-                <a:cs typeface="B Nazanin" panose="00000400000000000000" pitchFamily="2" charset="-78"/>
-              </a:rPr>
-              <a:t>این گونه مواقع می توان از کارشناسان داخلی یا مشاوران خارجی برای شبیه سازی نقش این کاربران استفاده کرد </a:t>
-            </a:r>
-            <a:r>
-              <a:rPr lang="fa-IR" sz="2000" dirty="0" smtClean="0">
-                <a:cs typeface="B Nazanin" panose="00000400000000000000" pitchFamily="2" charset="-78"/>
-              </a:rPr>
-              <a:t>.</a:t>
+                <a:cs typeface="B Nazanin" panose="00000400000000000000" pitchFamily="2" charset="-78"/>
+              </a:rPr>
+              <a:t>       در این گونه مواقع می توان از کارشناسان داخلی یا مشاوران خارجی برای شبیه سازی نقش این کاربران استفاده کرد .</a:t>
             </a:r>
           </a:p>
           <a:p>
@@ -5791,9 +5652,6 @@
               </a:rPr>
               <a:t>همچنین برای مشارکت قهرمان محصول خارجی باید انگیزه ایجاد کرد . </a:t>
             </a:r>
-            <a:endParaRPr lang="fa-IR" sz="2000" dirty="0" smtClean="0">
-              <a:cs typeface="B Nazanin" panose="00000400000000000000" pitchFamily="2" charset="-78"/>
-            </a:endParaRPr>
           </a:p>
           <a:p>
             <a:pPr algn="r" rtl="1">
@@ -5816,19 +5674,7 @@
               <a:rPr lang="fa-IR" sz="2000" dirty="0" smtClean="0">
                 <a:cs typeface="B Nazanin" panose="00000400000000000000" pitchFamily="2" charset="-78"/>
               </a:rPr>
-              <a:t>سپس نیازمندی های که </a:t>
-            </a:r>
-            <a:r>
-              <a:rPr lang="fa-IR" sz="2000" dirty="0" smtClean="0">
-                <a:cs typeface="B Nazanin" panose="00000400000000000000" pitchFamily="2" charset="-78"/>
-              </a:rPr>
-              <a:t>مخصوص </a:t>
-            </a:r>
-            <a:r>
-              <a:rPr lang="fa-IR" sz="2000" dirty="0" smtClean="0">
-                <a:cs typeface="B Nazanin" panose="00000400000000000000" pitchFamily="2" charset="-78"/>
-              </a:rPr>
-              <a:t>کلاس های کاربری خاصی است را در نظر بگیرید .</a:t>
+              <a:t>سپس نیازمندی های که مخصوص کلاس های کاربری خاصی است را در نظر بگیرید .</a:t>
             </a:r>
           </a:p>
           <a:p>
@@ -6071,13 +5917,7 @@
               <a:rPr lang="fa-IR" sz="2000" dirty="0" smtClean="0">
                 <a:cs typeface="B Nazanin" panose="00000400000000000000" pitchFamily="2" charset="-78"/>
               </a:rPr>
-              <a:t>آنچه </a:t>
-            </a:r>
-            <a:r>
-              <a:rPr lang="fa-IR" sz="2000" dirty="0" smtClean="0">
-                <a:cs typeface="B Nazanin" panose="00000400000000000000" pitchFamily="2" charset="-78"/>
-              </a:rPr>
-              <a:t>را از </a:t>
+              <a:t>آنچه را از </a:t>
             </a:r>
             <a:r>
               <a:rPr lang="fa-IR" sz="2000" dirty="0" smtClean="0">
@@ -6187,13 +6027,7 @@
               <a:rPr lang="fa-IR" sz="2000" dirty="0" smtClean="0">
                 <a:cs typeface="B Nazanin" panose="00000400000000000000" pitchFamily="2" charset="-78"/>
               </a:rPr>
-              <a:t>    برنامه </a:t>
-            </a:r>
-            <a:r>
-              <a:rPr lang="fa-IR" sz="2000" dirty="0" smtClean="0">
-                <a:cs typeface="B Nazanin" panose="00000400000000000000" pitchFamily="2" charset="-78"/>
-              </a:rPr>
-              <a:t>ریزی :</a:t>
+              <a:t>    برنامه ریزی :</a:t>
             </a:r>
           </a:p>
           <a:p>
@@ -6642,22 +6476,29 @@
             <p:ph type="title"/>
           </p:nvPr>
         </p:nvSpPr>
-        <p:spPr/>
-        <p:txBody>
-          <a:bodyPr/>
+        <p:spPr>
+          <a:xfrm>
+            <a:off x="838200" y="365125"/>
+            <a:ext cx="10515600" cy="732481"/>
+          </a:xfrm>
+        </p:spPr>
+        <p:txBody>
+          <a:bodyPr>
+            <a:normAutofit/>
+          </a:bodyPr>
           <a:lstStyle/>
           <a:p>
             <a:pPr algn="ctr"/>
             <a:r>
-              <a:rPr lang="fa-IR" u="sng" dirty="0" smtClean="0">
+              <a:rPr lang="fa-IR" sz="3600" u="sng" dirty="0" smtClean="0">
                 <a:solidFill>
                   <a:srgbClr val="C00000"/>
                 </a:solidFill>
                 <a:cs typeface="B Nazanin" panose="00000400000000000000" pitchFamily="2" charset="-78"/>
               </a:rPr>
-              <a:t>انتظارات از قهرمان محصول (ادامه)</a:t>
-            </a:r>
-            <a:endParaRPr lang="en-US" u="sng" dirty="0">
+              <a:t>قهرمان محصول (ادامه)</a:t>
+            </a:r>
+            <a:endParaRPr lang="en-US" sz="3600" u="sng" dirty="0">
               <a:solidFill>
                 <a:srgbClr val="C00000"/>
               </a:solidFill>
@@ -6676,7 +6517,12 @@
             <p:ph idx="1"/>
           </p:nvPr>
         </p:nvSpPr>
-        <p:spPr/>
+        <p:spPr>
+          <a:xfrm>
+            <a:off x="838200" y="1097606"/>
+            <a:ext cx="10515600" cy="4859057"/>
+          </a:xfrm>
+        </p:spPr>
         <p:txBody>
           <a:bodyPr>
             <a:normAutofit/>
@@ -6687,83 +6533,51 @@
               <a:buNone/>
             </a:pPr>
             <a:r>
+              <a:rPr lang="fa-IR" sz="2000" dirty="0">
+                <a:cs typeface="B Nazanin" panose="00000400000000000000" pitchFamily="2" charset="-78"/>
+              </a:rPr>
+              <a:t> </a:t>
+            </a:r>
+            <a:r>
               <a:rPr lang="fa-IR" sz="2000" dirty="0" smtClean="0">
                 <a:cs typeface="B Nazanin" panose="00000400000000000000" pitchFamily="2" charset="-78"/>
               </a:rPr>
-              <a:t>     نیازمندی </a:t>
-            </a:r>
-            <a:r>
-              <a:rPr lang="fa-IR" sz="2000" dirty="0" smtClean="0">
-                <a:cs typeface="B Nazanin" panose="00000400000000000000" pitchFamily="2" charset="-78"/>
-              </a:rPr>
-              <a:t>ها:</a:t>
-            </a:r>
-          </a:p>
-          <a:p>
-            <a:pPr marL="914400" lvl="2" indent="0">
-              <a:buNone/>
-            </a:pPr>
-            <a:r>
-              <a:rPr lang="fa-IR" dirty="0" smtClean="0">
-                <a:cs typeface="B Nazanin" panose="00000400000000000000" pitchFamily="2" charset="-78"/>
-              </a:rPr>
-              <a:t>نیازمندی ها را از کاربران جمع آوری کند .</a:t>
-            </a:r>
-          </a:p>
-          <a:p>
-            <a:pPr marL="914400" lvl="2" indent="0">
-              <a:buNone/>
-            </a:pPr>
-            <a:r>
-              <a:rPr lang="fa-IR" dirty="0" smtClean="0">
-                <a:cs typeface="B Nazanin" panose="00000400000000000000" pitchFamily="2" charset="-78"/>
-              </a:rPr>
-              <a:t>سناریوهای استفاده ، یوزکیس ها و داستان های کاربران را بسط دهد . </a:t>
-            </a:r>
-          </a:p>
-          <a:p>
-            <a:pPr marL="914400" lvl="2" indent="0">
-              <a:buNone/>
-            </a:pPr>
-            <a:r>
-              <a:rPr lang="fa-IR" dirty="0" smtClean="0">
-                <a:cs typeface="B Nazanin" panose="00000400000000000000" pitchFamily="2" charset="-78"/>
-              </a:rPr>
-              <a:t>تضادها بین نیازمندی های پیشنهاد شده در کلاس کاربری را حل کند . </a:t>
-            </a:r>
-          </a:p>
-          <a:p>
-            <a:pPr marL="914400" lvl="2" indent="0">
-              <a:buNone/>
-            </a:pPr>
-            <a:r>
-              <a:rPr lang="fa-IR" dirty="0" smtClean="0">
-                <a:cs typeface="B Nazanin" panose="00000400000000000000" pitchFamily="2" charset="-78"/>
-              </a:rPr>
-              <a:t>الویت های اجرایی را تعریف کند </a:t>
-            </a:r>
-            <a:r>
-              <a:rPr lang="fa-IR" dirty="0" smtClean="0">
-                <a:cs typeface="B Nazanin" panose="00000400000000000000" pitchFamily="2" charset="-78"/>
-              </a:rPr>
-              <a:t>.</a:t>
-            </a:r>
-          </a:p>
-          <a:p>
-            <a:pPr marL="914400" lvl="2" indent="0">
-              <a:buNone/>
-            </a:pPr>
-            <a:r>
-              <a:rPr lang="fa-IR" dirty="0" smtClean="0">
-                <a:cs typeface="B Nazanin" panose="00000400000000000000" pitchFamily="2" charset="-78"/>
-              </a:rPr>
-              <a:t>ورودی‌ها را در مورد عملکرد و سایر الزامات کیفی ارائه دهد .</a:t>
-            </a:r>
-            <a:endParaRPr lang="fa-IR" dirty="0" smtClean="0">
+              <a:t>         </a:t>
+            </a:r>
+            <a:r>
+              <a:rPr lang="fa-IR" sz="2400" dirty="0" smtClean="0">
+                <a:solidFill>
+                  <a:srgbClr val="C00000"/>
+                </a:solidFill>
+                <a:cs typeface="B Nazanin" panose="00000400000000000000" pitchFamily="2" charset="-78"/>
+              </a:rPr>
+              <a:t>انتظارات از قهرمان محصول </a:t>
+            </a:r>
+            <a:endParaRPr lang="fa-IR" sz="2400" dirty="0">
+              <a:solidFill>
+                <a:srgbClr val="C00000"/>
+              </a:solidFill>
               <a:cs typeface="B Nazanin" panose="00000400000000000000" pitchFamily="2" charset="-78"/>
             </a:endParaRPr>
           </a:p>
           <a:p>
+            <a:pPr marL="0" indent="0" algn="r" rtl="1">
+              <a:buNone/>
+            </a:pPr>
+            <a:r>
+              <a:rPr lang="fa-IR" sz="2000" dirty="0" smtClean="0">
+                <a:cs typeface="B Nazanin" panose="00000400000000000000" pitchFamily="2" charset="-78"/>
+              </a:rPr>
+              <a:t>        </a:t>
+            </a:r>
+            <a:r>
+              <a:rPr lang="fa-IR" sz="2000" dirty="0" smtClean="0">
+                <a:cs typeface="B Nazanin" panose="00000400000000000000" pitchFamily="2" charset="-78"/>
+              </a:rPr>
+              <a:t>نیازمندی ها:</a:t>
+            </a:r>
+          </a:p>
+          <a:p>
             <a:pPr marL="914400" lvl="2" indent="0">
               <a:buNone/>
             </a:pPr>
@@ -6771,13 +6585,62 @@
               <a:rPr lang="fa-IR" dirty="0" smtClean="0">
                 <a:cs typeface="B Nazanin" panose="00000400000000000000" pitchFamily="2" charset="-78"/>
               </a:rPr>
-              <a:t>نمونه </a:t>
-            </a:r>
+              <a:t>نیازمندی ها را از کاربران جمع آوری کند .</a:t>
+            </a:r>
+          </a:p>
+          <a:p>
+            <a:pPr marL="914400" lvl="2" indent="0">
+              <a:buNone/>
+            </a:pPr>
             <a:r>
               <a:rPr lang="fa-IR" dirty="0" smtClean="0">
                 <a:cs typeface="B Nazanin" panose="00000400000000000000" pitchFamily="2" charset="-78"/>
               </a:rPr>
-              <a:t>های اولیه را ارزیابی کند . </a:t>
+              <a:t>سناریوهای استفاده ، یوزکیس ها و داستان های کاربران را بسط دهد . </a:t>
+            </a:r>
+          </a:p>
+          <a:p>
+            <a:pPr marL="914400" lvl="2" indent="0">
+              <a:buNone/>
+            </a:pPr>
+            <a:r>
+              <a:rPr lang="fa-IR" dirty="0" smtClean="0">
+                <a:cs typeface="B Nazanin" panose="00000400000000000000" pitchFamily="2" charset="-78"/>
+              </a:rPr>
+              <a:t>تضادها بین نیازمندی های پیشنهاد شده در کلاس کاربری را حل کند . </a:t>
+            </a:r>
+          </a:p>
+          <a:p>
+            <a:pPr marL="914400" lvl="2" indent="0">
+              <a:buNone/>
+            </a:pPr>
+            <a:r>
+              <a:rPr lang="fa-IR" dirty="0" smtClean="0">
+                <a:cs typeface="B Nazanin" panose="00000400000000000000" pitchFamily="2" charset="-78"/>
+              </a:rPr>
+              <a:t>الویت های اجرایی را تعریف کند .</a:t>
+            </a:r>
+          </a:p>
+          <a:p>
+            <a:pPr marL="914400" lvl="2" indent="0">
+              <a:buNone/>
+            </a:pPr>
+            <a:r>
+              <a:rPr lang="fa-IR" dirty="0" smtClean="0">
+                <a:cs typeface="B Nazanin" panose="00000400000000000000" pitchFamily="2" charset="-78"/>
+              </a:rPr>
+              <a:t>ورودی‌ها را در مورد عملکرد و سایر الزامات کیفی ارائه دهد .</a:t>
+            </a:r>
+          </a:p>
+          <a:p>
+            <a:pPr marL="914400" lvl="2" indent="0">
+              <a:buNone/>
+            </a:pPr>
+            <a:r>
+              <a:rPr lang="fa-IR" dirty="0" smtClean="0">
+                <a:cs typeface="B Nazanin" panose="00000400000000000000" pitchFamily="2" charset="-78"/>
+              </a:rPr>
+              <a:t>نمونه های اولیه را ارزیابی کند . </a:t>
             </a:r>
           </a:p>
           <a:p>
@@ -6838,7 +6701,7 @@
         </p:blipFill>
         <p:spPr>
           <a:xfrm>
-            <a:off x="10502055" y="2210909"/>
+            <a:off x="10476646" y="1923115"/>
             <a:ext cx="560881" cy="243861"/>
           </a:xfrm>
           <a:prstGeom prst="rect">
@@ -6862,7 +6725,7 @@
         </p:blipFill>
         <p:spPr>
           <a:xfrm>
-            <a:off x="10502055" y="2589707"/>
+            <a:off x="10476645" y="2247703"/>
             <a:ext cx="560881" cy="243861"/>
           </a:xfrm>
           <a:prstGeom prst="rect">
@@ -6886,7 +6749,7 @@
         </p:blipFill>
         <p:spPr>
           <a:xfrm>
-            <a:off x="10502055" y="2875396"/>
+            <a:off x="10467219" y="2567909"/>
             <a:ext cx="560881" cy="243861"/>
           </a:xfrm>
           <a:prstGeom prst="rect">
@@ -6910,7 +6773,7 @@
         </p:blipFill>
         <p:spPr>
           <a:xfrm>
-            <a:off x="10502055" y="3181885"/>
+            <a:off x="10476645" y="2882397"/>
             <a:ext cx="560881" cy="243861"/>
           </a:xfrm>
           <a:prstGeom prst="rect">
@@ -6934,7 +6797,7 @@
         </p:blipFill>
         <p:spPr>
           <a:xfrm>
-            <a:off x="10502054" y="3586517"/>
+            <a:off x="10467219" y="3284788"/>
             <a:ext cx="560881" cy="243861"/>
           </a:xfrm>
           <a:prstGeom prst="rect">
@@ -6958,7 +6821,7 @@
         </p:blipFill>
         <p:spPr>
           <a:xfrm>
-            <a:off x="10502054" y="3934834"/>
+            <a:off x="10467219" y="3652621"/>
             <a:ext cx="560881" cy="243861"/>
           </a:xfrm>
           <a:prstGeom prst="rect">
@@ -6982,7 +6845,7 @@
         </p:blipFill>
         <p:spPr>
           <a:xfrm>
-            <a:off x="10502054" y="4278776"/>
+            <a:off x="10467220" y="3972661"/>
             <a:ext cx="560881" cy="243861"/>
           </a:xfrm>
           <a:prstGeom prst="rect">
@@ -7006,7 +6869,7 @@
         </p:blipFill>
         <p:spPr>
           <a:xfrm>
-            <a:off x="10502054" y="4622718"/>
+            <a:off x="10476645" y="4281598"/>
             <a:ext cx="560881" cy="243861"/>
           </a:xfrm>
           <a:prstGeom prst="rect">
@@ -7022,10 +6885,58 @@
         </p:nvSpPr>
         <p:spPr>
           <a:xfrm rot="16200000">
-            <a:off x="11020516" y="1887518"/>
+            <a:off x="10797141" y="1641078"/>
             <a:ext cx="282804" cy="197966"/>
           </a:xfrm>
           <a:prstGeom prst="triangle">
+            <a:avLst/>
+          </a:prstGeom>
+          <a:solidFill>
+            <a:srgbClr val="C00000"/>
+          </a:solidFill>
+          <a:ln>
+            <a:solidFill>
+              <a:srgbClr val="C00000"/>
+            </a:solidFill>
+          </a:ln>
+        </p:spPr>
+        <p:style>
+          <a:lnRef idx="2">
+            <a:schemeClr val="accent1">
+              <a:shade val="50000"/>
+            </a:schemeClr>
+          </a:lnRef>
+          <a:fillRef idx="1">
+            <a:schemeClr val="accent1"/>
+          </a:fillRef>
+          <a:effectRef idx="0">
+            <a:schemeClr val="accent1"/>
+          </a:effectRef>
+          <a:fontRef idx="minor">
+            <a:schemeClr val="lt1"/>
+          </a:fontRef>
+        </p:style>
+        <p:txBody>
+          <a:bodyPr rtlCol="1" anchor="ctr"/>
+          <a:lstStyle/>
+          <a:p>
+            <a:pPr algn="ctr"/>
+            <a:endParaRPr lang="fa-IR"/>
+          </a:p>
+        </p:txBody>
+      </p:sp>
+      <p:sp>
+        <p:nvSpPr>
+          <p:cNvPr id="13" name="Cube 12"/>
+          <p:cNvSpPr/>
+          <p:nvPr/>
+        </p:nvSpPr>
+        <p:spPr>
+          <a:xfrm>
+            <a:off x="10757087" y="1097606"/>
+            <a:ext cx="285750" cy="292248"/>
+          </a:xfrm>
+          <a:prstGeom prst="cube">
             <a:avLst/>
           </a:prstGeom>
           <a:solidFill>
@@ -7102,22 +7013,29 @@
             <p:ph type="title"/>
           </p:nvPr>
         </p:nvSpPr>
-        <p:spPr/>
-        <p:txBody>
-          <a:bodyPr/>
+        <p:spPr>
+          <a:xfrm>
+            <a:off x="838200" y="365125"/>
+            <a:ext cx="10515600" cy="818347"/>
+          </a:xfrm>
+        </p:spPr>
+        <p:txBody>
+          <a:bodyPr>
+            <a:normAutofit/>
+          </a:bodyPr>
           <a:lstStyle/>
           <a:p>
             <a:pPr algn="ctr"/>
             <a:r>
-              <a:rPr lang="fa-IR" u="sng" dirty="0" smtClean="0">
+              <a:rPr lang="fa-IR" sz="3600" u="sng" dirty="0" smtClean="0">
                 <a:solidFill>
                   <a:srgbClr val="C00000"/>
                 </a:solidFill>
                 <a:cs typeface="B Nazanin" panose="00000400000000000000" pitchFamily="2" charset="-78"/>
               </a:rPr>
-              <a:t>انتظارات از قهرمان محصول (ادامه)</a:t>
-            </a:r>
-            <a:endParaRPr lang="en-US" u="sng" dirty="0">
+              <a:t>قهرمان محصول (ادامه)</a:t>
+            </a:r>
+            <a:endParaRPr lang="en-US" sz="3600" u="sng" dirty="0">
               <a:solidFill>
                 <a:srgbClr val="C00000"/>
               </a:solidFill>
@@ -7136,7 +7054,12 @@
             <p:ph idx="1"/>
           </p:nvPr>
         </p:nvSpPr>
-        <p:spPr/>
+        <p:spPr>
+          <a:xfrm>
+            <a:off x="838200" y="992778"/>
+            <a:ext cx="10317634" cy="5184186"/>
+          </a:xfrm>
+        </p:spPr>
         <p:txBody>
           <a:bodyPr>
             <a:normAutofit/>
@@ -7150,13 +7073,41 @@
               <a:rPr lang="fa-IR" sz="2000" dirty="0" smtClean="0">
                 <a:cs typeface="B Nazanin" panose="00000400000000000000" pitchFamily="2" charset="-78"/>
               </a:rPr>
-              <a:t>    اعتبار </a:t>
-            </a:r>
+              <a:t>  </a:t>
+            </a:r>
+            <a:endParaRPr lang="fa-IR" sz="2000" dirty="0" smtClean="0">
+              <a:cs typeface="B Nazanin" panose="00000400000000000000" pitchFamily="2" charset="-78"/>
+            </a:endParaRPr>
+          </a:p>
+          <a:p>
+            <a:pPr marL="0" indent="0" algn="r" rtl="1">
+              <a:buNone/>
+            </a:pPr>
+            <a:r>
+              <a:rPr lang="fa-IR" sz="2400" dirty="0" smtClean="0">
+                <a:solidFill>
+                  <a:srgbClr val="C00000"/>
+                </a:solidFill>
+                <a:cs typeface="B Nazanin" panose="00000400000000000000" pitchFamily="2" charset="-78"/>
+              </a:rPr>
+              <a:t>انتظارات از قهرمان محصول </a:t>
+            </a:r>
+            <a:endParaRPr lang="fa-IR" sz="2400" dirty="0">
+              <a:solidFill>
+                <a:srgbClr val="C00000"/>
+              </a:solidFill>
+              <a:cs typeface="B Nazanin" panose="00000400000000000000" pitchFamily="2" charset="-78"/>
+            </a:endParaRPr>
+          </a:p>
+          <a:p>
+            <a:pPr marL="0" indent="0" algn="r" rtl="1">
+              <a:buNone/>
+            </a:pPr>
             <a:r>
               <a:rPr lang="fa-IR" sz="2000" dirty="0" smtClean="0">
                 <a:cs typeface="B Nazanin" panose="00000400000000000000" pitchFamily="2" charset="-78"/>
               </a:rPr>
-              <a:t>سنجی و تایید :</a:t>
+              <a:t>  اعتبار سنجی و تایید :</a:t>
             </a:r>
           </a:p>
           <a:p>
@@ -7197,16 +7148,49 @@
               <a:buNone/>
             </a:pPr>
             <a:r>
+              <a:rPr lang="fa-IR" dirty="0" smtClean="0">
+                <a:cs typeface="B Nazanin" panose="00000400000000000000" pitchFamily="2" charset="-78"/>
+              </a:rPr>
+              <a:t>مجموعه داده های آزمایشی را از کسب و کار ارائه دهید </a:t>
+            </a:r>
+          </a:p>
+          <a:p>
+            <a:pPr marL="914400" lvl="2" indent="0">
+              <a:buNone/>
+            </a:pPr>
+            <a:r>
+              <a:rPr lang="fa-IR" dirty="0" smtClean="0">
+                <a:cs typeface="B Nazanin" panose="00000400000000000000" pitchFamily="2" charset="-78"/>
+              </a:rPr>
+              <a:t>تست پذیرش کاربر یا بتا تست را انجام دهد . </a:t>
+            </a:r>
+          </a:p>
+          <a:p>
+            <a:pPr marL="0" lvl="0" indent="0">
+              <a:buNone/>
+            </a:pPr>
+            <a:r>
+              <a:rPr lang="fa-IR" sz="2000" dirty="0">
+                <a:solidFill>
+                  <a:prstClr val="black"/>
+                </a:solidFill>
+                <a:cs typeface="B Nazanin" panose="00000400000000000000" pitchFamily="2" charset="-78"/>
+              </a:rPr>
+              <a:t>مدیریت تغییرات </a:t>
+            </a:r>
+          </a:p>
+          <a:p>
+            <a:pPr marL="914400" lvl="2" indent="0">
+              <a:buNone/>
+            </a:pPr>
+            <a:r>
               <a:rPr lang="fa-IR" dirty="0">
-                <a:cs typeface="B Nazanin" panose="00000400000000000000" pitchFamily="2" charset="-78"/>
-              </a:rPr>
-              <a:t>مجموعه داده های آزمایشی را از کسب و کار ارائه </a:t>
-            </a:r>
-            <a:r>
-              <a:rPr lang="fa-IR" dirty="0" smtClean="0">
-                <a:cs typeface="B Nazanin" panose="00000400000000000000" pitchFamily="2" charset="-78"/>
-              </a:rPr>
-              <a:t>دهید </a:t>
+                <a:solidFill>
+                  <a:prstClr val="black"/>
+                </a:solidFill>
+                <a:cs typeface="B Nazanin" panose="00000400000000000000" pitchFamily="2" charset="-78"/>
+              </a:rPr>
+              <a:t>درخواست های بهبود و اصلاحات نقص ها را الویت بندی کند .</a:t>
             </a:r>
           </a:p>
           <a:p>
@@ -7214,10 +7198,41 @@
               <a:buNone/>
             </a:pPr>
             <a:r>
-              <a:rPr lang="fa-IR" dirty="0" smtClean="0">
-                <a:cs typeface="B Nazanin" panose="00000400000000000000" pitchFamily="2" charset="-78"/>
-              </a:rPr>
-              <a:t>تست پذیرش کاربر یا بتا تست را انجام دهد . </a:t>
+              <a:rPr lang="fa-IR" dirty="0">
+                <a:solidFill>
+                  <a:prstClr val="black"/>
+                </a:solidFill>
+                <a:cs typeface="B Nazanin" panose="00000400000000000000" pitchFamily="2" charset="-78"/>
+              </a:rPr>
+              <a:t>به صورت پویا محدوده انتشارات آینده را مشخص کند . </a:t>
+            </a:r>
+          </a:p>
+          <a:p>
+            <a:pPr marL="914400" lvl="2" indent="0">
+              <a:buNone/>
+            </a:pPr>
+            <a:r>
+              <a:rPr lang="fa-IR" dirty="0">
+                <a:solidFill>
+                  <a:prstClr val="black"/>
+                </a:solidFill>
+                <a:cs typeface="B Nazanin" panose="00000400000000000000" pitchFamily="2" charset="-78"/>
+              </a:rPr>
+              <a:t>تاثیر تغییرات پیشنهادی بر روی کاربران و فرایندهای تجاری را ارزیابی کند . </a:t>
+            </a:r>
+          </a:p>
+          <a:p>
+            <a:pPr marL="914400" lvl="2" indent="0">
+              <a:buNone/>
+            </a:pPr>
+            <a:r>
+              <a:rPr lang="fa-IR" dirty="0">
+                <a:solidFill>
+                  <a:prstClr val="black"/>
+                </a:solidFill>
+                <a:cs typeface="B Nazanin" panose="00000400000000000000" pitchFamily="2" charset="-78"/>
+              </a:rPr>
+              <a:t>در تصمیم گیری برای تغییرات سازنده شرکت کند . </a:t>
             </a:r>
           </a:p>
           <a:p>
@@ -7401,6 +7416,198 @@
         <p:spPr>
           <a:xfrm>
             <a:off x="10502054" y="3558287"/>
+            <a:ext cx="560881" cy="243861"/>
+          </a:xfrm>
+          <a:prstGeom prst="rect">
+            <a:avLst/>
+          </a:prstGeom>
+        </p:spPr>
+      </p:pic>
+      <p:pic>
+        <p:nvPicPr>
+          <p:cNvPr id="10" name="Picture 9"/>
+          <p:cNvPicPr>
+            <a:picLocks noChangeAspect="1"/>
+          </p:cNvPicPr>
+          <p:nvPr/>
+        </p:nvPicPr>
+        <p:blipFill>
+          <a:blip r:embed="rId3"/>
+          <a:stretch>
+            <a:fillRect/>
+          </a:stretch>
+        </p:blipFill>
+        <p:spPr>
+          <a:xfrm>
+            <a:off x="11204435" y="1392364"/>
+            <a:ext cx="298730" cy="304826"/>
+          </a:xfrm>
+          <a:prstGeom prst="rect">
+            <a:avLst/>
+          </a:prstGeom>
+        </p:spPr>
+      </p:pic>
+      <p:sp>
+        <p:nvSpPr>
+          <p:cNvPr id="21" name="Isosceles Triangle 20"/>
+          <p:cNvSpPr/>
+          <p:nvPr/>
+        </p:nvSpPr>
+        <p:spPr>
+          <a:xfrm rot="16200000">
+            <a:off x="11072956" y="4003682"/>
+            <a:ext cx="282804" cy="197966"/>
+          </a:xfrm>
+          <a:prstGeom prst="triangle">
+            <a:avLst/>
+          </a:prstGeom>
+          <a:solidFill>
+            <a:srgbClr val="C00000"/>
+          </a:solidFill>
+          <a:ln>
+            <a:solidFill>
+              <a:srgbClr val="C00000"/>
+            </a:solidFill>
+          </a:ln>
+        </p:spPr>
+        <p:style>
+          <a:lnRef idx="2">
+            <a:schemeClr val="accent1">
+              <a:shade val="50000"/>
+            </a:schemeClr>
+          </a:lnRef>
+          <a:fillRef idx="1">
+            <a:schemeClr val="accent1"/>
+          </a:fillRef>
+          <a:effectRef idx="0">
+            <a:schemeClr val="accent1"/>
+          </a:effectRef>
+          <a:fontRef idx="minor">
+            <a:schemeClr val="lt1"/>
+          </a:fontRef>
+        </p:style>
+        <p:txBody>
+          <a:bodyPr rtlCol="1" anchor="ctr"/>
+          <a:lstStyle/>
+          <a:p>
+            <a:pPr algn="ctr"/>
+            <a:endParaRPr lang="fa-IR"/>
+          </a:p>
+        </p:txBody>
+      </p:sp>
+      <p:pic>
+        <p:nvPicPr>
+          <p:cNvPr id="23" name="Picture 22"/>
+          <p:cNvPicPr>
+            <a:picLocks noChangeAspect="1"/>
+          </p:cNvPicPr>
+          <p:nvPr/>
+        </p:nvPicPr>
+        <p:blipFill>
+          <a:blip r:embed="rId2"/>
+          <a:stretch>
+            <a:fillRect/>
+          </a:stretch>
+        </p:blipFill>
+        <p:spPr>
+          <a:xfrm>
+            <a:off x="10513248" y="4387712"/>
+            <a:ext cx="560881" cy="243861"/>
+          </a:xfrm>
+          <a:prstGeom prst="rect">
+            <a:avLst/>
+          </a:prstGeom>
+        </p:spPr>
+      </p:pic>
+      <p:pic>
+        <p:nvPicPr>
+          <p:cNvPr id="24" name="Picture 23"/>
+          <p:cNvPicPr>
+            <a:picLocks noChangeAspect="1"/>
+          </p:cNvPicPr>
+          <p:nvPr/>
+        </p:nvPicPr>
+        <p:blipFill>
+          <a:blip r:embed="rId2"/>
+          <a:stretch>
+            <a:fillRect/>
+          </a:stretch>
+        </p:blipFill>
+        <p:spPr>
+          <a:xfrm>
+            <a:off x="10502054" y="4355255"/>
+            <a:ext cx="560881" cy="243861"/>
+          </a:xfrm>
+          <a:prstGeom prst="rect">
+            <a:avLst/>
+          </a:prstGeom>
+        </p:spPr>
+      </p:pic>
+      <p:pic>
+        <p:nvPicPr>
+          <p:cNvPr id="25" name="Picture 24"/>
+          <p:cNvPicPr>
+            <a:picLocks noChangeAspect="1"/>
+          </p:cNvPicPr>
+          <p:nvPr/>
+        </p:nvPicPr>
+        <p:blipFill>
+          <a:blip r:embed="rId2"/>
+          <a:stretch>
+            <a:fillRect/>
+          </a:stretch>
+        </p:blipFill>
+        <p:spPr>
+          <a:xfrm>
+            <a:off x="10513248" y="4734053"/>
+            <a:ext cx="560881" cy="243861"/>
+          </a:xfrm>
+          <a:prstGeom prst="rect">
+            <a:avLst/>
+          </a:prstGeom>
+        </p:spPr>
+      </p:pic>
+      <p:pic>
+        <p:nvPicPr>
+          <p:cNvPr id="26" name="Picture 25"/>
+          <p:cNvPicPr>
+            <a:picLocks noChangeAspect="1"/>
+          </p:cNvPicPr>
+          <p:nvPr/>
+        </p:nvPicPr>
+        <p:blipFill>
+          <a:blip r:embed="rId2"/>
+          <a:stretch>
+            <a:fillRect/>
+          </a:stretch>
+        </p:blipFill>
+        <p:spPr>
+          <a:xfrm>
+            <a:off x="10513248" y="5076188"/>
+            <a:ext cx="560881" cy="243861"/>
+          </a:xfrm>
+          <a:prstGeom prst="rect">
+            <a:avLst/>
+          </a:prstGeom>
+        </p:spPr>
+      </p:pic>
+      <p:pic>
+        <p:nvPicPr>
+          <p:cNvPr id="31" name="Picture 30"/>
+          <p:cNvPicPr>
+            <a:picLocks noChangeAspect="1"/>
+          </p:cNvPicPr>
+          <p:nvPr/>
+        </p:nvPicPr>
+        <p:blipFill>
+          <a:blip r:embed="rId2"/>
+          <a:stretch>
+            <a:fillRect/>
+          </a:stretch>
+        </p:blipFill>
+        <p:spPr>
+          <a:xfrm>
+            <a:off x="10513248" y="5382715"/>
             <a:ext cx="560881" cy="243861"/>
           </a:xfrm>
           <a:prstGeom prst="rect">
@@ -7448,22 +7655,29 @@
             <p:ph type="title"/>
           </p:nvPr>
         </p:nvSpPr>
-        <p:spPr/>
-        <p:txBody>
-          <a:bodyPr/>
+        <p:spPr>
+          <a:xfrm>
+            <a:off x="838200" y="365126"/>
+            <a:ext cx="10515600" cy="775698"/>
+          </a:xfrm>
+        </p:spPr>
+        <p:txBody>
+          <a:bodyPr>
+            <a:normAutofit/>
+          </a:bodyPr>
           <a:lstStyle/>
           <a:p>
             <a:pPr algn="ctr"/>
             <a:r>
-              <a:rPr lang="fa-IR" u="sng" dirty="0" smtClean="0">
+              <a:rPr lang="fa-IR" sz="3600" u="sng" dirty="0" smtClean="0">
                 <a:solidFill>
                   <a:srgbClr val="C00000"/>
                 </a:solidFill>
                 <a:cs typeface="B Nazanin" panose="00000400000000000000" pitchFamily="2" charset="-78"/>
               </a:rPr>
-              <a:t>انتظارات از قهرمان محصول (ادامه)</a:t>
-            </a:r>
-            <a:endParaRPr lang="en-US" u="sng" dirty="0">
+              <a:t>قهرمان محصول(ادامه)</a:t>
+            </a:r>
+            <a:endParaRPr lang="en-US" sz="3600" u="sng" dirty="0">
               <a:solidFill>
                 <a:srgbClr val="C00000"/>
               </a:solidFill>
@@ -7482,24 +7696,49 @@
             <p:ph idx="1"/>
           </p:nvPr>
         </p:nvSpPr>
-        <p:spPr/>
+        <p:spPr>
+          <a:xfrm>
+            <a:off x="707572" y="1210491"/>
+            <a:ext cx="10515600" cy="4994494"/>
+          </a:xfrm>
+        </p:spPr>
         <p:txBody>
           <a:bodyPr>
             <a:normAutofit/>
           </a:bodyPr>
           <a:lstStyle/>
           <a:p>
-            <a:pPr marL="0" indent="0" algn="r" rtl="1">
+            <a:pPr marL="0" lvl="0" indent="0">
+              <a:buNone/>
+            </a:pPr>
+            <a:r>
+              <a:rPr lang="fa-IR" sz="2400" dirty="0" smtClean="0">
+                <a:solidFill>
+                  <a:srgbClr val="C00000"/>
+                </a:solidFill>
+                <a:cs typeface="B Nazanin" panose="00000400000000000000" pitchFamily="2" charset="-78"/>
+              </a:rPr>
+              <a:t>انتظارات از قهرمان محصول </a:t>
+            </a:r>
+          </a:p>
+          <a:p>
+            <a:pPr marL="0" lvl="0" indent="0">
               <a:buNone/>
             </a:pPr>
             <a:r>
               <a:rPr lang="fa-IR" sz="2000" dirty="0" smtClean="0">
-                <a:cs typeface="B Nazanin" panose="00000400000000000000" pitchFamily="2" charset="-78"/>
-              </a:rPr>
-              <a:t>    کمک </a:t>
-            </a:r>
-            <a:r>
-              <a:rPr lang="fa-IR" sz="2000" dirty="0" smtClean="0">
+                <a:solidFill>
+                  <a:prstClr val="black"/>
+                </a:solidFill>
+                <a:cs typeface="B Nazanin" panose="00000400000000000000" pitchFamily="2" charset="-78"/>
+              </a:rPr>
+              <a:t>کمک </a:t>
+            </a:r>
+            <a:r>
+              <a:rPr lang="fa-IR" sz="2000" dirty="0">
+                <a:solidFill>
+                  <a:prstClr val="black"/>
+                </a:solidFill>
                 <a:cs typeface="B Nazanin" panose="00000400000000000000" pitchFamily="2" charset="-78"/>
               </a:rPr>
               <a:t>های کاربر</a:t>
@@ -7510,7 +7749,10 @@
               <a:buNone/>
             </a:pPr>
             <a:r>
-              <a:rPr lang="fa-IR" dirty="0" smtClean="0">
+              <a:rPr lang="fa-IR" dirty="0">
+                <a:solidFill>
+                  <a:prstClr val="black"/>
+                </a:solidFill>
                 <a:cs typeface="B Nazanin" panose="00000400000000000000" pitchFamily="2" charset="-78"/>
               </a:rPr>
               <a:t>بخش های از اسناد کاربر و متن راهنما را بنویسد .</a:t>
@@ -7521,7 +7763,10 @@
               <a:buNone/>
             </a:pPr>
             <a:r>
-              <a:rPr lang="fa-IR" dirty="0" smtClean="0">
+              <a:rPr lang="fa-IR" dirty="0">
+                <a:solidFill>
+                  <a:prstClr val="black"/>
+                </a:solidFill>
                 <a:cs typeface="B Nazanin" panose="00000400000000000000" pitchFamily="2" charset="-78"/>
               </a:rPr>
               <a:t>در برنامه های تمرینی یا آموزش شرکت کند .</a:t>
@@ -7532,78 +7777,14 @@
               <a:buNone/>
             </a:pPr>
             <a:r>
-              <a:rPr lang="fa-IR" dirty="0" smtClean="0">
+              <a:rPr lang="fa-IR" dirty="0">
+                <a:solidFill>
+                  <a:prstClr val="black"/>
+                </a:solidFill>
                 <a:cs typeface="B Nazanin" panose="00000400000000000000" pitchFamily="2" charset="-78"/>
               </a:rPr>
               <a:t>سیستم را برای همتایان خود شرح دهد . </a:t>
             </a:r>
-          </a:p>
-          <a:p>
-            <a:pPr marL="0" indent="0" algn="r" rtl="1">
-              <a:buNone/>
-            </a:pPr>
-            <a:r>
-              <a:rPr lang="fa-IR" sz="2000" dirty="0" smtClean="0">
-                <a:cs typeface="B Nazanin" panose="00000400000000000000" pitchFamily="2" charset="-78"/>
-              </a:rPr>
-              <a:t>    مدیریت </a:t>
-            </a:r>
-            <a:r>
-              <a:rPr lang="fa-IR" sz="2000" dirty="0" smtClean="0">
-                <a:cs typeface="B Nazanin" panose="00000400000000000000" pitchFamily="2" charset="-78"/>
-              </a:rPr>
-              <a:t>تغییرات </a:t>
-            </a:r>
-            <a:endParaRPr lang="fa-IR" sz="2000" dirty="0">
-              <a:cs typeface="B Nazanin" panose="00000400000000000000" pitchFamily="2" charset="-78"/>
-            </a:endParaRPr>
-          </a:p>
-          <a:p>
-            <a:pPr marL="914400" lvl="2" indent="0">
-              <a:buNone/>
-            </a:pPr>
-            <a:r>
-              <a:rPr lang="fa-IR" dirty="0" smtClean="0">
-                <a:cs typeface="B Nazanin" panose="00000400000000000000" pitchFamily="2" charset="-78"/>
-              </a:rPr>
-              <a:t>درخواست های بهبود و اصلاحات نقص ها را الویت بندی کند .</a:t>
-            </a:r>
-          </a:p>
-          <a:p>
-            <a:pPr marL="914400" lvl="2" indent="0">
-              <a:buNone/>
-            </a:pPr>
-            <a:r>
-              <a:rPr lang="fa-IR" dirty="0" smtClean="0">
-                <a:cs typeface="B Nazanin" panose="00000400000000000000" pitchFamily="2" charset="-78"/>
-              </a:rPr>
-              <a:t>به صورت پویا محدوده انتشارات آینده را مشخص کند . </a:t>
-            </a:r>
-          </a:p>
-          <a:p>
-            <a:pPr marL="914400" lvl="2" indent="0">
-              <a:buNone/>
-            </a:pPr>
-            <a:r>
-              <a:rPr lang="fa-IR" dirty="0" smtClean="0">
-                <a:cs typeface="B Nazanin" panose="00000400000000000000" pitchFamily="2" charset="-78"/>
-              </a:rPr>
-              <a:t>تاثیر تغییرات پیشنهادی بر روی کاربران و فرایندهای تجاری را ارزیابی کند . </a:t>
-            </a:r>
-          </a:p>
-          <a:p>
-            <a:pPr marL="914400" lvl="2" indent="0">
-              <a:buNone/>
-            </a:pPr>
-            <a:r>
-              <a:rPr lang="fa-IR" dirty="0" smtClean="0">
-                <a:cs typeface="B Nazanin" panose="00000400000000000000" pitchFamily="2" charset="-78"/>
-              </a:rPr>
-              <a:t>در تصمیم گیری برای تغییرات سازنده شرکت کند . </a:t>
-            </a:r>
-            <a:endParaRPr lang="fa-IR" dirty="0">
-              <a:cs typeface="B Nazanin" panose="00000400000000000000" pitchFamily="2" charset="-78"/>
-            </a:endParaRPr>
           </a:p>
           <a:p>
             <a:pPr algn="r" rtl="1">
@@ -7645,13 +7826,13 @@
       </p:sp>
       <p:sp>
         <p:nvSpPr>
-          <p:cNvPr id="4" name="Isosceles Triangle 3"/>
+          <p:cNvPr id="5" name="Isosceles Triangle 4"/>
           <p:cNvSpPr/>
           <p:nvPr/>
         </p:nvSpPr>
         <p:spPr>
           <a:xfrm rot="16200000">
-            <a:off x="11031711" y="1868044"/>
+            <a:off x="11137715" y="1731692"/>
             <a:ext cx="282804" cy="197966"/>
           </a:xfrm>
           <a:prstGeom prst="triangle">
@@ -7691,150 +7872,6 @@
           </a:p>
         </p:txBody>
       </p:sp>
-      <p:sp>
-        <p:nvSpPr>
-          <p:cNvPr id="5" name="Isosceles Triangle 4"/>
-          <p:cNvSpPr/>
-          <p:nvPr/>
-        </p:nvSpPr>
-        <p:spPr>
-          <a:xfrm rot="16200000">
-            <a:off x="11032498" y="3234763"/>
-            <a:ext cx="282804" cy="197966"/>
-          </a:xfrm>
-          <a:prstGeom prst="triangle">
-            <a:avLst/>
-          </a:prstGeom>
-          <a:solidFill>
-            <a:srgbClr val="C00000"/>
-          </a:solidFill>
-          <a:ln>
-            <a:solidFill>
-              <a:srgbClr val="C00000"/>
-            </a:solidFill>
-          </a:ln>
-        </p:spPr>
-        <p:style>
-          <a:lnRef idx="2">
-            <a:schemeClr val="accent1">
-              <a:shade val="50000"/>
-            </a:schemeClr>
-          </a:lnRef>
-          <a:fillRef idx="1">
-            <a:schemeClr val="accent1"/>
-          </a:fillRef>
-          <a:effectRef idx="0">
-            <a:schemeClr val="accent1"/>
-          </a:effectRef>
-          <a:fontRef idx="minor">
-            <a:schemeClr val="lt1"/>
-          </a:fontRef>
-        </p:style>
-        <p:txBody>
-          <a:bodyPr rtlCol="1" anchor="ctr"/>
-          <a:lstStyle/>
-          <a:p>
-            <a:pPr algn="ctr"/>
-            <a:endParaRPr lang="fa-IR"/>
-          </a:p>
-        </p:txBody>
-      </p:sp>
-      <p:pic>
-        <p:nvPicPr>
-          <p:cNvPr id="6" name="Picture 5"/>
-          <p:cNvPicPr>
-            <a:picLocks noChangeAspect="1"/>
-          </p:cNvPicPr>
-          <p:nvPr/>
-        </p:nvPicPr>
-        <p:blipFill>
-          <a:blip r:embed="rId2"/>
-          <a:stretch>
-            <a:fillRect/>
-          </a:stretch>
-        </p:blipFill>
-        <p:spPr>
-          <a:xfrm>
-            <a:off x="10513249" y="2243366"/>
-            <a:ext cx="560881" cy="243861"/>
-          </a:xfrm>
-          <a:prstGeom prst="rect">
-            <a:avLst/>
-          </a:prstGeom>
-        </p:spPr>
-      </p:pic>
-      <p:pic>
-        <p:nvPicPr>
-          <p:cNvPr id="7" name="Picture 6"/>
-          <p:cNvPicPr>
-            <a:picLocks noChangeAspect="1"/>
-          </p:cNvPicPr>
-          <p:nvPr/>
-        </p:nvPicPr>
-        <p:blipFill>
-          <a:blip r:embed="rId2"/>
-          <a:stretch>
-            <a:fillRect/>
-          </a:stretch>
-        </p:blipFill>
-        <p:spPr>
-          <a:xfrm>
-            <a:off x="10502055" y="2210909"/>
-            <a:ext cx="560881" cy="243861"/>
-          </a:xfrm>
-          <a:prstGeom prst="rect">
-            <a:avLst/>
-          </a:prstGeom>
-        </p:spPr>
-      </p:pic>
-      <p:pic>
-        <p:nvPicPr>
-          <p:cNvPr id="8" name="Picture 7"/>
-          <p:cNvPicPr>
-            <a:picLocks noChangeAspect="1"/>
-          </p:cNvPicPr>
-          <p:nvPr/>
-        </p:nvPicPr>
-        <p:blipFill>
-          <a:blip r:embed="rId2"/>
-          <a:stretch>
-            <a:fillRect/>
-          </a:stretch>
-        </p:blipFill>
-        <p:spPr>
-          <a:xfrm>
-            <a:off x="10513249" y="2589707"/>
-            <a:ext cx="560881" cy="243861"/>
-          </a:xfrm>
-          <a:prstGeom prst="rect">
-            <a:avLst/>
-          </a:prstGeom>
-        </p:spPr>
-      </p:pic>
-      <p:pic>
-        <p:nvPicPr>
-          <p:cNvPr id="9" name="Picture 8"/>
-          <p:cNvPicPr>
-            <a:picLocks noChangeAspect="1"/>
-          </p:cNvPicPr>
-          <p:nvPr/>
-        </p:nvPicPr>
-        <p:blipFill>
-          <a:blip r:embed="rId2"/>
-          <a:stretch>
-            <a:fillRect/>
-          </a:stretch>
-        </p:blipFill>
-        <p:spPr>
-          <a:xfrm>
-            <a:off x="10513249" y="2931842"/>
-            <a:ext cx="560881" cy="243861"/>
-          </a:xfrm>
-          <a:prstGeom prst="rect">
-            <a:avLst/>
-          </a:prstGeom>
-        </p:spPr>
-      </p:pic>
       <p:pic>
         <p:nvPicPr>
           <p:cNvPr id="10" name="Picture 9"/>
@@ -7851,7 +7888,7 @@
         </p:blipFill>
         <p:spPr>
           <a:xfrm>
-            <a:off x="10502054" y="3629872"/>
+            <a:off x="10316407" y="2091967"/>
             <a:ext cx="560881" cy="243861"/>
           </a:xfrm>
           <a:prstGeom prst="rect">
@@ -7875,7 +7912,7 @@
         </p:blipFill>
         <p:spPr>
           <a:xfrm>
-            <a:off x="10502054" y="4005008"/>
+            <a:off x="10316407" y="2467103"/>
             <a:ext cx="560881" cy="243861"/>
           </a:xfrm>
           <a:prstGeom prst="rect">
@@ -7899,7 +7936,7 @@
         </p:blipFill>
         <p:spPr>
           <a:xfrm>
-            <a:off x="10513249" y="4350805"/>
+            <a:off x="10339582" y="2787307"/>
             <a:ext cx="560881" cy="243861"/>
           </a:xfrm>
           <a:prstGeom prst="rect">
@@ -7909,22 +7946,22 @@
       </p:pic>
       <p:pic>
         <p:nvPicPr>
-          <p:cNvPr id="13" name="Picture 12"/>
+          <p:cNvPr id="14" name="Picture 13"/>
           <p:cNvPicPr>
             <a:picLocks noChangeAspect="1"/>
           </p:cNvPicPr>
           <p:nvPr/>
         </p:nvPicPr>
         <p:blipFill>
-          <a:blip r:embed="rId2"/>
+          <a:blip r:embed="rId3"/>
           <a:stretch>
             <a:fillRect/>
           </a:stretch>
         </p:blipFill>
         <p:spPr>
           <a:xfrm>
-            <a:off x="10497921" y="4673838"/>
-            <a:ext cx="560881" cy="243861"/>
+            <a:off x="11279117" y="1210491"/>
+            <a:ext cx="347331" cy="304826"/>
           </a:xfrm>
           <a:prstGeom prst="rect">
             <a:avLst/>
@@ -8041,13 +8078,7 @@
               <a:rPr lang="fa-IR" sz="2400" dirty="0" smtClean="0">
                 <a:cs typeface="B Nazanin" panose="00000400000000000000" pitchFamily="2" charset="-78"/>
               </a:rPr>
-              <a:t>یک </a:t>
-            </a:r>
-            <a:r>
-              <a:rPr lang="fa-IR" sz="2400" dirty="0" smtClean="0">
-                <a:cs typeface="B Nazanin" panose="00000400000000000000" pitchFamily="2" charset="-78"/>
-              </a:rPr>
-              <a:t>نفر به ندرت می‌تواند نیازمندی های همه کلاسهای کاربری یک سیستم را توصیف کند . </a:t>
+              <a:t>یک نفر به ندرت می‌تواند نیازمندی های همه کلاسهای کاربری یک سیستم را توصیف کند . </a:t>
             </a:r>
           </a:p>
           <a:p>

--- a/ارائه مهندسي نيازمندي ها.pptx
+++ b/ارائه مهندسي نيازمندي ها.pptx
@@ -6568,13 +6568,7 @@
               <a:rPr lang="fa-IR" sz="2000" dirty="0" smtClean="0">
                 <a:cs typeface="B Nazanin" panose="00000400000000000000" pitchFamily="2" charset="-78"/>
               </a:rPr>
-              <a:t>        </a:t>
-            </a:r>
-            <a:r>
-              <a:rPr lang="fa-IR" sz="2000" dirty="0" smtClean="0">
-                <a:cs typeface="B Nazanin" panose="00000400000000000000" pitchFamily="2" charset="-78"/>
-              </a:rPr>
-              <a:t>نیازمندی ها:</a:t>
+              <a:t>        نیازمندی ها:</a:t>
             </a:r>
           </a:p>
           <a:p>
@@ -7075,9 +7069,6 @@
               </a:rPr>
               <a:t>  </a:t>
             </a:r>
-            <a:endParaRPr lang="fa-IR" sz="2000" dirty="0" smtClean="0">
-              <a:cs typeface="B Nazanin" panose="00000400000000000000" pitchFamily="2" charset="-78"/>
-            </a:endParaRPr>
           </a:p>
           <a:p>
             <a:pPr marL="0" indent="0" algn="r" rtl="1">
@@ -8011,7 +8002,7 @@
         <p:spPr>
           <a:xfrm>
             <a:off x="838200" y="365126"/>
-            <a:ext cx="10515600" cy="652970"/>
+            <a:ext cx="10515600" cy="627651"/>
           </a:xfrm>
         </p:spPr>
         <p:txBody>
@@ -8061,13 +8052,36 @@
           </a:bodyPr>
           <a:lstStyle/>
           <a:p>
+            <a:pPr marL="0" indent="0" algn="r" rtl="1">
+              <a:buNone/>
+            </a:pPr>
+            <a:r>
+              <a:rPr lang="fa-IR" sz="2400" dirty="0" smtClean="0">
+                <a:solidFill>
+                  <a:srgbClr val="C00000"/>
+                </a:solidFill>
+                <a:cs typeface="B Nazanin" panose="00000400000000000000" pitchFamily="2" charset="-78"/>
+              </a:rPr>
+              <a:t>    چندنین قهرمان محصول </a:t>
+            </a:r>
+            <a:endParaRPr lang="fa-IR" sz="2400" dirty="0" smtClean="0">
+              <a:solidFill>
+                <a:srgbClr val="C00000"/>
+              </a:solidFill>
+              <a:cs typeface="B Nazanin" panose="00000400000000000000" pitchFamily="2" charset="-78"/>
+            </a:endParaRPr>
+          </a:p>
+          <a:p>
             <a:pPr algn="r" rtl="1">
               <a:buFont typeface="Wingdings" panose="05000000000000000000" pitchFamily="2" charset="2"/>
               <a:buChar char="§"/>
             </a:pPr>
-            <a:endParaRPr lang="fa-IR" sz="2400" dirty="0" smtClean="0">
-              <a:cs typeface="B Nazanin" panose="00000400000000000000" pitchFamily="2" charset="-78"/>
-            </a:endParaRPr>
+            <a:r>
+              <a:rPr lang="fa-IR" sz="2000" dirty="0" smtClean="0">
+                <a:cs typeface="B Nazanin" panose="00000400000000000000" pitchFamily="2" charset="-78"/>
+              </a:rPr>
+              <a:t>یک نفر به ندرت می‌تواند نیازمندی های همه کلاسهای کاربری یک سیستم را توصیف کند . </a:t>
+            </a:r>
           </a:p>
           <a:p>
             <a:pPr algn="r" rtl="1">
@@ -8075,11 +8089,14 @@
               <a:buChar char="§"/>
             </a:pPr>
             <a:r>
-              <a:rPr lang="fa-IR" sz="2400" dirty="0" smtClean="0">
-                <a:cs typeface="B Nazanin" panose="00000400000000000000" pitchFamily="2" charset="-78"/>
-              </a:rPr>
-              <a:t>یک نفر به ندرت می‌تواند نیازمندی های همه کلاسهای کاربری یک سیستم را توصیف کند . </a:t>
-            </a:r>
+              <a:rPr lang="fa-IR" sz="2000" dirty="0" smtClean="0">
+                <a:cs typeface="B Nazanin" panose="00000400000000000000" pitchFamily="2" charset="-78"/>
+              </a:rPr>
+              <a:t>برای اینکه این کار به خوبی انجام شود به تعداد کلاس‌های کاربری باید قهرمان محصول در نظر گرفت . </a:t>
+            </a:r>
+            <a:endParaRPr lang="fa-IR" sz="2000" dirty="0" smtClean="0">
+              <a:cs typeface="B Nazanin" panose="00000400000000000000" pitchFamily="2" charset="-78"/>
+            </a:endParaRPr>
           </a:p>
           <a:p>
             <a:pPr algn="r" rtl="1">
@@ -8087,17 +8104,80 @@
               <a:buChar char="§"/>
             </a:pPr>
             <a:r>
+              <a:rPr lang="fa-IR" sz="2000" dirty="0" smtClean="0">
+                <a:cs typeface="B Nazanin" panose="00000400000000000000" pitchFamily="2" charset="-78"/>
+              </a:rPr>
+              <a:t> </a:t>
+            </a:r>
+            <a:r>
               <a:rPr lang="fa-IR" sz="2400" dirty="0" smtClean="0">
-                <a:cs typeface="B Nazanin" panose="00000400000000000000" pitchFamily="2" charset="-78"/>
-              </a:rPr>
-              <a:t>برای اینکه این کار به خوبی انجام شود به تعداد کلاس‌های کاربری باید قهرمان محصول در نظر گرفت . </a:t>
-            </a:r>
+                <a:solidFill>
+                  <a:srgbClr val="C00000"/>
+                </a:solidFill>
+                <a:cs typeface="B Nazanin" panose="00000400000000000000" pitchFamily="2" charset="-78"/>
+              </a:rPr>
+              <a:t>فروش ایده‌های قهرمان محصول </a:t>
+            </a:r>
+          </a:p>
+          <a:p>
+            <a:pPr algn="r" rtl="1">
+              <a:buFont typeface="Wingdings" panose="05000000000000000000" pitchFamily="2" charset="2"/>
+              <a:buChar char="§"/>
+            </a:pPr>
             <a:endParaRPr lang="fa-IR" sz="2400" dirty="0">
               <a:cs typeface="B Nazanin" panose="00000400000000000000" pitchFamily="2" charset="-78"/>
             </a:endParaRPr>
           </a:p>
         </p:txBody>
       </p:sp>
+      <p:pic>
+        <p:nvPicPr>
+          <p:cNvPr id="4" name="Picture 3"/>
+          <p:cNvPicPr>
+            <a:picLocks noChangeAspect="1"/>
+          </p:cNvPicPr>
+          <p:nvPr/>
+        </p:nvPicPr>
+        <p:blipFill>
+          <a:blip r:embed="rId2"/>
+          <a:stretch>
+            <a:fillRect/>
+          </a:stretch>
+        </p:blipFill>
+        <p:spPr>
+          <a:xfrm>
+            <a:off x="11078820" y="1349828"/>
+            <a:ext cx="347331" cy="304826"/>
+          </a:xfrm>
+          <a:prstGeom prst="rect">
+            <a:avLst/>
+          </a:prstGeom>
+        </p:spPr>
+      </p:pic>
+      <p:pic>
+        <p:nvPicPr>
+          <p:cNvPr id="5" name="Picture 4"/>
+          <p:cNvPicPr>
+            <a:picLocks noChangeAspect="1"/>
+          </p:cNvPicPr>
+          <p:nvPr/>
+        </p:nvPicPr>
+        <p:blipFill>
+          <a:blip r:embed="rId2"/>
+          <a:stretch>
+            <a:fillRect/>
+          </a:stretch>
+        </p:blipFill>
+        <p:spPr>
+          <a:xfrm>
+            <a:off x="11078820" y="2495005"/>
+            <a:ext cx="347331" cy="304826"/>
+          </a:xfrm>
+          <a:prstGeom prst="rect">
+            <a:avLst/>
+          </a:prstGeom>
+        </p:spPr>
+      </p:pic>
     </p:spTree>
     <p:extLst>
       <p:ext uri="{BB962C8B-B14F-4D97-AF65-F5344CB8AC3E}">
@@ -8238,14 +8318,21 @@
             <p:ph type="title"/>
           </p:nvPr>
         </p:nvSpPr>
-        <p:spPr/>
-        <p:txBody>
-          <a:bodyPr/>
+        <p:spPr>
+          <a:xfrm>
+            <a:off x="838200" y="365126"/>
+            <a:ext cx="10515600" cy="653778"/>
+          </a:xfrm>
+        </p:spPr>
+        <p:txBody>
+          <a:bodyPr>
+            <a:normAutofit/>
+          </a:bodyPr>
           <a:lstStyle/>
           <a:p>
             <a:pPr algn="ctr"/>
             <a:r>
-              <a:rPr lang="fa-IR" u="sng" dirty="0" smtClean="0">
+              <a:rPr lang="fa-IR" sz="3600" u="sng" dirty="0" smtClean="0">
                 <a:solidFill>
                   <a:srgbClr val="C00000"/>
                 </a:solidFill>
@@ -8253,7 +8340,7 @@
               </a:rPr>
               <a:t>نماینده کاربر در پروژه های چابک</a:t>
             </a:r>
-            <a:endParaRPr lang="fa-IR" u="sng" dirty="0">
+            <a:endParaRPr lang="fa-IR" sz="3600" u="sng" dirty="0">
               <a:solidFill>
                 <a:srgbClr val="C00000"/>
               </a:solidFill>
@@ -8272,7 +8359,12 @@
             <p:ph idx="1"/>
           </p:nvPr>
         </p:nvSpPr>
-        <p:spPr/>
+        <p:spPr>
+          <a:xfrm>
+            <a:off x="838200" y="1288869"/>
+            <a:ext cx="10515600" cy="4888094"/>
+          </a:xfrm>
+        </p:spPr>
         <p:txBody>
           <a:bodyPr>
             <a:normAutofit/>

--- a/ارائه مهندسي نيازمندي ها.pptx
+++ b/ارائه مهندسي نيازمندي ها.pptx
@@ -5,7 +5,7 @@
     <p:sldMasterId id="2147483985" r:id="rId1"/>
   </p:sldMasterIdLst>
   <p:notesMasterIdLst>
-    <p:notesMasterId r:id="rId27"/>
+    <p:notesMasterId r:id="rId28"/>
   </p:notesMasterIdLst>
   <p:sldIdLst>
     <p:sldId id="257" r:id="rId2"/>
@@ -33,6 +33,7 @@
     <p:sldId id="278" r:id="rId24"/>
     <p:sldId id="282" r:id="rId25"/>
     <p:sldId id="283" r:id="rId26"/>
+    <p:sldId id="287" r:id="rId27"/>
   </p:sldIdLst>
   <p:sldSz cx="12192000" cy="6858000"/>
   <p:notesSz cx="6858000" cy="9144000"/>
@@ -226,7 +227,7 @@
             <a:fld id="{D5904EEC-1544-4F8A-9627-C15A01248C3F}" type="datetimeFigureOut">
               <a:rPr lang="fa-IR" smtClean="0"/>
               <a:pPr/>
-              <a:t>05/06/1443</a:t>
+              <a:t>07/06/1443</a:t>
             </a:fld>
             <a:endParaRPr lang="fa-IR" dirty="0"/>
           </a:p>
@@ -748,7 +749,7 @@
           <a:p>
             <a:fld id="{02730C7D-E670-452F-99B3-10B0C33A0E2C}" type="datetimeFigureOut">
               <a:rPr lang="en-US" smtClean="0"/>
-              <a:t>1/8/2022</a:t>
+              <a:t>1/10/2022</a:t>
             </a:fld>
             <a:endParaRPr lang="en-US"/>
           </a:p>
@@ -918,7 +919,7 @@
           <a:p>
             <a:fld id="{02730C7D-E670-452F-99B3-10B0C33A0E2C}" type="datetimeFigureOut">
               <a:rPr lang="en-US" smtClean="0"/>
-              <a:t>1/8/2022</a:t>
+              <a:t>1/10/2022</a:t>
             </a:fld>
             <a:endParaRPr lang="en-US"/>
           </a:p>
@@ -1098,7 +1099,7 @@
           <a:p>
             <a:fld id="{02730C7D-E670-452F-99B3-10B0C33A0E2C}" type="datetimeFigureOut">
               <a:rPr lang="en-US" smtClean="0"/>
-              <a:t>1/8/2022</a:t>
+              <a:t>1/10/2022</a:t>
             </a:fld>
             <a:endParaRPr lang="en-US"/>
           </a:p>
@@ -1268,7 +1269,7 @@
           <a:p>
             <a:fld id="{02730C7D-E670-452F-99B3-10B0C33A0E2C}" type="datetimeFigureOut">
               <a:rPr lang="en-US" smtClean="0"/>
-              <a:t>1/8/2022</a:t>
+              <a:t>1/10/2022</a:t>
             </a:fld>
             <a:endParaRPr lang="en-US"/>
           </a:p>
@@ -1514,7 +1515,7 @@
           <a:p>
             <a:fld id="{02730C7D-E670-452F-99B3-10B0C33A0E2C}" type="datetimeFigureOut">
               <a:rPr lang="en-US" smtClean="0"/>
-              <a:t>1/8/2022</a:t>
+              <a:t>1/10/2022</a:t>
             </a:fld>
             <a:endParaRPr lang="en-US"/>
           </a:p>
@@ -1746,7 +1747,7 @@
           <a:p>
             <a:fld id="{02730C7D-E670-452F-99B3-10B0C33A0E2C}" type="datetimeFigureOut">
               <a:rPr lang="en-US" smtClean="0"/>
-              <a:t>1/8/2022</a:t>
+              <a:t>1/10/2022</a:t>
             </a:fld>
             <a:endParaRPr lang="en-US"/>
           </a:p>
@@ -2113,7 +2114,7 @@
           <a:p>
             <a:fld id="{02730C7D-E670-452F-99B3-10B0C33A0E2C}" type="datetimeFigureOut">
               <a:rPr lang="en-US" smtClean="0"/>
-              <a:t>1/8/2022</a:t>
+              <a:t>1/10/2022</a:t>
             </a:fld>
             <a:endParaRPr lang="en-US"/>
           </a:p>
@@ -2231,7 +2232,7 @@
           <a:p>
             <a:fld id="{02730C7D-E670-452F-99B3-10B0C33A0E2C}" type="datetimeFigureOut">
               <a:rPr lang="en-US" smtClean="0"/>
-              <a:t>1/8/2022</a:t>
+              <a:t>1/10/2022</a:t>
             </a:fld>
             <a:endParaRPr lang="en-US"/>
           </a:p>
@@ -2326,7 +2327,7 @@
           <a:p>
             <a:fld id="{02730C7D-E670-452F-99B3-10B0C33A0E2C}" type="datetimeFigureOut">
               <a:rPr lang="en-US" smtClean="0"/>
-              <a:t>1/8/2022</a:t>
+              <a:t>1/10/2022</a:t>
             </a:fld>
             <a:endParaRPr lang="en-US"/>
           </a:p>
@@ -2603,7 +2604,7 @@
           <a:p>
             <a:fld id="{02730C7D-E670-452F-99B3-10B0C33A0E2C}" type="datetimeFigureOut">
               <a:rPr lang="en-US" smtClean="0"/>
-              <a:t>1/8/2022</a:t>
+              <a:t>1/10/2022</a:t>
             </a:fld>
             <a:endParaRPr lang="en-US"/>
           </a:p>
@@ -2860,7 +2861,7 @@
           <a:p>
             <a:fld id="{02730C7D-E670-452F-99B3-10B0C33A0E2C}" type="datetimeFigureOut">
               <a:rPr lang="en-US" smtClean="0"/>
-              <a:t>1/8/2022</a:t>
+              <a:t>1/10/2022</a:t>
             </a:fld>
             <a:endParaRPr lang="en-US"/>
           </a:p>
@@ -3073,7 +3074,7 @@
           <a:p>
             <a:fld id="{02730C7D-E670-452F-99B3-10B0C33A0E2C}" type="datetimeFigureOut">
               <a:rPr lang="en-US" smtClean="0"/>
-              <a:t>1/8/2022</a:t>
+              <a:t>1/10/2022</a:t>
             </a:fld>
             <a:endParaRPr lang="en-US"/>
           </a:p>
@@ -8064,12 +8065,6 @@
               </a:rPr>
               <a:t>    چندنین قهرمان محصول </a:t>
             </a:r>
-            <a:endParaRPr lang="fa-IR" sz="2400" dirty="0" smtClean="0">
-              <a:solidFill>
-                <a:srgbClr val="C00000"/>
-              </a:solidFill>
-              <a:cs typeface="B Nazanin" panose="00000400000000000000" pitchFamily="2" charset="-78"/>
-            </a:endParaRPr>
           </a:p>
           <a:p>
             <a:pPr algn="r" rtl="1">
@@ -8094,9 +8089,6 @@
               </a:rPr>
               <a:t>برای اینکه این کار به خوبی انجام شود به تعداد کلاس‌های کاربری باید قهرمان محصول در نظر گرفت . </a:t>
             </a:r>
-            <a:endParaRPr lang="fa-IR" sz="2000" dirty="0" smtClean="0">
-              <a:cs typeface="B Nazanin" panose="00000400000000000000" pitchFamily="2" charset="-78"/>
-            </a:endParaRPr>
           </a:p>
           <a:p>
             <a:pPr algn="r" rtl="1">
@@ -8188,6 +8180,13 @@
   <p:clrMapOvr>
     <a:masterClrMapping/>
   </p:clrMapOvr>
+  <p:timing>
+    <p:tnLst>
+      <p:par>
+        <p:cTn id="1" dur="indefinite" restart="never" nodeType="tmRoot"/>
+      </p:par>
+    </p:tnLst>
+  </p:timing>
 </p:sld>
 </file>
 
@@ -8288,6 +8287,13 @@
   <p:clrMapOvr>
     <a:masterClrMapping/>
   </p:clrMapOvr>
+  <p:timing>
+    <p:tnLst>
+      <p:par>
+        <p:cTn id="1" dur="indefinite" restart="never" nodeType="tmRoot"/>
+      </p:par>
+    </p:tnLst>
+  </p:timing>
 </p:sld>
 </file>
 
@@ -8394,6 +8400,760 @@
   <p:clrMapOvr>
     <a:masterClrMapping/>
   </p:clrMapOvr>
+  <p:timing>
+    <p:tnLst>
+      <p:par>
+        <p:cTn id="1" dur="indefinite" restart="never" nodeType="tmRoot"/>
+      </p:par>
+    </p:tnLst>
+  </p:timing>
+</p:sld>
+</file>
+
+<file path=ppt/slides/slide26.xml><?xml version="1.0" encoding="utf-8"?>
+<p:sld xmlns:a="http://schemas.openxmlformats.org/drawingml/2006/main" xmlns:r="http://schemas.openxmlformats.org/officeDocument/2006/relationships" xmlns:p="http://schemas.openxmlformats.org/presentationml/2006/main">
+  <p:cSld>
+    <p:spTree>
+      <p:nvGrpSpPr>
+        <p:cNvPr id="1" name=""/>
+        <p:cNvGrpSpPr/>
+        <p:nvPr/>
+      </p:nvGrpSpPr>
+      <p:grpSpPr>
+        <a:xfrm>
+          <a:off x="0" y="0"/>
+          <a:ext cx="0" cy="0"/>
+          <a:chOff x="0" y="0"/>
+          <a:chExt cx="0" cy="0"/>
+        </a:xfrm>
+      </p:grpSpPr>
+      <p:sp>
+        <p:nvSpPr>
+          <p:cNvPr id="2" name="Title 1"/>
+          <p:cNvSpPr>
+            <a:spLocks noGrp="1"/>
+          </p:cNvSpPr>
+          <p:nvPr>
+            <p:ph type="title"/>
+          </p:nvPr>
+        </p:nvSpPr>
+        <p:spPr>
+          <a:xfrm>
+            <a:off x="838200" y="365126"/>
+            <a:ext cx="10515600" cy="723446"/>
+          </a:xfrm>
+        </p:spPr>
+        <p:txBody>
+          <a:bodyPr>
+            <a:normAutofit/>
+          </a:bodyPr>
+          <a:lstStyle/>
+          <a:p>
+            <a:pPr algn="ctr"/>
+            <a:r>
+              <a:rPr lang="fa-IR" sz="3200" u="sng" dirty="0" smtClean="0">
+                <a:solidFill>
+                  <a:srgbClr val="C00000"/>
+                </a:solidFill>
+              </a:rPr>
+              <a:t>حل و فصل الزامات متضاد</a:t>
+            </a:r>
+            <a:endParaRPr lang="fa-IR" sz="3200" u="sng" dirty="0">
+              <a:solidFill>
+                <a:srgbClr val="C00000"/>
+              </a:solidFill>
+            </a:endParaRPr>
+          </a:p>
+        </p:txBody>
+      </p:sp>
+      <p:sp>
+        <p:nvSpPr>
+          <p:cNvPr id="3" name="Content Placeholder 2"/>
+          <p:cNvSpPr>
+            <a:spLocks noGrp="1"/>
+          </p:cNvSpPr>
+          <p:nvPr>
+            <p:ph idx="1"/>
+          </p:nvPr>
+        </p:nvSpPr>
+        <p:spPr>
+          <a:xfrm>
+            <a:off x="481148" y="1210490"/>
+            <a:ext cx="11031583" cy="5165825"/>
+          </a:xfrm>
+        </p:spPr>
+        <p:txBody>
+          <a:bodyPr>
+            <a:normAutofit/>
+          </a:bodyPr>
+          <a:lstStyle/>
+          <a:p>
+            <a:r>
+              <a:rPr lang="fa-IR" sz="2000" dirty="0" smtClean="0"/>
+              <a:t>شخصی باید وجود داشته باشد که بتواند </a:t>
+            </a:r>
+            <a:r>
+              <a:rPr lang="fa-IR" sz="2000" dirty="0" smtClean="0">
+                <a:solidFill>
+                  <a:srgbClr val="C00000"/>
+                </a:solidFill>
+              </a:rPr>
+              <a:t>الزامات متضاد </a:t>
+            </a:r>
+            <a:r>
+              <a:rPr lang="fa-IR" sz="2000" dirty="0" smtClean="0"/>
+              <a:t>کلاس‌های مختلف کاربری را حل و فصل کند و </a:t>
+            </a:r>
+            <a:r>
+              <a:rPr lang="fa-IR" sz="2000" dirty="0" smtClean="0">
+                <a:solidFill>
+                  <a:srgbClr val="C00000"/>
+                </a:solidFill>
+              </a:rPr>
+              <a:t>ناسازگاری ها </a:t>
+            </a:r>
+            <a:r>
+              <a:rPr lang="fa-IR" sz="2000" dirty="0" smtClean="0"/>
+              <a:t>را تطبیق دهد . </a:t>
+            </a:r>
+          </a:p>
+          <a:p>
+            <a:r>
+              <a:rPr lang="fa-IR" sz="2000" dirty="0" smtClean="0">
+                <a:solidFill>
+                  <a:srgbClr val="C00000"/>
+                </a:solidFill>
+              </a:rPr>
+              <a:t>قهرمان محصول </a:t>
+            </a:r>
+            <a:r>
+              <a:rPr lang="fa-IR" sz="2000" dirty="0" smtClean="0"/>
+              <a:t>یا </a:t>
+            </a:r>
+            <a:r>
+              <a:rPr lang="fa-IR" sz="2000" dirty="0" smtClean="0">
+                <a:solidFill>
+                  <a:srgbClr val="C00000"/>
+                </a:solidFill>
+              </a:rPr>
+              <a:t>مالک محصول </a:t>
+            </a:r>
+            <a:r>
+              <a:rPr lang="fa-IR" sz="2000" dirty="0" smtClean="0"/>
+              <a:t>در بیشتر موارد این می‌توانند این مهم را انجام دهند . </a:t>
+            </a:r>
+          </a:p>
+          <a:p>
+            <a:r>
+              <a:rPr lang="fa-IR" sz="2000" dirty="0" smtClean="0"/>
+              <a:t>برای حل تضادها پیشنهادهایی وجود دارد که در جدول زیر آمده است .</a:t>
+            </a:r>
+          </a:p>
+          <a:p>
+            <a:endParaRPr lang="fa-IR" sz="2000" dirty="0" smtClean="0"/>
+          </a:p>
+        </p:txBody>
+      </p:sp>
+      <p:graphicFrame>
+        <p:nvGraphicFramePr>
+          <p:cNvPr id="6" name="Table 5"/>
+          <p:cNvGraphicFramePr>
+            <a:graphicFrameLocks noGrp="1"/>
+          </p:cNvGraphicFramePr>
+          <p:nvPr>
+            <p:extLst>
+              <p:ext uri="{D42A27DB-BD31-4B8C-83A1-F6EECF244321}">
+                <p14:modId xmlns:p14="http://schemas.microsoft.com/office/powerpoint/2010/main" val="3084014111"/>
+              </p:ext>
+            </p:extLst>
+          </p:nvPr>
+        </p:nvGraphicFramePr>
+        <p:xfrm>
+          <a:off x="1399177" y="2769327"/>
+          <a:ext cx="9544594" cy="3606989"/>
+        </p:xfrm>
+        <a:graphic>
+          <a:graphicData uri="http://schemas.openxmlformats.org/drawingml/2006/table">
+            <a:tbl>
+              <a:tblPr rtl="1" firstRow="1" bandRow="1">
+                <a:tableStyleId>{5C22544A-7EE6-4342-B048-85BDC9FD1C3A}</a:tableStyleId>
+              </a:tblPr>
+              <a:tblGrid>
+                <a:gridCol w="2679337">
+                  <a:extLst>
+                    <a:ext uri="{9D8B030D-6E8A-4147-A177-3AD203B41FA5}">
+                      <a16:colId xmlns:a16="http://schemas.microsoft.com/office/drawing/2014/main" val="3824231201"/>
+                    </a:ext>
+                  </a:extLst>
+                </a:gridCol>
+                <a:gridCol w="6865257">
+                  <a:extLst>
+                    <a:ext uri="{9D8B030D-6E8A-4147-A177-3AD203B41FA5}">
+                      <a16:colId xmlns:a16="http://schemas.microsoft.com/office/drawing/2014/main" val="3649454329"/>
+                    </a:ext>
+                  </a:extLst>
+                </a:gridCol>
+              </a:tblGrid>
+              <a:tr h="405505">
+                <a:tc>
+                  <a:txBody>
+                    <a:bodyPr/>
+                    <a:lstStyle/>
+                    <a:p>
+                      <a:pPr algn="ctr" rtl="1"/>
+                      <a:r>
+                        <a:rPr lang="fa-IR" sz="1600" dirty="0" smtClean="0"/>
+                        <a:t>اختلاف بین </a:t>
+                      </a:r>
+                      <a:endParaRPr lang="fa-IR" sz="1600" dirty="0"/>
+                    </a:p>
+                  </a:txBody>
+                  <a:tcPr anchor="ctr"/>
+                </a:tc>
+                <a:tc>
+                  <a:txBody>
+                    <a:bodyPr/>
+                    <a:lstStyle/>
+                    <a:p>
+                      <a:pPr algn="ctr" rtl="1"/>
+                      <a:r>
+                        <a:rPr lang="fa-IR" sz="1600" dirty="0" smtClean="0"/>
+                        <a:t>چگونه</a:t>
+                      </a:r>
+                      <a:r>
+                        <a:rPr lang="fa-IR" sz="1600" baseline="0" dirty="0" smtClean="0"/>
+                        <a:t> می‌شود حل کرد </a:t>
+                      </a:r>
+                      <a:endParaRPr lang="fa-IR" sz="1600" dirty="0"/>
+                    </a:p>
+                  </a:txBody>
+                  <a:tcPr anchor="ctr"/>
+                </a:tc>
+                <a:extLst>
+                  <a:ext uri="{0D108BD9-81ED-4DB2-BD59-A6C34878D82A}">
+                    <a16:rowId xmlns:a16="http://schemas.microsoft.com/office/drawing/2014/main" val="1514154476"/>
+                  </a:ext>
+                </a:extLst>
+              </a:tr>
+              <a:tr h="601812">
+                <a:tc>
+                  <a:txBody>
+                    <a:bodyPr/>
+                    <a:lstStyle/>
+                    <a:p>
+                      <a:pPr algn="ctr" rtl="1"/>
+                      <a:r>
+                        <a:rPr kumimoji="0" lang="fa-IR" sz="1600" b="0" i="0" u="none" strike="noStrike" kern="1200" cap="none" spc="0" normalizeH="0" baseline="0" noProof="0" dirty="0" smtClean="0">
+                          <a:ln>
+                            <a:noFill/>
+                          </a:ln>
+                          <a:solidFill>
+                            <a:prstClr val="black"/>
+                          </a:solidFill>
+                          <a:effectLst/>
+                          <a:uLnTx/>
+                          <a:uFillTx/>
+                          <a:latin typeface="+mn-lt"/>
+                          <a:ea typeface="+mn-ea"/>
+                          <a:cs typeface="+mn-cs"/>
+                        </a:rPr>
+                        <a:t>کاربران شخصی </a:t>
+                      </a:r>
+                      <a:endParaRPr lang="fa-IR" sz="1600" dirty="0"/>
+                    </a:p>
+                  </a:txBody>
+                  <a:tcPr anchor="ctr"/>
+                </a:tc>
+                <a:tc>
+                  <a:txBody>
+                    <a:bodyPr/>
+                    <a:lstStyle/>
+                    <a:p>
+                      <a:pPr marL="0" marR="0" lvl="0" indent="0" algn="ctr" defTabSz="914400" rtl="1" eaLnBrk="1" fontAlgn="auto" latinLnBrk="0" hangingPunct="1">
+                        <a:lnSpc>
+                          <a:spcPct val="90000"/>
+                        </a:lnSpc>
+                        <a:spcBef>
+                          <a:spcPts val="1000"/>
+                        </a:spcBef>
+                        <a:spcAft>
+                          <a:spcPts val="0"/>
+                        </a:spcAft>
+                        <a:buClrTx/>
+                        <a:buSzTx/>
+                        <a:buFont typeface="Arial" panose="020B0604020202020204" pitchFamily="34" charset="0"/>
+                        <a:buNone/>
+                        <a:tabLst/>
+                        <a:defRPr/>
+                      </a:pPr>
+                      <a:r>
+                        <a:rPr kumimoji="0" lang="fa-IR" sz="1600" b="0" i="0" u="none" strike="noStrike" kern="1200" cap="none" spc="0" normalizeH="0" baseline="0" noProof="0" dirty="0" smtClean="0">
+                          <a:ln>
+                            <a:noFill/>
+                          </a:ln>
+                          <a:solidFill>
+                            <a:prstClr val="black"/>
+                          </a:solidFill>
+                          <a:effectLst/>
+                          <a:uLnTx/>
+                          <a:uFillTx/>
+                          <a:latin typeface="+mn-lt"/>
+                          <a:ea typeface="+mn-ea"/>
+                          <a:cs typeface="+mn-cs"/>
+                        </a:rPr>
+                        <a:t>مالک محصول یا قهرمان محصول تصمیم می گیرد </a:t>
+                      </a:r>
+                    </a:p>
+                    <a:p>
+                      <a:pPr algn="ctr" rtl="1"/>
+                      <a:endParaRPr lang="fa-IR" sz="1600" dirty="0"/>
+                    </a:p>
+                  </a:txBody>
+                  <a:tcPr anchor="b"/>
+                </a:tc>
+                <a:extLst>
+                  <a:ext uri="{0D108BD9-81ED-4DB2-BD59-A6C34878D82A}">
+                    <a16:rowId xmlns:a16="http://schemas.microsoft.com/office/drawing/2014/main" val="151488339"/>
+                  </a:ext>
+                </a:extLst>
+              </a:tr>
+              <a:tr h="372550">
+                <a:tc>
+                  <a:txBody>
+                    <a:bodyPr/>
+                    <a:lstStyle/>
+                    <a:p>
+                      <a:pPr algn="ctr" rtl="1"/>
+                      <a:r>
+                        <a:rPr kumimoji="0" lang="fa-IR" sz="1600" b="0" i="0" u="none" strike="noStrike" kern="1200" cap="none" spc="0" normalizeH="0" baseline="0" noProof="0" dirty="0" smtClean="0">
+                          <a:ln>
+                            <a:noFill/>
+                          </a:ln>
+                          <a:solidFill>
+                            <a:prstClr val="black"/>
+                          </a:solidFill>
+                          <a:effectLst/>
+                          <a:uLnTx/>
+                          <a:uFillTx/>
+                          <a:latin typeface="+mn-lt"/>
+                          <a:ea typeface="+mn-ea"/>
+                          <a:cs typeface="+mn-cs"/>
+                        </a:rPr>
+                        <a:t>کلاس‌های کاربری </a:t>
+                      </a:r>
+                      <a:endParaRPr lang="fa-IR" sz="1600" dirty="0"/>
+                    </a:p>
+                  </a:txBody>
+                  <a:tcPr anchor="ctr"/>
+                </a:tc>
+                <a:tc>
+                  <a:txBody>
+                    <a:bodyPr/>
+                    <a:lstStyle/>
+                    <a:p>
+                      <a:pPr algn="ctr" rtl="1"/>
+                      <a:r>
+                        <a:rPr kumimoji="0" lang="fa-IR" sz="1600" b="0" i="0" u="none" strike="noStrike" kern="1200" cap="none" spc="0" normalizeH="0" baseline="0" noProof="0" dirty="0" smtClean="0">
+                          <a:ln>
+                            <a:noFill/>
+                          </a:ln>
+                          <a:solidFill>
+                            <a:prstClr val="black"/>
+                          </a:solidFill>
+                          <a:effectLst/>
+                          <a:uLnTx/>
+                          <a:uFillTx/>
+                          <a:latin typeface="+mn-lt"/>
+                          <a:ea typeface="+mn-ea"/>
+                          <a:cs typeface="+mn-cs"/>
+                        </a:rPr>
+                        <a:t>کلاس کاربری مورد علاقه اولویت دارد . </a:t>
+                      </a:r>
+                      <a:endParaRPr lang="fa-IR" sz="1600" dirty="0"/>
+                    </a:p>
+                  </a:txBody>
+                  <a:tcPr anchor="ctr"/>
+                </a:tc>
+                <a:extLst>
+                  <a:ext uri="{0D108BD9-81ED-4DB2-BD59-A6C34878D82A}">
+                    <a16:rowId xmlns:a16="http://schemas.microsoft.com/office/drawing/2014/main" val="2258290743"/>
+                  </a:ext>
+                </a:extLst>
+              </a:tr>
+              <a:tr h="439225">
+                <a:tc>
+                  <a:txBody>
+                    <a:bodyPr/>
+                    <a:lstStyle/>
+                    <a:p>
+                      <a:pPr algn="ctr" rtl="1"/>
+                      <a:r>
+                        <a:rPr kumimoji="0" lang="fa-IR" sz="1600" b="0" i="0" u="none" strike="noStrike" kern="1200" cap="none" spc="0" normalizeH="0" baseline="0" noProof="0" dirty="0" smtClean="0">
+                          <a:ln>
+                            <a:noFill/>
+                          </a:ln>
+                          <a:solidFill>
+                            <a:prstClr val="black"/>
+                          </a:solidFill>
+                          <a:effectLst/>
+                          <a:uLnTx/>
+                          <a:uFillTx/>
+                          <a:latin typeface="+mn-lt"/>
+                          <a:ea typeface="+mn-ea"/>
+                          <a:cs typeface="+mn-cs"/>
+                        </a:rPr>
+                        <a:t>بخش‌های تجاری </a:t>
+                      </a:r>
+                      <a:endParaRPr lang="fa-IR" sz="1600" dirty="0"/>
+                    </a:p>
+                  </a:txBody>
+                  <a:tcPr anchor="ctr"/>
+                </a:tc>
+                <a:tc>
+                  <a:txBody>
+                    <a:bodyPr/>
+                    <a:lstStyle/>
+                    <a:p>
+                      <a:pPr marL="0" marR="0" lvl="0" indent="0" algn="ctr" defTabSz="914400" rtl="1" eaLnBrk="1" fontAlgn="auto" latinLnBrk="0" hangingPunct="1">
+                        <a:lnSpc>
+                          <a:spcPct val="90000"/>
+                        </a:lnSpc>
+                        <a:spcBef>
+                          <a:spcPts val="1000"/>
+                        </a:spcBef>
+                        <a:spcAft>
+                          <a:spcPts val="0"/>
+                        </a:spcAft>
+                        <a:buClrTx/>
+                        <a:buSzTx/>
+                        <a:buFont typeface="Arial" panose="020B0604020202020204" pitchFamily="34" charset="0"/>
+                        <a:buNone/>
+                        <a:tabLst/>
+                        <a:defRPr/>
+                      </a:pPr>
+                      <a:r>
+                        <a:rPr kumimoji="0" lang="fa-IR" sz="1600" b="0" i="0" u="none" strike="noStrike" kern="1200" cap="none" spc="0" normalizeH="0" baseline="0" noProof="0" dirty="0" smtClean="0">
+                          <a:ln>
+                            <a:noFill/>
+                          </a:ln>
+                          <a:solidFill>
+                            <a:prstClr val="black"/>
+                          </a:solidFill>
+                          <a:effectLst/>
+                          <a:uLnTx/>
+                          <a:uFillTx/>
+                          <a:latin typeface="+mn-lt"/>
+                          <a:ea typeface="+mn-ea"/>
+                          <a:cs typeface="+mn-cs"/>
+                        </a:rPr>
+                        <a:t>بخش هایی که بیشترین تأثیر را بر موفقیت کسب و کار دارند، اولویت دارند </a:t>
+                      </a:r>
+                    </a:p>
+                    <a:p>
+                      <a:pPr algn="ctr" rtl="1"/>
+                      <a:endParaRPr lang="fa-IR" sz="1600" dirty="0"/>
+                    </a:p>
+                  </a:txBody>
+                  <a:tcPr anchorCtr="1"/>
+                </a:tc>
+                <a:extLst>
+                  <a:ext uri="{0D108BD9-81ED-4DB2-BD59-A6C34878D82A}">
+                    <a16:rowId xmlns:a16="http://schemas.microsoft.com/office/drawing/2014/main" val="565650111"/>
+                  </a:ext>
+                </a:extLst>
+              </a:tr>
+              <a:tr h="372550">
+                <a:tc>
+                  <a:txBody>
+                    <a:bodyPr/>
+                    <a:lstStyle/>
+                    <a:p>
+                      <a:pPr algn="ctr" rtl="1"/>
+                      <a:r>
+                        <a:rPr kumimoji="0" lang="fa-IR" sz="1600" b="0" i="0" u="none" strike="noStrike" kern="1200" cap="none" spc="0" normalizeH="0" baseline="0" noProof="0" dirty="0" smtClean="0">
+                          <a:ln>
+                            <a:noFill/>
+                          </a:ln>
+                          <a:solidFill>
+                            <a:prstClr val="black"/>
+                          </a:solidFill>
+                          <a:effectLst/>
+                          <a:uLnTx/>
+                          <a:uFillTx/>
+                          <a:latin typeface="+mn-lt"/>
+                          <a:ea typeface="+mn-ea"/>
+                          <a:cs typeface="+mn-cs"/>
+                        </a:rPr>
+                        <a:t>مشتریان حقوقی </a:t>
+                      </a:r>
+                      <a:endParaRPr lang="fa-IR" sz="1600" dirty="0"/>
+                    </a:p>
+                  </a:txBody>
+                  <a:tcPr anchor="ctr"/>
+                </a:tc>
+                <a:tc>
+                  <a:txBody>
+                    <a:bodyPr/>
+                    <a:lstStyle/>
+                    <a:p>
+                      <a:pPr algn="ctr" rtl="1"/>
+                      <a:r>
+                        <a:rPr kumimoji="0" lang="fa-IR" sz="1600" b="0" i="0" u="none" strike="noStrike" kern="1200" cap="none" spc="0" normalizeH="0" baseline="0" noProof="0" dirty="0" smtClean="0">
+                          <a:ln>
+                            <a:noFill/>
+                          </a:ln>
+                          <a:solidFill>
+                            <a:prstClr val="black"/>
+                          </a:solidFill>
+                          <a:effectLst/>
+                          <a:uLnTx/>
+                          <a:uFillTx/>
+                          <a:latin typeface="+mn-lt"/>
+                          <a:ea typeface="+mn-ea"/>
+                          <a:cs typeface="+mn-cs"/>
+                        </a:rPr>
+                        <a:t>اهداف تجاری جهت را تعیین می‌کنند</a:t>
+                      </a:r>
+                      <a:endParaRPr lang="fa-IR" sz="1600" dirty="0"/>
+                    </a:p>
+                  </a:txBody>
+                  <a:tcPr anchor="ctr"/>
+                </a:tc>
+                <a:extLst>
+                  <a:ext uri="{0D108BD9-81ED-4DB2-BD59-A6C34878D82A}">
+                    <a16:rowId xmlns:a16="http://schemas.microsoft.com/office/drawing/2014/main" val="2913831018"/>
+                  </a:ext>
+                </a:extLst>
+              </a:tr>
+              <a:tr h="352139">
+                <a:tc>
+                  <a:txBody>
+                    <a:bodyPr/>
+                    <a:lstStyle/>
+                    <a:p>
+                      <a:pPr algn="ctr" rtl="1"/>
+                      <a:r>
+                        <a:rPr kumimoji="0" lang="fa-IR" sz="1600" b="0" i="0" u="none" strike="noStrike" kern="1200" cap="none" spc="0" normalizeH="0" baseline="0" noProof="0" dirty="0" smtClean="0">
+                          <a:ln>
+                            <a:noFill/>
+                          </a:ln>
+                          <a:solidFill>
+                            <a:prstClr val="black"/>
+                          </a:solidFill>
+                          <a:effectLst/>
+                          <a:uLnTx/>
+                          <a:uFillTx/>
+                          <a:latin typeface="+mn-lt"/>
+                          <a:ea typeface="+mn-ea"/>
+                          <a:cs typeface="+mn-cs"/>
+                        </a:rPr>
+                        <a:t>کاربران و مدیران کاربری </a:t>
+                      </a:r>
+                      <a:endParaRPr lang="fa-IR" sz="1600" dirty="0"/>
+                    </a:p>
+                  </a:txBody>
+                  <a:tcPr anchor="ctr"/>
+                </a:tc>
+                <a:tc>
+                  <a:txBody>
+                    <a:bodyPr/>
+                    <a:lstStyle/>
+                    <a:p>
+                      <a:pPr marL="0" marR="0" lvl="0" indent="0" algn="ctr" defTabSz="914400" rtl="1" eaLnBrk="1" fontAlgn="auto" latinLnBrk="0" hangingPunct="1">
+                        <a:lnSpc>
+                          <a:spcPct val="90000"/>
+                        </a:lnSpc>
+                        <a:spcBef>
+                          <a:spcPts val="1000"/>
+                        </a:spcBef>
+                        <a:spcAft>
+                          <a:spcPts val="0"/>
+                        </a:spcAft>
+                        <a:buClrTx/>
+                        <a:buSzTx/>
+                        <a:buFont typeface="Arial" panose="020B0604020202020204" pitchFamily="34" charset="0"/>
+                        <a:buNone/>
+                        <a:tabLst/>
+                        <a:defRPr/>
+                      </a:pPr>
+                      <a:r>
+                        <a:rPr kumimoji="0" lang="fa-IR" sz="1600" b="0" i="0" u="none" strike="noStrike" kern="1200" cap="none" spc="0" normalizeH="0" baseline="0" noProof="0" dirty="0" smtClean="0">
+                          <a:ln>
+                            <a:noFill/>
+                          </a:ln>
+                          <a:solidFill>
+                            <a:prstClr val="black"/>
+                          </a:solidFill>
+                          <a:effectLst/>
+                          <a:uLnTx/>
+                          <a:uFillTx/>
+                          <a:latin typeface="+mn-lt"/>
+                          <a:ea typeface="+mn-ea"/>
+                          <a:cs typeface="+mn-cs"/>
+                        </a:rPr>
+                        <a:t>مالک محصول یا قهرمان محصول برای کلاس کاربری تصمیم‌گیری می‌کند</a:t>
+                      </a:r>
+                    </a:p>
+                    <a:p>
+                      <a:pPr algn="ctr" rtl="1"/>
+                      <a:endParaRPr lang="fa-IR" sz="1600" dirty="0"/>
+                    </a:p>
+                  </a:txBody>
+                  <a:tcPr anchor="ctr"/>
+                </a:tc>
+                <a:extLst>
+                  <a:ext uri="{0D108BD9-81ED-4DB2-BD59-A6C34878D82A}">
+                    <a16:rowId xmlns:a16="http://schemas.microsoft.com/office/drawing/2014/main" val="1813776469"/>
+                  </a:ext>
+                </a:extLst>
+              </a:tr>
+              <a:tr h="372550">
+                <a:tc>
+                  <a:txBody>
+                    <a:bodyPr/>
+                    <a:lstStyle/>
+                    <a:p>
+                      <a:pPr algn="ctr" rtl="1"/>
+                      <a:r>
+                        <a:rPr kumimoji="0" lang="fa-IR" sz="1600" b="0" i="0" u="none" strike="noStrike" kern="1200" cap="none" spc="0" normalizeH="0" baseline="0" noProof="0" dirty="0" smtClean="0">
+                          <a:ln>
+                            <a:noFill/>
+                          </a:ln>
+                          <a:solidFill>
+                            <a:prstClr val="black"/>
+                          </a:solidFill>
+                          <a:effectLst/>
+                          <a:uLnTx/>
+                          <a:uFillTx/>
+                          <a:latin typeface="+mn-lt"/>
+                          <a:ea typeface="+mn-ea"/>
+                          <a:cs typeface="+mn-cs"/>
+                        </a:rPr>
+                        <a:t>توسعه و مشتریان </a:t>
+                      </a:r>
+                      <a:endParaRPr lang="fa-IR" sz="1600" dirty="0"/>
+                    </a:p>
+                  </a:txBody>
+                  <a:tcPr anchor="ctr"/>
+                </a:tc>
+                <a:tc>
+                  <a:txBody>
+                    <a:bodyPr/>
+                    <a:lstStyle/>
+                    <a:p>
+                      <a:pPr algn="ctr" rtl="1"/>
+                      <a:r>
+                        <a:rPr kumimoji="0" lang="fa-IR" sz="1600" b="0" i="0" u="none" strike="noStrike" kern="1200" cap="none" spc="0" normalizeH="0" baseline="0" noProof="0" dirty="0" smtClean="0">
+                          <a:ln>
+                            <a:noFill/>
+                          </a:ln>
+                          <a:solidFill>
+                            <a:prstClr val="black"/>
+                          </a:solidFill>
+                          <a:effectLst/>
+                          <a:uLnTx/>
+                          <a:uFillTx/>
+                          <a:latin typeface="+mn-lt"/>
+                          <a:ea typeface="+mn-ea"/>
+                          <a:cs typeface="+mn-cs"/>
+                        </a:rPr>
+                        <a:t>مشتریان اولیت دارند اما در راستای اهداف تجاری </a:t>
+                      </a:r>
+                      <a:endParaRPr lang="fa-IR" sz="1600" dirty="0"/>
+                    </a:p>
+                  </a:txBody>
+                  <a:tcPr anchor="ctr"/>
+                </a:tc>
+                <a:extLst>
+                  <a:ext uri="{0D108BD9-81ED-4DB2-BD59-A6C34878D82A}">
+                    <a16:rowId xmlns:a16="http://schemas.microsoft.com/office/drawing/2014/main" val="1442588526"/>
+                  </a:ext>
+                </a:extLst>
+              </a:tr>
+              <a:tr h="372550">
+                <a:tc>
+                  <a:txBody>
+                    <a:bodyPr/>
+                    <a:lstStyle/>
+                    <a:p>
+                      <a:pPr algn="ctr" rtl="1"/>
+                      <a:r>
+                        <a:rPr kumimoji="0" lang="fa-IR" sz="1600" b="0" i="0" u="none" strike="noStrike" kern="1200" cap="none" spc="0" normalizeH="0" baseline="0" noProof="0" dirty="0" smtClean="0">
+                          <a:ln>
+                            <a:noFill/>
+                          </a:ln>
+                          <a:solidFill>
+                            <a:prstClr val="black"/>
+                          </a:solidFill>
+                          <a:effectLst/>
+                          <a:uLnTx/>
+                          <a:uFillTx/>
+                          <a:latin typeface="+mn-lt"/>
+                          <a:ea typeface="+mn-ea"/>
+                          <a:cs typeface="+mn-cs"/>
+                        </a:rPr>
+                        <a:t>توسعه و بازاریابی </a:t>
+                      </a:r>
+                      <a:endParaRPr lang="fa-IR" sz="1600" dirty="0"/>
+                    </a:p>
+                  </a:txBody>
+                  <a:tcPr anchor="ctr"/>
+                </a:tc>
+                <a:tc>
+                  <a:txBody>
+                    <a:bodyPr/>
+                    <a:lstStyle/>
+                    <a:p>
+                      <a:pPr algn="ctr" rtl="1"/>
+                      <a:r>
+                        <a:rPr kumimoji="0" lang="fa-IR" sz="1600" b="0" i="0" u="none" strike="noStrike" kern="1200" cap="none" spc="0" normalizeH="0" baseline="0" noProof="0" dirty="0" smtClean="0">
+                          <a:ln>
+                            <a:noFill/>
+                          </a:ln>
+                          <a:solidFill>
+                            <a:prstClr val="black"/>
+                          </a:solidFill>
+                          <a:effectLst/>
+                          <a:uLnTx/>
+                          <a:uFillTx/>
+                          <a:latin typeface="+mn-lt"/>
+                          <a:ea typeface="+mn-ea"/>
+                          <a:cs typeface="+mn-cs"/>
+                        </a:rPr>
+                        <a:t>بازاریابی اولیت دارد </a:t>
+                      </a:r>
+                      <a:endParaRPr lang="fa-IR" sz="1600" dirty="0"/>
+                    </a:p>
+                  </a:txBody>
+                  <a:tcPr anchor="ctr"/>
+                </a:tc>
+                <a:extLst>
+                  <a:ext uri="{0D108BD9-81ED-4DB2-BD59-A6C34878D82A}">
+                    <a16:rowId xmlns:a16="http://schemas.microsoft.com/office/drawing/2014/main" val="3435542926"/>
+                  </a:ext>
+                </a:extLst>
+              </a:tr>
+            </a:tbl>
+          </a:graphicData>
+        </a:graphic>
+      </p:graphicFrame>
+    </p:spTree>
+    <p:extLst>
+      <p:ext uri="{BB962C8B-B14F-4D97-AF65-F5344CB8AC3E}">
+        <p14:creationId xmlns:p14="http://schemas.microsoft.com/office/powerpoint/2010/main" val="1701405496"/>
+      </p:ext>
+    </p:extLst>
+  </p:cSld>
+  <p:clrMapOvr>
+    <a:masterClrMapping/>
+  </p:clrMapOvr>
+  <p:timing>
+    <p:tnLst>
+      <p:par>
+        <p:cTn id="1" dur="indefinite" restart="never" nodeType="tmRoot"/>
+      </p:par>
+    </p:tnLst>
+  </p:timing>
 </p:sld>
 </file>
 

--- a/ارائه مهندسي نيازمندي ها.pptx
+++ b/ارائه مهندسي نيازمندي ها.pptx
@@ -5,7 +5,7 @@
     <p:sldMasterId id="2147483985" r:id="rId1"/>
   </p:sldMasterIdLst>
   <p:notesMasterIdLst>
-    <p:notesMasterId r:id="rId28"/>
+    <p:notesMasterId r:id="rId33"/>
   </p:notesMasterIdLst>
   <p:sldIdLst>
     <p:sldId id="257" r:id="rId2"/>
@@ -19,21 +19,26 @@
     <p:sldId id="266" r:id="rId10"/>
     <p:sldId id="267" r:id="rId11"/>
     <p:sldId id="285" r:id="rId12"/>
-    <p:sldId id="286" r:id="rId13"/>
-    <p:sldId id="271" r:id="rId14"/>
-    <p:sldId id="272" r:id="rId15"/>
-    <p:sldId id="273" r:id="rId16"/>
-    <p:sldId id="277" r:id="rId17"/>
-    <p:sldId id="274" r:id="rId18"/>
-    <p:sldId id="275" r:id="rId19"/>
-    <p:sldId id="276" r:id="rId20"/>
-    <p:sldId id="279" r:id="rId21"/>
-    <p:sldId id="280" r:id="rId22"/>
-    <p:sldId id="281" r:id="rId23"/>
-    <p:sldId id="278" r:id="rId24"/>
-    <p:sldId id="282" r:id="rId25"/>
-    <p:sldId id="283" r:id="rId26"/>
-    <p:sldId id="287" r:id="rId27"/>
+    <p:sldId id="288" r:id="rId13"/>
+    <p:sldId id="286" r:id="rId14"/>
+    <p:sldId id="289" r:id="rId15"/>
+    <p:sldId id="271" r:id="rId16"/>
+    <p:sldId id="272" r:id="rId17"/>
+    <p:sldId id="290" r:id="rId18"/>
+    <p:sldId id="273" r:id="rId19"/>
+    <p:sldId id="277" r:id="rId20"/>
+    <p:sldId id="274" r:id="rId21"/>
+    <p:sldId id="275" r:id="rId22"/>
+    <p:sldId id="276" r:id="rId23"/>
+    <p:sldId id="279" r:id="rId24"/>
+    <p:sldId id="280" r:id="rId25"/>
+    <p:sldId id="281" r:id="rId26"/>
+    <p:sldId id="278" r:id="rId27"/>
+    <p:sldId id="282" r:id="rId28"/>
+    <p:sldId id="291" r:id="rId29"/>
+    <p:sldId id="283" r:id="rId30"/>
+    <p:sldId id="292" r:id="rId31"/>
+    <p:sldId id="287" r:id="rId32"/>
   </p:sldIdLst>
   <p:sldSz cx="12192000" cy="6858000"/>
   <p:notesSz cx="6858000" cy="9144000"/>
@@ -227,7 +232,7 @@
             <a:fld id="{D5904EEC-1544-4F8A-9627-C15A01248C3F}" type="datetimeFigureOut">
               <a:rPr lang="fa-IR" smtClean="0"/>
               <a:pPr/>
-              <a:t>07/06/1443</a:t>
+              <a:t>09/06/1443</a:t>
             </a:fld>
             <a:endParaRPr lang="fa-IR" dirty="0"/>
           </a:p>
@@ -599,7 +604,7 @@
           <a:p>
             <a:fld id="{888333F8-F81D-47B6-A515-82D4D6D258EC}" type="slidenum">
               <a:rPr lang="fa-IR" smtClean="0"/>
-              <a:t>13</a:t>
+              <a:t>15</a:t>
             </a:fld>
             <a:endParaRPr lang="fa-IR"/>
           </a:p>
@@ -749,7 +754,7 @@
           <a:p>
             <a:fld id="{02730C7D-E670-452F-99B3-10B0C33A0E2C}" type="datetimeFigureOut">
               <a:rPr lang="en-US" smtClean="0"/>
-              <a:t>1/10/2022</a:t>
+              <a:t>1/12/2022</a:t>
             </a:fld>
             <a:endParaRPr lang="en-US"/>
           </a:p>
@@ -919,7 +924,7 @@
           <a:p>
             <a:fld id="{02730C7D-E670-452F-99B3-10B0C33A0E2C}" type="datetimeFigureOut">
               <a:rPr lang="en-US" smtClean="0"/>
-              <a:t>1/10/2022</a:t>
+              <a:t>1/12/2022</a:t>
             </a:fld>
             <a:endParaRPr lang="en-US"/>
           </a:p>
@@ -1099,7 +1104,7 @@
           <a:p>
             <a:fld id="{02730C7D-E670-452F-99B3-10B0C33A0E2C}" type="datetimeFigureOut">
               <a:rPr lang="en-US" smtClean="0"/>
-              <a:t>1/10/2022</a:t>
+              <a:t>1/12/2022</a:t>
             </a:fld>
             <a:endParaRPr lang="en-US"/>
           </a:p>
@@ -1269,7 +1274,7 @@
           <a:p>
             <a:fld id="{02730C7D-E670-452F-99B3-10B0C33A0E2C}" type="datetimeFigureOut">
               <a:rPr lang="en-US" smtClean="0"/>
-              <a:t>1/10/2022</a:t>
+              <a:t>1/12/2022</a:t>
             </a:fld>
             <a:endParaRPr lang="en-US"/>
           </a:p>
@@ -1515,7 +1520,7 @@
           <a:p>
             <a:fld id="{02730C7D-E670-452F-99B3-10B0C33A0E2C}" type="datetimeFigureOut">
               <a:rPr lang="en-US" smtClean="0"/>
-              <a:t>1/10/2022</a:t>
+              <a:t>1/12/2022</a:t>
             </a:fld>
             <a:endParaRPr lang="en-US"/>
           </a:p>
@@ -1747,7 +1752,7 @@
           <a:p>
             <a:fld id="{02730C7D-E670-452F-99B3-10B0C33A0E2C}" type="datetimeFigureOut">
               <a:rPr lang="en-US" smtClean="0"/>
-              <a:t>1/10/2022</a:t>
+              <a:t>1/12/2022</a:t>
             </a:fld>
             <a:endParaRPr lang="en-US"/>
           </a:p>
@@ -2114,7 +2119,7 @@
           <a:p>
             <a:fld id="{02730C7D-E670-452F-99B3-10B0C33A0E2C}" type="datetimeFigureOut">
               <a:rPr lang="en-US" smtClean="0"/>
-              <a:t>1/10/2022</a:t>
+              <a:t>1/12/2022</a:t>
             </a:fld>
             <a:endParaRPr lang="en-US"/>
           </a:p>
@@ -2232,7 +2237,7 @@
           <a:p>
             <a:fld id="{02730C7D-E670-452F-99B3-10B0C33A0E2C}" type="datetimeFigureOut">
               <a:rPr lang="en-US" smtClean="0"/>
-              <a:t>1/10/2022</a:t>
+              <a:t>1/12/2022</a:t>
             </a:fld>
             <a:endParaRPr lang="en-US"/>
           </a:p>
@@ -2327,7 +2332,7 @@
           <a:p>
             <a:fld id="{02730C7D-E670-452F-99B3-10B0C33A0E2C}" type="datetimeFigureOut">
               <a:rPr lang="en-US" smtClean="0"/>
-              <a:t>1/10/2022</a:t>
+              <a:t>1/12/2022</a:t>
             </a:fld>
             <a:endParaRPr lang="en-US"/>
           </a:p>
@@ -2604,7 +2609,7 @@
           <a:p>
             <a:fld id="{02730C7D-E670-452F-99B3-10B0C33A0E2C}" type="datetimeFigureOut">
               <a:rPr lang="en-US" smtClean="0"/>
-              <a:t>1/10/2022</a:t>
+              <a:t>1/12/2022</a:t>
             </a:fld>
             <a:endParaRPr lang="en-US"/>
           </a:p>
@@ -2861,7 +2866,7 @@
           <a:p>
             <a:fld id="{02730C7D-E670-452F-99B3-10B0C33A0E2C}" type="datetimeFigureOut">
               <a:rPr lang="en-US" smtClean="0"/>
-              <a:t>1/10/2022</a:t>
+              <a:t>1/12/2022</a:t>
             </a:fld>
             <a:endParaRPr lang="en-US"/>
           </a:p>
@@ -3074,7 +3079,7 @@
           <a:p>
             <a:fld id="{02730C7D-E670-452F-99B3-10B0C33A0E2C}" type="datetimeFigureOut">
               <a:rPr lang="en-US" smtClean="0"/>
-              <a:t>1/10/2022</a:t>
+              <a:t>1/12/2022</a:t>
             </a:fld>
             <a:endParaRPr lang="en-US"/>
           </a:p>
@@ -4076,12 +4081,7 @@
             <p:ph type="title"/>
           </p:nvPr>
         </p:nvSpPr>
-        <p:spPr>
-          <a:xfrm>
-            <a:off x="838200" y="365126"/>
-            <a:ext cx="10515600" cy="768350"/>
-          </a:xfrm>
-        </p:spPr>
+        <p:spPr/>
         <p:txBody>
           <a:bodyPr>
             <a:normAutofit/>
@@ -4090,15 +4090,15 @@
           <a:p>
             <a:pPr algn="ctr"/>
             <a:r>
-              <a:rPr lang="fa-IR" sz="4000" u="sng" dirty="0" smtClean="0">
+              <a:rPr lang="fa-IR" sz="4400" u="sng" dirty="0" smtClean="0">
                 <a:solidFill>
                   <a:srgbClr val="C00000"/>
                 </a:solidFill>
                 <a:cs typeface="B Nazanin" panose="00000400000000000000" pitchFamily="2" charset="-78"/>
               </a:rPr>
-              <a:t>پرسوناهای کاربری</a:t>
-            </a:r>
-            <a:endParaRPr lang="fa-IR" sz="4000" u="sng" dirty="0">
+              <a:t>گام بعدی</a:t>
+            </a:r>
+            <a:endParaRPr lang="fa-IR" sz="4400" u="sng" dirty="0">
               <a:solidFill>
                 <a:srgbClr val="C00000"/>
               </a:solidFill>
@@ -4117,68 +4117,104 @@
             <p:ph idx="1"/>
           </p:nvPr>
         </p:nvSpPr>
-        <p:spPr>
-          <a:xfrm>
-            <a:off x="838200" y="1628776"/>
-            <a:ext cx="10515600" cy="5043487"/>
-          </a:xfrm>
-        </p:spPr>
-        <p:txBody>
-          <a:bodyPr>
-            <a:normAutofit/>
-          </a:bodyPr>
-          <a:lstStyle/>
-          <a:p>
-            <a:r>
-              <a:rPr lang="fa-IR" sz="2000" dirty="0" smtClean="0"/>
-              <a:t>پرسونا شرحی از یک عضو نماینده کلاس کاربری است .</a:t>
-            </a:r>
-          </a:p>
-          <a:p>
-            <a:r>
-              <a:rPr lang="fa-IR" sz="2000" dirty="0" smtClean="0"/>
-              <a:t>پرسونا توصیفی از یک فرد فرضی و عمومی است که به عنوان جایگاهی برای گروهی از کاربران با ویژگی هاو نیازهای مشابه عمل می‌کند . </a:t>
-            </a:r>
-          </a:p>
-          <a:p>
-            <a:r>
-              <a:rPr lang="fa-IR" sz="2000" dirty="0" smtClean="0"/>
-              <a:t>زمانی که تحلیلگر کسب و کار نمانیده کلاس کاربری واقعی در اختیار نداشته باشد، به جای توقف پیشرفت پروژه ، می‌تواند به طور موقت از یک پرسونا به عنوان کاربر فرضی استفاده کند .</a:t>
-            </a:r>
-          </a:p>
-          <a:p>
-            <a:r>
-              <a:rPr lang="fa-IR" sz="2000" dirty="0" smtClean="0"/>
-              <a:t>تحلیگر کسب و کار می‌تواند از پرسونا برای تصور نماینده کلاس کاربری استفاده کند و نیازهای اولیه را از آن بدست بیاورد تا یک نماینده کاربری واقعی بدست بیاورد .  </a:t>
-            </a:r>
-          </a:p>
-          <a:p>
-            <a:pPr marL="0" indent="0">
-              <a:buNone/>
-            </a:pPr>
-            <a:endParaRPr lang="fa-IR" sz="2000" dirty="0" smtClean="0"/>
-          </a:p>
-          <a:p>
-            <a:endParaRPr lang="fa-IR" sz="2000" dirty="0"/>
-          </a:p>
-          <a:p>
-            <a:endParaRPr lang="fa-IR" sz="2000" dirty="0" smtClean="0"/>
-          </a:p>
-          <a:p>
-            <a:endParaRPr lang="fa-IR" sz="2000" dirty="0"/>
+        <p:spPr/>
+        <p:txBody>
+          <a:bodyPr/>
+          <a:lstStyle/>
+          <a:p>
+            <a:pPr algn="r" rtl="1">
+              <a:buFont typeface="Wingdings" panose="05000000000000000000" pitchFamily="2" charset="2"/>
+              <a:buChar char="§"/>
+            </a:pPr>
+            <a:r>
+              <a:rPr lang="fa-IR" dirty="0" smtClean="0"/>
+              <a:t>کلاس </a:t>
+            </a:r>
+            <a:r>
+              <a:rPr lang="fa-IR" dirty="0" smtClean="0"/>
+              <a:t>های کاربری</a:t>
+            </a:r>
+          </a:p>
+          <a:p>
+            <a:pPr algn="r" rtl="1">
+              <a:buFont typeface="Wingdings" panose="05000000000000000000" pitchFamily="2" charset="2"/>
+              <a:buChar char="§"/>
+            </a:pPr>
+            <a:r>
+              <a:rPr lang="fa-IR" dirty="0" smtClean="0">
+                <a:solidFill>
+                  <a:schemeClr val="accent3">
+                    <a:lumMod val="75000"/>
+                  </a:schemeClr>
+                </a:solidFill>
+              </a:rPr>
+              <a:t>شخصیت های کاربر</a:t>
+            </a:r>
+          </a:p>
+          <a:p>
+            <a:pPr algn="r" rtl="1">
+              <a:buFont typeface="Wingdings" panose="05000000000000000000" pitchFamily="2" charset="2"/>
+              <a:buChar char="§"/>
+            </a:pPr>
+            <a:r>
+              <a:rPr lang="fa-IR" dirty="0" smtClean="0"/>
+              <a:t>ارتباط با نمایندگان کاربران </a:t>
+            </a:r>
+          </a:p>
+          <a:p>
+            <a:pPr algn="r" rtl="1">
+              <a:buFont typeface="Wingdings" panose="05000000000000000000" pitchFamily="2" charset="2"/>
+              <a:buChar char="§"/>
+            </a:pPr>
+            <a:r>
+              <a:rPr lang="fa-IR" dirty="0" smtClean="0"/>
+              <a:t>قهرمان محصول </a:t>
+            </a:r>
+          </a:p>
+          <a:p>
+            <a:pPr algn="r" rtl="1">
+              <a:buFont typeface="Wingdings" panose="05000000000000000000" pitchFamily="2" charset="2"/>
+              <a:buChar char="§"/>
+            </a:pPr>
+            <a:r>
+              <a:rPr lang="fa-IR" dirty="0"/>
+              <a:t>نمایندگی کاربر در پروژه های </a:t>
+            </a:r>
+            <a:r>
+              <a:rPr lang="fa-IR" dirty="0" smtClean="0"/>
+              <a:t>چابک</a:t>
+            </a:r>
+          </a:p>
+          <a:p>
+            <a:pPr algn="r" rtl="1">
+              <a:buFont typeface="Wingdings" panose="05000000000000000000" pitchFamily="2" charset="2"/>
+              <a:buChar char="§"/>
+            </a:pPr>
+            <a:r>
+              <a:rPr lang="fa-IR" dirty="0" smtClean="0"/>
+              <a:t>حل و فصل نیازمندی‌های متضاد </a:t>
+            </a:r>
+            <a:endParaRPr lang="fa-IR" dirty="0"/>
           </a:p>
         </p:txBody>
       </p:sp>
     </p:spTree>
     <p:extLst>
       <p:ext uri="{BB962C8B-B14F-4D97-AF65-F5344CB8AC3E}">
-        <p14:creationId xmlns:p14="http://schemas.microsoft.com/office/powerpoint/2010/main" val="1737366433"/>
+        <p14:creationId xmlns:p14="http://schemas.microsoft.com/office/powerpoint/2010/main" val="3866916926"/>
       </p:ext>
     </p:extLst>
   </p:cSld>
   <p:clrMapOvr>
     <a:masterClrMapping/>
   </p:clrMapOvr>
+  <p:timing>
+    <p:tnLst>
+      <p:par>
+        <p:cTn id="1" dur="indefinite" restart="never" nodeType="tmRoot"/>
+      </p:par>
+    </p:tnLst>
+  </p:timing>
 </p:sld>
 </file>
 
@@ -4212,6 +4248,303 @@
         <p:spPr>
           <a:xfrm>
             <a:off x="838200" y="365126"/>
+            <a:ext cx="10515600" cy="768350"/>
+          </a:xfrm>
+        </p:spPr>
+        <p:txBody>
+          <a:bodyPr>
+            <a:normAutofit/>
+          </a:bodyPr>
+          <a:lstStyle/>
+          <a:p>
+            <a:pPr algn="ctr"/>
+            <a:r>
+              <a:rPr lang="fa-IR" sz="4000" u="sng" dirty="0" smtClean="0">
+                <a:solidFill>
+                  <a:srgbClr val="C00000"/>
+                </a:solidFill>
+                <a:cs typeface="B Nazanin" panose="00000400000000000000" pitchFamily="2" charset="-78"/>
+              </a:rPr>
+              <a:t>پرسوناهای کاربری</a:t>
+            </a:r>
+            <a:endParaRPr lang="fa-IR" sz="4000" u="sng" dirty="0">
+              <a:solidFill>
+                <a:srgbClr val="C00000"/>
+              </a:solidFill>
+              <a:cs typeface="B Nazanin" panose="00000400000000000000" pitchFamily="2" charset="-78"/>
+            </a:endParaRPr>
+          </a:p>
+        </p:txBody>
+      </p:sp>
+      <p:sp>
+        <p:nvSpPr>
+          <p:cNvPr id="3" name="Content Placeholder 2"/>
+          <p:cNvSpPr>
+            <a:spLocks noGrp="1"/>
+          </p:cNvSpPr>
+          <p:nvPr>
+            <p:ph idx="1"/>
+          </p:nvPr>
+        </p:nvSpPr>
+        <p:spPr>
+          <a:xfrm>
+            <a:off x="838200" y="1628776"/>
+            <a:ext cx="10515600" cy="5043487"/>
+          </a:xfrm>
+        </p:spPr>
+        <p:txBody>
+          <a:bodyPr>
+            <a:normAutofit/>
+          </a:bodyPr>
+          <a:lstStyle/>
+          <a:p>
+            <a:r>
+              <a:rPr lang="fa-IR" sz="2000" dirty="0" smtClean="0"/>
+              <a:t>پرسونا شرحی از یک عضو نماینده کلاس کاربری است .</a:t>
+            </a:r>
+          </a:p>
+          <a:p>
+            <a:r>
+              <a:rPr lang="fa-IR" sz="2000" dirty="0" smtClean="0"/>
+              <a:t>پرسونا توصیفی از یک فرد فرضی و عمومی است که به عنوان جایگاهی برای گروهی از کاربران با ویژگی هاو نیازهای مشابه عمل می‌کند . </a:t>
+            </a:r>
+          </a:p>
+          <a:p>
+            <a:r>
+              <a:rPr lang="fa-IR" sz="2000" dirty="0" smtClean="0"/>
+              <a:t>زمانی که تحلیلگر کسب و کار نمانیده کلاس کاربری واقعی در اختیار نداشته باشد، به جای توقف پیشرفت پروژه ، می‌تواند به طور موقت از یک پرسونا به عنوان کاربر فرضی استفاده کند .</a:t>
+            </a:r>
+          </a:p>
+          <a:p>
+            <a:r>
+              <a:rPr lang="fa-IR" sz="2000" dirty="0" smtClean="0"/>
+              <a:t>تحلیگر کسب و کار می‌تواند از پرسونا برای تصور نماینده کلاس کاربری استفاده کند و نیازهای اولیه را از آن بدست بیاورد تا یک نماینده کاربری واقعی بدست بیاورد .  </a:t>
+            </a:r>
+          </a:p>
+          <a:p>
+            <a:pPr marL="0" indent="0">
+              <a:buNone/>
+            </a:pPr>
+            <a:endParaRPr lang="fa-IR" sz="2000" dirty="0" smtClean="0"/>
+          </a:p>
+          <a:p>
+            <a:endParaRPr lang="fa-IR" sz="2000" dirty="0"/>
+          </a:p>
+          <a:p>
+            <a:endParaRPr lang="fa-IR" sz="2000" dirty="0" smtClean="0"/>
+          </a:p>
+          <a:p>
+            <a:endParaRPr lang="fa-IR" sz="2000" dirty="0"/>
+          </a:p>
+        </p:txBody>
+      </p:sp>
+    </p:spTree>
+    <p:extLst>
+      <p:ext uri="{BB962C8B-B14F-4D97-AF65-F5344CB8AC3E}">
+        <p14:creationId xmlns:p14="http://schemas.microsoft.com/office/powerpoint/2010/main" val="1737366433"/>
+      </p:ext>
+    </p:extLst>
+  </p:cSld>
+  <p:clrMapOvr>
+    <a:masterClrMapping/>
+  </p:clrMapOvr>
+</p:sld>
+</file>
+
+<file path=ppt/slides/slide14.xml><?xml version="1.0" encoding="utf-8"?>
+<p:sld xmlns:a="http://schemas.openxmlformats.org/drawingml/2006/main" xmlns:r="http://schemas.openxmlformats.org/officeDocument/2006/relationships" xmlns:p="http://schemas.openxmlformats.org/presentationml/2006/main">
+  <p:cSld>
+    <p:spTree>
+      <p:nvGrpSpPr>
+        <p:cNvPr id="1" name=""/>
+        <p:cNvGrpSpPr/>
+        <p:nvPr/>
+      </p:nvGrpSpPr>
+      <p:grpSpPr>
+        <a:xfrm>
+          <a:off x="0" y="0"/>
+          <a:ext cx="0" cy="0"/>
+          <a:chOff x="0" y="0"/>
+          <a:chExt cx="0" cy="0"/>
+        </a:xfrm>
+      </p:grpSpPr>
+      <p:sp>
+        <p:nvSpPr>
+          <p:cNvPr id="2" name="Title 1"/>
+          <p:cNvSpPr>
+            <a:spLocks noGrp="1"/>
+          </p:cNvSpPr>
+          <p:nvPr>
+            <p:ph type="title"/>
+          </p:nvPr>
+        </p:nvSpPr>
+        <p:spPr/>
+        <p:txBody>
+          <a:bodyPr>
+            <a:normAutofit/>
+          </a:bodyPr>
+          <a:lstStyle/>
+          <a:p>
+            <a:pPr algn="ctr"/>
+            <a:r>
+              <a:rPr lang="fa-IR" sz="4400" u="sng" dirty="0" smtClean="0">
+                <a:solidFill>
+                  <a:srgbClr val="C00000"/>
+                </a:solidFill>
+                <a:cs typeface="B Nazanin" panose="00000400000000000000" pitchFamily="2" charset="-78"/>
+              </a:rPr>
+              <a:t>گام بعدی</a:t>
+            </a:r>
+            <a:endParaRPr lang="fa-IR" sz="4400" u="sng" dirty="0">
+              <a:solidFill>
+                <a:srgbClr val="C00000"/>
+              </a:solidFill>
+              <a:cs typeface="B Nazanin" panose="00000400000000000000" pitchFamily="2" charset="-78"/>
+            </a:endParaRPr>
+          </a:p>
+        </p:txBody>
+      </p:sp>
+      <p:sp>
+        <p:nvSpPr>
+          <p:cNvPr id="3" name="Content Placeholder 2"/>
+          <p:cNvSpPr>
+            <a:spLocks noGrp="1"/>
+          </p:cNvSpPr>
+          <p:nvPr>
+            <p:ph idx="1"/>
+          </p:nvPr>
+        </p:nvSpPr>
+        <p:spPr/>
+        <p:txBody>
+          <a:bodyPr/>
+          <a:lstStyle/>
+          <a:p>
+            <a:pPr algn="r" rtl="1">
+              <a:buFont typeface="Wingdings" panose="05000000000000000000" pitchFamily="2" charset="2"/>
+              <a:buChar char="§"/>
+            </a:pPr>
+            <a:r>
+              <a:rPr lang="fa-IR" dirty="0" smtClean="0"/>
+              <a:t>کلاس </a:t>
+            </a:r>
+            <a:r>
+              <a:rPr lang="fa-IR" dirty="0" smtClean="0"/>
+              <a:t>های کاربری</a:t>
+            </a:r>
+          </a:p>
+          <a:p>
+            <a:pPr algn="r" rtl="1">
+              <a:buFont typeface="Wingdings" panose="05000000000000000000" pitchFamily="2" charset="2"/>
+              <a:buChar char="§"/>
+            </a:pPr>
+            <a:r>
+              <a:rPr lang="fa-IR" dirty="0" smtClean="0"/>
+              <a:t>شخصیت های کاربر</a:t>
+            </a:r>
+          </a:p>
+          <a:p>
+            <a:pPr algn="r" rtl="1">
+              <a:buFont typeface="Wingdings" panose="05000000000000000000" pitchFamily="2" charset="2"/>
+              <a:buChar char="§"/>
+            </a:pPr>
+            <a:r>
+              <a:rPr lang="fa-IR" dirty="0" smtClean="0">
+                <a:solidFill>
+                  <a:schemeClr val="accent3">
+                    <a:lumMod val="75000"/>
+                  </a:schemeClr>
+                </a:solidFill>
+              </a:rPr>
+              <a:t>ارتباط با نمایندگان کاربران </a:t>
+            </a:r>
+          </a:p>
+          <a:p>
+            <a:pPr algn="r" rtl="1">
+              <a:buFont typeface="Wingdings" panose="05000000000000000000" pitchFamily="2" charset="2"/>
+              <a:buChar char="§"/>
+            </a:pPr>
+            <a:r>
+              <a:rPr lang="fa-IR" dirty="0" smtClean="0"/>
+              <a:t>قهرمان محصول </a:t>
+            </a:r>
+          </a:p>
+          <a:p>
+            <a:pPr algn="r" rtl="1">
+              <a:buFont typeface="Wingdings" panose="05000000000000000000" pitchFamily="2" charset="2"/>
+              <a:buChar char="§"/>
+            </a:pPr>
+            <a:r>
+              <a:rPr lang="fa-IR" dirty="0"/>
+              <a:t>نمایندگی کاربر در پروژه های </a:t>
+            </a:r>
+            <a:r>
+              <a:rPr lang="fa-IR" dirty="0" smtClean="0"/>
+              <a:t>چابک</a:t>
+            </a:r>
+          </a:p>
+          <a:p>
+            <a:pPr algn="r" rtl="1">
+              <a:buFont typeface="Wingdings" panose="05000000000000000000" pitchFamily="2" charset="2"/>
+              <a:buChar char="§"/>
+            </a:pPr>
+            <a:r>
+              <a:rPr lang="fa-IR" dirty="0" smtClean="0"/>
+              <a:t>حل و فصل نیازمندی‌های متضاد </a:t>
+            </a:r>
+            <a:endParaRPr lang="fa-IR" dirty="0"/>
+          </a:p>
+        </p:txBody>
+      </p:sp>
+    </p:spTree>
+    <p:extLst>
+      <p:ext uri="{BB962C8B-B14F-4D97-AF65-F5344CB8AC3E}">
+        <p14:creationId xmlns:p14="http://schemas.microsoft.com/office/powerpoint/2010/main" val="2206089000"/>
+      </p:ext>
+    </p:extLst>
+  </p:cSld>
+  <p:clrMapOvr>
+    <a:masterClrMapping/>
+  </p:clrMapOvr>
+  <p:timing>
+    <p:tnLst>
+      <p:par>
+        <p:cTn id="1" dur="indefinite" restart="never" nodeType="tmRoot"/>
+      </p:par>
+    </p:tnLst>
+  </p:timing>
+</p:sld>
+</file>
+
+<file path=ppt/slides/slide15.xml><?xml version="1.0" encoding="utf-8"?>
+<p:sld xmlns:a="http://schemas.openxmlformats.org/drawingml/2006/main" xmlns:r="http://schemas.openxmlformats.org/officeDocument/2006/relationships" xmlns:p="http://schemas.openxmlformats.org/presentationml/2006/main">
+  <p:cSld>
+    <p:spTree>
+      <p:nvGrpSpPr>
+        <p:cNvPr id="1" name=""/>
+        <p:cNvGrpSpPr/>
+        <p:nvPr/>
+      </p:nvGrpSpPr>
+      <p:grpSpPr>
+        <a:xfrm>
+          <a:off x="0" y="0"/>
+          <a:ext cx="0" cy="0"/>
+          <a:chOff x="0" y="0"/>
+          <a:chExt cx="0" cy="0"/>
+        </a:xfrm>
+      </p:grpSpPr>
+      <p:sp>
+        <p:nvSpPr>
+          <p:cNvPr id="2" name="Title 1"/>
+          <p:cNvSpPr>
+            <a:spLocks noGrp="1"/>
+          </p:cNvSpPr>
+          <p:nvPr>
+            <p:ph type="title"/>
+          </p:nvPr>
+        </p:nvSpPr>
+        <p:spPr>
+          <a:xfrm>
+            <a:off x="838200" y="365126"/>
             <a:ext cx="10515600" cy="635000"/>
           </a:xfrm>
         </p:spPr>
@@ -4540,7 +4873,7 @@
 </p:sld>
 </file>
 
-<file path=ppt/slides/slide14.xml><?xml version="1.0" encoding="utf-8"?>
+<file path=ppt/slides/slide16.xml><?xml version="1.0" encoding="utf-8"?>
 <p:sld xmlns:a="http://schemas.openxmlformats.org/drawingml/2006/main" xmlns:r="http://schemas.openxmlformats.org/officeDocument/2006/relationships" xmlns:p="http://schemas.openxmlformats.org/presentationml/2006/main">
   <p:cSld>
     <p:spTree>
@@ -4701,7 +5034,171 @@
 </p:sld>
 </file>
 
-<file path=ppt/slides/slide15.xml><?xml version="1.0" encoding="utf-8"?>
+<file path=ppt/slides/slide17.xml><?xml version="1.0" encoding="utf-8"?>
+<p:sld xmlns:a="http://schemas.openxmlformats.org/drawingml/2006/main" xmlns:r="http://schemas.openxmlformats.org/officeDocument/2006/relationships" xmlns:p="http://schemas.openxmlformats.org/presentationml/2006/main">
+  <p:cSld>
+    <p:spTree>
+      <p:nvGrpSpPr>
+        <p:cNvPr id="1" name=""/>
+        <p:cNvGrpSpPr/>
+        <p:nvPr/>
+      </p:nvGrpSpPr>
+      <p:grpSpPr>
+        <a:xfrm>
+          <a:off x="0" y="0"/>
+          <a:ext cx="0" cy="0"/>
+          <a:chOff x="0" y="0"/>
+          <a:chExt cx="0" cy="0"/>
+        </a:xfrm>
+      </p:grpSpPr>
+      <p:sp>
+        <p:nvSpPr>
+          <p:cNvPr id="2" name="Title 1"/>
+          <p:cNvSpPr>
+            <a:spLocks noGrp="1"/>
+          </p:cNvSpPr>
+          <p:nvPr>
+            <p:ph type="title"/>
+          </p:nvPr>
+        </p:nvSpPr>
+        <p:spPr/>
+        <p:txBody>
+          <a:bodyPr>
+            <a:normAutofit/>
+          </a:bodyPr>
+          <a:lstStyle/>
+          <a:p>
+            <a:pPr algn="ctr"/>
+            <a:r>
+              <a:rPr lang="fa-IR" sz="4400" u="sng" dirty="0" smtClean="0">
+                <a:solidFill>
+                  <a:srgbClr val="C00000"/>
+                </a:solidFill>
+                <a:cs typeface="B Nazanin" panose="00000400000000000000" pitchFamily="2" charset="-78"/>
+              </a:rPr>
+              <a:t>گام بعدی</a:t>
+            </a:r>
+            <a:endParaRPr lang="fa-IR" sz="4400" u="sng" dirty="0">
+              <a:solidFill>
+                <a:srgbClr val="C00000"/>
+              </a:solidFill>
+              <a:cs typeface="B Nazanin" panose="00000400000000000000" pitchFamily="2" charset="-78"/>
+            </a:endParaRPr>
+          </a:p>
+        </p:txBody>
+      </p:sp>
+      <p:sp>
+        <p:nvSpPr>
+          <p:cNvPr id="3" name="Content Placeholder 2"/>
+          <p:cNvSpPr>
+            <a:spLocks noGrp="1"/>
+          </p:cNvSpPr>
+          <p:nvPr>
+            <p:ph idx="1"/>
+          </p:nvPr>
+        </p:nvSpPr>
+        <p:spPr/>
+        <p:txBody>
+          <a:bodyPr/>
+          <a:lstStyle/>
+          <a:p>
+            <a:pPr algn="r" rtl="1">
+              <a:buFont typeface="Wingdings" panose="05000000000000000000" pitchFamily="2" charset="2"/>
+              <a:buChar char="§"/>
+            </a:pPr>
+            <a:r>
+              <a:rPr lang="fa-IR" dirty="0" smtClean="0"/>
+              <a:t>کلاس </a:t>
+            </a:r>
+            <a:r>
+              <a:rPr lang="fa-IR" dirty="0" smtClean="0"/>
+              <a:t>های کاربری</a:t>
+            </a:r>
+          </a:p>
+          <a:p>
+            <a:pPr algn="r" rtl="1">
+              <a:buFont typeface="Wingdings" panose="05000000000000000000" pitchFamily="2" charset="2"/>
+              <a:buChar char="§"/>
+            </a:pPr>
+            <a:r>
+              <a:rPr lang="fa-IR" dirty="0" smtClean="0"/>
+              <a:t>شخصیت های کاربر</a:t>
+            </a:r>
+          </a:p>
+          <a:p>
+            <a:pPr algn="r" rtl="1">
+              <a:buFont typeface="Wingdings" panose="05000000000000000000" pitchFamily="2" charset="2"/>
+              <a:buChar char="§"/>
+            </a:pPr>
+            <a:r>
+              <a:rPr lang="fa-IR" dirty="0" smtClean="0"/>
+              <a:t>ارتباط با نمایندگان کاربران </a:t>
+            </a:r>
+          </a:p>
+          <a:p>
+            <a:pPr algn="r" rtl="1">
+              <a:buFont typeface="Wingdings" panose="05000000000000000000" pitchFamily="2" charset="2"/>
+              <a:buChar char="§"/>
+            </a:pPr>
+            <a:r>
+              <a:rPr lang="fa-IR" dirty="0" smtClean="0">
+                <a:solidFill>
+                  <a:schemeClr val="accent3">
+                    <a:lumMod val="75000"/>
+                  </a:schemeClr>
+                </a:solidFill>
+              </a:rPr>
+              <a:t>قهرمان محصول </a:t>
+            </a:r>
+          </a:p>
+          <a:p>
+            <a:pPr algn="r" rtl="1">
+              <a:buFont typeface="Wingdings" panose="05000000000000000000" pitchFamily="2" charset="2"/>
+              <a:buChar char="§"/>
+            </a:pPr>
+            <a:r>
+              <a:rPr lang="fa-IR" dirty="0"/>
+              <a:t>نمایندگی کاربر در پروژه های </a:t>
+            </a:r>
+            <a:r>
+              <a:rPr lang="fa-IR" dirty="0" smtClean="0"/>
+              <a:t>چابک</a:t>
+            </a:r>
+          </a:p>
+          <a:p>
+            <a:pPr algn="r" rtl="1">
+              <a:buFont typeface="Wingdings" panose="05000000000000000000" pitchFamily="2" charset="2"/>
+              <a:buChar char="§"/>
+            </a:pPr>
+            <a:r>
+              <a:rPr lang="fa-IR" dirty="0" smtClean="0"/>
+              <a:t>حل و فصل نیازمندی‌های متضاد </a:t>
+            </a:r>
+            <a:endParaRPr lang="fa-IR" dirty="0"/>
+          </a:p>
+        </p:txBody>
+      </p:sp>
+    </p:spTree>
+    <p:extLst>
+      <p:ext uri="{BB962C8B-B14F-4D97-AF65-F5344CB8AC3E}">
+        <p14:creationId xmlns:p14="http://schemas.microsoft.com/office/powerpoint/2010/main" val="937462786"/>
+      </p:ext>
+    </p:extLst>
+  </p:cSld>
+  <p:clrMapOvr>
+    <a:masterClrMapping/>
+  </p:clrMapOvr>
+  <p:timing>
+    <p:tnLst>
+      <p:par>
+        <p:cTn id="1" dur="indefinite" restart="never" nodeType="tmRoot"/>
+      </p:par>
+    </p:tnLst>
+  </p:timing>
+</p:sld>
+</file>
+
+<file path=ppt/slides/slide18.xml><?xml version="1.0" encoding="utf-8"?>
 <p:sld xmlns:a="http://schemas.openxmlformats.org/drawingml/2006/main" xmlns:r="http://schemas.openxmlformats.org/officeDocument/2006/relationships" xmlns:p="http://schemas.openxmlformats.org/presentationml/2006/main">
   <p:cSld>
     <p:spTree>
@@ -4864,7 +5361,7 @@
 </p:sld>
 </file>
 
-<file path=ppt/slides/slide16.xml><?xml version="1.0" encoding="utf-8"?>
+<file path=ppt/slides/slide19.xml><?xml version="1.0" encoding="utf-8"?>
 <p:sld xmlns:a="http://schemas.openxmlformats.org/drawingml/2006/main" xmlns:r="http://schemas.openxmlformats.org/officeDocument/2006/relationships" xmlns:p="http://schemas.openxmlformats.org/presentationml/2006/main">
   <p:cSld>
     <p:spTree>
@@ -5096,7 +5593,178 @@
 </p:sld>
 </file>
 
-<file path=ppt/slides/slide17.xml><?xml version="1.0" encoding="utf-8"?>
+<file path=ppt/slides/slide2.xml><?xml version="1.0" encoding="utf-8"?>
+<p:sld xmlns:a="http://schemas.openxmlformats.org/drawingml/2006/main" xmlns:r="http://schemas.openxmlformats.org/officeDocument/2006/relationships" xmlns:p="http://schemas.openxmlformats.org/presentationml/2006/main">
+  <p:cSld>
+    <p:spTree>
+      <p:nvGrpSpPr>
+        <p:cNvPr id="1" name=""/>
+        <p:cNvGrpSpPr/>
+        <p:nvPr/>
+      </p:nvGrpSpPr>
+      <p:grpSpPr>
+        <a:xfrm>
+          <a:off x="0" y="0"/>
+          <a:ext cx="0" cy="0"/>
+          <a:chOff x="0" y="0"/>
+          <a:chExt cx="0" cy="0"/>
+        </a:xfrm>
+      </p:grpSpPr>
+      <p:sp>
+        <p:nvSpPr>
+          <p:cNvPr id="2" name="Title 1"/>
+          <p:cNvSpPr>
+            <a:spLocks noGrp="1"/>
+          </p:cNvSpPr>
+          <p:nvPr>
+            <p:ph type="title"/>
+          </p:nvPr>
+        </p:nvSpPr>
+        <p:spPr/>
+        <p:txBody>
+          <a:bodyPr>
+            <a:normAutofit/>
+          </a:bodyPr>
+          <a:lstStyle/>
+          <a:p>
+            <a:pPr algn="ctr"/>
+            <a:r>
+              <a:rPr lang="fa-IR" sz="4400" u="sng" dirty="0" smtClean="0">
+                <a:solidFill>
+                  <a:srgbClr val="C00000"/>
+                </a:solidFill>
+                <a:cs typeface="B Nazanin" panose="00000400000000000000" pitchFamily="2" charset="-78"/>
+              </a:rPr>
+              <a:t>فهرست مطالب</a:t>
+            </a:r>
+            <a:endParaRPr lang="fa-IR" sz="4400" u="sng" dirty="0">
+              <a:solidFill>
+                <a:srgbClr val="C00000"/>
+              </a:solidFill>
+              <a:cs typeface="B Nazanin" panose="00000400000000000000" pitchFamily="2" charset="-78"/>
+            </a:endParaRPr>
+          </a:p>
+        </p:txBody>
+      </p:sp>
+      <p:sp>
+        <p:nvSpPr>
+          <p:cNvPr id="3" name="Content Placeholder 2"/>
+          <p:cNvSpPr>
+            <a:spLocks noGrp="1"/>
+          </p:cNvSpPr>
+          <p:nvPr>
+            <p:ph idx="1"/>
+          </p:nvPr>
+        </p:nvSpPr>
+        <p:spPr/>
+        <p:txBody>
+          <a:bodyPr/>
+          <a:lstStyle/>
+          <a:p>
+            <a:pPr algn="r" rtl="1">
+              <a:buFont typeface="Wingdings" panose="05000000000000000000" pitchFamily="2" charset="2"/>
+              <a:buChar char="§"/>
+            </a:pPr>
+            <a:r>
+              <a:rPr lang="fa-IR" dirty="0" smtClean="0">
+                <a:solidFill>
+                  <a:schemeClr val="accent3">
+                    <a:lumMod val="75000"/>
+                  </a:schemeClr>
+                </a:solidFill>
+              </a:rPr>
+              <a:t>کلاس </a:t>
+            </a:r>
+            <a:r>
+              <a:rPr lang="fa-IR" dirty="0" smtClean="0">
+                <a:solidFill>
+                  <a:schemeClr val="accent3">
+                    <a:lumMod val="75000"/>
+                  </a:schemeClr>
+                </a:solidFill>
+              </a:rPr>
+              <a:t>های کاربری</a:t>
+            </a:r>
+          </a:p>
+          <a:p>
+            <a:pPr algn="r" rtl="1">
+              <a:buFont typeface="Wingdings" panose="05000000000000000000" pitchFamily="2" charset="2"/>
+              <a:buChar char="§"/>
+            </a:pPr>
+            <a:r>
+              <a:rPr lang="fa-IR" dirty="0" smtClean="0"/>
+              <a:t>پرسوناهای کاربر</a:t>
+            </a:r>
+            <a:endParaRPr lang="fa-IR" dirty="0" smtClean="0"/>
+          </a:p>
+          <a:p>
+            <a:pPr algn="r" rtl="1">
+              <a:buFont typeface="Wingdings" panose="05000000000000000000" pitchFamily="2" charset="2"/>
+              <a:buChar char="§"/>
+            </a:pPr>
+            <a:r>
+              <a:rPr lang="fa-IR" dirty="0" smtClean="0"/>
+              <a:t>ارتباط با نمایندگان کاربران </a:t>
+            </a:r>
+          </a:p>
+          <a:p>
+            <a:pPr algn="r" rtl="1">
+              <a:buFont typeface="Wingdings" panose="05000000000000000000" pitchFamily="2" charset="2"/>
+              <a:buChar char="§"/>
+            </a:pPr>
+            <a:r>
+              <a:rPr lang="fa-IR" dirty="0" smtClean="0"/>
+              <a:t>قهرمان محصول </a:t>
+            </a:r>
+          </a:p>
+          <a:p>
+            <a:pPr algn="r" rtl="1">
+              <a:buFont typeface="Wingdings" panose="05000000000000000000" pitchFamily="2" charset="2"/>
+              <a:buChar char="§"/>
+            </a:pPr>
+            <a:r>
+              <a:rPr lang="fa-IR" dirty="0"/>
+              <a:t>نمایندگی کاربر در پروژه های </a:t>
+            </a:r>
+            <a:r>
+              <a:rPr lang="fa-IR" dirty="0" smtClean="0"/>
+              <a:t>چابک</a:t>
+            </a:r>
+          </a:p>
+          <a:p>
+            <a:pPr algn="r" rtl="1">
+              <a:buFont typeface="Wingdings" panose="05000000000000000000" pitchFamily="2" charset="2"/>
+              <a:buChar char="§"/>
+            </a:pPr>
+            <a:r>
+              <a:rPr lang="fa-IR" dirty="0" smtClean="0"/>
+              <a:t>حل و فصل نیازمندی‌های متضاد </a:t>
+            </a:r>
+            <a:endParaRPr lang="fa-IR" dirty="0"/>
+          </a:p>
+        </p:txBody>
+      </p:sp>
+    </p:spTree>
+    <p:extLst>
+      <p:ext uri="{BB962C8B-B14F-4D97-AF65-F5344CB8AC3E}">
+        <p14:creationId xmlns:p14="http://schemas.microsoft.com/office/powerpoint/2010/main" val="915033482"/>
+      </p:ext>
+    </p:extLst>
+  </p:cSld>
+  <p:clrMapOvr>
+    <a:masterClrMapping/>
+  </p:clrMapOvr>
+  <p:timing>
+    <p:tnLst>
+      <p:par>
+        <p:cTn id="1" dur="indefinite" restart="never" nodeType="tmRoot"/>
+      </p:par>
+    </p:tnLst>
+  </p:timing>
+</p:sld>
+</file>
+
+<file path=ppt/slides/slide20.xml><?xml version="1.0" encoding="utf-8"?>
 <p:sld xmlns:a="http://schemas.openxmlformats.org/drawingml/2006/main" xmlns:r="http://schemas.openxmlformats.org/officeDocument/2006/relationships" xmlns:p="http://schemas.openxmlformats.org/presentationml/2006/main">
   <p:cSld>
     <p:spTree>
@@ -5466,7 +6134,7 @@
 </p:sld>
 </file>
 
-<file path=ppt/slides/slide18.xml><?xml version="1.0" encoding="utf-8"?>
+<file path=ppt/slides/slide21.xml><?xml version="1.0" encoding="utf-8"?>
 <p:sld xmlns:a="http://schemas.openxmlformats.org/drawingml/2006/main" xmlns:r="http://schemas.openxmlformats.org/officeDocument/2006/relationships" xmlns:p="http://schemas.openxmlformats.org/presentationml/2006/main">
   <p:cSld>
     <p:spTree>
@@ -5810,7 +6478,7 @@
 </p:sld>
 </file>
 
-<file path=ppt/slides/slide19.xml><?xml version="1.0" encoding="utf-8"?>
+<file path=ppt/slides/slide22.xml><?xml version="1.0" encoding="utf-8"?>
 <p:sld xmlns:a="http://schemas.openxmlformats.org/drawingml/2006/main" xmlns:r="http://schemas.openxmlformats.org/officeDocument/2006/relationships" xmlns:p="http://schemas.openxmlformats.org/presentationml/2006/main">
   <p:cSld>
     <p:spTree>
@@ -6307,150 +6975,7 @@
 </p:sld>
 </file>
 
-<file path=ppt/slides/slide2.xml><?xml version="1.0" encoding="utf-8"?>
-<p:sld xmlns:a="http://schemas.openxmlformats.org/drawingml/2006/main" xmlns:r="http://schemas.openxmlformats.org/officeDocument/2006/relationships" xmlns:p="http://schemas.openxmlformats.org/presentationml/2006/main">
-  <p:cSld>
-    <p:spTree>
-      <p:nvGrpSpPr>
-        <p:cNvPr id="1" name=""/>
-        <p:cNvGrpSpPr/>
-        <p:nvPr/>
-      </p:nvGrpSpPr>
-      <p:grpSpPr>
-        <a:xfrm>
-          <a:off x="0" y="0"/>
-          <a:ext cx="0" cy="0"/>
-          <a:chOff x="0" y="0"/>
-          <a:chExt cx="0" cy="0"/>
-        </a:xfrm>
-      </p:grpSpPr>
-      <p:sp>
-        <p:nvSpPr>
-          <p:cNvPr id="2" name="Title 1"/>
-          <p:cNvSpPr>
-            <a:spLocks noGrp="1"/>
-          </p:cNvSpPr>
-          <p:nvPr>
-            <p:ph type="title"/>
-          </p:nvPr>
-        </p:nvSpPr>
-        <p:spPr/>
-        <p:txBody>
-          <a:bodyPr>
-            <a:normAutofit/>
-          </a:bodyPr>
-          <a:lstStyle/>
-          <a:p>
-            <a:pPr algn="ctr"/>
-            <a:r>
-              <a:rPr lang="fa-IR" sz="4400" u="sng" dirty="0" smtClean="0">
-                <a:solidFill>
-                  <a:srgbClr val="C00000"/>
-                </a:solidFill>
-                <a:cs typeface="B Nazanin" panose="00000400000000000000" pitchFamily="2" charset="-78"/>
-              </a:rPr>
-              <a:t>فهرست مطالب</a:t>
-            </a:r>
-            <a:endParaRPr lang="fa-IR" sz="4400" u="sng" dirty="0">
-              <a:solidFill>
-                <a:srgbClr val="C00000"/>
-              </a:solidFill>
-              <a:cs typeface="B Nazanin" panose="00000400000000000000" pitchFamily="2" charset="-78"/>
-            </a:endParaRPr>
-          </a:p>
-        </p:txBody>
-      </p:sp>
-      <p:sp>
-        <p:nvSpPr>
-          <p:cNvPr id="3" name="Content Placeholder 2"/>
-          <p:cNvSpPr>
-            <a:spLocks noGrp="1"/>
-          </p:cNvSpPr>
-          <p:nvPr>
-            <p:ph idx="1"/>
-          </p:nvPr>
-        </p:nvSpPr>
-        <p:spPr/>
-        <p:txBody>
-          <a:bodyPr/>
-          <a:lstStyle/>
-          <a:p>
-            <a:pPr algn="r" rtl="1"/>
-            <a:r>
-              <a:rPr lang="fa-IR" dirty="0" smtClean="0"/>
-              <a:t>مقدمه </a:t>
-            </a:r>
-          </a:p>
-          <a:p>
-            <a:pPr algn="r" rtl="1"/>
-            <a:r>
-              <a:rPr lang="fa-IR" dirty="0" smtClean="0"/>
-              <a:t>کلاس های کاربری</a:t>
-            </a:r>
-          </a:p>
-          <a:p>
-            <a:pPr algn="r" rtl="1"/>
-            <a:r>
-              <a:rPr lang="fa-IR" dirty="0" smtClean="0"/>
-              <a:t>شخصیت های کاربر</a:t>
-            </a:r>
-          </a:p>
-          <a:p>
-            <a:pPr algn="r" rtl="1"/>
-            <a:r>
-              <a:rPr lang="fa-IR" dirty="0" smtClean="0"/>
-              <a:t>ارتباط با نمایندگان کاربران </a:t>
-            </a:r>
-          </a:p>
-          <a:p>
-            <a:pPr algn="r" rtl="1"/>
-            <a:r>
-              <a:rPr lang="fa-IR" dirty="0" smtClean="0"/>
-              <a:t>قهرمان محصول </a:t>
-            </a:r>
-          </a:p>
-          <a:p>
-            <a:pPr algn="r" rtl="1"/>
-            <a:r>
-              <a:rPr lang="fa-IR" dirty="0"/>
-              <a:t>نمایندگی کاربر در پروژه های </a:t>
-            </a:r>
-            <a:r>
-              <a:rPr lang="fa-IR" dirty="0" smtClean="0"/>
-              <a:t>چابک</a:t>
-            </a:r>
-          </a:p>
-          <a:p>
-            <a:pPr algn="r" rtl="1"/>
-            <a:r>
-              <a:rPr lang="fa-IR" dirty="0" smtClean="0"/>
-              <a:t>حل و فصل نیازمندی‌های متضاد </a:t>
-            </a:r>
-            <a:endParaRPr lang="fa-IR" dirty="0"/>
-          </a:p>
-        </p:txBody>
-      </p:sp>
-    </p:spTree>
-    <p:extLst>
-      <p:ext uri="{BB962C8B-B14F-4D97-AF65-F5344CB8AC3E}">
-        <p14:creationId xmlns:p14="http://schemas.microsoft.com/office/powerpoint/2010/main" val="915033482"/>
-      </p:ext>
-    </p:extLst>
-  </p:cSld>
-  <p:clrMapOvr>
-    <a:masterClrMapping/>
-  </p:clrMapOvr>
-  <p:timing>
-    <p:tnLst>
-      <p:par>
-        <p:cTn id="1" dur="indefinite" restart="never" nodeType="tmRoot"/>
-      </p:par>
-    </p:tnLst>
-  </p:timing>
-</p:sld>
-</file>
-
-<file path=ppt/slides/slide20.xml><?xml version="1.0" encoding="utf-8"?>
+<file path=ppt/slides/slide23.xml><?xml version="1.0" encoding="utf-8"?>
 <p:sld xmlns:a="http://schemas.openxmlformats.org/drawingml/2006/main" xmlns:r="http://schemas.openxmlformats.org/officeDocument/2006/relationships" xmlns:p="http://schemas.openxmlformats.org/presentationml/2006/main">
   <p:cSld>
     <p:spTree>
@@ -6981,7 +7506,7 @@
 </p:sld>
 </file>
 
-<file path=ppt/slides/slide21.xml><?xml version="1.0" encoding="utf-8"?>
+<file path=ppt/slides/slide24.xml><?xml version="1.0" encoding="utf-8"?>
 <p:sld xmlns:a="http://schemas.openxmlformats.org/drawingml/2006/main" xmlns:r="http://schemas.openxmlformats.org/officeDocument/2006/relationships" xmlns:p="http://schemas.openxmlformats.org/presentationml/2006/main">
   <p:cSld>
     <p:spTree>
@@ -7620,7 +8145,7 @@
 </p:sld>
 </file>
 
-<file path=ppt/slides/slide22.xml><?xml version="1.0" encoding="utf-8"?>
+<file path=ppt/slides/slide25.xml><?xml version="1.0" encoding="utf-8"?>
 <p:sld xmlns:a="http://schemas.openxmlformats.org/drawingml/2006/main" xmlns:r="http://schemas.openxmlformats.org/officeDocument/2006/relationships" xmlns:p="http://schemas.openxmlformats.org/presentationml/2006/main">
   <p:cSld>
     <p:spTree>
@@ -7973,7 +8498,7 @@
 </p:sld>
 </file>
 
-<file path=ppt/slides/slide23.xml><?xml version="1.0" encoding="utf-8"?>
+<file path=ppt/slides/slide26.xml><?xml version="1.0" encoding="utf-8"?>
 <p:sld xmlns:a="http://schemas.openxmlformats.org/drawingml/2006/main" xmlns:r="http://schemas.openxmlformats.org/officeDocument/2006/relationships" xmlns:p="http://schemas.openxmlformats.org/presentationml/2006/main">
   <p:cSld>
     <p:spTree>
@@ -8190,7 +8715,7 @@
 </p:sld>
 </file>
 
-<file path=ppt/slides/slide24.xml><?xml version="1.0" encoding="utf-8"?>
+<file path=ppt/slides/slide27.xml><?xml version="1.0" encoding="utf-8"?>
 <p:sld xmlns:a="http://schemas.openxmlformats.org/drawingml/2006/main" xmlns:r="http://schemas.openxmlformats.org/officeDocument/2006/relationships" xmlns:p="http://schemas.openxmlformats.org/presentationml/2006/main">
   <p:cSld>
     <p:spTree>
@@ -8297,7 +8822,7 @@
 </p:sld>
 </file>
 
-<file path=ppt/slides/slide25.xml><?xml version="1.0" encoding="utf-8"?>
+<file path=ppt/slides/slide28.xml><?xml version="1.0" encoding="utf-8"?>
 <p:sld xmlns:a="http://schemas.openxmlformats.org/drawingml/2006/main" xmlns:r="http://schemas.openxmlformats.org/officeDocument/2006/relationships" xmlns:p="http://schemas.openxmlformats.org/presentationml/2006/main">
   <p:cSld>
     <p:spTree>
@@ -8324,6 +8849,176 @@
             <p:ph type="title"/>
           </p:nvPr>
         </p:nvSpPr>
+        <p:spPr/>
+        <p:txBody>
+          <a:bodyPr>
+            <a:normAutofit/>
+          </a:bodyPr>
+          <a:lstStyle/>
+          <a:p>
+            <a:pPr algn="ctr"/>
+            <a:r>
+              <a:rPr lang="fa-IR" sz="4400" u="sng" dirty="0" smtClean="0">
+                <a:solidFill>
+                  <a:srgbClr val="C00000"/>
+                </a:solidFill>
+                <a:cs typeface="B Nazanin" panose="00000400000000000000" pitchFamily="2" charset="-78"/>
+              </a:rPr>
+              <a:t>گام بعدی</a:t>
+            </a:r>
+            <a:endParaRPr lang="fa-IR" sz="4400" u="sng" dirty="0">
+              <a:solidFill>
+                <a:srgbClr val="C00000"/>
+              </a:solidFill>
+              <a:cs typeface="B Nazanin" panose="00000400000000000000" pitchFamily="2" charset="-78"/>
+            </a:endParaRPr>
+          </a:p>
+        </p:txBody>
+      </p:sp>
+      <p:sp>
+        <p:nvSpPr>
+          <p:cNvPr id="3" name="Content Placeholder 2"/>
+          <p:cNvSpPr>
+            <a:spLocks noGrp="1"/>
+          </p:cNvSpPr>
+          <p:nvPr>
+            <p:ph idx="1"/>
+          </p:nvPr>
+        </p:nvSpPr>
+        <p:spPr/>
+        <p:txBody>
+          <a:bodyPr/>
+          <a:lstStyle/>
+          <a:p>
+            <a:pPr algn="r" rtl="1">
+              <a:buFont typeface="Wingdings" panose="05000000000000000000" pitchFamily="2" charset="2"/>
+              <a:buChar char="§"/>
+            </a:pPr>
+            <a:r>
+              <a:rPr lang="fa-IR" dirty="0" smtClean="0"/>
+              <a:t>کلاس </a:t>
+            </a:r>
+            <a:r>
+              <a:rPr lang="fa-IR" dirty="0" smtClean="0"/>
+              <a:t>های کاربری</a:t>
+            </a:r>
+          </a:p>
+          <a:p>
+            <a:pPr algn="r" rtl="1">
+              <a:buFont typeface="Wingdings" panose="05000000000000000000" pitchFamily="2" charset="2"/>
+              <a:buChar char="§"/>
+            </a:pPr>
+            <a:r>
+              <a:rPr lang="fa-IR" dirty="0" smtClean="0"/>
+              <a:t>شخصیت های کاربر</a:t>
+            </a:r>
+          </a:p>
+          <a:p>
+            <a:pPr algn="r" rtl="1">
+              <a:buFont typeface="Wingdings" panose="05000000000000000000" pitchFamily="2" charset="2"/>
+              <a:buChar char="§"/>
+            </a:pPr>
+            <a:r>
+              <a:rPr lang="fa-IR" dirty="0" smtClean="0"/>
+              <a:t>ارتباط با نمایندگان کاربران </a:t>
+            </a:r>
+          </a:p>
+          <a:p>
+            <a:pPr algn="r" rtl="1">
+              <a:buFont typeface="Wingdings" panose="05000000000000000000" pitchFamily="2" charset="2"/>
+              <a:buChar char="§"/>
+            </a:pPr>
+            <a:r>
+              <a:rPr lang="fa-IR" dirty="0" smtClean="0"/>
+              <a:t>قهرمان محصول </a:t>
+            </a:r>
+          </a:p>
+          <a:p>
+            <a:pPr algn="r" rtl="1">
+              <a:buFont typeface="Wingdings" panose="05000000000000000000" pitchFamily="2" charset="2"/>
+              <a:buChar char="§"/>
+            </a:pPr>
+            <a:r>
+              <a:rPr lang="fa-IR" dirty="0">
+                <a:solidFill>
+                  <a:schemeClr val="accent3">
+                    <a:lumMod val="75000"/>
+                  </a:schemeClr>
+                </a:solidFill>
+              </a:rPr>
+              <a:t>نمایندگی کاربر در پروژه های </a:t>
+            </a:r>
+            <a:r>
+              <a:rPr lang="fa-IR" dirty="0" smtClean="0">
+                <a:solidFill>
+                  <a:schemeClr val="accent3">
+                    <a:lumMod val="75000"/>
+                  </a:schemeClr>
+                </a:solidFill>
+              </a:rPr>
+              <a:t>چابک</a:t>
+            </a:r>
+          </a:p>
+          <a:p>
+            <a:pPr algn="r" rtl="1">
+              <a:buFont typeface="Wingdings" panose="05000000000000000000" pitchFamily="2" charset="2"/>
+              <a:buChar char="§"/>
+            </a:pPr>
+            <a:r>
+              <a:rPr lang="fa-IR" dirty="0" smtClean="0"/>
+              <a:t>حل و فصل نیازمندی‌های متضاد </a:t>
+            </a:r>
+            <a:endParaRPr lang="fa-IR" dirty="0"/>
+          </a:p>
+        </p:txBody>
+      </p:sp>
+    </p:spTree>
+    <p:extLst>
+      <p:ext uri="{BB962C8B-B14F-4D97-AF65-F5344CB8AC3E}">
+        <p14:creationId xmlns:p14="http://schemas.microsoft.com/office/powerpoint/2010/main" val="1572676064"/>
+      </p:ext>
+    </p:extLst>
+  </p:cSld>
+  <p:clrMapOvr>
+    <a:masterClrMapping/>
+  </p:clrMapOvr>
+  <p:timing>
+    <p:tnLst>
+      <p:par>
+        <p:cTn id="1" dur="indefinite" restart="never" nodeType="tmRoot"/>
+      </p:par>
+    </p:tnLst>
+  </p:timing>
+</p:sld>
+</file>
+
+<file path=ppt/slides/slide29.xml><?xml version="1.0" encoding="utf-8"?>
+<p:sld xmlns:a="http://schemas.openxmlformats.org/drawingml/2006/main" xmlns:r="http://schemas.openxmlformats.org/officeDocument/2006/relationships" xmlns:p="http://schemas.openxmlformats.org/presentationml/2006/main">
+  <p:cSld>
+    <p:spTree>
+      <p:nvGrpSpPr>
+        <p:cNvPr id="1" name=""/>
+        <p:cNvGrpSpPr/>
+        <p:nvPr/>
+      </p:nvGrpSpPr>
+      <p:grpSpPr>
+        <a:xfrm>
+          <a:off x="0" y="0"/>
+          <a:ext cx="0" cy="0"/>
+          <a:chOff x="0" y="0"/>
+          <a:chExt cx="0" cy="0"/>
+        </a:xfrm>
+      </p:grpSpPr>
+      <p:sp>
+        <p:nvSpPr>
+          <p:cNvPr id="2" name="Title 1"/>
+          <p:cNvSpPr>
+            <a:spLocks noGrp="1"/>
+          </p:cNvSpPr>
+          <p:nvPr>
+            <p:ph type="title"/>
+          </p:nvPr>
+        </p:nvSpPr>
         <p:spPr>
           <a:xfrm>
             <a:off x="838200" y="365126"/>
@@ -8367,8 +9062,8 @@
         </p:nvSpPr>
         <p:spPr>
           <a:xfrm>
-            <a:off x="838200" y="1288869"/>
-            <a:ext cx="10515600" cy="4888094"/>
+            <a:off x="838200" y="1193074"/>
+            <a:ext cx="10515600" cy="4983889"/>
           </a:xfrm>
         </p:spPr>
         <p:txBody>
@@ -8382,11 +9077,268 @@
               <a:buChar char="§"/>
             </a:pPr>
             <a:r>
-              <a:rPr lang="fa-IR" sz="2400" dirty="0">
-                <a:cs typeface="B Nazanin" panose="00000400000000000000" pitchFamily="2" charset="-78"/>
-              </a:rPr>
-              <a:t>مکالمات مکرر بین اعضای تیم پروژه و مشتریان مناسب موثرترین راه برای حل بسیاری از مسائل مورد نیاز و مشخص کردن نیازهای خاص در صورت نیاز است.</a:t>
-            </a:r>
+              <a:rPr lang="fa-IR" sz="2000" dirty="0">
+                <a:cs typeface="B Nazanin" panose="00000400000000000000" pitchFamily="2" charset="-78"/>
+              </a:rPr>
+              <a:t>مکالمات مکرر بین اعضای تیم پروژه و مشتریان مناسب موثرترین راه برای حل بسیاری از مسائل مورد نیاز و مشخص کردن نیازهای خاص در صورت نیاز است</a:t>
+            </a:r>
+            <a:r>
+              <a:rPr lang="fa-IR" sz="2000" dirty="0" smtClean="0">
+                <a:cs typeface="B Nazanin" panose="00000400000000000000" pitchFamily="2" charset="-78"/>
+              </a:rPr>
+              <a:t>.</a:t>
+            </a:r>
+          </a:p>
+          <a:p>
+            <a:pPr>
+              <a:buFont typeface="Wingdings" panose="05000000000000000000" pitchFamily="2" charset="2"/>
+              <a:buChar char="§"/>
+            </a:pPr>
+            <a:r>
+              <a:rPr lang="fa-IR" sz="2000" dirty="0"/>
+              <a:t>یک اصل اساسی برنامه نویسی افراطی، یکی از روش های اولیه توسعه چابک، وجود یک مشتری تمام وقت و در محل برای این بحث ها است </a:t>
+            </a:r>
+            <a:r>
+              <a:rPr lang="fa-IR" sz="2000" dirty="0" smtClean="0"/>
+              <a:t>.</a:t>
+            </a:r>
+          </a:p>
+          <a:p>
+            <a:pPr>
+              <a:buFont typeface="Wingdings" panose="05000000000000000000" pitchFamily="2" charset="2"/>
+              <a:buChar char="§"/>
+            </a:pPr>
+            <a:r>
+              <a:rPr lang="fa-IR" sz="2000" dirty="0" smtClean="0">
+                <a:cs typeface="B Nazanin" panose="00000400000000000000" pitchFamily="2" charset="-78"/>
+              </a:rPr>
+              <a:t>برخی روش های توسعه چابک شامل حضور یک نماینده واحد از طرف ذی نفعان به نام </a:t>
+            </a:r>
+            <a:r>
+              <a:rPr lang="fa-IR" sz="2000" dirty="0" smtClean="0">
+                <a:solidFill>
+                  <a:srgbClr val="C00000"/>
+                </a:solidFill>
+                <a:cs typeface="B Nazanin" panose="00000400000000000000" pitchFamily="2" charset="-78"/>
+              </a:rPr>
+              <a:t>مالک محصول </a:t>
+            </a:r>
+            <a:r>
+              <a:rPr lang="fa-IR" sz="2000" dirty="0" smtClean="0">
+                <a:cs typeface="B Nazanin" panose="00000400000000000000" pitchFamily="2" charset="-78"/>
+              </a:rPr>
+              <a:t>است که مسئول رساندن صدای مشتریان به تیم توسعه دهنده است .</a:t>
+            </a:r>
+          </a:p>
+          <a:p>
+            <a:pPr>
+              <a:buFont typeface="Wingdings" panose="05000000000000000000" pitchFamily="2" charset="2"/>
+              <a:buChar char="q"/>
+            </a:pPr>
+            <a:r>
+              <a:rPr lang="fa-IR" sz="2000" dirty="0" smtClean="0">
+                <a:solidFill>
+                  <a:srgbClr val="C00000"/>
+                </a:solidFill>
+                <a:cs typeface="B Nazanin" panose="00000400000000000000" pitchFamily="2" charset="-78"/>
+              </a:rPr>
+              <a:t> مالک محصول </a:t>
+            </a:r>
+            <a:r>
+              <a:rPr lang="fa-IR" sz="2000" dirty="0" smtClean="0">
+                <a:solidFill>
+                  <a:srgbClr val="C00000"/>
+                </a:solidFill>
+                <a:cs typeface="B Nazanin" panose="00000400000000000000" pitchFamily="2" charset="-78"/>
+              </a:rPr>
+              <a:t> </a:t>
+            </a:r>
+          </a:p>
+          <a:p>
+            <a:pPr>
+              <a:buFont typeface="Wingdings" panose="05000000000000000000" pitchFamily="2" charset="2"/>
+              <a:buChar char="§"/>
+            </a:pPr>
+            <a:r>
+              <a:rPr lang="fa-IR" sz="2000" dirty="0" smtClean="0">
+                <a:solidFill>
+                  <a:srgbClr val="C00000"/>
+                </a:solidFill>
+                <a:cs typeface="B Nazanin" panose="00000400000000000000" pitchFamily="2" charset="-78"/>
+              </a:rPr>
+              <a:t>مالک محصول </a:t>
+            </a:r>
+            <a:r>
+              <a:rPr lang="fa-IR" sz="2000" dirty="0" smtClean="0">
+                <a:cs typeface="B Nazanin" panose="00000400000000000000" pitchFamily="2" charset="-78"/>
+              </a:rPr>
+              <a:t>چشم انداز پروژه راتعریف می‌کند و مسئول توسعه و اولویت بندی محتویات </a:t>
+            </a:r>
+            <a:r>
+              <a:rPr lang="fa-IR" sz="2000" dirty="0" smtClean="0">
+                <a:solidFill>
+                  <a:srgbClr val="C00000"/>
+                </a:solidFill>
+                <a:cs typeface="B Nazanin" panose="00000400000000000000" pitchFamily="2" charset="-78"/>
+              </a:rPr>
+              <a:t>بک لاگ محصول </a:t>
+            </a:r>
+            <a:r>
+              <a:rPr lang="fa-IR" sz="2000" dirty="0" smtClean="0">
+                <a:cs typeface="B Nazanin" panose="00000400000000000000" pitchFamily="2" charset="-78"/>
+              </a:rPr>
+              <a:t>است . </a:t>
+            </a:r>
+            <a:endParaRPr lang="en-US" sz="2000" dirty="0" smtClean="0">
+              <a:cs typeface="B Nazanin" panose="00000400000000000000" pitchFamily="2" charset="-78"/>
+            </a:endParaRPr>
+          </a:p>
+          <a:p>
+            <a:pPr>
+              <a:buFont typeface="Wingdings" panose="05000000000000000000" pitchFamily="2" charset="2"/>
+              <a:buChar char="§"/>
+            </a:pPr>
+            <a:r>
+              <a:rPr lang="fa-IR" sz="2000" dirty="0" smtClean="0">
+                <a:solidFill>
+                  <a:srgbClr val="C00000"/>
+                </a:solidFill>
+                <a:cs typeface="B Nazanin" panose="00000400000000000000" pitchFamily="2" charset="-78"/>
+              </a:rPr>
+              <a:t>مالک محصول </a:t>
+            </a:r>
+            <a:r>
+              <a:rPr lang="fa-IR" sz="2000" dirty="0" smtClean="0">
+                <a:cs typeface="B Nazanin" panose="00000400000000000000" pitchFamily="2" charset="-78"/>
+              </a:rPr>
+              <a:t>اساسا نقش </a:t>
+            </a:r>
+            <a:r>
+              <a:rPr lang="fa-IR" sz="2000" dirty="0" smtClean="0">
+                <a:solidFill>
+                  <a:srgbClr val="C00000"/>
+                </a:solidFill>
+                <a:cs typeface="B Nazanin" panose="00000400000000000000" pitchFamily="2" charset="-78"/>
+              </a:rPr>
+              <a:t>قهرمان محصول </a:t>
+            </a:r>
+            <a:r>
+              <a:rPr lang="fa-IR" sz="2000" dirty="0" smtClean="0">
+                <a:cs typeface="B Nazanin" panose="00000400000000000000" pitchFamily="2" charset="-78"/>
+              </a:rPr>
+              <a:t>و کارکردهای تحلیلگر تجاری،نمایندگی مشتری، تعریف ویژگی های محصول ، اولویت بندی آنها و غیره را بر عهده دارد . </a:t>
+            </a:r>
+          </a:p>
+          <a:p>
+            <a:pPr marL="457200" algn="just">
+              <a:lnSpc>
+                <a:spcPct val="107000"/>
+              </a:lnSpc>
+              <a:spcBef>
+                <a:spcPts val="0"/>
+              </a:spcBef>
+              <a:spcAft>
+                <a:spcPts val="800"/>
+              </a:spcAft>
+            </a:pPr>
+            <a:r>
+              <a:rPr lang="fa-IR" sz="2000" dirty="0">
+                <a:latin typeface="Calibri" panose="020F0502020204030204" pitchFamily="34" charset="0"/>
+                <a:ea typeface="Calibri" panose="020F0502020204030204" pitchFamily="34" charset="0"/>
+              </a:rPr>
+              <a:t>طرح های </a:t>
+            </a:r>
+            <a:r>
+              <a:rPr lang="fa-IR" sz="2000" dirty="0">
+                <a:solidFill>
+                  <a:srgbClr val="C00000"/>
+                </a:solidFill>
+                <a:latin typeface="Calibri" panose="020F0502020204030204" pitchFamily="34" charset="0"/>
+                <a:ea typeface="Calibri" panose="020F0502020204030204" pitchFamily="34" charset="0"/>
+              </a:rPr>
+              <a:t>مالک محصول </a:t>
+            </a:r>
+            <a:r>
+              <a:rPr lang="fa-IR" sz="2000" dirty="0">
+                <a:latin typeface="Calibri" panose="020F0502020204030204" pitchFamily="34" charset="0"/>
+                <a:ea typeface="Calibri" panose="020F0502020204030204" pitchFamily="34" charset="0"/>
+              </a:rPr>
+              <a:t>و </a:t>
+            </a:r>
+            <a:r>
+              <a:rPr lang="fa-IR" sz="2000" dirty="0">
+                <a:solidFill>
+                  <a:srgbClr val="C00000"/>
+                </a:solidFill>
+                <a:latin typeface="Calibri" panose="020F0502020204030204" pitchFamily="34" charset="0"/>
+                <a:ea typeface="Calibri" panose="020F0502020204030204" pitchFamily="34" charset="0"/>
+              </a:rPr>
+              <a:t>قهرمان محصول </a:t>
+            </a:r>
+            <a:r>
+              <a:rPr lang="fa-IR" sz="2000" dirty="0">
+                <a:latin typeface="Calibri" panose="020F0502020204030204" pitchFamily="34" charset="0"/>
+                <a:ea typeface="Calibri" panose="020F0502020204030204" pitchFamily="34" charset="0"/>
+              </a:rPr>
+              <a:t>متقابل نیستند .</a:t>
+            </a:r>
+          </a:p>
+          <a:p>
+            <a:pPr marL="457200" algn="just">
+              <a:lnSpc>
+                <a:spcPct val="107000"/>
+              </a:lnSpc>
+              <a:spcBef>
+                <a:spcPts val="0"/>
+              </a:spcBef>
+              <a:spcAft>
+                <a:spcPts val="800"/>
+              </a:spcAft>
+            </a:pPr>
+            <a:r>
+              <a:rPr lang="fa-IR" sz="2000" dirty="0">
+                <a:latin typeface="Calibri" panose="020F0502020204030204" pitchFamily="34" charset="0"/>
+                <a:ea typeface="Calibri" panose="020F0502020204030204" pitchFamily="34" charset="0"/>
+              </a:rPr>
+              <a:t> اگر </a:t>
+            </a:r>
+            <a:r>
+              <a:rPr lang="fa-IR" sz="2000" dirty="0">
+                <a:solidFill>
+                  <a:srgbClr val="C00000"/>
+                </a:solidFill>
+                <a:latin typeface="Calibri" panose="020F0502020204030204" pitchFamily="34" charset="0"/>
+                <a:ea typeface="Calibri" panose="020F0502020204030204" pitchFamily="34" charset="0"/>
+              </a:rPr>
+              <a:t>صاحب محصول </a:t>
+            </a:r>
+            <a:r>
+              <a:rPr lang="fa-IR" sz="2000" dirty="0">
+                <a:latin typeface="Calibri" panose="020F0502020204030204" pitchFamily="34" charset="0"/>
+                <a:ea typeface="Calibri" panose="020F0502020204030204" pitchFamily="34" charset="0"/>
+              </a:rPr>
+              <a:t>در نقش یک تحلیلگر تجاری و  نه به عنوان نماینده ذی نفعان عمل می‌کند، می تواند ساختاری را با یک یا چند </a:t>
+            </a:r>
+            <a:r>
+              <a:rPr lang="fa-IR" sz="2000" dirty="0">
+                <a:solidFill>
+                  <a:srgbClr val="C00000"/>
+                </a:solidFill>
+                <a:latin typeface="Calibri" panose="020F0502020204030204" pitchFamily="34" charset="0"/>
+                <a:ea typeface="Calibri" panose="020F0502020204030204" pitchFamily="34" charset="0"/>
+              </a:rPr>
+              <a:t>قهرمان محصول </a:t>
+            </a:r>
+            <a:r>
+              <a:rPr lang="fa-IR" sz="2000" dirty="0">
+                <a:latin typeface="Calibri" panose="020F0502020204030204" pitchFamily="34" charset="0"/>
+                <a:ea typeface="Calibri" panose="020F0502020204030204" pitchFamily="34" charset="0"/>
+              </a:rPr>
+              <a:t>راه اندازی کند تا بهترین ورودی ها را دریافت کن</a:t>
+            </a:r>
+            <a:endParaRPr lang="fa-IR" sz="2000" dirty="0">
+              <a:cs typeface="B Nazanin" panose="00000400000000000000" pitchFamily="2" charset="-78"/>
+            </a:endParaRPr>
           </a:p>
         </p:txBody>
       </p:sp>
@@ -8410,7 +9362,536 @@
 </p:sld>
 </file>
 
-<file path=ppt/slides/slide26.xml><?xml version="1.0" encoding="utf-8"?>
+<file path=ppt/slides/slide3.xml><?xml version="1.0" encoding="utf-8"?>
+<p:sld xmlns:a="http://schemas.openxmlformats.org/drawingml/2006/main" xmlns:r="http://schemas.openxmlformats.org/officeDocument/2006/relationships" xmlns:p="http://schemas.openxmlformats.org/presentationml/2006/main">
+  <p:cSld>
+    <p:spTree>
+      <p:nvGrpSpPr>
+        <p:cNvPr id="1" name=""/>
+        <p:cNvGrpSpPr/>
+        <p:nvPr/>
+      </p:nvGrpSpPr>
+      <p:grpSpPr>
+        <a:xfrm>
+          <a:off x="0" y="0"/>
+          <a:ext cx="0" cy="0"/>
+          <a:chOff x="0" y="0"/>
+          <a:chExt cx="0" cy="0"/>
+        </a:xfrm>
+      </p:grpSpPr>
+      <p:sp>
+        <p:nvSpPr>
+          <p:cNvPr id="2" name="Title 1"/>
+          <p:cNvSpPr>
+            <a:spLocks noGrp="1"/>
+          </p:cNvSpPr>
+          <p:nvPr>
+            <p:ph type="title"/>
+          </p:nvPr>
+        </p:nvSpPr>
+        <p:spPr>
+          <a:xfrm>
+            <a:off x="838200" y="365126"/>
+            <a:ext cx="10515600" cy="939800"/>
+          </a:xfrm>
+        </p:spPr>
+        <p:txBody>
+          <a:bodyPr>
+            <a:normAutofit/>
+          </a:bodyPr>
+          <a:lstStyle/>
+          <a:p>
+            <a:pPr algn="ctr"/>
+            <a:r>
+              <a:rPr lang="fa-IR" sz="4400" u="sng" dirty="0" smtClean="0">
+                <a:solidFill>
+                  <a:srgbClr val="C00000"/>
+                </a:solidFill>
+                <a:cs typeface="B Nazanin" panose="00000400000000000000" pitchFamily="2" charset="-78"/>
+              </a:rPr>
+              <a:t>مقدمه</a:t>
+            </a:r>
+            <a:endParaRPr lang="en-US" sz="4400" u="sng" dirty="0">
+              <a:solidFill>
+                <a:srgbClr val="C00000"/>
+              </a:solidFill>
+              <a:cs typeface="B Nazanin" panose="00000400000000000000" pitchFamily="2" charset="-78"/>
+            </a:endParaRPr>
+          </a:p>
+        </p:txBody>
+      </p:sp>
+      <p:sp>
+        <p:nvSpPr>
+          <p:cNvPr id="3" name="Content Placeholder 2"/>
+          <p:cNvSpPr>
+            <a:spLocks noGrp="1"/>
+          </p:cNvSpPr>
+          <p:nvPr>
+            <p:ph idx="1"/>
+          </p:nvPr>
+        </p:nvSpPr>
+        <p:spPr>
+          <a:xfrm>
+            <a:off x="942975" y="1304925"/>
+            <a:ext cx="10515600" cy="5029199"/>
+          </a:xfrm>
+        </p:spPr>
+        <p:txBody>
+          <a:bodyPr>
+            <a:normAutofit/>
+          </a:bodyPr>
+          <a:lstStyle/>
+          <a:p>
+            <a:pPr algn="r" rtl="1">
+              <a:buFont typeface="Arial" panose="020B0604020202020204" pitchFamily="34" charset="0"/>
+              <a:buChar char="•"/>
+            </a:pPr>
+            <a:r>
+              <a:rPr lang="fa-IR" sz="2400" dirty="0" smtClean="0">
+                <a:solidFill>
+                  <a:srgbClr val="C00000"/>
+                </a:solidFill>
+                <a:cs typeface="B Nazanin" panose="00000400000000000000" pitchFamily="2" charset="-78"/>
+              </a:rPr>
+              <a:t>مشارکت مشتری </a:t>
+            </a:r>
+            <a:r>
+              <a:rPr lang="fa-IR" sz="2400" dirty="0" smtClean="0">
+                <a:cs typeface="B Nazanin" panose="00000400000000000000" pitchFamily="2" charset="-78"/>
+              </a:rPr>
+              <a:t>مهمترین فاکتور در ارائه یک نرم‌افزار عالی است .</a:t>
+            </a:r>
+          </a:p>
+          <a:p>
+            <a:pPr algn="r" rtl="1">
+              <a:buFont typeface="Arial" panose="020B0604020202020204" pitchFamily="34" charset="0"/>
+              <a:buChar char="•"/>
+            </a:pPr>
+            <a:r>
+              <a:rPr lang="fa-IR" sz="2400" dirty="0" smtClean="0">
+                <a:cs typeface="B Nazanin" panose="00000400000000000000" pitchFamily="2" charset="-78"/>
+              </a:rPr>
+              <a:t>ایجاد این مشارکت برعهده </a:t>
+            </a:r>
+            <a:r>
+              <a:rPr lang="fa-IR" sz="2400" dirty="0" smtClean="0">
+                <a:solidFill>
+                  <a:srgbClr val="C00000"/>
+                </a:solidFill>
+                <a:cs typeface="B Nazanin" panose="00000400000000000000" pitchFamily="2" charset="-78"/>
+              </a:rPr>
+              <a:t>تحلیلگر کسب و کار </a:t>
+            </a:r>
+            <a:r>
+              <a:rPr lang="fa-IR" sz="2400" dirty="0" smtClean="0">
+                <a:solidFill>
+                  <a:schemeClr val="tx1"/>
+                </a:solidFill>
+                <a:cs typeface="B Nazanin" panose="00000400000000000000" pitchFamily="2" charset="-78"/>
+              </a:rPr>
+              <a:t>و </a:t>
+            </a:r>
+            <a:r>
+              <a:rPr lang="fa-IR" sz="2400" dirty="0" smtClean="0">
+                <a:solidFill>
+                  <a:srgbClr val="C00000"/>
+                </a:solidFill>
+                <a:cs typeface="B Nazanin" panose="00000400000000000000" pitchFamily="2" charset="-78"/>
+              </a:rPr>
+              <a:t>مدیر پروژه </a:t>
+            </a:r>
+            <a:r>
+              <a:rPr lang="fa-IR" sz="2400" dirty="0" smtClean="0">
+                <a:solidFill>
+                  <a:schemeClr val="tx1"/>
+                </a:solidFill>
+                <a:cs typeface="B Nazanin" panose="00000400000000000000" pitchFamily="2" charset="-78"/>
+              </a:rPr>
+              <a:t>است .</a:t>
+            </a:r>
+          </a:p>
+          <a:p>
+            <a:pPr algn="r" rtl="1">
+              <a:buFont typeface="Arial" panose="020B0604020202020204" pitchFamily="34" charset="0"/>
+              <a:buChar char="•"/>
+            </a:pPr>
+            <a:r>
+              <a:rPr lang="fa-IR" sz="2400" dirty="0" smtClean="0">
+                <a:solidFill>
+                  <a:schemeClr val="tx1"/>
+                </a:solidFill>
+                <a:cs typeface="B Nazanin" panose="00000400000000000000" pitchFamily="2" charset="-78"/>
+              </a:rPr>
+              <a:t>لازمه موفقیت در نیازمندی های نرم افزار و همچنین توسعه  نرم افزار وابسته به رساندن صدای کاربران به گوش توسعه دهنده است . </a:t>
+            </a:r>
+          </a:p>
+          <a:p>
+            <a:pPr algn="r" rtl="1">
+              <a:buFont typeface="Arial" panose="020B0604020202020204" pitchFamily="34" charset="0"/>
+              <a:buChar char="•"/>
+            </a:pPr>
+            <a:r>
+              <a:rPr lang="fa-IR" sz="2400" dirty="0" smtClean="0">
+                <a:cs typeface="B Nazanin" panose="00000400000000000000" pitchFamily="2" charset="-78"/>
+              </a:rPr>
+              <a:t>برای رساندن صدای کاربران به گوش توسعه دهنده اقدامات زیر لازم است :</a:t>
+            </a:r>
+          </a:p>
+          <a:p>
+            <a:pPr marL="457200" lvl="1" indent="0">
+              <a:buNone/>
+            </a:pPr>
+            <a:r>
+              <a:rPr lang="fa-IR" dirty="0">
+                <a:cs typeface="B Nazanin" panose="00000400000000000000" pitchFamily="2" charset="-78"/>
+              </a:rPr>
+              <a:t>کلاس های کاربری مختلف را برای محصول خود تعیین کنید . </a:t>
+            </a:r>
+          </a:p>
+          <a:p>
+            <a:pPr marL="457200" lvl="1" indent="0">
+              <a:buNone/>
+            </a:pPr>
+            <a:r>
+              <a:rPr lang="fa-IR" dirty="0">
+                <a:cs typeface="B Nazanin" panose="00000400000000000000" pitchFamily="2" charset="-78"/>
+              </a:rPr>
+              <a:t>افرادی را به عنوان نماینده هر کلاس از کاربران و سایر ذی نفعان انتخاب کنید و با آن ها همکاری کنید .</a:t>
+            </a:r>
+          </a:p>
+          <a:p>
+            <a:pPr marL="457200" lvl="1" indent="0">
+              <a:buNone/>
+            </a:pPr>
+            <a:r>
+              <a:rPr lang="fa-IR" dirty="0">
+                <a:cs typeface="B Nazanin" panose="00000400000000000000" pitchFamily="2" charset="-78"/>
+              </a:rPr>
+              <a:t>در مورد نیازمندی های تصمیم گیرندگان خود توافق کنید </a:t>
+            </a:r>
+            <a:r>
+              <a:rPr lang="fa-IR" dirty="0" smtClean="0">
+                <a:cs typeface="B Nazanin" panose="00000400000000000000" pitchFamily="2" charset="-78"/>
+              </a:rPr>
+              <a:t>.</a:t>
+            </a:r>
+          </a:p>
+          <a:p>
+            <a:pPr marL="0" indent="0">
+              <a:buNone/>
+            </a:pPr>
+            <a:r>
+              <a:rPr lang="fa-IR" sz="2400" dirty="0" smtClean="0">
+                <a:solidFill>
+                  <a:srgbClr val="C00000"/>
+                </a:solidFill>
+                <a:cs typeface="B Nazanin" panose="00000400000000000000" pitchFamily="2" charset="-78"/>
+              </a:rPr>
+              <a:t>یادآوری: </a:t>
+            </a:r>
+            <a:r>
+              <a:rPr lang="fa-IR" sz="2400" dirty="0" smtClean="0">
+                <a:cs typeface="B Nazanin" panose="00000400000000000000" pitchFamily="2" charset="-78"/>
+              </a:rPr>
+              <a:t>مشارکت مشتریان بهترین راه حل برای مسئله شکاف انتظاری است که در فصل دو مطرح شده است . </a:t>
+            </a:r>
+            <a:endParaRPr lang="en-US" sz="2400" dirty="0">
+              <a:solidFill>
+                <a:srgbClr val="C00000"/>
+              </a:solidFill>
+              <a:cs typeface="B Nazanin" panose="00000400000000000000" pitchFamily="2" charset="-78"/>
+            </a:endParaRPr>
+          </a:p>
+          <a:p>
+            <a:pPr algn="r" rtl="1">
+              <a:buFont typeface="Arial" panose="020B0604020202020204" pitchFamily="34" charset="0"/>
+              <a:buChar char="•"/>
+            </a:pPr>
+            <a:endParaRPr lang="en-US" sz="2400" dirty="0">
+              <a:cs typeface="B Nazanin" panose="00000400000000000000" pitchFamily="2" charset="-78"/>
+            </a:endParaRPr>
+          </a:p>
+        </p:txBody>
+      </p:sp>
+      <p:sp>
+        <p:nvSpPr>
+          <p:cNvPr id="4" name="Left Arrow 3"/>
+          <p:cNvSpPr/>
+          <p:nvPr/>
+        </p:nvSpPr>
+        <p:spPr>
+          <a:xfrm>
+            <a:off x="10991850" y="3505200"/>
+            <a:ext cx="276225" cy="209550"/>
+          </a:xfrm>
+          <a:prstGeom prst="leftArrow">
+            <a:avLst/>
+          </a:prstGeom>
+        </p:spPr>
+        <p:style>
+          <a:lnRef idx="2">
+            <a:schemeClr val="accent1">
+              <a:shade val="50000"/>
+            </a:schemeClr>
+          </a:lnRef>
+          <a:fillRef idx="1">
+            <a:schemeClr val="accent1"/>
+          </a:fillRef>
+          <a:effectRef idx="0">
+            <a:schemeClr val="accent1"/>
+          </a:effectRef>
+          <a:fontRef idx="minor">
+            <a:schemeClr val="lt1"/>
+          </a:fontRef>
+        </p:style>
+        <p:txBody>
+          <a:bodyPr rtlCol="1" anchor="ctr"/>
+          <a:lstStyle/>
+          <a:p>
+            <a:pPr algn="ctr"/>
+            <a:endParaRPr lang="fa-IR"/>
+          </a:p>
+        </p:txBody>
+      </p:sp>
+      <p:pic>
+        <p:nvPicPr>
+          <p:cNvPr id="5" name="Picture 4"/>
+          <p:cNvPicPr>
+            <a:picLocks noChangeAspect="1"/>
+          </p:cNvPicPr>
+          <p:nvPr/>
+        </p:nvPicPr>
+        <p:blipFill>
+          <a:blip r:embed="rId2"/>
+          <a:stretch>
+            <a:fillRect/>
+          </a:stretch>
+        </p:blipFill>
+        <p:spPr>
+          <a:xfrm>
+            <a:off x="10991850" y="3848099"/>
+            <a:ext cx="292633" cy="243861"/>
+          </a:xfrm>
+          <a:prstGeom prst="rect">
+            <a:avLst/>
+          </a:prstGeom>
+        </p:spPr>
+      </p:pic>
+      <p:pic>
+        <p:nvPicPr>
+          <p:cNvPr id="6" name="Picture 5"/>
+          <p:cNvPicPr>
+            <a:picLocks noChangeAspect="1"/>
+          </p:cNvPicPr>
+          <p:nvPr/>
+        </p:nvPicPr>
+        <p:blipFill>
+          <a:blip r:embed="rId2"/>
+          <a:stretch>
+            <a:fillRect/>
+          </a:stretch>
+        </p:blipFill>
+        <p:spPr>
+          <a:xfrm>
+            <a:off x="10991850" y="4225309"/>
+            <a:ext cx="292633" cy="243861"/>
+          </a:xfrm>
+          <a:prstGeom prst="rect">
+            <a:avLst/>
+          </a:prstGeom>
+        </p:spPr>
+      </p:pic>
+    </p:spTree>
+    <p:extLst>
+      <p:ext uri="{BB962C8B-B14F-4D97-AF65-F5344CB8AC3E}">
+        <p14:creationId xmlns:p14="http://schemas.microsoft.com/office/powerpoint/2010/main" val="1140636682"/>
+      </p:ext>
+    </p:extLst>
+  </p:cSld>
+  <p:clrMapOvr>
+    <a:masterClrMapping/>
+  </p:clrMapOvr>
+  <p:timing>
+    <p:tnLst>
+      <p:par>
+        <p:cTn id="1" dur="indefinite" restart="never" nodeType="tmRoot"/>
+      </p:par>
+    </p:tnLst>
+  </p:timing>
+</p:sld>
+</file>
+
+<file path=ppt/slides/slide30.xml><?xml version="1.0" encoding="utf-8"?>
+<p:sld xmlns:a="http://schemas.openxmlformats.org/drawingml/2006/main" xmlns:r="http://schemas.openxmlformats.org/officeDocument/2006/relationships" xmlns:p="http://schemas.openxmlformats.org/presentationml/2006/main">
+  <p:cSld>
+    <p:spTree>
+      <p:nvGrpSpPr>
+        <p:cNvPr id="1" name=""/>
+        <p:cNvGrpSpPr/>
+        <p:nvPr/>
+      </p:nvGrpSpPr>
+      <p:grpSpPr>
+        <a:xfrm>
+          <a:off x="0" y="0"/>
+          <a:ext cx="0" cy="0"/>
+          <a:chOff x="0" y="0"/>
+          <a:chExt cx="0" cy="0"/>
+        </a:xfrm>
+      </p:grpSpPr>
+      <p:sp>
+        <p:nvSpPr>
+          <p:cNvPr id="2" name="Title 1"/>
+          <p:cNvSpPr>
+            <a:spLocks noGrp="1"/>
+          </p:cNvSpPr>
+          <p:nvPr>
+            <p:ph type="title"/>
+          </p:nvPr>
+        </p:nvSpPr>
+        <p:spPr/>
+        <p:txBody>
+          <a:bodyPr>
+            <a:normAutofit/>
+          </a:bodyPr>
+          <a:lstStyle/>
+          <a:p>
+            <a:pPr algn="ctr"/>
+            <a:r>
+              <a:rPr lang="fa-IR" sz="4400" u="sng" dirty="0" smtClean="0">
+                <a:solidFill>
+                  <a:srgbClr val="C00000"/>
+                </a:solidFill>
+                <a:cs typeface="B Nazanin" panose="00000400000000000000" pitchFamily="2" charset="-78"/>
+              </a:rPr>
+              <a:t>گام بعدی</a:t>
+            </a:r>
+            <a:endParaRPr lang="fa-IR" sz="4400" u="sng" dirty="0">
+              <a:solidFill>
+                <a:srgbClr val="C00000"/>
+              </a:solidFill>
+              <a:cs typeface="B Nazanin" panose="00000400000000000000" pitchFamily="2" charset="-78"/>
+            </a:endParaRPr>
+          </a:p>
+        </p:txBody>
+      </p:sp>
+      <p:sp>
+        <p:nvSpPr>
+          <p:cNvPr id="3" name="Content Placeholder 2"/>
+          <p:cNvSpPr>
+            <a:spLocks noGrp="1"/>
+          </p:cNvSpPr>
+          <p:nvPr>
+            <p:ph idx="1"/>
+          </p:nvPr>
+        </p:nvSpPr>
+        <p:spPr/>
+        <p:txBody>
+          <a:bodyPr/>
+          <a:lstStyle/>
+          <a:p>
+            <a:pPr algn="r" rtl="1">
+              <a:buFont typeface="Wingdings" panose="05000000000000000000" pitchFamily="2" charset="2"/>
+              <a:buChar char="§"/>
+            </a:pPr>
+            <a:r>
+              <a:rPr lang="fa-IR" dirty="0" smtClean="0"/>
+              <a:t>کلاس </a:t>
+            </a:r>
+            <a:r>
+              <a:rPr lang="fa-IR" dirty="0" smtClean="0"/>
+              <a:t>های کاربری</a:t>
+            </a:r>
+          </a:p>
+          <a:p>
+            <a:pPr algn="r" rtl="1">
+              <a:buFont typeface="Wingdings" panose="05000000000000000000" pitchFamily="2" charset="2"/>
+              <a:buChar char="§"/>
+            </a:pPr>
+            <a:r>
+              <a:rPr lang="fa-IR" dirty="0" smtClean="0"/>
+              <a:t>شخصیت های کاربر</a:t>
+            </a:r>
+          </a:p>
+          <a:p>
+            <a:pPr algn="r" rtl="1">
+              <a:buFont typeface="Wingdings" panose="05000000000000000000" pitchFamily="2" charset="2"/>
+              <a:buChar char="§"/>
+            </a:pPr>
+            <a:r>
+              <a:rPr lang="fa-IR" dirty="0" smtClean="0"/>
+              <a:t>ارتباط با نمایندگان کاربران </a:t>
+            </a:r>
+          </a:p>
+          <a:p>
+            <a:pPr algn="r" rtl="1">
+              <a:buFont typeface="Wingdings" panose="05000000000000000000" pitchFamily="2" charset="2"/>
+              <a:buChar char="§"/>
+            </a:pPr>
+            <a:r>
+              <a:rPr lang="fa-IR" dirty="0" smtClean="0"/>
+              <a:t>قهرمان محصول </a:t>
+            </a:r>
+          </a:p>
+          <a:p>
+            <a:pPr algn="r" rtl="1">
+              <a:buFont typeface="Wingdings" panose="05000000000000000000" pitchFamily="2" charset="2"/>
+              <a:buChar char="§"/>
+            </a:pPr>
+            <a:r>
+              <a:rPr lang="fa-IR" dirty="0"/>
+              <a:t>نمایندگی کاربر در پروژه های </a:t>
+            </a:r>
+            <a:r>
+              <a:rPr lang="fa-IR" dirty="0" smtClean="0"/>
+              <a:t>چابک</a:t>
+            </a:r>
+          </a:p>
+          <a:p>
+            <a:pPr algn="r" rtl="1">
+              <a:buFont typeface="Wingdings" panose="05000000000000000000" pitchFamily="2" charset="2"/>
+              <a:buChar char="§"/>
+            </a:pPr>
+            <a:r>
+              <a:rPr lang="fa-IR" dirty="0" smtClean="0">
+                <a:solidFill>
+                  <a:schemeClr val="accent3">
+                    <a:lumMod val="75000"/>
+                  </a:schemeClr>
+                </a:solidFill>
+              </a:rPr>
+              <a:t>حل و فصل نیازمندی‌های متضاد </a:t>
+            </a:r>
+            <a:endParaRPr lang="fa-IR" dirty="0">
+              <a:solidFill>
+                <a:schemeClr val="accent3">
+                  <a:lumMod val="75000"/>
+                </a:schemeClr>
+              </a:solidFill>
+            </a:endParaRPr>
+          </a:p>
+        </p:txBody>
+      </p:sp>
+    </p:spTree>
+    <p:extLst>
+      <p:ext uri="{BB962C8B-B14F-4D97-AF65-F5344CB8AC3E}">
+        <p14:creationId xmlns:p14="http://schemas.microsoft.com/office/powerpoint/2010/main" val="75047594"/>
+      </p:ext>
+    </p:extLst>
+  </p:cSld>
+  <p:clrMapOvr>
+    <a:masterClrMapping/>
+  </p:clrMapOvr>
+  <p:timing>
+    <p:tnLst>
+      <p:par>
+        <p:cTn id="1" dur="indefinite" restart="never" nodeType="tmRoot"/>
+      </p:par>
+    </p:tnLst>
+  </p:timing>
+</p:sld>
+</file>
+
+<file path=ppt/slides/slide31.xml><?xml version="1.0" encoding="utf-8"?>
 <p:sld xmlns:a="http://schemas.openxmlformats.org/drawingml/2006/main" xmlns:r="http://schemas.openxmlformats.org/officeDocument/2006/relationships" xmlns:p="http://schemas.openxmlformats.org/presentationml/2006/main">
   <p:cSld>
     <p:spTree>
@@ -9157,365 +10638,6 @@
 </p:sld>
 </file>
 
-<file path=ppt/slides/slide3.xml><?xml version="1.0" encoding="utf-8"?>
-<p:sld xmlns:a="http://schemas.openxmlformats.org/drawingml/2006/main" xmlns:r="http://schemas.openxmlformats.org/officeDocument/2006/relationships" xmlns:p="http://schemas.openxmlformats.org/presentationml/2006/main">
-  <p:cSld>
-    <p:spTree>
-      <p:nvGrpSpPr>
-        <p:cNvPr id="1" name=""/>
-        <p:cNvGrpSpPr/>
-        <p:nvPr/>
-      </p:nvGrpSpPr>
-      <p:grpSpPr>
-        <a:xfrm>
-          <a:off x="0" y="0"/>
-          <a:ext cx="0" cy="0"/>
-          <a:chOff x="0" y="0"/>
-          <a:chExt cx="0" cy="0"/>
-        </a:xfrm>
-      </p:grpSpPr>
-      <p:sp>
-        <p:nvSpPr>
-          <p:cNvPr id="2" name="Title 1"/>
-          <p:cNvSpPr>
-            <a:spLocks noGrp="1"/>
-          </p:cNvSpPr>
-          <p:nvPr>
-            <p:ph type="title"/>
-          </p:nvPr>
-        </p:nvSpPr>
-        <p:spPr>
-          <a:xfrm>
-            <a:off x="838200" y="365126"/>
-            <a:ext cx="10515600" cy="939800"/>
-          </a:xfrm>
-        </p:spPr>
-        <p:txBody>
-          <a:bodyPr>
-            <a:normAutofit/>
-          </a:bodyPr>
-          <a:lstStyle/>
-          <a:p>
-            <a:pPr algn="ctr"/>
-            <a:r>
-              <a:rPr lang="fa-IR" sz="4400" u="sng" dirty="0" smtClean="0">
-                <a:solidFill>
-                  <a:srgbClr val="C00000"/>
-                </a:solidFill>
-                <a:cs typeface="B Nazanin" panose="00000400000000000000" pitchFamily="2" charset="-78"/>
-              </a:rPr>
-              <a:t>مقدمه</a:t>
-            </a:r>
-            <a:endParaRPr lang="en-US" sz="4400" u="sng" dirty="0">
-              <a:solidFill>
-                <a:srgbClr val="C00000"/>
-              </a:solidFill>
-              <a:cs typeface="B Nazanin" panose="00000400000000000000" pitchFamily="2" charset="-78"/>
-            </a:endParaRPr>
-          </a:p>
-        </p:txBody>
-      </p:sp>
-      <p:sp>
-        <p:nvSpPr>
-          <p:cNvPr id="3" name="Content Placeholder 2"/>
-          <p:cNvSpPr>
-            <a:spLocks noGrp="1"/>
-          </p:cNvSpPr>
-          <p:nvPr>
-            <p:ph idx="1"/>
-          </p:nvPr>
-        </p:nvSpPr>
-        <p:spPr>
-          <a:xfrm>
-            <a:off x="942975" y="1304925"/>
-            <a:ext cx="10515600" cy="5029199"/>
-          </a:xfrm>
-        </p:spPr>
-        <p:txBody>
-          <a:bodyPr>
-            <a:normAutofit/>
-          </a:bodyPr>
-          <a:lstStyle/>
-          <a:p>
-            <a:pPr algn="r" rtl="1">
-              <a:buFont typeface="Arial" panose="020B0604020202020204" pitchFamily="34" charset="0"/>
-              <a:buChar char="•"/>
-            </a:pPr>
-            <a:r>
-              <a:rPr lang="fa-IR" sz="2400" dirty="0" smtClean="0">
-                <a:solidFill>
-                  <a:srgbClr val="C00000"/>
-                </a:solidFill>
-                <a:cs typeface="B Nazanin" panose="00000400000000000000" pitchFamily="2" charset="-78"/>
-              </a:rPr>
-              <a:t>مشارکت مشتری </a:t>
-            </a:r>
-            <a:r>
-              <a:rPr lang="fa-IR" sz="2400" dirty="0" smtClean="0">
-                <a:cs typeface="B Nazanin" panose="00000400000000000000" pitchFamily="2" charset="-78"/>
-              </a:rPr>
-              <a:t>مهمترین فاکتور در ارائه یک نرم‌افزار عالی است .</a:t>
-            </a:r>
-          </a:p>
-          <a:p>
-            <a:pPr algn="r" rtl="1">
-              <a:buFont typeface="Arial" panose="020B0604020202020204" pitchFamily="34" charset="0"/>
-              <a:buChar char="•"/>
-            </a:pPr>
-            <a:r>
-              <a:rPr lang="fa-IR" sz="2400" dirty="0" smtClean="0">
-                <a:cs typeface="B Nazanin" panose="00000400000000000000" pitchFamily="2" charset="-78"/>
-              </a:rPr>
-              <a:t>ایجاد این مشارکت برعهده </a:t>
-            </a:r>
-            <a:r>
-              <a:rPr lang="fa-IR" sz="2400" dirty="0" smtClean="0">
-                <a:solidFill>
-                  <a:srgbClr val="C00000"/>
-                </a:solidFill>
-                <a:cs typeface="B Nazanin" panose="00000400000000000000" pitchFamily="2" charset="-78"/>
-              </a:rPr>
-              <a:t>تحلیلگر کسب و کار </a:t>
-            </a:r>
-            <a:r>
-              <a:rPr lang="fa-IR" sz="2400" dirty="0" smtClean="0">
-                <a:solidFill>
-                  <a:schemeClr val="tx1"/>
-                </a:solidFill>
-                <a:cs typeface="B Nazanin" panose="00000400000000000000" pitchFamily="2" charset="-78"/>
-              </a:rPr>
-              <a:t>و </a:t>
-            </a:r>
-            <a:r>
-              <a:rPr lang="fa-IR" sz="2400" dirty="0" smtClean="0">
-                <a:solidFill>
-                  <a:srgbClr val="C00000"/>
-                </a:solidFill>
-                <a:cs typeface="B Nazanin" panose="00000400000000000000" pitchFamily="2" charset="-78"/>
-              </a:rPr>
-              <a:t>مدیر پروژه </a:t>
-            </a:r>
-            <a:r>
-              <a:rPr lang="fa-IR" sz="2400" dirty="0" smtClean="0">
-                <a:solidFill>
-                  <a:schemeClr val="tx1"/>
-                </a:solidFill>
-                <a:cs typeface="B Nazanin" panose="00000400000000000000" pitchFamily="2" charset="-78"/>
-              </a:rPr>
-              <a:t>است .</a:t>
-            </a:r>
-          </a:p>
-          <a:p>
-            <a:pPr algn="r" rtl="1">
-              <a:buFont typeface="Arial" panose="020B0604020202020204" pitchFamily="34" charset="0"/>
-              <a:buChar char="•"/>
-            </a:pPr>
-            <a:r>
-              <a:rPr lang="fa-IR" sz="2400" dirty="0" smtClean="0">
-                <a:solidFill>
-                  <a:schemeClr val="tx1"/>
-                </a:solidFill>
-                <a:cs typeface="B Nazanin" panose="00000400000000000000" pitchFamily="2" charset="-78"/>
-              </a:rPr>
-              <a:t>لازمه موفقیت در نیازمندی های نرم افزار و همچنین توسعه  نرم افزار وابسته به رساندن صدای کاربران به گوش توسعه دهنده است . </a:t>
-            </a:r>
-          </a:p>
-          <a:p>
-            <a:pPr algn="r" rtl="1">
-              <a:buFont typeface="Arial" panose="020B0604020202020204" pitchFamily="34" charset="0"/>
-              <a:buChar char="•"/>
-            </a:pPr>
-            <a:r>
-              <a:rPr lang="fa-IR" sz="2400" dirty="0" smtClean="0">
-                <a:cs typeface="B Nazanin" panose="00000400000000000000" pitchFamily="2" charset="-78"/>
-              </a:rPr>
-              <a:t>برای رساندن صدای کاربران به گوش توسعه دهنده اقدامات زیر لازم است :</a:t>
-            </a:r>
-          </a:p>
-          <a:p>
-            <a:pPr marL="457200" lvl="1" indent="0">
-              <a:buNone/>
-            </a:pPr>
-            <a:r>
-              <a:rPr lang="fa-IR" dirty="0">
-                <a:cs typeface="B Nazanin" panose="00000400000000000000" pitchFamily="2" charset="-78"/>
-              </a:rPr>
-              <a:t>کلاس های کاربری مختلف را برای محصول خود تعیین کنید . </a:t>
-            </a:r>
-          </a:p>
-          <a:p>
-            <a:pPr marL="457200" lvl="1" indent="0">
-              <a:buNone/>
-            </a:pPr>
-            <a:r>
-              <a:rPr lang="fa-IR" dirty="0">
-                <a:cs typeface="B Nazanin" panose="00000400000000000000" pitchFamily="2" charset="-78"/>
-              </a:rPr>
-              <a:t>افرادی را به عنوان نماینده هر کلاس از کاربران و سایر ذی نفعان انتخاب کنید و با آن ها همکاری کنید .</a:t>
-            </a:r>
-          </a:p>
-          <a:p>
-            <a:pPr marL="457200" lvl="1" indent="0">
-              <a:buNone/>
-            </a:pPr>
-            <a:r>
-              <a:rPr lang="fa-IR" dirty="0">
-                <a:cs typeface="B Nazanin" panose="00000400000000000000" pitchFamily="2" charset="-78"/>
-              </a:rPr>
-              <a:t>در مورد نیازمندی های تصمیم گیرندگان خود توافق کنید </a:t>
-            </a:r>
-            <a:r>
-              <a:rPr lang="fa-IR" dirty="0" smtClean="0">
-                <a:cs typeface="B Nazanin" panose="00000400000000000000" pitchFamily="2" charset="-78"/>
-              </a:rPr>
-              <a:t>.</a:t>
-            </a:r>
-          </a:p>
-          <a:p>
-            <a:pPr marL="0" indent="0">
-              <a:buNone/>
-            </a:pPr>
-            <a:r>
-              <a:rPr lang="fa-IR" sz="2400" dirty="0" smtClean="0">
-                <a:solidFill>
-                  <a:srgbClr val="C00000"/>
-                </a:solidFill>
-                <a:cs typeface="B Nazanin" panose="00000400000000000000" pitchFamily="2" charset="-78"/>
-              </a:rPr>
-              <a:t>یادآوری: </a:t>
-            </a:r>
-            <a:r>
-              <a:rPr lang="fa-IR" sz="2400" dirty="0" smtClean="0">
-                <a:cs typeface="B Nazanin" panose="00000400000000000000" pitchFamily="2" charset="-78"/>
-              </a:rPr>
-              <a:t>مشارکت مشتریان بهترین راه حل برای مسئله شکاف انتظاری است که در فصل دو مطرح شده است . </a:t>
-            </a:r>
-            <a:endParaRPr lang="en-US" sz="2400" dirty="0">
-              <a:solidFill>
-                <a:srgbClr val="C00000"/>
-              </a:solidFill>
-              <a:cs typeface="B Nazanin" panose="00000400000000000000" pitchFamily="2" charset="-78"/>
-            </a:endParaRPr>
-          </a:p>
-          <a:p>
-            <a:pPr algn="r" rtl="1">
-              <a:buFont typeface="Arial" panose="020B0604020202020204" pitchFamily="34" charset="0"/>
-              <a:buChar char="•"/>
-            </a:pPr>
-            <a:endParaRPr lang="en-US" sz="2400" dirty="0">
-              <a:cs typeface="B Nazanin" panose="00000400000000000000" pitchFamily="2" charset="-78"/>
-            </a:endParaRPr>
-          </a:p>
-        </p:txBody>
-      </p:sp>
-      <p:sp>
-        <p:nvSpPr>
-          <p:cNvPr id="4" name="Left Arrow 3"/>
-          <p:cNvSpPr/>
-          <p:nvPr/>
-        </p:nvSpPr>
-        <p:spPr>
-          <a:xfrm>
-            <a:off x="10991850" y="3505200"/>
-            <a:ext cx="276225" cy="209550"/>
-          </a:xfrm>
-          <a:prstGeom prst="leftArrow">
-            <a:avLst/>
-          </a:prstGeom>
-        </p:spPr>
-        <p:style>
-          <a:lnRef idx="2">
-            <a:schemeClr val="accent1">
-              <a:shade val="50000"/>
-            </a:schemeClr>
-          </a:lnRef>
-          <a:fillRef idx="1">
-            <a:schemeClr val="accent1"/>
-          </a:fillRef>
-          <a:effectRef idx="0">
-            <a:schemeClr val="accent1"/>
-          </a:effectRef>
-          <a:fontRef idx="minor">
-            <a:schemeClr val="lt1"/>
-          </a:fontRef>
-        </p:style>
-        <p:txBody>
-          <a:bodyPr rtlCol="1" anchor="ctr"/>
-          <a:lstStyle/>
-          <a:p>
-            <a:pPr algn="ctr"/>
-            <a:endParaRPr lang="fa-IR"/>
-          </a:p>
-        </p:txBody>
-      </p:sp>
-      <p:pic>
-        <p:nvPicPr>
-          <p:cNvPr id="5" name="Picture 4"/>
-          <p:cNvPicPr>
-            <a:picLocks noChangeAspect="1"/>
-          </p:cNvPicPr>
-          <p:nvPr/>
-        </p:nvPicPr>
-        <p:blipFill>
-          <a:blip r:embed="rId2"/>
-          <a:stretch>
-            <a:fillRect/>
-          </a:stretch>
-        </p:blipFill>
-        <p:spPr>
-          <a:xfrm>
-            <a:off x="10991850" y="3848099"/>
-            <a:ext cx="292633" cy="243861"/>
-          </a:xfrm>
-          <a:prstGeom prst="rect">
-            <a:avLst/>
-          </a:prstGeom>
-        </p:spPr>
-      </p:pic>
-      <p:pic>
-        <p:nvPicPr>
-          <p:cNvPr id="6" name="Picture 5"/>
-          <p:cNvPicPr>
-            <a:picLocks noChangeAspect="1"/>
-          </p:cNvPicPr>
-          <p:nvPr/>
-        </p:nvPicPr>
-        <p:blipFill>
-          <a:blip r:embed="rId2"/>
-          <a:stretch>
-            <a:fillRect/>
-          </a:stretch>
-        </p:blipFill>
-        <p:spPr>
-          <a:xfrm>
-            <a:off x="10991850" y="4225309"/>
-            <a:ext cx="292633" cy="243861"/>
-          </a:xfrm>
-          <a:prstGeom prst="rect">
-            <a:avLst/>
-          </a:prstGeom>
-        </p:spPr>
-      </p:pic>
-    </p:spTree>
-    <p:extLst>
-      <p:ext uri="{BB962C8B-B14F-4D97-AF65-F5344CB8AC3E}">
-        <p14:creationId xmlns:p14="http://schemas.microsoft.com/office/powerpoint/2010/main" val="1140636682"/>
-      </p:ext>
-    </p:extLst>
-  </p:cSld>
-  <p:clrMapOvr>
-    <a:masterClrMapping/>
-  </p:clrMapOvr>
-  <p:timing>
-    <p:tnLst>
-      <p:par>
-        <p:cTn id="1" dur="indefinite" restart="never" nodeType="tmRoot"/>
-      </p:par>
-    </p:tnLst>
-  </p:timing>
-</p:sld>
-</file>
-
 <file path=ppt/slides/slide4.xml><?xml version="1.0" encoding="utf-8"?>
 <p:sld xmlns:a="http://schemas.openxmlformats.org/drawingml/2006/main" xmlns:r="http://schemas.openxmlformats.org/officeDocument/2006/relationships" xmlns:p="http://schemas.openxmlformats.org/presentationml/2006/main">
   <p:cSld>

--- a/ارائه مهندسي نيازمندي ها.pptx
+++ b/ارائه مهندسي نيازمندي ها.pptx
@@ -5,7 +5,7 @@
     <p:sldMasterId id="2147483985" r:id="rId1"/>
   </p:sldMasterIdLst>
   <p:notesMasterIdLst>
-    <p:notesMasterId r:id="rId33"/>
+    <p:notesMasterId r:id="rId34"/>
   </p:notesMasterIdLst>
   <p:sldIdLst>
     <p:sldId id="257" r:id="rId2"/>
@@ -34,11 +34,12 @@
     <p:sldId id="280" r:id="rId25"/>
     <p:sldId id="281" r:id="rId26"/>
     <p:sldId id="278" r:id="rId27"/>
-    <p:sldId id="282" r:id="rId28"/>
+    <p:sldId id="294" r:id="rId28"/>
     <p:sldId id="291" r:id="rId29"/>
     <p:sldId id="283" r:id="rId30"/>
-    <p:sldId id="292" r:id="rId31"/>
-    <p:sldId id="287" r:id="rId32"/>
+    <p:sldId id="293" r:id="rId31"/>
+    <p:sldId id="292" r:id="rId32"/>
+    <p:sldId id="287" r:id="rId33"/>
   </p:sldIdLst>
   <p:sldSz cx="12192000" cy="6858000"/>
   <p:notesSz cx="6858000" cy="9144000"/>
@@ -232,7 +233,7 @@
             <a:fld id="{D5904EEC-1544-4F8A-9627-C15A01248C3F}" type="datetimeFigureOut">
               <a:rPr lang="fa-IR" smtClean="0"/>
               <a:pPr/>
-              <a:t>09/06/1443</a:t>
+              <a:t>15/06/1443</a:t>
             </a:fld>
             <a:endParaRPr lang="fa-IR" dirty="0"/>
           </a:p>
@@ -754,7 +755,7 @@
           <a:p>
             <a:fld id="{02730C7D-E670-452F-99B3-10B0C33A0E2C}" type="datetimeFigureOut">
               <a:rPr lang="en-US" smtClean="0"/>
-              <a:t>1/12/2022</a:t>
+              <a:t>1/18/2022</a:t>
             </a:fld>
             <a:endParaRPr lang="en-US"/>
           </a:p>
@@ -924,7 +925,7 @@
           <a:p>
             <a:fld id="{02730C7D-E670-452F-99B3-10B0C33A0E2C}" type="datetimeFigureOut">
               <a:rPr lang="en-US" smtClean="0"/>
-              <a:t>1/12/2022</a:t>
+              <a:t>1/18/2022</a:t>
             </a:fld>
             <a:endParaRPr lang="en-US"/>
           </a:p>
@@ -1104,7 +1105,7 @@
           <a:p>
             <a:fld id="{02730C7D-E670-452F-99B3-10B0C33A0E2C}" type="datetimeFigureOut">
               <a:rPr lang="en-US" smtClean="0"/>
-              <a:t>1/12/2022</a:t>
+              <a:t>1/18/2022</a:t>
             </a:fld>
             <a:endParaRPr lang="en-US"/>
           </a:p>
@@ -1274,7 +1275,7 @@
           <a:p>
             <a:fld id="{02730C7D-E670-452F-99B3-10B0C33A0E2C}" type="datetimeFigureOut">
               <a:rPr lang="en-US" smtClean="0"/>
-              <a:t>1/12/2022</a:t>
+              <a:t>1/18/2022</a:t>
             </a:fld>
             <a:endParaRPr lang="en-US"/>
           </a:p>
@@ -1520,7 +1521,7 @@
           <a:p>
             <a:fld id="{02730C7D-E670-452F-99B3-10B0C33A0E2C}" type="datetimeFigureOut">
               <a:rPr lang="en-US" smtClean="0"/>
-              <a:t>1/12/2022</a:t>
+              <a:t>1/18/2022</a:t>
             </a:fld>
             <a:endParaRPr lang="en-US"/>
           </a:p>
@@ -1752,7 +1753,7 @@
           <a:p>
             <a:fld id="{02730C7D-E670-452F-99B3-10B0C33A0E2C}" type="datetimeFigureOut">
               <a:rPr lang="en-US" smtClean="0"/>
-              <a:t>1/12/2022</a:t>
+              <a:t>1/18/2022</a:t>
             </a:fld>
             <a:endParaRPr lang="en-US"/>
           </a:p>
@@ -2119,7 +2120,7 @@
           <a:p>
             <a:fld id="{02730C7D-E670-452F-99B3-10B0C33A0E2C}" type="datetimeFigureOut">
               <a:rPr lang="en-US" smtClean="0"/>
-              <a:t>1/12/2022</a:t>
+              <a:t>1/18/2022</a:t>
             </a:fld>
             <a:endParaRPr lang="en-US"/>
           </a:p>
@@ -2237,7 +2238,7 @@
           <a:p>
             <a:fld id="{02730C7D-E670-452F-99B3-10B0C33A0E2C}" type="datetimeFigureOut">
               <a:rPr lang="en-US" smtClean="0"/>
-              <a:t>1/12/2022</a:t>
+              <a:t>1/18/2022</a:t>
             </a:fld>
             <a:endParaRPr lang="en-US"/>
           </a:p>
@@ -2332,7 +2333,7 @@
           <a:p>
             <a:fld id="{02730C7D-E670-452F-99B3-10B0C33A0E2C}" type="datetimeFigureOut">
               <a:rPr lang="en-US" smtClean="0"/>
-              <a:t>1/12/2022</a:t>
+              <a:t>1/18/2022</a:t>
             </a:fld>
             <a:endParaRPr lang="en-US"/>
           </a:p>
@@ -2609,7 +2610,7 @@
           <a:p>
             <a:fld id="{02730C7D-E670-452F-99B3-10B0C33A0E2C}" type="datetimeFigureOut">
               <a:rPr lang="en-US" smtClean="0"/>
-              <a:t>1/12/2022</a:t>
+              <a:t>1/18/2022</a:t>
             </a:fld>
             <a:endParaRPr lang="en-US"/>
           </a:p>
@@ -2866,7 +2867,7 @@
           <a:p>
             <a:fld id="{02730C7D-E670-452F-99B3-10B0C33A0E2C}" type="datetimeFigureOut">
               <a:rPr lang="en-US" smtClean="0"/>
-              <a:t>1/12/2022</a:t>
+              <a:t>1/18/2022</a:t>
             </a:fld>
             <a:endParaRPr lang="en-US"/>
           </a:p>
@@ -3079,7 +3080,7 @@
           <a:p>
             <a:fld id="{02730C7D-E670-452F-99B3-10B0C33A0E2C}" type="datetimeFigureOut">
               <a:rPr lang="en-US" smtClean="0"/>
-              <a:t>1/12/2022</a:t>
+              <a:t>1/18/2022</a:t>
             </a:fld>
             <a:endParaRPr lang="en-US"/>
           </a:p>
@@ -4128,11 +4129,7 @@
             </a:pPr>
             <a:r>
               <a:rPr lang="fa-IR" dirty="0" smtClean="0"/>
-              <a:t>کلاس </a:t>
-            </a:r>
-            <a:r>
-              <a:rPr lang="fa-IR" dirty="0" smtClean="0"/>
-              <a:t>های کاربری</a:t>
+              <a:t>کلاس های کاربری</a:t>
             </a:r>
           </a:p>
           <a:p>
@@ -4425,11 +4422,7 @@
             </a:pPr>
             <a:r>
               <a:rPr lang="fa-IR" dirty="0" smtClean="0"/>
-              <a:t>کلاس </a:t>
-            </a:r>
-            <a:r>
-              <a:rPr lang="fa-IR" dirty="0" smtClean="0"/>
-              <a:t>های کاربری</a:t>
+              <a:t>کلاس های کاربری</a:t>
             </a:r>
           </a:p>
           <a:p>
@@ -5108,11 +5101,7 @@
             </a:pPr>
             <a:r>
               <a:rPr lang="fa-IR" dirty="0" smtClean="0"/>
-              <a:t>کلاس </a:t>
-            </a:r>
-            <a:r>
-              <a:rPr lang="fa-IR" dirty="0" smtClean="0"/>
-              <a:t>های کاربری</a:t>
+              <a:t>کلاس های کاربری</a:t>
             </a:r>
           </a:p>
           <a:p>
@@ -5673,17 +5662,7 @@
                   </a:schemeClr>
                 </a:solidFill>
               </a:rPr>
-              <a:t>کلاس </a:t>
-            </a:r>
-            <a:r>
-              <a:rPr lang="fa-IR" dirty="0" smtClean="0">
-                <a:solidFill>
-                  <a:schemeClr val="accent3">
-                    <a:lumMod val="75000"/>
-                  </a:schemeClr>
-                </a:solidFill>
-              </a:rPr>
-              <a:t>های کاربری</a:t>
+              <a:t>کلاس های کاربری</a:t>
             </a:r>
           </a:p>
           <a:p>
@@ -5695,7 +5674,6 @@
               <a:rPr lang="fa-IR" dirty="0" smtClean="0"/>
               <a:t>پرسوناهای کاربر</a:t>
             </a:r>
-            <a:endParaRPr lang="fa-IR" dirty="0" smtClean="0"/>
           </a:p>
           <a:p>
             <a:pPr algn="r" rtl="1">
@@ -8597,7 +8575,7 @@
               <a:buChar char="§"/>
             </a:pPr>
             <a:r>
-              <a:rPr lang="fa-IR" sz="2000" dirty="0" smtClean="0">
+              <a:rPr lang="fa-IR" sz="2400" dirty="0" smtClean="0">
                 <a:cs typeface="B Nazanin" panose="00000400000000000000" pitchFamily="2" charset="-78"/>
               </a:rPr>
               <a:t>یک نفر به ندرت می‌تواند نیازمندی های همه کلاسهای کاربری یک سیستم را توصیف کند . </a:t>
@@ -8609,10 +8587,30 @@
               <a:buChar char="§"/>
             </a:pPr>
             <a:r>
+              <a:rPr lang="fa-IR" sz="2400" dirty="0" smtClean="0">
+                <a:cs typeface="B Nazanin" panose="00000400000000000000" pitchFamily="2" charset="-78"/>
+              </a:rPr>
+              <a:t>برای اینکه این کار به خوبی انجام شود به تعداد کلاس‌های کاربری باید قهرمان محصول در نظر گرفت . </a:t>
+            </a:r>
+          </a:p>
+          <a:p>
+            <a:pPr marL="0" indent="0" algn="r" rtl="1">
+              <a:buNone/>
+            </a:pPr>
+            <a:r>
               <a:rPr lang="fa-IR" sz="2000" dirty="0" smtClean="0">
                 <a:cs typeface="B Nazanin" panose="00000400000000000000" pitchFamily="2" charset="-78"/>
               </a:rPr>
-              <a:t>برای اینکه این کار به خوبی انجام شود به تعداد کلاس‌های کاربری باید قهرمان محصول در نظر گرفت . </a:t>
+              <a:t>      </a:t>
+            </a:r>
+            <a:r>
+              <a:rPr lang="fa-IR" sz="2400" dirty="0" smtClean="0">
+                <a:solidFill>
+                  <a:srgbClr val="C00000"/>
+                </a:solidFill>
+                <a:cs typeface="B Nazanin" panose="00000400000000000000" pitchFamily="2" charset="-78"/>
+              </a:rPr>
+              <a:t>فروش ایده‌های قهرمان محصول </a:t>
             </a:r>
           </a:p>
           <a:p>
@@ -8621,19 +8619,37 @@
               <a:buChar char="§"/>
             </a:pPr>
             <a:r>
-              <a:rPr lang="fa-IR" sz="2000" dirty="0" smtClean="0">
-                <a:cs typeface="B Nazanin" panose="00000400000000000000" pitchFamily="2" charset="-78"/>
-              </a:rPr>
-              <a:t> </a:t>
-            </a:r>
-            <a:r>
               <a:rPr lang="fa-IR" sz="2400" dirty="0" smtClean="0">
-                <a:solidFill>
-                  <a:srgbClr val="C00000"/>
-                </a:solidFill>
-                <a:cs typeface="B Nazanin" panose="00000400000000000000" pitchFamily="2" charset="-78"/>
-              </a:rPr>
-              <a:t>فروش ایده‌های قهرمان محصول </a:t>
+                <a:cs typeface="B Nazanin" panose="00000400000000000000" pitchFamily="2" charset="-78"/>
+              </a:rPr>
+              <a:t>زمانیکه ایده قهرمان محصول مطرح می‌شود ممکن است با مقاومت‌هایی روبرو شود . </a:t>
+            </a:r>
+            <a:endParaRPr lang="fa-IR" sz="2400" dirty="0">
+              <a:cs typeface="B Nazanin" panose="00000400000000000000" pitchFamily="2" charset="-78"/>
+            </a:endParaRPr>
+          </a:p>
+          <a:p>
+            <a:pPr algn="r" rtl="1">
+              <a:buFont typeface="Wingdings" panose="05000000000000000000" pitchFamily="2" charset="2"/>
+              <a:buChar char="§"/>
+            </a:pPr>
+            <a:r>
+              <a:rPr lang="fa-IR" sz="2400" dirty="0" smtClean="0">
+                <a:cs typeface="B Nazanin" panose="00000400000000000000" pitchFamily="2" charset="-78"/>
+              </a:rPr>
+              <a:t>برخی از کاربران تمایلی به همکاری با پروژه‌ای ندارند که نحوه کارشان را تغییر بدهد یا شغلشان را به خطر بیندازد . </a:t>
+            </a:r>
+          </a:p>
+          <a:p>
+            <a:pPr algn="r" rtl="1">
+              <a:buFont typeface="Wingdings" panose="05000000000000000000" pitchFamily="2" charset="2"/>
+              <a:buChar char="§"/>
+            </a:pPr>
+            <a:r>
+              <a:rPr lang="fa-IR" sz="2400" dirty="0" smtClean="0">
+                <a:cs typeface="B Nazanin" panose="00000400000000000000" pitchFamily="2" charset="-78"/>
+              </a:rPr>
+              <a:t>مدیران گاهی تمایل به تفویض اختیارات خود در مورد تعیین و تکلیف نیازمندی ها به کاربران عادی را ندارند . </a:t>
             </a:r>
           </a:p>
           <a:p>
@@ -8687,7 +8703,7 @@
         </p:blipFill>
         <p:spPr>
           <a:xfrm>
-            <a:off x="11078820" y="2495005"/>
+            <a:off x="11078820" y="2634343"/>
             <a:ext cx="347331" cy="304826"/>
           </a:xfrm>
           <a:prstGeom prst="rect">
@@ -8742,9 +8758,16 @@
             <p:ph type="title"/>
           </p:nvPr>
         </p:nvSpPr>
-        <p:spPr/>
-        <p:txBody>
-          <a:bodyPr/>
+        <p:spPr>
+          <a:xfrm>
+            <a:off x="838200" y="365126"/>
+            <a:ext cx="10515600" cy="497023"/>
+          </a:xfrm>
+        </p:spPr>
+        <p:txBody>
+          <a:bodyPr>
+            <a:normAutofit fontScale="90000"/>
+          </a:bodyPr>
           <a:lstStyle/>
           <a:p>
             <a:pPr algn="ctr"/>
@@ -8755,7 +8778,7 @@
                 </a:solidFill>
                 <a:cs typeface="B Nazanin" panose="00000400000000000000" pitchFamily="2" charset="-78"/>
               </a:rPr>
-              <a:t>فروش ایده قهرمان محصول </a:t>
+              <a:t>قهرمان محصول (ادامه)</a:t>
             </a:r>
             <a:endParaRPr lang="fa-IR" u="sng" dirty="0">
               <a:solidFill>
@@ -8776,36 +8799,314 @@
             <p:ph idx="1"/>
           </p:nvPr>
         </p:nvSpPr>
-        <p:spPr/>
+        <p:spPr>
+          <a:xfrm>
+            <a:off x="600891" y="988437"/>
+            <a:ext cx="10752909" cy="5477691"/>
+          </a:xfrm>
+        </p:spPr>
         <p:txBody>
           <a:bodyPr>
             <a:normAutofit/>
           </a:bodyPr>
           <a:lstStyle/>
           <a:p>
+            <a:pPr marL="0" indent="0" algn="r" rtl="1">
+              <a:buNone/>
+            </a:pPr>
+            <a:r>
+              <a:rPr lang="fa-IR" sz="2400" dirty="0">
+                <a:cs typeface="B Nazanin" panose="00000400000000000000" pitchFamily="2" charset="-78"/>
+              </a:rPr>
+              <a:t> </a:t>
+            </a:r>
+            <a:r>
+              <a:rPr lang="fa-IR" sz="2400" dirty="0" smtClean="0">
+                <a:cs typeface="B Nazanin" panose="00000400000000000000" pitchFamily="2" charset="-78"/>
+              </a:rPr>
+              <a:t>     </a:t>
+            </a:r>
+            <a:r>
+              <a:rPr lang="fa-IR" sz="2400" dirty="0" smtClean="0">
+                <a:solidFill>
+                  <a:srgbClr val="C00000"/>
+                </a:solidFill>
+                <a:cs typeface="B Nazanin" panose="00000400000000000000" pitchFamily="2" charset="-78"/>
+              </a:rPr>
+              <a:t>جلوگیری از تله قهرمان محصول   </a:t>
+            </a:r>
+            <a:r>
+              <a:rPr lang="fa-IR" sz="2400" dirty="0" smtClean="0">
+                <a:solidFill>
+                  <a:srgbClr val="C00000"/>
+                </a:solidFill>
+                <a:cs typeface="B Nazanin" panose="00000400000000000000" pitchFamily="2" charset="-78"/>
+              </a:rPr>
+              <a:t>   </a:t>
+            </a:r>
+            <a:endParaRPr lang="fa-IR" sz="2400" dirty="0">
+              <a:solidFill>
+                <a:srgbClr val="C00000"/>
+              </a:solidFill>
+              <a:cs typeface="B Nazanin" panose="00000400000000000000" pitchFamily="2" charset="-78"/>
+            </a:endParaRPr>
+          </a:p>
+          <a:p>
             <a:pPr algn="r" rtl="1">
               <a:buFont typeface="Wingdings" panose="05000000000000000000" pitchFamily="2" charset="2"/>
               <a:buChar char="§"/>
             </a:pPr>
-            <a:endParaRPr lang="fa-IR" sz="2400" dirty="0" smtClean="0">
-              <a:cs typeface="B Nazanin" panose="00000400000000000000" pitchFamily="2" charset="-78"/>
-            </a:endParaRPr>
+            <a:r>
+              <a:rPr lang="fa-IR" sz="2000" b="1" dirty="0" smtClean="0">
+                <a:cs typeface="B Nazanin" panose="00000400000000000000" pitchFamily="2" charset="-78"/>
+              </a:rPr>
+              <a:t>مدل قهرمان محصول زمانی درست کار می‌کند که قهرمان محصول مسئولیت‌های خود را به خوبی درک کند . </a:t>
+            </a:r>
           </a:p>
           <a:p>
             <a:pPr algn="r" rtl="1">
               <a:buFont typeface="Wingdings" panose="05000000000000000000" pitchFamily="2" charset="2"/>
               <a:buChar char="§"/>
             </a:pPr>
-            <a:endParaRPr lang="fa-IR" sz="2400" dirty="0">
+            <a:r>
+              <a:rPr lang="fa-IR" sz="2000" b="1" dirty="0" smtClean="0">
+                <a:cs typeface="B Nazanin" panose="00000400000000000000" pitchFamily="2" charset="-78"/>
+              </a:rPr>
+              <a:t>اختیار تصمیم گیری درسطح نیازهای کاربری را داشته باشد . </a:t>
+            </a:r>
+          </a:p>
+          <a:p>
+            <a:pPr algn="r" rtl="1">
+              <a:buFont typeface="Wingdings" panose="05000000000000000000" pitchFamily="2" charset="2"/>
+              <a:buChar char="§"/>
+            </a:pPr>
+            <a:r>
+              <a:rPr lang="fa-IR" sz="2000" b="1" dirty="0" smtClean="0">
+                <a:cs typeface="B Nazanin" panose="00000400000000000000" pitchFamily="2" charset="-78"/>
+              </a:rPr>
+              <a:t>و زمان کافی برای انجام این وظایف را در دسترس داشته باشند . </a:t>
+            </a:r>
+          </a:p>
+          <a:p>
+            <a:pPr marL="0" indent="0" algn="r" rtl="1">
+              <a:buNone/>
+            </a:pPr>
+            <a:r>
+              <a:rPr lang="en-US" sz="2000" dirty="0" smtClean="0">
+                <a:cs typeface="B Nazanin" panose="00000400000000000000" pitchFamily="2" charset="-78"/>
+              </a:rPr>
+              <a:t>    </a:t>
+            </a:r>
+            <a:r>
+              <a:rPr lang="fa-IR" sz="2000" dirty="0" smtClean="0">
+                <a:cs typeface="B Nazanin" panose="00000400000000000000" pitchFamily="2" charset="-78"/>
+              </a:rPr>
+              <a:t>   </a:t>
+            </a:r>
+            <a:r>
+              <a:rPr lang="fa-IR" sz="2000" b="1" dirty="0" smtClean="0">
+                <a:cs typeface="B Nazanin" panose="00000400000000000000" pitchFamily="2" charset="-78"/>
+              </a:rPr>
+              <a:t>مراقب مشکلات احتمالی زیر باشید:</a:t>
+            </a:r>
+          </a:p>
+          <a:p>
+            <a:pPr algn="r" rtl="1">
+              <a:buFont typeface="Wingdings" panose="05000000000000000000" pitchFamily="2" charset="2"/>
+              <a:buChar char="v"/>
+            </a:pPr>
+            <a:r>
+              <a:rPr lang="en-US" sz="2000" dirty="0" smtClean="0">
+                <a:cs typeface="B Nazanin" panose="00000400000000000000" pitchFamily="2" charset="-78"/>
+              </a:rPr>
+              <a:t>    </a:t>
+            </a:r>
+            <a:r>
+              <a:rPr lang="fa-IR" sz="2000" b="1" dirty="0" smtClean="0">
+                <a:cs typeface="B Nazanin" panose="00000400000000000000" pitchFamily="2" charset="-78"/>
+              </a:rPr>
+              <a:t>مدیران تصمیماتی را که قهرمان محصول می‌گیرد نادیده می‌گیرند.</a:t>
+            </a:r>
+          </a:p>
+          <a:p>
+            <a:pPr marL="0" indent="0" algn="r" rtl="1">
+              <a:buNone/>
+            </a:pPr>
+            <a:r>
+              <a:rPr lang="fa-IR" sz="2000" b="1" dirty="0">
+                <a:cs typeface="B Nazanin" panose="00000400000000000000" pitchFamily="2" charset="-78"/>
+              </a:rPr>
+              <a:t> </a:t>
+            </a:r>
+            <a:r>
+              <a:rPr lang="fa-IR" sz="2000" b="1" dirty="0" smtClean="0">
+                <a:cs typeface="B Nazanin" panose="00000400000000000000" pitchFamily="2" charset="-78"/>
+              </a:rPr>
+              <a:t>     </a:t>
+            </a:r>
+            <a:r>
+              <a:rPr lang="fa-IR" sz="2000" dirty="0" smtClean="0">
+                <a:cs typeface="B Nazanin" panose="00000400000000000000" pitchFamily="2" charset="-78"/>
+              </a:rPr>
+              <a:t>آنها در آخرین لحظات تصمیمات ناگهانی می‌گیرند و فکر می‌کنند خودشان بهتر نیازهای کاربران را می‌دانند.</a:t>
+            </a:r>
+          </a:p>
+          <a:p>
+            <a:pPr marL="0" indent="0" algn="r" rtl="1">
+              <a:buNone/>
+            </a:pPr>
+            <a:r>
+              <a:rPr lang="fa-IR" sz="2000" dirty="0">
+                <a:cs typeface="B Nazanin" panose="00000400000000000000" pitchFamily="2" charset="-78"/>
+              </a:rPr>
+              <a:t> </a:t>
+            </a:r>
+            <a:r>
+              <a:rPr lang="fa-IR" sz="2000" dirty="0" smtClean="0">
+                <a:cs typeface="B Nazanin" panose="00000400000000000000" pitchFamily="2" charset="-78"/>
+              </a:rPr>
+              <a:t>     در این شرایط قهرمان محصول ناامید می‌شوند و فکر می‌کند مدیران به او اعتماد ندارند . </a:t>
+            </a:r>
+          </a:p>
+          <a:p>
+            <a:pPr algn="r" rtl="1">
+              <a:buFont typeface="Wingdings" panose="05000000000000000000" pitchFamily="2" charset="2"/>
+              <a:buChar char="v"/>
+            </a:pPr>
+            <a:r>
+              <a:rPr lang="fa-IR" sz="2000" b="1" dirty="0" smtClean="0">
+                <a:cs typeface="B Nazanin" panose="00000400000000000000" pitchFamily="2" charset="-78"/>
+              </a:rPr>
+              <a:t>  قهرمان محصولی که فراموش می‌کند نماینده سایر کاربران است و فقط نیازهای خود را ارائه می‌کند  کارش را درست انجام نداده است.</a:t>
+            </a:r>
+          </a:p>
+          <a:p>
+            <a:pPr algn="r" rtl="1">
+              <a:buFont typeface="Wingdings" panose="05000000000000000000" pitchFamily="2" charset="2"/>
+              <a:buChar char="v"/>
+            </a:pPr>
+            <a:r>
+              <a:rPr lang="fa-IR" sz="2000" b="1" dirty="0" smtClean="0">
+                <a:cs typeface="B Nazanin" panose="00000400000000000000" pitchFamily="2" charset="-78"/>
+              </a:rPr>
+              <a:t>  قهرمان محصولی که فاقد دید روشنی از سیستم است، ممکن است تصمیم گیری را به آنالیزور کسب و کار موکول میکند .</a:t>
+            </a:r>
+          </a:p>
+          <a:p>
+            <a:pPr marL="0" indent="0" algn="r" rtl="1">
+              <a:buNone/>
+            </a:pPr>
+            <a:r>
+              <a:rPr lang="fa-IR" sz="2000" b="1" dirty="0">
+                <a:cs typeface="B Nazanin" panose="00000400000000000000" pitchFamily="2" charset="-78"/>
+              </a:rPr>
+              <a:t> </a:t>
+            </a:r>
+            <a:r>
+              <a:rPr lang="fa-IR" sz="2000" b="1" dirty="0" smtClean="0">
+                <a:cs typeface="B Nazanin" panose="00000400000000000000" pitchFamily="2" charset="-78"/>
+              </a:rPr>
+              <a:t>  </a:t>
+            </a:r>
+            <a:r>
+              <a:rPr lang="fa-IR" sz="2000" dirty="0" smtClean="0">
+                <a:cs typeface="B Nazanin" panose="00000400000000000000" pitchFamily="2" charset="-78"/>
+              </a:rPr>
+              <a:t>اگر تصمیات آنالیزور کسب و کار به خوبی یک قهرمان محصول باشد دیگر قهرمان محصول بدرد نمی‌خورد . </a:t>
+            </a:r>
+          </a:p>
+          <a:p>
+            <a:pPr algn="r" rtl="1">
+              <a:buFont typeface="Wingdings" panose="05000000000000000000" pitchFamily="2" charset="2"/>
+              <a:buChar char="v"/>
+            </a:pPr>
+            <a:r>
+              <a:rPr lang="fa-IR" sz="2000" b="1" dirty="0" smtClean="0">
+                <a:cs typeface="B Nazanin" panose="00000400000000000000" pitchFamily="2" charset="-78"/>
+              </a:rPr>
+              <a:t> یک کاربر ارشد به علت کمبود وقت ممکن است یک کاربر با تجربه کمتر را به عنوان قهرمان محصول معرفی کند . </a:t>
+            </a:r>
+          </a:p>
+          <a:p>
+            <a:pPr marL="0" indent="0" algn="r" rtl="1">
+              <a:buNone/>
+            </a:pPr>
+            <a:r>
+              <a:rPr lang="fa-IR" sz="2000" dirty="0">
+                <a:cs typeface="B Nazanin" panose="00000400000000000000" pitchFamily="2" charset="-78"/>
+              </a:rPr>
+              <a:t> </a:t>
+            </a:r>
+            <a:r>
+              <a:rPr lang="fa-IR" sz="2000" dirty="0" smtClean="0">
+                <a:cs typeface="B Nazanin" panose="00000400000000000000" pitchFamily="2" charset="-78"/>
+              </a:rPr>
+              <a:t>  این امر ممکن است منجر به پدیده رانندگی از صندلی عقب از سوی کاربر ارشد شود که می‌خواهد هنوز بر روی سیستم تاثیر بگذارد. </a:t>
+            </a:r>
+            <a:endParaRPr lang="fa-IR" sz="2000" dirty="0">
               <a:cs typeface="B Nazanin" panose="00000400000000000000" pitchFamily="2" charset="-78"/>
             </a:endParaRPr>
           </a:p>
         </p:txBody>
       </p:sp>
+      <p:pic>
+        <p:nvPicPr>
+          <p:cNvPr id="4" name="Picture 3"/>
+          <p:cNvPicPr>
+            <a:picLocks noChangeAspect="1"/>
+          </p:cNvPicPr>
+          <p:nvPr/>
+        </p:nvPicPr>
+        <p:blipFill>
+          <a:blip r:embed="rId2"/>
+          <a:stretch>
+            <a:fillRect/>
+          </a:stretch>
+        </p:blipFill>
+        <p:spPr>
+          <a:xfrm>
+            <a:off x="10964030" y="988437"/>
+            <a:ext cx="347502" cy="304826"/>
+          </a:xfrm>
+          <a:prstGeom prst="rect">
+            <a:avLst/>
+          </a:prstGeom>
+        </p:spPr>
+      </p:pic>
+      <p:pic>
+        <p:nvPicPr>
+          <p:cNvPr id="7" name="Picture 6"/>
+          <p:cNvPicPr>
+            <a:picLocks noChangeAspect="1"/>
+          </p:cNvPicPr>
+          <p:nvPr/>
+        </p:nvPicPr>
+        <p:blipFill>
+          <a:blip r:embed="rId3" cstate="print">
+            <a:extLst>
+              <a:ext uri="{28A0092B-C50C-407E-A947-70E740481C1C}">
+                <a14:useLocalDpi xmlns:a14="http://schemas.microsoft.com/office/drawing/2010/main" val="0"/>
+              </a:ext>
+            </a:extLst>
+          </a:blip>
+          <a:stretch>
+            <a:fillRect/>
+          </a:stretch>
+        </p:blipFill>
+        <p:spPr>
+          <a:xfrm>
+            <a:off x="10964030" y="2645229"/>
+            <a:ext cx="363368" cy="359230"/>
+          </a:xfrm>
+          <a:prstGeom prst="rect">
+            <a:avLst/>
+          </a:prstGeom>
+        </p:spPr>
+      </p:pic>
     </p:spTree>
     <p:extLst>
       <p:ext uri="{BB962C8B-B14F-4D97-AF65-F5344CB8AC3E}">
-        <p14:creationId xmlns:p14="http://schemas.microsoft.com/office/powerpoint/2010/main" val="1630348328"/>
+        <p14:creationId xmlns:p14="http://schemas.microsoft.com/office/powerpoint/2010/main" val="3738519587"/>
       </p:ext>
     </p:extLst>
   </p:cSld>
@@ -8896,11 +9197,7 @@
             </a:pPr>
             <a:r>
               <a:rPr lang="fa-IR" dirty="0" smtClean="0"/>
-              <a:t>کلاس </a:t>
-            </a:r>
-            <a:r>
-              <a:rPr lang="fa-IR" dirty="0" smtClean="0"/>
-              <a:t>های کاربری</a:t>
+              <a:t>کلاس های کاربری</a:t>
             </a:r>
           </a:p>
           <a:p>
@@ -9073,17 +9370,20 @@
           <a:lstStyle/>
           <a:p>
             <a:pPr algn="r" rtl="1">
+              <a:lnSpc>
+                <a:spcPct val="150000"/>
+              </a:lnSpc>
               <a:buFont typeface="Wingdings" panose="05000000000000000000" pitchFamily="2" charset="2"/>
               <a:buChar char="§"/>
             </a:pPr>
             <a:r>
-              <a:rPr lang="fa-IR" sz="2000" dirty="0">
+              <a:rPr lang="fa-IR" dirty="0">
                 <a:cs typeface="B Nazanin" panose="00000400000000000000" pitchFamily="2" charset="-78"/>
               </a:rPr>
               <a:t>مکالمات مکرر بین اعضای تیم پروژه و مشتریان مناسب موثرترین راه برای حل بسیاری از مسائل مورد نیاز و مشخص کردن نیازهای خاص در صورت نیاز است</a:t>
             </a:r>
             <a:r>
-              <a:rPr lang="fa-IR" sz="2000" dirty="0" smtClean="0">
+              <a:rPr lang="fa-IR" dirty="0" smtClean="0">
                 <a:cs typeface="B Nazanin" panose="00000400000000000000" pitchFamily="2" charset="-78"/>
               </a:rPr>
               <a:t>.</a:t>
@@ -9091,31 +9391,37 @@
           </a:p>
           <a:p>
             <a:pPr>
+              <a:lnSpc>
+                <a:spcPct val="150000"/>
+              </a:lnSpc>
               <a:buFont typeface="Wingdings" panose="05000000000000000000" pitchFamily="2" charset="2"/>
               <a:buChar char="§"/>
             </a:pPr>
             <a:r>
-              <a:rPr lang="fa-IR" sz="2000" dirty="0"/>
+              <a:rPr lang="fa-IR" dirty="0"/>
               <a:t>یک اصل اساسی برنامه نویسی افراطی، یکی از روش های اولیه توسعه چابک، وجود یک مشتری تمام وقت و در محل برای این بحث ها است </a:t>
             </a:r>
             <a:r>
-              <a:rPr lang="fa-IR" sz="2000" dirty="0" smtClean="0"/>
+              <a:rPr lang="fa-IR" dirty="0" smtClean="0"/>
               <a:t>.</a:t>
             </a:r>
           </a:p>
           <a:p>
             <a:pPr>
+              <a:lnSpc>
+                <a:spcPct val="150000"/>
+              </a:lnSpc>
               <a:buFont typeface="Wingdings" panose="05000000000000000000" pitchFamily="2" charset="2"/>
               <a:buChar char="§"/>
             </a:pPr>
             <a:r>
-              <a:rPr lang="fa-IR" sz="2000" dirty="0" smtClean="0">
+              <a:rPr lang="fa-IR" dirty="0" smtClean="0">
                 <a:cs typeface="B Nazanin" panose="00000400000000000000" pitchFamily="2" charset="-78"/>
               </a:rPr>
               <a:t>برخی روش های توسعه چابک شامل حضور یک نماینده واحد از طرف ذی نفعان به نام </a:t>
             </a:r>
             <a:r>
-              <a:rPr lang="fa-IR" sz="2000" dirty="0" smtClean="0">
+              <a:rPr lang="fa-IR" dirty="0" smtClean="0">
                 <a:solidFill>
                   <a:srgbClr val="C00000"/>
                 </a:solidFill>
@@ -9124,218 +9430,16 @@
               <a:t>مالک محصول </a:t>
             </a:r>
             <a:r>
-              <a:rPr lang="fa-IR" sz="2000" dirty="0" smtClean="0">
+              <a:rPr lang="fa-IR" dirty="0" smtClean="0">
                 <a:cs typeface="B Nazanin" panose="00000400000000000000" pitchFamily="2" charset="-78"/>
               </a:rPr>
               <a:t>است که مسئول رساندن صدای مشتریان به تیم توسعه دهنده است .</a:t>
             </a:r>
           </a:p>
           <a:p>
-            <a:pPr>
-              <a:buFont typeface="Wingdings" panose="05000000000000000000" pitchFamily="2" charset="2"/>
-              <a:buChar char="q"/>
-            </a:pPr>
-            <a:r>
-              <a:rPr lang="fa-IR" sz="2000" dirty="0" smtClean="0">
-                <a:solidFill>
-                  <a:srgbClr val="C00000"/>
-                </a:solidFill>
-                <a:cs typeface="B Nazanin" panose="00000400000000000000" pitchFamily="2" charset="-78"/>
-              </a:rPr>
-              <a:t> مالک محصول </a:t>
-            </a:r>
-            <a:r>
-              <a:rPr lang="fa-IR" sz="2000" dirty="0" smtClean="0">
-                <a:solidFill>
-                  <a:srgbClr val="C00000"/>
-                </a:solidFill>
-                <a:cs typeface="B Nazanin" panose="00000400000000000000" pitchFamily="2" charset="-78"/>
-              </a:rPr>
-              <a:t> </a:t>
-            </a:r>
-          </a:p>
-          <a:p>
-            <a:pPr>
-              <a:buFont typeface="Wingdings" panose="05000000000000000000" pitchFamily="2" charset="2"/>
-              <a:buChar char="§"/>
-            </a:pPr>
-            <a:r>
-              <a:rPr lang="fa-IR" sz="2000" dirty="0" smtClean="0">
-                <a:solidFill>
-                  <a:srgbClr val="C00000"/>
-                </a:solidFill>
-                <a:cs typeface="B Nazanin" panose="00000400000000000000" pitchFamily="2" charset="-78"/>
-              </a:rPr>
-              <a:t>مالک محصول </a:t>
-            </a:r>
-            <a:r>
-              <a:rPr lang="fa-IR" sz="2000" dirty="0" smtClean="0">
-                <a:cs typeface="B Nazanin" panose="00000400000000000000" pitchFamily="2" charset="-78"/>
-              </a:rPr>
-              <a:t>چشم انداز پروژه راتعریف می‌کند و مسئول توسعه و اولویت بندی محتویات </a:t>
-            </a:r>
-            <a:r>
-              <a:rPr lang="fa-IR" sz="2000" dirty="0" smtClean="0">
-                <a:solidFill>
-                  <a:srgbClr val="C00000"/>
-                </a:solidFill>
-                <a:cs typeface="B Nazanin" panose="00000400000000000000" pitchFamily="2" charset="-78"/>
-              </a:rPr>
-              <a:t>بک لاگ محصول </a:t>
-            </a:r>
-            <a:r>
-              <a:rPr lang="fa-IR" sz="2000" dirty="0" smtClean="0">
-                <a:cs typeface="B Nazanin" panose="00000400000000000000" pitchFamily="2" charset="-78"/>
-              </a:rPr>
-              <a:t>است . </a:t>
-            </a:r>
-            <a:endParaRPr lang="en-US" sz="2000" dirty="0" smtClean="0">
-              <a:cs typeface="B Nazanin" panose="00000400000000000000" pitchFamily="2" charset="-78"/>
-            </a:endParaRPr>
-          </a:p>
-          <a:p>
-            <a:pPr>
-              <a:buFont typeface="Wingdings" panose="05000000000000000000" pitchFamily="2" charset="2"/>
-              <a:buChar char="§"/>
-            </a:pPr>
-            <a:r>
-              <a:rPr lang="fa-IR" sz="2000" dirty="0" smtClean="0">
-                <a:solidFill>
-                  <a:srgbClr val="C00000"/>
-                </a:solidFill>
-                <a:cs typeface="B Nazanin" panose="00000400000000000000" pitchFamily="2" charset="-78"/>
-              </a:rPr>
-              <a:t>مالک محصول </a:t>
-            </a:r>
-            <a:r>
-              <a:rPr lang="fa-IR" sz="2000" dirty="0" smtClean="0">
-                <a:cs typeface="B Nazanin" panose="00000400000000000000" pitchFamily="2" charset="-78"/>
-              </a:rPr>
-              <a:t>اساسا نقش </a:t>
-            </a:r>
-            <a:r>
-              <a:rPr lang="fa-IR" sz="2000" dirty="0" smtClean="0">
-                <a:solidFill>
-                  <a:srgbClr val="C00000"/>
-                </a:solidFill>
-                <a:cs typeface="B Nazanin" panose="00000400000000000000" pitchFamily="2" charset="-78"/>
-              </a:rPr>
-              <a:t>قهرمان محصول </a:t>
-            </a:r>
-            <a:r>
-              <a:rPr lang="fa-IR" sz="2000" dirty="0" smtClean="0">
-                <a:cs typeface="B Nazanin" panose="00000400000000000000" pitchFamily="2" charset="-78"/>
-              </a:rPr>
-              <a:t>و کارکردهای تحلیلگر تجاری،نمایندگی مشتری، تعریف ویژگی های محصول ، اولویت بندی آنها و غیره را بر عهده دارد . </a:t>
-            </a:r>
-          </a:p>
-          <a:p>
-            <a:pPr marL="457200" algn="just">
-              <a:lnSpc>
-                <a:spcPct val="107000"/>
-              </a:lnSpc>
-              <a:spcBef>
-                <a:spcPts val="0"/>
-              </a:spcBef>
-              <a:spcAft>
-                <a:spcPts val="800"/>
-              </a:spcAft>
-            </a:pPr>
-            <a:r>
-              <a:rPr lang="fa-IR" sz="2000" dirty="0">
-                <a:latin typeface="Calibri" panose="020F0502020204030204" pitchFamily="34" charset="0"/>
-                <a:ea typeface="Calibri" panose="020F0502020204030204" pitchFamily="34" charset="0"/>
-              </a:rPr>
-              <a:t>طرح های </a:t>
-            </a:r>
-            <a:r>
-              <a:rPr lang="fa-IR" sz="2000" dirty="0">
-                <a:solidFill>
-                  <a:srgbClr val="C00000"/>
-                </a:solidFill>
-                <a:latin typeface="Calibri" panose="020F0502020204030204" pitchFamily="34" charset="0"/>
-                <a:ea typeface="Calibri" panose="020F0502020204030204" pitchFamily="34" charset="0"/>
-              </a:rPr>
-              <a:t>مالک محصول </a:t>
-            </a:r>
-            <a:r>
-              <a:rPr lang="fa-IR" sz="2000" dirty="0">
-                <a:latin typeface="Calibri" panose="020F0502020204030204" pitchFamily="34" charset="0"/>
-                <a:ea typeface="Calibri" panose="020F0502020204030204" pitchFamily="34" charset="0"/>
-              </a:rPr>
-              <a:t>و </a:t>
-            </a:r>
-            <a:r>
-              <a:rPr lang="fa-IR" sz="2000" dirty="0">
-                <a:solidFill>
-                  <a:srgbClr val="C00000"/>
-                </a:solidFill>
-                <a:latin typeface="Calibri" panose="020F0502020204030204" pitchFamily="34" charset="0"/>
-                <a:ea typeface="Calibri" panose="020F0502020204030204" pitchFamily="34" charset="0"/>
-              </a:rPr>
-              <a:t>قهرمان محصول </a:t>
-            </a:r>
-            <a:r>
-              <a:rPr lang="fa-IR" sz="2000" dirty="0">
-                <a:latin typeface="Calibri" panose="020F0502020204030204" pitchFamily="34" charset="0"/>
-                <a:ea typeface="Calibri" panose="020F0502020204030204" pitchFamily="34" charset="0"/>
-              </a:rPr>
-              <a:t>متقابل نیستند .</a:t>
-            </a:r>
-          </a:p>
-          <a:p>
-            <a:pPr marL="457200" algn="just">
-              <a:lnSpc>
-                <a:spcPct val="107000"/>
-              </a:lnSpc>
-              <a:spcBef>
-                <a:spcPts val="0"/>
-              </a:spcBef>
-              <a:spcAft>
-                <a:spcPts val="800"/>
-              </a:spcAft>
-            </a:pPr>
-            <a:r>
-              <a:rPr lang="fa-IR" sz="2000" dirty="0">
-                <a:latin typeface="Calibri" panose="020F0502020204030204" pitchFamily="34" charset="0"/>
-                <a:ea typeface="Calibri" panose="020F0502020204030204" pitchFamily="34" charset="0"/>
-              </a:rPr>
-              <a:t> اگر </a:t>
-            </a:r>
-            <a:r>
-              <a:rPr lang="fa-IR" sz="2000" dirty="0">
-                <a:solidFill>
-                  <a:srgbClr val="C00000"/>
-                </a:solidFill>
-                <a:latin typeface="Calibri" panose="020F0502020204030204" pitchFamily="34" charset="0"/>
-                <a:ea typeface="Calibri" panose="020F0502020204030204" pitchFamily="34" charset="0"/>
-              </a:rPr>
-              <a:t>صاحب محصول </a:t>
-            </a:r>
-            <a:r>
-              <a:rPr lang="fa-IR" sz="2000" dirty="0">
-                <a:latin typeface="Calibri" panose="020F0502020204030204" pitchFamily="34" charset="0"/>
-                <a:ea typeface="Calibri" panose="020F0502020204030204" pitchFamily="34" charset="0"/>
-              </a:rPr>
-              <a:t>در نقش یک تحلیلگر تجاری و  نه به عنوان نماینده ذی نفعان عمل می‌کند، می تواند ساختاری را با یک یا چند </a:t>
-            </a:r>
-            <a:r>
-              <a:rPr lang="fa-IR" sz="2000" dirty="0">
-                <a:solidFill>
-                  <a:srgbClr val="C00000"/>
-                </a:solidFill>
-                <a:latin typeface="Calibri" panose="020F0502020204030204" pitchFamily="34" charset="0"/>
-                <a:ea typeface="Calibri" panose="020F0502020204030204" pitchFamily="34" charset="0"/>
-              </a:rPr>
-              <a:t>قهرمان محصول </a:t>
-            </a:r>
-            <a:r>
-              <a:rPr lang="fa-IR" sz="2000" dirty="0">
-                <a:latin typeface="Calibri" panose="020F0502020204030204" pitchFamily="34" charset="0"/>
-                <a:ea typeface="Calibri" panose="020F0502020204030204" pitchFamily="34" charset="0"/>
-              </a:rPr>
-              <a:t>راه اندازی کند تا بهترین ورودی ها را دریافت کن</a:t>
-            </a:r>
+            <a:pPr marL="0" indent="0">
+              <a:buNone/>
+            </a:pPr>
             <a:endParaRPr lang="fa-IR" sz="2000" dirty="0">
               <a:cs typeface="B Nazanin" panose="00000400000000000000" pitchFamily="2" charset="-78"/>
             </a:endParaRPr>
@@ -9748,6 +9852,349 @@
             <p:ph type="title"/>
           </p:nvPr>
         </p:nvSpPr>
+        <p:spPr>
+          <a:xfrm>
+            <a:off x="838200" y="365126"/>
+            <a:ext cx="10515600" cy="653778"/>
+          </a:xfrm>
+        </p:spPr>
+        <p:txBody>
+          <a:bodyPr>
+            <a:normAutofit/>
+          </a:bodyPr>
+          <a:lstStyle/>
+          <a:p>
+            <a:pPr algn="ctr"/>
+            <a:r>
+              <a:rPr lang="fa-IR" sz="3600" u="sng" dirty="0" smtClean="0">
+                <a:solidFill>
+                  <a:srgbClr val="C00000"/>
+                </a:solidFill>
+                <a:cs typeface="B Nazanin" panose="00000400000000000000" pitchFamily="2" charset="-78"/>
+              </a:rPr>
+              <a:t>نماینده کاربر در پروژه های </a:t>
+            </a:r>
+            <a:r>
+              <a:rPr lang="fa-IR" sz="3600" u="sng" dirty="0" smtClean="0">
+                <a:solidFill>
+                  <a:srgbClr val="C00000"/>
+                </a:solidFill>
+                <a:cs typeface="B Nazanin" panose="00000400000000000000" pitchFamily="2" charset="-78"/>
+              </a:rPr>
+              <a:t>چابک(ادامه)</a:t>
+            </a:r>
+            <a:endParaRPr lang="fa-IR" sz="3600" u="sng" dirty="0">
+              <a:solidFill>
+                <a:srgbClr val="C00000"/>
+              </a:solidFill>
+              <a:cs typeface="B Nazanin" panose="00000400000000000000" pitchFamily="2" charset="-78"/>
+            </a:endParaRPr>
+          </a:p>
+        </p:txBody>
+      </p:sp>
+      <p:sp>
+        <p:nvSpPr>
+          <p:cNvPr id="3" name="Content Placeholder 2"/>
+          <p:cNvSpPr>
+            <a:spLocks noGrp="1"/>
+          </p:cNvSpPr>
+          <p:nvPr>
+            <p:ph idx="1"/>
+          </p:nvPr>
+        </p:nvSpPr>
+        <p:spPr>
+          <a:xfrm>
+            <a:off x="838200" y="1193074"/>
+            <a:ext cx="10515600" cy="4983889"/>
+          </a:xfrm>
+        </p:spPr>
+        <p:txBody>
+          <a:bodyPr>
+            <a:normAutofit/>
+          </a:bodyPr>
+          <a:lstStyle/>
+          <a:p>
+            <a:pPr marL="0" indent="0" algn="r" rtl="1">
+              <a:buNone/>
+            </a:pPr>
+            <a:r>
+              <a:rPr lang="fa-IR" dirty="0" smtClean="0">
+                <a:solidFill>
+                  <a:srgbClr val="C00000"/>
+                </a:solidFill>
+                <a:cs typeface="B Nazanin" panose="00000400000000000000" pitchFamily="2" charset="-78"/>
+              </a:rPr>
+              <a:t>     مالک </a:t>
+            </a:r>
+            <a:r>
+              <a:rPr lang="fa-IR" dirty="0" smtClean="0">
+                <a:solidFill>
+                  <a:srgbClr val="C00000"/>
+                </a:solidFill>
+                <a:cs typeface="B Nazanin" panose="00000400000000000000" pitchFamily="2" charset="-78"/>
+              </a:rPr>
+              <a:t>محصول  </a:t>
+            </a:r>
+          </a:p>
+          <a:p>
+            <a:pPr>
+              <a:buFont typeface="Wingdings" panose="05000000000000000000" pitchFamily="2" charset="2"/>
+              <a:buChar char="§"/>
+            </a:pPr>
+            <a:r>
+              <a:rPr lang="fa-IR" dirty="0" smtClean="0">
+                <a:solidFill>
+                  <a:srgbClr val="C00000"/>
+                </a:solidFill>
+                <a:cs typeface="B Nazanin" panose="00000400000000000000" pitchFamily="2" charset="-78"/>
+              </a:rPr>
+              <a:t>مالک محصول </a:t>
+            </a:r>
+            <a:r>
+              <a:rPr lang="fa-IR" dirty="0" smtClean="0">
+                <a:cs typeface="B Nazanin" panose="00000400000000000000" pitchFamily="2" charset="-78"/>
+              </a:rPr>
+              <a:t>چشم انداز پروژه راتعریف می‌کند و مسئول توسعه و اولویت بندی محتویات </a:t>
+            </a:r>
+            <a:r>
+              <a:rPr lang="fa-IR" dirty="0" smtClean="0">
+                <a:solidFill>
+                  <a:srgbClr val="C00000"/>
+                </a:solidFill>
+                <a:cs typeface="B Nazanin" panose="00000400000000000000" pitchFamily="2" charset="-78"/>
+              </a:rPr>
+              <a:t>بک لاگ محصول </a:t>
+            </a:r>
+            <a:r>
+              <a:rPr lang="fa-IR" dirty="0" smtClean="0">
+                <a:cs typeface="B Nazanin" panose="00000400000000000000" pitchFamily="2" charset="-78"/>
+              </a:rPr>
+              <a:t>است . </a:t>
+            </a:r>
+            <a:endParaRPr lang="en-US" dirty="0" smtClean="0">
+              <a:cs typeface="B Nazanin" panose="00000400000000000000" pitchFamily="2" charset="-78"/>
+            </a:endParaRPr>
+          </a:p>
+          <a:p>
+            <a:pPr>
+              <a:buFont typeface="Wingdings" panose="05000000000000000000" pitchFamily="2" charset="2"/>
+              <a:buChar char="§"/>
+            </a:pPr>
+            <a:r>
+              <a:rPr lang="fa-IR" dirty="0" smtClean="0">
+                <a:solidFill>
+                  <a:srgbClr val="C00000"/>
+                </a:solidFill>
+                <a:cs typeface="B Nazanin" panose="00000400000000000000" pitchFamily="2" charset="-78"/>
+              </a:rPr>
+              <a:t>مالک محصول </a:t>
+            </a:r>
+            <a:r>
+              <a:rPr lang="fa-IR" dirty="0" smtClean="0">
+                <a:cs typeface="B Nazanin" panose="00000400000000000000" pitchFamily="2" charset="-78"/>
+              </a:rPr>
+              <a:t>اساسا نقش </a:t>
+            </a:r>
+            <a:r>
+              <a:rPr lang="fa-IR" dirty="0" smtClean="0">
+                <a:solidFill>
+                  <a:srgbClr val="C00000"/>
+                </a:solidFill>
+                <a:cs typeface="B Nazanin" panose="00000400000000000000" pitchFamily="2" charset="-78"/>
+              </a:rPr>
+              <a:t>قهرمان محصول </a:t>
+            </a:r>
+            <a:r>
+              <a:rPr lang="fa-IR" dirty="0" smtClean="0">
+                <a:cs typeface="B Nazanin" panose="00000400000000000000" pitchFamily="2" charset="-78"/>
+              </a:rPr>
+              <a:t>و کارکردهای تحلیلگر تجاری،نمایندگی مشتری، تعریف ویژگی های محصول ، اولویت بندی آنها و غیره را بر عهده دارد . </a:t>
+            </a:r>
+          </a:p>
+          <a:p>
+            <a:pPr marL="457200" algn="just">
+              <a:lnSpc>
+                <a:spcPct val="107000"/>
+              </a:lnSpc>
+              <a:spcBef>
+                <a:spcPts val="0"/>
+              </a:spcBef>
+              <a:spcAft>
+                <a:spcPts val="800"/>
+              </a:spcAft>
+            </a:pPr>
+            <a:r>
+              <a:rPr lang="fa-IR" dirty="0">
+                <a:latin typeface="Calibri" panose="020F0502020204030204" pitchFamily="34" charset="0"/>
+                <a:ea typeface="Calibri" panose="020F0502020204030204" pitchFamily="34" charset="0"/>
+              </a:rPr>
+              <a:t>طرح های </a:t>
+            </a:r>
+            <a:r>
+              <a:rPr lang="fa-IR" dirty="0">
+                <a:solidFill>
+                  <a:srgbClr val="C00000"/>
+                </a:solidFill>
+                <a:latin typeface="Calibri" panose="020F0502020204030204" pitchFamily="34" charset="0"/>
+                <a:ea typeface="Calibri" panose="020F0502020204030204" pitchFamily="34" charset="0"/>
+              </a:rPr>
+              <a:t>مالک محصول </a:t>
+            </a:r>
+            <a:r>
+              <a:rPr lang="fa-IR" dirty="0">
+                <a:latin typeface="Calibri" panose="020F0502020204030204" pitchFamily="34" charset="0"/>
+                <a:ea typeface="Calibri" panose="020F0502020204030204" pitchFamily="34" charset="0"/>
+              </a:rPr>
+              <a:t>و </a:t>
+            </a:r>
+            <a:r>
+              <a:rPr lang="fa-IR" dirty="0">
+                <a:solidFill>
+                  <a:srgbClr val="C00000"/>
+                </a:solidFill>
+                <a:latin typeface="Calibri" panose="020F0502020204030204" pitchFamily="34" charset="0"/>
+                <a:ea typeface="Calibri" panose="020F0502020204030204" pitchFamily="34" charset="0"/>
+              </a:rPr>
+              <a:t>قهرمان محصول </a:t>
+            </a:r>
+            <a:r>
+              <a:rPr lang="fa-IR" dirty="0">
+                <a:latin typeface="Calibri" panose="020F0502020204030204" pitchFamily="34" charset="0"/>
+                <a:ea typeface="Calibri" panose="020F0502020204030204" pitchFamily="34" charset="0"/>
+              </a:rPr>
+              <a:t>متقابل نیستند .</a:t>
+            </a:r>
+          </a:p>
+          <a:p>
+            <a:pPr marL="457200" algn="just">
+              <a:lnSpc>
+                <a:spcPct val="107000"/>
+              </a:lnSpc>
+              <a:spcBef>
+                <a:spcPts val="0"/>
+              </a:spcBef>
+              <a:spcAft>
+                <a:spcPts val="800"/>
+              </a:spcAft>
+            </a:pPr>
+            <a:r>
+              <a:rPr lang="fa-IR" dirty="0">
+                <a:latin typeface="Calibri" panose="020F0502020204030204" pitchFamily="34" charset="0"/>
+                <a:ea typeface="Calibri" panose="020F0502020204030204" pitchFamily="34" charset="0"/>
+              </a:rPr>
+              <a:t> اگر </a:t>
+            </a:r>
+            <a:r>
+              <a:rPr lang="fa-IR" dirty="0">
+                <a:solidFill>
+                  <a:srgbClr val="C00000"/>
+                </a:solidFill>
+                <a:latin typeface="Calibri" panose="020F0502020204030204" pitchFamily="34" charset="0"/>
+                <a:ea typeface="Calibri" panose="020F0502020204030204" pitchFamily="34" charset="0"/>
+              </a:rPr>
+              <a:t>صاحب محصول </a:t>
+            </a:r>
+            <a:r>
+              <a:rPr lang="fa-IR" dirty="0">
+                <a:latin typeface="Calibri" panose="020F0502020204030204" pitchFamily="34" charset="0"/>
+                <a:ea typeface="Calibri" panose="020F0502020204030204" pitchFamily="34" charset="0"/>
+              </a:rPr>
+              <a:t>در نقش یک تحلیلگر تجاری و  نه به عنوان نماینده ذی نفعان عمل می‌کند، می تواند ساختاری را با یک یا چند </a:t>
+            </a:r>
+            <a:r>
+              <a:rPr lang="fa-IR" dirty="0">
+                <a:solidFill>
+                  <a:srgbClr val="C00000"/>
+                </a:solidFill>
+                <a:latin typeface="Calibri" panose="020F0502020204030204" pitchFamily="34" charset="0"/>
+                <a:ea typeface="Calibri" panose="020F0502020204030204" pitchFamily="34" charset="0"/>
+              </a:rPr>
+              <a:t>قهرمان محصول </a:t>
+            </a:r>
+            <a:r>
+              <a:rPr lang="fa-IR" dirty="0">
+                <a:latin typeface="Calibri" panose="020F0502020204030204" pitchFamily="34" charset="0"/>
+                <a:ea typeface="Calibri" panose="020F0502020204030204" pitchFamily="34" charset="0"/>
+              </a:rPr>
+              <a:t>راه اندازی کند تا بهترین ورودی ها را دریافت کن</a:t>
+            </a:r>
+            <a:endParaRPr lang="fa-IR" dirty="0">
+              <a:cs typeface="B Nazanin" panose="00000400000000000000" pitchFamily="2" charset="-78"/>
+            </a:endParaRPr>
+          </a:p>
+        </p:txBody>
+      </p:sp>
+      <p:pic>
+        <p:nvPicPr>
+          <p:cNvPr id="4" name="Picture 3"/>
+          <p:cNvPicPr>
+            <a:picLocks noChangeAspect="1"/>
+          </p:cNvPicPr>
+          <p:nvPr/>
+        </p:nvPicPr>
+        <p:blipFill>
+          <a:blip r:embed="rId2"/>
+          <a:stretch>
+            <a:fillRect/>
+          </a:stretch>
+        </p:blipFill>
+        <p:spPr>
+          <a:xfrm>
+            <a:off x="11006298" y="1258403"/>
+            <a:ext cx="347502" cy="304826"/>
+          </a:xfrm>
+          <a:prstGeom prst="rect">
+            <a:avLst/>
+          </a:prstGeom>
+        </p:spPr>
+      </p:pic>
+    </p:spTree>
+    <p:extLst>
+      <p:ext uri="{BB962C8B-B14F-4D97-AF65-F5344CB8AC3E}">
+        <p14:creationId xmlns:p14="http://schemas.microsoft.com/office/powerpoint/2010/main" val="2324013328"/>
+      </p:ext>
+    </p:extLst>
+  </p:cSld>
+  <p:clrMapOvr>
+    <a:masterClrMapping/>
+  </p:clrMapOvr>
+  <p:timing>
+    <p:tnLst>
+      <p:par>
+        <p:cTn id="1" dur="indefinite" restart="never" nodeType="tmRoot"/>
+      </p:par>
+    </p:tnLst>
+  </p:timing>
+</p:sld>
+</file>
+
+<file path=ppt/slides/slide31.xml><?xml version="1.0" encoding="utf-8"?>
+<p:sld xmlns:a="http://schemas.openxmlformats.org/drawingml/2006/main" xmlns:r="http://schemas.openxmlformats.org/officeDocument/2006/relationships" xmlns:p="http://schemas.openxmlformats.org/presentationml/2006/main">
+  <p:cSld>
+    <p:spTree>
+      <p:nvGrpSpPr>
+        <p:cNvPr id="1" name=""/>
+        <p:cNvGrpSpPr/>
+        <p:nvPr/>
+      </p:nvGrpSpPr>
+      <p:grpSpPr>
+        <a:xfrm>
+          <a:off x="0" y="0"/>
+          <a:ext cx="0" cy="0"/>
+          <a:chOff x="0" y="0"/>
+          <a:chExt cx="0" cy="0"/>
+        </a:xfrm>
+      </p:grpSpPr>
+      <p:sp>
+        <p:nvSpPr>
+          <p:cNvPr id="2" name="Title 1"/>
+          <p:cNvSpPr>
+            <a:spLocks noGrp="1"/>
+          </p:cNvSpPr>
+          <p:nvPr>
+            <p:ph type="title"/>
+          </p:nvPr>
+        </p:nvSpPr>
         <p:spPr/>
         <p:txBody>
           <a:bodyPr>
@@ -9795,11 +10242,7 @@
             </a:pPr>
             <a:r>
               <a:rPr lang="fa-IR" dirty="0" smtClean="0"/>
-              <a:t>کلاس </a:t>
-            </a:r>
-            <a:r>
-              <a:rPr lang="fa-IR" dirty="0" smtClean="0"/>
-              <a:t>های کاربری</a:t>
+              <a:t>کلاس های کاربری</a:t>
             </a:r>
           </a:p>
           <a:p>
@@ -9891,7 +10334,7 @@
 </p:sld>
 </file>
 
-<file path=ppt/slides/slide31.xml><?xml version="1.0" encoding="utf-8"?>
+<file path=ppt/slides/slide32.xml><?xml version="1.0" encoding="utf-8"?>
 <p:sld xmlns:a="http://schemas.openxmlformats.org/drawingml/2006/main" xmlns:r="http://schemas.openxmlformats.org/officeDocument/2006/relationships" xmlns:p="http://schemas.openxmlformats.org/presentationml/2006/main">
   <p:cSld>
     <p:spTree>

--- a/ارائه مهندسي نيازمندي ها.pptx
+++ b/ارائه مهندسي نيازمندي ها.pptx
@@ -5,7 +5,7 @@
     <p:sldMasterId id="2147483985" r:id="rId1"/>
   </p:sldMasterIdLst>
   <p:notesMasterIdLst>
-    <p:notesMasterId r:id="rId34"/>
+    <p:notesMasterId r:id="rId35"/>
   </p:notesMasterIdLst>
   <p:sldIdLst>
     <p:sldId id="257" r:id="rId2"/>
@@ -13,33 +13,34 @@
     <p:sldId id="260" r:id="rId4"/>
     <p:sldId id="262" r:id="rId5"/>
     <p:sldId id="258" r:id="rId6"/>
-    <p:sldId id="263" r:id="rId7"/>
-    <p:sldId id="264" r:id="rId8"/>
-    <p:sldId id="265" r:id="rId9"/>
-    <p:sldId id="266" r:id="rId10"/>
-    <p:sldId id="267" r:id="rId11"/>
-    <p:sldId id="285" r:id="rId12"/>
-    <p:sldId id="288" r:id="rId13"/>
-    <p:sldId id="286" r:id="rId14"/>
-    <p:sldId id="289" r:id="rId15"/>
-    <p:sldId id="271" r:id="rId16"/>
-    <p:sldId id="272" r:id="rId17"/>
-    <p:sldId id="290" r:id="rId18"/>
-    <p:sldId id="273" r:id="rId19"/>
-    <p:sldId id="277" r:id="rId20"/>
-    <p:sldId id="274" r:id="rId21"/>
-    <p:sldId id="275" r:id="rId22"/>
-    <p:sldId id="276" r:id="rId23"/>
-    <p:sldId id="279" r:id="rId24"/>
-    <p:sldId id="280" r:id="rId25"/>
-    <p:sldId id="281" r:id="rId26"/>
-    <p:sldId id="278" r:id="rId27"/>
-    <p:sldId id="294" r:id="rId28"/>
-    <p:sldId id="291" r:id="rId29"/>
-    <p:sldId id="283" r:id="rId30"/>
-    <p:sldId id="293" r:id="rId31"/>
-    <p:sldId id="292" r:id="rId32"/>
-    <p:sldId id="287" r:id="rId33"/>
+    <p:sldId id="295" r:id="rId7"/>
+    <p:sldId id="263" r:id="rId8"/>
+    <p:sldId id="264" r:id="rId9"/>
+    <p:sldId id="265" r:id="rId10"/>
+    <p:sldId id="266" r:id="rId11"/>
+    <p:sldId id="267" r:id="rId12"/>
+    <p:sldId id="285" r:id="rId13"/>
+    <p:sldId id="288" r:id="rId14"/>
+    <p:sldId id="286" r:id="rId15"/>
+    <p:sldId id="289" r:id="rId16"/>
+    <p:sldId id="271" r:id="rId17"/>
+    <p:sldId id="272" r:id="rId18"/>
+    <p:sldId id="290" r:id="rId19"/>
+    <p:sldId id="273" r:id="rId20"/>
+    <p:sldId id="277" r:id="rId21"/>
+    <p:sldId id="274" r:id="rId22"/>
+    <p:sldId id="275" r:id="rId23"/>
+    <p:sldId id="276" r:id="rId24"/>
+    <p:sldId id="279" r:id="rId25"/>
+    <p:sldId id="280" r:id="rId26"/>
+    <p:sldId id="281" r:id="rId27"/>
+    <p:sldId id="278" r:id="rId28"/>
+    <p:sldId id="294" r:id="rId29"/>
+    <p:sldId id="291" r:id="rId30"/>
+    <p:sldId id="283" r:id="rId31"/>
+    <p:sldId id="293" r:id="rId32"/>
+    <p:sldId id="292" r:id="rId33"/>
+    <p:sldId id="287" r:id="rId34"/>
   </p:sldIdLst>
   <p:sldSz cx="12192000" cy="6858000"/>
   <p:notesSz cx="6858000" cy="9144000"/>
@@ -233,7 +234,7 @@
             <a:fld id="{D5904EEC-1544-4F8A-9627-C15A01248C3F}" type="datetimeFigureOut">
               <a:rPr lang="fa-IR" smtClean="0"/>
               <a:pPr/>
-              <a:t>15/06/1443</a:t>
+              <a:t>18/06/1443</a:t>
             </a:fld>
             <a:endParaRPr lang="fa-IR" dirty="0"/>
           </a:p>
@@ -605,7 +606,7 @@
           <a:p>
             <a:fld id="{888333F8-F81D-47B6-A515-82D4D6D258EC}" type="slidenum">
               <a:rPr lang="fa-IR" smtClean="0"/>
-              <a:t>15</a:t>
+              <a:t>16</a:t>
             </a:fld>
             <a:endParaRPr lang="fa-IR"/>
           </a:p>
@@ -755,7 +756,7 @@
           <a:p>
             <a:fld id="{02730C7D-E670-452F-99B3-10B0C33A0E2C}" type="datetimeFigureOut">
               <a:rPr lang="en-US" smtClean="0"/>
-              <a:t>1/18/2022</a:t>
+              <a:t>1/21/2022</a:t>
             </a:fld>
             <a:endParaRPr lang="en-US"/>
           </a:p>
@@ -925,7 +926,7 @@
           <a:p>
             <a:fld id="{02730C7D-E670-452F-99B3-10B0C33A0E2C}" type="datetimeFigureOut">
               <a:rPr lang="en-US" smtClean="0"/>
-              <a:t>1/18/2022</a:t>
+              <a:t>1/21/2022</a:t>
             </a:fld>
             <a:endParaRPr lang="en-US"/>
           </a:p>
@@ -1105,7 +1106,7 @@
           <a:p>
             <a:fld id="{02730C7D-E670-452F-99B3-10B0C33A0E2C}" type="datetimeFigureOut">
               <a:rPr lang="en-US" smtClean="0"/>
-              <a:t>1/18/2022</a:t>
+              <a:t>1/21/2022</a:t>
             </a:fld>
             <a:endParaRPr lang="en-US"/>
           </a:p>
@@ -1275,7 +1276,7 @@
           <a:p>
             <a:fld id="{02730C7D-E670-452F-99B3-10B0C33A0E2C}" type="datetimeFigureOut">
               <a:rPr lang="en-US" smtClean="0"/>
-              <a:t>1/18/2022</a:t>
+              <a:t>1/21/2022</a:t>
             </a:fld>
             <a:endParaRPr lang="en-US"/>
           </a:p>
@@ -1521,7 +1522,7 @@
           <a:p>
             <a:fld id="{02730C7D-E670-452F-99B3-10B0C33A0E2C}" type="datetimeFigureOut">
               <a:rPr lang="en-US" smtClean="0"/>
-              <a:t>1/18/2022</a:t>
+              <a:t>1/21/2022</a:t>
             </a:fld>
             <a:endParaRPr lang="en-US"/>
           </a:p>
@@ -1753,7 +1754,7 @@
           <a:p>
             <a:fld id="{02730C7D-E670-452F-99B3-10B0C33A0E2C}" type="datetimeFigureOut">
               <a:rPr lang="en-US" smtClean="0"/>
-              <a:t>1/18/2022</a:t>
+              <a:t>1/21/2022</a:t>
             </a:fld>
             <a:endParaRPr lang="en-US"/>
           </a:p>
@@ -2120,7 +2121,7 @@
           <a:p>
             <a:fld id="{02730C7D-E670-452F-99B3-10B0C33A0E2C}" type="datetimeFigureOut">
               <a:rPr lang="en-US" smtClean="0"/>
-              <a:t>1/18/2022</a:t>
+              <a:t>1/21/2022</a:t>
             </a:fld>
             <a:endParaRPr lang="en-US"/>
           </a:p>
@@ -2238,7 +2239,7 @@
           <a:p>
             <a:fld id="{02730C7D-E670-452F-99B3-10B0C33A0E2C}" type="datetimeFigureOut">
               <a:rPr lang="en-US" smtClean="0"/>
-              <a:t>1/18/2022</a:t>
+              <a:t>1/21/2022</a:t>
             </a:fld>
             <a:endParaRPr lang="en-US"/>
           </a:p>
@@ -2333,7 +2334,7 @@
           <a:p>
             <a:fld id="{02730C7D-E670-452F-99B3-10B0C33A0E2C}" type="datetimeFigureOut">
               <a:rPr lang="en-US" smtClean="0"/>
-              <a:t>1/18/2022</a:t>
+              <a:t>1/21/2022</a:t>
             </a:fld>
             <a:endParaRPr lang="en-US"/>
           </a:p>
@@ -2610,7 +2611,7 @@
           <a:p>
             <a:fld id="{02730C7D-E670-452F-99B3-10B0C33A0E2C}" type="datetimeFigureOut">
               <a:rPr lang="en-US" smtClean="0"/>
-              <a:t>1/18/2022</a:t>
+              <a:t>1/21/2022</a:t>
             </a:fld>
             <a:endParaRPr lang="en-US"/>
           </a:p>
@@ -2867,7 +2868,7 @@
           <a:p>
             <a:fld id="{02730C7D-E670-452F-99B3-10B0C33A0E2C}" type="datetimeFigureOut">
               <a:rPr lang="en-US" smtClean="0"/>
-              <a:t>1/18/2022</a:t>
+              <a:t>1/21/2022</a:t>
             </a:fld>
             <a:endParaRPr lang="en-US"/>
           </a:p>
@@ -3080,7 +3081,7 @@
           <a:p>
             <a:fld id="{02730C7D-E670-452F-99B3-10B0C33A0E2C}" type="datetimeFigureOut">
               <a:rPr lang="en-US" smtClean="0"/>
-              <a:t>1/18/2022</a:t>
+              <a:t>1/21/2022</a:t>
             </a:fld>
             <a:endParaRPr lang="en-US"/>
           </a:p>
@@ -3570,34 +3571,17 @@
             <p:ph type="title"/>
           </p:nvPr>
         </p:nvSpPr>
-        <p:spPr>
-          <a:xfrm>
-            <a:off x="838200" y="365125"/>
-            <a:ext cx="10515600" cy="892175"/>
-          </a:xfrm>
-        </p:spPr>
-        <p:txBody>
-          <a:bodyPr>
-            <a:normAutofit/>
-          </a:bodyPr>
-          <a:lstStyle/>
-          <a:p>
-            <a:pPr algn="ctr" rtl="1"/>
-            <a:r>
-              <a:rPr lang="fa-IR" sz="4000" u="sng" dirty="0" smtClean="0">
-                <a:solidFill>
-                  <a:srgbClr val="C00000"/>
-                </a:solidFill>
-                <a:cs typeface="B Nazanin" panose="00000400000000000000" pitchFamily="2" charset="-78"/>
-              </a:rPr>
-              <a:t>کلاس‌های کاربری</a:t>
-            </a:r>
-            <a:endParaRPr lang="en-US" sz="4000" u="sng" dirty="0">
-              <a:solidFill>
-                <a:srgbClr val="C00000"/>
-              </a:solidFill>
-              <a:cs typeface="B Nazanin" panose="00000400000000000000" pitchFamily="2" charset="-78"/>
-            </a:endParaRPr>
+        <p:spPr/>
+        <p:txBody>
+          <a:bodyPr/>
+          <a:lstStyle/>
+          <a:p>
+            <a:pPr algn="r" rtl="1"/>
+            <a:r>
+              <a:rPr lang="fa-IR" dirty="0" smtClean="0"/>
+              <a:t>كلاس هاي كاربري غير انساني </a:t>
+            </a:r>
+            <a:endParaRPr lang="en-US" dirty="0"/>
           </a:p>
         </p:txBody>
       </p:sp>
@@ -3611,16 +3595,9 @@
             <p:ph idx="1"/>
           </p:nvPr>
         </p:nvSpPr>
-        <p:spPr>
-          <a:xfrm>
-            <a:off x="838200" y="1371600"/>
-            <a:ext cx="10515600" cy="4805363"/>
-          </a:xfrm>
-        </p:spPr>
-        <p:txBody>
-          <a:bodyPr>
-            <a:normAutofit/>
-          </a:bodyPr>
+        <p:spPr/>
+        <p:txBody>
+          <a:bodyPr/>
           <a:lstStyle/>
           <a:p>
             <a:pPr algn="r" rtl="1">
@@ -3628,106 +3605,83 @@
               <a:buChar char="§"/>
             </a:pPr>
             <a:r>
+              <a:rPr lang="fa-IR" dirty="0" smtClean="0"/>
+              <a:t>كلاس هاي كاربري به انسان ها محدود نمي‌شوند . </a:t>
+            </a:r>
+          </a:p>
+          <a:p>
+            <a:pPr algn="r" rtl="1">
+              <a:buFont typeface="Wingdings" panose="05000000000000000000" pitchFamily="2" charset="2"/>
+              <a:buChar char="§"/>
+            </a:pPr>
+            <a:r>
+              <a:rPr lang="fa-IR" dirty="0" smtClean="0"/>
+              <a:t>از اعضاء مهم اين كلاس هاي كاربري </a:t>
+            </a:r>
+            <a:r>
               <a:rPr lang="fa-IR" dirty="0" smtClean="0">
                 <a:solidFill>
                   <a:srgbClr val="C00000"/>
                 </a:solidFill>
               </a:rPr>
-              <a:t>شناسایی کلاس‌های کاربری</a:t>
-            </a:r>
-          </a:p>
-          <a:p>
-            <a:pPr algn="r" rtl="1"/>
-            <a:r>
-              <a:rPr lang="fa-IR" sz="2000" dirty="0" smtClean="0">
+              <a:t>عامل هاي نرم افزاري </a:t>
+            </a:r>
+            <a:r>
+              <a:rPr lang="fa-IR" dirty="0" smtClean="0"/>
+              <a:t>و </a:t>
+            </a:r>
+            <a:r>
+              <a:rPr lang="fa-IR" dirty="0" smtClean="0">
                 <a:solidFill>
                   <a:srgbClr val="C00000"/>
                 </a:solidFill>
               </a:rPr>
-              <a:t>كلاس هاي كاربري </a:t>
-            </a:r>
-            <a:r>
-              <a:rPr lang="fa-IR" sz="2000" dirty="0" smtClean="0"/>
-              <a:t>مختلف را از اوايل پروژه شناسايي كنيد.</a:t>
-            </a:r>
-          </a:p>
-          <a:p>
-            <a:pPr algn="r" rtl="1"/>
-            <a:r>
-              <a:rPr lang="fa-IR" sz="2000" dirty="0" smtClean="0"/>
-              <a:t>بدين وسيله مي توانيد نيازمندي ها را از </a:t>
-            </a:r>
-            <a:r>
-              <a:rPr lang="fa-IR" sz="2000" dirty="0" smtClean="0">
+              <a:t>عامل هاي اينترنتي </a:t>
+            </a:r>
+            <a:r>
+              <a:rPr lang="fa-IR" dirty="0" smtClean="0"/>
+              <a:t>هستند .</a:t>
+            </a:r>
+          </a:p>
+          <a:p>
+            <a:pPr algn="r" rtl="1">
+              <a:buFont typeface="Wingdings" panose="05000000000000000000" pitchFamily="2" charset="2"/>
+              <a:buChar char="§"/>
+            </a:pPr>
+            <a:r>
+              <a:rPr lang="fa-IR" dirty="0" smtClean="0"/>
+              <a:t>اين كلاس ممكن است شامل </a:t>
+            </a:r>
+            <a:r>
+              <a:rPr lang="fa-IR" dirty="0" smtClean="0">
                 <a:solidFill>
                   <a:srgbClr val="C00000"/>
                 </a:solidFill>
               </a:rPr>
-              <a:t>نمايندگان هر يك از كلاس ها </a:t>
-            </a:r>
-            <a:r>
-              <a:rPr lang="fa-IR" sz="2000" dirty="0" smtClean="0"/>
-              <a:t>بدست بياوريد.</a:t>
-            </a:r>
-          </a:p>
-          <a:p>
-            <a:pPr algn="r" rtl="1"/>
-            <a:r>
-              <a:rPr lang="fa-IR" sz="2000" dirty="0" smtClean="0"/>
-              <a:t>يك تكنيك كاربردي در اين الگوي گسترش و انقباض است . </a:t>
-            </a:r>
-            <a:endParaRPr lang="en-US" sz="2000" dirty="0" smtClean="0"/>
-          </a:p>
-          <a:p>
-            <a:pPr algn="r" rtl="1"/>
-            <a:r>
-              <a:rPr lang="fa-IR" sz="2000" dirty="0" smtClean="0"/>
-              <a:t>از </a:t>
-            </a:r>
-            <a:r>
-              <a:rPr lang="fa-IR" sz="2000" dirty="0" smtClean="0">
-                <a:solidFill>
-                  <a:srgbClr val="C00000"/>
-                </a:solidFill>
-              </a:rPr>
-              <a:t>اسپانسر پروژه </a:t>
-            </a:r>
-            <a:r>
-              <a:rPr lang="fa-IR" sz="2000" dirty="0" smtClean="0"/>
-              <a:t>شروع کنید که چه انتظاری از سیستم دارد .</a:t>
-            </a:r>
-          </a:p>
-          <a:p>
-            <a:pPr algn="r" rtl="1"/>
-            <a:r>
-              <a:rPr lang="fa-IR" sz="2000" dirty="0" smtClean="0"/>
-              <a:t>هر تعداد از کلاس های کاربری را که در دسترسی دارید طوفان فکری کنید .</a:t>
-            </a:r>
-          </a:p>
-          <a:p>
-            <a:pPr algn="r" rtl="1"/>
-            <a:r>
-              <a:rPr lang="fa-IR" sz="2000" dirty="0" smtClean="0"/>
-              <a:t>کلاس‌های کاربری با نیازهای مشابه را فشرده کرده و به عنوان یک کلاس کاربری تقسیم بندی کنید .</a:t>
-            </a:r>
-          </a:p>
-          <a:p>
-            <a:pPr algn="r" rtl="1"/>
-            <a:r>
-              <a:rPr lang="fa-IR" sz="2000" dirty="0" smtClean="0"/>
-              <a:t>مدل های تحلیلی مختلف به شما کمک می ‌کنند تا کلاس های کاربری را شناسایی کنید .  </a:t>
-            </a:r>
-          </a:p>
-          <a:p>
-            <a:pPr algn="r" rtl="1"/>
-            <a:endParaRPr lang="en-US" sz="2000" dirty="0"/>
+              <a:t>كلاس كاربران ناراضي </a:t>
+            </a:r>
+            <a:r>
+              <a:rPr lang="fa-IR" dirty="0" smtClean="0"/>
+              <a:t>باشد . </a:t>
+            </a:r>
+          </a:p>
+          <a:p>
+            <a:pPr algn="r" rtl="1">
+              <a:buFont typeface="Wingdings" panose="05000000000000000000" pitchFamily="2" charset="2"/>
+              <a:buChar char="§"/>
+            </a:pPr>
+            <a:r>
+              <a:rPr lang="fa-IR" dirty="0" smtClean="0"/>
+              <a:t>پس بايد در نظر گرفته شود آيا به آنها خدمات ارائه شود يا راه هايي براي جلوگيري از دسترسي آنها به وجود آورد . </a:t>
+            </a:r>
+            <a:endParaRPr lang="en-US" dirty="0"/>
           </a:p>
         </p:txBody>
       </p:sp>
     </p:spTree>
     <p:extLst>
       <p:ext uri="{BB962C8B-B14F-4D97-AF65-F5344CB8AC3E}">
-        <p14:creationId xmlns:p14="http://schemas.microsoft.com/office/powerpoint/2010/main" val="1359199256"/>
+        <p14:creationId xmlns:p14="http://schemas.microsoft.com/office/powerpoint/2010/main" val="3356409416"/>
       </p:ext>
     </p:extLst>
   </p:cSld>
@@ -3834,7 +3788,82 @@
                   <a:srgbClr val="C00000"/>
                 </a:solidFill>
               </a:rPr>
-              <a:t>شناسایی کلاس‌های کاربری (ادامه)</a:t>
+              <a:t>شناسایی کلاس‌های کاربری</a:t>
+            </a:r>
+          </a:p>
+          <a:p>
+            <a:pPr algn="r" rtl="1"/>
+            <a:r>
+              <a:rPr lang="fa-IR" sz="2000" dirty="0" smtClean="0">
+                <a:solidFill>
+                  <a:srgbClr val="C00000"/>
+                </a:solidFill>
+              </a:rPr>
+              <a:t>كلاس هاي كاربري </a:t>
+            </a:r>
+            <a:r>
+              <a:rPr lang="fa-IR" sz="2000" dirty="0" smtClean="0"/>
+              <a:t>مختلف را از اوايل پروژه شناسايي كنيد.</a:t>
+            </a:r>
+          </a:p>
+          <a:p>
+            <a:pPr algn="r" rtl="1"/>
+            <a:r>
+              <a:rPr lang="fa-IR" sz="2000" dirty="0" smtClean="0"/>
+              <a:t>بدين وسيله مي توانيد نيازمندي ها را از </a:t>
+            </a:r>
+            <a:r>
+              <a:rPr lang="fa-IR" sz="2000" dirty="0" smtClean="0">
+                <a:solidFill>
+                  <a:srgbClr val="C00000"/>
+                </a:solidFill>
+              </a:rPr>
+              <a:t>نمايندگان هر يك از كلاس ها </a:t>
+            </a:r>
+            <a:r>
+              <a:rPr lang="fa-IR" sz="2000" dirty="0" smtClean="0"/>
+              <a:t>بدست بياوريد.</a:t>
+            </a:r>
+          </a:p>
+          <a:p>
+            <a:pPr algn="r" rtl="1"/>
+            <a:r>
+              <a:rPr lang="fa-IR" sz="2000" dirty="0" smtClean="0"/>
+              <a:t>يك تكنيك كاربردي در اين الگوي گسترش و انقباض است . </a:t>
+            </a:r>
+            <a:endParaRPr lang="en-US" sz="2000" dirty="0" smtClean="0"/>
+          </a:p>
+          <a:p>
+            <a:pPr algn="r" rtl="1"/>
+            <a:r>
+              <a:rPr lang="fa-IR" sz="2000" dirty="0" smtClean="0"/>
+              <a:t>از </a:t>
+            </a:r>
+            <a:r>
+              <a:rPr lang="fa-IR" sz="2000" dirty="0" smtClean="0">
+                <a:solidFill>
+                  <a:srgbClr val="C00000"/>
+                </a:solidFill>
+              </a:rPr>
+              <a:t>اسپانسر پروژه </a:t>
+            </a:r>
+            <a:r>
+              <a:rPr lang="fa-IR" sz="2000" dirty="0" smtClean="0"/>
+              <a:t>شروع کنید که چه انتظاری از سیستم دارد .</a:t>
+            </a:r>
+          </a:p>
+          <a:p>
+            <a:pPr algn="r" rtl="1"/>
+            <a:r>
+              <a:rPr lang="fa-IR" sz="2000" dirty="0" smtClean="0"/>
+              <a:t>هر تعداد از کلاس های کاربری را که در دسترسی دارید طوفان فکری کنید .</a:t>
+            </a:r>
+          </a:p>
+          <a:p>
+            <a:pPr algn="r" rtl="1"/>
+            <a:r>
+              <a:rPr lang="fa-IR" sz="2000" dirty="0" smtClean="0"/>
+              <a:t>کلاس‌های کاربری با نیازهای مشابه را فشرده کرده و به عنوان یک کلاس کاربری تقسیم بندی کنید .</a:t>
             </a:r>
           </a:p>
           <a:p>
@@ -3846,199 +3875,14 @@
           </a:p>
           <a:p>
             <a:pPr algn="r" rtl="1"/>
-            <a:r>
-              <a:rPr lang="fa-IR" sz="2000" dirty="0" smtClean="0"/>
-              <a:t>موجودیت‌های </a:t>
-            </a:r>
-          </a:p>
-          <a:p>
-            <a:pPr algn="r" rtl="1"/>
-            <a:endParaRPr lang="fa-IR" sz="2000" dirty="0" smtClean="0"/>
-          </a:p>
-          <a:p>
-            <a:pPr marL="914400" lvl="2" indent="0">
-              <a:buNone/>
-            </a:pPr>
-            <a:r>
-              <a:rPr lang="fa-IR" dirty="0"/>
-              <a:t>دپارتمان هایی که در پروسه کسب و کار شرکت داشته اند .</a:t>
-            </a:r>
-            <a:endParaRPr lang="en-US" dirty="0"/>
-          </a:p>
-          <a:p>
-            <a:pPr marL="914400" lvl="2" indent="0">
-              <a:buNone/>
-            </a:pPr>
-            <a:r>
-              <a:rPr lang="fa-IR" dirty="0"/>
-              <a:t>دپارتمان هایی که بر روی پروسه کسب و کار تاثیر داشته اند . </a:t>
-            </a:r>
-            <a:endParaRPr lang="en-US" dirty="0"/>
-          </a:p>
-          <a:p>
-            <a:pPr marL="914400" lvl="2" indent="0">
-              <a:buNone/>
-            </a:pPr>
-            <a:r>
-              <a:rPr lang="fa-IR" dirty="0"/>
-              <a:t>بخش‌ها یا نام‌ نقشهایی  که کاربران مستقیم یا غیرمستقیم در آن‌ها یافت می‌شوند</a:t>
-            </a:r>
-            <a:endParaRPr lang="en-US" dirty="0"/>
-          </a:p>
-          <a:p>
-            <a:pPr marL="914400" lvl="2" indent="0">
-              <a:buNone/>
-            </a:pPr>
-            <a:r>
-              <a:rPr lang="fa-IR" dirty="0"/>
-              <a:t>کلاس های کاربری که چندین بخش را در بر می گیرند</a:t>
-            </a:r>
-            <a:endParaRPr lang="en-US" dirty="0"/>
-          </a:p>
-          <a:p>
-            <a:pPr marL="914400" lvl="2" indent="0">
-              <a:buNone/>
-            </a:pPr>
-            <a:r>
-              <a:rPr lang="fa-IR" dirty="0"/>
-              <a:t>بخش هایی که ممکن است با ذینفعان خارجی خارج از شرکت رابط داشته باشند</a:t>
-            </a:r>
-            <a:endParaRPr lang="en-US" dirty="0"/>
-          </a:p>
-          <a:p>
-            <a:pPr algn="r" rtl="1"/>
-            <a:endParaRPr lang="fa-IR" sz="2000" dirty="0" smtClean="0"/>
-          </a:p>
-          <a:p>
-            <a:pPr algn="r" rtl="1"/>
             <a:endParaRPr lang="en-US" sz="2000" dirty="0"/>
           </a:p>
         </p:txBody>
       </p:sp>
-      <p:pic>
-        <p:nvPicPr>
-          <p:cNvPr id="4" name="Picture 3"/>
-          <p:cNvPicPr>
-            <a:picLocks noChangeAspect="1"/>
-          </p:cNvPicPr>
-          <p:nvPr/>
-        </p:nvPicPr>
-        <p:blipFill>
-          <a:blip r:embed="rId2"/>
-          <a:stretch>
-            <a:fillRect/>
-          </a:stretch>
-        </p:blipFill>
-        <p:spPr>
-          <a:xfrm>
-            <a:off x="10520909" y="3049894"/>
-            <a:ext cx="560881" cy="243861"/>
-          </a:xfrm>
-          <a:prstGeom prst="rect">
-            <a:avLst/>
-          </a:prstGeom>
-        </p:spPr>
-      </p:pic>
-      <p:pic>
-        <p:nvPicPr>
-          <p:cNvPr id="5" name="Picture 4"/>
-          <p:cNvPicPr>
-            <a:picLocks noChangeAspect="1"/>
-          </p:cNvPicPr>
-          <p:nvPr/>
-        </p:nvPicPr>
-        <p:blipFill>
-          <a:blip r:embed="rId2"/>
-          <a:stretch>
-            <a:fillRect/>
-          </a:stretch>
-        </p:blipFill>
-        <p:spPr>
-          <a:xfrm>
-            <a:off x="10520908" y="3408055"/>
-            <a:ext cx="560881" cy="243861"/>
-          </a:xfrm>
-          <a:prstGeom prst="rect">
-            <a:avLst/>
-          </a:prstGeom>
-        </p:spPr>
-      </p:pic>
-      <p:pic>
-        <p:nvPicPr>
-          <p:cNvPr id="6" name="Picture 5"/>
-          <p:cNvPicPr>
-            <a:picLocks noChangeAspect="1"/>
-          </p:cNvPicPr>
-          <p:nvPr/>
-        </p:nvPicPr>
-        <p:blipFill>
-          <a:blip r:embed="rId2"/>
-          <a:stretch>
-            <a:fillRect/>
-          </a:stretch>
-        </p:blipFill>
-        <p:spPr>
-          <a:xfrm>
-            <a:off x="10520908" y="3774281"/>
-            <a:ext cx="560881" cy="243861"/>
-          </a:xfrm>
-          <a:prstGeom prst="rect">
-            <a:avLst/>
-          </a:prstGeom>
-        </p:spPr>
-      </p:pic>
-      <p:pic>
-        <p:nvPicPr>
-          <p:cNvPr id="7" name="Picture 6"/>
-          <p:cNvPicPr>
-            <a:picLocks noChangeAspect="1"/>
-          </p:cNvPicPr>
-          <p:nvPr/>
-        </p:nvPicPr>
-        <p:blipFill>
-          <a:blip r:embed="rId2"/>
-          <a:stretch>
-            <a:fillRect/>
-          </a:stretch>
-        </p:blipFill>
-        <p:spPr>
-          <a:xfrm>
-            <a:off x="10520908" y="4065658"/>
-            <a:ext cx="560881" cy="243861"/>
-          </a:xfrm>
-          <a:prstGeom prst="rect">
-            <a:avLst/>
-          </a:prstGeom>
-        </p:spPr>
-      </p:pic>
-      <p:pic>
-        <p:nvPicPr>
-          <p:cNvPr id="8" name="Picture 7"/>
-          <p:cNvPicPr>
-            <a:picLocks noChangeAspect="1"/>
-          </p:cNvPicPr>
-          <p:nvPr/>
-        </p:nvPicPr>
-        <p:blipFill>
-          <a:blip r:embed="rId2"/>
-          <a:stretch>
-            <a:fillRect/>
-          </a:stretch>
-        </p:blipFill>
-        <p:spPr>
-          <a:xfrm>
-            <a:off x="10520908" y="4431884"/>
-            <a:ext cx="560881" cy="243861"/>
-          </a:xfrm>
-          <a:prstGeom prst="rect">
-            <a:avLst/>
-          </a:prstGeom>
-        </p:spPr>
-      </p:pic>
     </p:spTree>
     <p:extLst>
       <p:ext uri="{BB962C8B-B14F-4D97-AF65-F5344CB8AC3E}">
-        <p14:creationId xmlns:p14="http://schemas.microsoft.com/office/powerpoint/2010/main" val="112308813"/>
+        <p14:creationId xmlns:p14="http://schemas.microsoft.com/office/powerpoint/2010/main" val="1359199256"/>
       </p:ext>
     </p:extLst>
   </p:cSld>
@@ -4082,24 +3926,29 @@
             <p:ph type="title"/>
           </p:nvPr>
         </p:nvSpPr>
-        <p:spPr/>
+        <p:spPr>
+          <a:xfrm>
+            <a:off x="838200" y="365125"/>
+            <a:ext cx="10515600" cy="892175"/>
+          </a:xfrm>
+        </p:spPr>
         <p:txBody>
           <a:bodyPr>
             <a:normAutofit/>
           </a:bodyPr>
           <a:lstStyle/>
           <a:p>
-            <a:pPr algn="ctr"/>
-            <a:r>
-              <a:rPr lang="fa-IR" sz="4400" u="sng" dirty="0" smtClean="0">
+            <a:pPr algn="ctr" rtl="1"/>
+            <a:r>
+              <a:rPr lang="fa-IR" sz="4000" u="sng" dirty="0" smtClean="0">
                 <a:solidFill>
                   <a:srgbClr val="C00000"/>
                 </a:solidFill>
                 <a:cs typeface="B Nazanin" panose="00000400000000000000" pitchFamily="2" charset="-78"/>
               </a:rPr>
-              <a:t>گام بعدی</a:t>
-            </a:r>
-            <a:endParaRPr lang="fa-IR" sz="4400" u="sng" dirty="0">
+              <a:t>کلاس‌های کاربری</a:t>
+            </a:r>
+            <a:endParaRPr lang="en-US" sz="4000" u="sng" dirty="0">
               <a:solidFill>
                 <a:srgbClr val="C00000"/>
               </a:solidFill>
@@ -4118,9 +3967,16 @@
             <p:ph idx="1"/>
           </p:nvPr>
         </p:nvSpPr>
-        <p:spPr/>
-        <p:txBody>
-          <a:bodyPr/>
+        <p:spPr>
+          <a:xfrm>
+            <a:off x="838200" y="1371600"/>
+            <a:ext cx="10515600" cy="4805363"/>
+          </a:xfrm>
+        </p:spPr>
+        <p:txBody>
+          <a:bodyPr>
+            <a:normAutofit/>
+          </a:bodyPr>
           <a:lstStyle/>
           <a:p>
             <a:pPr algn="r" rtl="1">
@@ -4128,77 +3984,216 @@
               <a:buChar char="§"/>
             </a:pPr>
             <a:r>
-              <a:rPr lang="fa-IR" dirty="0" smtClean="0"/>
-              <a:t>کلاس های کاربری</a:t>
-            </a:r>
-          </a:p>
-          <a:p>
-            <a:pPr algn="r" rtl="1">
-              <a:buFont typeface="Wingdings" panose="05000000000000000000" pitchFamily="2" charset="2"/>
-              <a:buChar char="§"/>
-            </a:pPr>
-            <a:r>
               <a:rPr lang="fa-IR" dirty="0" smtClean="0">
                 <a:solidFill>
-                  <a:schemeClr val="accent3">
-                    <a:lumMod val="75000"/>
-                  </a:schemeClr>
-                </a:solidFill>
-              </a:rPr>
-              <a:t>شخصیت های کاربر</a:t>
-            </a:r>
-          </a:p>
-          <a:p>
-            <a:pPr algn="r" rtl="1">
-              <a:buFont typeface="Wingdings" panose="05000000000000000000" pitchFamily="2" charset="2"/>
-              <a:buChar char="§"/>
-            </a:pPr>
-            <a:r>
-              <a:rPr lang="fa-IR" dirty="0" smtClean="0"/>
-              <a:t>ارتباط با نمایندگان کاربران </a:t>
-            </a:r>
-          </a:p>
-          <a:p>
-            <a:pPr algn="r" rtl="1">
-              <a:buFont typeface="Wingdings" panose="05000000000000000000" pitchFamily="2" charset="2"/>
-              <a:buChar char="§"/>
-            </a:pPr>
-            <a:r>
-              <a:rPr lang="fa-IR" dirty="0" smtClean="0"/>
-              <a:t>قهرمان محصول </a:t>
-            </a:r>
-          </a:p>
-          <a:p>
-            <a:pPr algn="r" rtl="1">
-              <a:buFont typeface="Wingdings" panose="05000000000000000000" pitchFamily="2" charset="2"/>
-              <a:buChar char="§"/>
+                  <a:srgbClr val="C00000"/>
+                </a:solidFill>
+              </a:rPr>
+              <a:t>شناسایی کلاس‌های کاربری (ادامه)</a:t>
+            </a:r>
+          </a:p>
+          <a:p>
+            <a:pPr algn="r" rtl="1"/>
+            <a:r>
+              <a:rPr lang="fa-IR" sz="2000" dirty="0" smtClean="0"/>
+              <a:t>مدل های تحلیلی مختلف به شما کمک می ‌کنند تا کلاس های کاربری را شناسایی کنید .  </a:t>
+            </a:r>
+          </a:p>
+          <a:p>
+            <a:pPr algn="r" rtl="1"/>
+            <a:r>
+              <a:rPr lang="fa-IR" sz="2000" dirty="0" smtClean="0"/>
+              <a:t>موجودیت‌های </a:t>
+            </a:r>
+          </a:p>
+          <a:p>
+            <a:pPr algn="r" rtl="1"/>
+            <a:endParaRPr lang="fa-IR" sz="2000" dirty="0" smtClean="0"/>
+          </a:p>
+          <a:p>
+            <a:pPr marL="914400" lvl="2" indent="0">
+              <a:buNone/>
             </a:pPr>
             <a:r>
               <a:rPr lang="fa-IR" dirty="0"/>
-              <a:t>نمایندگی کاربر در پروژه های </a:t>
-            </a:r>
-            <a:r>
-              <a:rPr lang="fa-IR" dirty="0" smtClean="0"/>
-              <a:t>چابک</a:t>
-            </a:r>
-          </a:p>
-          <a:p>
-            <a:pPr algn="r" rtl="1">
-              <a:buFont typeface="Wingdings" panose="05000000000000000000" pitchFamily="2" charset="2"/>
-              <a:buChar char="§"/>
-            </a:pPr>
-            <a:r>
-              <a:rPr lang="fa-IR" dirty="0" smtClean="0"/>
-              <a:t>حل و فصل نیازمندی‌های متضاد </a:t>
-            </a:r>
-            <a:endParaRPr lang="fa-IR" dirty="0"/>
-          </a:p>
-        </p:txBody>
-      </p:sp>
+              <a:t>دپارتمان هایی که در پروسه کسب و کار شرکت داشته اند .</a:t>
+            </a:r>
+            <a:endParaRPr lang="en-US" dirty="0"/>
+          </a:p>
+          <a:p>
+            <a:pPr marL="914400" lvl="2" indent="0">
+              <a:buNone/>
+            </a:pPr>
+            <a:r>
+              <a:rPr lang="fa-IR" dirty="0"/>
+              <a:t>دپارتمان هایی که بر روی پروسه کسب و کار تاثیر داشته اند . </a:t>
+            </a:r>
+            <a:endParaRPr lang="en-US" dirty="0"/>
+          </a:p>
+          <a:p>
+            <a:pPr marL="914400" lvl="2" indent="0">
+              <a:buNone/>
+            </a:pPr>
+            <a:r>
+              <a:rPr lang="fa-IR" dirty="0"/>
+              <a:t>بخش‌ها یا نام‌ نقشهایی  که کاربران مستقیم یا غیرمستقیم در آن‌ها یافت می‌شوند</a:t>
+            </a:r>
+            <a:endParaRPr lang="en-US" dirty="0"/>
+          </a:p>
+          <a:p>
+            <a:pPr marL="914400" lvl="2" indent="0">
+              <a:buNone/>
+            </a:pPr>
+            <a:r>
+              <a:rPr lang="fa-IR" dirty="0"/>
+              <a:t>کلاس های کاربری که چندین بخش را در بر می گیرند</a:t>
+            </a:r>
+            <a:endParaRPr lang="en-US" dirty="0"/>
+          </a:p>
+          <a:p>
+            <a:pPr marL="914400" lvl="2" indent="0">
+              <a:buNone/>
+            </a:pPr>
+            <a:r>
+              <a:rPr lang="fa-IR" dirty="0"/>
+              <a:t>بخش هایی که ممکن است با ذینفعان خارجی خارج از شرکت رابط داشته باشند</a:t>
+            </a:r>
+            <a:endParaRPr lang="en-US" dirty="0"/>
+          </a:p>
+          <a:p>
+            <a:pPr algn="r" rtl="1"/>
+            <a:endParaRPr lang="fa-IR" sz="2000" dirty="0" smtClean="0"/>
+          </a:p>
+          <a:p>
+            <a:pPr algn="r" rtl="1"/>
+            <a:endParaRPr lang="en-US" sz="2000" dirty="0"/>
+          </a:p>
+        </p:txBody>
+      </p:sp>
+      <p:pic>
+        <p:nvPicPr>
+          <p:cNvPr id="4" name="Picture 3"/>
+          <p:cNvPicPr>
+            <a:picLocks noChangeAspect="1"/>
+          </p:cNvPicPr>
+          <p:nvPr/>
+        </p:nvPicPr>
+        <p:blipFill>
+          <a:blip r:embed="rId2"/>
+          <a:stretch>
+            <a:fillRect/>
+          </a:stretch>
+        </p:blipFill>
+        <p:spPr>
+          <a:xfrm>
+            <a:off x="10520909" y="3049894"/>
+            <a:ext cx="560881" cy="243861"/>
+          </a:xfrm>
+          <a:prstGeom prst="rect">
+            <a:avLst/>
+          </a:prstGeom>
+        </p:spPr>
+      </p:pic>
+      <p:pic>
+        <p:nvPicPr>
+          <p:cNvPr id="5" name="Picture 4"/>
+          <p:cNvPicPr>
+            <a:picLocks noChangeAspect="1"/>
+          </p:cNvPicPr>
+          <p:nvPr/>
+        </p:nvPicPr>
+        <p:blipFill>
+          <a:blip r:embed="rId2"/>
+          <a:stretch>
+            <a:fillRect/>
+          </a:stretch>
+        </p:blipFill>
+        <p:spPr>
+          <a:xfrm>
+            <a:off x="10520908" y="3408055"/>
+            <a:ext cx="560881" cy="243861"/>
+          </a:xfrm>
+          <a:prstGeom prst="rect">
+            <a:avLst/>
+          </a:prstGeom>
+        </p:spPr>
+      </p:pic>
+      <p:pic>
+        <p:nvPicPr>
+          <p:cNvPr id="6" name="Picture 5"/>
+          <p:cNvPicPr>
+            <a:picLocks noChangeAspect="1"/>
+          </p:cNvPicPr>
+          <p:nvPr/>
+        </p:nvPicPr>
+        <p:blipFill>
+          <a:blip r:embed="rId2"/>
+          <a:stretch>
+            <a:fillRect/>
+          </a:stretch>
+        </p:blipFill>
+        <p:spPr>
+          <a:xfrm>
+            <a:off x="10520908" y="3774281"/>
+            <a:ext cx="560881" cy="243861"/>
+          </a:xfrm>
+          <a:prstGeom prst="rect">
+            <a:avLst/>
+          </a:prstGeom>
+        </p:spPr>
+      </p:pic>
+      <p:pic>
+        <p:nvPicPr>
+          <p:cNvPr id="7" name="Picture 6"/>
+          <p:cNvPicPr>
+            <a:picLocks noChangeAspect="1"/>
+          </p:cNvPicPr>
+          <p:nvPr/>
+        </p:nvPicPr>
+        <p:blipFill>
+          <a:blip r:embed="rId2"/>
+          <a:stretch>
+            <a:fillRect/>
+          </a:stretch>
+        </p:blipFill>
+        <p:spPr>
+          <a:xfrm>
+            <a:off x="10520908" y="4065658"/>
+            <a:ext cx="560881" cy="243861"/>
+          </a:xfrm>
+          <a:prstGeom prst="rect">
+            <a:avLst/>
+          </a:prstGeom>
+        </p:spPr>
+      </p:pic>
+      <p:pic>
+        <p:nvPicPr>
+          <p:cNvPr id="8" name="Picture 7"/>
+          <p:cNvPicPr>
+            <a:picLocks noChangeAspect="1"/>
+          </p:cNvPicPr>
+          <p:nvPr/>
+        </p:nvPicPr>
+        <p:blipFill>
+          <a:blip r:embed="rId2"/>
+          <a:stretch>
+            <a:fillRect/>
+          </a:stretch>
+        </p:blipFill>
+        <p:spPr>
+          <a:xfrm>
+            <a:off x="10520908" y="4431884"/>
+            <a:ext cx="560881" cy="243861"/>
+          </a:xfrm>
+          <a:prstGeom prst="rect">
+            <a:avLst/>
+          </a:prstGeom>
+        </p:spPr>
+      </p:pic>
     </p:spTree>
     <p:extLst>
       <p:ext uri="{BB962C8B-B14F-4D97-AF65-F5344CB8AC3E}">
-        <p14:creationId xmlns:p14="http://schemas.microsoft.com/office/powerpoint/2010/main" val="3866916926"/>
+        <p14:creationId xmlns:p14="http://schemas.microsoft.com/office/powerpoint/2010/main" val="112308813"/>
       </p:ext>
     </p:extLst>
   </p:cSld>
@@ -4242,12 +4237,7 @@
             <p:ph type="title"/>
           </p:nvPr>
         </p:nvSpPr>
-        <p:spPr>
-          <a:xfrm>
-            <a:off x="838200" y="365126"/>
-            <a:ext cx="10515600" cy="768350"/>
-          </a:xfrm>
-        </p:spPr>
+        <p:spPr/>
         <p:txBody>
           <a:bodyPr>
             <a:normAutofit/>
@@ -4256,15 +4246,15 @@
           <a:p>
             <a:pPr algn="ctr"/>
             <a:r>
-              <a:rPr lang="fa-IR" sz="4000" u="sng" dirty="0" smtClean="0">
+              <a:rPr lang="fa-IR" sz="4400" u="sng" dirty="0" smtClean="0">
                 <a:solidFill>
                   <a:srgbClr val="C00000"/>
                 </a:solidFill>
                 <a:cs typeface="B Nazanin" panose="00000400000000000000" pitchFamily="2" charset="-78"/>
               </a:rPr>
-              <a:t>پرسوناهای کاربری</a:t>
-            </a:r>
-            <a:endParaRPr lang="fa-IR" sz="4000" u="sng" dirty="0">
+              <a:t>گام بعدی</a:t>
+            </a:r>
+            <a:endParaRPr lang="fa-IR" sz="4400" u="sng" dirty="0">
               <a:solidFill>
                 <a:srgbClr val="C00000"/>
               </a:solidFill>
@@ -4283,68 +4273,100 @@
             <p:ph idx="1"/>
           </p:nvPr>
         </p:nvSpPr>
-        <p:spPr>
-          <a:xfrm>
-            <a:off x="838200" y="1628776"/>
-            <a:ext cx="10515600" cy="5043487"/>
-          </a:xfrm>
-        </p:spPr>
-        <p:txBody>
-          <a:bodyPr>
-            <a:normAutofit/>
-          </a:bodyPr>
-          <a:lstStyle/>
-          <a:p>
-            <a:r>
-              <a:rPr lang="fa-IR" sz="2000" dirty="0" smtClean="0"/>
-              <a:t>پرسونا شرحی از یک عضو نماینده کلاس کاربری است .</a:t>
-            </a:r>
-          </a:p>
-          <a:p>
-            <a:r>
-              <a:rPr lang="fa-IR" sz="2000" dirty="0" smtClean="0"/>
-              <a:t>پرسونا توصیفی از یک فرد فرضی و عمومی است که به عنوان جایگاهی برای گروهی از کاربران با ویژگی هاو نیازهای مشابه عمل می‌کند . </a:t>
-            </a:r>
-          </a:p>
-          <a:p>
-            <a:r>
-              <a:rPr lang="fa-IR" sz="2000" dirty="0" smtClean="0"/>
-              <a:t>زمانی که تحلیلگر کسب و کار نمانیده کلاس کاربری واقعی در اختیار نداشته باشد، به جای توقف پیشرفت پروژه ، می‌تواند به طور موقت از یک پرسونا به عنوان کاربر فرضی استفاده کند .</a:t>
-            </a:r>
-          </a:p>
-          <a:p>
-            <a:r>
-              <a:rPr lang="fa-IR" sz="2000" dirty="0" smtClean="0"/>
-              <a:t>تحلیگر کسب و کار می‌تواند از پرسونا برای تصور نماینده کلاس کاربری استفاده کند و نیازهای اولیه را از آن بدست بیاورد تا یک نماینده کاربری واقعی بدست بیاورد .  </a:t>
-            </a:r>
-          </a:p>
-          <a:p>
-            <a:pPr marL="0" indent="0">
-              <a:buNone/>
-            </a:pPr>
-            <a:endParaRPr lang="fa-IR" sz="2000" dirty="0" smtClean="0"/>
-          </a:p>
-          <a:p>
-            <a:endParaRPr lang="fa-IR" sz="2000" dirty="0"/>
-          </a:p>
-          <a:p>
-            <a:endParaRPr lang="fa-IR" sz="2000" dirty="0" smtClean="0"/>
-          </a:p>
-          <a:p>
-            <a:endParaRPr lang="fa-IR" sz="2000" dirty="0"/>
+        <p:spPr/>
+        <p:txBody>
+          <a:bodyPr/>
+          <a:lstStyle/>
+          <a:p>
+            <a:pPr algn="r" rtl="1">
+              <a:buFont typeface="Wingdings" panose="05000000000000000000" pitchFamily="2" charset="2"/>
+              <a:buChar char="§"/>
+            </a:pPr>
+            <a:r>
+              <a:rPr lang="fa-IR" dirty="0" smtClean="0"/>
+              <a:t>کلاس های کاربری</a:t>
+            </a:r>
+          </a:p>
+          <a:p>
+            <a:pPr algn="r" rtl="1">
+              <a:buFont typeface="Wingdings" panose="05000000000000000000" pitchFamily="2" charset="2"/>
+              <a:buChar char="§"/>
+            </a:pPr>
+            <a:r>
+              <a:rPr lang="fa-IR" dirty="0" smtClean="0">
+                <a:solidFill>
+                  <a:schemeClr val="accent3">
+                    <a:lumMod val="75000"/>
+                  </a:schemeClr>
+                </a:solidFill>
+              </a:rPr>
+              <a:t>شخصیت های کاربر</a:t>
+            </a:r>
+          </a:p>
+          <a:p>
+            <a:pPr algn="r" rtl="1">
+              <a:buFont typeface="Wingdings" panose="05000000000000000000" pitchFamily="2" charset="2"/>
+              <a:buChar char="§"/>
+            </a:pPr>
+            <a:r>
+              <a:rPr lang="fa-IR" dirty="0" smtClean="0"/>
+              <a:t>ارتباط با نمایندگان کاربران </a:t>
+            </a:r>
+          </a:p>
+          <a:p>
+            <a:pPr algn="r" rtl="1">
+              <a:buFont typeface="Wingdings" panose="05000000000000000000" pitchFamily="2" charset="2"/>
+              <a:buChar char="§"/>
+            </a:pPr>
+            <a:r>
+              <a:rPr lang="fa-IR" dirty="0" smtClean="0"/>
+              <a:t>قهرمان محصول </a:t>
+            </a:r>
+          </a:p>
+          <a:p>
+            <a:pPr algn="r" rtl="1">
+              <a:buFont typeface="Wingdings" panose="05000000000000000000" pitchFamily="2" charset="2"/>
+              <a:buChar char="§"/>
+            </a:pPr>
+            <a:r>
+              <a:rPr lang="fa-IR" dirty="0"/>
+              <a:t>نمایندگی کاربر در پروژه های </a:t>
+            </a:r>
+            <a:r>
+              <a:rPr lang="fa-IR" dirty="0" smtClean="0"/>
+              <a:t>چابک</a:t>
+            </a:r>
+          </a:p>
+          <a:p>
+            <a:pPr algn="r" rtl="1">
+              <a:buFont typeface="Wingdings" panose="05000000000000000000" pitchFamily="2" charset="2"/>
+              <a:buChar char="§"/>
+            </a:pPr>
+            <a:r>
+              <a:rPr lang="fa-IR" dirty="0" smtClean="0"/>
+              <a:t>حل و فصل نیازمندی‌های متضاد </a:t>
+            </a:r>
+            <a:endParaRPr lang="fa-IR" dirty="0"/>
           </a:p>
         </p:txBody>
       </p:sp>
     </p:spTree>
     <p:extLst>
       <p:ext uri="{BB962C8B-B14F-4D97-AF65-F5344CB8AC3E}">
-        <p14:creationId xmlns:p14="http://schemas.microsoft.com/office/powerpoint/2010/main" val="1737366433"/>
+        <p14:creationId xmlns:p14="http://schemas.microsoft.com/office/powerpoint/2010/main" val="3866916926"/>
       </p:ext>
     </p:extLst>
   </p:cSld>
   <p:clrMapOvr>
     <a:masterClrMapping/>
   </p:clrMapOvr>
+  <p:timing>
+    <p:tnLst>
+      <p:par>
+        <p:cTn id="1" dur="indefinite" restart="never" nodeType="tmRoot"/>
+      </p:par>
+    </p:tnLst>
+  </p:timing>
 </p:sld>
 </file>
 
@@ -4375,7 +4397,12 @@
             <p:ph type="title"/>
           </p:nvPr>
         </p:nvSpPr>
-        <p:spPr/>
+        <p:spPr>
+          <a:xfrm>
+            <a:off x="838200" y="365126"/>
+            <a:ext cx="10515600" cy="768350"/>
+          </a:xfrm>
+        </p:spPr>
         <p:txBody>
           <a:bodyPr>
             <a:normAutofit/>
@@ -4384,15 +4411,15 @@
           <a:p>
             <a:pPr algn="ctr"/>
             <a:r>
-              <a:rPr lang="fa-IR" sz="4400" u="sng" dirty="0" smtClean="0">
+              <a:rPr lang="fa-IR" sz="4000" u="sng" dirty="0" smtClean="0">
                 <a:solidFill>
                   <a:srgbClr val="C00000"/>
                 </a:solidFill>
                 <a:cs typeface="B Nazanin" panose="00000400000000000000" pitchFamily="2" charset="-78"/>
               </a:rPr>
-              <a:t>گام بعدی</a:t>
-            </a:r>
-            <a:endParaRPr lang="fa-IR" sz="4400" u="sng" dirty="0">
+              <a:t>پرسوناهای کاربری</a:t>
+            </a:r>
+            <a:endParaRPr lang="fa-IR" sz="4000" u="sng" dirty="0">
               <a:solidFill>
                 <a:srgbClr val="C00000"/>
               </a:solidFill>
@@ -4411,100 +4438,68 @@
             <p:ph idx="1"/>
           </p:nvPr>
         </p:nvSpPr>
-        <p:spPr/>
-        <p:txBody>
-          <a:bodyPr/>
-          <a:lstStyle/>
-          <a:p>
-            <a:pPr algn="r" rtl="1">
-              <a:buFont typeface="Wingdings" panose="05000000000000000000" pitchFamily="2" charset="2"/>
-              <a:buChar char="§"/>
-            </a:pPr>
-            <a:r>
-              <a:rPr lang="fa-IR" dirty="0" smtClean="0"/>
-              <a:t>کلاس های کاربری</a:t>
-            </a:r>
-          </a:p>
-          <a:p>
-            <a:pPr algn="r" rtl="1">
-              <a:buFont typeface="Wingdings" panose="05000000000000000000" pitchFamily="2" charset="2"/>
-              <a:buChar char="§"/>
-            </a:pPr>
-            <a:r>
-              <a:rPr lang="fa-IR" dirty="0" smtClean="0"/>
-              <a:t>شخصیت های کاربر</a:t>
-            </a:r>
-          </a:p>
-          <a:p>
-            <a:pPr algn="r" rtl="1">
-              <a:buFont typeface="Wingdings" panose="05000000000000000000" pitchFamily="2" charset="2"/>
-              <a:buChar char="§"/>
-            </a:pPr>
-            <a:r>
-              <a:rPr lang="fa-IR" dirty="0" smtClean="0">
-                <a:solidFill>
-                  <a:schemeClr val="accent3">
-                    <a:lumMod val="75000"/>
-                  </a:schemeClr>
-                </a:solidFill>
-              </a:rPr>
-              <a:t>ارتباط با نمایندگان کاربران </a:t>
-            </a:r>
-          </a:p>
-          <a:p>
-            <a:pPr algn="r" rtl="1">
-              <a:buFont typeface="Wingdings" panose="05000000000000000000" pitchFamily="2" charset="2"/>
-              <a:buChar char="§"/>
-            </a:pPr>
-            <a:r>
-              <a:rPr lang="fa-IR" dirty="0" smtClean="0"/>
-              <a:t>قهرمان محصول </a:t>
-            </a:r>
-          </a:p>
-          <a:p>
-            <a:pPr algn="r" rtl="1">
-              <a:buFont typeface="Wingdings" panose="05000000000000000000" pitchFamily="2" charset="2"/>
-              <a:buChar char="§"/>
-            </a:pPr>
-            <a:r>
-              <a:rPr lang="fa-IR" dirty="0"/>
-              <a:t>نمایندگی کاربر در پروژه های </a:t>
-            </a:r>
-            <a:r>
-              <a:rPr lang="fa-IR" dirty="0" smtClean="0"/>
-              <a:t>چابک</a:t>
-            </a:r>
-          </a:p>
-          <a:p>
-            <a:pPr algn="r" rtl="1">
-              <a:buFont typeface="Wingdings" panose="05000000000000000000" pitchFamily="2" charset="2"/>
-              <a:buChar char="§"/>
-            </a:pPr>
-            <a:r>
-              <a:rPr lang="fa-IR" dirty="0" smtClean="0"/>
-              <a:t>حل و فصل نیازمندی‌های متضاد </a:t>
-            </a:r>
-            <a:endParaRPr lang="fa-IR" dirty="0"/>
+        <p:spPr>
+          <a:xfrm>
+            <a:off x="838200" y="1628776"/>
+            <a:ext cx="10515600" cy="5043487"/>
+          </a:xfrm>
+        </p:spPr>
+        <p:txBody>
+          <a:bodyPr>
+            <a:normAutofit/>
+          </a:bodyPr>
+          <a:lstStyle/>
+          <a:p>
+            <a:r>
+              <a:rPr lang="fa-IR" sz="2000" dirty="0" smtClean="0"/>
+              <a:t>پرسونا شرحی از یک عضو نماینده کلاس کاربری است .</a:t>
+            </a:r>
+          </a:p>
+          <a:p>
+            <a:r>
+              <a:rPr lang="fa-IR" sz="2000" dirty="0" smtClean="0"/>
+              <a:t>پرسونا توصیفی از یک فرد فرضی و عمومی است که به عنوان جایگاهی برای گروهی از کاربران با ویژگی هاو نیازهای مشابه عمل می‌کند . </a:t>
+            </a:r>
+          </a:p>
+          <a:p>
+            <a:r>
+              <a:rPr lang="fa-IR" sz="2000" dirty="0" smtClean="0"/>
+              <a:t>زمانی که تحلیلگر کسب و کار نمانیده کلاس کاربری واقعی در اختیار نداشته باشد، به جای توقف پیشرفت پروژه ، می‌تواند به طور موقت از یک پرسونا به عنوان کاربر فرضی استفاده کند .</a:t>
+            </a:r>
+          </a:p>
+          <a:p>
+            <a:r>
+              <a:rPr lang="fa-IR" sz="2000" dirty="0" smtClean="0"/>
+              <a:t>تحلیگر کسب و کار می‌تواند از پرسونا برای تصور نماینده کلاس کاربری استفاده کند و نیازهای اولیه را از آن بدست بیاورد تا یک نماینده کاربری واقعی بدست بیاورد .  </a:t>
+            </a:r>
+          </a:p>
+          <a:p>
+            <a:pPr marL="0" indent="0">
+              <a:buNone/>
+            </a:pPr>
+            <a:endParaRPr lang="fa-IR" sz="2000" dirty="0" smtClean="0"/>
+          </a:p>
+          <a:p>
+            <a:endParaRPr lang="fa-IR" sz="2000" dirty="0"/>
+          </a:p>
+          <a:p>
+            <a:endParaRPr lang="fa-IR" sz="2000" dirty="0" smtClean="0"/>
+          </a:p>
+          <a:p>
+            <a:endParaRPr lang="fa-IR" sz="2000" dirty="0"/>
           </a:p>
         </p:txBody>
       </p:sp>
     </p:spTree>
     <p:extLst>
       <p:ext uri="{BB962C8B-B14F-4D97-AF65-F5344CB8AC3E}">
-        <p14:creationId xmlns:p14="http://schemas.microsoft.com/office/powerpoint/2010/main" val="2206089000"/>
+        <p14:creationId xmlns:p14="http://schemas.microsoft.com/office/powerpoint/2010/main" val="1737366433"/>
       </p:ext>
     </p:extLst>
   </p:cSld>
   <p:clrMapOvr>
     <a:masterClrMapping/>
   </p:clrMapOvr>
-  <p:timing>
-    <p:tnLst>
-      <p:par>
-        <p:cTn id="1" dur="indefinite" restart="never" nodeType="tmRoot"/>
-      </p:par>
-    </p:tnLst>
-  </p:timing>
 </p:sld>
 </file>
 
@@ -4535,29 +4530,24 @@
             <p:ph type="title"/>
           </p:nvPr>
         </p:nvSpPr>
-        <p:spPr>
-          <a:xfrm>
-            <a:off x="838200" y="365126"/>
-            <a:ext cx="10515600" cy="635000"/>
-          </a:xfrm>
-        </p:spPr>
+        <p:spPr/>
         <p:txBody>
           <a:bodyPr>
             <a:normAutofit/>
           </a:bodyPr>
           <a:lstStyle/>
           <a:p>
-            <a:pPr algn="ctr" rtl="1"/>
-            <a:r>
-              <a:rPr lang="fa-IR" sz="3600" u="sng" dirty="0" smtClean="0">
+            <a:pPr algn="ctr"/>
+            <a:r>
+              <a:rPr lang="fa-IR" sz="4400" u="sng" dirty="0" smtClean="0">
                 <a:solidFill>
                   <a:srgbClr val="C00000"/>
                 </a:solidFill>
                 <a:cs typeface="B Nazanin" panose="00000400000000000000" pitchFamily="2" charset="-78"/>
               </a:rPr>
-              <a:t>ارتباط با نمایندگان کاربران </a:t>
-            </a:r>
-            <a:endParaRPr lang="en-US" sz="3600" u="sng" dirty="0">
+              <a:t>گام بعدی</a:t>
+            </a:r>
+            <a:endParaRPr lang="fa-IR" sz="4400" u="sng" dirty="0">
               <a:solidFill>
                 <a:srgbClr val="C00000"/>
               </a:solidFill>
@@ -4576,280 +4566,87 @@
             <p:ph idx="1"/>
           </p:nvPr>
         </p:nvSpPr>
-        <p:spPr>
-          <a:xfrm>
-            <a:off x="677333" y="1400175"/>
-            <a:ext cx="11162241" cy="4572000"/>
-          </a:xfrm>
-        </p:spPr>
-        <p:txBody>
-          <a:bodyPr>
-            <a:normAutofit/>
-          </a:bodyPr>
-          <a:lstStyle/>
-          <a:p>
-            <a:pPr algn="just" rtl="1">
-              <a:buFont typeface="Wingdings" panose="05000000000000000000" pitchFamily="2" charset="2"/>
-              <a:buChar char="§"/>
-            </a:pPr>
-            <a:r>
-              <a:rPr lang="fa-IR" sz="2000" dirty="0" smtClean="0">
-                <a:cs typeface="B Nazanin" panose="00000400000000000000" pitchFamily="2" charset="-78"/>
-              </a:rPr>
-              <a:t>هرنوع پروژه ای به نماینده مناسبی احتیاج دارد تا صداي كاربران را به گوش برساند . </a:t>
-            </a:r>
-          </a:p>
-          <a:p>
-            <a:pPr algn="just" rtl="1">
-              <a:buFont typeface="Wingdings" panose="05000000000000000000" pitchFamily="2" charset="2"/>
-              <a:buChar char="§"/>
-            </a:pPr>
-            <a:r>
-              <a:rPr lang="fa-IR" sz="2000" dirty="0" smtClean="0">
-                <a:cs typeface="B Nazanin" panose="00000400000000000000" pitchFamily="2" charset="-78"/>
-              </a:rPr>
-              <a:t>اين پروژه ها مي‌تواند اعم از </a:t>
-            </a:r>
-            <a:r>
-              <a:rPr lang="fa-IR" sz="2000" dirty="0" smtClean="0">
-                <a:solidFill>
-                  <a:srgbClr val="C00000"/>
-                </a:solidFill>
-                <a:cs typeface="B Nazanin" panose="00000400000000000000" pitchFamily="2" charset="-78"/>
-              </a:rPr>
-              <a:t>شرکت‌های</a:t>
-            </a:r>
-            <a:r>
-              <a:rPr lang="fa-IR" sz="2000" dirty="0" smtClean="0">
-                <a:cs typeface="B Nazanin" panose="00000400000000000000" pitchFamily="2" charset="-78"/>
-              </a:rPr>
-              <a:t> </a:t>
-            </a:r>
-            <a:r>
-              <a:rPr lang="fa-IR" sz="2000" dirty="0" smtClean="0">
-                <a:solidFill>
-                  <a:srgbClr val="C00000"/>
-                </a:solidFill>
-                <a:cs typeface="B Nazanin" panose="00000400000000000000" pitchFamily="2" charset="-78"/>
-              </a:rPr>
-              <a:t>اطلاع رسانی حقوقی</a:t>
-            </a:r>
-            <a:r>
-              <a:rPr lang="fa-IR" sz="2000" dirty="0" smtClean="0">
-                <a:cs typeface="B Nazanin" panose="00000400000000000000" pitchFamily="2" charset="-78"/>
-              </a:rPr>
-              <a:t>، </a:t>
-            </a:r>
-            <a:r>
-              <a:rPr lang="fa-IR" sz="2000" dirty="0" smtClean="0">
-                <a:solidFill>
-                  <a:srgbClr val="C00000"/>
-                </a:solidFill>
-                <a:cs typeface="B Nazanin" panose="00000400000000000000" pitchFamily="2" charset="-78"/>
-              </a:rPr>
-              <a:t>نرم‌افزارهای تجاری </a:t>
-            </a:r>
-            <a:r>
-              <a:rPr lang="fa-IR" sz="2000" dirty="0" smtClean="0">
-                <a:cs typeface="B Nazanin" panose="00000400000000000000" pitchFamily="2" charset="-78"/>
-              </a:rPr>
-              <a:t>، </a:t>
-            </a:r>
-            <a:r>
-              <a:rPr lang="fa-IR" sz="2000" dirty="0" smtClean="0">
-                <a:solidFill>
-                  <a:srgbClr val="C00000"/>
-                </a:solidFill>
-                <a:cs typeface="B Nazanin" panose="00000400000000000000" pitchFamily="2" charset="-78"/>
-              </a:rPr>
-              <a:t>سیستم‌های نهفته </a:t>
-            </a:r>
-            <a:r>
-              <a:rPr lang="fa-IR" sz="2000" dirty="0" smtClean="0">
-                <a:cs typeface="B Nazanin" panose="00000400000000000000" pitchFamily="2" charset="-78"/>
-              </a:rPr>
-              <a:t>، </a:t>
-            </a:r>
-            <a:r>
-              <a:rPr lang="fa-IR" sz="2000" dirty="0" smtClean="0">
-                <a:solidFill>
-                  <a:srgbClr val="C00000"/>
-                </a:solidFill>
-                <a:cs typeface="B Nazanin" panose="00000400000000000000" pitchFamily="2" charset="-78"/>
-              </a:rPr>
-              <a:t>وب‌سایت‌ها</a:t>
-            </a:r>
-            <a:r>
-              <a:rPr lang="fa-IR" sz="2000" dirty="0" smtClean="0">
-                <a:cs typeface="B Nazanin" panose="00000400000000000000" pitchFamily="2" charset="-78"/>
-              </a:rPr>
-              <a:t> ، </a:t>
-            </a:r>
-            <a:r>
-              <a:rPr lang="fa-IR" sz="2000" dirty="0" smtClean="0">
-                <a:solidFill>
-                  <a:srgbClr val="C00000"/>
-                </a:solidFill>
-                <a:cs typeface="B Nazanin" panose="00000400000000000000" pitchFamily="2" charset="-78"/>
-              </a:rPr>
-              <a:t>نرم‌افزارهای سفارشی  </a:t>
-            </a:r>
-            <a:r>
-              <a:rPr lang="fa-IR" sz="2000" dirty="0" smtClean="0">
-                <a:solidFill>
-                  <a:schemeClr val="tx1"/>
-                </a:solidFill>
-                <a:cs typeface="B Nazanin" panose="00000400000000000000" pitchFamily="2" charset="-78"/>
-              </a:rPr>
-              <a:t>باشد.</a:t>
-            </a:r>
-          </a:p>
-          <a:p>
-            <a:pPr algn="just" rtl="1">
-              <a:buFont typeface="Wingdings" panose="05000000000000000000" pitchFamily="2" charset="2"/>
-              <a:buChar char="§"/>
-            </a:pPr>
-            <a:r>
-              <a:rPr lang="fa-IR" sz="2000" dirty="0" smtClean="0">
-                <a:solidFill>
-                  <a:schemeClr val="tx1"/>
-                </a:solidFill>
-                <a:cs typeface="B Nazanin" panose="00000400000000000000" pitchFamily="2" charset="-78"/>
-              </a:rPr>
-              <a:t>حضور اين كاربران محدود به فاز نيازمندي‌ها نيست .</a:t>
-            </a:r>
-          </a:p>
-          <a:p>
-            <a:pPr algn="just" rtl="1">
-              <a:buFont typeface="Wingdings" panose="05000000000000000000" pitchFamily="2" charset="2"/>
-              <a:buChar char="§"/>
-            </a:pPr>
-            <a:r>
-              <a:rPr lang="fa-IR" sz="2000" dirty="0" smtClean="0">
-                <a:solidFill>
-                  <a:schemeClr val="tx1"/>
-                </a:solidFill>
-                <a:cs typeface="B Nazanin" panose="00000400000000000000" pitchFamily="2" charset="-78"/>
-              </a:rPr>
-              <a:t>اين نمايندگان بايد در كل پروسه توليد نرم افزار حضور داشته باشند. </a:t>
-            </a:r>
-          </a:p>
-          <a:p>
-            <a:pPr>
-              <a:buFont typeface="Wingdings" panose="05000000000000000000" pitchFamily="2" charset="2"/>
-              <a:buChar char="§"/>
-            </a:pPr>
-            <a:r>
-              <a:rPr lang="fa-IR" sz="2000" dirty="0">
-                <a:cs typeface="B Nazanin" panose="00000400000000000000" pitchFamily="2" charset="-78"/>
-              </a:rPr>
-              <a:t>به جای اینکه خود را به جای کاربران واقعی قرار داده و نیازهای آن ها را حدث بزنید از کاربران واقعی استفاده کنید . </a:t>
-            </a:r>
-          </a:p>
-          <a:p>
-            <a:pPr>
-              <a:buFont typeface="Wingdings" panose="05000000000000000000" pitchFamily="2" charset="2"/>
-              <a:buChar char="§"/>
-            </a:pPr>
-            <a:r>
-              <a:rPr lang="fa-IR" sz="2000" dirty="0">
-                <a:cs typeface="B Nazanin" panose="00000400000000000000" pitchFamily="2" charset="-78"/>
-              </a:rPr>
-              <a:t>براي اينكار </a:t>
-            </a:r>
-            <a:r>
-              <a:rPr lang="fa-IR" sz="2000" dirty="0" smtClean="0">
-                <a:cs typeface="B Nazanin" panose="00000400000000000000" pitchFamily="2" charset="-78"/>
-              </a:rPr>
-              <a:t>مي‌شود  </a:t>
-            </a:r>
-            <a:r>
-              <a:rPr lang="fa-IR" sz="2000" dirty="0">
-                <a:cs typeface="B Nazanin" panose="00000400000000000000" pitchFamily="2" charset="-78"/>
-              </a:rPr>
-              <a:t>گروه‌های متمرکزی از کاربران فعلی </a:t>
-            </a:r>
-            <a:r>
-              <a:rPr lang="fa-IR" sz="2000" dirty="0" smtClean="0">
-                <a:cs typeface="B Nazanin" panose="00000400000000000000" pitchFamily="2" charset="-78"/>
-              </a:rPr>
-              <a:t>سازمان  </a:t>
-            </a:r>
-            <a:r>
-              <a:rPr lang="fa-IR" sz="2000" dirty="0">
-                <a:cs typeface="B Nazanin" panose="00000400000000000000" pitchFamily="2" charset="-78"/>
-              </a:rPr>
-              <a:t>یا رقبا را تشکیل داده و از آنها استفاده </a:t>
-            </a:r>
-            <a:r>
-              <a:rPr lang="fa-IR" sz="2000" dirty="0" smtClean="0">
-                <a:cs typeface="B Nazanin" panose="00000400000000000000" pitchFamily="2" charset="-78"/>
-              </a:rPr>
-              <a:t>کرد </a:t>
-            </a:r>
-            <a:r>
-              <a:rPr lang="fa-IR" sz="2000" dirty="0">
-                <a:cs typeface="B Nazanin" panose="00000400000000000000" pitchFamily="2" charset="-78"/>
-              </a:rPr>
-              <a:t>. </a:t>
-            </a:r>
-          </a:p>
-          <a:p>
-            <a:pPr>
-              <a:buFont typeface="Wingdings" panose="05000000000000000000" pitchFamily="2" charset="2"/>
-              <a:buChar char="§"/>
-            </a:pPr>
-            <a:r>
-              <a:rPr lang="fa-IR" sz="2000" dirty="0">
-                <a:cs typeface="B Nazanin" panose="00000400000000000000" pitchFamily="2" charset="-78"/>
-              </a:rPr>
-              <a:t>این کاربران را باید طیفی از کاربران با تجربه و هم چنین تازه کار تشکیل </a:t>
-            </a:r>
-            <a:r>
-              <a:rPr lang="fa-IR" sz="2000" dirty="0" smtClean="0">
-                <a:cs typeface="B Nazanin" panose="00000400000000000000" pitchFamily="2" charset="-78"/>
-              </a:rPr>
-              <a:t>دهد.</a:t>
-            </a:r>
-          </a:p>
-          <a:p>
-            <a:pPr>
-              <a:buFont typeface="Wingdings" panose="05000000000000000000" pitchFamily="2" charset="2"/>
-              <a:buChar char="§"/>
-            </a:pPr>
-            <a:r>
-              <a:rPr lang="fa-IR" sz="2000" dirty="0" smtClean="0">
-                <a:cs typeface="B Nazanin" panose="00000400000000000000" pitchFamily="2" charset="-78"/>
-              </a:rPr>
-              <a:t>اگرگروه متمرکز فقط شامل پذیرندگان اولیه یا متفکران آسمان آبی باشد ،ممکن است سازمان با بسیاری از الزامات پیچیده و از نظر فنی دشوار روبرو شود که برای مشتریان کمتر مفید است .  </a:t>
-            </a:r>
-          </a:p>
-          <a:p>
-            <a:pPr marL="0" indent="0">
-              <a:buNone/>
-            </a:pPr>
-            <a:endParaRPr lang="fa-IR" sz="2000" dirty="0" smtClean="0">
-              <a:solidFill>
-                <a:srgbClr val="C00000"/>
-              </a:solidFill>
-              <a:cs typeface="B Nazanin" panose="00000400000000000000" pitchFamily="2" charset="-78"/>
-            </a:endParaRPr>
-          </a:p>
+        <p:spPr/>
+        <p:txBody>
+          <a:bodyPr/>
+          <a:lstStyle/>
           <a:p>
             <a:pPr algn="r" rtl="1">
               <a:buFont typeface="Wingdings" panose="05000000000000000000" pitchFamily="2" charset="2"/>
               <a:buChar char="§"/>
             </a:pPr>
-            <a:endParaRPr lang="fa-IR" sz="2400" b="1" dirty="0">
-              <a:cs typeface="B Nazanin" panose="00000400000000000000" pitchFamily="2" charset="-78"/>
-            </a:endParaRPr>
+            <a:r>
+              <a:rPr lang="fa-IR" dirty="0" smtClean="0"/>
+              <a:t>کلاس های کاربری</a:t>
+            </a:r>
+          </a:p>
+          <a:p>
+            <a:pPr algn="r" rtl="1">
+              <a:buFont typeface="Wingdings" panose="05000000000000000000" pitchFamily="2" charset="2"/>
+              <a:buChar char="§"/>
+            </a:pPr>
+            <a:r>
+              <a:rPr lang="fa-IR" dirty="0" smtClean="0"/>
+              <a:t>شخصیت های کاربر</a:t>
+            </a:r>
+          </a:p>
+          <a:p>
+            <a:pPr algn="r" rtl="1">
+              <a:buFont typeface="Wingdings" panose="05000000000000000000" pitchFamily="2" charset="2"/>
+              <a:buChar char="§"/>
+            </a:pPr>
+            <a:r>
+              <a:rPr lang="fa-IR" dirty="0" smtClean="0">
+                <a:solidFill>
+                  <a:schemeClr val="accent3">
+                    <a:lumMod val="75000"/>
+                  </a:schemeClr>
+                </a:solidFill>
+              </a:rPr>
+              <a:t>ارتباط با نمایندگان کاربران </a:t>
+            </a:r>
+          </a:p>
+          <a:p>
+            <a:pPr algn="r" rtl="1">
+              <a:buFont typeface="Wingdings" panose="05000000000000000000" pitchFamily="2" charset="2"/>
+              <a:buChar char="§"/>
+            </a:pPr>
+            <a:r>
+              <a:rPr lang="fa-IR" dirty="0" smtClean="0"/>
+              <a:t>قهرمان محصول </a:t>
+            </a:r>
+          </a:p>
+          <a:p>
+            <a:pPr algn="r" rtl="1">
+              <a:buFont typeface="Wingdings" panose="05000000000000000000" pitchFamily="2" charset="2"/>
+              <a:buChar char="§"/>
+            </a:pPr>
+            <a:r>
+              <a:rPr lang="fa-IR" dirty="0"/>
+              <a:t>نمایندگی کاربر در پروژه های </a:t>
+            </a:r>
+            <a:r>
+              <a:rPr lang="fa-IR" dirty="0" smtClean="0"/>
+              <a:t>چابک</a:t>
+            </a:r>
+          </a:p>
+          <a:p>
+            <a:pPr algn="r" rtl="1">
+              <a:buFont typeface="Wingdings" panose="05000000000000000000" pitchFamily="2" charset="2"/>
+              <a:buChar char="§"/>
+            </a:pPr>
+            <a:r>
+              <a:rPr lang="fa-IR" dirty="0" smtClean="0"/>
+              <a:t>حل و فصل نیازمندی‌های متضاد </a:t>
+            </a:r>
+            <a:endParaRPr lang="fa-IR" dirty="0"/>
           </a:p>
         </p:txBody>
       </p:sp>
     </p:spTree>
     <p:extLst>
       <p:ext uri="{BB962C8B-B14F-4D97-AF65-F5344CB8AC3E}">
-        <p14:creationId xmlns:p14="http://schemas.microsoft.com/office/powerpoint/2010/main" val="1394043056"/>
+        <p14:creationId xmlns:p14="http://schemas.microsoft.com/office/powerpoint/2010/main" val="2206089000"/>
       </p:ext>
     </p:extLst>
   </p:cSld>
@@ -4896,7 +4693,7 @@
         <p:spPr>
           <a:xfrm>
             <a:off x="838200" y="365126"/>
-            <a:ext cx="10515600" cy="768350"/>
+            <a:ext cx="10515600" cy="635000"/>
           </a:xfrm>
         </p:spPr>
         <p:txBody>
@@ -4913,7 +4710,7 @@
                 </a:solidFill>
                 <a:cs typeface="B Nazanin" panose="00000400000000000000" pitchFamily="2" charset="-78"/>
               </a:rPr>
-              <a:t>ارتباط با نمايندگان كاربران (ادامه )</a:t>
+              <a:t>ارتباط با نمایندگان کاربران </a:t>
             </a:r>
             <a:endParaRPr lang="en-US" sz="3600" u="sng" dirty="0">
               <a:solidFill>
@@ -4936,8 +4733,8 @@
         </p:nvSpPr>
         <p:spPr>
           <a:xfrm>
-            <a:off x="838200" y="1276350"/>
-            <a:ext cx="10515600" cy="4900613"/>
+            <a:off x="677333" y="1400175"/>
+            <a:ext cx="11162241" cy="4572000"/>
           </a:xfrm>
         </p:spPr>
         <p:txBody>
@@ -4946,71 +4743,268 @@
           </a:bodyPr>
           <a:lstStyle/>
           <a:p>
+            <a:pPr algn="just" rtl="1">
+              <a:buFont typeface="Wingdings" panose="05000000000000000000" pitchFamily="2" charset="2"/>
+              <a:buChar char="§"/>
+            </a:pPr>
+            <a:r>
+              <a:rPr lang="fa-IR" sz="2000" dirty="0" smtClean="0">
+                <a:cs typeface="B Nazanin" panose="00000400000000000000" pitchFamily="2" charset="-78"/>
+              </a:rPr>
+              <a:t>هرنوع پروژه ای به نماینده مناسبی احتیاج دارد تا صداي كاربران را به گوش برساند . </a:t>
+            </a:r>
+          </a:p>
+          <a:p>
+            <a:pPr algn="just" rtl="1">
+              <a:buFont typeface="Wingdings" panose="05000000000000000000" pitchFamily="2" charset="2"/>
+              <a:buChar char="§"/>
+            </a:pPr>
+            <a:r>
+              <a:rPr lang="fa-IR" sz="2000" dirty="0" smtClean="0">
+                <a:cs typeface="B Nazanin" panose="00000400000000000000" pitchFamily="2" charset="-78"/>
+              </a:rPr>
+              <a:t>اين پروژه ها مي‌تواند اعم از </a:t>
+            </a:r>
+            <a:r>
+              <a:rPr lang="fa-IR" sz="2000" dirty="0" smtClean="0">
+                <a:solidFill>
+                  <a:srgbClr val="C00000"/>
+                </a:solidFill>
+                <a:cs typeface="B Nazanin" panose="00000400000000000000" pitchFamily="2" charset="-78"/>
+              </a:rPr>
+              <a:t>شرکت‌های</a:t>
+            </a:r>
+            <a:r>
+              <a:rPr lang="fa-IR" sz="2000" dirty="0" smtClean="0">
+                <a:cs typeface="B Nazanin" panose="00000400000000000000" pitchFamily="2" charset="-78"/>
+              </a:rPr>
+              <a:t> </a:t>
+            </a:r>
+            <a:r>
+              <a:rPr lang="fa-IR" sz="2000" dirty="0" smtClean="0">
+                <a:solidFill>
+                  <a:srgbClr val="C00000"/>
+                </a:solidFill>
+                <a:cs typeface="B Nazanin" panose="00000400000000000000" pitchFamily="2" charset="-78"/>
+              </a:rPr>
+              <a:t>اطلاع رسانی حقوقی</a:t>
+            </a:r>
+            <a:r>
+              <a:rPr lang="fa-IR" sz="2000" dirty="0" smtClean="0">
+                <a:cs typeface="B Nazanin" panose="00000400000000000000" pitchFamily="2" charset="-78"/>
+              </a:rPr>
+              <a:t>، </a:t>
+            </a:r>
+            <a:r>
+              <a:rPr lang="fa-IR" sz="2000" dirty="0" smtClean="0">
+                <a:solidFill>
+                  <a:srgbClr val="C00000"/>
+                </a:solidFill>
+                <a:cs typeface="B Nazanin" panose="00000400000000000000" pitchFamily="2" charset="-78"/>
+              </a:rPr>
+              <a:t>نرم‌افزارهای تجاری </a:t>
+            </a:r>
+            <a:r>
+              <a:rPr lang="fa-IR" sz="2000" dirty="0" smtClean="0">
+                <a:cs typeface="B Nazanin" panose="00000400000000000000" pitchFamily="2" charset="-78"/>
+              </a:rPr>
+              <a:t>، </a:t>
+            </a:r>
+            <a:r>
+              <a:rPr lang="fa-IR" sz="2000" dirty="0" smtClean="0">
+                <a:solidFill>
+                  <a:srgbClr val="C00000"/>
+                </a:solidFill>
+                <a:cs typeface="B Nazanin" panose="00000400000000000000" pitchFamily="2" charset="-78"/>
+              </a:rPr>
+              <a:t>سیستم‌های نهفته </a:t>
+            </a:r>
+            <a:r>
+              <a:rPr lang="fa-IR" sz="2000" dirty="0" smtClean="0">
+                <a:cs typeface="B Nazanin" panose="00000400000000000000" pitchFamily="2" charset="-78"/>
+              </a:rPr>
+              <a:t>، </a:t>
+            </a:r>
+            <a:r>
+              <a:rPr lang="fa-IR" sz="2000" dirty="0" smtClean="0">
+                <a:solidFill>
+                  <a:srgbClr val="C00000"/>
+                </a:solidFill>
+                <a:cs typeface="B Nazanin" panose="00000400000000000000" pitchFamily="2" charset="-78"/>
+              </a:rPr>
+              <a:t>وب‌سایت‌ها</a:t>
+            </a:r>
+            <a:r>
+              <a:rPr lang="fa-IR" sz="2000" dirty="0" smtClean="0">
+                <a:cs typeface="B Nazanin" panose="00000400000000000000" pitchFamily="2" charset="-78"/>
+              </a:rPr>
+              <a:t> ، </a:t>
+            </a:r>
+            <a:r>
+              <a:rPr lang="fa-IR" sz="2000" dirty="0" smtClean="0">
+                <a:solidFill>
+                  <a:srgbClr val="C00000"/>
+                </a:solidFill>
+                <a:cs typeface="B Nazanin" panose="00000400000000000000" pitchFamily="2" charset="-78"/>
+              </a:rPr>
+              <a:t>نرم‌افزارهای سفارشی  </a:t>
+            </a:r>
+            <a:r>
+              <a:rPr lang="fa-IR" sz="2000" dirty="0" smtClean="0">
+                <a:solidFill>
+                  <a:schemeClr val="tx1"/>
+                </a:solidFill>
+                <a:cs typeface="B Nazanin" panose="00000400000000000000" pitchFamily="2" charset="-78"/>
+              </a:rPr>
+              <a:t>باشد.</a:t>
+            </a:r>
+          </a:p>
+          <a:p>
+            <a:pPr algn="just" rtl="1">
+              <a:buFont typeface="Wingdings" panose="05000000000000000000" pitchFamily="2" charset="2"/>
+              <a:buChar char="§"/>
+            </a:pPr>
+            <a:r>
+              <a:rPr lang="fa-IR" sz="2000" dirty="0" smtClean="0">
+                <a:solidFill>
+                  <a:schemeClr val="tx1"/>
+                </a:solidFill>
+                <a:cs typeface="B Nazanin" panose="00000400000000000000" pitchFamily="2" charset="-78"/>
+              </a:rPr>
+              <a:t>حضور اين كاربران محدود به فاز نيازمندي‌ها نيست .</a:t>
+            </a:r>
+          </a:p>
+          <a:p>
+            <a:pPr algn="just" rtl="1">
+              <a:buFont typeface="Wingdings" panose="05000000000000000000" pitchFamily="2" charset="2"/>
+              <a:buChar char="§"/>
+            </a:pPr>
+            <a:r>
+              <a:rPr lang="fa-IR" sz="2000" dirty="0" smtClean="0">
+                <a:solidFill>
+                  <a:schemeClr val="tx1"/>
+                </a:solidFill>
+                <a:cs typeface="B Nazanin" panose="00000400000000000000" pitchFamily="2" charset="-78"/>
+              </a:rPr>
+              <a:t>اين نمايندگان بايد در كل پروسه توليد نرم افزار حضور داشته باشند. </a:t>
+            </a:r>
+          </a:p>
+          <a:p>
+            <a:pPr>
+              <a:buFont typeface="Wingdings" panose="05000000000000000000" pitchFamily="2" charset="2"/>
+              <a:buChar char="§"/>
+            </a:pPr>
+            <a:r>
+              <a:rPr lang="fa-IR" sz="2000" dirty="0">
+                <a:cs typeface="B Nazanin" panose="00000400000000000000" pitchFamily="2" charset="-78"/>
+              </a:rPr>
+              <a:t>به جای اینکه خود را به جای کاربران واقعی قرار داده و نیازهای آن ها را حدث بزنید از کاربران واقعی استفاده کنید . </a:t>
+            </a:r>
+          </a:p>
+          <a:p>
+            <a:pPr>
+              <a:buFont typeface="Wingdings" panose="05000000000000000000" pitchFamily="2" charset="2"/>
+              <a:buChar char="§"/>
+            </a:pPr>
+            <a:r>
+              <a:rPr lang="fa-IR" sz="2000" dirty="0">
+                <a:cs typeface="B Nazanin" panose="00000400000000000000" pitchFamily="2" charset="-78"/>
+              </a:rPr>
+              <a:t>براي اينكار </a:t>
+            </a:r>
+            <a:r>
+              <a:rPr lang="fa-IR" sz="2000" dirty="0" smtClean="0">
+                <a:cs typeface="B Nazanin" panose="00000400000000000000" pitchFamily="2" charset="-78"/>
+              </a:rPr>
+              <a:t>مي‌شود  </a:t>
+            </a:r>
+            <a:r>
+              <a:rPr lang="fa-IR" sz="2000" dirty="0">
+                <a:cs typeface="B Nazanin" panose="00000400000000000000" pitchFamily="2" charset="-78"/>
+              </a:rPr>
+              <a:t>گروه‌های متمرکزی از کاربران فعلی </a:t>
+            </a:r>
+            <a:r>
+              <a:rPr lang="fa-IR" sz="2000" dirty="0" smtClean="0">
+                <a:cs typeface="B Nazanin" panose="00000400000000000000" pitchFamily="2" charset="-78"/>
+              </a:rPr>
+              <a:t>سازمان  </a:t>
+            </a:r>
+            <a:r>
+              <a:rPr lang="fa-IR" sz="2000" dirty="0">
+                <a:cs typeface="B Nazanin" panose="00000400000000000000" pitchFamily="2" charset="-78"/>
+              </a:rPr>
+              <a:t>یا رقبا را تشکیل داده و از آنها استفاده </a:t>
+            </a:r>
+            <a:r>
+              <a:rPr lang="fa-IR" sz="2000" dirty="0" smtClean="0">
+                <a:cs typeface="B Nazanin" panose="00000400000000000000" pitchFamily="2" charset="-78"/>
+              </a:rPr>
+              <a:t>کرد </a:t>
+            </a:r>
+            <a:r>
+              <a:rPr lang="fa-IR" sz="2000" dirty="0">
+                <a:cs typeface="B Nazanin" panose="00000400000000000000" pitchFamily="2" charset="-78"/>
+              </a:rPr>
+              <a:t>. </a:t>
+            </a:r>
+          </a:p>
+          <a:p>
+            <a:pPr>
+              <a:buFont typeface="Wingdings" panose="05000000000000000000" pitchFamily="2" charset="2"/>
+              <a:buChar char="§"/>
+            </a:pPr>
+            <a:r>
+              <a:rPr lang="fa-IR" sz="2000" dirty="0">
+                <a:cs typeface="B Nazanin" panose="00000400000000000000" pitchFamily="2" charset="-78"/>
+              </a:rPr>
+              <a:t>این کاربران را باید طیفی از کاربران با تجربه و هم چنین تازه کار تشکیل </a:t>
+            </a:r>
+            <a:r>
+              <a:rPr lang="fa-IR" sz="2000" dirty="0" smtClean="0">
+                <a:cs typeface="B Nazanin" panose="00000400000000000000" pitchFamily="2" charset="-78"/>
+              </a:rPr>
+              <a:t>دهد.</a:t>
+            </a:r>
+          </a:p>
+          <a:p>
+            <a:pPr>
+              <a:buFont typeface="Wingdings" panose="05000000000000000000" pitchFamily="2" charset="2"/>
+              <a:buChar char="§"/>
+            </a:pPr>
+            <a:r>
+              <a:rPr lang="fa-IR" sz="2000" dirty="0" smtClean="0">
+                <a:cs typeface="B Nazanin" panose="00000400000000000000" pitchFamily="2" charset="-78"/>
+              </a:rPr>
+              <a:t>اگرگروه متمرکز فقط شامل پذیرندگان اولیه یا متفکران آسمان آبی باشد ،ممکن است سازمان با بسیاری از الزامات پیچیده و از نظر فنی دشوار روبرو شود که برای مشتریان کمتر مفید است .  </a:t>
+            </a:r>
+          </a:p>
+          <a:p>
+            <a:pPr marL="0" indent="0">
+              <a:buNone/>
+            </a:pPr>
+            <a:endParaRPr lang="fa-IR" sz="2000" dirty="0" smtClean="0">
+              <a:solidFill>
+                <a:srgbClr val="C00000"/>
+              </a:solidFill>
+              <a:cs typeface="B Nazanin" panose="00000400000000000000" pitchFamily="2" charset="-78"/>
+            </a:endParaRPr>
+          </a:p>
+          <a:p>
             <a:pPr algn="r" rtl="1">
               <a:buFont typeface="Wingdings" panose="05000000000000000000" pitchFamily="2" charset="2"/>
               <a:buChar char="§"/>
             </a:pPr>
-            <a:endParaRPr lang="fa-IR" sz="2400" dirty="0" smtClean="0">
+            <a:endParaRPr lang="fa-IR" sz="2400" b="1" dirty="0">
               <a:cs typeface="B Nazanin" panose="00000400000000000000" pitchFamily="2" charset="-78"/>
             </a:endParaRPr>
           </a:p>
-          <a:p>
-            <a:pPr algn="r" rtl="1">
-              <a:buFont typeface="Wingdings" panose="05000000000000000000" pitchFamily="2" charset="2"/>
-              <a:buChar char="§"/>
-            </a:pPr>
-            <a:endParaRPr lang="fa-IR" sz="2400" dirty="0" smtClean="0">
-              <a:cs typeface="B Nazanin" panose="00000400000000000000" pitchFamily="2" charset="-78"/>
-            </a:endParaRPr>
-          </a:p>
-          <a:p>
-            <a:pPr algn="r" rtl="1">
-              <a:buFont typeface="Wingdings" panose="05000000000000000000" pitchFamily="2" charset="2"/>
-              <a:buChar char="§"/>
-            </a:pPr>
-            <a:endParaRPr lang="fa-IR" sz="2400" dirty="0" smtClean="0">
-              <a:cs typeface="B Nazanin" panose="00000400000000000000" pitchFamily="2" charset="-78"/>
-            </a:endParaRPr>
-          </a:p>
-          <a:p>
-            <a:pPr algn="r" rtl="1">
-              <a:buFont typeface="Wingdings" panose="05000000000000000000" pitchFamily="2" charset="2"/>
-              <a:buChar char="§"/>
-            </a:pPr>
-            <a:endParaRPr lang="en-US" sz="2400" dirty="0">
-              <a:cs typeface="B Nazanin" panose="00000400000000000000" pitchFamily="2" charset="-78"/>
-            </a:endParaRPr>
-          </a:p>
-        </p:txBody>
-      </p:sp>
-      <p:pic>
-        <p:nvPicPr>
-          <p:cNvPr id="4" name="Picture 3"/>
-          <p:cNvPicPr>
-            <a:picLocks noChangeAspect="1"/>
-          </p:cNvPicPr>
-          <p:nvPr/>
-        </p:nvPicPr>
-        <p:blipFill>
-          <a:blip r:embed="rId2"/>
-          <a:stretch>
-            <a:fillRect/>
-          </a:stretch>
-        </p:blipFill>
-        <p:spPr>
-          <a:xfrm>
-            <a:off x="1295400" y="1316553"/>
-            <a:ext cx="9705975" cy="5003284"/>
-          </a:xfrm>
-          <a:prstGeom prst="rect">
-            <a:avLst/>
-          </a:prstGeom>
-        </p:spPr>
-      </p:pic>
+        </p:txBody>
+      </p:sp>
     </p:spTree>
     <p:extLst>
       <p:ext uri="{BB962C8B-B14F-4D97-AF65-F5344CB8AC3E}">
-        <p14:creationId xmlns:p14="http://schemas.microsoft.com/office/powerpoint/2010/main" val="273974870"/>
+        <p14:creationId xmlns:p14="http://schemas.microsoft.com/office/powerpoint/2010/main" val="1394043056"/>
       </p:ext>
     </p:extLst>
   </p:cSld>
@@ -5054,24 +5048,29 @@
             <p:ph type="title"/>
           </p:nvPr>
         </p:nvSpPr>
-        <p:spPr/>
+        <p:spPr>
+          <a:xfrm>
+            <a:off x="838200" y="365126"/>
+            <a:ext cx="10515600" cy="768350"/>
+          </a:xfrm>
+        </p:spPr>
         <p:txBody>
           <a:bodyPr>
             <a:normAutofit/>
           </a:bodyPr>
           <a:lstStyle/>
           <a:p>
-            <a:pPr algn="ctr"/>
-            <a:r>
-              <a:rPr lang="fa-IR" sz="4400" u="sng" dirty="0" smtClean="0">
+            <a:pPr algn="ctr" rtl="1"/>
+            <a:r>
+              <a:rPr lang="fa-IR" sz="3600" u="sng" dirty="0" smtClean="0">
                 <a:solidFill>
                   <a:srgbClr val="C00000"/>
                 </a:solidFill>
                 <a:cs typeface="B Nazanin" panose="00000400000000000000" pitchFamily="2" charset="-78"/>
               </a:rPr>
-              <a:t>گام بعدی</a:t>
-            </a:r>
-            <a:endParaRPr lang="fa-IR" sz="4400" u="sng" dirty="0">
+              <a:t>ارتباط با نمايندگان كاربران (ادامه )</a:t>
+            </a:r>
+            <a:endParaRPr lang="en-US" sz="3600" u="sng" dirty="0">
               <a:solidFill>
                 <a:srgbClr val="C00000"/>
               </a:solidFill>
@@ -5090,87 +5089,83 @@
             <p:ph idx="1"/>
           </p:nvPr>
         </p:nvSpPr>
-        <p:spPr/>
-        <p:txBody>
-          <a:bodyPr/>
+        <p:spPr>
+          <a:xfrm>
+            <a:off x="838200" y="1276350"/>
+            <a:ext cx="10515600" cy="4900613"/>
+          </a:xfrm>
+        </p:spPr>
+        <p:txBody>
+          <a:bodyPr>
+            <a:normAutofit/>
+          </a:bodyPr>
           <a:lstStyle/>
           <a:p>
             <a:pPr algn="r" rtl="1">
               <a:buFont typeface="Wingdings" panose="05000000000000000000" pitchFamily="2" charset="2"/>
               <a:buChar char="§"/>
             </a:pPr>
-            <a:r>
-              <a:rPr lang="fa-IR" dirty="0" smtClean="0"/>
-              <a:t>کلاس های کاربری</a:t>
-            </a:r>
+            <a:endParaRPr lang="fa-IR" sz="2400" dirty="0" smtClean="0">
+              <a:cs typeface="B Nazanin" panose="00000400000000000000" pitchFamily="2" charset="-78"/>
+            </a:endParaRPr>
           </a:p>
           <a:p>
             <a:pPr algn="r" rtl="1">
               <a:buFont typeface="Wingdings" panose="05000000000000000000" pitchFamily="2" charset="2"/>
               <a:buChar char="§"/>
             </a:pPr>
-            <a:r>
-              <a:rPr lang="fa-IR" dirty="0" smtClean="0"/>
-              <a:t>شخصیت های کاربر</a:t>
-            </a:r>
+            <a:endParaRPr lang="fa-IR" sz="2400" dirty="0" smtClean="0">
+              <a:cs typeface="B Nazanin" panose="00000400000000000000" pitchFamily="2" charset="-78"/>
+            </a:endParaRPr>
           </a:p>
           <a:p>
             <a:pPr algn="r" rtl="1">
               <a:buFont typeface="Wingdings" panose="05000000000000000000" pitchFamily="2" charset="2"/>
               <a:buChar char="§"/>
             </a:pPr>
-            <a:r>
-              <a:rPr lang="fa-IR" dirty="0" smtClean="0"/>
-              <a:t>ارتباط با نمایندگان کاربران </a:t>
-            </a:r>
+            <a:endParaRPr lang="fa-IR" sz="2400" dirty="0" smtClean="0">
+              <a:cs typeface="B Nazanin" panose="00000400000000000000" pitchFamily="2" charset="-78"/>
+            </a:endParaRPr>
           </a:p>
           <a:p>
             <a:pPr algn="r" rtl="1">
               <a:buFont typeface="Wingdings" panose="05000000000000000000" pitchFamily="2" charset="2"/>
               <a:buChar char="§"/>
             </a:pPr>
-            <a:r>
-              <a:rPr lang="fa-IR" dirty="0" smtClean="0">
-                <a:solidFill>
-                  <a:schemeClr val="accent3">
-                    <a:lumMod val="75000"/>
-                  </a:schemeClr>
-                </a:solidFill>
-              </a:rPr>
-              <a:t>قهرمان محصول </a:t>
-            </a:r>
-          </a:p>
-          <a:p>
-            <a:pPr algn="r" rtl="1">
-              <a:buFont typeface="Wingdings" panose="05000000000000000000" pitchFamily="2" charset="2"/>
-              <a:buChar char="§"/>
-            </a:pPr>
-            <a:r>
-              <a:rPr lang="fa-IR" dirty="0"/>
-              <a:t>نمایندگی کاربر در پروژه های </a:t>
-            </a:r>
-            <a:r>
-              <a:rPr lang="fa-IR" dirty="0" smtClean="0"/>
-              <a:t>چابک</a:t>
-            </a:r>
-          </a:p>
-          <a:p>
-            <a:pPr algn="r" rtl="1">
-              <a:buFont typeface="Wingdings" panose="05000000000000000000" pitchFamily="2" charset="2"/>
-              <a:buChar char="§"/>
-            </a:pPr>
-            <a:r>
-              <a:rPr lang="fa-IR" dirty="0" smtClean="0"/>
-              <a:t>حل و فصل نیازمندی‌های متضاد </a:t>
-            </a:r>
-            <a:endParaRPr lang="fa-IR" dirty="0"/>
-          </a:p>
-        </p:txBody>
-      </p:sp>
+            <a:endParaRPr lang="en-US" sz="2400" dirty="0">
+              <a:cs typeface="B Nazanin" panose="00000400000000000000" pitchFamily="2" charset="-78"/>
+            </a:endParaRPr>
+          </a:p>
+        </p:txBody>
+      </p:sp>
+      <p:pic>
+        <p:nvPicPr>
+          <p:cNvPr id="4" name="Picture 3"/>
+          <p:cNvPicPr>
+            <a:picLocks noChangeAspect="1"/>
+          </p:cNvPicPr>
+          <p:nvPr/>
+        </p:nvPicPr>
+        <p:blipFill>
+          <a:blip r:embed="rId2"/>
+          <a:stretch>
+            <a:fillRect/>
+          </a:stretch>
+        </p:blipFill>
+        <p:spPr>
+          <a:xfrm>
+            <a:off x="1295400" y="1316553"/>
+            <a:ext cx="9705975" cy="5003284"/>
+          </a:xfrm>
+          <a:prstGeom prst="rect">
+            <a:avLst/>
+          </a:prstGeom>
+        </p:spPr>
+      </p:pic>
     </p:spTree>
     <p:extLst>
       <p:ext uri="{BB962C8B-B14F-4D97-AF65-F5344CB8AC3E}">
-        <p14:creationId xmlns:p14="http://schemas.microsoft.com/office/powerpoint/2010/main" val="937462786"/>
+        <p14:creationId xmlns:p14="http://schemas.microsoft.com/office/powerpoint/2010/main" val="273974870"/>
       </p:ext>
     </p:extLst>
   </p:cSld>
@@ -5214,29 +5209,24 @@
             <p:ph type="title"/>
           </p:nvPr>
         </p:nvSpPr>
-        <p:spPr>
-          <a:xfrm>
-            <a:off x="648229" y="352425"/>
-            <a:ext cx="10895541" cy="657225"/>
-          </a:xfrm>
-        </p:spPr>
+        <p:spPr/>
         <p:txBody>
           <a:bodyPr>
             <a:normAutofit/>
           </a:bodyPr>
           <a:lstStyle/>
           <a:p>
-            <a:pPr algn="ctr" rtl="1"/>
-            <a:r>
-              <a:rPr lang="fa-IR" sz="3600" u="sng" dirty="0" smtClean="0">
+            <a:pPr algn="ctr"/>
+            <a:r>
+              <a:rPr lang="fa-IR" sz="4400" u="sng" dirty="0" smtClean="0">
                 <a:solidFill>
                   <a:srgbClr val="C00000"/>
                 </a:solidFill>
                 <a:cs typeface="B Nazanin" panose="00000400000000000000" pitchFamily="2" charset="-78"/>
               </a:rPr>
-              <a:t>قهرمان محصول</a:t>
-            </a:r>
-            <a:endParaRPr lang="en-US" sz="3600" u="sng" dirty="0">
+              <a:t>گام بعدی</a:t>
+            </a:r>
+            <a:endParaRPr lang="fa-IR" sz="4400" u="sng" dirty="0">
               <a:solidFill>
                 <a:srgbClr val="C00000"/>
               </a:solidFill>
@@ -5255,85 +5245,87 @@
             <p:ph idx="1"/>
           </p:nvPr>
         </p:nvSpPr>
-        <p:spPr>
-          <a:xfrm>
-            <a:off x="838200" y="1247775"/>
-            <a:ext cx="10515600" cy="4929188"/>
-          </a:xfrm>
-        </p:spPr>
-        <p:txBody>
-          <a:bodyPr>
-            <a:normAutofit/>
-          </a:bodyPr>
-          <a:lstStyle/>
-          <a:p>
-            <a:pPr algn="r" rtl="1"/>
-            <a:r>
-              <a:rPr lang="fa-IR" sz="2000" dirty="0" smtClean="0">
-                <a:cs typeface="B Nazanin" panose="00000400000000000000" pitchFamily="2" charset="-78"/>
-              </a:rPr>
-              <a:t>قهرمان محصول به عنوان رابط اصلی بین کاربران یک کلاس کاربری و تحلیگر کسب و کار عمل میکند .</a:t>
-            </a:r>
-          </a:p>
-          <a:p>
-            <a:r>
-              <a:rPr lang="fa-IR" sz="2000" dirty="0" smtClean="0">
-                <a:cs typeface="B Nazanin" panose="00000400000000000000" pitchFamily="2" charset="-78"/>
-              </a:rPr>
-              <a:t>در حالت ایده آل قهرمان محصول یک کاربر واقعی است </a:t>
-            </a:r>
-            <a:r>
-              <a:rPr lang="fa-IR" sz="2000" dirty="0">
-                <a:cs typeface="B Nazanin" panose="00000400000000000000" pitchFamily="2" charset="-78"/>
-              </a:rPr>
-              <a:t>،</a:t>
-            </a:r>
-            <a:r>
-              <a:rPr lang="fa-IR" sz="2000" dirty="0" smtClean="0">
-                <a:cs typeface="B Nazanin" panose="00000400000000000000" pitchFamily="2" charset="-78"/>
-              </a:rPr>
-              <a:t> </a:t>
-            </a:r>
-            <a:r>
-              <a:rPr lang="fa-IR" sz="2000" dirty="0">
-                <a:cs typeface="B Nazanin" panose="00000400000000000000" pitchFamily="2" charset="-78"/>
-              </a:rPr>
-              <a:t>نه جانشیانی مانند حامیان مالی،کارکنان بازاریابی، مدیریت کاربران یا توسعه دهندگان نرم‌افزاری</a:t>
-            </a:r>
-            <a:r>
-              <a:rPr lang="fa-IR" sz="2000" dirty="0" smtClean="0">
-                <a:cs typeface="B Nazanin" panose="00000400000000000000" pitchFamily="2" charset="-78"/>
-              </a:rPr>
-              <a:t> که خود را به جای کاربران واقعی جای زده اند . </a:t>
-            </a:r>
-          </a:p>
-          <a:p>
-            <a:pPr algn="r" rtl="1"/>
-            <a:r>
-              <a:rPr lang="fa-IR" sz="2000" dirty="0" smtClean="0">
-                <a:cs typeface="B Nazanin" panose="00000400000000000000" pitchFamily="2" charset="-78"/>
-              </a:rPr>
-              <a:t>قهرمان محصول نیازمندی ها را از کاربران کلاس کاربری که نماینده آن هاست استخراج میکند .</a:t>
-            </a:r>
-          </a:p>
-          <a:p>
-            <a:pPr algn="r" rtl="1"/>
-            <a:r>
-              <a:rPr lang="fa-IR" sz="2000" dirty="0" smtClean="0">
-                <a:cs typeface="B Nazanin" panose="00000400000000000000" pitchFamily="2" charset="-78"/>
-              </a:rPr>
-              <a:t>قهرمان محصول تضادهای بین نیازمندیها را بر طرف می ‌کند و به تحلیلگر کسب و کار ارائه میدهد .</a:t>
-            </a:r>
-            <a:endParaRPr lang="en-US" sz="2000" dirty="0">
-              <a:cs typeface="B Nazanin" panose="00000400000000000000" pitchFamily="2" charset="-78"/>
-            </a:endParaRPr>
+        <p:spPr/>
+        <p:txBody>
+          <a:bodyPr/>
+          <a:lstStyle/>
+          <a:p>
+            <a:pPr algn="r" rtl="1">
+              <a:buFont typeface="Wingdings" panose="05000000000000000000" pitchFamily="2" charset="2"/>
+              <a:buChar char="§"/>
+            </a:pPr>
+            <a:r>
+              <a:rPr lang="fa-IR" dirty="0" smtClean="0"/>
+              <a:t>کلاس های کاربری</a:t>
+            </a:r>
+          </a:p>
+          <a:p>
+            <a:pPr algn="r" rtl="1">
+              <a:buFont typeface="Wingdings" panose="05000000000000000000" pitchFamily="2" charset="2"/>
+              <a:buChar char="§"/>
+            </a:pPr>
+            <a:r>
+              <a:rPr lang="fa-IR" dirty="0" smtClean="0"/>
+              <a:t>شخصیت های کاربر</a:t>
+            </a:r>
+          </a:p>
+          <a:p>
+            <a:pPr algn="r" rtl="1">
+              <a:buFont typeface="Wingdings" panose="05000000000000000000" pitchFamily="2" charset="2"/>
+              <a:buChar char="§"/>
+            </a:pPr>
+            <a:r>
+              <a:rPr lang="fa-IR" dirty="0" smtClean="0"/>
+              <a:t>ارتباط با نمایندگان کاربران </a:t>
+            </a:r>
+          </a:p>
+          <a:p>
+            <a:pPr algn="r" rtl="1">
+              <a:buFont typeface="Wingdings" panose="05000000000000000000" pitchFamily="2" charset="2"/>
+              <a:buChar char="§"/>
+            </a:pPr>
+            <a:r>
+              <a:rPr lang="fa-IR" dirty="0" smtClean="0">
+                <a:solidFill>
+                  <a:schemeClr val="accent3">
+                    <a:lumMod val="75000"/>
+                  </a:schemeClr>
+                </a:solidFill>
+              </a:rPr>
+              <a:t>قهرمان محصول </a:t>
+            </a:r>
+          </a:p>
+          <a:p>
+            <a:pPr algn="r" rtl="1">
+              <a:buFont typeface="Wingdings" panose="05000000000000000000" pitchFamily="2" charset="2"/>
+              <a:buChar char="§"/>
+            </a:pPr>
+            <a:r>
+              <a:rPr lang="fa-IR" dirty="0"/>
+              <a:t>نمایندگی کاربر در پروژه های </a:t>
+            </a:r>
+            <a:r>
+              <a:rPr lang="fa-IR" dirty="0" smtClean="0"/>
+              <a:t>چابک</a:t>
+            </a:r>
+          </a:p>
+          <a:p>
+            <a:pPr algn="r" rtl="1">
+              <a:buFont typeface="Wingdings" panose="05000000000000000000" pitchFamily="2" charset="2"/>
+              <a:buChar char="§"/>
+            </a:pPr>
+            <a:r>
+              <a:rPr lang="fa-IR" dirty="0" smtClean="0"/>
+              <a:t>حل و فصل نیازمندی‌های متضاد </a:t>
+            </a:r>
+            <a:endParaRPr lang="fa-IR" dirty="0"/>
           </a:p>
         </p:txBody>
       </p:sp>
     </p:spTree>
     <p:extLst>
       <p:ext uri="{BB962C8B-B14F-4D97-AF65-F5344CB8AC3E}">
-        <p14:creationId xmlns:p14="http://schemas.microsoft.com/office/powerpoint/2010/main" val="4180595628"/>
+        <p14:creationId xmlns:p14="http://schemas.microsoft.com/office/powerpoint/2010/main" val="937462786"/>
       </p:ext>
     </p:extLst>
   </p:cSld>
@@ -5379,25 +5371,27 @@
         </p:nvSpPr>
         <p:spPr>
           <a:xfrm>
-            <a:off x="677333" y="647700"/>
-            <a:ext cx="10857441" cy="762000"/>
-          </a:xfrm>
-        </p:spPr>
-        <p:txBody>
-          <a:bodyPr/>
+            <a:off x="648229" y="352425"/>
+            <a:ext cx="10895541" cy="657225"/>
+          </a:xfrm>
+        </p:spPr>
+        <p:txBody>
+          <a:bodyPr>
+            <a:normAutofit/>
+          </a:bodyPr>
           <a:lstStyle/>
           <a:p>
             <a:pPr algn="ctr" rtl="1"/>
             <a:r>
-              <a:rPr lang="fa-IR" u="sng" dirty="0" smtClean="0">
+              <a:rPr lang="fa-IR" sz="3600" u="sng" dirty="0" smtClean="0">
                 <a:solidFill>
                   <a:srgbClr val="C00000"/>
                 </a:solidFill>
                 <a:cs typeface="B Nazanin" panose="00000400000000000000" pitchFamily="2" charset="-78"/>
               </a:rPr>
-              <a:t>قهرمان محصول(ادامه )</a:t>
-            </a:r>
-            <a:endParaRPr lang="en-US" u="sng" dirty="0">
+              <a:t>قهرمان محصول</a:t>
+            </a:r>
+            <a:endParaRPr lang="en-US" sz="3600" u="sng" dirty="0">
               <a:solidFill>
                 <a:srgbClr val="C00000"/>
               </a:solidFill>
@@ -5416,114 +5410,126 @@
             <p:ph idx="1"/>
           </p:nvPr>
         </p:nvSpPr>
-        <p:spPr/>
-        <p:txBody>
-          <a:bodyPr/>
-          <a:lstStyle/>
-          <a:p>
-            <a:pPr marL="0" indent="0" algn="r" rtl="1">
-              <a:buNone/>
-            </a:pPr>
-            <a:r>
-              <a:rPr lang="fa-IR" sz="2000" dirty="0" smtClean="0">
-                <a:solidFill>
-                  <a:srgbClr val="C00000"/>
-                </a:solidFill>
-                <a:cs typeface="B Nazanin" panose="00000400000000000000" pitchFamily="2" charset="-78"/>
-              </a:rPr>
-              <a:t>      ویژگی های قهرمان محصول </a:t>
-            </a:r>
-          </a:p>
-          <a:p>
-            <a:pPr algn="r" rtl="1">
-              <a:buFont typeface="Wingdings" panose="05000000000000000000" pitchFamily="2" charset="2"/>
-              <a:buChar char="§"/>
-            </a:pPr>
-            <a:r>
-              <a:rPr lang="fa-IR" sz="2000" dirty="0" smtClean="0">
-                <a:cs typeface="B Nazanin" panose="00000400000000000000" pitchFamily="2" charset="-78"/>
-              </a:rPr>
-              <a:t>بهترین قهرمان محصول کسی است که دیدگاه روشنی نسبت به سیستم جدید دارد .  </a:t>
-            </a:r>
-          </a:p>
-          <a:p>
-            <a:pPr algn="r" rtl="1">
-              <a:buFont typeface="Wingdings" panose="05000000000000000000" pitchFamily="2" charset="2"/>
-              <a:buChar char="§"/>
-            </a:pPr>
-            <a:r>
-              <a:rPr lang="fa-IR" sz="2000" dirty="0" smtClean="0">
-                <a:cs typeface="B Nazanin" panose="00000400000000000000" pitchFamily="2" charset="-78"/>
-              </a:rPr>
-              <a:t>باید ارتباط دهنده های موثری باشند که مورد احترام همتایان خود باشند . </a:t>
-            </a:r>
-          </a:p>
-          <a:p>
-            <a:pPr algn="r" rtl="1">
-              <a:buFont typeface="Wingdings" panose="05000000000000000000" pitchFamily="2" charset="2"/>
-              <a:buChar char="§"/>
-            </a:pPr>
-            <a:r>
-              <a:rPr lang="fa-IR" sz="2000" dirty="0" smtClean="0">
-                <a:cs typeface="B Nazanin" panose="00000400000000000000" pitchFamily="2" charset="-78"/>
-              </a:rPr>
-              <a:t>آنها باید درک کاملی از حوزه برنامه و محیط عملیاتی داشته باشند  . </a:t>
-            </a:r>
-          </a:p>
-          <a:p>
-            <a:pPr algn="r" rtl="1">
-              <a:buFont typeface="Wingdings" panose="05000000000000000000" pitchFamily="2" charset="2"/>
-              <a:buChar char="§"/>
-            </a:pPr>
-            <a:r>
-              <a:rPr lang="fa-IR" sz="2000" dirty="0" smtClean="0">
-                <a:cs typeface="B Nazanin" panose="00000400000000000000" pitchFamily="2" charset="-78"/>
-              </a:rPr>
-              <a:t>قهرمان محصول ایده‌‌‌‌‌‌‌‌‌‌‌‌‌‌‌‌‌‌‌‌‌‌‌‌‌‌‌‌‌‌‌‌‌آل پیشنهادهای دیگری برای ایفای این نقش توسط دیگران دارد پس باید دلیل متقاعد کننده ای برای مشارکتش ارائه شود . </a:t>
-            </a:r>
-          </a:p>
-          <a:p>
-            <a:pPr algn="r" rtl="1">
-              <a:buFont typeface="Wingdings" panose="05000000000000000000" pitchFamily="2" charset="2"/>
-              <a:buChar char="§"/>
-            </a:pPr>
-            <a:r>
-              <a:rPr lang="fa-IR" sz="2000" dirty="0" smtClean="0">
-                <a:cs typeface="B Nazanin" panose="00000400000000000000" pitchFamily="2" charset="-78"/>
-              </a:rPr>
-              <a:t>قهرمان محصول خوب باعث ایجاد تفاوت بسیاری در یک پروژه می‌شود پس باید جایزه و قدردانی از او گردد. </a:t>
-            </a:r>
-          </a:p>
-          <a:p>
-            <a:pPr algn="r" rtl="1">
-              <a:buFont typeface="Wingdings" panose="05000000000000000000" pitchFamily="2" charset="2"/>
-              <a:buChar char="§"/>
-            </a:pPr>
-            <a:endParaRPr lang="fa-IR" dirty="0" smtClean="0">
+        <p:spPr>
+          <a:xfrm>
+            <a:off x="838199" y="1169398"/>
+            <a:ext cx="10515600" cy="4929188"/>
+          </a:xfrm>
+        </p:spPr>
+        <p:txBody>
+          <a:bodyPr>
+            <a:normAutofit/>
+          </a:bodyPr>
+          <a:lstStyle/>
+          <a:p>
+            <a:pPr algn="r" rtl="1"/>
+            <a:endParaRPr lang="fa-IR" sz="2000" dirty="0" smtClean="0">
               <a:cs typeface="B Nazanin" panose="00000400000000000000" pitchFamily="2" charset="-78"/>
             </a:endParaRPr>
           </a:p>
           <a:p>
-            <a:pPr algn="r" rtl="1">
-              <a:buFont typeface="Wingdings" panose="05000000000000000000" pitchFamily="2" charset="2"/>
-              <a:buChar char="§"/>
-            </a:pPr>
-            <a:endParaRPr lang="en-US" dirty="0">
+            <a:pPr marL="0" indent="0" algn="r" rtl="1">
+              <a:buNone/>
+            </a:pPr>
+            <a:r>
+              <a:rPr lang="fa-IR" dirty="0" smtClean="0">
+                <a:solidFill>
+                  <a:srgbClr val="C00000"/>
+                </a:solidFill>
+                <a:cs typeface="B Nazanin" panose="00000400000000000000" pitchFamily="2" charset="-78"/>
+              </a:rPr>
+              <a:t>     مقدمه</a:t>
+            </a:r>
+            <a:r>
+              <a:rPr lang="fa-IR" sz="2000" dirty="0" smtClean="0">
+                <a:cs typeface="B Nazanin" panose="00000400000000000000" pitchFamily="2" charset="-78"/>
+              </a:rPr>
+              <a:t> </a:t>
+            </a:r>
+            <a:endParaRPr lang="fa-IR" sz="2000" dirty="0">
               <a:cs typeface="B Nazanin" panose="00000400000000000000" pitchFamily="2" charset="-78"/>
             </a:endParaRPr>
           </a:p>
-        </p:txBody>
-      </p:sp>
-      <p:sp>
-        <p:nvSpPr>
-          <p:cNvPr id="5" name="Cube 4"/>
+          <a:p>
+            <a:pPr algn="r" rtl="1"/>
+            <a:r>
+              <a:rPr lang="fa-IR" sz="2000" dirty="0" smtClean="0">
+                <a:cs typeface="B Nazanin" panose="00000400000000000000" pitchFamily="2" charset="-78"/>
+              </a:rPr>
+              <a:t>قهرمان </a:t>
+            </a:r>
+            <a:r>
+              <a:rPr lang="fa-IR" sz="2000" dirty="0" smtClean="0">
+                <a:cs typeface="B Nazanin" panose="00000400000000000000" pitchFamily="2" charset="-78"/>
+              </a:rPr>
+              <a:t>محصول به عنوان رابط اصلی بین کاربران یک کلاس کاربری و تحلیگر کسب و کار عمل میکند .</a:t>
+            </a:r>
+          </a:p>
+          <a:p>
+            <a:r>
+              <a:rPr lang="fa-IR" sz="2000" dirty="0" smtClean="0">
+                <a:cs typeface="B Nazanin" panose="00000400000000000000" pitchFamily="2" charset="-78"/>
+              </a:rPr>
+              <a:t>در حالت ایده آل قهرمان محصول یک کاربر واقعی است </a:t>
+            </a:r>
+            <a:r>
+              <a:rPr lang="fa-IR" sz="2000" dirty="0">
+                <a:cs typeface="B Nazanin" panose="00000400000000000000" pitchFamily="2" charset="-78"/>
+              </a:rPr>
+              <a:t>،</a:t>
+            </a:r>
+            <a:r>
+              <a:rPr lang="fa-IR" sz="2000" dirty="0" smtClean="0">
+                <a:cs typeface="B Nazanin" panose="00000400000000000000" pitchFamily="2" charset="-78"/>
+              </a:rPr>
+              <a:t> </a:t>
+            </a:r>
+            <a:r>
+              <a:rPr lang="fa-IR" sz="2000" dirty="0">
+                <a:cs typeface="B Nazanin" panose="00000400000000000000" pitchFamily="2" charset="-78"/>
+              </a:rPr>
+              <a:t>نه جانشیانی مانند حامیان مالی،کارکنان بازاریابی، مدیریت کاربران یا توسعه دهندگان نرم‌افزاری</a:t>
+            </a:r>
+            <a:r>
+              <a:rPr lang="fa-IR" sz="2000" dirty="0" smtClean="0">
+                <a:cs typeface="B Nazanin" panose="00000400000000000000" pitchFamily="2" charset="-78"/>
+              </a:rPr>
+              <a:t> که خود را به جای کاربران واقعی جای زده اند . </a:t>
+            </a:r>
+          </a:p>
+          <a:p>
+            <a:pPr algn="r" rtl="1"/>
+            <a:r>
+              <a:rPr lang="fa-IR" sz="2000" dirty="0" smtClean="0">
+                <a:cs typeface="B Nazanin" panose="00000400000000000000" pitchFamily="2" charset="-78"/>
+              </a:rPr>
+              <a:t>قهرمان محصول نیازمندی ها را از کاربران کلاس کاربری که نماینده آن هاست استخراج میکند .</a:t>
+            </a:r>
+          </a:p>
+          <a:p>
+            <a:pPr algn="r" rtl="1"/>
+            <a:r>
+              <a:rPr lang="fa-IR" sz="2000" dirty="0" smtClean="0">
+                <a:cs typeface="B Nazanin" panose="00000400000000000000" pitchFamily="2" charset="-78"/>
+              </a:rPr>
+              <a:t>قهرمان محصول تضادهای بین نیازمندیها را بر طرف می ‌کند و به تحلیلگر کسب و کار ارائه میدهد .</a:t>
+            </a:r>
+            <a:endParaRPr lang="en-US" sz="2000" dirty="0">
+              <a:cs typeface="B Nazanin" panose="00000400000000000000" pitchFamily="2" charset="-78"/>
+            </a:endParaRPr>
+          </a:p>
+        </p:txBody>
+      </p:sp>
+      <p:sp>
+        <p:nvSpPr>
+          <p:cNvPr id="4" name="Cube 3"/>
           <p:cNvSpPr/>
           <p:nvPr/>
         </p:nvSpPr>
         <p:spPr>
           <a:xfrm>
-            <a:off x="11001375" y="1895475"/>
-            <a:ext cx="285750" cy="238125"/>
+            <a:off x="10922859" y="1607912"/>
+            <a:ext cx="352425" cy="307975"/>
           </a:xfrm>
           <a:prstGeom prst="cube">
             <a:avLst/>
@@ -5565,7 +5571,7 @@
     </p:spTree>
     <p:extLst>
       <p:ext uri="{BB962C8B-B14F-4D97-AF65-F5344CB8AC3E}">
-        <p14:creationId xmlns:p14="http://schemas.microsoft.com/office/powerpoint/2010/main" val="2835657515"/>
+        <p14:creationId xmlns:p14="http://schemas.microsoft.com/office/powerpoint/2010/main" val="4180595628"/>
       </p:ext>
     </p:extLst>
   </p:cSld>
@@ -5771,25 +5777,25 @@
         </p:nvSpPr>
         <p:spPr>
           <a:xfrm>
-            <a:off x="838200" y="365125"/>
-            <a:ext cx="10515600" cy="796925"/>
+            <a:off x="677333" y="647700"/>
+            <a:ext cx="10857441" cy="762000"/>
           </a:xfrm>
         </p:spPr>
         <p:txBody>
           <a:bodyPr/>
           <a:lstStyle/>
           <a:p>
-            <a:pPr algn="ctr"/>
-            <a:r>
-              <a:rPr lang="fa-IR" dirty="0" smtClean="0">
+            <a:pPr algn="ctr" rtl="1"/>
+            <a:r>
+              <a:rPr lang="fa-IR" u="sng" dirty="0" smtClean="0">
                 <a:solidFill>
                   <a:srgbClr val="C00000"/>
                 </a:solidFill>
                 <a:cs typeface="B Nazanin" panose="00000400000000000000" pitchFamily="2" charset="-78"/>
               </a:rPr>
-              <a:t>قهرمان محصول (ادامه)</a:t>
-            </a:r>
-            <a:endParaRPr lang="en-US" dirty="0">
+              <a:t>قهرمان محصول(ادامه )</a:t>
+            </a:r>
+            <a:endParaRPr lang="en-US" u="sng" dirty="0">
               <a:solidFill>
                 <a:srgbClr val="C00000"/>
               </a:solidFill>
@@ -5810,22 +5816,20 @@
         </p:nvSpPr>
         <p:spPr/>
         <p:txBody>
-          <a:bodyPr>
-            <a:normAutofit/>
-          </a:bodyPr>
+          <a:bodyPr/>
           <a:lstStyle/>
           <a:p>
             <a:pPr marL="0" indent="0" algn="r" rtl="1">
               <a:buNone/>
             </a:pPr>
             <a:r>
-              <a:rPr lang="fa-IR" sz="2400" dirty="0" smtClean="0">
+              <a:rPr lang="fa-IR" sz="2000" dirty="0" smtClean="0">
                 <a:solidFill>
                   <a:srgbClr val="C00000"/>
                 </a:solidFill>
                 <a:cs typeface="B Nazanin" panose="00000400000000000000" pitchFamily="2" charset="-78"/>
               </a:rPr>
-              <a:t>    بهترین عملکرد قهرمان محصول </a:t>
+              <a:t>      ویژگی های قهرمان محصول </a:t>
             </a:r>
           </a:p>
           <a:p>
@@ -5837,16 +5841,7 @@
               <a:rPr lang="fa-IR" sz="2000" dirty="0" smtClean="0">
                 <a:cs typeface="B Nazanin" panose="00000400000000000000" pitchFamily="2" charset="-78"/>
               </a:rPr>
-              <a:t>اگر</a:t>
-            </a:r>
-            <a:r>
-              <a:rPr lang="fa-IR" sz="2000" dirty="0" smtClean="0">
-                <a:solidFill>
-                  <a:schemeClr val="tx1"/>
-                </a:solidFill>
-                <a:cs typeface="B Nazanin" panose="00000400000000000000" pitchFamily="2" charset="-78"/>
-              </a:rPr>
-              <a:t>قهرمان محصول اختیار کامل داشته باشد که از طرف کلاس کاربری که نماینده آن است تصمیمات سازنده اتخاذ کند .</a:t>
+              <a:t>بهترین قهرمان محصول کسی است که دیدگاه روشنی نسبت به سیستم جدید دارد .  </a:t>
             </a:r>
           </a:p>
           <a:p>
@@ -5858,14 +5853,8 @@
               <a:rPr lang="fa-IR" sz="2000" dirty="0" smtClean="0">
                 <a:cs typeface="B Nazanin" panose="00000400000000000000" pitchFamily="2" charset="-78"/>
               </a:rPr>
-              <a:t>اگر تصمیمات یک قهرمان محصول به طور مداوم توسط دیگران نادیده نگرفته شود . </a:t>
-            </a:r>
-            <a:endParaRPr lang="fa-IR" sz="2000" dirty="0" smtClean="0">
-              <a:solidFill>
-                <a:schemeClr val="tx1"/>
-              </a:solidFill>
-              <a:cs typeface="B Nazanin" panose="00000400000000000000" pitchFamily="2" charset="-78"/>
-            </a:endParaRPr>
+              <a:t>باید ارتباط دهنده های موثری باشند که مورد احترام همتایان خود باشند . </a:t>
+            </a:r>
           </a:p>
           <a:p>
             <a:pPr algn="r" rtl="1">
@@ -5874,12 +5863,9 @@
             </a:pPr>
             <a:r>
               <a:rPr lang="fa-IR" sz="2000" dirty="0" smtClean="0">
-                <a:solidFill>
-                  <a:schemeClr val="tx1"/>
-                </a:solidFill>
-                <a:cs typeface="B Nazanin" panose="00000400000000000000" pitchFamily="2" charset="-78"/>
-              </a:rPr>
-              <a:t>اگر تعامالات قهرمان محصول با همتایان خود به اندازه کافی باشد . </a:t>
+                <a:cs typeface="B Nazanin" panose="00000400000000000000" pitchFamily="2" charset="-78"/>
+              </a:rPr>
+              <a:t>آنها باید درک کاملی از حوزه برنامه و محیط عملیاتی داشته باشند  . </a:t>
             </a:r>
           </a:p>
           <a:p>
@@ -5889,49 +5875,9 @@
             </a:pPr>
             <a:r>
               <a:rPr lang="fa-IR" sz="2000" dirty="0" smtClean="0">
-                <a:solidFill>
-                  <a:schemeClr val="tx1"/>
-                </a:solidFill>
-                <a:cs typeface="B Nazanin" panose="00000400000000000000" pitchFamily="2" charset="-78"/>
-              </a:rPr>
-              <a:t>اگر قهرمان محصول فقط و فقط خواسته های خود را ارائه ندهد .</a:t>
-            </a:r>
-          </a:p>
-          <a:p>
-            <a:pPr marL="0" indent="0" algn="r" rtl="1">
-              <a:buNone/>
-            </a:pPr>
-            <a:r>
-              <a:rPr lang="fa-IR" sz="2000" dirty="0" smtClean="0">
-                <a:solidFill>
-                  <a:schemeClr val="tx1"/>
-                </a:solidFill>
-                <a:cs typeface="B Nazanin" panose="00000400000000000000" pitchFamily="2" charset="-78"/>
-              </a:rPr>
-              <a:t> </a:t>
-            </a:r>
-          </a:p>
-          <a:p>
-            <a:pPr marL="0" indent="0" algn="r" rtl="1">
-              <a:buNone/>
-            </a:pPr>
-            <a:r>
-              <a:rPr lang="fa-IR" sz="2000" dirty="0" smtClean="0">
-                <a:solidFill>
-                  <a:schemeClr val="tx1"/>
-                </a:solidFill>
-                <a:cs typeface="B Nazanin" panose="00000400000000000000" pitchFamily="2" charset="-78"/>
-              </a:rPr>
-              <a:t>                        در </a:t>
-            </a:r>
-            <a:r>
-              <a:rPr lang="fa-IR" sz="2000" dirty="0">
-                <a:solidFill>
-                  <a:schemeClr val="tx1"/>
-                </a:solidFill>
-                <a:cs typeface="B Nazanin" panose="00000400000000000000" pitchFamily="2" charset="-78"/>
-              </a:rPr>
-              <a:t>اینصورت رویکرد قهرمان محصول بهترین کارکرد را دارد . </a:t>
+                <a:cs typeface="B Nazanin" panose="00000400000000000000" pitchFamily="2" charset="-78"/>
+              </a:rPr>
+              <a:t>قهرمان محصول ایده‌‌‌‌‌‌‌‌‌‌‌‌‌‌‌‌‌‌‌‌‌‌‌‌‌‌‌‌‌‌‌‌‌آل پیشنهادهای دیگری برای ایفای این نقش توسط دیگران دارد پس باید دلیل متقاعد کننده ای برای مشارکتش ارائه شود . </a:t>
             </a:r>
           </a:p>
           <a:p>
@@ -5939,22 +5885,19 @@
               <a:buFont typeface="Wingdings" panose="05000000000000000000" pitchFamily="2" charset="2"/>
               <a:buChar char="§"/>
             </a:pPr>
-            <a:endParaRPr lang="fa-IR" sz="2000" dirty="0" smtClean="0">
-              <a:solidFill>
-                <a:schemeClr val="tx1"/>
-              </a:solidFill>
-              <a:cs typeface="B Nazanin" panose="00000400000000000000" pitchFamily="2" charset="-78"/>
-            </a:endParaRPr>
+            <a:r>
+              <a:rPr lang="fa-IR" sz="2000" dirty="0" smtClean="0">
+                <a:cs typeface="B Nazanin" panose="00000400000000000000" pitchFamily="2" charset="-78"/>
+              </a:rPr>
+              <a:t>قهرمان محصول خوب باعث ایجاد تفاوت بسیاری در یک پروژه می‌شود پس باید جایزه و قدردانی از او گردد. </a:t>
+            </a:r>
           </a:p>
           <a:p>
             <a:pPr algn="r" rtl="1">
               <a:buFont typeface="Wingdings" panose="05000000000000000000" pitchFamily="2" charset="2"/>
               <a:buChar char="§"/>
             </a:pPr>
-            <a:endParaRPr lang="fa-IR" sz="2000" dirty="0">
-              <a:solidFill>
-                <a:schemeClr val="tx1"/>
-              </a:solidFill>
+            <a:endParaRPr lang="fa-IR" dirty="0" smtClean="0">
               <a:cs typeface="B Nazanin" panose="00000400000000000000" pitchFamily="2" charset="-78"/>
             </a:endParaRPr>
           </a:p>
@@ -5963,49 +5906,22 @@
               <a:buFont typeface="Wingdings" panose="05000000000000000000" pitchFamily="2" charset="2"/>
               <a:buChar char="§"/>
             </a:pPr>
-            <a:endParaRPr lang="fa-IR" sz="2000" dirty="0" smtClean="0">
-              <a:solidFill>
-                <a:schemeClr val="tx1"/>
-              </a:solidFill>
+            <a:endParaRPr lang="en-US" dirty="0">
               <a:cs typeface="B Nazanin" panose="00000400000000000000" pitchFamily="2" charset="-78"/>
             </a:endParaRPr>
           </a:p>
-          <a:p>
-            <a:pPr algn="r" rtl="1">
-              <a:buFont typeface="Wingdings" panose="05000000000000000000" pitchFamily="2" charset="2"/>
-              <a:buChar char="§"/>
-            </a:pPr>
-            <a:endParaRPr lang="fa-IR" sz="2000" dirty="0" smtClean="0">
-              <a:solidFill>
-                <a:schemeClr val="tx1"/>
-              </a:solidFill>
-              <a:cs typeface="B Nazanin" panose="00000400000000000000" pitchFamily="2" charset="-78"/>
-            </a:endParaRPr>
-          </a:p>
-          <a:p>
-            <a:pPr algn="r" rtl="1">
-              <a:buFont typeface="Wingdings" panose="05000000000000000000" pitchFamily="2" charset="2"/>
-              <a:buChar char="§"/>
-            </a:pPr>
-            <a:endParaRPr lang="en-US" sz="2000" dirty="0">
-              <a:solidFill>
-                <a:srgbClr val="C00000"/>
-              </a:solidFill>
-              <a:cs typeface="B Nazanin" panose="00000400000000000000" pitchFamily="2" charset="-78"/>
-            </a:endParaRPr>
-          </a:p>
-        </p:txBody>
-      </p:sp>
-      <p:sp>
-        <p:nvSpPr>
-          <p:cNvPr id="4" name="Cube 3"/>
+        </p:txBody>
+      </p:sp>
+      <p:sp>
+        <p:nvSpPr>
+          <p:cNvPr id="5" name="Cube 4"/>
           <p:cNvSpPr/>
           <p:nvPr/>
         </p:nvSpPr>
         <p:spPr>
           <a:xfrm>
-            <a:off x="11068050" y="1933182"/>
-            <a:ext cx="285750" cy="238125"/>
+            <a:off x="11001374" y="1825625"/>
+            <a:ext cx="352425" cy="307975"/>
           </a:xfrm>
           <a:prstGeom prst="cube">
             <a:avLst/>
@@ -6044,58 +5960,10 @@
           </a:p>
         </p:txBody>
       </p:sp>
-      <p:sp>
-        <p:nvSpPr>
-          <p:cNvPr id="7" name="Left Arrow 6"/>
-          <p:cNvSpPr/>
-          <p:nvPr/>
-        </p:nvSpPr>
-        <p:spPr>
-          <a:xfrm>
-            <a:off x="9902073" y="4298622"/>
-            <a:ext cx="1451727" cy="329938"/>
-          </a:xfrm>
-          <a:prstGeom prst="leftArrow">
-            <a:avLst/>
-          </a:prstGeom>
-          <a:solidFill>
-            <a:srgbClr val="C00000"/>
-          </a:solidFill>
-          <a:ln>
-            <a:solidFill>
-              <a:srgbClr val="C00000"/>
-            </a:solidFill>
-          </a:ln>
-        </p:spPr>
-        <p:style>
-          <a:lnRef idx="2">
-            <a:schemeClr val="accent1">
-              <a:shade val="50000"/>
-            </a:schemeClr>
-          </a:lnRef>
-          <a:fillRef idx="1">
-            <a:schemeClr val="accent1"/>
-          </a:fillRef>
-          <a:effectRef idx="0">
-            <a:schemeClr val="accent1"/>
-          </a:effectRef>
-          <a:fontRef idx="minor">
-            <a:schemeClr val="lt1"/>
-          </a:fontRef>
-        </p:style>
-        <p:txBody>
-          <a:bodyPr rtlCol="1" anchor="ctr"/>
-          <a:lstStyle/>
-          <a:p>
-            <a:pPr algn="ctr"/>
-            <a:endParaRPr lang="fa-IR"/>
-          </a:p>
-        </p:txBody>
-      </p:sp>
     </p:spTree>
     <p:extLst>
       <p:ext uri="{BB962C8B-B14F-4D97-AF65-F5344CB8AC3E}">
-        <p14:creationId xmlns:p14="http://schemas.microsoft.com/office/powerpoint/2010/main" val="4059136810"/>
+        <p14:creationId xmlns:p14="http://schemas.microsoft.com/office/powerpoint/2010/main" val="2835657515"/>
       </p:ext>
     </p:extLst>
   </p:cSld>
@@ -6141,27 +6009,25 @@
         </p:nvSpPr>
         <p:spPr>
           <a:xfrm>
-            <a:off x="838200" y="365126"/>
-            <a:ext cx="10515600" cy="844550"/>
-          </a:xfrm>
-        </p:spPr>
-        <p:txBody>
-          <a:bodyPr>
-            <a:normAutofit/>
-          </a:bodyPr>
+            <a:off x="838200" y="365125"/>
+            <a:ext cx="10515600" cy="796925"/>
+          </a:xfrm>
+        </p:spPr>
+        <p:txBody>
+          <a:bodyPr/>
           <a:lstStyle/>
           <a:p>
             <a:pPr algn="ctr"/>
             <a:r>
-              <a:rPr lang="fa-IR" sz="4000" u="sng" dirty="0" smtClean="0">
+              <a:rPr lang="fa-IR" dirty="0" smtClean="0">
                 <a:solidFill>
                   <a:srgbClr val="C00000"/>
                 </a:solidFill>
                 <a:cs typeface="B Nazanin" panose="00000400000000000000" pitchFamily="2" charset="-78"/>
               </a:rPr>
-              <a:t>قهرمان محصول خارجی</a:t>
-            </a:r>
-            <a:endParaRPr lang="en-US" sz="4000" u="sng" dirty="0">
+              <a:t>قهرمان محصول (ادامه)</a:t>
+            </a:r>
+            <a:endParaRPr lang="en-US" dirty="0">
               <a:solidFill>
                 <a:srgbClr val="C00000"/>
               </a:solidFill>
@@ -6180,12 +6046,7 @@
             <p:ph idx="1"/>
           </p:nvPr>
         </p:nvSpPr>
-        <p:spPr>
-          <a:xfrm>
-            <a:off x="867833" y="1209676"/>
-            <a:ext cx="10981659" cy="5125136"/>
-          </a:xfrm>
-        </p:spPr>
+        <p:spPr/>
         <p:txBody>
           <a:bodyPr>
             <a:normAutofit/>
@@ -6196,220 +6057,205 @@
               <a:buNone/>
             </a:pPr>
             <a:r>
+              <a:rPr lang="fa-IR" sz="2400" dirty="0" smtClean="0">
+                <a:solidFill>
+                  <a:srgbClr val="C00000"/>
+                </a:solidFill>
+                <a:cs typeface="B Nazanin" panose="00000400000000000000" pitchFamily="2" charset="-78"/>
+              </a:rPr>
+              <a:t>    بهترین عملکرد قهرمان محصول </a:t>
+            </a:r>
+          </a:p>
+          <a:p>
+            <a:pPr algn="r" rtl="1">
+              <a:buFont typeface="Wingdings" panose="05000000000000000000" pitchFamily="2" charset="2"/>
+              <a:buChar char="§"/>
+            </a:pPr>
+            <a:r>
+              <a:rPr lang="fa-IR" sz="2000" dirty="0" smtClean="0">
+                <a:cs typeface="B Nazanin" panose="00000400000000000000" pitchFamily="2" charset="-78"/>
+              </a:rPr>
+              <a:t>اگر</a:t>
+            </a:r>
+            <a:r>
+              <a:rPr lang="fa-IR" sz="2000" dirty="0" smtClean="0">
+                <a:solidFill>
+                  <a:schemeClr val="tx1"/>
+                </a:solidFill>
+                <a:cs typeface="B Nazanin" panose="00000400000000000000" pitchFamily="2" charset="-78"/>
+              </a:rPr>
+              <a:t>قهرمان محصول اختیار کامل داشته باشد که از طرف کلاس کاربری که نماینده آن است تصمیمات سازنده اتخاذ کند .</a:t>
+            </a:r>
+          </a:p>
+          <a:p>
+            <a:pPr algn="r" rtl="1">
+              <a:buFont typeface="Wingdings" panose="05000000000000000000" pitchFamily="2" charset="2"/>
+              <a:buChar char="§"/>
+            </a:pPr>
+            <a:r>
+              <a:rPr lang="fa-IR" sz="2000" dirty="0" smtClean="0">
+                <a:cs typeface="B Nazanin" panose="00000400000000000000" pitchFamily="2" charset="-78"/>
+              </a:rPr>
+              <a:t>اگر تصمیمات یک قهرمان محصول به طور مداوم توسط دیگران نادیده نگرفته شود . </a:t>
+            </a:r>
+            <a:endParaRPr lang="fa-IR" sz="2000" dirty="0" smtClean="0">
+              <a:solidFill>
+                <a:schemeClr val="tx1"/>
+              </a:solidFill>
+              <a:cs typeface="B Nazanin" panose="00000400000000000000" pitchFamily="2" charset="-78"/>
+            </a:endParaRPr>
+          </a:p>
+          <a:p>
+            <a:pPr algn="r" rtl="1">
+              <a:buFont typeface="Wingdings" panose="05000000000000000000" pitchFamily="2" charset="2"/>
+              <a:buChar char="§"/>
+            </a:pPr>
+            <a:r>
+              <a:rPr lang="fa-IR" sz="2000" dirty="0" smtClean="0">
+                <a:solidFill>
+                  <a:schemeClr val="tx1"/>
+                </a:solidFill>
+                <a:cs typeface="B Nazanin" panose="00000400000000000000" pitchFamily="2" charset="-78"/>
+              </a:rPr>
+              <a:t>اگر تعامالات قهرمان محصول با همتایان خود به اندازه کافی باشد . </a:t>
+            </a:r>
+          </a:p>
+          <a:p>
+            <a:pPr algn="r" rtl="1">
+              <a:buFont typeface="Wingdings" panose="05000000000000000000" pitchFamily="2" charset="2"/>
+              <a:buChar char="§"/>
+            </a:pPr>
+            <a:r>
+              <a:rPr lang="fa-IR" sz="2000" dirty="0" smtClean="0">
+                <a:solidFill>
+                  <a:schemeClr val="tx1"/>
+                </a:solidFill>
+                <a:cs typeface="B Nazanin" panose="00000400000000000000" pitchFamily="2" charset="-78"/>
+              </a:rPr>
+              <a:t>اگر قهرمان محصول فقط و فقط خواسته های خود را ارائه ندهد .</a:t>
+            </a:r>
+          </a:p>
+          <a:p>
+            <a:pPr marL="0" indent="0" algn="r" rtl="1">
+              <a:buNone/>
+            </a:pPr>
+            <a:r>
+              <a:rPr lang="fa-IR" sz="2000" dirty="0" smtClean="0">
+                <a:solidFill>
+                  <a:schemeClr val="tx1"/>
+                </a:solidFill>
+                <a:cs typeface="B Nazanin" panose="00000400000000000000" pitchFamily="2" charset="-78"/>
+              </a:rPr>
+              <a:t> </a:t>
+            </a:r>
+          </a:p>
+          <a:p>
+            <a:pPr marL="0" indent="0" algn="r" rtl="1">
+              <a:buNone/>
+            </a:pPr>
+            <a:r>
+              <a:rPr lang="fa-IR" sz="2000" dirty="0" smtClean="0">
+                <a:solidFill>
+                  <a:schemeClr val="tx1"/>
+                </a:solidFill>
+                <a:cs typeface="B Nazanin" panose="00000400000000000000" pitchFamily="2" charset="-78"/>
+              </a:rPr>
+              <a:t>                        در </a:t>
+            </a:r>
+            <a:r>
               <a:rPr lang="fa-IR" sz="2000" dirty="0">
-                <a:cs typeface="B Nazanin" panose="00000400000000000000" pitchFamily="2" charset="-78"/>
-              </a:rPr>
-              <a:t> </a:t>
-            </a:r>
-            <a:r>
-              <a:rPr lang="fa-IR" sz="2000" dirty="0" smtClean="0">
-                <a:cs typeface="B Nazanin" panose="00000400000000000000" pitchFamily="2" charset="-78"/>
-              </a:rPr>
-              <a:t>      </a:t>
-            </a:r>
-            <a:r>
-              <a:rPr lang="fa-IR" dirty="0" smtClean="0">
-                <a:solidFill>
-                  <a:srgbClr val="C00000"/>
-                </a:solidFill>
-                <a:cs typeface="B Nazanin" panose="00000400000000000000" pitchFamily="2" charset="-78"/>
-              </a:rPr>
-              <a:t>قهرمان محصول خارجی </a:t>
-            </a:r>
-            <a:endParaRPr lang="fa-IR" dirty="0">
+                <a:solidFill>
+                  <a:schemeClr val="tx1"/>
+                </a:solidFill>
+                <a:cs typeface="B Nazanin" panose="00000400000000000000" pitchFamily="2" charset="-78"/>
+              </a:rPr>
+              <a:t>اینصورت رویکرد قهرمان محصول بهترین کارکرد را دارد . </a:t>
+            </a:r>
+          </a:p>
+          <a:p>
+            <a:pPr algn="r" rtl="1">
+              <a:buFont typeface="Wingdings" panose="05000000000000000000" pitchFamily="2" charset="2"/>
+              <a:buChar char="§"/>
+            </a:pPr>
+            <a:endParaRPr lang="fa-IR" sz="2000" dirty="0" smtClean="0">
+              <a:solidFill>
+                <a:schemeClr val="tx1"/>
+              </a:solidFill>
+              <a:cs typeface="B Nazanin" panose="00000400000000000000" pitchFamily="2" charset="-78"/>
+            </a:endParaRPr>
+          </a:p>
+          <a:p>
+            <a:pPr algn="r" rtl="1">
+              <a:buFont typeface="Wingdings" panose="05000000000000000000" pitchFamily="2" charset="2"/>
+              <a:buChar char="§"/>
+            </a:pPr>
+            <a:endParaRPr lang="fa-IR" sz="2000" dirty="0">
+              <a:solidFill>
+                <a:schemeClr val="tx1"/>
+              </a:solidFill>
+              <a:cs typeface="B Nazanin" panose="00000400000000000000" pitchFamily="2" charset="-78"/>
+            </a:endParaRPr>
+          </a:p>
+          <a:p>
+            <a:pPr algn="r" rtl="1">
+              <a:buFont typeface="Wingdings" panose="05000000000000000000" pitchFamily="2" charset="2"/>
+              <a:buChar char="§"/>
+            </a:pPr>
+            <a:endParaRPr lang="fa-IR" sz="2000" dirty="0" smtClean="0">
+              <a:solidFill>
+                <a:schemeClr val="tx1"/>
+              </a:solidFill>
+              <a:cs typeface="B Nazanin" panose="00000400000000000000" pitchFamily="2" charset="-78"/>
+            </a:endParaRPr>
+          </a:p>
+          <a:p>
+            <a:pPr algn="r" rtl="1">
+              <a:buFont typeface="Wingdings" panose="05000000000000000000" pitchFamily="2" charset="2"/>
+              <a:buChar char="§"/>
+            </a:pPr>
+            <a:endParaRPr lang="fa-IR" sz="2000" dirty="0" smtClean="0">
+              <a:solidFill>
+                <a:schemeClr val="tx1"/>
+              </a:solidFill>
+              <a:cs typeface="B Nazanin" panose="00000400000000000000" pitchFamily="2" charset="-78"/>
+            </a:endParaRPr>
+          </a:p>
+          <a:p>
+            <a:pPr algn="r" rtl="1">
+              <a:buFont typeface="Wingdings" panose="05000000000000000000" pitchFamily="2" charset="2"/>
+              <a:buChar char="§"/>
+            </a:pPr>
+            <a:endParaRPr lang="en-US" sz="2000" dirty="0">
               <a:solidFill>
                 <a:srgbClr val="C00000"/>
               </a:solidFill>
               <a:cs typeface="B Nazanin" panose="00000400000000000000" pitchFamily="2" charset="-78"/>
             </a:endParaRPr>
           </a:p>
-          <a:p>
-            <a:pPr algn="r" rtl="1">
-              <a:buFont typeface="Wingdings" panose="05000000000000000000" pitchFamily="2" charset="2"/>
-              <a:buChar char="v"/>
-            </a:pPr>
-            <a:r>
-              <a:rPr lang="fa-IR" sz="2000" dirty="0" smtClean="0">
-                <a:cs typeface="B Nazanin" panose="00000400000000000000" pitchFamily="2" charset="-78"/>
-              </a:rPr>
-              <a:t> گاهی استخدام </a:t>
-            </a:r>
-            <a:r>
-              <a:rPr lang="fa-IR" sz="2000" dirty="0" smtClean="0">
-                <a:solidFill>
-                  <a:srgbClr val="C00000"/>
-                </a:solidFill>
-                <a:cs typeface="B Nazanin" panose="00000400000000000000" pitchFamily="2" charset="-78"/>
-              </a:rPr>
-              <a:t>کاربران واقعی </a:t>
-            </a:r>
-            <a:r>
-              <a:rPr lang="fa-IR" sz="2000" dirty="0" smtClean="0">
-                <a:cs typeface="B Nazanin" panose="00000400000000000000" pitchFamily="2" charset="-78"/>
-              </a:rPr>
-              <a:t>به عنوان </a:t>
-            </a:r>
-            <a:r>
-              <a:rPr lang="fa-IR" sz="2000" dirty="0" smtClean="0">
-                <a:solidFill>
-                  <a:srgbClr val="C00000"/>
-                </a:solidFill>
-                <a:cs typeface="B Nazanin" panose="00000400000000000000" pitchFamily="2" charset="-78"/>
-              </a:rPr>
-              <a:t>قهرمان محصول </a:t>
-            </a:r>
-            <a:r>
-              <a:rPr lang="fa-IR" sz="2000" dirty="0" smtClean="0">
-                <a:cs typeface="B Nazanin" panose="00000400000000000000" pitchFamily="2" charset="-78"/>
-              </a:rPr>
-              <a:t>می‌تواند سخت باشد . </a:t>
-            </a:r>
-          </a:p>
-          <a:p>
-            <a:pPr marL="0" indent="0" algn="r" rtl="1">
-              <a:buNone/>
-            </a:pPr>
-            <a:r>
-              <a:rPr lang="fa-IR" sz="2000" dirty="0" smtClean="0">
-                <a:cs typeface="B Nazanin" panose="00000400000000000000" pitchFamily="2" charset="-78"/>
-              </a:rPr>
-              <a:t>       در این گونه مواقع می توان از کارشناسان داخلی یا مشاوران خارجی برای شبیه سازی نقش این کاربران استفاده کرد .</a:t>
-            </a:r>
-          </a:p>
-          <a:p>
-            <a:pPr algn="r" rtl="1">
-              <a:buFont typeface="Wingdings" panose="05000000000000000000" pitchFamily="2" charset="2"/>
-              <a:buChar char="§"/>
-            </a:pPr>
-            <a:r>
-              <a:rPr lang="fa-IR" sz="2000" dirty="0" smtClean="0">
-                <a:cs typeface="B Nazanin" panose="00000400000000000000" pitchFamily="2" charset="-78"/>
-              </a:rPr>
-              <a:t> اگر سازمان با مشتریان حقوقی بزرگ ارتباط دارد می‌شود از این فرصت برای مشارکت در استخراج نیازمندی‌ها استفاده کرد .</a:t>
-            </a:r>
-          </a:p>
-          <a:p>
-            <a:pPr algn="r" rtl="1">
-              <a:buFont typeface="Wingdings" panose="05000000000000000000" pitchFamily="2" charset="2"/>
-              <a:buChar char="§"/>
-            </a:pPr>
-            <a:r>
-              <a:rPr lang="fa-IR" sz="2000" dirty="0" smtClean="0">
-                <a:cs typeface="B Nazanin" panose="00000400000000000000" pitchFamily="2" charset="-78"/>
-              </a:rPr>
-              <a:t>همچنین برای مشارکت قهرمان محصول خارجی باید انگیزه ایجاد کرد . </a:t>
-            </a:r>
-          </a:p>
-          <a:p>
-            <a:pPr algn="r" rtl="1">
-              <a:buFont typeface="Wingdings" panose="05000000000000000000" pitchFamily="2" charset="2"/>
-              <a:buChar char="v"/>
-            </a:pPr>
-            <a:r>
-              <a:rPr lang="fa-IR" sz="2000" dirty="0" smtClean="0">
-                <a:cs typeface="B Nazanin" panose="00000400000000000000" pitchFamily="2" charset="-78"/>
-              </a:rPr>
-              <a:t>اگر تعداد کلاس‌های کاربری زیادی دارید ابتدا نیازمندی های اصلی که برای کاربران مشترک است را شناسایی کنید . </a:t>
-            </a:r>
-          </a:p>
-          <a:p>
-            <a:pPr algn="r" rtl="1">
-              <a:buFont typeface="Wingdings" panose="05000000000000000000" pitchFamily="2" charset="2"/>
-              <a:buChar char="v"/>
-            </a:pPr>
-            <a:r>
-              <a:rPr lang="fa-IR" sz="2000" dirty="0" smtClean="0">
-                <a:cs typeface="B Nazanin" panose="00000400000000000000" pitchFamily="2" charset="-78"/>
-              </a:rPr>
-              <a:t>سپس نیازمندی های که مخصوص کلاس های کاربری خاصی است را در نظر بگیرید .</a:t>
-            </a:r>
-          </a:p>
-          <a:p>
-            <a:pPr algn="r" rtl="1">
-              <a:buFont typeface="Wingdings" panose="05000000000000000000" pitchFamily="2" charset="2"/>
-              <a:buChar char="v"/>
-            </a:pPr>
-            <a:r>
-              <a:rPr lang="fa-IR" sz="2000" dirty="0" smtClean="0">
-                <a:cs typeface="B Nazanin" panose="00000400000000000000" pitchFamily="2" charset="-78"/>
-              </a:rPr>
-              <a:t>به علت امکان تغییر سریع دامنه بعضی از مسائل سیستم نیازمندی های کاربران ممکن است ثابت نباشد.</a:t>
-            </a:r>
-          </a:p>
-          <a:p>
-            <a:pPr algn="r" rtl="1">
-              <a:buFont typeface="Wingdings" panose="05000000000000000000" pitchFamily="2" charset="2"/>
-              <a:buChar char="v"/>
-            </a:pPr>
-            <a:r>
-              <a:rPr lang="fa-IR" sz="2000" dirty="0" smtClean="0">
-                <a:cs typeface="B Nazanin" panose="00000400000000000000" pitchFamily="2" charset="-78"/>
-              </a:rPr>
-              <a:t> قهرمان محصول را از کاربران فعلی سیستم فعلی انتخاب کنید .</a:t>
-            </a:r>
-          </a:p>
-          <a:p>
-            <a:pPr algn="r" rtl="1">
-              <a:buFont typeface="Wingdings" panose="05000000000000000000" pitchFamily="2" charset="2"/>
-              <a:buChar char="v"/>
-            </a:pPr>
-            <a:r>
-              <a:rPr lang="fa-IR" sz="2000" dirty="0" smtClean="0">
-                <a:cs typeface="B Nazanin" panose="00000400000000000000" pitchFamily="2" charset="-78"/>
-              </a:rPr>
-              <a:t>اگر از کاربران سابق سیستم باشد ممکن است نیازمندی های بروزنشده ای را ارائه دهد . </a:t>
-            </a:r>
-          </a:p>
-          <a:p>
-            <a:pPr marL="0" indent="0" algn="r" rtl="1">
-              <a:buNone/>
-            </a:pPr>
-            <a:r>
-              <a:rPr lang="fa-IR" dirty="0" smtClean="0"/>
-              <a:t> </a:t>
-            </a:r>
-            <a:endParaRPr lang="en-US" dirty="0"/>
-          </a:p>
-        </p:txBody>
-      </p:sp>
-      <p:pic>
-        <p:nvPicPr>
-          <p:cNvPr id="4" name="Picture 3"/>
-          <p:cNvPicPr>
-            <a:picLocks noChangeAspect="1"/>
-          </p:cNvPicPr>
+        </p:txBody>
+      </p:sp>
+      <p:sp>
+        <p:nvSpPr>
+          <p:cNvPr id="4" name="Cube 3"/>
+          <p:cNvSpPr/>
           <p:nvPr/>
-        </p:nvPicPr>
-        <p:blipFill>
-          <a:blip r:embed="rId2"/>
-          <a:stretch>
-            <a:fillRect/>
-          </a:stretch>
-        </p:blipFill>
+        </p:nvSpPr>
         <p:spPr>
           <a:xfrm>
-            <a:off x="11458958" y="1286685"/>
-            <a:ext cx="298730" cy="249958"/>
-          </a:xfrm>
-          <a:prstGeom prst="rect">
+            <a:off x="11068050" y="1933182"/>
+            <a:ext cx="285750" cy="238125"/>
+          </a:xfrm>
+          <a:prstGeom prst="cube">
             <a:avLst/>
           </a:prstGeom>
-        </p:spPr>
-      </p:pic>
-      <p:sp>
-        <p:nvSpPr>
-          <p:cNvPr id="5" name="Left Arrow 4"/>
-          <p:cNvSpPr/>
-          <p:nvPr/>
-        </p:nvSpPr>
-        <p:spPr>
-          <a:xfrm>
-            <a:off x="11411361" y="2211511"/>
-            <a:ext cx="346327" cy="169682"/>
-          </a:xfrm>
-          <a:prstGeom prst="leftArrow">
-            <a:avLst/>
-          </a:prstGeom>
+          <a:solidFill>
+            <a:srgbClr val="C00000"/>
+          </a:solidFill>
+          <a:ln>
+            <a:solidFill>
+              <a:srgbClr val="C00000"/>
+            </a:solidFill>
+          </a:ln>
         </p:spPr>
         <p:style>
           <a:lnRef idx="2">
@@ -6436,10 +6282,58 @@
           </a:p>
         </p:txBody>
       </p:sp>
+      <p:sp>
+        <p:nvSpPr>
+          <p:cNvPr id="7" name="Left Arrow 6"/>
+          <p:cNvSpPr/>
+          <p:nvPr/>
+        </p:nvSpPr>
+        <p:spPr>
+          <a:xfrm>
+            <a:off x="9902073" y="4298622"/>
+            <a:ext cx="1451727" cy="329938"/>
+          </a:xfrm>
+          <a:prstGeom prst="leftArrow">
+            <a:avLst/>
+          </a:prstGeom>
+          <a:solidFill>
+            <a:srgbClr val="C00000"/>
+          </a:solidFill>
+          <a:ln>
+            <a:solidFill>
+              <a:srgbClr val="C00000"/>
+            </a:solidFill>
+          </a:ln>
+        </p:spPr>
+        <p:style>
+          <a:lnRef idx="2">
+            <a:schemeClr val="accent1">
+              <a:shade val="50000"/>
+            </a:schemeClr>
+          </a:lnRef>
+          <a:fillRef idx="1">
+            <a:schemeClr val="accent1"/>
+          </a:fillRef>
+          <a:effectRef idx="0">
+            <a:schemeClr val="accent1"/>
+          </a:effectRef>
+          <a:fontRef idx="minor">
+            <a:schemeClr val="lt1"/>
+          </a:fontRef>
+        </p:style>
+        <p:txBody>
+          <a:bodyPr rtlCol="1" anchor="ctr"/>
+          <a:lstStyle/>
+          <a:p>
+            <a:pPr algn="ctr"/>
+            <a:endParaRPr lang="fa-IR"/>
+          </a:p>
+        </p:txBody>
+      </p:sp>
     </p:spTree>
     <p:extLst>
       <p:ext uri="{BB962C8B-B14F-4D97-AF65-F5344CB8AC3E}">
-        <p14:creationId xmlns:p14="http://schemas.microsoft.com/office/powerpoint/2010/main" val="872599586"/>
+        <p14:creationId xmlns:p14="http://schemas.microsoft.com/office/powerpoint/2010/main" val="4059136810"/>
       </p:ext>
     </p:extLst>
   </p:cSld>
@@ -6486,12 +6380,12 @@
         <p:spPr>
           <a:xfrm>
             <a:off x="838200" y="365126"/>
-            <a:ext cx="10515600" cy="634115"/>
+            <a:ext cx="10515600" cy="844550"/>
           </a:xfrm>
         </p:spPr>
         <p:txBody>
           <a:bodyPr>
-            <a:normAutofit fontScale="90000"/>
+            <a:normAutofit/>
           </a:bodyPr>
           <a:lstStyle/>
           <a:p>
@@ -6503,7 +6397,7 @@
                 </a:solidFill>
                 <a:cs typeface="B Nazanin" panose="00000400000000000000" pitchFamily="2" charset="-78"/>
               </a:rPr>
-              <a:t>قهرمان محصول (ادامه )</a:t>
+              <a:t>قهرمان محصول خارجی</a:t>
             </a:r>
             <a:endParaRPr lang="en-US" sz="4000" u="sng" dirty="0">
               <a:solidFill>
@@ -6526,8 +6420,8 @@
         </p:nvSpPr>
         <p:spPr>
           <a:xfrm>
-            <a:off x="838200" y="1148571"/>
-            <a:ext cx="10515600" cy="4989186"/>
+            <a:off x="867833" y="1209676"/>
+            <a:ext cx="10981659" cy="5125136"/>
           </a:xfrm>
         </p:spPr>
         <p:txBody>
@@ -6540,10 +6434,16 @@
               <a:buNone/>
             </a:pPr>
             <a:r>
+              <a:rPr lang="fa-IR" sz="2000" dirty="0">
+                <a:cs typeface="B Nazanin" panose="00000400000000000000" pitchFamily="2" charset="-78"/>
+              </a:rPr>
+              <a:t> </a:t>
+            </a:r>
+            <a:r>
               <a:rPr lang="fa-IR" sz="2000" dirty="0" smtClean="0">
                 <a:cs typeface="B Nazanin" panose="00000400000000000000" pitchFamily="2" charset="-78"/>
               </a:rPr>
-              <a:t>     </a:t>
+              <a:t>      </a:t>
             </a:r>
             <a:r>
               <a:rPr lang="fa-IR" dirty="0" smtClean="0">
@@ -6552,7 +6452,66 @@
                 </a:solidFill>
                 <a:cs typeface="B Nazanin" panose="00000400000000000000" pitchFamily="2" charset="-78"/>
               </a:rPr>
-              <a:t>انتظارات از قهرمان محصول </a:t>
+              <a:t>قهرمان محصول خارجی </a:t>
+            </a:r>
+            <a:endParaRPr lang="fa-IR" dirty="0">
+              <a:solidFill>
+                <a:srgbClr val="C00000"/>
+              </a:solidFill>
+              <a:cs typeface="B Nazanin" panose="00000400000000000000" pitchFamily="2" charset="-78"/>
+            </a:endParaRPr>
+          </a:p>
+          <a:p>
+            <a:pPr algn="r" rtl="1">
+              <a:buFont typeface="Wingdings" panose="05000000000000000000" pitchFamily="2" charset="2"/>
+              <a:buChar char="v"/>
+            </a:pPr>
+            <a:r>
+              <a:rPr lang="fa-IR" sz="2000" dirty="0" smtClean="0">
+                <a:cs typeface="B Nazanin" panose="00000400000000000000" pitchFamily="2" charset="-78"/>
+              </a:rPr>
+              <a:t> گاهی استخدام </a:t>
+            </a:r>
+            <a:r>
+              <a:rPr lang="fa-IR" sz="2000" dirty="0" smtClean="0">
+                <a:solidFill>
+                  <a:srgbClr val="C00000"/>
+                </a:solidFill>
+                <a:cs typeface="B Nazanin" panose="00000400000000000000" pitchFamily="2" charset="-78"/>
+              </a:rPr>
+              <a:t>کاربران واقعی </a:t>
+            </a:r>
+            <a:r>
+              <a:rPr lang="fa-IR" sz="2000" dirty="0" smtClean="0">
+                <a:cs typeface="B Nazanin" panose="00000400000000000000" pitchFamily="2" charset="-78"/>
+              </a:rPr>
+              <a:t>به عنوان </a:t>
+            </a:r>
+            <a:r>
+              <a:rPr lang="fa-IR" sz="2000" dirty="0" smtClean="0">
+                <a:solidFill>
+                  <a:srgbClr val="C00000"/>
+                </a:solidFill>
+                <a:cs typeface="B Nazanin" panose="00000400000000000000" pitchFamily="2" charset="-78"/>
+              </a:rPr>
+              <a:t>قهرمان محصول </a:t>
+            </a:r>
+            <a:r>
+              <a:rPr lang="fa-IR" sz="2000" dirty="0" smtClean="0">
+                <a:cs typeface="B Nazanin" panose="00000400000000000000" pitchFamily="2" charset="-78"/>
+              </a:rPr>
+              <a:t>می‌تواند سخت باشد . </a:t>
+            </a:r>
+          </a:p>
+          <a:p>
+            <a:pPr marL="0" indent="0" algn="r" rtl="1">
+              <a:buNone/>
+            </a:pPr>
+            <a:r>
+              <a:rPr lang="fa-IR" sz="2000" dirty="0" smtClean="0">
+                <a:cs typeface="B Nazanin" panose="00000400000000000000" pitchFamily="2" charset="-78"/>
+              </a:rPr>
+              <a:t>       در این گونه مواقع می توان از کارشناسان داخلی یا مشاوران خارجی برای شبیه سازی نقش این کاربران استفاده کرد .</a:t>
             </a:r>
           </a:p>
           <a:p>
@@ -6564,37 +6523,7 @@
               <a:rPr lang="fa-IR" sz="2000" dirty="0" smtClean="0">
                 <a:cs typeface="B Nazanin" panose="00000400000000000000" pitchFamily="2" charset="-78"/>
               </a:rPr>
-              <a:t>آنچه را از </a:t>
-            </a:r>
-            <a:r>
-              <a:rPr lang="fa-IR" sz="2000" dirty="0" smtClean="0">
-                <a:solidFill>
-                  <a:srgbClr val="C00000"/>
-                </a:solidFill>
-                <a:cs typeface="B Nazanin" panose="00000400000000000000" pitchFamily="2" charset="-78"/>
-              </a:rPr>
-              <a:t>قهرمان محصول </a:t>
-            </a:r>
-            <a:r>
-              <a:rPr lang="fa-IR" sz="2000" dirty="0" smtClean="0">
-                <a:cs typeface="B Nazanin" panose="00000400000000000000" pitchFamily="2" charset="-78"/>
-              </a:rPr>
-              <a:t>خود انتظار انجام دهید </a:t>
-            </a:r>
-            <a:r>
-              <a:rPr lang="fa-IR" sz="2000" dirty="0" smtClean="0">
-                <a:solidFill>
-                  <a:srgbClr val="C00000"/>
-                </a:solidFill>
-                <a:cs typeface="B Nazanin" panose="00000400000000000000" pitchFamily="2" charset="-78"/>
-              </a:rPr>
-              <a:t>مستند</a:t>
-            </a:r>
-            <a:r>
-              <a:rPr lang="fa-IR" sz="2000" dirty="0" smtClean="0">
-                <a:cs typeface="B Nazanin" panose="00000400000000000000" pitchFamily="2" charset="-78"/>
-              </a:rPr>
-              <a:t> کنید . </a:t>
+              <a:t> اگر سازمان با مشتریان حقوقی بزرگ ارتباط دارد می‌شود از این فرصت برای مشارکت در استخراج نیازمندی‌ها استفاده کرد .</a:t>
             </a:r>
           </a:p>
           <a:p>
@@ -6606,163 +6535,119 @@
               <a:rPr lang="fa-IR" sz="2000" dirty="0" smtClean="0">
                 <a:cs typeface="B Nazanin" panose="00000400000000000000" pitchFamily="2" charset="-78"/>
               </a:rPr>
-              <a:t>برای هر </a:t>
-            </a:r>
-            <a:r>
-              <a:rPr lang="fa-IR" sz="2000" dirty="0" smtClean="0">
-                <a:solidFill>
-                  <a:srgbClr val="C00000"/>
-                </a:solidFill>
-                <a:cs typeface="B Nazanin" panose="00000400000000000000" pitchFamily="2" charset="-78"/>
-              </a:rPr>
-              <a:t>قهرمان محصول </a:t>
-            </a:r>
-            <a:r>
-              <a:rPr lang="fa-IR" sz="2000" dirty="0" smtClean="0">
-                <a:cs typeface="B Nazanin" panose="00000400000000000000" pitchFamily="2" charset="-78"/>
-              </a:rPr>
-              <a:t>پرونده ای ایجاد کنید و </a:t>
-            </a:r>
-            <a:r>
-              <a:rPr lang="fa-IR" sz="2000" dirty="0" smtClean="0">
-                <a:solidFill>
-                  <a:srgbClr val="C00000"/>
-                </a:solidFill>
-                <a:cs typeface="B Nazanin" panose="00000400000000000000" pitchFamily="2" charset="-78"/>
-              </a:rPr>
-              <a:t>نقش ها </a:t>
-            </a:r>
-            <a:r>
-              <a:rPr lang="fa-IR" sz="2000" dirty="0" smtClean="0">
-                <a:cs typeface="B Nazanin" panose="00000400000000000000" pitchFamily="2" charset="-78"/>
-              </a:rPr>
-              <a:t>و </a:t>
-            </a:r>
-            <a:r>
-              <a:rPr lang="fa-IR" sz="2000" dirty="0" smtClean="0">
-                <a:solidFill>
-                  <a:srgbClr val="C00000"/>
-                </a:solidFill>
-                <a:cs typeface="B Nazanin" panose="00000400000000000000" pitchFamily="2" charset="-78"/>
-              </a:rPr>
-              <a:t>وظایفشان</a:t>
-            </a:r>
-            <a:r>
-              <a:rPr lang="fa-IR" sz="2000" dirty="0" smtClean="0">
-                <a:cs typeface="B Nazanin" panose="00000400000000000000" pitchFamily="2" charset="-78"/>
-              </a:rPr>
-              <a:t> را سند کنید . </a:t>
+              <a:t>همچنین برای مشارکت قهرمان محصول خارجی باید انگیزه ایجاد کرد . </a:t>
             </a:r>
           </a:p>
           <a:p>
             <a:pPr algn="r" rtl="1">
               <a:buFont typeface="Wingdings" panose="05000000000000000000" pitchFamily="2" charset="2"/>
-              <a:buChar char="§"/>
+              <a:buChar char="v"/>
             </a:pPr>
             <a:r>
               <a:rPr lang="fa-IR" sz="2000" dirty="0" smtClean="0">
                 <a:cs typeface="B Nazanin" panose="00000400000000000000" pitchFamily="2" charset="-78"/>
               </a:rPr>
-              <a:t>برای شروع مطابق الگوی زیر جلو بروید .</a:t>
-            </a:r>
-          </a:p>
-          <a:p>
-            <a:pPr marL="0" indent="0" algn="r" rtl="1">
-              <a:buNone/>
-            </a:pPr>
-            <a:r>
-              <a:rPr lang="fa-IR" sz="2000" dirty="0" smtClean="0">
-                <a:cs typeface="B Nazanin" panose="00000400000000000000" pitchFamily="2" charset="-78"/>
-              </a:rPr>
-              <a:t>    برنامه ریزی :</a:t>
-            </a:r>
-          </a:p>
-          <a:p>
-            <a:pPr marL="914400" lvl="2" indent="0">
-              <a:buNone/>
-            </a:pPr>
-            <a:r>
-              <a:rPr lang="fa-IR" dirty="0" smtClean="0">
-                <a:cs typeface="B Nazanin" panose="00000400000000000000" pitchFamily="2" charset="-78"/>
-              </a:rPr>
-              <a:t>محدوده و محدودیت های سیستم را مشخص کند .</a:t>
-            </a:r>
-          </a:p>
-          <a:p>
-            <a:pPr marL="914400" lvl="2" indent="0">
-              <a:buNone/>
-            </a:pPr>
-            <a:r>
-              <a:rPr lang="fa-IR" dirty="0" smtClean="0">
-                <a:cs typeface="B Nazanin" panose="00000400000000000000" pitchFamily="2" charset="-78"/>
-              </a:rPr>
-              <a:t>سیستم های که با آن ها در تعامل است سیستم فعلی را مشخص کند .</a:t>
-            </a:r>
-          </a:p>
-          <a:p>
-            <a:pPr marL="914400" lvl="2" indent="0">
-              <a:buNone/>
-            </a:pPr>
-            <a:r>
-              <a:rPr lang="fa-IR" dirty="0" smtClean="0">
-                <a:cs typeface="B Nazanin" panose="00000400000000000000" pitchFamily="2" charset="-78"/>
-              </a:rPr>
-              <a:t>یک مسیر انتقال از برنامه های فعلی یا عملیات دستی تعریف کنید .</a:t>
-            </a:r>
-          </a:p>
-          <a:p>
-            <a:pPr marL="914400" lvl="2" indent="0">
-              <a:buNone/>
-            </a:pPr>
-            <a:r>
-              <a:rPr lang="fa-IR" dirty="0" smtClean="0">
-                <a:cs typeface="B Nazanin" panose="00000400000000000000" pitchFamily="2" charset="-78"/>
-              </a:rPr>
-              <a:t>استاندارهای مربوطه و نیازمندی های گواهینامه را مشخص کنید . </a:t>
+              <a:t>اگر تعداد کلاس‌های کاربری زیادی دارید ابتدا نیازمندی های اصلی که برای کاربران مشترک است را شناسایی کنید . </a:t>
             </a:r>
           </a:p>
           <a:p>
             <a:pPr algn="r" rtl="1">
               <a:buFont typeface="Wingdings" panose="05000000000000000000" pitchFamily="2" charset="2"/>
-              <a:buChar char="q"/>
-            </a:pPr>
-            <a:endParaRPr lang="fa-IR" sz="2000" dirty="0" smtClean="0">
-              <a:cs typeface="B Nazanin" panose="00000400000000000000" pitchFamily="2" charset="-78"/>
-            </a:endParaRPr>
+              <a:buChar char="v"/>
+            </a:pPr>
+            <a:r>
+              <a:rPr lang="fa-IR" sz="2000" dirty="0" smtClean="0">
+                <a:cs typeface="B Nazanin" panose="00000400000000000000" pitchFamily="2" charset="-78"/>
+              </a:rPr>
+              <a:t>سپس نیازمندی های که مخصوص کلاس های کاربری خاصی است را در نظر بگیرید .</a:t>
+            </a:r>
           </a:p>
           <a:p>
             <a:pPr algn="r" rtl="1">
               <a:buFont typeface="Wingdings" panose="05000000000000000000" pitchFamily="2" charset="2"/>
-              <a:buChar char="q"/>
-            </a:pPr>
-            <a:endParaRPr lang="fa-IR" sz="2000" dirty="0" smtClean="0">
-              <a:cs typeface="B Nazanin" panose="00000400000000000000" pitchFamily="2" charset="-78"/>
-            </a:endParaRPr>
-          </a:p>
-        </p:txBody>
-      </p:sp>
-      <p:sp>
-        <p:nvSpPr>
-          <p:cNvPr id="5" name="Cube 4"/>
+              <a:buChar char="v"/>
+            </a:pPr>
+            <a:r>
+              <a:rPr lang="fa-IR" sz="2000" dirty="0" smtClean="0">
+                <a:cs typeface="B Nazanin" panose="00000400000000000000" pitchFamily="2" charset="-78"/>
+              </a:rPr>
+              <a:t>به علت امکان تغییر سریع دامنه بعضی از مسائل سیستم نیازمندی های کاربران ممکن است ثابت نباشد.</a:t>
+            </a:r>
+          </a:p>
+          <a:p>
+            <a:pPr algn="r" rtl="1">
+              <a:buFont typeface="Wingdings" panose="05000000000000000000" pitchFamily="2" charset="2"/>
+              <a:buChar char="v"/>
+            </a:pPr>
+            <a:r>
+              <a:rPr lang="fa-IR" sz="2000" dirty="0" smtClean="0">
+                <a:cs typeface="B Nazanin" panose="00000400000000000000" pitchFamily="2" charset="-78"/>
+              </a:rPr>
+              <a:t> قهرمان محصول را از کاربران فعلی سیستم فعلی انتخاب کنید .</a:t>
+            </a:r>
+          </a:p>
+          <a:p>
+            <a:pPr algn="r" rtl="1">
+              <a:buFont typeface="Wingdings" panose="05000000000000000000" pitchFamily="2" charset="2"/>
+              <a:buChar char="v"/>
+            </a:pPr>
+            <a:r>
+              <a:rPr lang="fa-IR" sz="2000" dirty="0" smtClean="0">
+                <a:cs typeface="B Nazanin" panose="00000400000000000000" pitchFamily="2" charset="-78"/>
+              </a:rPr>
+              <a:t>اگر از کاربران سابق سیستم باشد ممکن است نیازمندی های بروزنشده ای را ارائه دهد . </a:t>
+            </a:r>
+          </a:p>
+          <a:p>
+            <a:pPr marL="0" indent="0" algn="r" rtl="1">
+              <a:buNone/>
+            </a:pPr>
+            <a:r>
+              <a:rPr lang="fa-IR" dirty="0" smtClean="0"/>
+              <a:t> </a:t>
+            </a:r>
+            <a:endParaRPr lang="en-US" dirty="0"/>
+          </a:p>
+        </p:txBody>
+      </p:sp>
+      <p:pic>
+        <p:nvPicPr>
+          <p:cNvPr id="4" name="Picture 3"/>
+          <p:cNvPicPr>
+            <a:picLocks noChangeAspect="1"/>
+          </p:cNvPicPr>
+          <p:nvPr/>
+        </p:nvPicPr>
+        <p:blipFill>
+          <a:blip r:embed="rId2"/>
+          <a:stretch>
+            <a:fillRect/>
+          </a:stretch>
+        </p:blipFill>
+        <p:spPr>
+          <a:xfrm>
+            <a:off x="11458958" y="1286685"/>
+            <a:ext cx="298730" cy="249958"/>
+          </a:xfrm>
+          <a:prstGeom prst="rect">
+            <a:avLst/>
+          </a:prstGeom>
+        </p:spPr>
+      </p:pic>
+      <p:sp>
+        <p:nvSpPr>
+          <p:cNvPr id="5" name="Left Arrow 4"/>
           <p:cNvSpPr/>
           <p:nvPr/>
         </p:nvSpPr>
         <p:spPr>
           <a:xfrm>
-            <a:off x="11068050" y="1272618"/>
-            <a:ext cx="285750" cy="238125"/>
-          </a:xfrm>
-          <a:prstGeom prst="cube">
+            <a:off x="11411361" y="2211511"/>
+            <a:ext cx="346327" cy="169682"/>
+          </a:xfrm>
+          <a:prstGeom prst="leftArrow">
             <a:avLst/>
           </a:prstGeom>
-          <a:solidFill>
-            <a:srgbClr val="C00000"/>
-          </a:solidFill>
-          <a:ln>
-            <a:solidFill>
-              <a:srgbClr val="C00000"/>
-            </a:solidFill>
-          </a:ln>
         </p:spPr>
         <p:style>
           <a:lnRef idx="2">
@@ -6789,154 +6674,10 @@
           </a:p>
         </p:txBody>
       </p:sp>
-      <p:pic>
-        <p:nvPicPr>
-          <p:cNvPr id="6" name="Picture 5"/>
-          <p:cNvPicPr>
-            <a:picLocks noChangeAspect="1"/>
-          </p:cNvPicPr>
-          <p:nvPr/>
-        </p:nvPicPr>
-        <p:blipFill>
-          <a:blip r:embed="rId2"/>
-          <a:stretch>
-            <a:fillRect/>
-          </a:stretch>
-        </p:blipFill>
-        <p:spPr>
-          <a:xfrm>
-            <a:off x="10507169" y="3332698"/>
-            <a:ext cx="560881" cy="243861"/>
-          </a:xfrm>
-          <a:prstGeom prst="rect">
-            <a:avLst/>
-          </a:prstGeom>
-        </p:spPr>
-      </p:pic>
-      <p:pic>
-        <p:nvPicPr>
-          <p:cNvPr id="7" name="Picture 6"/>
-          <p:cNvPicPr>
-            <a:picLocks noChangeAspect="1"/>
-          </p:cNvPicPr>
-          <p:nvPr/>
-        </p:nvPicPr>
-        <p:blipFill>
-          <a:blip r:embed="rId2"/>
-          <a:stretch>
-            <a:fillRect/>
-          </a:stretch>
-        </p:blipFill>
-        <p:spPr>
-          <a:xfrm>
-            <a:off x="10507168" y="3643164"/>
-            <a:ext cx="560881" cy="243861"/>
-          </a:xfrm>
-          <a:prstGeom prst="rect">
-            <a:avLst/>
-          </a:prstGeom>
-        </p:spPr>
-      </p:pic>
-      <p:pic>
-        <p:nvPicPr>
-          <p:cNvPr id="8" name="Picture 7"/>
-          <p:cNvPicPr>
-            <a:picLocks noChangeAspect="1"/>
-          </p:cNvPicPr>
-          <p:nvPr/>
-        </p:nvPicPr>
-        <p:blipFill>
-          <a:blip r:embed="rId2"/>
-          <a:stretch>
-            <a:fillRect/>
-          </a:stretch>
-        </p:blipFill>
-        <p:spPr>
-          <a:xfrm>
-            <a:off x="10507167" y="3953630"/>
-            <a:ext cx="560881" cy="243861"/>
-          </a:xfrm>
-          <a:prstGeom prst="rect">
-            <a:avLst/>
-          </a:prstGeom>
-        </p:spPr>
-      </p:pic>
-      <p:pic>
-        <p:nvPicPr>
-          <p:cNvPr id="9" name="Picture 8"/>
-          <p:cNvPicPr>
-            <a:picLocks noChangeAspect="1"/>
-          </p:cNvPicPr>
-          <p:nvPr/>
-        </p:nvPicPr>
-        <p:blipFill>
-          <a:blip r:embed="rId2"/>
-          <a:stretch>
-            <a:fillRect/>
-          </a:stretch>
-        </p:blipFill>
-        <p:spPr>
-          <a:xfrm>
-            <a:off x="10507167" y="4281903"/>
-            <a:ext cx="560881" cy="243861"/>
-          </a:xfrm>
-          <a:prstGeom prst="rect">
-            <a:avLst/>
-          </a:prstGeom>
-        </p:spPr>
-      </p:pic>
-      <p:sp>
-        <p:nvSpPr>
-          <p:cNvPr id="15" name="Isosceles Triangle 14"/>
-          <p:cNvSpPr/>
-          <p:nvPr/>
-        </p:nvSpPr>
-        <p:spPr>
-          <a:xfrm rot="16200000">
-            <a:off x="11025629" y="2980239"/>
-            <a:ext cx="282804" cy="197966"/>
-          </a:xfrm>
-          <a:prstGeom prst="triangle">
-            <a:avLst/>
-          </a:prstGeom>
-          <a:solidFill>
-            <a:srgbClr val="C00000"/>
-          </a:solidFill>
-          <a:ln>
-            <a:solidFill>
-              <a:srgbClr val="C00000"/>
-            </a:solidFill>
-          </a:ln>
-        </p:spPr>
-        <p:style>
-          <a:lnRef idx="2">
-            <a:schemeClr val="accent1">
-              <a:shade val="50000"/>
-            </a:schemeClr>
-          </a:lnRef>
-          <a:fillRef idx="1">
-            <a:schemeClr val="accent1"/>
-          </a:fillRef>
-          <a:effectRef idx="0">
-            <a:schemeClr val="accent1"/>
-          </a:effectRef>
-          <a:fontRef idx="minor">
-            <a:schemeClr val="lt1"/>
-          </a:fontRef>
-        </p:style>
-        <p:txBody>
-          <a:bodyPr rtlCol="1" anchor="ctr"/>
-          <a:lstStyle/>
-          <a:p>
-            <a:pPr algn="ctr"/>
-            <a:endParaRPr lang="fa-IR"/>
-          </a:p>
-        </p:txBody>
-      </p:sp>
     </p:spTree>
     <p:extLst>
       <p:ext uri="{BB962C8B-B14F-4D97-AF65-F5344CB8AC3E}">
-        <p14:creationId xmlns:p14="http://schemas.microsoft.com/office/powerpoint/2010/main" val="128213998"/>
+        <p14:creationId xmlns:p14="http://schemas.microsoft.com/office/powerpoint/2010/main" val="872599586"/>
       </p:ext>
     </p:extLst>
   </p:cSld>
@@ -6982,27 +6723,27 @@
         </p:nvSpPr>
         <p:spPr>
           <a:xfrm>
-            <a:off x="838200" y="365125"/>
-            <a:ext cx="10515600" cy="732481"/>
+            <a:off x="838200" y="365126"/>
+            <a:ext cx="10515600" cy="634115"/>
           </a:xfrm>
         </p:spPr>
         <p:txBody>
           <a:bodyPr>
-            <a:normAutofit/>
+            <a:normAutofit fontScale="90000"/>
           </a:bodyPr>
           <a:lstStyle/>
           <a:p>
             <a:pPr algn="ctr"/>
             <a:r>
-              <a:rPr lang="fa-IR" sz="3600" u="sng" dirty="0" smtClean="0">
+              <a:rPr lang="fa-IR" sz="4000" u="sng" dirty="0" smtClean="0">
                 <a:solidFill>
                   <a:srgbClr val="C00000"/>
                 </a:solidFill>
                 <a:cs typeface="B Nazanin" panose="00000400000000000000" pitchFamily="2" charset="-78"/>
               </a:rPr>
-              <a:t>قهرمان محصول (ادامه)</a:t>
-            </a:r>
-            <a:endParaRPr lang="en-US" sz="3600" u="sng" dirty="0">
+              <a:t>قهرمان محصول (ادامه )</a:t>
+            </a:r>
+            <a:endParaRPr lang="en-US" sz="4000" u="sng" dirty="0">
               <a:solidFill>
                 <a:srgbClr val="C00000"/>
               </a:solidFill>
@@ -7023,8 +6764,8 @@
         </p:nvSpPr>
         <p:spPr>
           <a:xfrm>
-            <a:off x="838200" y="1097606"/>
-            <a:ext cx="10515600" cy="4859057"/>
+            <a:off x="838200" y="1148571"/>
+            <a:ext cx="10515600" cy="4989186"/>
           </a:xfrm>
         </p:spPr>
         <p:txBody>
@@ -7037,19 +6778,13 @@
               <a:buNone/>
             </a:pPr>
             <a:r>
-              <a:rPr lang="fa-IR" sz="2000" dirty="0">
-                <a:cs typeface="B Nazanin" panose="00000400000000000000" pitchFamily="2" charset="-78"/>
-              </a:rPr>
-              <a:t> </a:t>
-            </a:r>
-            <a:r>
               <a:rPr lang="fa-IR" sz="2000" dirty="0" smtClean="0">
                 <a:cs typeface="B Nazanin" panose="00000400000000000000" pitchFamily="2" charset="-78"/>
               </a:rPr>
-              <a:t>         </a:t>
-            </a:r>
-            <a:r>
-              <a:rPr lang="fa-IR" sz="2400" dirty="0" smtClean="0">
+              <a:t>     </a:t>
+            </a:r>
+            <a:r>
+              <a:rPr lang="fa-IR" dirty="0" smtClean="0">
                 <a:solidFill>
                   <a:srgbClr val="C00000"/>
                 </a:solidFill>
@@ -7057,12 +6792,117 @@
               </a:rPr>
               <a:t>انتظارات از قهرمان محصول </a:t>
             </a:r>
-            <a:endParaRPr lang="fa-IR" sz="2400" dirty="0">
-              <a:solidFill>
-                <a:srgbClr val="C00000"/>
-              </a:solidFill>
-              <a:cs typeface="B Nazanin" panose="00000400000000000000" pitchFamily="2" charset="-78"/>
-            </a:endParaRPr>
+          </a:p>
+          <a:p>
+            <a:pPr algn="r" rtl="1">
+              <a:buFont typeface="Wingdings" panose="05000000000000000000" pitchFamily="2" charset="2"/>
+              <a:buChar char="§"/>
+            </a:pPr>
+            <a:r>
+              <a:rPr lang="fa-IR" sz="2000" dirty="0" smtClean="0">
+                <a:cs typeface="B Nazanin" panose="00000400000000000000" pitchFamily="2" charset="-78"/>
+              </a:rPr>
+              <a:t>آنچه را از </a:t>
+            </a:r>
+            <a:r>
+              <a:rPr lang="fa-IR" sz="2000" dirty="0" smtClean="0">
+                <a:solidFill>
+                  <a:srgbClr val="C00000"/>
+                </a:solidFill>
+                <a:cs typeface="B Nazanin" panose="00000400000000000000" pitchFamily="2" charset="-78"/>
+              </a:rPr>
+              <a:t>قهرمان محصول </a:t>
+            </a:r>
+            <a:r>
+              <a:rPr lang="fa-IR" sz="2000" dirty="0" smtClean="0">
+                <a:cs typeface="B Nazanin" panose="00000400000000000000" pitchFamily="2" charset="-78"/>
+              </a:rPr>
+              <a:t>خود انتظار انجام دهید </a:t>
+            </a:r>
+            <a:r>
+              <a:rPr lang="fa-IR" sz="2000" dirty="0" smtClean="0">
+                <a:solidFill>
+                  <a:srgbClr val="C00000"/>
+                </a:solidFill>
+                <a:cs typeface="B Nazanin" panose="00000400000000000000" pitchFamily="2" charset="-78"/>
+              </a:rPr>
+              <a:t>مستند</a:t>
+            </a:r>
+            <a:r>
+              <a:rPr lang="fa-IR" sz="2000" dirty="0" smtClean="0">
+                <a:cs typeface="B Nazanin" panose="00000400000000000000" pitchFamily="2" charset="-78"/>
+              </a:rPr>
+              <a:t> کنید . </a:t>
+            </a:r>
+          </a:p>
+          <a:p>
+            <a:pPr algn="r" rtl="1">
+              <a:buFont typeface="Wingdings" panose="05000000000000000000" pitchFamily="2" charset="2"/>
+              <a:buChar char="§"/>
+            </a:pPr>
+            <a:r>
+              <a:rPr lang="fa-IR" sz="2000" dirty="0" smtClean="0">
+                <a:cs typeface="B Nazanin" panose="00000400000000000000" pitchFamily="2" charset="-78"/>
+              </a:rPr>
+              <a:t>برای هر </a:t>
+            </a:r>
+            <a:r>
+              <a:rPr lang="fa-IR" sz="2000" dirty="0" smtClean="0">
+                <a:solidFill>
+                  <a:srgbClr val="C00000"/>
+                </a:solidFill>
+                <a:cs typeface="B Nazanin" panose="00000400000000000000" pitchFamily="2" charset="-78"/>
+              </a:rPr>
+              <a:t>قهرمان محصول </a:t>
+            </a:r>
+            <a:r>
+              <a:rPr lang="fa-IR" sz="2000" dirty="0" smtClean="0">
+                <a:cs typeface="B Nazanin" panose="00000400000000000000" pitchFamily="2" charset="-78"/>
+              </a:rPr>
+              <a:t>پرونده ای ایجاد کنید و </a:t>
+            </a:r>
+            <a:r>
+              <a:rPr lang="fa-IR" sz="2000" dirty="0" smtClean="0">
+                <a:solidFill>
+                  <a:srgbClr val="C00000"/>
+                </a:solidFill>
+                <a:cs typeface="B Nazanin" panose="00000400000000000000" pitchFamily="2" charset="-78"/>
+              </a:rPr>
+              <a:t>نقش ها </a:t>
+            </a:r>
+            <a:r>
+              <a:rPr lang="fa-IR" sz="2000" dirty="0" smtClean="0">
+                <a:cs typeface="B Nazanin" panose="00000400000000000000" pitchFamily="2" charset="-78"/>
+              </a:rPr>
+              <a:t>و </a:t>
+            </a:r>
+            <a:r>
+              <a:rPr lang="fa-IR" sz="2000" dirty="0" smtClean="0">
+                <a:solidFill>
+                  <a:srgbClr val="C00000"/>
+                </a:solidFill>
+                <a:cs typeface="B Nazanin" panose="00000400000000000000" pitchFamily="2" charset="-78"/>
+              </a:rPr>
+              <a:t>وظایفشان</a:t>
+            </a:r>
+            <a:r>
+              <a:rPr lang="fa-IR" sz="2000" dirty="0" smtClean="0">
+                <a:cs typeface="B Nazanin" panose="00000400000000000000" pitchFamily="2" charset="-78"/>
+              </a:rPr>
+              <a:t> را سند کنید . </a:t>
+            </a:r>
+          </a:p>
+          <a:p>
+            <a:pPr algn="r" rtl="1">
+              <a:buFont typeface="Wingdings" panose="05000000000000000000" pitchFamily="2" charset="2"/>
+              <a:buChar char="§"/>
+            </a:pPr>
+            <a:r>
+              <a:rPr lang="fa-IR" sz="2000" dirty="0" smtClean="0">
+                <a:cs typeface="B Nazanin" panose="00000400000000000000" pitchFamily="2" charset="-78"/>
+              </a:rPr>
+              <a:t>برای شروع مطابق الگوی زیر جلو بروید .</a:t>
+            </a:r>
           </a:p>
           <a:p>
             <a:pPr marL="0" indent="0" algn="r" rtl="1">
@@ -7072,7 +6912,7 @@
               <a:rPr lang="fa-IR" sz="2000" dirty="0" smtClean="0">
                 <a:cs typeface="B Nazanin" panose="00000400000000000000" pitchFamily="2" charset="-78"/>
               </a:rPr>
-              <a:t>        نیازمندی ها:</a:t>
+              <a:t>    برنامه ریزی :</a:t>
             </a:r>
           </a:p>
           <a:p>
@@ -7083,7 +6923,7 @@
               <a:rPr lang="fa-IR" dirty="0" smtClean="0">
                 <a:cs typeface="B Nazanin" panose="00000400000000000000" pitchFamily="2" charset="-78"/>
               </a:rPr>
-              <a:t>نیازمندی ها را از کاربران جمع آوری کند .</a:t>
+              <a:t>محدوده و محدودیت های سیستم را مشخص کند .</a:t>
             </a:r>
           </a:p>
           <a:p>
@@ -7094,7 +6934,7 @@
               <a:rPr lang="fa-IR" dirty="0" smtClean="0">
                 <a:cs typeface="B Nazanin" panose="00000400000000000000" pitchFamily="2" charset="-78"/>
               </a:rPr>
-              <a:t>سناریوهای استفاده ، یوزکیس ها و داستان های کاربران را بسط دهد . </a:t>
+              <a:t>سیستم های که با آن ها در تعامل است سیستم فعلی را مشخص کند .</a:t>
             </a:r>
           </a:p>
           <a:p>
@@ -7105,7 +6945,7 @@
               <a:rPr lang="fa-IR" dirty="0" smtClean="0">
                 <a:cs typeface="B Nazanin" panose="00000400000000000000" pitchFamily="2" charset="-78"/>
               </a:rPr>
-              <a:t>تضادها بین نیازمندی های پیشنهاد شده در کلاس کاربری را حل کند . </a:t>
+              <a:t>یک مسیر انتقال از برنامه های فعلی یا عملیات دستی تعریف کنید .</a:t>
             </a:r>
           </a:p>
           <a:p>
@@ -7116,51 +6956,7 @@
               <a:rPr lang="fa-IR" dirty="0" smtClean="0">
                 <a:cs typeface="B Nazanin" panose="00000400000000000000" pitchFamily="2" charset="-78"/>
               </a:rPr>
-              <a:t>الویت های اجرایی را تعریف کند .</a:t>
-            </a:r>
-          </a:p>
-          <a:p>
-            <a:pPr marL="914400" lvl="2" indent="0">
-              <a:buNone/>
-            </a:pPr>
-            <a:r>
-              <a:rPr lang="fa-IR" dirty="0" smtClean="0">
-                <a:cs typeface="B Nazanin" panose="00000400000000000000" pitchFamily="2" charset="-78"/>
-              </a:rPr>
-              <a:t>ورودی‌ها را در مورد عملکرد و سایر الزامات کیفی ارائه دهد .</a:t>
-            </a:r>
-          </a:p>
-          <a:p>
-            <a:pPr marL="914400" lvl="2" indent="0">
-              <a:buNone/>
-            </a:pPr>
-            <a:r>
-              <a:rPr lang="fa-IR" dirty="0" smtClean="0">
-                <a:cs typeface="B Nazanin" panose="00000400000000000000" pitchFamily="2" charset="-78"/>
-              </a:rPr>
-              <a:t>نمونه های اولیه را ارزیابی کند . </a:t>
-            </a:r>
-          </a:p>
-          <a:p>
-            <a:pPr marL="914400" lvl="2" indent="0">
-              <a:buNone/>
-            </a:pPr>
-            <a:r>
-              <a:rPr lang="fa-IR" dirty="0" smtClean="0">
-                <a:cs typeface="B Nazanin" panose="00000400000000000000" pitchFamily="2" charset="-78"/>
-              </a:rPr>
-              <a:t>با سایر تصمیم گیرندگان راهبردی برای برطرف کردن تضادها بین سایر ذینفعان کار کند . </a:t>
-            </a:r>
-          </a:p>
-          <a:p>
-            <a:pPr marL="914400" lvl="2" indent="0">
-              <a:buNone/>
-            </a:pPr>
-            <a:r>
-              <a:rPr lang="fa-IR" dirty="0" smtClean="0">
-                <a:cs typeface="B Nazanin" panose="00000400000000000000" pitchFamily="2" charset="-78"/>
-              </a:rPr>
-              <a:t>الگوریتم های تخصصی را ارائه بدهد . </a:t>
+              <a:t>استاندارهای مربوطه و نیازمندی های گواهینامه را مشخص کنید . </a:t>
             </a:r>
           </a:p>
           <a:p>
@@ -7183,210 +6979,18 @@
           </a:p>
         </p:txBody>
       </p:sp>
-      <p:pic>
-        <p:nvPicPr>
-          <p:cNvPr id="4" name="Picture 3"/>
-          <p:cNvPicPr>
-            <a:picLocks noChangeAspect="1"/>
-          </p:cNvPicPr>
-          <p:nvPr/>
-        </p:nvPicPr>
-        <p:blipFill>
-          <a:blip r:embed="rId2"/>
-          <a:stretch>
-            <a:fillRect/>
-          </a:stretch>
-        </p:blipFill>
-        <p:spPr>
-          <a:xfrm>
-            <a:off x="10476646" y="1923115"/>
-            <a:ext cx="560881" cy="243861"/>
-          </a:xfrm>
-          <a:prstGeom prst="rect">
-            <a:avLst/>
-          </a:prstGeom>
-        </p:spPr>
-      </p:pic>
-      <p:pic>
-        <p:nvPicPr>
-          <p:cNvPr id="5" name="Picture 4"/>
-          <p:cNvPicPr>
-            <a:picLocks noChangeAspect="1"/>
-          </p:cNvPicPr>
-          <p:nvPr/>
-        </p:nvPicPr>
-        <p:blipFill>
-          <a:blip r:embed="rId2"/>
-          <a:stretch>
-            <a:fillRect/>
-          </a:stretch>
-        </p:blipFill>
-        <p:spPr>
-          <a:xfrm>
-            <a:off x="10476645" y="2247703"/>
-            <a:ext cx="560881" cy="243861"/>
-          </a:xfrm>
-          <a:prstGeom prst="rect">
-            <a:avLst/>
-          </a:prstGeom>
-        </p:spPr>
-      </p:pic>
-      <p:pic>
-        <p:nvPicPr>
-          <p:cNvPr id="6" name="Picture 5"/>
-          <p:cNvPicPr>
-            <a:picLocks noChangeAspect="1"/>
-          </p:cNvPicPr>
-          <p:nvPr/>
-        </p:nvPicPr>
-        <p:blipFill>
-          <a:blip r:embed="rId2"/>
-          <a:stretch>
-            <a:fillRect/>
-          </a:stretch>
-        </p:blipFill>
-        <p:spPr>
-          <a:xfrm>
-            <a:off x="10467219" y="2567909"/>
-            <a:ext cx="560881" cy="243861"/>
-          </a:xfrm>
-          <a:prstGeom prst="rect">
-            <a:avLst/>
-          </a:prstGeom>
-        </p:spPr>
-      </p:pic>
-      <p:pic>
-        <p:nvPicPr>
-          <p:cNvPr id="7" name="Picture 6"/>
-          <p:cNvPicPr>
-            <a:picLocks noChangeAspect="1"/>
-          </p:cNvPicPr>
-          <p:nvPr/>
-        </p:nvPicPr>
-        <p:blipFill>
-          <a:blip r:embed="rId2"/>
-          <a:stretch>
-            <a:fillRect/>
-          </a:stretch>
-        </p:blipFill>
-        <p:spPr>
-          <a:xfrm>
-            <a:off x="10476645" y="2882397"/>
-            <a:ext cx="560881" cy="243861"/>
-          </a:xfrm>
-          <a:prstGeom prst="rect">
-            <a:avLst/>
-          </a:prstGeom>
-        </p:spPr>
-      </p:pic>
-      <p:pic>
-        <p:nvPicPr>
-          <p:cNvPr id="8" name="Picture 7"/>
-          <p:cNvPicPr>
-            <a:picLocks noChangeAspect="1"/>
-          </p:cNvPicPr>
-          <p:nvPr/>
-        </p:nvPicPr>
-        <p:blipFill>
-          <a:blip r:embed="rId2"/>
-          <a:stretch>
-            <a:fillRect/>
-          </a:stretch>
-        </p:blipFill>
-        <p:spPr>
-          <a:xfrm>
-            <a:off x="10467219" y="3284788"/>
-            <a:ext cx="560881" cy="243861"/>
-          </a:xfrm>
-          <a:prstGeom prst="rect">
-            <a:avLst/>
-          </a:prstGeom>
-        </p:spPr>
-      </p:pic>
-      <p:pic>
-        <p:nvPicPr>
-          <p:cNvPr id="9" name="Picture 8"/>
-          <p:cNvPicPr>
-            <a:picLocks noChangeAspect="1"/>
-          </p:cNvPicPr>
-          <p:nvPr/>
-        </p:nvPicPr>
-        <p:blipFill>
-          <a:blip r:embed="rId2"/>
-          <a:stretch>
-            <a:fillRect/>
-          </a:stretch>
-        </p:blipFill>
-        <p:spPr>
-          <a:xfrm>
-            <a:off x="10467219" y="3652621"/>
-            <a:ext cx="560881" cy="243861"/>
-          </a:xfrm>
-          <a:prstGeom prst="rect">
-            <a:avLst/>
-          </a:prstGeom>
-        </p:spPr>
-      </p:pic>
-      <p:pic>
-        <p:nvPicPr>
-          <p:cNvPr id="10" name="Picture 9"/>
-          <p:cNvPicPr>
-            <a:picLocks noChangeAspect="1"/>
-          </p:cNvPicPr>
-          <p:nvPr/>
-        </p:nvPicPr>
-        <p:blipFill>
-          <a:blip r:embed="rId2"/>
-          <a:stretch>
-            <a:fillRect/>
-          </a:stretch>
-        </p:blipFill>
-        <p:spPr>
-          <a:xfrm>
-            <a:off x="10467220" y="3972661"/>
-            <a:ext cx="560881" cy="243861"/>
-          </a:xfrm>
-          <a:prstGeom prst="rect">
-            <a:avLst/>
-          </a:prstGeom>
-        </p:spPr>
-      </p:pic>
-      <p:pic>
-        <p:nvPicPr>
-          <p:cNvPr id="11" name="Picture 10"/>
-          <p:cNvPicPr>
-            <a:picLocks noChangeAspect="1"/>
-          </p:cNvPicPr>
-          <p:nvPr/>
-        </p:nvPicPr>
-        <p:blipFill>
-          <a:blip r:embed="rId2"/>
-          <a:stretch>
-            <a:fillRect/>
-          </a:stretch>
-        </p:blipFill>
-        <p:spPr>
-          <a:xfrm>
-            <a:off x="10476645" y="4281598"/>
-            <a:ext cx="560881" cy="243861"/>
-          </a:xfrm>
-          <a:prstGeom prst="rect">
-            <a:avLst/>
-          </a:prstGeom>
-        </p:spPr>
-      </p:pic>
-      <p:sp>
-        <p:nvSpPr>
-          <p:cNvPr id="12" name="Isosceles Triangle 11"/>
+      <p:sp>
+        <p:nvSpPr>
+          <p:cNvPr id="5" name="Cube 4"/>
           <p:cNvSpPr/>
           <p:nvPr/>
         </p:nvSpPr>
         <p:spPr>
-          <a:xfrm rot="16200000">
-            <a:off x="10797141" y="1641078"/>
-            <a:ext cx="282804" cy="197966"/>
-          </a:xfrm>
-          <a:prstGeom prst="triangle">
+          <a:xfrm>
+            <a:off x="11068050" y="1272618"/>
+            <a:ext cx="285750" cy="238125"/>
+          </a:xfrm>
+          <a:prstGeom prst="cube">
             <a:avLst/>
           </a:prstGeom>
           <a:solidFill>
@@ -7423,18 +7027,114 @@
           </a:p>
         </p:txBody>
       </p:sp>
-      <p:sp>
-        <p:nvSpPr>
-          <p:cNvPr id="13" name="Cube 12"/>
+      <p:pic>
+        <p:nvPicPr>
+          <p:cNvPr id="6" name="Picture 5"/>
+          <p:cNvPicPr>
+            <a:picLocks noChangeAspect="1"/>
+          </p:cNvPicPr>
+          <p:nvPr/>
+        </p:nvPicPr>
+        <p:blipFill>
+          <a:blip r:embed="rId2"/>
+          <a:stretch>
+            <a:fillRect/>
+          </a:stretch>
+        </p:blipFill>
+        <p:spPr>
+          <a:xfrm>
+            <a:off x="10507169" y="3332698"/>
+            <a:ext cx="560881" cy="243861"/>
+          </a:xfrm>
+          <a:prstGeom prst="rect">
+            <a:avLst/>
+          </a:prstGeom>
+        </p:spPr>
+      </p:pic>
+      <p:pic>
+        <p:nvPicPr>
+          <p:cNvPr id="7" name="Picture 6"/>
+          <p:cNvPicPr>
+            <a:picLocks noChangeAspect="1"/>
+          </p:cNvPicPr>
+          <p:nvPr/>
+        </p:nvPicPr>
+        <p:blipFill>
+          <a:blip r:embed="rId2"/>
+          <a:stretch>
+            <a:fillRect/>
+          </a:stretch>
+        </p:blipFill>
+        <p:spPr>
+          <a:xfrm>
+            <a:off x="10507168" y="3643164"/>
+            <a:ext cx="560881" cy="243861"/>
+          </a:xfrm>
+          <a:prstGeom prst="rect">
+            <a:avLst/>
+          </a:prstGeom>
+        </p:spPr>
+      </p:pic>
+      <p:pic>
+        <p:nvPicPr>
+          <p:cNvPr id="8" name="Picture 7"/>
+          <p:cNvPicPr>
+            <a:picLocks noChangeAspect="1"/>
+          </p:cNvPicPr>
+          <p:nvPr/>
+        </p:nvPicPr>
+        <p:blipFill>
+          <a:blip r:embed="rId2"/>
+          <a:stretch>
+            <a:fillRect/>
+          </a:stretch>
+        </p:blipFill>
+        <p:spPr>
+          <a:xfrm>
+            <a:off x="10507167" y="3953630"/>
+            <a:ext cx="560881" cy="243861"/>
+          </a:xfrm>
+          <a:prstGeom prst="rect">
+            <a:avLst/>
+          </a:prstGeom>
+        </p:spPr>
+      </p:pic>
+      <p:pic>
+        <p:nvPicPr>
+          <p:cNvPr id="9" name="Picture 8"/>
+          <p:cNvPicPr>
+            <a:picLocks noChangeAspect="1"/>
+          </p:cNvPicPr>
+          <p:nvPr/>
+        </p:nvPicPr>
+        <p:blipFill>
+          <a:blip r:embed="rId2"/>
+          <a:stretch>
+            <a:fillRect/>
+          </a:stretch>
+        </p:blipFill>
+        <p:spPr>
+          <a:xfrm>
+            <a:off x="10507167" y="4281903"/>
+            <a:ext cx="560881" cy="243861"/>
+          </a:xfrm>
+          <a:prstGeom prst="rect">
+            <a:avLst/>
+          </a:prstGeom>
+        </p:spPr>
+      </p:pic>
+      <p:sp>
+        <p:nvSpPr>
+          <p:cNvPr id="15" name="Isosceles Triangle 14"/>
           <p:cNvSpPr/>
           <p:nvPr/>
         </p:nvSpPr>
         <p:spPr>
-          <a:xfrm>
-            <a:off x="10757087" y="1097606"/>
-            <a:ext cx="285750" cy="292248"/>
-          </a:xfrm>
-          <a:prstGeom prst="cube">
+          <a:xfrm rot="16200000">
+            <a:off x="11025629" y="2980239"/>
+            <a:ext cx="282804" cy="197966"/>
+          </a:xfrm>
+          <a:prstGeom prst="triangle">
             <a:avLst/>
           </a:prstGeom>
           <a:solidFill>
@@ -7474,13 +7174,20 @@
     </p:spTree>
     <p:extLst>
       <p:ext uri="{BB962C8B-B14F-4D97-AF65-F5344CB8AC3E}">
-        <p14:creationId xmlns:p14="http://schemas.microsoft.com/office/powerpoint/2010/main" val="3060607866"/>
+        <p14:creationId xmlns:p14="http://schemas.microsoft.com/office/powerpoint/2010/main" val="128213998"/>
       </p:ext>
     </p:extLst>
   </p:cSld>
   <p:clrMapOvr>
     <a:masterClrMapping/>
   </p:clrMapOvr>
+  <p:timing>
+    <p:tnLst>
+      <p:par>
+        <p:cTn id="1" dur="indefinite" restart="never" nodeType="tmRoot"/>
+      </p:par>
+    </p:tnLst>
+  </p:timing>
 </p:sld>
 </file>
 
@@ -7514,7 +7221,7 @@
         <p:spPr>
           <a:xfrm>
             <a:off x="838200" y="365125"/>
-            <a:ext cx="10515600" cy="818347"/>
+            <a:ext cx="10515600" cy="732481"/>
           </a:xfrm>
         </p:spPr>
         <p:txBody>
@@ -7554,8 +7261,8 @@
         </p:nvSpPr>
         <p:spPr>
           <a:xfrm>
-            <a:off x="838200" y="992778"/>
-            <a:ext cx="10317634" cy="5184186"/>
+            <a:off x="838200" y="1097606"/>
+            <a:ext cx="10515600" cy="4859057"/>
           </a:xfrm>
         </p:spPr>
         <p:txBody>
@@ -7568,16 +7275,17 @@
               <a:buNone/>
             </a:pPr>
             <a:r>
+              <a:rPr lang="fa-IR" sz="2000" dirty="0">
+                <a:cs typeface="B Nazanin" panose="00000400000000000000" pitchFamily="2" charset="-78"/>
+              </a:rPr>
+              <a:t> </a:t>
+            </a:r>
+            <a:r>
               <a:rPr lang="fa-IR" sz="2000" dirty="0" smtClean="0">
                 <a:cs typeface="B Nazanin" panose="00000400000000000000" pitchFamily="2" charset="-78"/>
               </a:rPr>
-              <a:t>  </a:t>
-            </a:r>
-          </a:p>
-          <a:p>
-            <a:pPr marL="0" indent="0" algn="r" rtl="1">
-              <a:buNone/>
-            </a:pPr>
+              <a:t>         </a:t>
+            </a:r>
             <a:r>
               <a:rPr lang="fa-IR" sz="2400" dirty="0" smtClean="0">
                 <a:solidFill>
@@ -7602,7 +7310,7 @@
               <a:rPr lang="fa-IR" sz="2000" dirty="0" smtClean="0">
                 <a:cs typeface="B Nazanin" panose="00000400000000000000" pitchFamily="2" charset="-78"/>
               </a:rPr>
-              <a:t>  اعتبار سنجی و تایید :</a:t>
+              <a:t>        نیازمندی ها:</a:t>
             </a:r>
           </a:p>
           <a:p>
@@ -7613,7 +7321,7 @@
               <a:rPr lang="fa-IR" dirty="0" smtClean="0">
                 <a:cs typeface="B Nazanin" panose="00000400000000000000" pitchFamily="2" charset="-78"/>
               </a:rPr>
-              <a:t>مشخات نیازمندی ها را بررسی کند .</a:t>
+              <a:t>نیازمندی ها را از کاربران جمع آوری کند .</a:t>
             </a:r>
           </a:p>
           <a:p>
@@ -7624,7 +7332,7 @@
               <a:rPr lang="fa-IR" dirty="0" smtClean="0">
                 <a:cs typeface="B Nazanin" panose="00000400000000000000" pitchFamily="2" charset="-78"/>
               </a:rPr>
-              <a:t>معیارهای پذیرش را تعریف کند </a:t>
+              <a:t>سناریوهای استفاده ، یوزکیس ها و داستان های کاربران را بسط دهد . </a:t>
             </a:r>
           </a:p>
           <a:p>
@@ -7635,7 +7343,7 @@
               <a:rPr lang="fa-IR" dirty="0" smtClean="0">
                 <a:cs typeface="B Nazanin" panose="00000400000000000000" pitchFamily="2" charset="-78"/>
               </a:rPr>
-              <a:t>از سناریوهای کاربردی تست پذیرش کاربر را توسعه دهد . </a:t>
+              <a:t>تضادها بین نیازمندی های پیشنهاد شده در کلاس کاربری را حل کند . </a:t>
             </a:r>
           </a:p>
           <a:p>
@@ -7646,7 +7354,7 @@
               <a:rPr lang="fa-IR" dirty="0" smtClean="0">
                 <a:cs typeface="B Nazanin" panose="00000400000000000000" pitchFamily="2" charset="-78"/>
               </a:rPr>
-              <a:t>مجموعه داده های آزمایشی را از کسب و کار ارائه دهید </a:t>
+              <a:t>الویت های اجرایی را تعریف کند .</a:t>
             </a:r>
           </a:p>
           <a:p>
@@ -7657,21 +7365,7 @@
               <a:rPr lang="fa-IR" dirty="0" smtClean="0">
                 <a:cs typeface="B Nazanin" panose="00000400000000000000" pitchFamily="2" charset="-78"/>
               </a:rPr>
-              <a:t>تست پذیرش کاربر یا بتا تست را انجام دهد . </a:t>
-            </a:r>
-          </a:p>
-          <a:p>
-            <a:pPr marL="0" lvl="0" indent="0">
-              <a:buNone/>
-            </a:pPr>
-            <a:r>
-              <a:rPr lang="fa-IR" sz="2000" dirty="0">
-                <a:solidFill>
-                  <a:prstClr val="black"/>
-                </a:solidFill>
-                <a:cs typeface="B Nazanin" panose="00000400000000000000" pitchFamily="2" charset="-78"/>
-              </a:rPr>
-              <a:t>مدیریت تغییرات </a:t>
+              <a:t>ورودی‌ها را در مورد عملکرد و سایر الزامات کیفی ارائه دهد .</a:t>
             </a:r>
           </a:p>
           <a:p>
@@ -7679,13 +7373,10 @@
               <a:buNone/>
             </a:pPr>
             <a:r>
-              <a:rPr lang="fa-IR" dirty="0">
-                <a:solidFill>
-                  <a:prstClr val="black"/>
-                </a:solidFill>
-                <a:cs typeface="B Nazanin" panose="00000400000000000000" pitchFamily="2" charset="-78"/>
-              </a:rPr>
-              <a:t>درخواست های بهبود و اصلاحات نقص ها را الویت بندی کند .</a:t>
+              <a:rPr lang="fa-IR" dirty="0" smtClean="0">
+                <a:cs typeface="B Nazanin" panose="00000400000000000000" pitchFamily="2" charset="-78"/>
+              </a:rPr>
+              <a:t>نمونه های اولیه را ارزیابی کند . </a:t>
             </a:r>
           </a:p>
           <a:p>
@@ -7693,13 +7384,10 @@
               <a:buNone/>
             </a:pPr>
             <a:r>
-              <a:rPr lang="fa-IR" dirty="0">
-                <a:solidFill>
-                  <a:prstClr val="black"/>
-                </a:solidFill>
-                <a:cs typeface="B Nazanin" panose="00000400000000000000" pitchFamily="2" charset="-78"/>
-              </a:rPr>
-              <a:t>به صورت پویا محدوده انتشارات آینده را مشخص کند . </a:t>
+              <a:rPr lang="fa-IR" dirty="0" smtClean="0">
+                <a:cs typeface="B Nazanin" panose="00000400000000000000" pitchFamily="2" charset="-78"/>
+              </a:rPr>
+              <a:t>با سایر تصمیم گیرندگان راهبردی برای برطرف کردن تضادها بین سایر ذینفعان کار کند . </a:t>
             </a:r>
           </a:p>
           <a:p>
@@ -7707,27 +7395,10 @@
               <a:buNone/>
             </a:pPr>
             <a:r>
-              <a:rPr lang="fa-IR" dirty="0">
-                <a:solidFill>
-                  <a:prstClr val="black"/>
-                </a:solidFill>
-                <a:cs typeface="B Nazanin" panose="00000400000000000000" pitchFamily="2" charset="-78"/>
-              </a:rPr>
-              <a:t>تاثیر تغییرات پیشنهادی بر روی کاربران و فرایندهای تجاری را ارزیابی کند . </a:t>
-            </a:r>
-          </a:p>
-          <a:p>
-            <a:pPr marL="914400" lvl="2" indent="0">
-              <a:buNone/>
-            </a:pPr>
-            <a:r>
-              <a:rPr lang="fa-IR" dirty="0">
-                <a:solidFill>
-                  <a:prstClr val="black"/>
-                </a:solidFill>
-                <a:cs typeface="B Nazanin" panose="00000400000000000000" pitchFamily="2" charset="-78"/>
-              </a:rPr>
-              <a:t>در تصمیم گیری برای تغییرات سازنده شرکت کند . </a:t>
+              <a:rPr lang="fa-IR" dirty="0" smtClean="0">
+                <a:cs typeface="B Nazanin" panose="00000400000000000000" pitchFamily="2" charset="-78"/>
+              </a:rPr>
+              <a:t>الگوریتم های تخصصی را ارائه بدهد . </a:t>
             </a:r>
           </a:p>
           <a:p>
@@ -7750,15 +7421,207 @@
           </a:p>
         </p:txBody>
       </p:sp>
-      <p:sp>
-        <p:nvSpPr>
-          <p:cNvPr id="4" name="Isosceles Triangle 3"/>
+      <p:pic>
+        <p:nvPicPr>
+          <p:cNvPr id="4" name="Picture 3"/>
+          <p:cNvPicPr>
+            <a:picLocks noChangeAspect="1"/>
+          </p:cNvPicPr>
+          <p:nvPr/>
+        </p:nvPicPr>
+        <p:blipFill>
+          <a:blip r:embed="rId2"/>
+          <a:stretch>
+            <a:fillRect/>
+          </a:stretch>
+        </p:blipFill>
+        <p:spPr>
+          <a:xfrm>
+            <a:off x="10476646" y="1923115"/>
+            <a:ext cx="560881" cy="243861"/>
+          </a:xfrm>
+          <a:prstGeom prst="rect">
+            <a:avLst/>
+          </a:prstGeom>
+        </p:spPr>
+      </p:pic>
+      <p:pic>
+        <p:nvPicPr>
+          <p:cNvPr id="5" name="Picture 4"/>
+          <p:cNvPicPr>
+            <a:picLocks noChangeAspect="1"/>
+          </p:cNvPicPr>
+          <p:nvPr/>
+        </p:nvPicPr>
+        <p:blipFill>
+          <a:blip r:embed="rId2"/>
+          <a:stretch>
+            <a:fillRect/>
+          </a:stretch>
+        </p:blipFill>
+        <p:spPr>
+          <a:xfrm>
+            <a:off x="10476645" y="2247703"/>
+            <a:ext cx="560881" cy="243861"/>
+          </a:xfrm>
+          <a:prstGeom prst="rect">
+            <a:avLst/>
+          </a:prstGeom>
+        </p:spPr>
+      </p:pic>
+      <p:pic>
+        <p:nvPicPr>
+          <p:cNvPr id="6" name="Picture 5"/>
+          <p:cNvPicPr>
+            <a:picLocks noChangeAspect="1"/>
+          </p:cNvPicPr>
+          <p:nvPr/>
+        </p:nvPicPr>
+        <p:blipFill>
+          <a:blip r:embed="rId2"/>
+          <a:stretch>
+            <a:fillRect/>
+          </a:stretch>
+        </p:blipFill>
+        <p:spPr>
+          <a:xfrm>
+            <a:off x="10467219" y="2567909"/>
+            <a:ext cx="560881" cy="243861"/>
+          </a:xfrm>
+          <a:prstGeom prst="rect">
+            <a:avLst/>
+          </a:prstGeom>
+        </p:spPr>
+      </p:pic>
+      <p:pic>
+        <p:nvPicPr>
+          <p:cNvPr id="7" name="Picture 6"/>
+          <p:cNvPicPr>
+            <a:picLocks noChangeAspect="1"/>
+          </p:cNvPicPr>
+          <p:nvPr/>
+        </p:nvPicPr>
+        <p:blipFill>
+          <a:blip r:embed="rId2"/>
+          <a:stretch>
+            <a:fillRect/>
+          </a:stretch>
+        </p:blipFill>
+        <p:spPr>
+          <a:xfrm>
+            <a:off x="10476645" y="2882397"/>
+            <a:ext cx="560881" cy="243861"/>
+          </a:xfrm>
+          <a:prstGeom prst="rect">
+            <a:avLst/>
+          </a:prstGeom>
+        </p:spPr>
+      </p:pic>
+      <p:pic>
+        <p:nvPicPr>
+          <p:cNvPr id="8" name="Picture 7"/>
+          <p:cNvPicPr>
+            <a:picLocks noChangeAspect="1"/>
+          </p:cNvPicPr>
+          <p:nvPr/>
+        </p:nvPicPr>
+        <p:blipFill>
+          <a:blip r:embed="rId2"/>
+          <a:stretch>
+            <a:fillRect/>
+          </a:stretch>
+        </p:blipFill>
+        <p:spPr>
+          <a:xfrm>
+            <a:off x="10467219" y="3284788"/>
+            <a:ext cx="560881" cy="243861"/>
+          </a:xfrm>
+          <a:prstGeom prst="rect">
+            <a:avLst/>
+          </a:prstGeom>
+        </p:spPr>
+      </p:pic>
+      <p:pic>
+        <p:nvPicPr>
+          <p:cNvPr id="9" name="Picture 8"/>
+          <p:cNvPicPr>
+            <a:picLocks noChangeAspect="1"/>
+          </p:cNvPicPr>
+          <p:nvPr/>
+        </p:nvPicPr>
+        <p:blipFill>
+          <a:blip r:embed="rId2"/>
+          <a:stretch>
+            <a:fillRect/>
+          </a:stretch>
+        </p:blipFill>
+        <p:spPr>
+          <a:xfrm>
+            <a:off x="10467219" y="3652621"/>
+            <a:ext cx="560881" cy="243861"/>
+          </a:xfrm>
+          <a:prstGeom prst="rect">
+            <a:avLst/>
+          </a:prstGeom>
+        </p:spPr>
+      </p:pic>
+      <p:pic>
+        <p:nvPicPr>
+          <p:cNvPr id="10" name="Picture 9"/>
+          <p:cNvPicPr>
+            <a:picLocks noChangeAspect="1"/>
+          </p:cNvPicPr>
+          <p:nvPr/>
+        </p:nvPicPr>
+        <p:blipFill>
+          <a:blip r:embed="rId2"/>
+          <a:stretch>
+            <a:fillRect/>
+          </a:stretch>
+        </p:blipFill>
+        <p:spPr>
+          <a:xfrm>
+            <a:off x="10467220" y="3972661"/>
+            <a:ext cx="560881" cy="243861"/>
+          </a:xfrm>
+          <a:prstGeom prst="rect">
+            <a:avLst/>
+          </a:prstGeom>
+        </p:spPr>
+      </p:pic>
+      <p:pic>
+        <p:nvPicPr>
+          <p:cNvPr id="11" name="Picture 10"/>
+          <p:cNvPicPr>
+            <a:picLocks noChangeAspect="1"/>
+          </p:cNvPicPr>
+          <p:nvPr/>
+        </p:nvPicPr>
+        <p:blipFill>
+          <a:blip r:embed="rId2"/>
+          <a:stretch>
+            <a:fillRect/>
+          </a:stretch>
+        </p:blipFill>
+        <p:spPr>
+          <a:xfrm>
+            <a:off x="10476645" y="4281598"/>
+            <a:ext cx="560881" cy="243861"/>
+          </a:xfrm>
+          <a:prstGeom prst="rect">
+            <a:avLst/>
+          </a:prstGeom>
+        </p:spPr>
+      </p:pic>
+      <p:sp>
+        <p:nvSpPr>
+          <p:cNvPr id="12" name="Isosceles Triangle 11"/>
           <p:cNvSpPr/>
           <p:nvPr/>
         </p:nvSpPr>
         <p:spPr>
           <a:xfrm rot="16200000">
-            <a:off x="11113415" y="1868044"/>
+            <a:off x="10797141" y="1641078"/>
             <a:ext cx="282804" cy="197966"/>
           </a:xfrm>
           <a:prstGeom prst="triangle">
@@ -7798,162 +7661,18 @@
           </a:p>
         </p:txBody>
       </p:sp>
-      <p:pic>
-        <p:nvPicPr>
-          <p:cNvPr id="5" name="Picture 4"/>
-          <p:cNvPicPr>
-            <a:picLocks noChangeAspect="1"/>
-          </p:cNvPicPr>
-          <p:nvPr/>
-        </p:nvPicPr>
-        <p:blipFill>
-          <a:blip r:embed="rId2"/>
-          <a:stretch>
-            <a:fillRect/>
-          </a:stretch>
-        </p:blipFill>
-        <p:spPr>
-          <a:xfrm>
-            <a:off x="10502055" y="2210909"/>
-            <a:ext cx="560881" cy="243861"/>
-          </a:xfrm>
-          <a:prstGeom prst="rect">
-            <a:avLst/>
-          </a:prstGeom>
-        </p:spPr>
-      </p:pic>
-      <p:pic>
-        <p:nvPicPr>
-          <p:cNvPr id="6" name="Picture 5"/>
-          <p:cNvPicPr>
-            <a:picLocks noChangeAspect="1"/>
-          </p:cNvPicPr>
-          <p:nvPr/>
-        </p:nvPicPr>
-        <p:blipFill>
-          <a:blip r:embed="rId2"/>
-          <a:stretch>
-            <a:fillRect/>
-          </a:stretch>
-        </p:blipFill>
-        <p:spPr>
-          <a:xfrm>
-            <a:off x="10502054" y="2596193"/>
-            <a:ext cx="560881" cy="243861"/>
-          </a:xfrm>
-          <a:prstGeom prst="rect">
-            <a:avLst/>
-          </a:prstGeom>
-        </p:spPr>
-      </p:pic>
-      <p:pic>
-        <p:nvPicPr>
-          <p:cNvPr id="7" name="Picture 6"/>
-          <p:cNvPicPr>
-            <a:picLocks noChangeAspect="1"/>
-          </p:cNvPicPr>
-          <p:nvPr/>
-        </p:nvPicPr>
-        <p:blipFill>
-          <a:blip r:embed="rId2"/>
-          <a:stretch>
-            <a:fillRect/>
-          </a:stretch>
-        </p:blipFill>
-        <p:spPr>
-          <a:xfrm>
-            <a:off x="10502054" y="2916136"/>
-            <a:ext cx="560881" cy="243861"/>
-          </a:xfrm>
-          <a:prstGeom prst="rect">
-            <a:avLst/>
-          </a:prstGeom>
-        </p:spPr>
-      </p:pic>
-      <p:pic>
-        <p:nvPicPr>
-          <p:cNvPr id="8" name="Picture 7"/>
-          <p:cNvPicPr>
-            <a:picLocks noChangeAspect="1"/>
-          </p:cNvPicPr>
-          <p:nvPr/>
-        </p:nvPicPr>
-        <p:blipFill>
-          <a:blip r:embed="rId2"/>
-          <a:stretch>
-            <a:fillRect/>
-          </a:stretch>
-        </p:blipFill>
-        <p:spPr>
-          <a:xfrm>
-            <a:off x="10502054" y="3238344"/>
-            <a:ext cx="560881" cy="243861"/>
-          </a:xfrm>
-          <a:prstGeom prst="rect">
-            <a:avLst/>
-          </a:prstGeom>
-        </p:spPr>
-      </p:pic>
-      <p:pic>
-        <p:nvPicPr>
-          <p:cNvPr id="9" name="Picture 8"/>
-          <p:cNvPicPr>
-            <a:picLocks noChangeAspect="1"/>
-          </p:cNvPicPr>
-          <p:nvPr/>
-        </p:nvPicPr>
-        <p:blipFill>
-          <a:blip r:embed="rId2"/>
-          <a:stretch>
-            <a:fillRect/>
-          </a:stretch>
-        </p:blipFill>
-        <p:spPr>
-          <a:xfrm>
-            <a:off x="10502054" y="3558287"/>
-            <a:ext cx="560881" cy="243861"/>
-          </a:xfrm>
-          <a:prstGeom prst="rect">
-            <a:avLst/>
-          </a:prstGeom>
-        </p:spPr>
-      </p:pic>
-      <p:pic>
-        <p:nvPicPr>
-          <p:cNvPr id="10" name="Picture 9"/>
-          <p:cNvPicPr>
-            <a:picLocks noChangeAspect="1"/>
-          </p:cNvPicPr>
-          <p:nvPr/>
-        </p:nvPicPr>
-        <p:blipFill>
-          <a:blip r:embed="rId3"/>
-          <a:stretch>
-            <a:fillRect/>
-          </a:stretch>
-        </p:blipFill>
-        <p:spPr>
-          <a:xfrm>
-            <a:off x="11204435" y="1392364"/>
-            <a:ext cx="298730" cy="304826"/>
-          </a:xfrm>
-          <a:prstGeom prst="rect">
-            <a:avLst/>
-          </a:prstGeom>
-        </p:spPr>
-      </p:pic>
-      <p:sp>
-        <p:nvSpPr>
-          <p:cNvPr id="21" name="Isosceles Triangle 20"/>
+      <p:sp>
+        <p:nvSpPr>
+          <p:cNvPr id="13" name="Cube 12"/>
           <p:cNvSpPr/>
           <p:nvPr/>
         </p:nvSpPr>
         <p:spPr>
-          <a:xfrm rot="16200000">
-            <a:off x="11072956" y="4003682"/>
-            <a:ext cx="282804" cy="197966"/>
-          </a:xfrm>
-          <a:prstGeom prst="triangle">
+          <a:xfrm>
+            <a:off x="10757087" y="1097606"/>
+            <a:ext cx="285750" cy="292248"/>
+          </a:xfrm>
+          <a:prstGeom prst="cube">
             <a:avLst/>
           </a:prstGeom>
           <a:solidFill>
@@ -7990,130 +7709,10 @@
           </a:p>
         </p:txBody>
       </p:sp>
-      <p:pic>
-        <p:nvPicPr>
-          <p:cNvPr id="23" name="Picture 22"/>
-          <p:cNvPicPr>
-            <a:picLocks noChangeAspect="1"/>
-          </p:cNvPicPr>
-          <p:nvPr/>
-        </p:nvPicPr>
-        <p:blipFill>
-          <a:blip r:embed="rId2"/>
-          <a:stretch>
-            <a:fillRect/>
-          </a:stretch>
-        </p:blipFill>
-        <p:spPr>
-          <a:xfrm>
-            <a:off x="10513248" y="4387712"/>
-            <a:ext cx="560881" cy="243861"/>
-          </a:xfrm>
-          <a:prstGeom prst="rect">
-            <a:avLst/>
-          </a:prstGeom>
-        </p:spPr>
-      </p:pic>
-      <p:pic>
-        <p:nvPicPr>
-          <p:cNvPr id="24" name="Picture 23"/>
-          <p:cNvPicPr>
-            <a:picLocks noChangeAspect="1"/>
-          </p:cNvPicPr>
-          <p:nvPr/>
-        </p:nvPicPr>
-        <p:blipFill>
-          <a:blip r:embed="rId2"/>
-          <a:stretch>
-            <a:fillRect/>
-          </a:stretch>
-        </p:blipFill>
-        <p:spPr>
-          <a:xfrm>
-            <a:off x="10502054" y="4355255"/>
-            <a:ext cx="560881" cy="243861"/>
-          </a:xfrm>
-          <a:prstGeom prst="rect">
-            <a:avLst/>
-          </a:prstGeom>
-        </p:spPr>
-      </p:pic>
-      <p:pic>
-        <p:nvPicPr>
-          <p:cNvPr id="25" name="Picture 24"/>
-          <p:cNvPicPr>
-            <a:picLocks noChangeAspect="1"/>
-          </p:cNvPicPr>
-          <p:nvPr/>
-        </p:nvPicPr>
-        <p:blipFill>
-          <a:blip r:embed="rId2"/>
-          <a:stretch>
-            <a:fillRect/>
-          </a:stretch>
-        </p:blipFill>
-        <p:spPr>
-          <a:xfrm>
-            <a:off x="10513248" y="4734053"/>
-            <a:ext cx="560881" cy="243861"/>
-          </a:xfrm>
-          <a:prstGeom prst="rect">
-            <a:avLst/>
-          </a:prstGeom>
-        </p:spPr>
-      </p:pic>
-      <p:pic>
-        <p:nvPicPr>
-          <p:cNvPr id="26" name="Picture 25"/>
-          <p:cNvPicPr>
-            <a:picLocks noChangeAspect="1"/>
-          </p:cNvPicPr>
-          <p:nvPr/>
-        </p:nvPicPr>
-        <p:blipFill>
-          <a:blip r:embed="rId2"/>
-          <a:stretch>
-            <a:fillRect/>
-          </a:stretch>
-        </p:blipFill>
-        <p:spPr>
-          <a:xfrm>
-            <a:off x="10513248" y="5076188"/>
-            <a:ext cx="560881" cy="243861"/>
-          </a:xfrm>
-          <a:prstGeom prst="rect">
-            <a:avLst/>
-          </a:prstGeom>
-        </p:spPr>
-      </p:pic>
-      <p:pic>
-        <p:nvPicPr>
-          <p:cNvPr id="31" name="Picture 30"/>
-          <p:cNvPicPr>
-            <a:picLocks noChangeAspect="1"/>
-          </p:cNvPicPr>
-          <p:nvPr/>
-        </p:nvPicPr>
-        <p:blipFill>
-          <a:blip r:embed="rId2"/>
-          <a:stretch>
-            <a:fillRect/>
-          </a:stretch>
-        </p:blipFill>
-        <p:spPr>
-          <a:xfrm>
-            <a:off x="10513248" y="5382715"/>
-            <a:ext cx="560881" cy="243861"/>
-          </a:xfrm>
-          <a:prstGeom prst="rect">
-            <a:avLst/>
-          </a:prstGeom>
-        </p:spPr>
-      </p:pic>
     </p:spTree>
     <p:extLst>
       <p:ext uri="{BB962C8B-B14F-4D97-AF65-F5344CB8AC3E}">
-        <p14:creationId xmlns:p14="http://schemas.microsoft.com/office/powerpoint/2010/main" val="1900475528"/>
+        <p14:creationId xmlns:p14="http://schemas.microsoft.com/office/powerpoint/2010/main" val="3060607866"/>
       </p:ext>
     </p:extLst>
   </p:cSld>
@@ -8152,8 +7751,8 @@
         </p:nvSpPr>
         <p:spPr>
           <a:xfrm>
-            <a:off x="838200" y="365126"/>
-            <a:ext cx="10515600" cy="775698"/>
+            <a:off x="838200" y="365125"/>
+            <a:ext cx="10515600" cy="818347"/>
           </a:xfrm>
         </p:spPr>
         <p:txBody>
@@ -8170,7 +7769,7 @@
                 </a:solidFill>
                 <a:cs typeface="B Nazanin" panose="00000400000000000000" pitchFamily="2" charset="-78"/>
               </a:rPr>
-              <a:t>قهرمان محصول(ادامه)</a:t>
+              <a:t>قهرمان محصول (ادامه)</a:t>
             </a:r>
             <a:endParaRPr lang="en-US" sz="3600" u="sng" dirty="0">
               <a:solidFill>
@@ -8193,8 +7792,8 @@
         </p:nvSpPr>
         <p:spPr>
           <a:xfrm>
-            <a:off x="707572" y="1210491"/>
-            <a:ext cx="10515600" cy="4994494"/>
+            <a:off x="838200" y="992778"/>
+            <a:ext cx="10317634" cy="5184186"/>
           </a:xfrm>
         </p:spPr>
         <p:txBody>
@@ -8203,40 +7802,128 @@
           </a:bodyPr>
           <a:lstStyle/>
           <a:p>
+            <a:pPr marL="0" indent="0" algn="r" rtl="1">
+              <a:buNone/>
+            </a:pPr>
+            <a:r>
+              <a:rPr lang="fa-IR" sz="2000" dirty="0" smtClean="0">
+                <a:cs typeface="B Nazanin" panose="00000400000000000000" pitchFamily="2" charset="-78"/>
+              </a:rPr>
+              <a:t>  </a:t>
+            </a:r>
+          </a:p>
+          <a:p>
+            <a:pPr marL="0" indent="0" algn="r" rtl="1">
+              <a:buNone/>
+            </a:pPr>
+            <a:r>
+              <a:rPr lang="fa-IR" sz="2400" dirty="0" smtClean="0">
+                <a:solidFill>
+                  <a:srgbClr val="C00000"/>
+                </a:solidFill>
+                <a:cs typeface="B Nazanin" panose="00000400000000000000" pitchFamily="2" charset="-78"/>
+              </a:rPr>
+              <a:t>انتظارات از قهرمان محصول </a:t>
+            </a:r>
+            <a:endParaRPr lang="fa-IR" sz="2400" dirty="0">
+              <a:solidFill>
+                <a:srgbClr val="C00000"/>
+              </a:solidFill>
+              <a:cs typeface="B Nazanin" panose="00000400000000000000" pitchFamily="2" charset="-78"/>
+            </a:endParaRPr>
+          </a:p>
+          <a:p>
+            <a:pPr marL="0" indent="0" algn="r" rtl="1">
+              <a:buNone/>
+            </a:pPr>
+            <a:r>
+              <a:rPr lang="fa-IR" sz="2000" dirty="0" smtClean="0">
+                <a:cs typeface="B Nazanin" panose="00000400000000000000" pitchFamily="2" charset="-78"/>
+              </a:rPr>
+              <a:t>  اعتبار سنجی و تایید :</a:t>
+            </a:r>
+          </a:p>
+          <a:p>
+            <a:pPr marL="914400" lvl="2" indent="0">
+              <a:buNone/>
+            </a:pPr>
+            <a:r>
+              <a:rPr lang="fa-IR" dirty="0" smtClean="0">
+                <a:cs typeface="B Nazanin" panose="00000400000000000000" pitchFamily="2" charset="-78"/>
+              </a:rPr>
+              <a:t>مشخات نیازمندی ها را بررسی کند .</a:t>
+            </a:r>
+          </a:p>
+          <a:p>
+            <a:pPr marL="914400" lvl="2" indent="0">
+              <a:buNone/>
+            </a:pPr>
+            <a:r>
+              <a:rPr lang="fa-IR" dirty="0" smtClean="0">
+                <a:cs typeface="B Nazanin" panose="00000400000000000000" pitchFamily="2" charset="-78"/>
+              </a:rPr>
+              <a:t>معیارهای پذیرش را تعریف کند </a:t>
+            </a:r>
+          </a:p>
+          <a:p>
+            <a:pPr marL="914400" lvl="2" indent="0">
+              <a:buNone/>
+            </a:pPr>
+            <a:r>
+              <a:rPr lang="fa-IR" dirty="0" smtClean="0">
+                <a:cs typeface="B Nazanin" panose="00000400000000000000" pitchFamily="2" charset="-78"/>
+              </a:rPr>
+              <a:t>از سناریوهای کاربردی تست پذیرش کاربر را توسعه دهد . </a:t>
+            </a:r>
+          </a:p>
+          <a:p>
+            <a:pPr marL="914400" lvl="2" indent="0">
+              <a:buNone/>
+            </a:pPr>
+            <a:r>
+              <a:rPr lang="fa-IR" dirty="0" smtClean="0">
+                <a:cs typeface="B Nazanin" panose="00000400000000000000" pitchFamily="2" charset="-78"/>
+              </a:rPr>
+              <a:t>مجموعه داده های آزمایشی را از کسب و کار ارائه دهید </a:t>
+            </a:r>
+          </a:p>
+          <a:p>
+            <a:pPr marL="914400" lvl="2" indent="0">
+              <a:buNone/>
+            </a:pPr>
+            <a:r>
+              <a:rPr lang="fa-IR" dirty="0" smtClean="0">
+                <a:cs typeface="B Nazanin" panose="00000400000000000000" pitchFamily="2" charset="-78"/>
+              </a:rPr>
+              <a:t>تست پذیرش کاربر یا بتا تست را انجام دهد . </a:t>
+            </a:r>
+          </a:p>
+          <a:p>
             <a:pPr marL="0" lvl="0" indent="0">
               <a:buNone/>
             </a:pPr>
             <a:r>
-              <a:rPr lang="fa-IR" sz="2400" dirty="0" smtClean="0">
-                <a:solidFill>
-                  <a:srgbClr val="C00000"/>
-                </a:solidFill>
-                <a:cs typeface="B Nazanin" panose="00000400000000000000" pitchFamily="2" charset="-78"/>
-              </a:rPr>
-              <a:t>انتظارات از قهرمان محصول </a:t>
-            </a:r>
-          </a:p>
-          <a:p>
-            <a:pPr marL="0" lvl="0" indent="0">
-              <a:buNone/>
-            </a:pPr>
-            <a:r>
-              <a:rPr lang="fa-IR" sz="2000" dirty="0" smtClean="0">
+              <a:rPr lang="fa-IR" sz="2000" dirty="0">
                 <a:solidFill>
                   <a:prstClr val="black"/>
                 </a:solidFill>
                 <a:cs typeface="B Nazanin" panose="00000400000000000000" pitchFamily="2" charset="-78"/>
               </a:rPr>
-              <a:t>کمک </a:t>
-            </a:r>
-            <a:r>
-              <a:rPr lang="fa-IR" sz="2000" dirty="0">
+              <a:t>مدیریت تغییرات </a:t>
+            </a:r>
+          </a:p>
+          <a:p>
+            <a:pPr marL="914400" lvl="2" indent="0">
+              <a:buNone/>
+            </a:pPr>
+            <a:r>
+              <a:rPr lang="fa-IR" dirty="0">
                 <a:solidFill>
                   <a:prstClr val="black"/>
                 </a:solidFill>
                 <a:cs typeface="B Nazanin" panose="00000400000000000000" pitchFamily="2" charset="-78"/>
               </a:rPr>
-              <a:t>های کاربر</a:t>
+              <a:t>درخواست های بهبود و اصلاحات نقص ها را الویت بندی کند .</a:t>
             </a:r>
           </a:p>
           <a:p>
@@ -8250,7 +7937,7 @@
                 </a:solidFill>
                 <a:cs typeface="B Nazanin" panose="00000400000000000000" pitchFamily="2" charset="-78"/>
               </a:rPr>
-              <a:t>بخش های از اسناد کاربر و متن راهنما را بنویسد .</a:t>
+              <a:t>به صورت پویا محدوده انتشارات آینده را مشخص کند . </a:t>
             </a:r>
           </a:p>
           <a:p>
@@ -8264,7 +7951,7 @@
                 </a:solidFill>
                 <a:cs typeface="B Nazanin" panose="00000400000000000000" pitchFamily="2" charset="-78"/>
               </a:rPr>
-              <a:t>در برنامه های تمرینی یا آموزش شرکت کند .</a:t>
+              <a:t>تاثیر تغییرات پیشنهادی بر روی کاربران و فرایندهای تجاری را ارزیابی کند . </a:t>
             </a:r>
           </a:p>
           <a:p>
@@ -8278,7 +7965,7 @@
                 </a:solidFill>
                 <a:cs typeface="B Nazanin" panose="00000400000000000000" pitchFamily="2" charset="-78"/>
               </a:rPr>
-              <a:t>سیستم را برای همتایان خود شرح دهد . </a:t>
+              <a:t>در تصمیم گیری برای تغییرات سازنده شرکت کند . </a:t>
             </a:r>
           </a:p>
           <a:p>
@@ -8299,35 +7986,17 @@
               <a:cs typeface="B Nazanin" panose="00000400000000000000" pitchFamily="2" charset="-78"/>
             </a:endParaRPr>
           </a:p>
-          <a:p>
-            <a:pPr algn="r" rtl="1">
-              <a:buFont typeface="Wingdings" panose="05000000000000000000" pitchFamily="2" charset="2"/>
-              <a:buChar char="q"/>
-            </a:pPr>
-            <a:endParaRPr lang="fa-IR" sz="2000" dirty="0" smtClean="0">
-              <a:cs typeface="B Nazanin" panose="00000400000000000000" pitchFamily="2" charset="-78"/>
-            </a:endParaRPr>
-          </a:p>
-          <a:p>
-            <a:pPr algn="r" rtl="1">
-              <a:buFont typeface="Wingdings" panose="05000000000000000000" pitchFamily="2" charset="2"/>
-              <a:buChar char="q"/>
-            </a:pPr>
-            <a:endParaRPr lang="fa-IR" sz="2000" dirty="0" smtClean="0">
-              <a:cs typeface="B Nazanin" panose="00000400000000000000" pitchFamily="2" charset="-78"/>
-            </a:endParaRPr>
-          </a:p>
-        </p:txBody>
-      </p:sp>
-      <p:sp>
-        <p:nvSpPr>
-          <p:cNvPr id="5" name="Isosceles Triangle 4"/>
+        </p:txBody>
+      </p:sp>
+      <p:sp>
+        <p:nvSpPr>
+          <p:cNvPr id="4" name="Isosceles Triangle 3"/>
           <p:cNvSpPr/>
           <p:nvPr/>
         </p:nvSpPr>
         <p:spPr>
           <a:xfrm rot="16200000">
-            <a:off x="11137715" y="1731692"/>
+            <a:off x="11113415" y="1868044"/>
             <a:ext cx="282804" cy="197966"/>
           </a:xfrm>
           <a:prstGeom prst="triangle">
@@ -8369,7 +8038,7 @@
       </p:sp>
       <p:pic>
         <p:nvPicPr>
-          <p:cNvPr id="10" name="Picture 9"/>
+          <p:cNvPr id="5" name="Picture 4"/>
           <p:cNvPicPr>
             <a:picLocks noChangeAspect="1"/>
           </p:cNvPicPr>
@@ -8383,7 +8052,7 @@
         </p:blipFill>
         <p:spPr>
           <a:xfrm>
-            <a:off x="10316407" y="2091967"/>
+            <a:off x="10502055" y="2210909"/>
             <a:ext cx="560881" cy="243861"/>
           </a:xfrm>
           <a:prstGeom prst="rect">
@@ -8393,7 +8062,7 @@
       </p:pic>
       <p:pic>
         <p:nvPicPr>
-          <p:cNvPr id="11" name="Picture 10"/>
+          <p:cNvPr id="6" name="Picture 5"/>
           <p:cNvPicPr>
             <a:picLocks noChangeAspect="1"/>
           </p:cNvPicPr>
@@ -8407,7 +8076,7 @@
         </p:blipFill>
         <p:spPr>
           <a:xfrm>
-            <a:off x="10316407" y="2467103"/>
+            <a:off x="10502054" y="2596193"/>
             <a:ext cx="560881" cy="243861"/>
           </a:xfrm>
           <a:prstGeom prst="rect">
@@ -8417,7 +8086,7 @@
       </p:pic>
       <p:pic>
         <p:nvPicPr>
-          <p:cNvPr id="12" name="Picture 11"/>
+          <p:cNvPr id="7" name="Picture 6"/>
           <p:cNvPicPr>
             <a:picLocks noChangeAspect="1"/>
           </p:cNvPicPr>
@@ -8431,7 +8100,7 @@
         </p:blipFill>
         <p:spPr>
           <a:xfrm>
-            <a:off x="10339582" y="2787307"/>
+            <a:off x="10502054" y="2916136"/>
             <a:ext cx="560881" cy="243861"/>
           </a:xfrm>
           <a:prstGeom prst="rect">
@@ -8441,7 +8110,55 @@
       </p:pic>
       <p:pic>
         <p:nvPicPr>
-          <p:cNvPr id="14" name="Picture 13"/>
+          <p:cNvPr id="8" name="Picture 7"/>
+          <p:cNvPicPr>
+            <a:picLocks noChangeAspect="1"/>
+          </p:cNvPicPr>
+          <p:nvPr/>
+        </p:nvPicPr>
+        <p:blipFill>
+          <a:blip r:embed="rId2"/>
+          <a:stretch>
+            <a:fillRect/>
+          </a:stretch>
+        </p:blipFill>
+        <p:spPr>
+          <a:xfrm>
+            <a:off x="10502054" y="3238344"/>
+            <a:ext cx="560881" cy="243861"/>
+          </a:xfrm>
+          <a:prstGeom prst="rect">
+            <a:avLst/>
+          </a:prstGeom>
+        </p:spPr>
+      </p:pic>
+      <p:pic>
+        <p:nvPicPr>
+          <p:cNvPr id="9" name="Picture 8"/>
+          <p:cNvPicPr>
+            <a:picLocks noChangeAspect="1"/>
+          </p:cNvPicPr>
+          <p:nvPr/>
+        </p:nvPicPr>
+        <p:blipFill>
+          <a:blip r:embed="rId2"/>
+          <a:stretch>
+            <a:fillRect/>
+          </a:stretch>
+        </p:blipFill>
+        <p:spPr>
+          <a:xfrm>
+            <a:off x="10502054" y="3558287"/>
+            <a:ext cx="560881" cy="243861"/>
+          </a:xfrm>
+          <a:prstGeom prst="rect">
+            <a:avLst/>
+          </a:prstGeom>
+        </p:spPr>
+      </p:pic>
+      <p:pic>
+        <p:nvPicPr>
+          <p:cNvPr id="10" name="Picture 9"/>
           <p:cNvPicPr>
             <a:picLocks noChangeAspect="1"/>
           </p:cNvPicPr>
@@ -8455,8 +8172,176 @@
         </p:blipFill>
         <p:spPr>
           <a:xfrm>
-            <a:off x="11279117" y="1210491"/>
-            <a:ext cx="347331" cy="304826"/>
+            <a:off x="11204435" y="1392364"/>
+            <a:ext cx="298730" cy="304826"/>
+          </a:xfrm>
+          <a:prstGeom prst="rect">
+            <a:avLst/>
+          </a:prstGeom>
+        </p:spPr>
+      </p:pic>
+      <p:sp>
+        <p:nvSpPr>
+          <p:cNvPr id="21" name="Isosceles Triangle 20"/>
+          <p:cNvSpPr/>
+          <p:nvPr/>
+        </p:nvSpPr>
+        <p:spPr>
+          <a:xfrm rot="16200000">
+            <a:off x="11072956" y="4003682"/>
+            <a:ext cx="282804" cy="197966"/>
+          </a:xfrm>
+          <a:prstGeom prst="triangle">
+            <a:avLst/>
+          </a:prstGeom>
+          <a:solidFill>
+            <a:srgbClr val="C00000"/>
+          </a:solidFill>
+          <a:ln>
+            <a:solidFill>
+              <a:srgbClr val="C00000"/>
+            </a:solidFill>
+          </a:ln>
+        </p:spPr>
+        <p:style>
+          <a:lnRef idx="2">
+            <a:schemeClr val="accent1">
+              <a:shade val="50000"/>
+            </a:schemeClr>
+          </a:lnRef>
+          <a:fillRef idx="1">
+            <a:schemeClr val="accent1"/>
+          </a:fillRef>
+          <a:effectRef idx="0">
+            <a:schemeClr val="accent1"/>
+          </a:effectRef>
+          <a:fontRef idx="minor">
+            <a:schemeClr val="lt1"/>
+          </a:fontRef>
+        </p:style>
+        <p:txBody>
+          <a:bodyPr rtlCol="1" anchor="ctr"/>
+          <a:lstStyle/>
+          <a:p>
+            <a:pPr algn="ctr"/>
+            <a:endParaRPr lang="fa-IR"/>
+          </a:p>
+        </p:txBody>
+      </p:sp>
+      <p:pic>
+        <p:nvPicPr>
+          <p:cNvPr id="23" name="Picture 22"/>
+          <p:cNvPicPr>
+            <a:picLocks noChangeAspect="1"/>
+          </p:cNvPicPr>
+          <p:nvPr/>
+        </p:nvPicPr>
+        <p:blipFill>
+          <a:blip r:embed="rId2"/>
+          <a:stretch>
+            <a:fillRect/>
+          </a:stretch>
+        </p:blipFill>
+        <p:spPr>
+          <a:xfrm>
+            <a:off x="10513248" y="4387712"/>
+            <a:ext cx="560881" cy="243861"/>
+          </a:xfrm>
+          <a:prstGeom prst="rect">
+            <a:avLst/>
+          </a:prstGeom>
+        </p:spPr>
+      </p:pic>
+      <p:pic>
+        <p:nvPicPr>
+          <p:cNvPr id="24" name="Picture 23"/>
+          <p:cNvPicPr>
+            <a:picLocks noChangeAspect="1"/>
+          </p:cNvPicPr>
+          <p:nvPr/>
+        </p:nvPicPr>
+        <p:blipFill>
+          <a:blip r:embed="rId2"/>
+          <a:stretch>
+            <a:fillRect/>
+          </a:stretch>
+        </p:blipFill>
+        <p:spPr>
+          <a:xfrm>
+            <a:off x="10502054" y="4355255"/>
+            <a:ext cx="560881" cy="243861"/>
+          </a:xfrm>
+          <a:prstGeom prst="rect">
+            <a:avLst/>
+          </a:prstGeom>
+        </p:spPr>
+      </p:pic>
+      <p:pic>
+        <p:nvPicPr>
+          <p:cNvPr id="25" name="Picture 24"/>
+          <p:cNvPicPr>
+            <a:picLocks noChangeAspect="1"/>
+          </p:cNvPicPr>
+          <p:nvPr/>
+        </p:nvPicPr>
+        <p:blipFill>
+          <a:blip r:embed="rId2"/>
+          <a:stretch>
+            <a:fillRect/>
+          </a:stretch>
+        </p:blipFill>
+        <p:spPr>
+          <a:xfrm>
+            <a:off x="10513248" y="4734053"/>
+            <a:ext cx="560881" cy="243861"/>
+          </a:xfrm>
+          <a:prstGeom prst="rect">
+            <a:avLst/>
+          </a:prstGeom>
+        </p:spPr>
+      </p:pic>
+      <p:pic>
+        <p:nvPicPr>
+          <p:cNvPr id="26" name="Picture 25"/>
+          <p:cNvPicPr>
+            <a:picLocks noChangeAspect="1"/>
+          </p:cNvPicPr>
+          <p:nvPr/>
+        </p:nvPicPr>
+        <p:blipFill>
+          <a:blip r:embed="rId2"/>
+          <a:stretch>
+            <a:fillRect/>
+          </a:stretch>
+        </p:blipFill>
+        <p:spPr>
+          <a:xfrm>
+            <a:off x="10513248" y="5076188"/>
+            <a:ext cx="560881" cy="243861"/>
+          </a:xfrm>
+          <a:prstGeom prst="rect">
+            <a:avLst/>
+          </a:prstGeom>
+        </p:spPr>
+      </p:pic>
+      <p:pic>
+        <p:nvPicPr>
+          <p:cNvPr id="31" name="Picture 30"/>
+          <p:cNvPicPr>
+            <a:picLocks noChangeAspect="1"/>
+          </p:cNvPicPr>
+          <p:nvPr/>
+        </p:nvPicPr>
+        <p:blipFill>
+          <a:blip r:embed="rId2"/>
+          <a:stretch>
+            <a:fillRect/>
+          </a:stretch>
+        </p:blipFill>
+        <p:spPr>
+          <a:xfrm>
+            <a:off x="10513248" y="5382715"/>
+            <a:ext cx="560881" cy="243861"/>
           </a:xfrm>
           <a:prstGeom prst="rect">
             <a:avLst/>
@@ -8466,7 +8351,7 @@
     </p:spTree>
     <p:extLst>
       <p:ext uri="{BB962C8B-B14F-4D97-AF65-F5344CB8AC3E}">
-        <p14:creationId xmlns:p14="http://schemas.microsoft.com/office/powerpoint/2010/main" val="2598287691"/>
+        <p14:creationId xmlns:p14="http://schemas.microsoft.com/office/powerpoint/2010/main" val="1900475528"/>
       </p:ext>
     </p:extLst>
   </p:cSld>
@@ -8506,7 +8391,7 @@
         <p:spPr>
           <a:xfrm>
             <a:off x="838200" y="365126"/>
-            <a:ext cx="10515600" cy="627651"/>
+            <a:ext cx="10515600" cy="775698"/>
           </a:xfrm>
         </p:spPr>
         <p:txBody>
@@ -8523,9 +8408,9 @@
                 </a:solidFill>
                 <a:cs typeface="B Nazanin" panose="00000400000000000000" pitchFamily="2" charset="-78"/>
               </a:rPr>
-              <a:t>قهرمان محصول (ادامه )</a:t>
-            </a:r>
-            <a:endParaRPr lang="fa-IR" sz="3600" u="sng" dirty="0">
+              <a:t>قهرمان محصول(ادامه)</a:t>
+            </a:r>
+            <a:endParaRPr lang="en-US" sz="3600" u="sng" dirty="0">
               <a:solidFill>
                 <a:srgbClr val="C00000"/>
               </a:solidFill>
@@ -8546,8 +8431,8 @@
         </p:nvSpPr>
         <p:spPr>
           <a:xfrm>
-            <a:off x="838200" y="1272619"/>
-            <a:ext cx="10515600" cy="4904344"/>
+            <a:off x="707572" y="1210491"/>
+            <a:ext cx="10515600" cy="4994494"/>
           </a:xfrm>
         </p:spPr>
         <p:txBody>
@@ -8556,7 +8441,7 @@
           </a:bodyPr>
           <a:lstStyle/>
           <a:p>
-            <a:pPr marL="0" indent="0" algn="r" rtl="1">
+            <a:pPr marL="0" lvl="0" indent="0">
               <a:buNone/>
             </a:pPr>
             <a:r>
@@ -8566,106 +8451,163 @@
                 </a:solidFill>
                 <a:cs typeface="B Nazanin" panose="00000400000000000000" pitchFamily="2" charset="-78"/>
               </a:rPr>
-              <a:t>    چندنین قهرمان محصول </a:t>
+              <a:t>انتظارات از قهرمان محصول </a:t>
+            </a:r>
+          </a:p>
+          <a:p>
+            <a:pPr marL="0" lvl="0" indent="0">
+              <a:buNone/>
+            </a:pPr>
+            <a:r>
+              <a:rPr lang="fa-IR" sz="2000" dirty="0" smtClean="0">
+                <a:solidFill>
+                  <a:prstClr val="black"/>
+                </a:solidFill>
+                <a:cs typeface="B Nazanin" panose="00000400000000000000" pitchFamily="2" charset="-78"/>
+              </a:rPr>
+              <a:t>کمک </a:t>
+            </a:r>
+            <a:r>
+              <a:rPr lang="fa-IR" sz="2000" dirty="0">
+                <a:solidFill>
+                  <a:prstClr val="black"/>
+                </a:solidFill>
+                <a:cs typeface="B Nazanin" panose="00000400000000000000" pitchFamily="2" charset="-78"/>
+              </a:rPr>
+              <a:t>های کاربر</a:t>
+            </a:r>
+          </a:p>
+          <a:p>
+            <a:pPr marL="914400" lvl="2" indent="0">
+              <a:buNone/>
+            </a:pPr>
+            <a:r>
+              <a:rPr lang="fa-IR" dirty="0">
+                <a:solidFill>
+                  <a:prstClr val="black"/>
+                </a:solidFill>
+                <a:cs typeface="B Nazanin" panose="00000400000000000000" pitchFamily="2" charset="-78"/>
+              </a:rPr>
+              <a:t>بخش های از اسناد کاربر و متن راهنما را بنویسد .</a:t>
+            </a:r>
+          </a:p>
+          <a:p>
+            <a:pPr marL="914400" lvl="2" indent="0">
+              <a:buNone/>
+            </a:pPr>
+            <a:r>
+              <a:rPr lang="fa-IR" dirty="0">
+                <a:solidFill>
+                  <a:prstClr val="black"/>
+                </a:solidFill>
+                <a:cs typeface="B Nazanin" panose="00000400000000000000" pitchFamily="2" charset="-78"/>
+              </a:rPr>
+              <a:t>در برنامه های تمرینی یا آموزش شرکت کند .</a:t>
+            </a:r>
+          </a:p>
+          <a:p>
+            <a:pPr marL="914400" lvl="2" indent="0">
+              <a:buNone/>
+            </a:pPr>
+            <a:r>
+              <a:rPr lang="fa-IR" dirty="0">
+                <a:solidFill>
+                  <a:prstClr val="black"/>
+                </a:solidFill>
+                <a:cs typeface="B Nazanin" panose="00000400000000000000" pitchFamily="2" charset="-78"/>
+              </a:rPr>
+              <a:t>سیستم را برای همتایان خود شرح دهد . </a:t>
             </a:r>
           </a:p>
           <a:p>
             <a:pPr algn="r" rtl="1">
               <a:buFont typeface="Wingdings" panose="05000000000000000000" pitchFamily="2" charset="2"/>
-              <a:buChar char="§"/>
-            </a:pPr>
-            <a:r>
-              <a:rPr lang="fa-IR" sz="2400" dirty="0" smtClean="0">
-                <a:cs typeface="B Nazanin" panose="00000400000000000000" pitchFamily="2" charset="-78"/>
-              </a:rPr>
-              <a:t>یک نفر به ندرت می‌تواند نیازمندی های همه کلاسهای کاربری یک سیستم را توصیف کند . </a:t>
-            </a:r>
+              <a:buChar char="q"/>
+            </a:pPr>
+            <a:endParaRPr lang="fa-IR" sz="2000" dirty="0" smtClean="0">
+              <a:cs typeface="B Nazanin" panose="00000400000000000000" pitchFamily="2" charset="-78"/>
+            </a:endParaRPr>
           </a:p>
           <a:p>
             <a:pPr algn="r" rtl="1">
               <a:buFont typeface="Wingdings" panose="05000000000000000000" pitchFamily="2" charset="2"/>
-              <a:buChar char="§"/>
-            </a:pPr>
-            <a:r>
-              <a:rPr lang="fa-IR" sz="2400" dirty="0" smtClean="0">
-                <a:cs typeface="B Nazanin" panose="00000400000000000000" pitchFamily="2" charset="-78"/>
-              </a:rPr>
-              <a:t>برای اینکه این کار به خوبی انجام شود به تعداد کلاس‌های کاربری باید قهرمان محصول در نظر گرفت . </a:t>
-            </a:r>
-          </a:p>
-          <a:p>
-            <a:pPr marL="0" indent="0" algn="r" rtl="1">
-              <a:buNone/>
-            </a:pPr>
-            <a:r>
-              <a:rPr lang="fa-IR" sz="2000" dirty="0" smtClean="0">
-                <a:cs typeface="B Nazanin" panose="00000400000000000000" pitchFamily="2" charset="-78"/>
-              </a:rPr>
-              <a:t>      </a:t>
-            </a:r>
-            <a:r>
-              <a:rPr lang="fa-IR" sz="2400" dirty="0" smtClean="0">
-                <a:solidFill>
-                  <a:srgbClr val="C00000"/>
-                </a:solidFill>
-                <a:cs typeface="B Nazanin" panose="00000400000000000000" pitchFamily="2" charset="-78"/>
-              </a:rPr>
-              <a:t>فروش ایده‌های قهرمان محصول </a:t>
-            </a:r>
+              <a:buChar char="q"/>
+            </a:pPr>
+            <a:endParaRPr lang="fa-IR" sz="2000" dirty="0" smtClean="0">
+              <a:cs typeface="B Nazanin" panose="00000400000000000000" pitchFamily="2" charset="-78"/>
+            </a:endParaRPr>
           </a:p>
           <a:p>
             <a:pPr algn="r" rtl="1">
               <a:buFont typeface="Wingdings" panose="05000000000000000000" pitchFamily="2" charset="2"/>
-              <a:buChar char="§"/>
-            </a:pPr>
-            <a:r>
-              <a:rPr lang="fa-IR" sz="2400" dirty="0" smtClean="0">
-                <a:cs typeface="B Nazanin" panose="00000400000000000000" pitchFamily="2" charset="-78"/>
-              </a:rPr>
-              <a:t>زمانیکه ایده قهرمان محصول مطرح می‌شود ممکن است با مقاومت‌هایی روبرو شود . </a:t>
-            </a:r>
-            <a:endParaRPr lang="fa-IR" sz="2400" dirty="0">
+              <a:buChar char="q"/>
+            </a:pPr>
+            <a:endParaRPr lang="fa-IR" sz="2000" dirty="0" smtClean="0">
               <a:cs typeface="B Nazanin" panose="00000400000000000000" pitchFamily="2" charset="-78"/>
             </a:endParaRPr>
           </a:p>
           <a:p>
             <a:pPr algn="r" rtl="1">
               <a:buFont typeface="Wingdings" panose="05000000000000000000" pitchFamily="2" charset="2"/>
-              <a:buChar char="§"/>
-            </a:pPr>
-            <a:r>
-              <a:rPr lang="fa-IR" sz="2400" dirty="0" smtClean="0">
-                <a:cs typeface="B Nazanin" panose="00000400000000000000" pitchFamily="2" charset="-78"/>
-              </a:rPr>
-              <a:t>برخی از کاربران تمایلی به همکاری با پروژه‌ای ندارند که نحوه کارشان را تغییر بدهد یا شغلشان را به خطر بیندازد . </a:t>
-            </a:r>
-          </a:p>
-          <a:p>
-            <a:pPr algn="r" rtl="1">
-              <a:buFont typeface="Wingdings" panose="05000000000000000000" pitchFamily="2" charset="2"/>
-              <a:buChar char="§"/>
-            </a:pPr>
-            <a:r>
-              <a:rPr lang="fa-IR" sz="2400" dirty="0" smtClean="0">
-                <a:cs typeface="B Nazanin" panose="00000400000000000000" pitchFamily="2" charset="-78"/>
-              </a:rPr>
-              <a:t>مدیران گاهی تمایل به تفویض اختیارات خود در مورد تعیین و تکلیف نیازمندی ها به کاربران عادی را ندارند . </a:t>
-            </a:r>
-          </a:p>
-          <a:p>
-            <a:pPr algn="r" rtl="1">
-              <a:buFont typeface="Wingdings" panose="05000000000000000000" pitchFamily="2" charset="2"/>
-              <a:buChar char="§"/>
-            </a:pPr>
-            <a:endParaRPr lang="fa-IR" sz="2400" dirty="0">
+              <a:buChar char="q"/>
+            </a:pPr>
+            <a:endParaRPr lang="fa-IR" sz="2000" dirty="0" smtClean="0">
               <a:cs typeface="B Nazanin" panose="00000400000000000000" pitchFamily="2" charset="-78"/>
             </a:endParaRPr>
           </a:p>
         </p:txBody>
       </p:sp>
+      <p:sp>
+        <p:nvSpPr>
+          <p:cNvPr id="5" name="Isosceles Triangle 4"/>
+          <p:cNvSpPr/>
+          <p:nvPr/>
+        </p:nvSpPr>
+        <p:spPr>
+          <a:xfrm rot="16200000">
+            <a:off x="11137715" y="1731692"/>
+            <a:ext cx="282804" cy="197966"/>
+          </a:xfrm>
+          <a:prstGeom prst="triangle">
+            <a:avLst/>
+          </a:prstGeom>
+          <a:solidFill>
+            <a:srgbClr val="C00000"/>
+          </a:solidFill>
+          <a:ln>
+            <a:solidFill>
+              <a:srgbClr val="C00000"/>
+            </a:solidFill>
+          </a:ln>
+        </p:spPr>
+        <p:style>
+          <a:lnRef idx="2">
+            <a:schemeClr val="accent1">
+              <a:shade val="50000"/>
+            </a:schemeClr>
+          </a:lnRef>
+          <a:fillRef idx="1">
+            <a:schemeClr val="accent1"/>
+          </a:fillRef>
+          <a:effectRef idx="0">
+            <a:schemeClr val="accent1"/>
+          </a:effectRef>
+          <a:fontRef idx="minor">
+            <a:schemeClr val="lt1"/>
+          </a:fontRef>
+        </p:style>
+        <p:txBody>
+          <a:bodyPr rtlCol="1" anchor="ctr"/>
+          <a:lstStyle/>
+          <a:p>
+            <a:pPr algn="ctr"/>
+            <a:endParaRPr lang="fa-IR"/>
+          </a:p>
+        </p:txBody>
+      </p:sp>
       <p:pic>
         <p:nvPicPr>
-          <p:cNvPr id="4" name="Picture 3"/>
+          <p:cNvPr id="10" name="Picture 9"/>
           <p:cNvPicPr>
             <a:picLocks noChangeAspect="1"/>
           </p:cNvPicPr>
@@ -8679,8 +8621,8 @@
         </p:blipFill>
         <p:spPr>
           <a:xfrm>
-            <a:off x="11078820" y="1349828"/>
-            <a:ext cx="347331" cy="304826"/>
+            <a:off x="10316407" y="2091967"/>
+            <a:ext cx="560881" cy="243861"/>
           </a:xfrm>
           <a:prstGeom prst="rect">
             <a:avLst/>
@@ -8689,7 +8631,7 @@
       </p:pic>
       <p:pic>
         <p:nvPicPr>
-          <p:cNvPr id="5" name="Picture 4"/>
+          <p:cNvPr id="11" name="Picture 10"/>
           <p:cNvPicPr>
             <a:picLocks noChangeAspect="1"/>
           </p:cNvPicPr>
@@ -8703,7 +8645,55 @@
         </p:blipFill>
         <p:spPr>
           <a:xfrm>
-            <a:off x="11078820" y="2634343"/>
+            <a:off x="10316407" y="2467103"/>
+            <a:ext cx="560881" cy="243861"/>
+          </a:xfrm>
+          <a:prstGeom prst="rect">
+            <a:avLst/>
+          </a:prstGeom>
+        </p:spPr>
+      </p:pic>
+      <p:pic>
+        <p:nvPicPr>
+          <p:cNvPr id="12" name="Picture 11"/>
+          <p:cNvPicPr>
+            <a:picLocks noChangeAspect="1"/>
+          </p:cNvPicPr>
+          <p:nvPr/>
+        </p:nvPicPr>
+        <p:blipFill>
+          <a:blip r:embed="rId2"/>
+          <a:stretch>
+            <a:fillRect/>
+          </a:stretch>
+        </p:blipFill>
+        <p:spPr>
+          <a:xfrm>
+            <a:off x="10339582" y="2787307"/>
+            <a:ext cx="560881" cy="243861"/>
+          </a:xfrm>
+          <a:prstGeom prst="rect">
+            <a:avLst/>
+          </a:prstGeom>
+        </p:spPr>
+      </p:pic>
+      <p:pic>
+        <p:nvPicPr>
+          <p:cNvPr id="14" name="Picture 13"/>
+          <p:cNvPicPr>
+            <a:picLocks noChangeAspect="1"/>
+          </p:cNvPicPr>
+          <p:nvPr/>
+        </p:nvPicPr>
+        <p:blipFill>
+          <a:blip r:embed="rId3"/>
+          <a:stretch>
+            <a:fillRect/>
+          </a:stretch>
+        </p:blipFill>
+        <p:spPr>
+          <a:xfrm>
+            <a:off x="11279117" y="1210491"/>
             <a:ext cx="347331" cy="304826"/>
           </a:xfrm>
           <a:prstGeom prst="rect">
@@ -8714,20 +8704,13 @@
     </p:spTree>
     <p:extLst>
       <p:ext uri="{BB962C8B-B14F-4D97-AF65-F5344CB8AC3E}">
-        <p14:creationId xmlns:p14="http://schemas.microsoft.com/office/powerpoint/2010/main" val="950362897"/>
+        <p14:creationId xmlns:p14="http://schemas.microsoft.com/office/powerpoint/2010/main" val="2598287691"/>
       </p:ext>
     </p:extLst>
   </p:cSld>
   <p:clrMapOvr>
     <a:masterClrMapping/>
   </p:clrMapOvr>
-  <p:timing>
-    <p:tnLst>
-      <p:par>
-        <p:cTn id="1" dur="indefinite" restart="never" nodeType="tmRoot"/>
-      </p:par>
-    </p:tnLst>
-  </p:timing>
 </p:sld>
 </file>
 
@@ -8761,26 +8744,26 @@
         <p:spPr>
           <a:xfrm>
             <a:off x="838200" y="365126"/>
-            <a:ext cx="10515600" cy="497023"/>
+            <a:ext cx="10515600" cy="627651"/>
           </a:xfrm>
         </p:spPr>
         <p:txBody>
           <a:bodyPr>
-            <a:normAutofit fontScale="90000"/>
+            <a:normAutofit/>
           </a:bodyPr>
           <a:lstStyle/>
           <a:p>
             <a:pPr algn="ctr"/>
             <a:r>
-              <a:rPr lang="fa-IR" u="sng" dirty="0" smtClean="0">
+              <a:rPr lang="fa-IR" sz="3600" u="sng" dirty="0" smtClean="0">
                 <a:solidFill>
                   <a:srgbClr val="C00000"/>
                 </a:solidFill>
                 <a:cs typeface="B Nazanin" panose="00000400000000000000" pitchFamily="2" charset="-78"/>
               </a:rPr>
-              <a:t>قهرمان محصول (ادامه)</a:t>
-            </a:r>
-            <a:endParaRPr lang="fa-IR" u="sng" dirty="0">
+              <a:t>قهرمان محصول (ادامه )</a:t>
+            </a:r>
+            <a:endParaRPr lang="fa-IR" sz="3600" u="sng" dirty="0">
               <a:solidFill>
                 <a:srgbClr val="C00000"/>
               </a:solidFill>
@@ -8801,8 +8784,8 @@
         </p:nvSpPr>
         <p:spPr>
           <a:xfrm>
-            <a:off x="600891" y="988437"/>
-            <a:ext cx="10752909" cy="5477691"/>
+            <a:off x="838200" y="1272619"/>
+            <a:ext cx="10515600" cy="4904344"/>
           </a:xfrm>
         </p:spPr>
         <p:txBody>
@@ -8815,41 +8798,14 @@
               <a:buNone/>
             </a:pPr>
             <a:r>
-              <a:rPr lang="fa-IR" sz="2400" dirty="0">
-                <a:cs typeface="B Nazanin" panose="00000400000000000000" pitchFamily="2" charset="-78"/>
-              </a:rPr>
-              <a:t> </a:t>
-            </a:r>
-            <a:r>
               <a:rPr lang="fa-IR" sz="2400" dirty="0" smtClean="0">
-                <a:cs typeface="B Nazanin" panose="00000400000000000000" pitchFamily="2" charset="-78"/>
-              </a:rPr>
-              <a:t>     </a:t>
-            </a:r>
-            <a:r>
-              <a:rPr lang="fa-IR" sz="2400" dirty="0" smtClean="0">
                 <a:solidFill>
                   <a:srgbClr val="C00000"/>
                 </a:solidFill>
                 <a:cs typeface="B Nazanin" panose="00000400000000000000" pitchFamily="2" charset="-78"/>
               </a:rPr>
-              <a:t>جلوگیری از تله قهرمان محصول   </a:t>
-            </a:r>
-            <a:r>
-              <a:rPr lang="fa-IR" sz="2400" dirty="0" smtClean="0">
-                <a:solidFill>
-                  <a:srgbClr val="C00000"/>
-                </a:solidFill>
-                <a:cs typeface="B Nazanin" panose="00000400000000000000" pitchFamily="2" charset="-78"/>
-              </a:rPr>
-              <a:t>   </a:t>
-            </a:r>
-            <a:endParaRPr lang="fa-IR" sz="2400" dirty="0">
-              <a:solidFill>
-                <a:srgbClr val="C00000"/>
-              </a:solidFill>
-              <a:cs typeface="B Nazanin" panose="00000400000000000000" pitchFamily="2" charset="-78"/>
-            </a:endParaRPr>
+              <a:t>    چندنین قهرمان محصول </a:t>
+            </a:r>
           </a:p>
           <a:p>
             <a:pPr algn="r" rtl="1">
@@ -8857,10 +8813,10 @@
               <a:buChar char="§"/>
             </a:pPr>
             <a:r>
-              <a:rPr lang="fa-IR" sz="2000" b="1" dirty="0" smtClean="0">
-                <a:cs typeface="B Nazanin" panose="00000400000000000000" pitchFamily="2" charset="-78"/>
-              </a:rPr>
-              <a:t>مدل قهرمان محصول زمانی درست کار می‌کند که قهرمان محصول مسئولیت‌های خود را به خوبی درک کند . </a:t>
+              <a:rPr lang="fa-IR" sz="2400" dirty="0" smtClean="0">
+                <a:cs typeface="B Nazanin" panose="00000400000000000000" pitchFamily="2" charset="-78"/>
+              </a:rPr>
+              <a:t>یک نفر به ندرت می‌تواند نیازمندی های همه کلاسهای کاربری یک سیستم را توصیف کند . </a:t>
             </a:r>
           </a:p>
           <a:p>
@@ -8869,10 +8825,30 @@
               <a:buChar char="§"/>
             </a:pPr>
             <a:r>
-              <a:rPr lang="fa-IR" sz="2000" b="1" dirty="0" smtClean="0">
-                <a:cs typeface="B Nazanin" panose="00000400000000000000" pitchFamily="2" charset="-78"/>
-              </a:rPr>
-              <a:t>اختیار تصمیم گیری درسطح نیازهای کاربری را داشته باشد . </a:t>
+              <a:rPr lang="fa-IR" sz="2400" dirty="0" smtClean="0">
+                <a:cs typeface="B Nazanin" panose="00000400000000000000" pitchFamily="2" charset="-78"/>
+              </a:rPr>
+              <a:t>برای اینکه این کار به خوبی انجام شود به تعداد کلاس‌های کاربری باید قهرمان محصول در نظر گرفت . </a:t>
+            </a:r>
+          </a:p>
+          <a:p>
+            <a:pPr marL="0" indent="0" algn="r" rtl="1">
+              <a:buNone/>
+            </a:pPr>
+            <a:r>
+              <a:rPr lang="fa-IR" sz="2000" dirty="0" smtClean="0">
+                <a:cs typeface="B Nazanin" panose="00000400000000000000" pitchFamily="2" charset="-78"/>
+              </a:rPr>
+              <a:t>      </a:t>
+            </a:r>
+            <a:r>
+              <a:rPr lang="fa-IR" sz="2400" dirty="0" smtClean="0">
+                <a:solidFill>
+                  <a:srgbClr val="C00000"/>
+                </a:solidFill>
+                <a:cs typeface="B Nazanin" panose="00000400000000000000" pitchFamily="2" charset="-78"/>
+              </a:rPr>
+              <a:t>فروش ایده‌های قهرمان محصول </a:t>
             </a:r>
           </a:p>
           <a:p>
@@ -8881,169 +8857,45 @@
               <a:buChar char="§"/>
             </a:pPr>
             <a:r>
-              <a:rPr lang="fa-IR" sz="2000" b="1" dirty="0" smtClean="0">
-                <a:cs typeface="B Nazanin" panose="00000400000000000000" pitchFamily="2" charset="-78"/>
-              </a:rPr>
-              <a:t>و زمان کافی برای انجام این وظایف را در دسترس داشته باشند . </a:t>
-            </a:r>
-          </a:p>
-          <a:p>
-            <a:pPr marL="0" indent="0" algn="r" rtl="1">
-              <a:buNone/>
-            </a:pPr>
-            <a:r>
-              <a:rPr lang="en-US" sz="2000" dirty="0" smtClean="0">
-                <a:cs typeface="B Nazanin" panose="00000400000000000000" pitchFamily="2" charset="-78"/>
-              </a:rPr>
-              <a:t>    </a:t>
-            </a:r>
-            <a:r>
-              <a:rPr lang="fa-IR" sz="2000" dirty="0" smtClean="0">
-                <a:cs typeface="B Nazanin" panose="00000400000000000000" pitchFamily="2" charset="-78"/>
-              </a:rPr>
-              <a:t>   </a:t>
-            </a:r>
-            <a:r>
-              <a:rPr lang="fa-IR" sz="2000" b="1" dirty="0" smtClean="0">
-                <a:cs typeface="B Nazanin" panose="00000400000000000000" pitchFamily="2" charset="-78"/>
-              </a:rPr>
-              <a:t>مراقب مشکلات احتمالی زیر باشید:</a:t>
-            </a:r>
+              <a:rPr lang="fa-IR" sz="2400" dirty="0" smtClean="0">
+                <a:cs typeface="B Nazanin" panose="00000400000000000000" pitchFamily="2" charset="-78"/>
+              </a:rPr>
+              <a:t>زمانیکه ایده قهرمان محصول مطرح می‌شود ممکن است با مقاومت‌هایی روبرو شود . </a:t>
+            </a:r>
+            <a:endParaRPr lang="fa-IR" sz="2400" dirty="0">
+              <a:cs typeface="B Nazanin" panose="00000400000000000000" pitchFamily="2" charset="-78"/>
+            </a:endParaRPr>
           </a:p>
           <a:p>
             <a:pPr algn="r" rtl="1">
               <a:buFont typeface="Wingdings" panose="05000000000000000000" pitchFamily="2" charset="2"/>
-              <a:buChar char="v"/>
-            </a:pPr>
-            <a:r>
-              <a:rPr lang="en-US" sz="2000" dirty="0" smtClean="0">
-                <a:cs typeface="B Nazanin" panose="00000400000000000000" pitchFamily="2" charset="-78"/>
-              </a:rPr>
-              <a:t>    </a:t>
-            </a:r>
-            <a:r>
-              <a:rPr lang="fa-IR" sz="2000" b="1" dirty="0" smtClean="0">
-                <a:cs typeface="B Nazanin" panose="00000400000000000000" pitchFamily="2" charset="-78"/>
-              </a:rPr>
-              <a:t>مدیران تصمیماتی را که قهرمان محصول می‌گیرد نادیده می‌گیرند.</a:t>
-            </a:r>
-          </a:p>
-          <a:p>
-            <a:pPr marL="0" indent="0" algn="r" rtl="1">
-              <a:buNone/>
-            </a:pPr>
-            <a:r>
-              <a:rPr lang="fa-IR" sz="2000" b="1" dirty="0">
-                <a:cs typeface="B Nazanin" panose="00000400000000000000" pitchFamily="2" charset="-78"/>
-              </a:rPr>
-              <a:t> </a:t>
-            </a:r>
-            <a:r>
-              <a:rPr lang="fa-IR" sz="2000" b="1" dirty="0" smtClean="0">
-                <a:cs typeface="B Nazanin" panose="00000400000000000000" pitchFamily="2" charset="-78"/>
-              </a:rPr>
-              <a:t>     </a:t>
-            </a:r>
-            <a:r>
-              <a:rPr lang="fa-IR" sz="2000" dirty="0" smtClean="0">
-                <a:cs typeface="B Nazanin" panose="00000400000000000000" pitchFamily="2" charset="-78"/>
-              </a:rPr>
-              <a:t>آنها در آخرین لحظات تصمیمات ناگهانی می‌گیرند و فکر می‌کنند خودشان بهتر نیازهای کاربران را می‌دانند.</a:t>
-            </a:r>
-          </a:p>
-          <a:p>
-            <a:pPr marL="0" indent="0" algn="r" rtl="1">
-              <a:buNone/>
-            </a:pPr>
-            <a:r>
-              <a:rPr lang="fa-IR" sz="2000" dirty="0">
-                <a:cs typeface="B Nazanin" panose="00000400000000000000" pitchFamily="2" charset="-78"/>
-              </a:rPr>
-              <a:t> </a:t>
-            </a:r>
-            <a:r>
-              <a:rPr lang="fa-IR" sz="2000" dirty="0" smtClean="0">
-                <a:cs typeface="B Nazanin" panose="00000400000000000000" pitchFamily="2" charset="-78"/>
-              </a:rPr>
-              <a:t>     در این شرایط قهرمان محصول ناامید می‌شوند و فکر می‌کند مدیران به او اعتماد ندارند . </a:t>
+              <a:buChar char="§"/>
+            </a:pPr>
+            <a:r>
+              <a:rPr lang="fa-IR" sz="2400" dirty="0" smtClean="0">
+                <a:cs typeface="B Nazanin" panose="00000400000000000000" pitchFamily="2" charset="-78"/>
+              </a:rPr>
+              <a:t>برخی از کاربران تمایلی به همکاری با پروژه‌ای ندارند که نحوه کارشان را تغییر بدهد یا شغلشان را به خطر بیندازد . </a:t>
             </a:r>
           </a:p>
           <a:p>
             <a:pPr algn="r" rtl="1">
               <a:buFont typeface="Wingdings" panose="05000000000000000000" pitchFamily="2" charset="2"/>
-              <a:buChar char="v"/>
-            </a:pPr>
-            <a:r>
-              <a:rPr lang="fa-IR" sz="2000" b="1" dirty="0" smtClean="0">
-                <a:cs typeface="B Nazanin" panose="00000400000000000000" pitchFamily="2" charset="-78"/>
-              </a:rPr>
-              <a:t>  قهرمان محصولی که فراموش می‌کند نماینده سایر کاربران است و فقط نیازهای خود را ارائه می‌کند  کارش را درست انجام نداده است.</a:t>
+              <a:buChar char="§"/>
+            </a:pPr>
+            <a:r>
+              <a:rPr lang="fa-IR" sz="2400" dirty="0" smtClean="0">
+                <a:cs typeface="B Nazanin" panose="00000400000000000000" pitchFamily="2" charset="-78"/>
+              </a:rPr>
+              <a:t>مدیران گاهی تمایل به تفویض اختیارات خود در مورد تعیین و تکلیف نیازمندی ها به کاربران عادی را ندارند . </a:t>
             </a:r>
           </a:p>
           <a:p>
             <a:pPr algn="r" rtl="1">
               <a:buFont typeface="Wingdings" panose="05000000000000000000" pitchFamily="2" charset="2"/>
-              <a:buChar char="v"/>
-            </a:pPr>
-            <a:r>
-              <a:rPr lang="fa-IR" sz="2000" b="1" dirty="0" smtClean="0">
-                <a:cs typeface="B Nazanin" panose="00000400000000000000" pitchFamily="2" charset="-78"/>
-              </a:rPr>
-              <a:t>  قهرمان محصولی که فاقد دید روشنی از سیستم است، ممکن است تصمیم گیری را به آنالیزور کسب و کار موکول میکند .</a:t>
-            </a:r>
-          </a:p>
-          <a:p>
-            <a:pPr marL="0" indent="0" algn="r" rtl="1">
-              <a:buNone/>
-            </a:pPr>
-            <a:r>
-              <a:rPr lang="fa-IR" sz="2000" b="1" dirty="0">
-                <a:cs typeface="B Nazanin" panose="00000400000000000000" pitchFamily="2" charset="-78"/>
-              </a:rPr>
-              <a:t> </a:t>
-            </a:r>
-            <a:r>
-              <a:rPr lang="fa-IR" sz="2000" b="1" dirty="0" smtClean="0">
-                <a:cs typeface="B Nazanin" panose="00000400000000000000" pitchFamily="2" charset="-78"/>
-              </a:rPr>
-              <a:t>  </a:t>
-            </a:r>
-            <a:r>
-              <a:rPr lang="fa-IR" sz="2000" dirty="0" smtClean="0">
-                <a:cs typeface="B Nazanin" panose="00000400000000000000" pitchFamily="2" charset="-78"/>
-              </a:rPr>
-              <a:t>اگر تصمیات آنالیزور کسب و کار به خوبی یک قهرمان محصول باشد دیگر قهرمان محصول بدرد نمی‌خورد . </a:t>
-            </a:r>
-          </a:p>
-          <a:p>
-            <a:pPr algn="r" rtl="1">
-              <a:buFont typeface="Wingdings" panose="05000000000000000000" pitchFamily="2" charset="2"/>
-              <a:buChar char="v"/>
-            </a:pPr>
-            <a:r>
-              <a:rPr lang="fa-IR" sz="2000" b="1" dirty="0" smtClean="0">
-                <a:cs typeface="B Nazanin" panose="00000400000000000000" pitchFamily="2" charset="-78"/>
-              </a:rPr>
-              <a:t> یک کاربر ارشد به علت کمبود وقت ممکن است یک کاربر با تجربه کمتر را به عنوان قهرمان محصول معرفی کند . </a:t>
-            </a:r>
-          </a:p>
-          <a:p>
-            <a:pPr marL="0" indent="0" algn="r" rtl="1">
-              <a:buNone/>
-            </a:pPr>
-            <a:r>
-              <a:rPr lang="fa-IR" sz="2000" dirty="0">
-                <a:cs typeface="B Nazanin" panose="00000400000000000000" pitchFamily="2" charset="-78"/>
-              </a:rPr>
-              <a:t> </a:t>
-            </a:r>
-            <a:r>
-              <a:rPr lang="fa-IR" sz="2000" dirty="0" smtClean="0">
-                <a:cs typeface="B Nazanin" panose="00000400000000000000" pitchFamily="2" charset="-78"/>
-              </a:rPr>
-              <a:t>  این امر ممکن است منجر به پدیده رانندگی از صندلی عقب از سوی کاربر ارشد شود که می‌خواهد هنوز بر روی سیستم تاثیر بگذارد. </a:t>
-            </a:r>
-            <a:endParaRPr lang="fa-IR" sz="2000" dirty="0">
+              <a:buChar char="§"/>
+            </a:pPr>
+            <a:endParaRPr lang="fa-IR" sz="2400" dirty="0">
               <a:cs typeface="B Nazanin" panose="00000400000000000000" pitchFamily="2" charset="-78"/>
             </a:endParaRPr>
           </a:p>
@@ -9065,8 +8917,8 @@
         </p:blipFill>
         <p:spPr>
           <a:xfrm>
-            <a:off x="10964030" y="988437"/>
-            <a:ext cx="347502" cy="304826"/>
+            <a:off x="11078820" y="1349828"/>
+            <a:ext cx="347331" cy="304826"/>
           </a:xfrm>
           <a:prstGeom prst="rect">
             <a:avLst/>
@@ -9075,28 +8927,22 @@
       </p:pic>
       <p:pic>
         <p:nvPicPr>
-          <p:cNvPr id="7" name="Picture 6"/>
+          <p:cNvPr id="5" name="Picture 4"/>
           <p:cNvPicPr>
             <a:picLocks noChangeAspect="1"/>
           </p:cNvPicPr>
           <p:nvPr/>
         </p:nvPicPr>
         <p:blipFill>
-          <a:blip r:embed="rId3" cstate="print">
-            <a:extLst>
-              <a:ext uri="{28A0092B-C50C-407E-A947-70E740481C1C}">
-                <a14:useLocalDpi xmlns:a14="http://schemas.microsoft.com/office/drawing/2010/main" val="0"/>
-              </a:ext>
-            </a:extLst>
-          </a:blip>
+          <a:blip r:embed="rId2"/>
           <a:stretch>
             <a:fillRect/>
           </a:stretch>
         </p:blipFill>
         <p:spPr>
           <a:xfrm>
-            <a:off x="10964030" y="2645229"/>
-            <a:ext cx="363368" cy="359230"/>
+            <a:off x="11078820" y="2634343"/>
+            <a:ext cx="347331" cy="304826"/>
           </a:xfrm>
           <a:prstGeom prst="rect">
             <a:avLst/>
@@ -9106,7 +8952,7 @@
     </p:spTree>
     <p:extLst>
       <p:ext uri="{BB962C8B-B14F-4D97-AF65-F5344CB8AC3E}">
-        <p14:creationId xmlns:p14="http://schemas.microsoft.com/office/powerpoint/2010/main" val="3738519587"/>
+        <p14:creationId xmlns:p14="http://schemas.microsoft.com/office/powerpoint/2010/main" val="950362897"/>
       </p:ext>
     </p:extLst>
   </p:cSld>
@@ -9150,24 +8996,29 @@
             <p:ph type="title"/>
           </p:nvPr>
         </p:nvSpPr>
-        <p:spPr/>
+        <p:spPr>
+          <a:xfrm>
+            <a:off x="838200" y="365126"/>
+            <a:ext cx="10515600" cy="497023"/>
+          </a:xfrm>
+        </p:spPr>
         <p:txBody>
           <a:bodyPr>
-            <a:normAutofit/>
+            <a:normAutofit fontScale="90000"/>
           </a:bodyPr>
           <a:lstStyle/>
           <a:p>
             <a:pPr algn="ctr"/>
             <a:r>
-              <a:rPr lang="fa-IR" sz="4400" u="sng" dirty="0" smtClean="0">
+              <a:rPr lang="fa-IR" u="sng" dirty="0" smtClean="0">
                 <a:solidFill>
                   <a:srgbClr val="C00000"/>
                 </a:solidFill>
                 <a:cs typeface="B Nazanin" panose="00000400000000000000" pitchFamily="2" charset="-78"/>
               </a:rPr>
-              <a:t>گام بعدی</a:t>
-            </a:r>
-            <a:endParaRPr lang="fa-IR" sz="4400" u="sng" dirty="0">
+              <a:t>قهرمان محصول (ادامه)</a:t>
+            </a:r>
+            <a:endParaRPr lang="fa-IR" u="sng" dirty="0">
               <a:solidFill>
                 <a:srgbClr val="C00000"/>
               </a:solidFill>
@@ -9186,18 +9037,59 @@
             <p:ph idx="1"/>
           </p:nvPr>
         </p:nvSpPr>
-        <p:spPr/>
-        <p:txBody>
-          <a:bodyPr/>
-          <a:lstStyle/>
+        <p:spPr>
+          <a:xfrm>
+            <a:off x="600891" y="988437"/>
+            <a:ext cx="10752909" cy="5477691"/>
+          </a:xfrm>
+        </p:spPr>
+        <p:txBody>
+          <a:bodyPr>
+            <a:normAutofit/>
+          </a:bodyPr>
+          <a:lstStyle/>
+          <a:p>
+            <a:pPr marL="0" indent="0" algn="r" rtl="1">
+              <a:buNone/>
+            </a:pPr>
+            <a:r>
+              <a:rPr lang="fa-IR" sz="2400" dirty="0">
+                <a:cs typeface="B Nazanin" panose="00000400000000000000" pitchFamily="2" charset="-78"/>
+              </a:rPr>
+              <a:t> </a:t>
+            </a:r>
+            <a:r>
+              <a:rPr lang="fa-IR" sz="2400" dirty="0" smtClean="0">
+                <a:cs typeface="B Nazanin" panose="00000400000000000000" pitchFamily="2" charset="-78"/>
+              </a:rPr>
+              <a:t>     </a:t>
+            </a:r>
+            <a:r>
+              <a:rPr lang="fa-IR" sz="2400" dirty="0" smtClean="0">
+                <a:solidFill>
+                  <a:srgbClr val="C00000"/>
+                </a:solidFill>
+                <a:cs typeface="B Nazanin" panose="00000400000000000000" pitchFamily="2" charset="-78"/>
+              </a:rPr>
+              <a:t>جلوگیری از تله قهرمان محصول      </a:t>
+            </a:r>
+            <a:endParaRPr lang="fa-IR" sz="2400" dirty="0">
+              <a:solidFill>
+                <a:srgbClr val="C00000"/>
+              </a:solidFill>
+              <a:cs typeface="B Nazanin" panose="00000400000000000000" pitchFamily="2" charset="-78"/>
+            </a:endParaRPr>
+          </a:p>
           <a:p>
             <a:pPr algn="r" rtl="1">
               <a:buFont typeface="Wingdings" panose="05000000000000000000" pitchFamily="2" charset="2"/>
               <a:buChar char="§"/>
             </a:pPr>
             <a:r>
-              <a:rPr lang="fa-IR" dirty="0" smtClean="0"/>
-              <a:t>کلاس های کاربری</a:t>
+              <a:rPr lang="fa-IR" sz="2000" b="1" dirty="0" smtClean="0">
+                <a:cs typeface="B Nazanin" panose="00000400000000000000" pitchFamily="2" charset="-78"/>
+              </a:rPr>
+              <a:t>مدل قهرمان محصول زمانی درست کار می‌کند که قهرمان محصول مسئولیت‌های خود را به خوبی درک کند . </a:t>
             </a:r>
           </a:p>
           <a:p>
@@ -9206,8 +9098,10 @@
               <a:buChar char="§"/>
             </a:pPr>
             <a:r>
-              <a:rPr lang="fa-IR" dirty="0" smtClean="0"/>
-              <a:t>شخصیت های کاربر</a:t>
+              <a:rPr lang="fa-IR" sz="2000" b="1" dirty="0" smtClean="0">
+                <a:cs typeface="B Nazanin" panose="00000400000000000000" pitchFamily="2" charset="-78"/>
+              </a:rPr>
+              <a:t>اختیار تصمیم گیری درسطح نیازهای کاربری را داشته باشد . </a:t>
             </a:r>
           </a:p>
           <a:p>
@@ -9216,63 +9110,232 @@
               <a:buChar char="§"/>
             </a:pPr>
             <a:r>
-              <a:rPr lang="fa-IR" dirty="0" smtClean="0"/>
-              <a:t>ارتباط با نمایندگان کاربران </a:t>
+              <a:rPr lang="fa-IR" sz="2000" b="1" dirty="0" smtClean="0">
+                <a:cs typeface="B Nazanin" panose="00000400000000000000" pitchFamily="2" charset="-78"/>
+              </a:rPr>
+              <a:t>و زمان کافی برای انجام این وظایف را در دسترس داشته باشند . </a:t>
+            </a:r>
+          </a:p>
+          <a:p>
+            <a:pPr marL="0" indent="0" algn="r" rtl="1">
+              <a:buNone/>
+            </a:pPr>
+            <a:r>
+              <a:rPr lang="en-US" sz="2000" dirty="0" smtClean="0">
+                <a:cs typeface="B Nazanin" panose="00000400000000000000" pitchFamily="2" charset="-78"/>
+              </a:rPr>
+              <a:t>    </a:t>
+            </a:r>
+            <a:r>
+              <a:rPr lang="fa-IR" sz="2000" dirty="0" smtClean="0">
+                <a:cs typeface="B Nazanin" panose="00000400000000000000" pitchFamily="2" charset="-78"/>
+              </a:rPr>
+              <a:t>   </a:t>
+            </a:r>
+            <a:r>
+              <a:rPr lang="fa-IR" sz="2000" b="1" dirty="0" smtClean="0">
+                <a:cs typeface="B Nazanin" panose="00000400000000000000" pitchFamily="2" charset="-78"/>
+              </a:rPr>
+              <a:t>مراقب مشکلات احتمالی زیر باشید:</a:t>
             </a:r>
           </a:p>
           <a:p>
             <a:pPr algn="r" rtl="1">
               <a:buFont typeface="Wingdings" panose="05000000000000000000" pitchFamily="2" charset="2"/>
-              <a:buChar char="§"/>
-            </a:pPr>
-            <a:r>
-              <a:rPr lang="fa-IR" dirty="0" smtClean="0"/>
-              <a:t>قهرمان محصول </a:t>
+              <a:buChar char="v"/>
+            </a:pPr>
+            <a:r>
+              <a:rPr lang="en-US" sz="2000" dirty="0" smtClean="0">
+                <a:cs typeface="B Nazanin" panose="00000400000000000000" pitchFamily="2" charset="-78"/>
+              </a:rPr>
+              <a:t>    </a:t>
+            </a:r>
+            <a:r>
+              <a:rPr lang="fa-IR" sz="2000" b="1" dirty="0" smtClean="0">
+                <a:cs typeface="B Nazanin" panose="00000400000000000000" pitchFamily="2" charset="-78"/>
+              </a:rPr>
+              <a:t>مدیران تصمیماتی را که قهرمان محصول می‌گیرد نادیده می‌گیرند.</a:t>
+            </a:r>
+          </a:p>
+          <a:p>
+            <a:pPr marL="0" indent="0" algn="r" rtl="1">
+              <a:buNone/>
+            </a:pPr>
+            <a:r>
+              <a:rPr lang="fa-IR" sz="2000" b="1" dirty="0">
+                <a:cs typeface="B Nazanin" panose="00000400000000000000" pitchFamily="2" charset="-78"/>
+              </a:rPr>
+              <a:t> </a:t>
+            </a:r>
+            <a:r>
+              <a:rPr lang="fa-IR" sz="2000" b="1" dirty="0" smtClean="0">
+                <a:cs typeface="B Nazanin" panose="00000400000000000000" pitchFamily="2" charset="-78"/>
+              </a:rPr>
+              <a:t>     </a:t>
+            </a:r>
+            <a:r>
+              <a:rPr lang="fa-IR" sz="2000" dirty="0" smtClean="0">
+                <a:cs typeface="B Nazanin" panose="00000400000000000000" pitchFamily="2" charset="-78"/>
+              </a:rPr>
+              <a:t>آنها در آخرین لحظات تصمیمات ناگهانی می‌گیرند و فکر می‌کنند خودشان بهتر نیازهای کاربران را می‌دانند.</a:t>
+            </a:r>
+          </a:p>
+          <a:p>
+            <a:pPr marL="0" indent="0" algn="r" rtl="1">
+              <a:buNone/>
+            </a:pPr>
+            <a:r>
+              <a:rPr lang="fa-IR" sz="2000" dirty="0">
+                <a:cs typeface="B Nazanin" panose="00000400000000000000" pitchFamily="2" charset="-78"/>
+              </a:rPr>
+              <a:t> </a:t>
+            </a:r>
+            <a:r>
+              <a:rPr lang="fa-IR" sz="2000" dirty="0" smtClean="0">
+                <a:cs typeface="B Nazanin" panose="00000400000000000000" pitchFamily="2" charset="-78"/>
+              </a:rPr>
+              <a:t>     در این شرایط قهرمان محصول ناامید می‌شوند و فکر می‌کند مدیران به او اعتماد ندارند . </a:t>
             </a:r>
           </a:p>
           <a:p>
             <a:pPr algn="r" rtl="1">
               <a:buFont typeface="Wingdings" panose="05000000000000000000" pitchFamily="2" charset="2"/>
-              <a:buChar char="§"/>
-            </a:pPr>
-            <a:r>
-              <a:rPr lang="fa-IR" dirty="0">
-                <a:solidFill>
-                  <a:schemeClr val="accent3">
-                    <a:lumMod val="75000"/>
-                  </a:schemeClr>
-                </a:solidFill>
-              </a:rPr>
-              <a:t>نمایندگی کاربر در پروژه های </a:t>
-            </a:r>
-            <a:r>
-              <a:rPr lang="fa-IR" dirty="0" smtClean="0">
-                <a:solidFill>
-                  <a:schemeClr val="accent3">
-                    <a:lumMod val="75000"/>
-                  </a:schemeClr>
-                </a:solidFill>
-              </a:rPr>
-              <a:t>چابک</a:t>
+              <a:buChar char="v"/>
+            </a:pPr>
+            <a:r>
+              <a:rPr lang="fa-IR" sz="2000" b="1" dirty="0" smtClean="0">
+                <a:cs typeface="B Nazanin" panose="00000400000000000000" pitchFamily="2" charset="-78"/>
+              </a:rPr>
+              <a:t>  قهرمان محصولی که فراموش می‌کند نماینده سایر کاربران است و فقط نیازهای خود را ارائه می‌کند  کارش را درست انجام نداده است.</a:t>
             </a:r>
           </a:p>
           <a:p>
             <a:pPr algn="r" rtl="1">
               <a:buFont typeface="Wingdings" panose="05000000000000000000" pitchFamily="2" charset="2"/>
-              <a:buChar char="§"/>
-            </a:pPr>
-            <a:r>
-              <a:rPr lang="fa-IR" dirty="0" smtClean="0"/>
-              <a:t>حل و فصل نیازمندی‌های متضاد </a:t>
-            </a:r>
-            <a:endParaRPr lang="fa-IR" dirty="0"/>
-          </a:p>
-        </p:txBody>
-      </p:sp>
+              <a:buChar char="v"/>
+            </a:pPr>
+            <a:r>
+              <a:rPr lang="fa-IR" sz="2000" b="1" dirty="0" smtClean="0">
+                <a:cs typeface="B Nazanin" panose="00000400000000000000" pitchFamily="2" charset="-78"/>
+              </a:rPr>
+              <a:t>  قهرمان محصولی که فاقد دید روشنی از سیستم است، ممکن است تصمیم گیری را به آنالیزور کسب و کار موکول میکند .</a:t>
+            </a:r>
+          </a:p>
+          <a:p>
+            <a:pPr marL="0" indent="0" algn="r" rtl="1">
+              <a:buNone/>
+            </a:pPr>
+            <a:r>
+              <a:rPr lang="fa-IR" sz="2000" b="1" dirty="0">
+                <a:cs typeface="B Nazanin" panose="00000400000000000000" pitchFamily="2" charset="-78"/>
+              </a:rPr>
+              <a:t> </a:t>
+            </a:r>
+            <a:r>
+              <a:rPr lang="fa-IR" sz="2000" b="1" dirty="0" smtClean="0">
+                <a:cs typeface="B Nazanin" panose="00000400000000000000" pitchFamily="2" charset="-78"/>
+              </a:rPr>
+              <a:t>  </a:t>
+            </a:r>
+            <a:r>
+              <a:rPr lang="fa-IR" sz="2000" dirty="0" smtClean="0">
+                <a:cs typeface="B Nazanin" panose="00000400000000000000" pitchFamily="2" charset="-78"/>
+              </a:rPr>
+              <a:t>اگر تصمیات آنالیزور کسب و کار به خوبی یک قهرمان محصول باشد دیگر قهرمان محصول بدرد نمی‌خورد . </a:t>
+            </a:r>
+          </a:p>
+          <a:p>
+            <a:pPr algn="r" rtl="1">
+              <a:buFont typeface="Wingdings" panose="05000000000000000000" pitchFamily="2" charset="2"/>
+              <a:buChar char="v"/>
+            </a:pPr>
+            <a:r>
+              <a:rPr lang="fa-IR" sz="2000" b="1" dirty="0" smtClean="0">
+                <a:cs typeface="B Nazanin" panose="00000400000000000000" pitchFamily="2" charset="-78"/>
+              </a:rPr>
+              <a:t> یک کاربر ارشد به علت کمبود وقت ممکن است یک کاربر با تجربه کمتر را به عنوان قهرمان محصول معرفی کند . </a:t>
+            </a:r>
+          </a:p>
+          <a:p>
+            <a:pPr marL="0" indent="0" algn="r" rtl="1">
+              <a:buNone/>
+            </a:pPr>
+            <a:r>
+              <a:rPr lang="fa-IR" sz="2000" dirty="0">
+                <a:cs typeface="B Nazanin" panose="00000400000000000000" pitchFamily="2" charset="-78"/>
+              </a:rPr>
+              <a:t> </a:t>
+            </a:r>
+            <a:r>
+              <a:rPr lang="fa-IR" sz="2000" dirty="0" smtClean="0">
+                <a:cs typeface="B Nazanin" panose="00000400000000000000" pitchFamily="2" charset="-78"/>
+              </a:rPr>
+              <a:t>  این امر ممکن است منجر به پدیده رانندگی از صندلی عقب از سوی کاربر ارشد شود که می‌خواهد هنوز بر روی سیستم تاثیر بگذارد. </a:t>
+            </a:r>
+            <a:endParaRPr lang="fa-IR" sz="2000" dirty="0">
+              <a:cs typeface="B Nazanin" panose="00000400000000000000" pitchFamily="2" charset="-78"/>
+            </a:endParaRPr>
+          </a:p>
+        </p:txBody>
+      </p:sp>
+      <p:pic>
+        <p:nvPicPr>
+          <p:cNvPr id="4" name="Picture 3"/>
+          <p:cNvPicPr>
+            <a:picLocks noChangeAspect="1"/>
+          </p:cNvPicPr>
+          <p:nvPr/>
+        </p:nvPicPr>
+        <p:blipFill>
+          <a:blip r:embed="rId2"/>
+          <a:stretch>
+            <a:fillRect/>
+          </a:stretch>
+        </p:blipFill>
+        <p:spPr>
+          <a:xfrm>
+            <a:off x="10964030" y="988437"/>
+            <a:ext cx="347502" cy="304826"/>
+          </a:xfrm>
+          <a:prstGeom prst="rect">
+            <a:avLst/>
+          </a:prstGeom>
+        </p:spPr>
+      </p:pic>
+      <p:pic>
+        <p:nvPicPr>
+          <p:cNvPr id="7" name="Picture 6"/>
+          <p:cNvPicPr>
+            <a:picLocks noChangeAspect="1"/>
+          </p:cNvPicPr>
+          <p:nvPr/>
+        </p:nvPicPr>
+        <p:blipFill>
+          <a:blip r:embed="rId3" cstate="print">
+            <a:extLst>
+              <a:ext uri="{28A0092B-C50C-407E-A947-70E740481C1C}">
+                <a14:useLocalDpi xmlns:a14="http://schemas.microsoft.com/office/drawing/2010/main" val="0"/>
+              </a:ext>
+            </a:extLst>
+          </a:blip>
+          <a:stretch>
+            <a:fillRect/>
+          </a:stretch>
+        </p:blipFill>
+        <p:spPr>
+          <a:xfrm>
+            <a:off x="10964030" y="2645229"/>
+            <a:ext cx="363368" cy="359230"/>
+          </a:xfrm>
+          <a:prstGeom prst="rect">
+            <a:avLst/>
+          </a:prstGeom>
+        </p:spPr>
+      </p:pic>
     </p:spTree>
     <p:extLst>
       <p:ext uri="{BB962C8B-B14F-4D97-AF65-F5344CB8AC3E}">
-        <p14:creationId xmlns:p14="http://schemas.microsoft.com/office/powerpoint/2010/main" val="1572676064"/>
+        <p14:creationId xmlns:p14="http://schemas.microsoft.com/office/powerpoint/2010/main" val="3738519587"/>
       </p:ext>
     </p:extLst>
   </p:cSld>
@@ -9316,12 +9379,7 @@
             <p:ph type="title"/>
           </p:nvPr>
         </p:nvSpPr>
-        <p:spPr>
-          <a:xfrm>
-            <a:off x="838200" y="365126"/>
-            <a:ext cx="10515600" cy="653778"/>
-          </a:xfrm>
-        </p:spPr>
+        <p:spPr/>
         <p:txBody>
           <a:bodyPr>
             <a:normAutofit/>
@@ -9330,15 +9388,15 @@
           <a:p>
             <a:pPr algn="ctr"/>
             <a:r>
-              <a:rPr lang="fa-IR" sz="3600" u="sng" dirty="0" smtClean="0">
+              <a:rPr lang="fa-IR" sz="4400" u="sng" dirty="0" smtClean="0">
                 <a:solidFill>
                   <a:srgbClr val="C00000"/>
                 </a:solidFill>
                 <a:cs typeface="B Nazanin" panose="00000400000000000000" pitchFamily="2" charset="-78"/>
               </a:rPr>
-              <a:t>نماینده کاربر در پروژه های چابک</a:t>
-            </a:r>
-            <a:endParaRPr lang="fa-IR" sz="3600" u="sng" dirty="0">
+              <a:t>گام بعدی</a:t>
+            </a:r>
+            <a:endParaRPr lang="fa-IR" sz="4400" u="sng" dirty="0">
               <a:solidFill>
                 <a:srgbClr val="C00000"/>
               </a:solidFill>
@@ -9357,99 +9415,93 @@
             <p:ph idx="1"/>
           </p:nvPr>
         </p:nvSpPr>
-        <p:spPr>
-          <a:xfrm>
-            <a:off x="838200" y="1193074"/>
-            <a:ext cx="10515600" cy="4983889"/>
-          </a:xfrm>
-        </p:spPr>
-        <p:txBody>
-          <a:bodyPr>
-            <a:normAutofit/>
-          </a:bodyPr>
+        <p:spPr/>
+        <p:txBody>
+          <a:bodyPr/>
           <a:lstStyle/>
           <a:p>
             <a:pPr algn="r" rtl="1">
-              <a:lnSpc>
-                <a:spcPct val="150000"/>
-              </a:lnSpc>
               <a:buFont typeface="Wingdings" panose="05000000000000000000" pitchFamily="2" charset="2"/>
               <a:buChar char="§"/>
             </a:pPr>
             <a:r>
-              <a:rPr lang="fa-IR" dirty="0">
-                <a:cs typeface="B Nazanin" panose="00000400000000000000" pitchFamily="2" charset="-78"/>
-              </a:rPr>
-              <a:t>مکالمات مکرر بین اعضای تیم پروژه و مشتریان مناسب موثرترین راه برای حل بسیاری از مسائل مورد نیاز و مشخص کردن نیازهای خاص در صورت نیاز است</a:t>
-            </a:r>
-            <a:r>
-              <a:rPr lang="fa-IR" dirty="0" smtClean="0">
-                <a:cs typeface="B Nazanin" panose="00000400000000000000" pitchFamily="2" charset="-78"/>
-              </a:rPr>
-              <a:t>.</a:t>
-            </a:r>
-          </a:p>
-          <a:p>
-            <a:pPr>
-              <a:lnSpc>
-                <a:spcPct val="150000"/>
-              </a:lnSpc>
+              <a:rPr lang="fa-IR" dirty="0" smtClean="0"/>
+              <a:t>کلاس های کاربری</a:t>
+            </a:r>
+          </a:p>
+          <a:p>
+            <a:pPr algn="r" rtl="1">
               <a:buFont typeface="Wingdings" panose="05000000000000000000" pitchFamily="2" charset="2"/>
               <a:buChar char="§"/>
             </a:pPr>
             <a:r>
-              <a:rPr lang="fa-IR" dirty="0"/>
-              <a:t>یک اصل اساسی برنامه نویسی افراطی، یکی از روش های اولیه توسعه چابک، وجود یک مشتری تمام وقت و در محل برای این بحث ها است </a:t>
-            </a:r>
-            <a:r>
               <a:rPr lang="fa-IR" dirty="0" smtClean="0"/>
-              <a:t>.</a:t>
-            </a:r>
-          </a:p>
-          <a:p>
-            <a:pPr>
-              <a:lnSpc>
-                <a:spcPct val="150000"/>
-              </a:lnSpc>
+              <a:t>شخصیت های کاربر</a:t>
+            </a:r>
+          </a:p>
+          <a:p>
+            <a:pPr algn="r" rtl="1">
               <a:buFont typeface="Wingdings" panose="05000000000000000000" pitchFamily="2" charset="2"/>
               <a:buChar char="§"/>
             </a:pPr>
             <a:r>
+              <a:rPr lang="fa-IR" dirty="0" smtClean="0"/>
+              <a:t>ارتباط با نمایندگان کاربران </a:t>
+            </a:r>
+          </a:p>
+          <a:p>
+            <a:pPr algn="r" rtl="1">
+              <a:buFont typeface="Wingdings" panose="05000000000000000000" pitchFamily="2" charset="2"/>
+              <a:buChar char="§"/>
+            </a:pPr>
+            <a:r>
+              <a:rPr lang="fa-IR" dirty="0" smtClean="0"/>
+              <a:t>قهرمان محصول </a:t>
+            </a:r>
+          </a:p>
+          <a:p>
+            <a:pPr algn="r" rtl="1">
+              <a:buFont typeface="Wingdings" panose="05000000000000000000" pitchFamily="2" charset="2"/>
+              <a:buChar char="§"/>
+            </a:pPr>
+            <a:r>
+              <a:rPr lang="fa-IR" dirty="0">
+                <a:solidFill>
+                  <a:schemeClr val="accent3">
+                    <a:lumMod val="75000"/>
+                  </a:schemeClr>
+                </a:solidFill>
+              </a:rPr>
+              <a:t>نمایندگی کاربر در پروژه های </a:t>
+            </a:r>
+            <a:r>
               <a:rPr lang="fa-IR" dirty="0" smtClean="0">
-                <a:cs typeface="B Nazanin" panose="00000400000000000000" pitchFamily="2" charset="-78"/>
-              </a:rPr>
-              <a:t>برخی روش های توسعه چابک شامل حضور یک نماینده واحد از طرف ذی نفعان به نام </a:t>
-            </a:r>
-            <a:r>
-              <a:rPr lang="fa-IR" dirty="0" smtClean="0">
-                <a:solidFill>
-                  <a:srgbClr val="C00000"/>
-                </a:solidFill>
-                <a:cs typeface="B Nazanin" panose="00000400000000000000" pitchFamily="2" charset="-78"/>
-              </a:rPr>
-              <a:t>مالک محصول </a:t>
-            </a:r>
-            <a:r>
-              <a:rPr lang="fa-IR" dirty="0" smtClean="0">
-                <a:cs typeface="B Nazanin" panose="00000400000000000000" pitchFamily="2" charset="-78"/>
-              </a:rPr>
-              <a:t>است که مسئول رساندن صدای مشتریان به تیم توسعه دهنده است .</a:t>
-            </a:r>
-          </a:p>
-          <a:p>
-            <a:pPr marL="0" indent="0">
-              <a:buNone/>
-            </a:pPr>
-            <a:endParaRPr lang="fa-IR" sz="2000" dirty="0">
-              <a:cs typeface="B Nazanin" panose="00000400000000000000" pitchFamily="2" charset="-78"/>
-            </a:endParaRPr>
+                <a:solidFill>
+                  <a:schemeClr val="accent3">
+                    <a:lumMod val="75000"/>
+                  </a:schemeClr>
+                </a:solidFill>
+              </a:rPr>
+              <a:t>چابک</a:t>
+            </a:r>
+          </a:p>
+          <a:p>
+            <a:pPr algn="r" rtl="1">
+              <a:buFont typeface="Wingdings" panose="05000000000000000000" pitchFamily="2" charset="2"/>
+              <a:buChar char="§"/>
+            </a:pPr>
+            <a:r>
+              <a:rPr lang="fa-IR" dirty="0" smtClean="0"/>
+              <a:t>حل و فصل نیازمندی‌های متضاد </a:t>
+            </a:r>
+            <a:endParaRPr lang="fa-IR" dirty="0"/>
           </a:p>
         </p:txBody>
       </p:sp>
     </p:spTree>
     <p:extLst>
       <p:ext uri="{BB962C8B-B14F-4D97-AF65-F5344CB8AC3E}">
-        <p14:creationId xmlns:p14="http://schemas.microsoft.com/office/powerpoint/2010/main" val="496497235"/>
+        <p14:creationId xmlns:p14="http://schemas.microsoft.com/office/powerpoint/2010/main" val="1572676064"/>
       </p:ext>
     </p:extLst>
   </p:cSld>
@@ -9872,16 +9924,7 @@
                 </a:solidFill>
                 <a:cs typeface="B Nazanin" panose="00000400000000000000" pitchFamily="2" charset="-78"/>
               </a:rPr>
-              <a:t>نماینده کاربر در پروژه های </a:t>
-            </a:r>
-            <a:r>
-              <a:rPr lang="fa-IR" sz="3600" u="sng" dirty="0" smtClean="0">
-                <a:solidFill>
-                  <a:srgbClr val="C00000"/>
-                </a:solidFill>
-                <a:cs typeface="B Nazanin" panose="00000400000000000000" pitchFamily="2" charset="-78"/>
-              </a:rPr>
-              <a:t>چابک(ادامه)</a:t>
+              <a:t>نماینده کاربر در پروژه های چابک</a:t>
             </a:r>
             <a:endParaRPr lang="fa-IR" sz="3600" u="sng" dirty="0">
               <a:solidFill>
@@ -9914,35 +9957,59 @@
           </a:bodyPr>
           <a:lstStyle/>
           <a:p>
-            <a:pPr marL="0" indent="0" algn="r" rtl="1">
-              <a:buNone/>
-            </a:pPr>
-            <a:r>
-              <a:rPr lang="fa-IR" dirty="0" smtClean="0">
-                <a:solidFill>
-                  <a:srgbClr val="C00000"/>
-                </a:solidFill>
-                <a:cs typeface="B Nazanin" panose="00000400000000000000" pitchFamily="2" charset="-78"/>
-              </a:rPr>
-              <a:t>     مالک </a:t>
-            </a:r>
-            <a:r>
-              <a:rPr lang="fa-IR" dirty="0" smtClean="0">
-                <a:solidFill>
-                  <a:srgbClr val="C00000"/>
-                </a:solidFill>
-                <a:cs typeface="B Nazanin" panose="00000400000000000000" pitchFamily="2" charset="-78"/>
-              </a:rPr>
-              <a:t>محصول  </a:t>
-            </a:r>
-          </a:p>
-          <a:p>
-            <a:pPr>
+            <a:pPr algn="r" rtl="1">
+              <a:lnSpc>
+                <a:spcPct val="150000"/>
+              </a:lnSpc>
               <a:buFont typeface="Wingdings" panose="05000000000000000000" pitchFamily="2" charset="2"/>
               <a:buChar char="§"/>
             </a:pPr>
             <a:r>
+              <a:rPr lang="fa-IR" dirty="0">
+                <a:cs typeface="B Nazanin" panose="00000400000000000000" pitchFamily="2" charset="-78"/>
+              </a:rPr>
+              <a:t>مکالمات مکرر بین اعضای تیم پروژه و مشتریان مناسب موثرترین راه برای حل بسیاری از مسائل مورد نیاز و مشخص کردن نیازهای خاص در صورت نیاز است</a:t>
+            </a:r>
+            <a:r>
               <a:rPr lang="fa-IR" dirty="0" smtClean="0">
+                <a:cs typeface="B Nazanin" panose="00000400000000000000" pitchFamily="2" charset="-78"/>
+              </a:rPr>
+              <a:t>.</a:t>
+            </a:r>
+          </a:p>
+          <a:p>
+            <a:pPr>
+              <a:lnSpc>
+                <a:spcPct val="150000"/>
+              </a:lnSpc>
+              <a:buFont typeface="Wingdings" panose="05000000000000000000" pitchFamily="2" charset="2"/>
+              <a:buChar char="§"/>
+            </a:pPr>
+            <a:r>
+              <a:rPr lang="fa-IR" dirty="0"/>
+              <a:t>یک اصل اساسی برنامه نویسی افراطی، یکی از روش های اولیه توسعه چابک، وجود یک مشتری تمام وقت و در محل برای این بحث ها است </a:t>
+            </a:r>
+            <a:r>
+              <a:rPr lang="fa-IR" dirty="0" smtClean="0"/>
+              <a:t>.</a:t>
+            </a:r>
+          </a:p>
+          <a:p>
+            <a:pPr>
+              <a:lnSpc>
+                <a:spcPct val="150000"/>
+              </a:lnSpc>
+              <a:buFont typeface="Wingdings" panose="05000000000000000000" pitchFamily="2" charset="2"/>
+              <a:buChar char="§"/>
+            </a:pPr>
+            <a:r>
+              <a:rPr lang="fa-IR" dirty="0" smtClean="0">
+                <a:cs typeface="B Nazanin" panose="00000400000000000000" pitchFamily="2" charset="-78"/>
+              </a:rPr>
+              <a:t>برخی روش های توسعه چابک شامل حضور یک نماینده واحد از طرف ذی نفعان به نام </a:t>
+            </a:r>
+            <a:r>
+              <a:rPr lang="fa-IR" dirty="0" smtClean="0">
                 <a:solidFill>
                   <a:srgbClr val="C00000"/>
                 </a:solidFill>
@@ -9954,204 +10021,23 @@
               <a:rPr lang="fa-IR" dirty="0" smtClean="0">
                 <a:cs typeface="B Nazanin" panose="00000400000000000000" pitchFamily="2" charset="-78"/>
               </a:rPr>
-              <a:t>چشم انداز پروژه راتعریف می‌کند و مسئول توسعه و اولویت بندی محتویات </a:t>
-            </a:r>
-            <a:r>
-              <a:rPr lang="fa-IR" dirty="0" smtClean="0">
-                <a:solidFill>
-                  <a:srgbClr val="C00000"/>
-                </a:solidFill>
-                <a:cs typeface="B Nazanin" panose="00000400000000000000" pitchFamily="2" charset="-78"/>
-              </a:rPr>
-              <a:t>بک لاگ محصول </a:t>
-            </a:r>
-            <a:r>
-              <a:rPr lang="fa-IR" dirty="0" smtClean="0">
-                <a:cs typeface="B Nazanin" panose="00000400000000000000" pitchFamily="2" charset="-78"/>
-              </a:rPr>
-              <a:t>است . </a:t>
-            </a:r>
-            <a:endParaRPr lang="en-US" dirty="0" smtClean="0">
+              <a:t>است که مسئول رساندن صدای مشتریان به تیم توسعه دهنده است .</a:t>
+            </a:r>
+          </a:p>
+          <a:p>
+            <a:pPr marL="0" indent="0">
+              <a:buNone/>
+            </a:pPr>
+            <a:endParaRPr lang="fa-IR" sz="2000" dirty="0">
               <a:cs typeface="B Nazanin" panose="00000400000000000000" pitchFamily="2" charset="-78"/>
             </a:endParaRPr>
           </a:p>
-          <a:p>
-            <a:pPr>
-              <a:buFont typeface="Wingdings" panose="05000000000000000000" pitchFamily="2" charset="2"/>
-              <a:buChar char="§"/>
-            </a:pPr>
-            <a:r>
-              <a:rPr lang="fa-IR" dirty="0" smtClean="0">
-                <a:solidFill>
-                  <a:srgbClr val="C00000"/>
-                </a:solidFill>
-                <a:cs typeface="B Nazanin" panose="00000400000000000000" pitchFamily="2" charset="-78"/>
-              </a:rPr>
-              <a:t>مالک محصول </a:t>
-            </a:r>
-            <a:r>
-              <a:rPr lang="fa-IR" dirty="0" smtClean="0">
-                <a:cs typeface="B Nazanin" panose="00000400000000000000" pitchFamily="2" charset="-78"/>
-              </a:rPr>
-              <a:t>اساسا نقش </a:t>
-            </a:r>
-            <a:r>
-              <a:rPr lang="fa-IR" dirty="0" smtClean="0">
-                <a:solidFill>
-                  <a:srgbClr val="C00000"/>
-                </a:solidFill>
-                <a:cs typeface="B Nazanin" panose="00000400000000000000" pitchFamily="2" charset="-78"/>
-              </a:rPr>
-              <a:t>قهرمان محصول </a:t>
-            </a:r>
-            <a:r>
-              <a:rPr lang="fa-IR" dirty="0" smtClean="0">
-                <a:cs typeface="B Nazanin" panose="00000400000000000000" pitchFamily="2" charset="-78"/>
-              </a:rPr>
-              <a:t>و کارکردهای تحلیلگر تجاری،نمایندگی مشتری، تعریف ویژگی های محصول ، اولویت بندی آنها و غیره را بر عهده دارد . </a:t>
-            </a:r>
-          </a:p>
-          <a:p>
-            <a:pPr marL="457200" algn="just">
-              <a:lnSpc>
-                <a:spcPct val="107000"/>
-              </a:lnSpc>
-              <a:spcBef>
-                <a:spcPts val="0"/>
-              </a:spcBef>
-              <a:spcAft>
-                <a:spcPts val="800"/>
-              </a:spcAft>
-            </a:pPr>
-            <a:r>
-              <a:rPr lang="fa-IR" dirty="0">
-                <a:latin typeface="Calibri" panose="020F0502020204030204" pitchFamily="34" charset="0"/>
-                <a:ea typeface="Calibri" panose="020F0502020204030204" pitchFamily="34" charset="0"/>
-              </a:rPr>
-              <a:t>طرح های </a:t>
-            </a:r>
-            <a:r>
-              <a:rPr lang="fa-IR" dirty="0">
-                <a:solidFill>
-                  <a:srgbClr val="C00000"/>
-                </a:solidFill>
-                <a:latin typeface="Calibri" panose="020F0502020204030204" pitchFamily="34" charset="0"/>
-                <a:ea typeface="Calibri" panose="020F0502020204030204" pitchFamily="34" charset="0"/>
-              </a:rPr>
-              <a:t>مالک محصول </a:t>
-            </a:r>
-            <a:r>
-              <a:rPr lang="fa-IR" dirty="0">
-                <a:latin typeface="Calibri" panose="020F0502020204030204" pitchFamily="34" charset="0"/>
-                <a:ea typeface="Calibri" panose="020F0502020204030204" pitchFamily="34" charset="0"/>
-              </a:rPr>
-              <a:t>و </a:t>
-            </a:r>
-            <a:r>
-              <a:rPr lang="fa-IR" dirty="0">
-                <a:solidFill>
-                  <a:srgbClr val="C00000"/>
-                </a:solidFill>
-                <a:latin typeface="Calibri" panose="020F0502020204030204" pitchFamily="34" charset="0"/>
-                <a:ea typeface="Calibri" panose="020F0502020204030204" pitchFamily="34" charset="0"/>
-              </a:rPr>
-              <a:t>قهرمان محصول </a:t>
-            </a:r>
-            <a:r>
-              <a:rPr lang="fa-IR" dirty="0">
-                <a:latin typeface="Calibri" panose="020F0502020204030204" pitchFamily="34" charset="0"/>
-                <a:ea typeface="Calibri" panose="020F0502020204030204" pitchFamily="34" charset="0"/>
-              </a:rPr>
-              <a:t>متقابل نیستند .</a:t>
-            </a:r>
-          </a:p>
-          <a:p>
-            <a:pPr marL="457200" algn="just">
-              <a:lnSpc>
-                <a:spcPct val="107000"/>
-              </a:lnSpc>
-              <a:spcBef>
-                <a:spcPts val="0"/>
-              </a:spcBef>
-              <a:spcAft>
-                <a:spcPts val="800"/>
-              </a:spcAft>
-            </a:pPr>
-            <a:r>
-              <a:rPr lang="fa-IR" dirty="0">
-                <a:latin typeface="Calibri" panose="020F0502020204030204" pitchFamily="34" charset="0"/>
-                <a:ea typeface="Calibri" panose="020F0502020204030204" pitchFamily="34" charset="0"/>
-              </a:rPr>
-              <a:t> اگر </a:t>
-            </a:r>
-            <a:r>
-              <a:rPr lang="fa-IR" dirty="0">
-                <a:solidFill>
-                  <a:srgbClr val="C00000"/>
-                </a:solidFill>
-                <a:latin typeface="Calibri" panose="020F0502020204030204" pitchFamily="34" charset="0"/>
-                <a:ea typeface="Calibri" panose="020F0502020204030204" pitchFamily="34" charset="0"/>
-              </a:rPr>
-              <a:t>صاحب محصول </a:t>
-            </a:r>
-            <a:r>
-              <a:rPr lang="fa-IR" dirty="0">
-                <a:latin typeface="Calibri" panose="020F0502020204030204" pitchFamily="34" charset="0"/>
-                <a:ea typeface="Calibri" panose="020F0502020204030204" pitchFamily="34" charset="0"/>
-              </a:rPr>
-              <a:t>در نقش یک تحلیلگر تجاری و  نه به عنوان نماینده ذی نفعان عمل می‌کند، می تواند ساختاری را با یک یا چند </a:t>
-            </a:r>
-            <a:r>
-              <a:rPr lang="fa-IR" dirty="0">
-                <a:solidFill>
-                  <a:srgbClr val="C00000"/>
-                </a:solidFill>
-                <a:latin typeface="Calibri" panose="020F0502020204030204" pitchFamily="34" charset="0"/>
-                <a:ea typeface="Calibri" panose="020F0502020204030204" pitchFamily="34" charset="0"/>
-              </a:rPr>
-              <a:t>قهرمان محصول </a:t>
-            </a:r>
-            <a:r>
-              <a:rPr lang="fa-IR" dirty="0">
-                <a:latin typeface="Calibri" panose="020F0502020204030204" pitchFamily="34" charset="0"/>
-                <a:ea typeface="Calibri" panose="020F0502020204030204" pitchFamily="34" charset="0"/>
-              </a:rPr>
-              <a:t>راه اندازی کند تا بهترین ورودی ها را دریافت کن</a:t>
-            </a:r>
-            <a:endParaRPr lang="fa-IR" dirty="0">
-              <a:cs typeface="B Nazanin" panose="00000400000000000000" pitchFamily="2" charset="-78"/>
-            </a:endParaRPr>
-          </a:p>
-        </p:txBody>
-      </p:sp>
-      <p:pic>
-        <p:nvPicPr>
-          <p:cNvPr id="4" name="Picture 3"/>
-          <p:cNvPicPr>
-            <a:picLocks noChangeAspect="1"/>
-          </p:cNvPicPr>
-          <p:nvPr/>
-        </p:nvPicPr>
-        <p:blipFill>
-          <a:blip r:embed="rId2"/>
-          <a:stretch>
-            <a:fillRect/>
-          </a:stretch>
-        </p:blipFill>
-        <p:spPr>
-          <a:xfrm>
-            <a:off x="11006298" y="1258403"/>
-            <a:ext cx="347502" cy="304826"/>
-          </a:xfrm>
-          <a:prstGeom prst="rect">
-            <a:avLst/>
-          </a:prstGeom>
-        </p:spPr>
-      </p:pic>
+        </p:txBody>
+      </p:sp>
     </p:spTree>
     <p:extLst>
       <p:ext uri="{BB962C8B-B14F-4D97-AF65-F5344CB8AC3E}">
-        <p14:creationId xmlns:p14="http://schemas.microsoft.com/office/powerpoint/2010/main" val="2324013328"/>
+        <p14:creationId xmlns:p14="http://schemas.microsoft.com/office/powerpoint/2010/main" val="496497235"/>
       </p:ext>
     </p:extLst>
   </p:cSld>
@@ -10195,6 +10081,331 @@
             <p:ph type="title"/>
           </p:nvPr>
         </p:nvSpPr>
+        <p:spPr>
+          <a:xfrm>
+            <a:off x="838200" y="365126"/>
+            <a:ext cx="10515600" cy="653778"/>
+          </a:xfrm>
+        </p:spPr>
+        <p:txBody>
+          <a:bodyPr>
+            <a:normAutofit/>
+          </a:bodyPr>
+          <a:lstStyle/>
+          <a:p>
+            <a:pPr algn="ctr"/>
+            <a:r>
+              <a:rPr lang="fa-IR" sz="3600" u="sng" dirty="0" smtClean="0">
+                <a:solidFill>
+                  <a:srgbClr val="C00000"/>
+                </a:solidFill>
+                <a:cs typeface="B Nazanin" panose="00000400000000000000" pitchFamily="2" charset="-78"/>
+              </a:rPr>
+              <a:t>نماینده کاربر در پروژه های چابک(ادامه)</a:t>
+            </a:r>
+            <a:endParaRPr lang="fa-IR" sz="3600" u="sng" dirty="0">
+              <a:solidFill>
+                <a:srgbClr val="C00000"/>
+              </a:solidFill>
+              <a:cs typeface="B Nazanin" panose="00000400000000000000" pitchFamily="2" charset="-78"/>
+            </a:endParaRPr>
+          </a:p>
+        </p:txBody>
+      </p:sp>
+      <p:sp>
+        <p:nvSpPr>
+          <p:cNvPr id="3" name="Content Placeholder 2"/>
+          <p:cNvSpPr>
+            <a:spLocks noGrp="1"/>
+          </p:cNvSpPr>
+          <p:nvPr>
+            <p:ph idx="1"/>
+          </p:nvPr>
+        </p:nvSpPr>
+        <p:spPr>
+          <a:xfrm>
+            <a:off x="838200" y="1193074"/>
+            <a:ext cx="10515600" cy="4983889"/>
+          </a:xfrm>
+        </p:spPr>
+        <p:txBody>
+          <a:bodyPr>
+            <a:normAutofit/>
+          </a:bodyPr>
+          <a:lstStyle/>
+          <a:p>
+            <a:pPr marL="0" indent="0" algn="r" rtl="1">
+              <a:buNone/>
+            </a:pPr>
+            <a:r>
+              <a:rPr lang="fa-IR" dirty="0" smtClean="0">
+                <a:solidFill>
+                  <a:srgbClr val="C00000"/>
+                </a:solidFill>
+                <a:cs typeface="B Nazanin" panose="00000400000000000000" pitchFamily="2" charset="-78"/>
+              </a:rPr>
+              <a:t>     مالک محصول  </a:t>
+            </a:r>
+          </a:p>
+          <a:p>
+            <a:pPr>
+              <a:buFont typeface="Wingdings" panose="05000000000000000000" pitchFamily="2" charset="2"/>
+              <a:buChar char="§"/>
+            </a:pPr>
+            <a:r>
+              <a:rPr lang="fa-IR" dirty="0" smtClean="0">
+                <a:solidFill>
+                  <a:srgbClr val="C00000"/>
+                </a:solidFill>
+                <a:cs typeface="B Nazanin" panose="00000400000000000000" pitchFamily="2" charset="-78"/>
+              </a:rPr>
+              <a:t>مالک محصول </a:t>
+            </a:r>
+            <a:r>
+              <a:rPr lang="fa-IR" dirty="0" smtClean="0">
+                <a:cs typeface="B Nazanin" panose="00000400000000000000" pitchFamily="2" charset="-78"/>
+              </a:rPr>
+              <a:t>چشم انداز پروژه راتعریف می‌کند و مسئول توسعه و اولویت بندی محتویات </a:t>
+            </a:r>
+            <a:r>
+              <a:rPr lang="fa-IR" dirty="0" smtClean="0">
+                <a:solidFill>
+                  <a:srgbClr val="C00000"/>
+                </a:solidFill>
+                <a:cs typeface="B Nazanin" panose="00000400000000000000" pitchFamily="2" charset="-78"/>
+              </a:rPr>
+              <a:t>بک لاگ محصول </a:t>
+            </a:r>
+            <a:r>
+              <a:rPr lang="fa-IR" dirty="0" smtClean="0">
+                <a:cs typeface="B Nazanin" panose="00000400000000000000" pitchFamily="2" charset="-78"/>
+              </a:rPr>
+              <a:t>است . </a:t>
+            </a:r>
+            <a:endParaRPr lang="en-US" dirty="0" smtClean="0">
+              <a:cs typeface="B Nazanin" panose="00000400000000000000" pitchFamily="2" charset="-78"/>
+            </a:endParaRPr>
+          </a:p>
+          <a:p>
+            <a:pPr>
+              <a:buFont typeface="Wingdings" panose="05000000000000000000" pitchFamily="2" charset="2"/>
+              <a:buChar char="§"/>
+            </a:pPr>
+            <a:r>
+              <a:rPr lang="fa-IR" dirty="0" smtClean="0">
+                <a:solidFill>
+                  <a:srgbClr val="C00000"/>
+                </a:solidFill>
+                <a:cs typeface="B Nazanin" panose="00000400000000000000" pitchFamily="2" charset="-78"/>
+              </a:rPr>
+              <a:t>مالک محصول </a:t>
+            </a:r>
+            <a:r>
+              <a:rPr lang="fa-IR" dirty="0" smtClean="0">
+                <a:cs typeface="B Nazanin" panose="00000400000000000000" pitchFamily="2" charset="-78"/>
+              </a:rPr>
+              <a:t>اساسا نقش </a:t>
+            </a:r>
+            <a:r>
+              <a:rPr lang="fa-IR" dirty="0" smtClean="0">
+                <a:solidFill>
+                  <a:srgbClr val="C00000"/>
+                </a:solidFill>
+                <a:cs typeface="B Nazanin" panose="00000400000000000000" pitchFamily="2" charset="-78"/>
+              </a:rPr>
+              <a:t>قهرمان محصول </a:t>
+            </a:r>
+            <a:r>
+              <a:rPr lang="fa-IR" dirty="0" smtClean="0">
+                <a:cs typeface="B Nazanin" panose="00000400000000000000" pitchFamily="2" charset="-78"/>
+              </a:rPr>
+              <a:t>و کارکردهای تحلیلگر تجاری،نمایندگی مشتری، تعریف ویژگی های محصول ، اولویت بندی آنها و غیره را بر عهده دارد . </a:t>
+            </a:r>
+          </a:p>
+          <a:p>
+            <a:pPr marL="457200" algn="just">
+              <a:lnSpc>
+                <a:spcPct val="107000"/>
+              </a:lnSpc>
+              <a:spcBef>
+                <a:spcPts val="0"/>
+              </a:spcBef>
+              <a:spcAft>
+                <a:spcPts val="800"/>
+              </a:spcAft>
+            </a:pPr>
+            <a:r>
+              <a:rPr lang="fa-IR" dirty="0">
+                <a:latin typeface="Calibri" panose="020F0502020204030204" pitchFamily="34" charset="0"/>
+                <a:ea typeface="Calibri" panose="020F0502020204030204" pitchFamily="34" charset="0"/>
+              </a:rPr>
+              <a:t>طرح های </a:t>
+            </a:r>
+            <a:r>
+              <a:rPr lang="fa-IR" dirty="0">
+                <a:solidFill>
+                  <a:srgbClr val="C00000"/>
+                </a:solidFill>
+                <a:latin typeface="Calibri" panose="020F0502020204030204" pitchFamily="34" charset="0"/>
+                <a:ea typeface="Calibri" panose="020F0502020204030204" pitchFamily="34" charset="0"/>
+              </a:rPr>
+              <a:t>مالک محصول </a:t>
+            </a:r>
+            <a:r>
+              <a:rPr lang="fa-IR" dirty="0">
+                <a:latin typeface="Calibri" panose="020F0502020204030204" pitchFamily="34" charset="0"/>
+                <a:ea typeface="Calibri" panose="020F0502020204030204" pitchFamily="34" charset="0"/>
+              </a:rPr>
+              <a:t>و </a:t>
+            </a:r>
+            <a:r>
+              <a:rPr lang="fa-IR" dirty="0">
+                <a:solidFill>
+                  <a:srgbClr val="C00000"/>
+                </a:solidFill>
+                <a:latin typeface="Calibri" panose="020F0502020204030204" pitchFamily="34" charset="0"/>
+                <a:ea typeface="Calibri" panose="020F0502020204030204" pitchFamily="34" charset="0"/>
+              </a:rPr>
+              <a:t>قهرمان محصول </a:t>
+            </a:r>
+            <a:r>
+              <a:rPr lang="fa-IR" dirty="0">
+                <a:latin typeface="Calibri" panose="020F0502020204030204" pitchFamily="34" charset="0"/>
+                <a:ea typeface="Calibri" panose="020F0502020204030204" pitchFamily="34" charset="0"/>
+              </a:rPr>
+              <a:t>متقابل نیستند .</a:t>
+            </a:r>
+          </a:p>
+          <a:p>
+            <a:pPr marL="457200" algn="just">
+              <a:lnSpc>
+                <a:spcPct val="107000"/>
+              </a:lnSpc>
+              <a:spcBef>
+                <a:spcPts val="0"/>
+              </a:spcBef>
+              <a:spcAft>
+                <a:spcPts val="800"/>
+              </a:spcAft>
+            </a:pPr>
+            <a:r>
+              <a:rPr lang="fa-IR" dirty="0">
+                <a:latin typeface="Calibri" panose="020F0502020204030204" pitchFamily="34" charset="0"/>
+                <a:ea typeface="Calibri" panose="020F0502020204030204" pitchFamily="34" charset="0"/>
+              </a:rPr>
+              <a:t> اگر </a:t>
+            </a:r>
+            <a:r>
+              <a:rPr lang="fa-IR" dirty="0">
+                <a:solidFill>
+                  <a:srgbClr val="C00000"/>
+                </a:solidFill>
+                <a:latin typeface="Calibri" panose="020F0502020204030204" pitchFamily="34" charset="0"/>
+                <a:ea typeface="Calibri" panose="020F0502020204030204" pitchFamily="34" charset="0"/>
+              </a:rPr>
+              <a:t>صاحب محصول </a:t>
+            </a:r>
+            <a:r>
+              <a:rPr lang="fa-IR" dirty="0">
+                <a:latin typeface="Calibri" panose="020F0502020204030204" pitchFamily="34" charset="0"/>
+                <a:ea typeface="Calibri" panose="020F0502020204030204" pitchFamily="34" charset="0"/>
+              </a:rPr>
+              <a:t>در نقش یک تحلیلگر تجاری و  نه به عنوان نماینده ذی نفعان عمل می‌کند، می تواند ساختاری را با یک یا چند </a:t>
+            </a:r>
+            <a:r>
+              <a:rPr lang="fa-IR" dirty="0">
+                <a:solidFill>
+                  <a:srgbClr val="C00000"/>
+                </a:solidFill>
+                <a:latin typeface="Calibri" panose="020F0502020204030204" pitchFamily="34" charset="0"/>
+                <a:ea typeface="Calibri" panose="020F0502020204030204" pitchFamily="34" charset="0"/>
+              </a:rPr>
+              <a:t>قهرمان محصول </a:t>
+            </a:r>
+            <a:r>
+              <a:rPr lang="fa-IR" dirty="0">
+                <a:latin typeface="Calibri" panose="020F0502020204030204" pitchFamily="34" charset="0"/>
+                <a:ea typeface="Calibri" panose="020F0502020204030204" pitchFamily="34" charset="0"/>
+              </a:rPr>
+              <a:t>راه اندازی کند تا بهترین ورودی ها را دریافت کن</a:t>
+            </a:r>
+            <a:endParaRPr lang="fa-IR" dirty="0">
+              <a:cs typeface="B Nazanin" panose="00000400000000000000" pitchFamily="2" charset="-78"/>
+            </a:endParaRPr>
+          </a:p>
+        </p:txBody>
+      </p:sp>
+      <p:pic>
+        <p:nvPicPr>
+          <p:cNvPr id="4" name="Picture 3"/>
+          <p:cNvPicPr>
+            <a:picLocks noChangeAspect="1"/>
+          </p:cNvPicPr>
+          <p:nvPr/>
+        </p:nvPicPr>
+        <p:blipFill>
+          <a:blip r:embed="rId2"/>
+          <a:stretch>
+            <a:fillRect/>
+          </a:stretch>
+        </p:blipFill>
+        <p:spPr>
+          <a:xfrm>
+            <a:off x="11006298" y="1258403"/>
+            <a:ext cx="347502" cy="304826"/>
+          </a:xfrm>
+          <a:prstGeom prst="rect">
+            <a:avLst/>
+          </a:prstGeom>
+        </p:spPr>
+      </p:pic>
+    </p:spTree>
+    <p:extLst>
+      <p:ext uri="{BB962C8B-B14F-4D97-AF65-F5344CB8AC3E}">
+        <p14:creationId xmlns:p14="http://schemas.microsoft.com/office/powerpoint/2010/main" val="2324013328"/>
+      </p:ext>
+    </p:extLst>
+  </p:cSld>
+  <p:clrMapOvr>
+    <a:masterClrMapping/>
+  </p:clrMapOvr>
+  <p:timing>
+    <p:tnLst>
+      <p:par>
+        <p:cTn id="1" dur="indefinite" restart="never" nodeType="tmRoot"/>
+      </p:par>
+    </p:tnLst>
+  </p:timing>
+</p:sld>
+</file>
+
+<file path=ppt/slides/slide32.xml><?xml version="1.0" encoding="utf-8"?>
+<p:sld xmlns:a="http://schemas.openxmlformats.org/drawingml/2006/main" xmlns:r="http://schemas.openxmlformats.org/officeDocument/2006/relationships" xmlns:p="http://schemas.openxmlformats.org/presentationml/2006/main">
+  <p:cSld>
+    <p:spTree>
+      <p:nvGrpSpPr>
+        <p:cNvPr id="1" name=""/>
+        <p:cNvGrpSpPr/>
+        <p:nvPr/>
+      </p:nvGrpSpPr>
+      <p:grpSpPr>
+        <a:xfrm>
+          <a:off x="0" y="0"/>
+          <a:ext cx="0" cy="0"/>
+          <a:chOff x="0" y="0"/>
+          <a:chExt cx="0" cy="0"/>
+        </a:xfrm>
+      </p:grpSpPr>
+      <p:sp>
+        <p:nvSpPr>
+          <p:cNvPr id="2" name="Title 1"/>
+          <p:cNvSpPr>
+            <a:spLocks noGrp="1"/>
+          </p:cNvSpPr>
+          <p:nvPr>
+            <p:ph type="title"/>
+          </p:nvPr>
+        </p:nvSpPr>
         <p:spPr/>
         <p:txBody>
           <a:bodyPr>
@@ -10334,7 +10545,7 @@
 </p:sld>
 </file>
 
-<file path=ppt/slides/slide32.xml><?xml version="1.0" encoding="utf-8"?>
+<file path=ppt/slides/slide33.xml><?xml version="1.0" encoding="utf-8"?>
 <p:sld xmlns:a="http://schemas.openxmlformats.org/drawingml/2006/main" xmlns:r="http://schemas.openxmlformats.org/officeDocument/2006/relationships" xmlns:p="http://schemas.openxmlformats.org/presentationml/2006/main">
   <p:cSld>
     <p:spTree>
@@ -11159,6 +11370,116 @@
           <a:bodyPr/>
           <a:lstStyle/>
           <a:p>
+            <a:pPr marL="0" indent="0" algn="r" rtl="1">
+              <a:lnSpc>
+                <a:spcPct val="150000"/>
+              </a:lnSpc>
+              <a:buNone/>
+            </a:pPr>
+            <a:r>
+              <a:rPr lang="fa-IR" sz="2000" dirty="0" smtClean="0">
+                <a:solidFill>
+                  <a:srgbClr val="C00000"/>
+                </a:solidFill>
+                <a:cs typeface="B Nazanin" panose="00000400000000000000" pitchFamily="2" charset="-78"/>
+              </a:rPr>
+              <a:t>      </a:t>
+            </a:r>
+            <a:r>
+              <a:rPr lang="fa-IR" sz="2400" dirty="0" smtClean="0">
+                <a:solidFill>
+                  <a:srgbClr val="C00000"/>
+                </a:solidFill>
+                <a:cs typeface="B Nazanin" panose="00000400000000000000" pitchFamily="2" charset="-78"/>
+              </a:rPr>
+              <a:t>مقدمه</a:t>
+            </a:r>
+            <a:r>
+              <a:rPr lang="fa-IR" sz="2000" dirty="0" smtClean="0">
+                <a:solidFill>
+                  <a:srgbClr val="C00000"/>
+                </a:solidFill>
+                <a:cs typeface="B Nazanin" panose="00000400000000000000" pitchFamily="2" charset="-78"/>
+              </a:rPr>
+              <a:t> </a:t>
+            </a:r>
+          </a:p>
+          <a:p>
+            <a:pPr algn="r" rtl="1">
+              <a:lnSpc>
+                <a:spcPct val="150000"/>
+              </a:lnSpc>
+              <a:buFont typeface="Arial" panose="020B0604020202020204" pitchFamily="34" charset="0"/>
+              <a:buChar char="•"/>
+            </a:pPr>
+            <a:r>
+              <a:rPr lang="fa-IR" sz="2000" dirty="0" smtClean="0">
+                <a:cs typeface="B Nazanin" panose="00000400000000000000" pitchFamily="2" charset="-78"/>
+              </a:rPr>
+              <a:t>کاربران </a:t>
+            </a:r>
+            <a:r>
+              <a:rPr lang="fa-IR" sz="2000" dirty="0" smtClean="0">
+                <a:cs typeface="B Nazanin" panose="00000400000000000000" pitchFamily="2" charset="-78"/>
+              </a:rPr>
+              <a:t>مختلف به یک گروه یکپارچه با ویژگی ها و نيازهاي مشابه منتهي نمي‌شوند.</a:t>
+            </a:r>
+          </a:p>
+          <a:p>
+            <a:pPr algn="r" rtl="1">
+              <a:lnSpc>
+                <a:spcPct val="150000"/>
+              </a:lnSpc>
+              <a:buFont typeface="Arial" panose="020B0604020202020204" pitchFamily="34" charset="0"/>
+              <a:buChar char="•"/>
+            </a:pPr>
+            <a:r>
+              <a:rPr lang="fa-IR" sz="2000" dirty="0" smtClean="0">
+                <a:cs typeface="B Nazanin" panose="00000400000000000000" pitchFamily="2" charset="-78"/>
+              </a:rPr>
+              <a:t>يك محصول ممكن است براي كاربران مختلف با انتظارات و اهداف مختلف جذاب باشد .</a:t>
+            </a:r>
+          </a:p>
+          <a:p>
+            <a:pPr algn="r" rtl="1">
+              <a:lnSpc>
+                <a:spcPct val="150000"/>
+              </a:lnSpc>
+              <a:buFont typeface="Arial" panose="020B0604020202020204" pitchFamily="34" charset="0"/>
+              <a:buChar char="•"/>
+            </a:pPr>
+            <a:r>
+              <a:rPr lang="fa-IR" sz="2000" dirty="0" smtClean="0">
+                <a:cs typeface="B Nazanin" panose="00000400000000000000" pitchFamily="2" charset="-78"/>
+              </a:rPr>
+              <a:t>در فرايند مهندسي نيازمندي ها مدت زماني بايد صرف شناخت </a:t>
+            </a:r>
+            <a:r>
+              <a:rPr lang="fa-IR" sz="2000" dirty="0" smtClean="0">
+                <a:solidFill>
+                  <a:srgbClr val="C00000"/>
+                </a:solidFill>
+                <a:cs typeface="B Nazanin" panose="00000400000000000000" pitchFamily="2" charset="-78"/>
+              </a:rPr>
+              <a:t>كلاس هاي كاربري </a:t>
+            </a:r>
+            <a:r>
+              <a:rPr lang="fa-IR" sz="2000" dirty="0" smtClean="0">
+                <a:cs typeface="B Nazanin" panose="00000400000000000000" pitchFamily="2" charset="-78"/>
+              </a:rPr>
+              <a:t>مخلتف </a:t>
+            </a:r>
+            <a:r>
+              <a:rPr lang="fa-IR" sz="2000" dirty="0" smtClean="0">
+                <a:cs typeface="B Nazanin" panose="00000400000000000000" pitchFamily="2" charset="-78"/>
+              </a:rPr>
+              <a:t>شود.به جای اینکه به کاربر به صورت فرد نگاه کنید. </a:t>
+            </a:r>
+            <a:endParaRPr lang="fa-IR" sz="2000" dirty="0" smtClean="0">
+              <a:cs typeface="B Nazanin" panose="00000400000000000000" pitchFamily="2" charset="-78"/>
+            </a:endParaRPr>
+          </a:p>
+          <a:p>
             <a:pPr algn="r" rtl="1">
               <a:lnSpc>
                 <a:spcPct val="200000"/>
@@ -11166,67 +11487,55 @@
               <a:buFont typeface="Arial" panose="020B0604020202020204" pitchFamily="34" charset="0"/>
               <a:buChar char="•"/>
             </a:pPr>
-            <a:r>
-              <a:rPr lang="fa-IR" sz="2400" dirty="0" smtClean="0">
-                <a:cs typeface="B Nazanin" panose="00000400000000000000" pitchFamily="2" charset="-78"/>
-              </a:rPr>
-              <a:t>کاربران مختلف به یک گروه یکپارچه با ویژگی ها و نيازهاي مشابه منتهي نمي‌شوند.</a:t>
-            </a:r>
-          </a:p>
-          <a:p>
-            <a:pPr algn="r" rtl="1">
-              <a:lnSpc>
-                <a:spcPct val="200000"/>
-              </a:lnSpc>
-              <a:buFont typeface="Arial" panose="020B0604020202020204" pitchFamily="34" charset="0"/>
-              <a:buChar char="•"/>
-            </a:pPr>
-            <a:r>
-              <a:rPr lang="fa-IR" sz="2400" dirty="0" smtClean="0">
-                <a:cs typeface="B Nazanin" panose="00000400000000000000" pitchFamily="2" charset="-78"/>
-              </a:rPr>
-              <a:t>يك محصول ممكن است براي كاربران مختلف با انتظارات و اهداف مختلف جذاب باشد .</a:t>
-            </a:r>
-          </a:p>
-          <a:p>
-            <a:pPr algn="r" rtl="1">
-              <a:lnSpc>
-                <a:spcPct val="200000"/>
-              </a:lnSpc>
-              <a:buFont typeface="Arial" panose="020B0604020202020204" pitchFamily="34" charset="0"/>
-              <a:buChar char="•"/>
-            </a:pPr>
-            <a:r>
-              <a:rPr lang="fa-IR" sz="2400" dirty="0" smtClean="0">
-                <a:cs typeface="B Nazanin" panose="00000400000000000000" pitchFamily="2" charset="-78"/>
-              </a:rPr>
-              <a:t>در فرايند مهندسي نيازمندي ها مدت زماني بايد صرف شناخت </a:t>
-            </a:r>
-            <a:r>
-              <a:rPr lang="fa-IR" sz="2400" dirty="0" smtClean="0">
-                <a:solidFill>
-                  <a:srgbClr val="C00000"/>
-                </a:solidFill>
-                <a:cs typeface="B Nazanin" panose="00000400000000000000" pitchFamily="2" charset="-78"/>
-              </a:rPr>
-              <a:t>كلاس هاي كاربري </a:t>
-            </a:r>
-            <a:r>
-              <a:rPr lang="fa-IR" sz="2400" dirty="0" smtClean="0">
-                <a:cs typeface="B Nazanin" panose="00000400000000000000" pitchFamily="2" charset="-78"/>
-              </a:rPr>
-              <a:t>مخلتف شود.</a:t>
-            </a:r>
-          </a:p>
-          <a:p>
-            <a:pPr algn="r" rtl="1">
-              <a:lnSpc>
-                <a:spcPct val="200000"/>
-              </a:lnSpc>
-              <a:buFont typeface="Arial" panose="020B0604020202020204" pitchFamily="34" charset="0"/>
-              <a:buChar char="•"/>
-            </a:pPr>
             <a:endParaRPr lang="en-US" dirty="0"/>
+          </a:p>
+        </p:txBody>
+      </p:sp>
+      <p:sp>
+        <p:nvSpPr>
+          <p:cNvPr id="4" name="Cube 3"/>
+          <p:cNvSpPr/>
+          <p:nvPr/>
+        </p:nvSpPr>
+        <p:spPr>
+          <a:xfrm>
+            <a:off x="10983510" y="1533034"/>
+            <a:ext cx="285750" cy="292248"/>
+          </a:xfrm>
+          <a:prstGeom prst="cube">
+            <a:avLst/>
+          </a:prstGeom>
+          <a:solidFill>
+            <a:srgbClr val="C00000"/>
+          </a:solidFill>
+          <a:ln>
+            <a:solidFill>
+              <a:srgbClr val="C00000"/>
+            </a:solidFill>
+          </a:ln>
+        </p:spPr>
+        <p:style>
+          <a:lnRef idx="2">
+            <a:schemeClr val="accent1">
+              <a:shade val="50000"/>
+            </a:schemeClr>
+          </a:lnRef>
+          <a:fillRef idx="1">
+            <a:schemeClr val="accent1"/>
+          </a:fillRef>
+          <a:effectRef idx="0">
+            <a:schemeClr val="accent1"/>
+          </a:effectRef>
+          <a:fontRef idx="minor">
+            <a:schemeClr val="lt1"/>
+          </a:fontRef>
+        </p:style>
+        <p:txBody>
+          <a:bodyPr rtlCol="1" anchor="ctr"/>
+          <a:lstStyle/>
+          <a:p>
+            <a:pPr algn="ctr"/>
+            <a:endParaRPr lang="fa-IR"/>
           </a:p>
         </p:txBody>
       </p:sp>
@@ -11313,7 +11622,7 @@
         </p:nvSpPr>
         <p:spPr>
           <a:xfrm>
-            <a:off x="838200" y="1409700"/>
+            <a:off x="838200" y="1427949"/>
             <a:ext cx="10515600" cy="5019675"/>
           </a:xfrm>
         </p:spPr>
@@ -11323,9 +11632,8 @@
           </a:bodyPr>
           <a:lstStyle/>
           <a:p>
-            <a:pPr algn="r" rtl="1">
-              <a:buFont typeface="Wingdings" panose="05000000000000000000" pitchFamily="2" charset="2"/>
-              <a:buChar char="§"/>
+            <a:pPr marL="0" indent="0" algn="r" rtl="1">
+              <a:buNone/>
             </a:pPr>
             <a:r>
               <a:rPr lang="fa-IR" sz="2800" dirty="0" smtClean="0">
@@ -11334,7 +11642,25 @@
                 </a:solidFill>
                 <a:cs typeface="B Nazanin" panose="00000400000000000000" pitchFamily="2" charset="-78"/>
               </a:rPr>
-              <a:t> طبقه‌بندی کلاس کاربران </a:t>
+              <a:t> </a:t>
+            </a:r>
+            <a:r>
+              <a:rPr lang="fa-IR" sz="2800" dirty="0" smtClean="0">
+                <a:solidFill>
+                  <a:srgbClr val="C00000"/>
+                </a:solidFill>
+                <a:cs typeface="B Nazanin" panose="00000400000000000000" pitchFamily="2" charset="-78"/>
+              </a:rPr>
+              <a:t>    طبقه‌بندی </a:t>
+            </a:r>
+            <a:r>
+              <a:rPr lang="fa-IR" sz="2800" dirty="0" smtClean="0">
+                <a:solidFill>
+                  <a:srgbClr val="C00000"/>
+                </a:solidFill>
+                <a:cs typeface="B Nazanin" panose="00000400000000000000" pitchFamily="2" charset="-78"/>
+              </a:rPr>
+              <a:t>کلاس کاربران </a:t>
             </a:r>
           </a:p>
           <a:p>
@@ -11427,193 +11753,30 @@
               <a:t>است . </a:t>
             </a:r>
           </a:p>
-          <a:p>
-            <a:pPr algn="r" rtl="1"/>
-            <a:r>
-              <a:rPr lang="fa-IR" sz="2000" dirty="0" smtClean="0">
-                <a:cs typeface="B Nazanin" panose="00000400000000000000" pitchFamily="2" charset="-78"/>
-              </a:rPr>
-              <a:t>يك كاربر مي‌تواند همزمان عضوي از كلاس هاي كاربري متفاوت باشد .</a:t>
-            </a:r>
-          </a:p>
-          <a:p>
-            <a:pPr algn="r" rtl="1"/>
-            <a:r>
-              <a:rPr lang="fa-IR" sz="2000" dirty="0" smtClean="0">
-                <a:cs typeface="B Nazanin" panose="00000400000000000000" pitchFamily="2" charset="-78"/>
-              </a:rPr>
-              <a:t>کاربران را براساس که تفاوت های زیر دسته بندی می‌شود :</a:t>
-            </a:r>
-          </a:p>
-          <a:p>
-            <a:pPr marL="914400" lvl="2" indent="0">
-              <a:buNone/>
-            </a:pPr>
-            <a:r>
-              <a:rPr lang="fa-IR" dirty="0">
-                <a:solidFill>
-                  <a:prstClr val="black"/>
-                </a:solidFill>
-                <a:cs typeface="B Nazanin" panose="00000400000000000000" pitchFamily="2" charset="-78"/>
-              </a:rPr>
-              <a:t>رتبه بندي و سطح دسترسي امنيتي:</a:t>
-            </a:r>
-          </a:p>
-          <a:p>
-            <a:pPr marL="914400" lvl="2" indent="0">
-              <a:buNone/>
-            </a:pPr>
-            <a:r>
-              <a:rPr lang="fa-IR" dirty="0">
-                <a:solidFill>
-                  <a:prstClr val="black"/>
-                </a:solidFill>
-                <a:cs typeface="B Nazanin" panose="00000400000000000000" pitchFamily="2" charset="-78"/>
-              </a:rPr>
-              <a:t>كارهايي كه آن ها در هنگام عمليات تجاري خود انجام مي‌دهند</a:t>
-            </a:r>
-          </a:p>
-          <a:p>
-            <a:pPr marL="914400" lvl="2" indent="0">
-              <a:buNone/>
-            </a:pPr>
-            <a:r>
-              <a:rPr lang="fa-IR" dirty="0">
-                <a:solidFill>
-                  <a:prstClr val="black"/>
-                </a:solidFill>
-                <a:cs typeface="B Nazanin" panose="00000400000000000000" pitchFamily="2" charset="-78"/>
-              </a:rPr>
-              <a:t>امكاناتي كه آن ها استفاده مي‌كنند .</a:t>
-            </a:r>
-          </a:p>
-          <a:p>
-            <a:pPr marL="914400" lvl="2" indent="0">
-              <a:buNone/>
-            </a:pPr>
-            <a:r>
-              <a:rPr lang="fa-IR" dirty="0">
-                <a:solidFill>
-                  <a:prstClr val="black"/>
-                </a:solidFill>
-                <a:cs typeface="B Nazanin" panose="00000400000000000000" pitchFamily="2" charset="-78"/>
-              </a:rPr>
-              <a:t>تعداد دفعاتي كه آن ها از سيستم استفاده مي‌كنند .</a:t>
-            </a:r>
-          </a:p>
-          <a:p>
-            <a:pPr marL="914400" lvl="2" indent="0">
-              <a:buNone/>
-            </a:pPr>
-            <a:r>
-              <a:rPr lang="fa-IR" dirty="0">
-                <a:solidFill>
-                  <a:prstClr val="black"/>
-                </a:solidFill>
-                <a:cs typeface="B Nazanin" panose="00000400000000000000" pitchFamily="2" charset="-78"/>
-              </a:rPr>
-              <a:t>تجربه حوزه كاربرد سيستم و ميزان تخصص آن ها در استفاده از سيستم هاي كامپيوتري</a:t>
-            </a:r>
-          </a:p>
-          <a:p>
-            <a:pPr marL="914400" lvl="2" indent="0">
-              <a:buNone/>
-            </a:pPr>
-            <a:r>
-              <a:rPr lang="fa-IR" dirty="0">
-                <a:solidFill>
-                  <a:prstClr val="black"/>
-                </a:solidFill>
-                <a:cs typeface="B Nazanin" panose="00000400000000000000" pitchFamily="2" charset="-78"/>
-              </a:rPr>
-              <a:t>پلتفرم مورد استفاده كاربران</a:t>
-            </a:r>
-          </a:p>
-          <a:p>
-            <a:pPr marL="914400" lvl="2" indent="0">
-              <a:buNone/>
-            </a:pPr>
-            <a:r>
-              <a:rPr lang="fa-IR" dirty="0">
-                <a:solidFill>
-                  <a:prstClr val="black"/>
-                </a:solidFill>
-                <a:cs typeface="B Nazanin" panose="00000400000000000000" pitchFamily="2" charset="-78"/>
-              </a:rPr>
-              <a:t>زبان مادري آن ها </a:t>
-            </a:r>
-          </a:p>
-          <a:p>
-            <a:pPr marL="914400" lvl="2" indent="0">
-              <a:buNone/>
-            </a:pPr>
-            <a:r>
-              <a:rPr lang="fa-IR" dirty="0">
-                <a:solidFill>
-                  <a:prstClr val="black"/>
-                </a:solidFill>
-                <a:cs typeface="B Nazanin" panose="00000400000000000000" pitchFamily="2" charset="-78"/>
-              </a:rPr>
-              <a:t>نحوه </a:t>
-            </a:r>
-            <a:r>
-              <a:rPr lang="fa-IR" dirty="0" smtClean="0">
-                <a:solidFill>
-                  <a:prstClr val="black"/>
-                </a:solidFill>
-                <a:cs typeface="B Nazanin" panose="00000400000000000000" pitchFamily="2" charset="-78"/>
-              </a:rPr>
-              <a:t>ارتباط آنها  </a:t>
-            </a:r>
-            <a:r>
-              <a:rPr lang="fa-IR" dirty="0">
-                <a:solidFill>
-                  <a:prstClr val="black"/>
-                </a:solidFill>
-                <a:cs typeface="B Nazanin" panose="00000400000000000000" pitchFamily="2" charset="-78"/>
-              </a:rPr>
-              <a:t>با سيستم </a:t>
-            </a:r>
-            <a:r>
-              <a:rPr lang="fa-IR" dirty="0" smtClean="0">
-                <a:solidFill>
-                  <a:prstClr val="black"/>
-                </a:solidFill>
-                <a:cs typeface="B Nazanin" panose="00000400000000000000" pitchFamily="2" charset="-78"/>
-              </a:rPr>
-              <a:t>چه به صورت مستقیم یا غیرمستقیم</a:t>
-            </a:r>
-            <a:endParaRPr lang="en-US" dirty="0">
-              <a:solidFill>
-                <a:prstClr val="black"/>
-              </a:solidFill>
-              <a:cs typeface="B Nazanin" panose="00000400000000000000" pitchFamily="2" charset="-78"/>
-            </a:endParaRPr>
-          </a:p>
-          <a:p>
-            <a:pPr marL="457200" lvl="1" indent="0">
-              <a:buNone/>
-            </a:pPr>
-            <a:endParaRPr lang="en-US" sz="2000" dirty="0">
-              <a:cs typeface="B Nazanin" panose="00000400000000000000" pitchFamily="2" charset="-78"/>
-            </a:endParaRPr>
-          </a:p>
-        </p:txBody>
-      </p:sp>
-      <p:sp>
-        <p:nvSpPr>
-          <p:cNvPr id="5" name="Left Arrow 4"/>
+        </p:txBody>
+      </p:sp>
+      <p:sp>
+        <p:nvSpPr>
+          <p:cNvPr id="13" name="Cube 12"/>
           <p:cNvSpPr/>
           <p:nvPr/>
         </p:nvSpPr>
         <p:spPr>
           <a:xfrm>
-            <a:off x="10544175" y="3438525"/>
-            <a:ext cx="542925" cy="209550"/>
-          </a:xfrm>
-          <a:prstGeom prst="leftArrow">
+            <a:off x="10962181" y="1427949"/>
+            <a:ext cx="285750" cy="292248"/>
+          </a:xfrm>
+          <a:prstGeom prst="cube">
             <a:avLst/>
           </a:prstGeom>
+          <a:solidFill>
+            <a:srgbClr val="C00000"/>
+          </a:solidFill>
+          <a:ln>
+            <a:solidFill>
+              <a:srgbClr val="C00000"/>
+            </a:solidFill>
+          </a:ln>
         </p:spPr>
         <p:style>
           <a:lnRef idx="2">
@@ -11642,7 +11805,7 @@
       </p:sp>
       <p:pic>
         <p:nvPicPr>
-          <p:cNvPr id="6" name="Picture 5"/>
+          <p:cNvPr id="4" name="Picture 3"/>
           <p:cNvPicPr>
             <a:picLocks noChangeAspect="1"/>
           </p:cNvPicPr>
@@ -11656,152 +11819,8 @@
         </p:blipFill>
         <p:spPr>
           <a:xfrm>
-            <a:off x="10544175" y="3735694"/>
-            <a:ext cx="560881" cy="243861"/>
-          </a:xfrm>
-          <a:prstGeom prst="rect">
-            <a:avLst/>
-          </a:prstGeom>
-        </p:spPr>
-      </p:pic>
-      <p:pic>
-        <p:nvPicPr>
-          <p:cNvPr id="7" name="Picture 6"/>
-          <p:cNvPicPr>
-            <a:picLocks noChangeAspect="1"/>
-          </p:cNvPicPr>
-          <p:nvPr/>
-        </p:nvPicPr>
-        <p:blipFill>
-          <a:blip r:embed="rId2"/>
-          <a:stretch>
-            <a:fillRect/>
-          </a:stretch>
-        </p:blipFill>
-        <p:spPr>
-          <a:xfrm>
-            <a:off x="10544175" y="4067174"/>
-            <a:ext cx="560881" cy="243861"/>
-          </a:xfrm>
-          <a:prstGeom prst="rect">
-            <a:avLst/>
-          </a:prstGeom>
-        </p:spPr>
-      </p:pic>
-      <p:pic>
-        <p:nvPicPr>
-          <p:cNvPr id="8" name="Picture 7"/>
-          <p:cNvPicPr>
-            <a:picLocks noChangeAspect="1"/>
-          </p:cNvPicPr>
-          <p:nvPr/>
-        </p:nvPicPr>
-        <p:blipFill>
-          <a:blip r:embed="rId2"/>
-          <a:stretch>
-            <a:fillRect/>
-          </a:stretch>
-        </p:blipFill>
-        <p:spPr>
-          <a:xfrm>
-            <a:off x="10526219" y="4398654"/>
-            <a:ext cx="560881" cy="243861"/>
-          </a:xfrm>
-          <a:prstGeom prst="rect">
-            <a:avLst/>
-          </a:prstGeom>
-        </p:spPr>
-      </p:pic>
-      <p:pic>
-        <p:nvPicPr>
-          <p:cNvPr id="9" name="Picture 8"/>
-          <p:cNvPicPr>
-            <a:picLocks noChangeAspect="1"/>
-          </p:cNvPicPr>
-          <p:nvPr/>
-        </p:nvPicPr>
-        <p:blipFill>
-          <a:blip r:embed="rId2"/>
-          <a:stretch>
-            <a:fillRect/>
-          </a:stretch>
-        </p:blipFill>
-        <p:spPr>
-          <a:xfrm>
-            <a:off x="10526218" y="4794863"/>
-            <a:ext cx="560881" cy="243861"/>
-          </a:xfrm>
-          <a:prstGeom prst="rect">
-            <a:avLst/>
-          </a:prstGeom>
-        </p:spPr>
-      </p:pic>
-      <p:pic>
-        <p:nvPicPr>
-          <p:cNvPr id="10" name="Picture 9"/>
-          <p:cNvPicPr>
-            <a:picLocks noChangeAspect="1"/>
-          </p:cNvPicPr>
-          <p:nvPr/>
-        </p:nvPicPr>
-        <p:blipFill>
-          <a:blip r:embed="rId2"/>
-          <a:stretch>
-            <a:fillRect/>
-          </a:stretch>
-        </p:blipFill>
-        <p:spPr>
-          <a:xfrm>
-            <a:off x="10544175" y="5149233"/>
-            <a:ext cx="560881" cy="243861"/>
-          </a:xfrm>
-          <a:prstGeom prst="rect">
-            <a:avLst/>
-          </a:prstGeom>
-        </p:spPr>
-      </p:pic>
-      <p:pic>
-        <p:nvPicPr>
-          <p:cNvPr id="11" name="Picture 10"/>
-          <p:cNvPicPr>
-            <a:picLocks noChangeAspect="1"/>
-          </p:cNvPicPr>
-          <p:nvPr/>
-        </p:nvPicPr>
-        <p:blipFill>
-          <a:blip r:embed="rId2"/>
-          <a:stretch>
-            <a:fillRect/>
-          </a:stretch>
-        </p:blipFill>
-        <p:spPr>
-          <a:xfrm>
-            <a:off x="10544175" y="5440719"/>
-            <a:ext cx="560881" cy="243861"/>
-          </a:xfrm>
-          <a:prstGeom prst="rect">
-            <a:avLst/>
-          </a:prstGeom>
-        </p:spPr>
-      </p:pic>
-      <p:pic>
-        <p:nvPicPr>
-          <p:cNvPr id="12" name="Picture 11"/>
-          <p:cNvPicPr>
-            <a:picLocks noChangeAspect="1"/>
-          </p:cNvPicPr>
-          <p:nvPr/>
-        </p:nvPicPr>
-        <p:blipFill>
-          <a:blip r:embed="rId2"/>
-          <a:stretch>
-            <a:fillRect/>
-          </a:stretch>
-        </p:blipFill>
-        <p:spPr>
-          <a:xfrm>
-            <a:off x="10544175" y="5813116"/>
-            <a:ext cx="560881" cy="243861"/>
+            <a:off x="2664822" y="2690948"/>
+            <a:ext cx="6305005" cy="3610383"/>
           </a:xfrm>
           <a:prstGeom prst="rect">
             <a:avLst/>
@@ -11855,78 +11874,511 @@
             <p:ph type="title"/>
           </p:nvPr>
         </p:nvSpPr>
-        <p:spPr/>
+        <p:spPr>
+          <a:xfrm>
+            <a:off x="838200" y="365125"/>
+            <a:ext cx="10515600" cy="835025"/>
+          </a:xfrm>
+        </p:spPr>
         <p:txBody>
           <a:bodyPr/>
           <a:lstStyle/>
           <a:p>
             <a:pPr algn="ctr" rtl="1"/>
             <a:r>
+              <a:rPr lang="fa-IR" u="sng" dirty="0">
+                <a:solidFill>
+                  <a:srgbClr val="C00000"/>
+                </a:solidFill>
+                <a:cs typeface="B Nazanin" panose="00000400000000000000" pitchFamily="2" charset="-78"/>
+              </a:rPr>
+              <a:t>کلاس های کاربری </a:t>
+            </a:r>
+            <a:r>
               <a:rPr lang="fa-IR" u="sng" dirty="0" smtClean="0">
                 <a:solidFill>
                   <a:srgbClr val="C00000"/>
                 </a:solidFill>
                 <a:cs typeface="B Nazanin" panose="00000400000000000000" pitchFamily="2" charset="-78"/>
               </a:rPr>
-              <a:t>کلاس‌های کاربری  </a:t>
-            </a:r>
-            <a:endParaRPr lang="en-US" u="sng" dirty="0">
+              <a:t>(ادامه)</a:t>
+            </a:r>
+            <a:endParaRPr lang="en-US" dirty="0"/>
+          </a:p>
+        </p:txBody>
+      </p:sp>
+      <p:sp>
+        <p:nvSpPr>
+          <p:cNvPr id="3" name="Content Placeholder 2"/>
+          <p:cNvSpPr>
+            <a:spLocks noGrp="1"/>
+          </p:cNvSpPr>
+          <p:nvPr>
+            <p:ph idx="1"/>
+          </p:nvPr>
+        </p:nvSpPr>
+        <p:spPr>
+          <a:xfrm>
+            <a:off x="838200" y="1409700"/>
+            <a:ext cx="10515600" cy="5019675"/>
+          </a:xfrm>
+        </p:spPr>
+        <p:txBody>
+          <a:bodyPr>
+            <a:normAutofit/>
+          </a:bodyPr>
+          <a:lstStyle/>
+          <a:p>
+            <a:pPr marL="0" indent="0" algn="r" rtl="1">
+              <a:buNone/>
+            </a:pPr>
+            <a:r>
+              <a:rPr lang="fa-IR" sz="2800" dirty="0" smtClean="0">
+                <a:solidFill>
+                  <a:srgbClr val="C00000"/>
+                </a:solidFill>
+                <a:cs typeface="B Nazanin" panose="00000400000000000000" pitchFamily="2" charset="-78"/>
+              </a:rPr>
+              <a:t> </a:t>
+            </a:r>
+            <a:r>
+              <a:rPr lang="fa-IR" sz="2800" dirty="0" smtClean="0">
+                <a:solidFill>
+                  <a:srgbClr val="C00000"/>
+                </a:solidFill>
+                <a:cs typeface="B Nazanin" panose="00000400000000000000" pitchFamily="2" charset="-78"/>
+              </a:rPr>
+              <a:t>    طبقه‌بندی </a:t>
+            </a:r>
+            <a:r>
+              <a:rPr lang="fa-IR" sz="2800" dirty="0" smtClean="0">
+                <a:solidFill>
+                  <a:srgbClr val="C00000"/>
+                </a:solidFill>
+                <a:cs typeface="B Nazanin" panose="00000400000000000000" pitchFamily="2" charset="-78"/>
+              </a:rPr>
+              <a:t>کلاس </a:t>
+            </a:r>
+            <a:r>
+              <a:rPr lang="fa-IR" sz="2800" dirty="0" smtClean="0">
+                <a:solidFill>
+                  <a:srgbClr val="C00000"/>
+                </a:solidFill>
+                <a:cs typeface="B Nazanin" panose="00000400000000000000" pitchFamily="2" charset="-78"/>
+              </a:rPr>
+              <a:t>کاربران(ادامه) </a:t>
+            </a:r>
+            <a:endParaRPr lang="fa-IR" sz="2800" dirty="0" smtClean="0">
               <a:solidFill>
                 <a:srgbClr val="C00000"/>
               </a:solidFill>
               <a:cs typeface="B Nazanin" panose="00000400000000000000" pitchFamily="2" charset="-78"/>
             </a:endParaRPr>
           </a:p>
-        </p:txBody>
-      </p:sp>
-      <p:sp>
-        <p:nvSpPr>
-          <p:cNvPr id="3" name="Content Placeholder 2"/>
-          <p:cNvSpPr>
-            <a:spLocks noGrp="1"/>
-          </p:cNvSpPr>
-          <p:nvPr>
-            <p:ph idx="1"/>
-          </p:nvPr>
-        </p:nvSpPr>
-        <p:spPr/>
-        <p:txBody>
-          <a:bodyPr/>
-          <a:lstStyle/>
-          <a:p>
-            <a:pPr algn="r" rtl="1">
-              <a:buFont typeface="Arial" panose="020B0604020202020204" pitchFamily="34" charset="0"/>
-              <a:buChar char="•"/>
-            </a:pPr>
-            <a:r>
-              <a:rPr lang="fa-IR" dirty="0" smtClean="0"/>
-              <a:t>وسوسه انگيز است اگر كاربران را بر اساس موقعيت تجاري يا انواع كمپاني هايي كه در آن كار مي‌كنند تقسيم كنيم .</a:t>
-            </a:r>
-          </a:p>
-          <a:p>
-            <a:pPr algn="r" rtl="1">
-              <a:buFont typeface="Arial" panose="020B0604020202020204" pitchFamily="34" charset="0"/>
-              <a:buChar char="•"/>
-            </a:pPr>
-            <a:endParaRPr lang="fa-IR" dirty="0" smtClean="0"/>
-          </a:p>
-          <a:p>
-            <a:pPr algn="r" rtl="1">
-              <a:buFont typeface="Arial" panose="020B0604020202020204" pitchFamily="34" charset="0"/>
-              <a:buChar char="•"/>
-            </a:pPr>
-            <a:endParaRPr lang="fa-IR" dirty="0" smtClean="0"/>
-          </a:p>
-          <a:p>
-            <a:pPr algn="r" rtl="1"/>
-            <a:endParaRPr lang="en-US" dirty="0"/>
-          </a:p>
-        </p:txBody>
-      </p:sp>
+          <a:p>
+            <a:r>
+              <a:rPr lang="fa-IR" sz="2000" dirty="0">
+                <a:cs typeface="B Nazanin" panose="00000400000000000000" pitchFamily="2" charset="-78"/>
+              </a:rPr>
+              <a:t>يك كاربر مي‌تواند همزمان عضوي از كلاس هاي كاربري متفاوت باشد .</a:t>
+            </a:r>
+          </a:p>
+          <a:p>
+            <a:r>
+              <a:rPr lang="fa-IR" sz="2000" dirty="0">
+                <a:cs typeface="B Nazanin" panose="00000400000000000000" pitchFamily="2" charset="-78"/>
+              </a:rPr>
+              <a:t>کاربران را براساس که تفاوت های زیر دسته بندی می‌شود :</a:t>
+            </a:r>
+          </a:p>
+          <a:p>
+            <a:pPr marL="914400" lvl="2" indent="0">
+              <a:buNone/>
+            </a:pPr>
+            <a:r>
+              <a:rPr lang="fa-IR" dirty="0">
+                <a:solidFill>
+                  <a:prstClr val="black"/>
+                </a:solidFill>
+                <a:cs typeface="B Nazanin" panose="00000400000000000000" pitchFamily="2" charset="-78"/>
+              </a:rPr>
+              <a:t>رتبه بندي و سطح دسترسي امنيتي</a:t>
+            </a:r>
+          </a:p>
+          <a:p>
+            <a:pPr marL="914400" lvl="2" indent="0">
+              <a:buNone/>
+            </a:pPr>
+            <a:r>
+              <a:rPr lang="fa-IR" dirty="0">
+                <a:solidFill>
+                  <a:prstClr val="black"/>
+                </a:solidFill>
+                <a:cs typeface="B Nazanin" panose="00000400000000000000" pitchFamily="2" charset="-78"/>
+              </a:rPr>
+              <a:t>كارهايي كه آن ها در هنگام عمليات تجاري خود انجام مي‌دهند</a:t>
+            </a:r>
+          </a:p>
+          <a:p>
+            <a:pPr marL="914400" lvl="2" indent="0">
+              <a:buNone/>
+            </a:pPr>
+            <a:r>
+              <a:rPr lang="fa-IR" dirty="0">
+                <a:solidFill>
+                  <a:prstClr val="black"/>
+                </a:solidFill>
+                <a:cs typeface="B Nazanin" panose="00000400000000000000" pitchFamily="2" charset="-78"/>
+              </a:rPr>
+              <a:t>امكاناتي كه آن ها استفاده مي‌كنند .</a:t>
+            </a:r>
+          </a:p>
+          <a:p>
+            <a:pPr marL="914400" lvl="2" indent="0">
+              <a:buNone/>
+            </a:pPr>
+            <a:r>
+              <a:rPr lang="fa-IR" dirty="0">
+                <a:solidFill>
+                  <a:prstClr val="black"/>
+                </a:solidFill>
+                <a:cs typeface="B Nazanin" panose="00000400000000000000" pitchFamily="2" charset="-78"/>
+              </a:rPr>
+              <a:t>تعداد دفعاتي كه آن ها از سيستم استفاده مي‌كنند .</a:t>
+            </a:r>
+          </a:p>
+          <a:p>
+            <a:pPr marL="914400" lvl="2" indent="0">
+              <a:buNone/>
+            </a:pPr>
+            <a:r>
+              <a:rPr lang="fa-IR" dirty="0">
+                <a:solidFill>
+                  <a:prstClr val="black"/>
+                </a:solidFill>
+                <a:cs typeface="B Nazanin" panose="00000400000000000000" pitchFamily="2" charset="-78"/>
+              </a:rPr>
+              <a:t>تجربه حوزه كاربرد سيستم و ميزان تخصص آن ها در استفاده از سيستم هاي كامپيوتري</a:t>
+            </a:r>
+          </a:p>
+          <a:p>
+            <a:pPr marL="914400" lvl="2" indent="0">
+              <a:buNone/>
+            </a:pPr>
+            <a:r>
+              <a:rPr lang="fa-IR" dirty="0">
+                <a:solidFill>
+                  <a:prstClr val="black"/>
+                </a:solidFill>
+                <a:cs typeface="B Nazanin" panose="00000400000000000000" pitchFamily="2" charset="-78"/>
+              </a:rPr>
+              <a:t>پلتفرم مورد استفاده كاربران</a:t>
+            </a:r>
+          </a:p>
+          <a:p>
+            <a:pPr marL="914400" lvl="2" indent="0">
+              <a:buNone/>
+            </a:pPr>
+            <a:r>
+              <a:rPr lang="fa-IR" dirty="0">
+                <a:solidFill>
+                  <a:prstClr val="black"/>
+                </a:solidFill>
+                <a:cs typeface="B Nazanin" panose="00000400000000000000" pitchFamily="2" charset="-78"/>
+              </a:rPr>
+              <a:t>زبان مادري آن ها </a:t>
+            </a:r>
+          </a:p>
+          <a:p>
+            <a:pPr marL="914400" lvl="2" indent="0">
+              <a:buNone/>
+            </a:pPr>
+            <a:r>
+              <a:rPr lang="fa-IR" dirty="0">
+                <a:solidFill>
+                  <a:prstClr val="black"/>
+                </a:solidFill>
+                <a:cs typeface="B Nazanin" panose="00000400000000000000" pitchFamily="2" charset="-78"/>
+              </a:rPr>
+              <a:t>نحوه ارتباط آنها  با سيستم چه به صورت مستقیم یا غیرمستقیم</a:t>
+            </a:r>
+            <a:endParaRPr lang="en-US" dirty="0">
+              <a:solidFill>
+                <a:prstClr val="black"/>
+              </a:solidFill>
+              <a:cs typeface="B Nazanin" panose="00000400000000000000" pitchFamily="2" charset="-78"/>
+            </a:endParaRPr>
+          </a:p>
+          <a:p>
+            <a:pPr marL="457200" lvl="1" indent="0">
+              <a:buNone/>
+            </a:pPr>
+            <a:endParaRPr lang="en-US" sz="2000" dirty="0">
+              <a:cs typeface="B Nazanin" panose="00000400000000000000" pitchFamily="2" charset="-78"/>
+            </a:endParaRPr>
+          </a:p>
+        </p:txBody>
+      </p:sp>
+      <p:sp>
+        <p:nvSpPr>
+          <p:cNvPr id="13" name="Cube 12"/>
+          <p:cNvSpPr/>
+          <p:nvPr/>
+        </p:nvSpPr>
+        <p:spPr>
+          <a:xfrm>
+            <a:off x="10962181" y="1427949"/>
+            <a:ext cx="285750" cy="292248"/>
+          </a:xfrm>
+          <a:prstGeom prst="cube">
+            <a:avLst/>
+          </a:prstGeom>
+          <a:solidFill>
+            <a:srgbClr val="C00000"/>
+          </a:solidFill>
+          <a:ln>
+            <a:solidFill>
+              <a:srgbClr val="C00000"/>
+            </a:solidFill>
+          </a:ln>
+        </p:spPr>
+        <p:style>
+          <a:lnRef idx="2">
+            <a:schemeClr val="accent1">
+              <a:shade val="50000"/>
+            </a:schemeClr>
+          </a:lnRef>
+          <a:fillRef idx="1">
+            <a:schemeClr val="accent1"/>
+          </a:fillRef>
+          <a:effectRef idx="0">
+            <a:schemeClr val="accent1"/>
+          </a:effectRef>
+          <a:fontRef idx="minor">
+            <a:schemeClr val="lt1"/>
+          </a:fontRef>
+        </p:style>
+        <p:txBody>
+          <a:bodyPr rtlCol="1" anchor="ctr"/>
+          <a:lstStyle/>
+          <a:p>
+            <a:pPr algn="ctr"/>
+            <a:endParaRPr lang="fa-IR"/>
+          </a:p>
+        </p:txBody>
+      </p:sp>
+      <p:sp>
+        <p:nvSpPr>
+          <p:cNvPr id="15" name="Left Arrow 14"/>
+          <p:cNvSpPr/>
+          <p:nvPr/>
+        </p:nvSpPr>
+        <p:spPr>
+          <a:xfrm>
+            <a:off x="10552884" y="2765560"/>
+            <a:ext cx="542925" cy="209550"/>
+          </a:xfrm>
+          <a:prstGeom prst="leftArrow">
+            <a:avLst/>
+          </a:prstGeom>
+        </p:spPr>
+        <p:style>
+          <a:lnRef idx="2">
+            <a:schemeClr val="accent1">
+              <a:shade val="50000"/>
+            </a:schemeClr>
+          </a:lnRef>
+          <a:fillRef idx="1">
+            <a:schemeClr val="accent1"/>
+          </a:fillRef>
+          <a:effectRef idx="0">
+            <a:schemeClr val="accent1"/>
+          </a:effectRef>
+          <a:fontRef idx="minor">
+            <a:schemeClr val="lt1"/>
+          </a:fontRef>
+        </p:style>
+        <p:txBody>
+          <a:bodyPr rtlCol="1" anchor="ctr"/>
+          <a:lstStyle/>
+          <a:p>
+            <a:pPr algn="ctr"/>
+            <a:endParaRPr lang="fa-IR"/>
+          </a:p>
+        </p:txBody>
+      </p:sp>
+      <p:pic>
+        <p:nvPicPr>
+          <p:cNvPr id="16" name="Picture 15"/>
+          <p:cNvPicPr>
+            <a:picLocks noChangeAspect="1"/>
+          </p:cNvPicPr>
+          <p:nvPr/>
+        </p:nvPicPr>
+        <p:blipFill>
+          <a:blip r:embed="rId2"/>
+          <a:stretch>
+            <a:fillRect/>
+          </a:stretch>
+        </p:blipFill>
+        <p:spPr>
+          <a:xfrm>
+            <a:off x="10552884" y="3062729"/>
+            <a:ext cx="560881" cy="243861"/>
+          </a:xfrm>
+          <a:prstGeom prst="rect">
+            <a:avLst/>
+          </a:prstGeom>
+        </p:spPr>
+      </p:pic>
+      <p:pic>
+        <p:nvPicPr>
+          <p:cNvPr id="17" name="Picture 16"/>
+          <p:cNvPicPr>
+            <a:picLocks noChangeAspect="1"/>
+          </p:cNvPicPr>
+          <p:nvPr/>
+        </p:nvPicPr>
+        <p:blipFill>
+          <a:blip r:embed="rId2"/>
+          <a:stretch>
+            <a:fillRect/>
+          </a:stretch>
+        </p:blipFill>
+        <p:spPr>
+          <a:xfrm>
+            <a:off x="10552884" y="3394209"/>
+            <a:ext cx="560881" cy="243861"/>
+          </a:xfrm>
+          <a:prstGeom prst="rect">
+            <a:avLst/>
+          </a:prstGeom>
+        </p:spPr>
+      </p:pic>
+      <p:pic>
+        <p:nvPicPr>
+          <p:cNvPr id="18" name="Picture 17"/>
+          <p:cNvPicPr>
+            <a:picLocks noChangeAspect="1"/>
+          </p:cNvPicPr>
+          <p:nvPr/>
+        </p:nvPicPr>
+        <p:blipFill>
+          <a:blip r:embed="rId2"/>
+          <a:stretch>
+            <a:fillRect/>
+          </a:stretch>
+        </p:blipFill>
+        <p:spPr>
+          <a:xfrm>
+            <a:off x="10534928" y="3725689"/>
+            <a:ext cx="560881" cy="243861"/>
+          </a:xfrm>
+          <a:prstGeom prst="rect">
+            <a:avLst/>
+          </a:prstGeom>
+        </p:spPr>
+      </p:pic>
+      <p:pic>
+        <p:nvPicPr>
+          <p:cNvPr id="19" name="Picture 18"/>
+          <p:cNvPicPr>
+            <a:picLocks noChangeAspect="1"/>
+          </p:cNvPicPr>
+          <p:nvPr/>
+        </p:nvPicPr>
+        <p:blipFill>
+          <a:blip r:embed="rId2"/>
+          <a:stretch>
+            <a:fillRect/>
+          </a:stretch>
+        </p:blipFill>
+        <p:spPr>
+          <a:xfrm>
+            <a:off x="10534927" y="4121898"/>
+            <a:ext cx="560881" cy="243861"/>
+          </a:xfrm>
+          <a:prstGeom prst="rect">
+            <a:avLst/>
+          </a:prstGeom>
+        </p:spPr>
+      </p:pic>
+      <p:pic>
+        <p:nvPicPr>
+          <p:cNvPr id="20" name="Picture 19"/>
+          <p:cNvPicPr>
+            <a:picLocks noChangeAspect="1"/>
+          </p:cNvPicPr>
+          <p:nvPr/>
+        </p:nvPicPr>
+        <p:blipFill>
+          <a:blip r:embed="rId2"/>
+          <a:stretch>
+            <a:fillRect/>
+          </a:stretch>
+        </p:blipFill>
+        <p:spPr>
+          <a:xfrm>
+            <a:off x="10552884" y="4476268"/>
+            <a:ext cx="560881" cy="243861"/>
+          </a:xfrm>
+          <a:prstGeom prst="rect">
+            <a:avLst/>
+          </a:prstGeom>
+        </p:spPr>
+      </p:pic>
+      <p:pic>
+        <p:nvPicPr>
+          <p:cNvPr id="21" name="Picture 20"/>
+          <p:cNvPicPr>
+            <a:picLocks noChangeAspect="1"/>
+          </p:cNvPicPr>
+          <p:nvPr/>
+        </p:nvPicPr>
+        <p:blipFill>
+          <a:blip r:embed="rId2"/>
+          <a:stretch>
+            <a:fillRect/>
+          </a:stretch>
+        </p:blipFill>
+        <p:spPr>
+          <a:xfrm>
+            <a:off x="10552884" y="4767754"/>
+            <a:ext cx="560881" cy="243861"/>
+          </a:xfrm>
+          <a:prstGeom prst="rect">
+            <a:avLst/>
+          </a:prstGeom>
+        </p:spPr>
+      </p:pic>
+      <p:pic>
+        <p:nvPicPr>
+          <p:cNvPr id="22" name="Picture 21"/>
+          <p:cNvPicPr>
+            <a:picLocks noChangeAspect="1"/>
+          </p:cNvPicPr>
+          <p:nvPr/>
+        </p:nvPicPr>
+        <p:blipFill>
+          <a:blip r:embed="rId2"/>
+          <a:stretch>
+            <a:fillRect/>
+          </a:stretch>
+        </p:blipFill>
+        <p:spPr>
+          <a:xfrm>
+            <a:off x="10552884" y="5140151"/>
+            <a:ext cx="560881" cy="243861"/>
+          </a:xfrm>
+          <a:prstGeom prst="rect">
+            <a:avLst/>
+          </a:prstGeom>
+        </p:spPr>
+      </p:pic>
     </p:spTree>
     <p:extLst>
       <p:ext uri="{BB962C8B-B14F-4D97-AF65-F5344CB8AC3E}">
-        <p14:creationId xmlns:p14="http://schemas.microsoft.com/office/powerpoint/2010/main" val="2417068929"/>
+        <p14:creationId xmlns:p14="http://schemas.microsoft.com/office/powerpoint/2010/main" val="918475117"/>
       </p:ext>
     </p:extLst>
   </p:cSld>
@@ -11975,12 +12427,22 @@
           <a:bodyPr/>
           <a:lstStyle/>
           <a:p>
-            <a:pPr algn="r" rtl="1"/>
-            <a:r>
-              <a:rPr lang="fa-IR" dirty="0" smtClean="0"/>
-              <a:t>کلاس کاربران ناراضی</a:t>
-            </a:r>
-            <a:endParaRPr lang="en-US" dirty="0"/>
+            <a:pPr algn="ctr" rtl="1"/>
+            <a:r>
+              <a:rPr lang="fa-IR" u="sng" dirty="0" smtClean="0">
+                <a:solidFill>
+                  <a:srgbClr val="C00000"/>
+                </a:solidFill>
+                <a:cs typeface="B Nazanin" panose="00000400000000000000" pitchFamily="2" charset="-78"/>
+              </a:rPr>
+              <a:t>کلاس‌های کاربری  </a:t>
+            </a:r>
+            <a:endParaRPr lang="en-US" u="sng" dirty="0">
+              <a:solidFill>
+                <a:srgbClr val="C00000"/>
+              </a:solidFill>
+              <a:cs typeface="B Nazanin" panose="00000400000000000000" pitchFamily="2" charset="-78"/>
+            </a:endParaRPr>
           </a:p>
         </p:txBody>
       </p:sp>
@@ -12005,31 +12467,7 @@
             </a:pPr>
             <a:r>
               <a:rPr lang="fa-IR" dirty="0" smtClean="0"/>
-              <a:t>دسته بندی کاربران ناراضی کاربرانی هستند که به دلایل قوانین </a:t>
-            </a:r>
-            <a:r>
-              <a:rPr lang="fa-IR" dirty="0" smtClean="0">
-                <a:solidFill>
-                  <a:srgbClr val="FF0000"/>
-                </a:solidFill>
-              </a:rPr>
-              <a:t>امنیتی</a:t>
-            </a:r>
-            <a:r>
-              <a:rPr lang="fa-IR" dirty="0" smtClean="0"/>
-              <a:t> یا </a:t>
-            </a:r>
-            <a:r>
-              <a:rPr lang="fa-IR" dirty="0" smtClean="0">
-                <a:solidFill>
-                  <a:srgbClr val="FF0000"/>
-                </a:solidFill>
-              </a:rPr>
-              <a:t>ایمنی</a:t>
-            </a:r>
-            <a:r>
-              <a:rPr lang="fa-IR" dirty="0" smtClean="0"/>
-              <a:t> مجاز به استفاده از سیستم نیستند . </a:t>
+              <a:t>وسوسه انگيز است اگر كاربران را بر اساس موقعيت تجاري يا انواع كمپاني هايي كه در آن كار مي‌كنند تقسيم كنيم .</a:t>
             </a:r>
           </a:p>
           <a:p>
@@ -12037,26 +12475,17 @@
               <a:buFont typeface="Arial" panose="020B0604020202020204" pitchFamily="34" charset="0"/>
               <a:buChar char="•"/>
             </a:pPr>
-            <a:r>
-              <a:rPr lang="fa-IR" dirty="0" smtClean="0"/>
-              <a:t>در سیستم ویژگی های باید در نظر گرفته شود که انجام دادن بعضی از کارهایی که این کاربران تمایل به انجام آن دارند را سخت کند.</a:t>
-            </a:r>
+            <a:endParaRPr lang="fa-IR" dirty="0" smtClean="0"/>
           </a:p>
           <a:p>
             <a:pPr algn="r" rtl="1">
               <a:buFont typeface="Arial" panose="020B0604020202020204" pitchFamily="34" charset="0"/>
               <a:buChar char="•"/>
             </a:pPr>
-            <a:r>
-              <a:rPr lang="fa-IR" dirty="0" smtClean="0"/>
-              <a:t>براي مثال :مكانيزم هاي دسترسي امنيتي ، سطح دسترسي كاربران ، ويژگي هاي ضدبدافزاري، گزارشات اسفاده </a:t>
-            </a:r>
-          </a:p>
-          <a:p>
-            <a:pPr algn="r" rtl="1">
-              <a:buFont typeface="Arial" panose="020B0604020202020204" pitchFamily="34" charset="0"/>
-              <a:buChar char="•"/>
-            </a:pPr>
+            <a:endParaRPr lang="fa-IR" dirty="0" smtClean="0"/>
+          </a:p>
+          <a:p>
+            <a:pPr algn="r" rtl="1"/>
             <a:endParaRPr lang="en-US" dirty="0"/>
           </a:p>
         </p:txBody>
@@ -12064,7 +12493,7 @@
     </p:spTree>
     <p:extLst>
       <p:ext uri="{BB962C8B-B14F-4D97-AF65-F5344CB8AC3E}">
-        <p14:creationId xmlns:p14="http://schemas.microsoft.com/office/powerpoint/2010/main" val="296523623"/>
+        <p14:creationId xmlns:p14="http://schemas.microsoft.com/office/powerpoint/2010/main" val="2417068929"/>
       </p:ext>
     </p:extLst>
   </p:cSld>
@@ -12116,7 +12545,7 @@
             <a:pPr algn="r" rtl="1"/>
             <a:r>
               <a:rPr lang="fa-IR" dirty="0" smtClean="0"/>
-              <a:t>كلاس هاي كاربري غير مستقيم </a:t>
+              <a:t>کلاس کاربران ناراضی</a:t>
             </a:r>
             <a:endParaRPr lang="en-US" dirty="0"/>
           </a:p>
@@ -12138,12 +12567,12 @@
           <a:lstStyle/>
           <a:p>
             <a:pPr algn="r" rtl="1">
-              <a:buFont typeface="Wingdings" panose="05000000000000000000" pitchFamily="2" charset="2"/>
-              <a:buChar char="§"/>
+              <a:buFont typeface="Arial" panose="020B0604020202020204" pitchFamily="34" charset="0"/>
+              <a:buChar char="•"/>
             </a:pPr>
             <a:r>
               <a:rPr lang="fa-IR" dirty="0" smtClean="0"/>
-              <a:t>كلاس هاي كاربري  هستند كه به طور </a:t>
+              <a:t>دسته بندی کاربران ناراضی کاربرانی هستند که به دلایل قوانین </a:t>
             </a:r>
             <a:r>
               <a:rPr lang="fa-IR" dirty="0" smtClean="0">
@@ -12151,32 +12580,50 @@
                   <a:srgbClr val="FF0000"/>
                 </a:solidFill>
               </a:rPr>
-              <a:t>غير مستقيم </a:t>
+              <a:t>امنیتی</a:t>
             </a:r>
             <a:r>
               <a:rPr lang="fa-IR" dirty="0" smtClean="0"/>
-              <a:t>با سيستم سر  و كار دارند .</a:t>
+              <a:t> یا </a:t>
+            </a:r>
+            <a:r>
+              <a:rPr lang="fa-IR" dirty="0" smtClean="0">
+                <a:solidFill>
+                  <a:srgbClr val="FF0000"/>
+                </a:solidFill>
+              </a:rPr>
+              <a:t>ایمنی</a:t>
+            </a:r>
+            <a:r>
+              <a:rPr lang="fa-IR" dirty="0" smtClean="0"/>
+              <a:t> مجاز به استفاده از سیستم نیستند . </a:t>
             </a:r>
           </a:p>
           <a:p>
             <a:pPr algn="r" rtl="1">
-              <a:buFont typeface="Wingdings" panose="05000000000000000000" pitchFamily="2" charset="2"/>
-              <a:buChar char="§"/>
+              <a:buFont typeface="Arial" panose="020B0604020202020204" pitchFamily="34" charset="0"/>
+              <a:buChar char="•"/>
             </a:pPr>
             <a:r>
               <a:rPr lang="fa-IR" dirty="0" smtClean="0"/>
-              <a:t>از طريق برنامه هاي كاربردي ديگر با اين سيستم سر و كار دارند .</a:t>
+              <a:t>در سیستم ویژگی های باید در نظر گرفته شود که انجام دادن بعضی از کارهایی که این کاربران تمایل به انجام آن دارند را سخت کند.</a:t>
             </a:r>
           </a:p>
           <a:p>
             <a:pPr algn="r" rtl="1">
-              <a:buFont typeface="Wingdings" panose="05000000000000000000" pitchFamily="2" charset="2"/>
-              <a:buChar char="§"/>
+              <a:buFont typeface="Arial" panose="020B0604020202020204" pitchFamily="34" charset="0"/>
+              <a:buChar char="•"/>
             </a:pPr>
             <a:r>
               <a:rPr lang="fa-IR" dirty="0" smtClean="0"/>
-              <a:t>از اين دسته از كاربران نبايد صرف نظر كرد . </a:t>
-            </a:r>
+              <a:t>براي مثال :مكانيزم هاي دسترسي امنيتي ، سطح دسترسي كاربران ، ويژگي هاي ضدبدافزاري، گزارشات اسفاده </a:t>
+            </a:r>
+          </a:p>
+          <a:p>
+            <a:pPr algn="r" rtl="1">
+              <a:buFont typeface="Arial" panose="020B0604020202020204" pitchFamily="34" charset="0"/>
+              <a:buChar char="•"/>
+            </a:pPr>
             <a:endParaRPr lang="en-US" dirty="0"/>
           </a:p>
         </p:txBody>
@@ -12184,7 +12631,7 @@
     </p:spTree>
     <p:extLst>
       <p:ext uri="{BB962C8B-B14F-4D97-AF65-F5344CB8AC3E}">
-        <p14:creationId xmlns:p14="http://schemas.microsoft.com/office/powerpoint/2010/main" val="127493397"/>
+        <p14:creationId xmlns:p14="http://schemas.microsoft.com/office/powerpoint/2010/main" val="296523623"/>
       </p:ext>
     </p:extLst>
   </p:cSld>
@@ -12236,7 +12683,7 @@
             <a:pPr algn="r" rtl="1"/>
             <a:r>
               <a:rPr lang="fa-IR" dirty="0" smtClean="0"/>
-              <a:t>كلاس هاي كاربري غير انساني </a:t>
+              <a:t>كلاس هاي كاربري غير مستقيم </a:t>
             </a:r>
             <a:endParaRPr lang="en-US" dirty="0"/>
           </a:p>
@@ -12263,7 +12710,19 @@
             </a:pPr>
             <a:r>
               <a:rPr lang="fa-IR" dirty="0" smtClean="0"/>
-              <a:t>كلاس هاي كاربري به انسان ها محدود نمي‌شوند . </a:t>
+              <a:t>كلاس هاي كاربري  هستند كه به طور </a:t>
+            </a:r>
+            <a:r>
+              <a:rPr lang="fa-IR" dirty="0" smtClean="0">
+                <a:solidFill>
+                  <a:srgbClr val="FF0000"/>
+                </a:solidFill>
+              </a:rPr>
+              <a:t>غير مستقيم </a:t>
+            </a:r>
+            <a:r>
+              <a:rPr lang="fa-IR" dirty="0" smtClean="0"/>
+              <a:t>با سيستم سر  و كار دارند .</a:t>
             </a:r>
           </a:p>
           <a:p>
@@ -12273,31 +12732,7 @@
             </a:pPr>
             <a:r>
               <a:rPr lang="fa-IR" dirty="0" smtClean="0"/>
-              <a:t>از اعضاء مهم اين كلاس هاي كاربري </a:t>
-            </a:r>
-            <a:r>
-              <a:rPr lang="fa-IR" dirty="0" smtClean="0">
-                <a:solidFill>
-                  <a:srgbClr val="C00000"/>
-                </a:solidFill>
-              </a:rPr>
-              <a:t>عامل هاي نرم افزاري </a:t>
-            </a:r>
-            <a:r>
-              <a:rPr lang="fa-IR" dirty="0" smtClean="0"/>
-              <a:t>و </a:t>
-            </a:r>
-            <a:r>
-              <a:rPr lang="fa-IR" dirty="0" smtClean="0">
-                <a:solidFill>
-                  <a:srgbClr val="C00000"/>
-                </a:solidFill>
-              </a:rPr>
-              <a:t>عامل هاي اينترنتي </a:t>
-            </a:r>
-            <a:r>
-              <a:rPr lang="fa-IR" dirty="0" smtClean="0"/>
-              <a:t>هستند .</a:t>
+              <a:t>از طريق برنامه هاي كاربردي ديگر با اين سيستم سر و كار دارند .</a:t>
             </a:r>
           </a:p>
           <a:p>
@@ -12307,29 +12742,7 @@
             </a:pPr>
             <a:r>
               <a:rPr lang="fa-IR" dirty="0" smtClean="0"/>
-              <a:t>اين كلاس ممكن است شامل </a:t>
-            </a:r>
-            <a:r>
-              <a:rPr lang="fa-IR" dirty="0" smtClean="0">
-                <a:solidFill>
-                  <a:srgbClr val="C00000"/>
-                </a:solidFill>
-              </a:rPr>
-              <a:t>كلاس كاربران ناراضي </a:t>
-            </a:r>
-            <a:r>
-              <a:rPr lang="fa-IR" dirty="0" smtClean="0"/>
-              <a:t>باشد . </a:t>
-            </a:r>
-          </a:p>
-          <a:p>
-            <a:pPr algn="r" rtl="1">
-              <a:buFont typeface="Wingdings" panose="05000000000000000000" pitchFamily="2" charset="2"/>
-              <a:buChar char="§"/>
-            </a:pPr>
-            <a:r>
-              <a:rPr lang="fa-IR" dirty="0" smtClean="0"/>
-              <a:t>پس بايد در نظر گرفته شود آيا به آنها خدمات ارائه شود يا راه هايي براي جلوگيري از دسترسي آنها به وجود آورد . </a:t>
+              <a:t>از اين دسته از كاربران نبايد صرف نظر كرد . </a:t>
             </a:r>
             <a:endParaRPr lang="en-US" dirty="0"/>
           </a:p>
@@ -12338,7 +12751,7 @@
     </p:spTree>
     <p:extLst>
       <p:ext uri="{BB962C8B-B14F-4D97-AF65-F5344CB8AC3E}">
-        <p14:creationId xmlns:p14="http://schemas.microsoft.com/office/powerpoint/2010/main" val="3356409416"/>
+        <p14:creationId xmlns:p14="http://schemas.microsoft.com/office/powerpoint/2010/main" val="127493397"/>
       </p:ext>
     </p:extLst>
   </p:cSld>

--- a/ارائه مهندسي نيازمندي ها.pptx
+++ b/ارائه مهندسي نيازمندي ها.pptx
@@ -5,7 +5,7 @@
     <p:sldMasterId id="2147483985" r:id="rId1"/>
   </p:sldMasterIdLst>
   <p:notesMasterIdLst>
-    <p:notesMasterId r:id="rId35"/>
+    <p:notesMasterId r:id="rId36"/>
   </p:notesMasterIdLst>
   <p:sldIdLst>
     <p:sldId id="257" r:id="rId2"/>
@@ -15,32 +15,33 @@
     <p:sldId id="258" r:id="rId6"/>
     <p:sldId id="295" r:id="rId7"/>
     <p:sldId id="263" r:id="rId8"/>
-    <p:sldId id="264" r:id="rId9"/>
-    <p:sldId id="265" r:id="rId10"/>
-    <p:sldId id="266" r:id="rId11"/>
-    <p:sldId id="267" r:id="rId12"/>
-    <p:sldId id="285" r:id="rId13"/>
-    <p:sldId id="288" r:id="rId14"/>
-    <p:sldId id="286" r:id="rId15"/>
-    <p:sldId id="289" r:id="rId16"/>
-    <p:sldId id="271" r:id="rId17"/>
-    <p:sldId id="272" r:id="rId18"/>
-    <p:sldId id="290" r:id="rId19"/>
-    <p:sldId id="273" r:id="rId20"/>
-    <p:sldId id="277" r:id="rId21"/>
-    <p:sldId id="274" r:id="rId22"/>
-    <p:sldId id="275" r:id="rId23"/>
-    <p:sldId id="276" r:id="rId24"/>
-    <p:sldId id="279" r:id="rId25"/>
-    <p:sldId id="280" r:id="rId26"/>
-    <p:sldId id="281" r:id="rId27"/>
-    <p:sldId id="278" r:id="rId28"/>
-    <p:sldId id="294" r:id="rId29"/>
-    <p:sldId id="291" r:id="rId30"/>
-    <p:sldId id="283" r:id="rId31"/>
-    <p:sldId id="293" r:id="rId32"/>
-    <p:sldId id="292" r:id="rId33"/>
-    <p:sldId id="287" r:id="rId34"/>
+    <p:sldId id="296" r:id="rId9"/>
+    <p:sldId id="264" r:id="rId10"/>
+    <p:sldId id="265" r:id="rId11"/>
+    <p:sldId id="266" r:id="rId12"/>
+    <p:sldId id="267" r:id="rId13"/>
+    <p:sldId id="285" r:id="rId14"/>
+    <p:sldId id="288" r:id="rId15"/>
+    <p:sldId id="286" r:id="rId16"/>
+    <p:sldId id="289" r:id="rId17"/>
+    <p:sldId id="271" r:id="rId18"/>
+    <p:sldId id="272" r:id="rId19"/>
+    <p:sldId id="290" r:id="rId20"/>
+    <p:sldId id="273" r:id="rId21"/>
+    <p:sldId id="277" r:id="rId22"/>
+    <p:sldId id="274" r:id="rId23"/>
+    <p:sldId id="275" r:id="rId24"/>
+    <p:sldId id="276" r:id="rId25"/>
+    <p:sldId id="279" r:id="rId26"/>
+    <p:sldId id="280" r:id="rId27"/>
+    <p:sldId id="281" r:id="rId28"/>
+    <p:sldId id="278" r:id="rId29"/>
+    <p:sldId id="294" r:id="rId30"/>
+    <p:sldId id="291" r:id="rId31"/>
+    <p:sldId id="283" r:id="rId32"/>
+    <p:sldId id="293" r:id="rId33"/>
+    <p:sldId id="292" r:id="rId34"/>
+    <p:sldId id="287" r:id="rId35"/>
   </p:sldIdLst>
   <p:sldSz cx="12192000" cy="6858000"/>
   <p:notesSz cx="6858000" cy="9144000"/>
@@ -606,7 +607,7 @@
           <a:p>
             <a:fld id="{888333F8-F81D-47B6-A515-82D4D6D258EC}" type="slidenum">
               <a:rPr lang="fa-IR" smtClean="0"/>
-              <a:t>16</a:t>
+              <a:t>17</a:t>
             </a:fld>
             <a:endParaRPr lang="fa-IR"/>
           </a:p>
@@ -3579,7 +3580,7 @@
             <a:pPr algn="r" rtl="1"/>
             <a:r>
               <a:rPr lang="fa-IR" dirty="0" smtClean="0"/>
-              <a:t>كلاس هاي كاربري غير انساني </a:t>
+              <a:t>كلاس هاي كاربري غير مستقيم </a:t>
             </a:r>
             <a:endParaRPr lang="en-US" dirty="0"/>
           </a:p>
@@ -3606,7 +3607,19 @@
             </a:pPr>
             <a:r>
               <a:rPr lang="fa-IR" dirty="0" smtClean="0"/>
-              <a:t>كلاس هاي كاربري به انسان ها محدود نمي‌شوند . </a:t>
+              <a:t>كلاس هاي كاربري  هستند كه به طور </a:t>
+            </a:r>
+            <a:r>
+              <a:rPr lang="fa-IR" dirty="0" smtClean="0">
+                <a:solidFill>
+                  <a:srgbClr val="FF0000"/>
+                </a:solidFill>
+              </a:rPr>
+              <a:t>غير مستقيم </a:t>
+            </a:r>
+            <a:r>
+              <a:rPr lang="fa-IR" dirty="0" smtClean="0"/>
+              <a:t>با سيستم سر  و كار دارند .</a:t>
             </a:r>
           </a:p>
           <a:p>
@@ -3616,31 +3629,7 @@
             </a:pPr>
             <a:r>
               <a:rPr lang="fa-IR" dirty="0" smtClean="0"/>
-              <a:t>از اعضاء مهم اين كلاس هاي كاربري </a:t>
-            </a:r>
-            <a:r>
-              <a:rPr lang="fa-IR" dirty="0" smtClean="0">
-                <a:solidFill>
-                  <a:srgbClr val="C00000"/>
-                </a:solidFill>
-              </a:rPr>
-              <a:t>عامل هاي نرم افزاري </a:t>
-            </a:r>
-            <a:r>
-              <a:rPr lang="fa-IR" dirty="0" smtClean="0"/>
-              <a:t>و </a:t>
-            </a:r>
-            <a:r>
-              <a:rPr lang="fa-IR" dirty="0" smtClean="0">
-                <a:solidFill>
-                  <a:srgbClr val="C00000"/>
-                </a:solidFill>
-              </a:rPr>
-              <a:t>عامل هاي اينترنتي </a:t>
-            </a:r>
-            <a:r>
-              <a:rPr lang="fa-IR" dirty="0" smtClean="0"/>
-              <a:t>هستند .</a:t>
+              <a:t>از طريق برنامه هاي كاربردي ديگر با اين سيستم سر و كار دارند .</a:t>
             </a:r>
           </a:p>
           <a:p>
@@ -3650,29 +3639,7 @@
             </a:pPr>
             <a:r>
               <a:rPr lang="fa-IR" dirty="0" smtClean="0"/>
-              <a:t>اين كلاس ممكن است شامل </a:t>
-            </a:r>
-            <a:r>
-              <a:rPr lang="fa-IR" dirty="0" smtClean="0">
-                <a:solidFill>
-                  <a:srgbClr val="C00000"/>
-                </a:solidFill>
-              </a:rPr>
-              <a:t>كلاس كاربران ناراضي </a:t>
-            </a:r>
-            <a:r>
-              <a:rPr lang="fa-IR" dirty="0" smtClean="0"/>
-              <a:t>باشد . </a:t>
-            </a:r>
-          </a:p>
-          <a:p>
-            <a:pPr algn="r" rtl="1">
-              <a:buFont typeface="Wingdings" panose="05000000000000000000" pitchFamily="2" charset="2"/>
-              <a:buChar char="§"/>
-            </a:pPr>
-            <a:r>
-              <a:rPr lang="fa-IR" dirty="0" smtClean="0"/>
-              <a:t>پس بايد در نظر گرفته شود آيا به آنها خدمات ارائه شود يا راه هايي براي جلوگيري از دسترسي آنها به وجود آورد . </a:t>
+              <a:t>از اين دسته از كاربران نبايد صرف نظر كرد . </a:t>
             </a:r>
             <a:endParaRPr lang="en-US" dirty="0"/>
           </a:p>
@@ -3681,7 +3648,7 @@
     </p:spTree>
     <p:extLst>
       <p:ext uri="{BB962C8B-B14F-4D97-AF65-F5344CB8AC3E}">
-        <p14:creationId xmlns:p14="http://schemas.microsoft.com/office/powerpoint/2010/main" val="3356409416"/>
+        <p14:creationId xmlns:p14="http://schemas.microsoft.com/office/powerpoint/2010/main" val="127493397"/>
       </p:ext>
     </p:extLst>
   </p:cSld>
@@ -3725,34 +3692,17 @@
             <p:ph type="title"/>
           </p:nvPr>
         </p:nvSpPr>
-        <p:spPr>
-          <a:xfrm>
-            <a:off x="838200" y="365125"/>
-            <a:ext cx="10515600" cy="892175"/>
-          </a:xfrm>
-        </p:spPr>
-        <p:txBody>
-          <a:bodyPr>
-            <a:normAutofit/>
-          </a:bodyPr>
-          <a:lstStyle/>
-          <a:p>
-            <a:pPr algn="ctr" rtl="1"/>
-            <a:r>
-              <a:rPr lang="fa-IR" sz="4000" u="sng" dirty="0" smtClean="0">
-                <a:solidFill>
-                  <a:srgbClr val="C00000"/>
-                </a:solidFill>
-                <a:cs typeface="B Nazanin" panose="00000400000000000000" pitchFamily="2" charset="-78"/>
-              </a:rPr>
-              <a:t>کلاس‌های کاربری</a:t>
-            </a:r>
-            <a:endParaRPr lang="en-US" sz="4000" u="sng" dirty="0">
-              <a:solidFill>
-                <a:srgbClr val="C00000"/>
-              </a:solidFill>
-              <a:cs typeface="B Nazanin" panose="00000400000000000000" pitchFamily="2" charset="-78"/>
-            </a:endParaRPr>
+        <p:spPr/>
+        <p:txBody>
+          <a:bodyPr/>
+          <a:lstStyle/>
+          <a:p>
+            <a:pPr algn="r" rtl="1"/>
+            <a:r>
+              <a:rPr lang="fa-IR" dirty="0" smtClean="0"/>
+              <a:t>كلاس هاي كاربري غير انساني </a:t>
+            </a:r>
+            <a:endParaRPr lang="en-US" dirty="0"/>
           </a:p>
         </p:txBody>
       </p:sp>
@@ -3766,16 +3716,9 @@
             <p:ph idx="1"/>
           </p:nvPr>
         </p:nvSpPr>
-        <p:spPr>
-          <a:xfrm>
-            <a:off x="838200" y="1371600"/>
-            <a:ext cx="10515600" cy="4805363"/>
-          </a:xfrm>
-        </p:spPr>
-        <p:txBody>
-          <a:bodyPr>
-            <a:normAutofit/>
-          </a:bodyPr>
+        <p:spPr/>
+        <p:txBody>
+          <a:bodyPr/>
           <a:lstStyle/>
           <a:p>
             <a:pPr algn="r" rtl="1">
@@ -3783,106 +3726,83 @@
               <a:buChar char="§"/>
             </a:pPr>
             <a:r>
+              <a:rPr lang="fa-IR" dirty="0" smtClean="0"/>
+              <a:t>كلاس هاي كاربري به انسان ها محدود نمي‌شوند . </a:t>
+            </a:r>
+          </a:p>
+          <a:p>
+            <a:pPr algn="r" rtl="1">
+              <a:buFont typeface="Wingdings" panose="05000000000000000000" pitchFamily="2" charset="2"/>
+              <a:buChar char="§"/>
+            </a:pPr>
+            <a:r>
+              <a:rPr lang="fa-IR" dirty="0" smtClean="0"/>
+              <a:t>از اعضاء مهم اين كلاس هاي كاربري </a:t>
+            </a:r>
+            <a:r>
               <a:rPr lang="fa-IR" dirty="0" smtClean="0">
                 <a:solidFill>
                   <a:srgbClr val="C00000"/>
                 </a:solidFill>
               </a:rPr>
-              <a:t>شناسایی کلاس‌های کاربری</a:t>
-            </a:r>
-          </a:p>
-          <a:p>
-            <a:pPr algn="r" rtl="1"/>
-            <a:r>
-              <a:rPr lang="fa-IR" sz="2000" dirty="0" smtClean="0">
+              <a:t>عامل هاي نرم افزاري </a:t>
+            </a:r>
+            <a:r>
+              <a:rPr lang="fa-IR" dirty="0" smtClean="0"/>
+              <a:t>و </a:t>
+            </a:r>
+            <a:r>
+              <a:rPr lang="fa-IR" dirty="0" smtClean="0">
                 <a:solidFill>
                   <a:srgbClr val="C00000"/>
                 </a:solidFill>
               </a:rPr>
-              <a:t>كلاس هاي كاربري </a:t>
-            </a:r>
-            <a:r>
-              <a:rPr lang="fa-IR" sz="2000" dirty="0" smtClean="0"/>
-              <a:t>مختلف را از اوايل پروژه شناسايي كنيد.</a:t>
-            </a:r>
-          </a:p>
-          <a:p>
-            <a:pPr algn="r" rtl="1"/>
-            <a:r>
-              <a:rPr lang="fa-IR" sz="2000" dirty="0" smtClean="0"/>
-              <a:t>بدين وسيله مي توانيد نيازمندي ها را از </a:t>
-            </a:r>
-            <a:r>
-              <a:rPr lang="fa-IR" sz="2000" dirty="0" smtClean="0">
+              <a:t>عامل هاي اينترنتي </a:t>
+            </a:r>
+            <a:r>
+              <a:rPr lang="fa-IR" dirty="0" smtClean="0"/>
+              <a:t>هستند .</a:t>
+            </a:r>
+          </a:p>
+          <a:p>
+            <a:pPr algn="r" rtl="1">
+              <a:buFont typeface="Wingdings" panose="05000000000000000000" pitchFamily="2" charset="2"/>
+              <a:buChar char="§"/>
+            </a:pPr>
+            <a:r>
+              <a:rPr lang="fa-IR" dirty="0" smtClean="0"/>
+              <a:t>اين كلاس ممكن است شامل </a:t>
+            </a:r>
+            <a:r>
+              <a:rPr lang="fa-IR" dirty="0" smtClean="0">
                 <a:solidFill>
                   <a:srgbClr val="C00000"/>
                 </a:solidFill>
               </a:rPr>
-              <a:t>نمايندگان هر يك از كلاس ها </a:t>
-            </a:r>
-            <a:r>
-              <a:rPr lang="fa-IR" sz="2000" dirty="0" smtClean="0"/>
-              <a:t>بدست بياوريد.</a:t>
-            </a:r>
-          </a:p>
-          <a:p>
-            <a:pPr algn="r" rtl="1"/>
-            <a:r>
-              <a:rPr lang="fa-IR" sz="2000" dirty="0" smtClean="0"/>
-              <a:t>يك تكنيك كاربردي در اين الگوي گسترش و انقباض است . </a:t>
-            </a:r>
-            <a:endParaRPr lang="en-US" sz="2000" dirty="0" smtClean="0"/>
-          </a:p>
-          <a:p>
-            <a:pPr algn="r" rtl="1"/>
-            <a:r>
-              <a:rPr lang="fa-IR" sz="2000" dirty="0" smtClean="0"/>
-              <a:t>از </a:t>
-            </a:r>
-            <a:r>
-              <a:rPr lang="fa-IR" sz="2000" dirty="0" smtClean="0">
-                <a:solidFill>
-                  <a:srgbClr val="C00000"/>
-                </a:solidFill>
-              </a:rPr>
-              <a:t>اسپانسر پروژه </a:t>
-            </a:r>
-            <a:r>
-              <a:rPr lang="fa-IR" sz="2000" dirty="0" smtClean="0"/>
-              <a:t>شروع کنید که چه انتظاری از سیستم دارد .</a:t>
-            </a:r>
-          </a:p>
-          <a:p>
-            <a:pPr algn="r" rtl="1"/>
-            <a:r>
-              <a:rPr lang="fa-IR" sz="2000" dirty="0" smtClean="0"/>
-              <a:t>هر تعداد از کلاس های کاربری را که در دسترسی دارید طوفان فکری کنید .</a:t>
-            </a:r>
-          </a:p>
-          <a:p>
-            <a:pPr algn="r" rtl="1"/>
-            <a:r>
-              <a:rPr lang="fa-IR" sz="2000" dirty="0" smtClean="0"/>
-              <a:t>کلاس‌های کاربری با نیازهای مشابه را فشرده کرده و به عنوان یک کلاس کاربری تقسیم بندی کنید .</a:t>
-            </a:r>
-          </a:p>
-          <a:p>
-            <a:pPr algn="r" rtl="1"/>
-            <a:r>
-              <a:rPr lang="fa-IR" sz="2000" dirty="0" smtClean="0"/>
-              <a:t>مدل های تحلیلی مختلف به شما کمک می ‌کنند تا کلاس های کاربری را شناسایی کنید .  </a:t>
-            </a:r>
-          </a:p>
-          <a:p>
-            <a:pPr algn="r" rtl="1"/>
-            <a:endParaRPr lang="en-US" sz="2000" dirty="0"/>
+              <a:t>كلاس كاربران ناراضي </a:t>
+            </a:r>
+            <a:r>
+              <a:rPr lang="fa-IR" dirty="0" smtClean="0"/>
+              <a:t>باشد . </a:t>
+            </a:r>
+          </a:p>
+          <a:p>
+            <a:pPr algn="r" rtl="1">
+              <a:buFont typeface="Wingdings" panose="05000000000000000000" pitchFamily="2" charset="2"/>
+              <a:buChar char="§"/>
+            </a:pPr>
+            <a:r>
+              <a:rPr lang="fa-IR" dirty="0" smtClean="0"/>
+              <a:t>پس بايد در نظر گرفته شود آيا به آنها خدمات ارائه شود يا راه هايي براي جلوگيري از دسترسي آنها به وجود آورد . </a:t>
+            </a:r>
+            <a:endParaRPr lang="en-US" dirty="0"/>
           </a:p>
         </p:txBody>
       </p:sp>
     </p:spTree>
     <p:extLst>
       <p:ext uri="{BB962C8B-B14F-4D97-AF65-F5344CB8AC3E}">
-        <p14:creationId xmlns:p14="http://schemas.microsoft.com/office/powerpoint/2010/main" val="1359199256"/>
+        <p14:creationId xmlns:p14="http://schemas.microsoft.com/office/powerpoint/2010/main" val="3356409416"/>
       </p:ext>
     </p:extLst>
   </p:cSld>
@@ -3989,7 +3909,82 @@
                   <a:srgbClr val="C00000"/>
                 </a:solidFill>
               </a:rPr>
-              <a:t>شناسایی کلاس‌های کاربری (ادامه)</a:t>
+              <a:t>شناسایی کلاس‌های کاربری</a:t>
+            </a:r>
+          </a:p>
+          <a:p>
+            <a:pPr algn="r" rtl="1"/>
+            <a:r>
+              <a:rPr lang="fa-IR" sz="2000" dirty="0" smtClean="0">
+                <a:solidFill>
+                  <a:srgbClr val="C00000"/>
+                </a:solidFill>
+              </a:rPr>
+              <a:t>كلاس هاي كاربري </a:t>
+            </a:r>
+            <a:r>
+              <a:rPr lang="fa-IR" sz="2000" dirty="0" smtClean="0"/>
+              <a:t>مختلف را از اوايل پروژه شناسايي كنيد.</a:t>
+            </a:r>
+          </a:p>
+          <a:p>
+            <a:pPr algn="r" rtl="1"/>
+            <a:r>
+              <a:rPr lang="fa-IR" sz="2000" dirty="0" smtClean="0"/>
+              <a:t>بدين وسيله مي توانيد نيازمندي ها را از </a:t>
+            </a:r>
+            <a:r>
+              <a:rPr lang="fa-IR" sz="2000" dirty="0" smtClean="0">
+                <a:solidFill>
+                  <a:srgbClr val="C00000"/>
+                </a:solidFill>
+              </a:rPr>
+              <a:t>نمايندگان هر يك از كلاس ها </a:t>
+            </a:r>
+            <a:r>
+              <a:rPr lang="fa-IR" sz="2000" dirty="0" smtClean="0"/>
+              <a:t>بدست بياوريد.</a:t>
+            </a:r>
+          </a:p>
+          <a:p>
+            <a:pPr algn="r" rtl="1"/>
+            <a:r>
+              <a:rPr lang="fa-IR" sz="2000" dirty="0" smtClean="0"/>
+              <a:t>يك تكنيك كاربردي در اين الگوي گسترش و انقباض است . </a:t>
+            </a:r>
+            <a:endParaRPr lang="en-US" sz="2000" dirty="0" smtClean="0"/>
+          </a:p>
+          <a:p>
+            <a:pPr algn="r" rtl="1"/>
+            <a:r>
+              <a:rPr lang="fa-IR" sz="2000" dirty="0" smtClean="0"/>
+              <a:t>از </a:t>
+            </a:r>
+            <a:r>
+              <a:rPr lang="fa-IR" sz="2000" dirty="0" smtClean="0">
+                <a:solidFill>
+                  <a:srgbClr val="C00000"/>
+                </a:solidFill>
+              </a:rPr>
+              <a:t>اسپانسر پروژه </a:t>
+            </a:r>
+            <a:r>
+              <a:rPr lang="fa-IR" sz="2000" dirty="0" smtClean="0"/>
+              <a:t>شروع کنید که چه انتظاری از سیستم دارد .</a:t>
+            </a:r>
+          </a:p>
+          <a:p>
+            <a:pPr algn="r" rtl="1"/>
+            <a:r>
+              <a:rPr lang="fa-IR" sz="2000" dirty="0" smtClean="0"/>
+              <a:t>هر تعداد از کلاس های کاربری را که در دسترسی دارید طوفان فکری کنید .</a:t>
+            </a:r>
+          </a:p>
+          <a:p>
+            <a:pPr algn="r" rtl="1"/>
+            <a:r>
+              <a:rPr lang="fa-IR" sz="2000" dirty="0" smtClean="0"/>
+              <a:t>کلاس‌های کاربری با نیازهای مشابه را فشرده کرده و به عنوان یک کلاس کاربری تقسیم بندی کنید .</a:t>
             </a:r>
           </a:p>
           <a:p>
@@ -4001,199 +3996,14 @@
           </a:p>
           <a:p>
             <a:pPr algn="r" rtl="1"/>
-            <a:r>
-              <a:rPr lang="fa-IR" sz="2000" dirty="0" smtClean="0"/>
-              <a:t>موجودیت‌های </a:t>
-            </a:r>
-          </a:p>
-          <a:p>
-            <a:pPr algn="r" rtl="1"/>
-            <a:endParaRPr lang="fa-IR" sz="2000" dirty="0" smtClean="0"/>
-          </a:p>
-          <a:p>
-            <a:pPr marL="914400" lvl="2" indent="0">
-              <a:buNone/>
-            </a:pPr>
-            <a:r>
-              <a:rPr lang="fa-IR" dirty="0"/>
-              <a:t>دپارتمان هایی که در پروسه کسب و کار شرکت داشته اند .</a:t>
-            </a:r>
-            <a:endParaRPr lang="en-US" dirty="0"/>
-          </a:p>
-          <a:p>
-            <a:pPr marL="914400" lvl="2" indent="0">
-              <a:buNone/>
-            </a:pPr>
-            <a:r>
-              <a:rPr lang="fa-IR" dirty="0"/>
-              <a:t>دپارتمان هایی که بر روی پروسه کسب و کار تاثیر داشته اند . </a:t>
-            </a:r>
-            <a:endParaRPr lang="en-US" dirty="0"/>
-          </a:p>
-          <a:p>
-            <a:pPr marL="914400" lvl="2" indent="0">
-              <a:buNone/>
-            </a:pPr>
-            <a:r>
-              <a:rPr lang="fa-IR" dirty="0"/>
-              <a:t>بخش‌ها یا نام‌ نقشهایی  که کاربران مستقیم یا غیرمستقیم در آن‌ها یافت می‌شوند</a:t>
-            </a:r>
-            <a:endParaRPr lang="en-US" dirty="0"/>
-          </a:p>
-          <a:p>
-            <a:pPr marL="914400" lvl="2" indent="0">
-              <a:buNone/>
-            </a:pPr>
-            <a:r>
-              <a:rPr lang="fa-IR" dirty="0"/>
-              <a:t>کلاس های کاربری که چندین بخش را در بر می گیرند</a:t>
-            </a:r>
-            <a:endParaRPr lang="en-US" dirty="0"/>
-          </a:p>
-          <a:p>
-            <a:pPr marL="914400" lvl="2" indent="0">
-              <a:buNone/>
-            </a:pPr>
-            <a:r>
-              <a:rPr lang="fa-IR" dirty="0"/>
-              <a:t>بخش هایی که ممکن است با ذینفعان خارجی خارج از شرکت رابط داشته باشند</a:t>
-            </a:r>
-            <a:endParaRPr lang="en-US" dirty="0"/>
-          </a:p>
-          <a:p>
-            <a:pPr algn="r" rtl="1"/>
-            <a:endParaRPr lang="fa-IR" sz="2000" dirty="0" smtClean="0"/>
-          </a:p>
-          <a:p>
-            <a:pPr algn="r" rtl="1"/>
             <a:endParaRPr lang="en-US" sz="2000" dirty="0"/>
           </a:p>
         </p:txBody>
       </p:sp>
-      <p:pic>
-        <p:nvPicPr>
-          <p:cNvPr id="4" name="Picture 3"/>
-          <p:cNvPicPr>
-            <a:picLocks noChangeAspect="1"/>
-          </p:cNvPicPr>
-          <p:nvPr/>
-        </p:nvPicPr>
-        <p:blipFill>
-          <a:blip r:embed="rId2"/>
-          <a:stretch>
-            <a:fillRect/>
-          </a:stretch>
-        </p:blipFill>
-        <p:spPr>
-          <a:xfrm>
-            <a:off x="10520909" y="3049894"/>
-            <a:ext cx="560881" cy="243861"/>
-          </a:xfrm>
-          <a:prstGeom prst="rect">
-            <a:avLst/>
-          </a:prstGeom>
-        </p:spPr>
-      </p:pic>
-      <p:pic>
-        <p:nvPicPr>
-          <p:cNvPr id="5" name="Picture 4"/>
-          <p:cNvPicPr>
-            <a:picLocks noChangeAspect="1"/>
-          </p:cNvPicPr>
-          <p:nvPr/>
-        </p:nvPicPr>
-        <p:blipFill>
-          <a:blip r:embed="rId2"/>
-          <a:stretch>
-            <a:fillRect/>
-          </a:stretch>
-        </p:blipFill>
-        <p:spPr>
-          <a:xfrm>
-            <a:off x="10520908" y="3408055"/>
-            <a:ext cx="560881" cy="243861"/>
-          </a:xfrm>
-          <a:prstGeom prst="rect">
-            <a:avLst/>
-          </a:prstGeom>
-        </p:spPr>
-      </p:pic>
-      <p:pic>
-        <p:nvPicPr>
-          <p:cNvPr id="6" name="Picture 5"/>
-          <p:cNvPicPr>
-            <a:picLocks noChangeAspect="1"/>
-          </p:cNvPicPr>
-          <p:nvPr/>
-        </p:nvPicPr>
-        <p:blipFill>
-          <a:blip r:embed="rId2"/>
-          <a:stretch>
-            <a:fillRect/>
-          </a:stretch>
-        </p:blipFill>
-        <p:spPr>
-          <a:xfrm>
-            <a:off x="10520908" y="3774281"/>
-            <a:ext cx="560881" cy="243861"/>
-          </a:xfrm>
-          <a:prstGeom prst="rect">
-            <a:avLst/>
-          </a:prstGeom>
-        </p:spPr>
-      </p:pic>
-      <p:pic>
-        <p:nvPicPr>
-          <p:cNvPr id="7" name="Picture 6"/>
-          <p:cNvPicPr>
-            <a:picLocks noChangeAspect="1"/>
-          </p:cNvPicPr>
-          <p:nvPr/>
-        </p:nvPicPr>
-        <p:blipFill>
-          <a:blip r:embed="rId2"/>
-          <a:stretch>
-            <a:fillRect/>
-          </a:stretch>
-        </p:blipFill>
-        <p:spPr>
-          <a:xfrm>
-            <a:off x="10520908" y="4065658"/>
-            <a:ext cx="560881" cy="243861"/>
-          </a:xfrm>
-          <a:prstGeom prst="rect">
-            <a:avLst/>
-          </a:prstGeom>
-        </p:spPr>
-      </p:pic>
-      <p:pic>
-        <p:nvPicPr>
-          <p:cNvPr id="8" name="Picture 7"/>
-          <p:cNvPicPr>
-            <a:picLocks noChangeAspect="1"/>
-          </p:cNvPicPr>
-          <p:nvPr/>
-        </p:nvPicPr>
-        <p:blipFill>
-          <a:blip r:embed="rId2"/>
-          <a:stretch>
-            <a:fillRect/>
-          </a:stretch>
-        </p:blipFill>
-        <p:spPr>
-          <a:xfrm>
-            <a:off x="10520908" y="4431884"/>
-            <a:ext cx="560881" cy="243861"/>
-          </a:xfrm>
-          <a:prstGeom prst="rect">
-            <a:avLst/>
-          </a:prstGeom>
-        </p:spPr>
-      </p:pic>
     </p:spTree>
     <p:extLst>
       <p:ext uri="{BB962C8B-B14F-4D97-AF65-F5344CB8AC3E}">
-        <p14:creationId xmlns:p14="http://schemas.microsoft.com/office/powerpoint/2010/main" val="112308813"/>
+        <p14:creationId xmlns:p14="http://schemas.microsoft.com/office/powerpoint/2010/main" val="1359199256"/>
       </p:ext>
     </p:extLst>
   </p:cSld>
@@ -4237,24 +4047,29 @@
             <p:ph type="title"/>
           </p:nvPr>
         </p:nvSpPr>
-        <p:spPr/>
+        <p:spPr>
+          <a:xfrm>
+            <a:off x="838200" y="365125"/>
+            <a:ext cx="10515600" cy="892175"/>
+          </a:xfrm>
+        </p:spPr>
         <p:txBody>
           <a:bodyPr>
             <a:normAutofit/>
           </a:bodyPr>
           <a:lstStyle/>
           <a:p>
-            <a:pPr algn="ctr"/>
-            <a:r>
-              <a:rPr lang="fa-IR" sz="4400" u="sng" dirty="0" smtClean="0">
+            <a:pPr algn="ctr" rtl="1"/>
+            <a:r>
+              <a:rPr lang="fa-IR" sz="4000" u="sng" dirty="0" smtClean="0">
                 <a:solidFill>
                   <a:srgbClr val="C00000"/>
                 </a:solidFill>
                 <a:cs typeface="B Nazanin" panose="00000400000000000000" pitchFamily="2" charset="-78"/>
               </a:rPr>
-              <a:t>گام بعدی</a:t>
-            </a:r>
-            <a:endParaRPr lang="fa-IR" sz="4400" u="sng" dirty="0">
+              <a:t>کلاس‌های کاربری</a:t>
+            </a:r>
+            <a:endParaRPr lang="en-US" sz="4000" u="sng" dirty="0">
               <a:solidFill>
                 <a:srgbClr val="C00000"/>
               </a:solidFill>
@@ -4273,9 +4088,16 @@
             <p:ph idx="1"/>
           </p:nvPr>
         </p:nvSpPr>
-        <p:spPr/>
-        <p:txBody>
-          <a:bodyPr/>
+        <p:spPr>
+          <a:xfrm>
+            <a:off x="838200" y="1371600"/>
+            <a:ext cx="10515600" cy="4805363"/>
+          </a:xfrm>
+        </p:spPr>
+        <p:txBody>
+          <a:bodyPr>
+            <a:normAutofit/>
+          </a:bodyPr>
           <a:lstStyle/>
           <a:p>
             <a:pPr algn="r" rtl="1">
@@ -4283,77 +4105,216 @@
               <a:buChar char="§"/>
             </a:pPr>
             <a:r>
-              <a:rPr lang="fa-IR" dirty="0" smtClean="0"/>
-              <a:t>کلاس های کاربری</a:t>
-            </a:r>
-          </a:p>
-          <a:p>
-            <a:pPr algn="r" rtl="1">
-              <a:buFont typeface="Wingdings" panose="05000000000000000000" pitchFamily="2" charset="2"/>
-              <a:buChar char="§"/>
-            </a:pPr>
-            <a:r>
               <a:rPr lang="fa-IR" dirty="0" smtClean="0">
                 <a:solidFill>
-                  <a:schemeClr val="accent3">
-                    <a:lumMod val="75000"/>
-                  </a:schemeClr>
-                </a:solidFill>
-              </a:rPr>
-              <a:t>شخصیت های کاربر</a:t>
-            </a:r>
-          </a:p>
-          <a:p>
-            <a:pPr algn="r" rtl="1">
-              <a:buFont typeface="Wingdings" panose="05000000000000000000" pitchFamily="2" charset="2"/>
-              <a:buChar char="§"/>
-            </a:pPr>
-            <a:r>
-              <a:rPr lang="fa-IR" dirty="0" smtClean="0"/>
-              <a:t>ارتباط با نمایندگان کاربران </a:t>
-            </a:r>
-          </a:p>
-          <a:p>
-            <a:pPr algn="r" rtl="1">
-              <a:buFont typeface="Wingdings" panose="05000000000000000000" pitchFamily="2" charset="2"/>
-              <a:buChar char="§"/>
-            </a:pPr>
-            <a:r>
-              <a:rPr lang="fa-IR" dirty="0" smtClean="0"/>
-              <a:t>قهرمان محصول </a:t>
-            </a:r>
-          </a:p>
-          <a:p>
-            <a:pPr algn="r" rtl="1">
-              <a:buFont typeface="Wingdings" panose="05000000000000000000" pitchFamily="2" charset="2"/>
-              <a:buChar char="§"/>
+                  <a:srgbClr val="C00000"/>
+                </a:solidFill>
+              </a:rPr>
+              <a:t>شناسایی کلاس‌های کاربری (ادامه)</a:t>
+            </a:r>
+          </a:p>
+          <a:p>
+            <a:pPr algn="r" rtl="1"/>
+            <a:r>
+              <a:rPr lang="fa-IR" sz="2000" dirty="0" smtClean="0"/>
+              <a:t>مدل های تحلیلی مختلف به شما کمک می ‌کنند تا کلاس های کاربری را شناسایی کنید .  </a:t>
+            </a:r>
+          </a:p>
+          <a:p>
+            <a:pPr algn="r" rtl="1"/>
+            <a:r>
+              <a:rPr lang="fa-IR" sz="2000" dirty="0" smtClean="0"/>
+              <a:t>موجودیت‌های </a:t>
+            </a:r>
+          </a:p>
+          <a:p>
+            <a:pPr algn="r" rtl="1"/>
+            <a:endParaRPr lang="fa-IR" sz="2000" dirty="0" smtClean="0"/>
+          </a:p>
+          <a:p>
+            <a:pPr marL="914400" lvl="2" indent="0">
+              <a:buNone/>
             </a:pPr>
             <a:r>
               <a:rPr lang="fa-IR" dirty="0"/>
-              <a:t>نمایندگی کاربر در پروژه های </a:t>
-            </a:r>
-            <a:r>
-              <a:rPr lang="fa-IR" dirty="0" smtClean="0"/>
-              <a:t>چابک</a:t>
-            </a:r>
-          </a:p>
-          <a:p>
-            <a:pPr algn="r" rtl="1">
-              <a:buFont typeface="Wingdings" panose="05000000000000000000" pitchFamily="2" charset="2"/>
-              <a:buChar char="§"/>
-            </a:pPr>
-            <a:r>
-              <a:rPr lang="fa-IR" dirty="0" smtClean="0"/>
-              <a:t>حل و فصل نیازمندی‌های متضاد </a:t>
-            </a:r>
-            <a:endParaRPr lang="fa-IR" dirty="0"/>
-          </a:p>
-        </p:txBody>
-      </p:sp>
+              <a:t>دپارتمان هایی که در پروسه کسب و کار شرکت داشته اند .</a:t>
+            </a:r>
+            <a:endParaRPr lang="en-US" dirty="0"/>
+          </a:p>
+          <a:p>
+            <a:pPr marL="914400" lvl="2" indent="0">
+              <a:buNone/>
+            </a:pPr>
+            <a:r>
+              <a:rPr lang="fa-IR" dirty="0"/>
+              <a:t>دپارتمان هایی که بر روی پروسه کسب و کار تاثیر داشته اند . </a:t>
+            </a:r>
+            <a:endParaRPr lang="en-US" dirty="0"/>
+          </a:p>
+          <a:p>
+            <a:pPr marL="914400" lvl="2" indent="0">
+              <a:buNone/>
+            </a:pPr>
+            <a:r>
+              <a:rPr lang="fa-IR" dirty="0"/>
+              <a:t>بخش‌ها یا نام‌ نقشهایی  که کاربران مستقیم یا غیرمستقیم در آن‌ها یافت می‌شوند</a:t>
+            </a:r>
+            <a:endParaRPr lang="en-US" dirty="0"/>
+          </a:p>
+          <a:p>
+            <a:pPr marL="914400" lvl="2" indent="0">
+              <a:buNone/>
+            </a:pPr>
+            <a:r>
+              <a:rPr lang="fa-IR" dirty="0"/>
+              <a:t>کلاس های کاربری که چندین بخش را در بر می گیرند</a:t>
+            </a:r>
+            <a:endParaRPr lang="en-US" dirty="0"/>
+          </a:p>
+          <a:p>
+            <a:pPr marL="914400" lvl="2" indent="0">
+              <a:buNone/>
+            </a:pPr>
+            <a:r>
+              <a:rPr lang="fa-IR" dirty="0"/>
+              <a:t>بخش هایی که ممکن است با ذینفعان خارجی خارج از شرکت رابط داشته باشند</a:t>
+            </a:r>
+            <a:endParaRPr lang="en-US" dirty="0"/>
+          </a:p>
+          <a:p>
+            <a:pPr algn="r" rtl="1"/>
+            <a:endParaRPr lang="fa-IR" sz="2000" dirty="0" smtClean="0"/>
+          </a:p>
+          <a:p>
+            <a:pPr algn="r" rtl="1"/>
+            <a:endParaRPr lang="en-US" sz="2000" dirty="0"/>
+          </a:p>
+        </p:txBody>
+      </p:sp>
+      <p:pic>
+        <p:nvPicPr>
+          <p:cNvPr id="4" name="Picture 3"/>
+          <p:cNvPicPr>
+            <a:picLocks noChangeAspect="1"/>
+          </p:cNvPicPr>
+          <p:nvPr/>
+        </p:nvPicPr>
+        <p:blipFill>
+          <a:blip r:embed="rId2"/>
+          <a:stretch>
+            <a:fillRect/>
+          </a:stretch>
+        </p:blipFill>
+        <p:spPr>
+          <a:xfrm>
+            <a:off x="10520909" y="3049894"/>
+            <a:ext cx="560881" cy="243861"/>
+          </a:xfrm>
+          <a:prstGeom prst="rect">
+            <a:avLst/>
+          </a:prstGeom>
+        </p:spPr>
+      </p:pic>
+      <p:pic>
+        <p:nvPicPr>
+          <p:cNvPr id="5" name="Picture 4"/>
+          <p:cNvPicPr>
+            <a:picLocks noChangeAspect="1"/>
+          </p:cNvPicPr>
+          <p:nvPr/>
+        </p:nvPicPr>
+        <p:blipFill>
+          <a:blip r:embed="rId2"/>
+          <a:stretch>
+            <a:fillRect/>
+          </a:stretch>
+        </p:blipFill>
+        <p:spPr>
+          <a:xfrm>
+            <a:off x="10520908" y="3408055"/>
+            <a:ext cx="560881" cy="243861"/>
+          </a:xfrm>
+          <a:prstGeom prst="rect">
+            <a:avLst/>
+          </a:prstGeom>
+        </p:spPr>
+      </p:pic>
+      <p:pic>
+        <p:nvPicPr>
+          <p:cNvPr id="6" name="Picture 5"/>
+          <p:cNvPicPr>
+            <a:picLocks noChangeAspect="1"/>
+          </p:cNvPicPr>
+          <p:nvPr/>
+        </p:nvPicPr>
+        <p:blipFill>
+          <a:blip r:embed="rId2"/>
+          <a:stretch>
+            <a:fillRect/>
+          </a:stretch>
+        </p:blipFill>
+        <p:spPr>
+          <a:xfrm>
+            <a:off x="10520908" y="3774281"/>
+            <a:ext cx="560881" cy="243861"/>
+          </a:xfrm>
+          <a:prstGeom prst="rect">
+            <a:avLst/>
+          </a:prstGeom>
+        </p:spPr>
+      </p:pic>
+      <p:pic>
+        <p:nvPicPr>
+          <p:cNvPr id="7" name="Picture 6"/>
+          <p:cNvPicPr>
+            <a:picLocks noChangeAspect="1"/>
+          </p:cNvPicPr>
+          <p:nvPr/>
+        </p:nvPicPr>
+        <p:blipFill>
+          <a:blip r:embed="rId2"/>
+          <a:stretch>
+            <a:fillRect/>
+          </a:stretch>
+        </p:blipFill>
+        <p:spPr>
+          <a:xfrm>
+            <a:off x="10520908" y="4065658"/>
+            <a:ext cx="560881" cy="243861"/>
+          </a:xfrm>
+          <a:prstGeom prst="rect">
+            <a:avLst/>
+          </a:prstGeom>
+        </p:spPr>
+      </p:pic>
+      <p:pic>
+        <p:nvPicPr>
+          <p:cNvPr id="8" name="Picture 7"/>
+          <p:cNvPicPr>
+            <a:picLocks noChangeAspect="1"/>
+          </p:cNvPicPr>
+          <p:nvPr/>
+        </p:nvPicPr>
+        <p:blipFill>
+          <a:blip r:embed="rId2"/>
+          <a:stretch>
+            <a:fillRect/>
+          </a:stretch>
+        </p:blipFill>
+        <p:spPr>
+          <a:xfrm>
+            <a:off x="10520908" y="4431884"/>
+            <a:ext cx="560881" cy="243861"/>
+          </a:xfrm>
+          <a:prstGeom prst="rect">
+            <a:avLst/>
+          </a:prstGeom>
+        </p:spPr>
+      </p:pic>
     </p:spTree>
     <p:extLst>
       <p:ext uri="{BB962C8B-B14F-4D97-AF65-F5344CB8AC3E}">
-        <p14:creationId xmlns:p14="http://schemas.microsoft.com/office/powerpoint/2010/main" val="3866916926"/>
+        <p14:creationId xmlns:p14="http://schemas.microsoft.com/office/powerpoint/2010/main" val="112308813"/>
       </p:ext>
     </p:extLst>
   </p:cSld>
@@ -4397,12 +4358,7 @@
             <p:ph type="title"/>
           </p:nvPr>
         </p:nvSpPr>
-        <p:spPr>
-          <a:xfrm>
-            <a:off x="838200" y="365126"/>
-            <a:ext cx="10515600" cy="768350"/>
-          </a:xfrm>
-        </p:spPr>
+        <p:spPr/>
         <p:txBody>
           <a:bodyPr>
             <a:normAutofit/>
@@ -4411,15 +4367,15 @@
           <a:p>
             <a:pPr algn="ctr"/>
             <a:r>
-              <a:rPr lang="fa-IR" sz="4000" u="sng" dirty="0" smtClean="0">
+              <a:rPr lang="fa-IR" sz="4400" u="sng" dirty="0" smtClean="0">
                 <a:solidFill>
                   <a:srgbClr val="C00000"/>
                 </a:solidFill>
                 <a:cs typeface="B Nazanin" panose="00000400000000000000" pitchFamily="2" charset="-78"/>
               </a:rPr>
-              <a:t>پرسوناهای کاربری</a:t>
-            </a:r>
-            <a:endParaRPr lang="fa-IR" sz="4000" u="sng" dirty="0">
+              <a:t>گام بعدی</a:t>
+            </a:r>
+            <a:endParaRPr lang="fa-IR" sz="4400" u="sng" dirty="0">
               <a:solidFill>
                 <a:srgbClr val="C00000"/>
               </a:solidFill>
@@ -4438,68 +4394,100 @@
             <p:ph idx="1"/>
           </p:nvPr>
         </p:nvSpPr>
-        <p:spPr>
-          <a:xfrm>
-            <a:off x="838200" y="1628776"/>
-            <a:ext cx="10515600" cy="5043487"/>
-          </a:xfrm>
-        </p:spPr>
-        <p:txBody>
-          <a:bodyPr>
-            <a:normAutofit/>
-          </a:bodyPr>
-          <a:lstStyle/>
-          <a:p>
-            <a:r>
-              <a:rPr lang="fa-IR" sz="2000" dirty="0" smtClean="0"/>
-              <a:t>پرسونا شرحی از یک عضو نماینده کلاس کاربری است .</a:t>
-            </a:r>
-          </a:p>
-          <a:p>
-            <a:r>
-              <a:rPr lang="fa-IR" sz="2000" dirty="0" smtClean="0"/>
-              <a:t>پرسونا توصیفی از یک فرد فرضی و عمومی است که به عنوان جایگاهی برای گروهی از کاربران با ویژگی هاو نیازهای مشابه عمل می‌کند . </a:t>
-            </a:r>
-          </a:p>
-          <a:p>
-            <a:r>
-              <a:rPr lang="fa-IR" sz="2000" dirty="0" smtClean="0"/>
-              <a:t>زمانی که تحلیلگر کسب و کار نمانیده کلاس کاربری واقعی در اختیار نداشته باشد، به جای توقف پیشرفت پروژه ، می‌تواند به طور موقت از یک پرسونا به عنوان کاربر فرضی استفاده کند .</a:t>
-            </a:r>
-          </a:p>
-          <a:p>
-            <a:r>
-              <a:rPr lang="fa-IR" sz="2000" dirty="0" smtClean="0"/>
-              <a:t>تحلیگر کسب و کار می‌تواند از پرسونا برای تصور نماینده کلاس کاربری استفاده کند و نیازهای اولیه را از آن بدست بیاورد تا یک نماینده کاربری واقعی بدست بیاورد .  </a:t>
-            </a:r>
-          </a:p>
-          <a:p>
-            <a:pPr marL="0" indent="0">
-              <a:buNone/>
-            </a:pPr>
-            <a:endParaRPr lang="fa-IR" sz="2000" dirty="0" smtClean="0"/>
-          </a:p>
-          <a:p>
-            <a:endParaRPr lang="fa-IR" sz="2000" dirty="0"/>
-          </a:p>
-          <a:p>
-            <a:endParaRPr lang="fa-IR" sz="2000" dirty="0" smtClean="0"/>
-          </a:p>
-          <a:p>
-            <a:endParaRPr lang="fa-IR" sz="2000" dirty="0"/>
+        <p:spPr/>
+        <p:txBody>
+          <a:bodyPr/>
+          <a:lstStyle/>
+          <a:p>
+            <a:pPr algn="r" rtl="1">
+              <a:buFont typeface="Wingdings" panose="05000000000000000000" pitchFamily="2" charset="2"/>
+              <a:buChar char="§"/>
+            </a:pPr>
+            <a:r>
+              <a:rPr lang="fa-IR" dirty="0" smtClean="0"/>
+              <a:t>کلاس های کاربری</a:t>
+            </a:r>
+          </a:p>
+          <a:p>
+            <a:pPr algn="r" rtl="1">
+              <a:buFont typeface="Wingdings" panose="05000000000000000000" pitchFamily="2" charset="2"/>
+              <a:buChar char="§"/>
+            </a:pPr>
+            <a:r>
+              <a:rPr lang="fa-IR" dirty="0" smtClean="0">
+                <a:solidFill>
+                  <a:schemeClr val="accent3">
+                    <a:lumMod val="75000"/>
+                  </a:schemeClr>
+                </a:solidFill>
+              </a:rPr>
+              <a:t>شخصیت های کاربر</a:t>
+            </a:r>
+          </a:p>
+          <a:p>
+            <a:pPr algn="r" rtl="1">
+              <a:buFont typeface="Wingdings" panose="05000000000000000000" pitchFamily="2" charset="2"/>
+              <a:buChar char="§"/>
+            </a:pPr>
+            <a:r>
+              <a:rPr lang="fa-IR" dirty="0" smtClean="0"/>
+              <a:t>ارتباط با نمایندگان کاربران </a:t>
+            </a:r>
+          </a:p>
+          <a:p>
+            <a:pPr algn="r" rtl="1">
+              <a:buFont typeface="Wingdings" panose="05000000000000000000" pitchFamily="2" charset="2"/>
+              <a:buChar char="§"/>
+            </a:pPr>
+            <a:r>
+              <a:rPr lang="fa-IR" dirty="0" smtClean="0"/>
+              <a:t>قهرمان محصول </a:t>
+            </a:r>
+          </a:p>
+          <a:p>
+            <a:pPr algn="r" rtl="1">
+              <a:buFont typeface="Wingdings" panose="05000000000000000000" pitchFamily="2" charset="2"/>
+              <a:buChar char="§"/>
+            </a:pPr>
+            <a:r>
+              <a:rPr lang="fa-IR" dirty="0"/>
+              <a:t>نمایندگی کاربر در پروژه های </a:t>
+            </a:r>
+            <a:r>
+              <a:rPr lang="fa-IR" dirty="0" smtClean="0"/>
+              <a:t>چابک</a:t>
+            </a:r>
+          </a:p>
+          <a:p>
+            <a:pPr algn="r" rtl="1">
+              <a:buFont typeface="Wingdings" panose="05000000000000000000" pitchFamily="2" charset="2"/>
+              <a:buChar char="§"/>
+            </a:pPr>
+            <a:r>
+              <a:rPr lang="fa-IR" dirty="0" smtClean="0"/>
+              <a:t>حل و فصل نیازمندی‌های متضاد </a:t>
+            </a:r>
+            <a:endParaRPr lang="fa-IR" dirty="0"/>
           </a:p>
         </p:txBody>
       </p:sp>
     </p:spTree>
     <p:extLst>
       <p:ext uri="{BB962C8B-B14F-4D97-AF65-F5344CB8AC3E}">
-        <p14:creationId xmlns:p14="http://schemas.microsoft.com/office/powerpoint/2010/main" val="1737366433"/>
+        <p14:creationId xmlns:p14="http://schemas.microsoft.com/office/powerpoint/2010/main" val="3866916926"/>
       </p:ext>
     </p:extLst>
   </p:cSld>
   <p:clrMapOvr>
     <a:masterClrMapping/>
   </p:clrMapOvr>
+  <p:timing>
+    <p:tnLst>
+      <p:par>
+        <p:cTn id="1" dur="indefinite" restart="never" nodeType="tmRoot"/>
+      </p:par>
+    </p:tnLst>
+  </p:timing>
 </p:sld>
 </file>
 
@@ -4530,7 +4518,12 @@
             <p:ph type="title"/>
           </p:nvPr>
         </p:nvSpPr>
-        <p:spPr/>
+        <p:spPr>
+          <a:xfrm>
+            <a:off x="838200" y="365126"/>
+            <a:ext cx="10515600" cy="768350"/>
+          </a:xfrm>
+        </p:spPr>
         <p:txBody>
           <a:bodyPr>
             <a:normAutofit/>
@@ -4539,15 +4532,15 @@
           <a:p>
             <a:pPr algn="ctr"/>
             <a:r>
-              <a:rPr lang="fa-IR" sz="4400" u="sng" dirty="0" smtClean="0">
+              <a:rPr lang="fa-IR" sz="4000" u="sng" dirty="0" smtClean="0">
                 <a:solidFill>
                   <a:srgbClr val="C00000"/>
                 </a:solidFill>
                 <a:cs typeface="B Nazanin" panose="00000400000000000000" pitchFamily="2" charset="-78"/>
               </a:rPr>
-              <a:t>گام بعدی</a:t>
-            </a:r>
-            <a:endParaRPr lang="fa-IR" sz="4400" u="sng" dirty="0">
+              <a:t>پرسوناهای کاربری</a:t>
+            </a:r>
+            <a:endParaRPr lang="fa-IR" sz="4000" u="sng" dirty="0">
               <a:solidFill>
                 <a:srgbClr val="C00000"/>
               </a:solidFill>
@@ -4566,100 +4559,68 @@
             <p:ph idx="1"/>
           </p:nvPr>
         </p:nvSpPr>
-        <p:spPr/>
-        <p:txBody>
-          <a:bodyPr/>
-          <a:lstStyle/>
-          <a:p>
-            <a:pPr algn="r" rtl="1">
-              <a:buFont typeface="Wingdings" panose="05000000000000000000" pitchFamily="2" charset="2"/>
-              <a:buChar char="§"/>
-            </a:pPr>
-            <a:r>
-              <a:rPr lang="fa-IR" dirty="0" smtClean="0"/>
-              <a:t>کلاس های کاربری</a:t>
-            </a:r>
-          </a:p>
-          <a:p>
-            <a:pPr algn="r" rtl="1">
-              <a:buFont typeface="Wingdings" panose="05000000000000000000" pitchFamily="2" charset="2"/>
-              <a:buChar char="§"/>
-            </a:pPr>
-            <a:r>
-              <a:rPr lang="fa-IR" dirty="0" smtClean="0"/>
-              <a:t>شخصیت های کاربر</a:t>
-            </a:r>
-          </a:p>
-          <a:p>
-            <a:pPr algn="r" rtl="1">
-              <a:buFont typeface="Wingdings" panose="05000000000000000000" pitchFamily="2" charset="2"/>
-              <a:buChar char="§"/>
-            </a:pPr>
-            <a:r>
-              <a:rPr lang="fa-IR" dirty="0" smtClean="0">
-                <a:solidFill>
-                  <a:schemeClr val="accent3">
-                    <a:lumMod val="75000"/>
-                  </a:schemeClr>
-                </a:solidFill>
-              </a:rPr>
-              <a:t>ارتباط با نمایندگان کاربران </a:t>
-            </a:r>
-          </a:p>
-          <a:p>
-            <a:pPr algn="r" rtl="1">
-              <a:buFont typeface="Wingdings" panose="05000000000000000000" pitchFamily="2" charset="2"/>
-              <a:buChar char="§"/>
-            </a:pPr>
-            <a:r>
-              <a:rPr lang="fa-IR" dirty="0" smtClean="0"/>
-              <a:t>قهرمان محصول </a:t>
-            </a:r>
-          </a:p>
-          <a:p>
-            <a:pPr algn="r" rtl="1">
-              <a:buFont typeface="Wingdings" panose="05000000000000000000" pitchFamily="2" charset="2"/>
-              <a:buChar char="§"/>
-            </a:pPr>
-            <a:r>
-              <a:rPr lang="fa-IR" dirty="0"/>
-              <a:t>نمایندگی کاربر در پروژه های </a:t>
-            </a:r>
-            <a:r>
-              <a:rPr lang="fa-IR" dirty="0" smtClean="0"/>
-              <a:t>چابک</a:t>
-            </a:r>
-          </a:p>
-          <a:p>
-            <a:pPr algn="r" rtl="1">
-              <a:buFont typeface="Wingdings" panose="05000000000000000000" pitchFamily="2" charset="2"/>
-              <a:buChar char="§"/>
-            </a:pPr>
-            <a:r>
-              <a:rPr lang="fa-IR" dirty="0" smtClean="0"/>
-              <a:t>حل و فصل نیازمندی‌های متضاد </a:t>
-            </a:r>
-            <a:endParaRPr lang="fa-IR" dirty="0"/>
+        <p:spPr>
+          <a:xfrm>
+            <a:off x="838200" y="1628776"/>
+            <a:ext cx="10515600" cy="5043487"/>
+          </a:xfrm>
+        </p:spPr>
+        <p:txBody>
+          <a:bodyPr>
+            <a:normAutofit/>
+          </a:bodyPr>
+          <a:lstStyle/>
+          <a:p>
+            <a:r>
+              <a:rPr lang="fa-IR" sz="2000" dirty="0" smtClean="0"/>
+              <a:t>پرسونا شرحی از یک عضو نماینده کلاس کاربری است .</a:t>
+            </a:r>
+          </a:p>
+          <a:p>
+            <a:r>
+              <a:rPr lang="fa-IR" sz="2000" dirty="0" smtClean="0"/>
+              <a:t>پرسونا توصیفی از یک فرد فرضی و عمومی است که به عنوان جایگاهی برای گروهی از کاربران با ویژگی هاو نیازهای مشابه عمل می‌کند . </a:t>
+            </a:r>
+          </a:p>
+          <a:p>
+            <a:r>
+              <a:rPr lang="fa-IR" sz="2000" dirty="0" smtClean="0"/>
+              <a:t>زمانی که تحلیلگر کسب و کار نمانیده کلاس کاربری واقعی در اختیار نداشته باشد، به جای توقف پیشرفت پروژه ، می‌تواند به طور موقت از یک پرسونا به عنوان کاربر فرضی استفاده کند .</a:t>
+            </a:r>
+          </a:p>
+          <a:p>
+            <a:r>
+              <a:rPr lang="fa-IR" sz="2000" dirty="0" smtClean="0"/>
+              <a:t>تحلیگر کسب و کار می‌تواند از پرسونا برای تصور نماینده کلاس کاربری استفاده کند و نیازهای اولیه را از آن بدست بیاورد تا یک نماینده کاربری واقعی بدست بیاورد .  </a:t>
+            </a:r>
+          </a:p>
+          <a:p>
+            <a:pPr marL="0" indent="0">
+              <a:buNone/>
+            </a:pPr>
+            <a:endParaRPr lang="fa-IR" sz="2000" dirty="0" smtClean="0"/>
+          </a:p>
+          <a:p>
+            <a:endParaRPr lang="fa-IR" sz="2000" dirty="0"/>
+          </a:p>
+          <a:p>
+            <a:endParaRPr lang="fa-IR" sz="2000" dirty="0" smtClean="0"/>
+          </a:p>
+          <a:p>
+            <a:endParaRPr lang="fa-IR" sz="2000" dirty="0"/>
           </a:p>
         </p:txBody>
       </p:sp>
     </p:spTree>
     <p:extLst>
       <p:ext uri="{BB962C8B-B14F-4D97-AF65-F5344CB8AC3E}">
-        <p14:creationId xmlns:p14="http://schemas.microsoft.com/office/powerpoint/2010/main" val="2206089000"/>
+        <p14:creationId xmlns:p14="http://schemas.microsoft.com/office/powerpoint/2010/main" val="1737366433"/>
       </p:ext>
     </p:extLst>
   </p:cSld>
   <p:clrMapOvr>
     <a:masterClrMapping/>
   </p:clrMapOvr>
-  <p:timing>
-    <p:tnLst>
-      <p:par>
-        <p:cTn id="1" dur="indefinite" restart="never" nodeType="tmRoot"/>
-      </p:par>
-    </p:tnLst>
-  </p:timing>
 </p:sld>
 </file>
 
@@ -4690,29 +4651,24 @@
             <p:ph type="title"/>
           </p:nvPr>
         </p:nvSpPr>
-        <p:spPr>
-          <a:xfrm>
-            <a:off x="838200" y="365126"/>
-            <a:ext cx="10515600" cy="635000"/>
-          </a:xfrm>
-        </p:spPr>
+        <p:spPr/>
         <p:txBody>
           <a:bodyPr>
             <a:normAutofit/>
           </a:bodyPr>
           <a:lstStyle/>
           <a:p>
-            <a:pPr algn="ctr" rtl="1"/>
-            <a:r>
-              <a:rPr lang="fa-IR" sz="3600" u="sng" dirty="0" smtClean="0">
+            <a:pPr algn="ctr"/>
+            <a:r>
+              <a:rPr lang="fa-IR" sz="4400" u="sng" dirty="0" smtClean="0">
                 <a:solidFill>
                   <a:srgbClr val="C00000"/>
                 </a:solidFill>
                 <a:cs typeface="B Nazanin" panose="00000400000000000000" pitchFamily="2" charset="-78"/>
               </a:rPr>
-              <a:t>ارتباط با نمایندگان کاربران </a:t>
-            </a:r>
-            <a:endParaRPr lang="en-US" sz="3600" u="sng" dirty="0">
+              <a:t>گام بعدی</a:t>
+            </a:r>
+            <a:endParaRPr lang="fa-IR" sz="4400" u="sng" dirty="0">
               <a:solidFill>
                 <a:srgbClr val="C00000"/>
               </a:solidFill>
@@ -4731,280 +4687,87 @@
             <p:ph idx="1"/>
           </p:nvPr>
         </p:nvSpPr>
-        <p:spPr>
-          <a:xfrm>
-            <a:off x="677333" y="1400175"/>
-            <a:ext cx="11162241" cy="4572000"/>
-          </a:xfrm>
-        </p:spPr>
-        <p:txBody>
-          <a:bodyPr>
-            <a:normAutofit/>
-          </a:bodyPr>
-          <a:lstStyle/>
-          <a:p>
-            <a:pPr algn="just" rtl="1">
-              <a:buFont typeface="Wingdings" panose="05000000000000000000" pitchFamily="2" charset="2"/>
-              <a:buChar char="§"/>
-            </a:pPr>
-            <a:r>
-              <a:rPr lang="fa-IR" sz="2000" dirty="0" smtClean="0">
-                <a:cs typeface="B Nazanin" panose="00000400000000000000" pitchFamily="2" charset="-78"/>
-              </a:rPr>
-              <a:t>هرنوع پروژه ای به نماینده مناسبی احتیاج دارد تا صداي كاربران را به گوش برساند . </a:t>
-            </a:r>
-          </a:p>
-          <a:p>
-            <a:pPr algn="just" rtl="1">
-              <a:buFont typeface="Wingdings" panose="05000000000000000000" pitchFamily="2" charset="2"/>
-              <a:buChar char="§"/>
-            </a:pPr>
-            <a:r>
-              <a:rPr lang="fa-IR" sz="2000" dirty="0" smtClean="0">
-                <a:cs typeface="B Nazanin" panose="00000400000000000000" pitchFamily="2" charset="-78"/>
-              </a:rPr>
-              <a:t>اين پروژه ها مي‌تواند اعم از </a:t>
-            </a:r>
-            <a:r>
-              <a:rPr lang="fa-IR" sz="2000" dirty="0" smtClean="0">
-                <a:solidFill>
-                  <a:srgbClr val="C00000"/>
-                </a:solidFill>
-                <a:cs typeface="B Nazanin" panose="00000400000000000000" pitchFamily="2" charset="-78"/>
-              </a:rPr>
-              <a:t>شرکت‌های</a:t>
-            </a:r>
-            <a:r>
-              <a:rPr lang="fa-IR" sz="2000" dirty="0" smtClean="0">
-                <a:cs typeface="B Nazanin" panose="00000400000000000000" pitchFamily="2" charset="-78"/>
-              </a:rPr>
-              <a:t> </a:t>
-            </a:r>
-            <a:r>
-              <a:rPr lang="fa-IR" sz="2000" dirty="0" smtClean="0">
-                <a:solidFill>
-                  <a:srgbClr val="C00000"/>
-                </a:solidFill>
-                <a:cs typeface="B Nazanin" panose="00000400000000000000" pitchFamily="2" charset="-78"/>
-              </a:rPr>
-              <a:t>اطلاع رسانی حقوقی</a:t>
-            </a:r>
-            <a:r>
-              <a:rPr lang="fa-IR" sz="2000" dirty="0" smtClean="0">
-                <a:cs typeface="B Nazanin" panose="00000400000000000000" pitchFamily="2" charset="-78"/>
-              </a:rPr>
-              <a:t>، </a:t>
-            </a:r>
-            <a:r>
-              <a:rPr lang="fa-IR" sz="2000" dirty="0" smtClean="0">
-                <a:solidFill>
-                  <a:srgbClr val="C00000"/>
-                </a:solidFill>
-                <a:cs typeface="B Nazanin" panose="00000400000000000000" pitchFamily="2" charset="-78"/>
-              </a:rPr>
-              <a:t>نرم‌افزارهای تجاری </a:t>
-            </a:r>
-            <a:r>
-              <a:rPr lang="fa-IR" sz="2000" dirty="0" smtClean="0">
-                <a:cs typeface="B Nazanin" panose="00000400000000000000" pitchFamily="2" charset="-78"/>
-              </a:rPr>
-              <a:t>، </a:t>
-            </a:r>
-            <a:r>
-              <a:rPr lang="fa-IR" sz="2000" dirty="0" smtClean="0">
-                <a:solidFill>
-                  <a:srgbClr val="C00000"/>
-                </a:solidFill>
-                <a:cs typeface="B Nazanin" panose="00000400000000000000" pitchFamily="2" charset="-78"/>
-              </a:rPr>
-              <a:t>سیستم‌های نهفته </a:t>
-            </a:r>
-            <a:r>
-              <a:rPr lang="fa-IR" sz="2000" dirty="0" smtClean="0">
-                <a:cs typeface="B Nazanin" panose="00000400000000000000" pitchFamily="2" charset="-78"/>
-              </a:rPr>
-              <a:t>، </a:t>
-            </a:r>
-            <a:r>
-              <a:rPr lang="fa-IR" sz="2000" dirty="0" smtClean="0">
-                <a:solidFill>
-                  <a:srgbClr val="C00000"/>
-                </a:solidFill>
-                <a:cs typeface="B Nazanin" panose="00000400000000000000" pitchFamily="2" charset="-78"/>
-              </a:rPr>
-              <a:t>وب‌سایت‌ها</a:t>
-            </a:r>
-            <a:r>
-              <a:rPr lang="fa-IR" sz="2000" dirty="0" smtClean="0">
-                <a:cs typeface="B Nazanin" panose="00000400000000000000" pitchFamily="2" charset="-78"/>
-              </a:rPr>
-              <a:t> ، </a:t>
-            </a:r>
-            <a:r>
-              <a:rPr lang="fa-IR" sz="2000" dirty="0" smtClean="0">
-                <a:solidFill>
-                  <a:srgbClr val="C00000"/>
-                </a:solidFill>
-                <a:cs typeface="B Nazanin" panose="00000400000000000000" pitchFamily="2" charset="-78"/>
-              </a:rPr>
-              <a:t>نرم‌افزارهای سفارشی  </a:t>
-            </a:r>
-            <a:r>
-              <a:rPr lang="fa-IR" sz="2000" dirty="0" smtClean="0">
-                <a:solidFill>
-                  <a:schemeClr val="tx1"/>
-                </a:solidFill>
-                <a:cs typeface="B Nazanin" panose="00000400000000000000" pitchFamily="2" charset="-78"/>
-              </a:rPr>
-              <a:t>باشد.</a:t>
-            </a:r>
-          </a:p>
-          <a:p>
-            <a:pPr algn="just" rtl="1">
-              <a:buFont typeface="Wingdings" panose="05000000000000000000" pitchFamily="2" charset="2"/>
-              <a:buChar char="§"/>
-            </a:pPr>
-            <a:r>
-              <a:rPr lang="fa-IR" sz="2000" dirty="0" smtClean="0">
-                <a:solidFill>
-                  <a:schemeClr val="tx1"/>
-                </a:solidFill>
-                <a:cs typeface="B Nazanin" panose="00000400000000000000" pitchFamily="2" charset="-78"/>
-              </a:rPr>
-              <a:t>حضور اين كاربران محدود به فاز نيازمندي‌ها نيست .</a:t>
-            </a:r>
-          </a:p>
-          <a:p>
-            <a:pPr algn="just" rtl="1">
-              <a:buFont typeface="Wingdings" panose="05000000000000000000" pitchFamily="2" charset="2"/>
-              <a:buChar char="§"/>
-            </a:pPr>
-            <a:r>
-              <a:rPr lang="fa-IR" sz="2000" dirty="0" smtClean="0">
-                <a:solidFill>
-                  <a:schemeClr val="tx1"/>
-                </a:solidFill>
-                <a:cs typeface="B Nazanin" panose="00000400000000000000" pitchFamily="2" charset="-78"/>
-              </a:rPr>
-              <a:t>اين نمايندگان بايد در كل پروسه توليد نرم افزار حضور داشته باشند. </a:t>
-            </a:r>
-          </a:p>
-          <a:p>
-            <a:pPr>
-              <a:buFont typeface="Wingdings" panose="05000000000000000000" pitchFamily="2" charset="2"/>
-              <a:buChar char="§"/>
-            </a:pPr>
-            <a:r>
-              <a:rPr lang="fa-IR" sz="2000" dirty="0">
-                <a:cs typeface="B Nazanin" panose="00000400000000000000" pitchFamily="2" charset="-78"/>
-              </a:rPr>
-              <a:t>به جای اینکه خود را به جای کاربران واقعی قرار داده و نیازهای آن ها را حدث بزنید از کاربران واقعی استفاده کنید . </a:t>
-            </a:r>
-          </a:p>
-          <a:p>
-            <a:pPr>
-              <a:buFont typeface="Wingdings" panose="05000000000000000000" pitchFamily="2" charset="2"/>
-              <a:buChar char="§"/>
-            </a:pPr>
-            <a:r>
-              <a:rPr lang="fa-IR" sz="2000" dirty="0">
-                <a:cs typeface="B Nazanin" panose="00000400000000000000" pitchFamily="2" charset="-78"/>
-              </a:rPr>
-              <a:t>براي اينكار </a:t>
-            </a:r>
-            <a:r>
-              <a:rPr lang="fa-IR" sz="2000" dirty="0" smtClean="0">
-                <a:cs typeface="B Nazanin" panose="00000400000000000000" pitchFamily="2" charset="-78"/>
-              </a:rPr>
-              <a:t>مي‌شود  </a:t>
-            </a:r>
-            <a:r>
-              <a:rPr lang="fa-IR" sz="2000" dirty="0">
-                <a:cs typeface="B Nazanin" panose="00000400000000000000" pitchFamily="2" charset="-78"/>
-              </a:rPr>
-              <a:t>گروه‌های متمرکزی از کاربران فعلی </a:t>
-            </a:r>
-            <a:r>
-              <a:rPr lang="fa-IR" sz="2000" dirty="0" smtClean="0">
-                <a:cs typeface="B Nazanin" panose="00000400000000000000" pitchFamily="2" charset="-78"/>
-              </a:rPr>
-              <a:t>سازمان  </a:t>
-            </a:r>
-            <a:r>
-              <a:rPr lang="fa-IR" sz="2000" dirty="0">
-                <a:cs typeface="B Nazanin" panose="00000400000000000000" pitchFamily="2" charset="-78"/>
-              </a:rPr>
-              <a:t>یا رقبا را تشکیل داده و از آنها استفاده </a:t>
-            </a:r>
-            <a:r>
-              <a:rPr lang="fa-IR" sz="2000" dirty="0" smtClean="0">
-                <a:cs typeface="B Nazanin" panose="00000400000000000000" pitchFamily="2" charset="-78"/>
-              </a:rPr>
-              <a:t>کرد </a:t>
-            </a:r>
-            <a:r>
-              <a:rPr lang="fa-IR" sz="2000" dirty="0">
-                <a:cs typeface="B Nazanin" panose="00000400000000000000" pitchFamily="2" charset="-78"/>
-              </a:rPr>
-              <a:t>. </a:t>
-            </a:r>
-          </a:p>
-          <a:p>
-            <a:pPr>
-              <a:buFont typeface="Wingdings" panose="05000000000000000000" pitchFamily="2" charset="2"/>
-              <a:buChar char="§"/>
-            </a:pPr>
-            <a:r>
-              <a:rPr lang="fa-IR" sz="2000" dirty="0">
-                <a:cs typeface="B Nazanin" panose="00000400000000000000" pitchFamily="2" charset="-78"/>
-              </a:rPr>
-              <a:t>این کاربران را باید طیفی از کاربران با تجربه و هم چنین تازه کار تشکیل </a:t>
-            </a:r>
-            <a:r>
-              <a:rPr lang="fa-IR" sz="2000" dirty="0" smtClean="0">
-                <a:cs typeface="B Nazanin" panose="00000400000000000000" pitchFamily="2" charset="-78"/>
-              </a:rPr>
-              <a:t>دهد.</a:t>
-            </a:r>
-          </a:p>
-          <a:p>
-            <a:pPr>
-              <a:buFont typeface="Wingdings" panose="05000000000000000000" pitchFamily="2" charset="2"/>
-              <a:buChar char="§"/>
-            </a:pPr>
-            <a:r>
-              <a:rPr lang="fa-IR" sz="2000" dirty="0" smtClean="0">
-                <a:cs typeface="B Nazanin" panose="00000400000000000000" pitchFamily="2" charset="-78"/>
-              </a:rPr>
-              <a:t>اگرگروه متمرکز فقط شامل پذیرندگان اولیه یا متفکران آسمان آبی باشد ،ممکن است سازمان با بسیاری از الزامات پیچیده و از نظر فنی دشوار روبرو شود که برای مشتریان کمتر مفید است .  </a:t>
-            </a:r>
-          </a:p>
-          <a:p>
-            <a:pPr marL="0" indent="0">
-              <a:buNone/>
-            </a:pPr>
-            <a:endParaRPr lang="fa-IR" sz="2000" dirty="0" smtClean="0">
-              <a:solidFill>
-                <a:srgbClr val="C00000"/>
-              </a:solidFill>
-              <a:cs typeface="B Nazanin" panose="00000400000000000000" pitchFamily="2" charset="-78"/>
-            </a:endParaRPr>
-          </a:p>
+        <p:spPr/>
+        <p:txBody>
+          <a:bodyPr/>
+          <a:lstStyle/>
           <a:p>
             <a:pPr algn="r" rtl="1">
               <a:buFont typeface="Wingdings" panose="05000000000000000000" pitchFamily="2" charset="2"/>
               <a:buChar char="§"/>
             </a:pPr>
-            <a:endParaRPr lang="fa-IR" sz="2400" b="1" dirty="0">
-              <a:cs typeface="B Nazanin" panose="00000400000000000000" pitchFamily="2" charset="-78"/>
-            </a:endParaRPr>
+            <a:r>
+              <a:rPr lang="fa-IR" dirty="0" smtClean="0"/>
+              <a:t>کلاس های کاربری</a:t>
+            </a:r>
+          </a:p>
+          <a:p>
+            <a:pPr algn="r" rtl="1">
+              <a:buFont typeface="Wingdings" panose="05000000000000000000" pitchFamily="2" charset="2"/>
+              <a:buChar char="§"/>
+            </a:pPr>
+            <a:r>
+              <a:rPr lang="fa-IR" dirty="0" smtClean="0"/>
+              <a:t>شخصیت های کاربر</a:t>
+            </a:r>
+          </a:p>
+          <a:p>
+            <a:pPr algn="r" rtl="1">
+              <a:buFont typeface="Wingdings" panose="05000000000000000000" pitchFamily="2" charset="2"/>
+              <a:buChar char="§"/>
+            </a:pPr>
+            <a:r>
+              <a:rPr lang="fa-IR" dirty="0" smtClean="0">
+                <a:solidFill>
+                  <a:schemeClr val="accent3">
+                    <a:lumMod val="75000"/>
+                  </a:schemeClr>
+                </a:solidFill>
+              </a:rPr>
+              <a:t>ارتباط با نمایندگان کاربران </a:t>
+            </a:r>
+          </a:p>
+          <a:p>
+            <a:pPr algn="r" rtl="1">
+              <a:buFont typeface="Wingdings" panose="05000000000000000000" pitchFamily="2" charset="2"/>
+              <a:buChar char="§"/>
+            </a:pPr>
+            <a:r>
+              <a:rPr lang="fa-IR" dirty="0" smtClean="0"/>
+              <a:t>قهرمان محصول </a:t>
+            </a:r>
+          </a:p>
+          <a:p>
+            <a:pPr algn="r" rtl="1">
+              <a:buFont typeface="Wingdings" panose="05000000000000000000" pitchFamily="2" charset="2"/>
+              <a:buChar char="§"/>
+            </a:pPr>
+            <a:r>
+              <a:rPr lang="fa-IR" dirty="0"/>
+              <a:t>نمایندگی کاربر در پروژه های </a:t>
+            </a:r>
+            <a:r>
+              <a:rPr lang="fa-IR" dirty="0" smtClean="0"/>
+              <a:t>چابک</a:t>
+            </a:r>
+          </a:p>
+          <a:p>
+            <a:pPr algn="r" rtl="1">
+              <a:buFont typeface="Wingdings" panose="05000000000000000000" pitchFamily="2" charset="2"/>
+              <a:buChar char="§"/>
+            </a:pPr>
+            <a:r>
+              <a:rPr lang="fa-IR" dirty="0" smtClean="0"/>
+              <a:t>حل و فصل نیازمندی‌های متضاد </a:t>
+            </a:r>
+            <a:endParaRPr lang="fa-IR" dirty="0"/>
           </a:p>
         </p:txBody>
       </p:sp>
     </p:spTree>
     <p:extLst>
       <p:ext uri="{BB962C8B-B14F-4D97-AF65-F5344CB8AC3E}">
-        <p14:creationId xmlns:p14="http://schemas.microsoft.com/office/powerpoint/2010/main" val="1394043056"/>
+        <p14:creationId xmlns:p14="http://schemas.microsoft.com/office/powerpoint/2010/main" val="2206089000"/>
       </p:ext>
     </p:extLst>
   </p:cSld>
@@ -5051,7 +4814,7 @@
         <p:spPr>
           <a:xfrm>
             <a:off x="838200" y="365126"/>
-            <a:ext cx="10515600" cy="768350"/>
+            <a:ext cx="10515600" cy="635000"/>
           </a:xfrm>
         </p:spPr>
         <p:txBody>
@@ -5068,7 +4831,7 @@
                 </a:solidFill>
                 <a:cs typeface="B Nazanin" panose="00000400000000000000" pitchFamily="2" charset="-78"/>
               </a:rPr>
-              <a:t>ارتباط با نمايندگان كاربران (ادامه )</a:t>
+              <a:t>ارتباط با نمایندگان کاربران </a:t>
             </a:r>
             <a:endParaRPr lang="en-US" sz="3600" u="sng" dirty="0">
               <a:solidFill>
@@ -5091,8 +4854,8 @@
         </p:nvSpPr>
         <p:spPr>
           <a:xfrm>
-            <a:off x="838200" y="1276350"/>
-            <a:ext cx="10515600" cy="4900613"/>
+            <a:off x="677333" y="1400175"/>
+            <a:ext cx="11162241" cy="4572000"/>
           </a:xfrm>
         </p:spPr>
         <p:txBody>
@@ -5101,38 +4864,285 @@
           </a:bodyPr>
           <a:lstStyle/>
           <a:p>
+            <a:pPr marL="0" indent="0" algn="just" rtl="1">
+              <a:buNone/>
+            </a:pPr>
+            <a:r>
+              <a:rPr lang="fa-IR" sz="2000" dirty="0" smtClean="0">
+                <a:cs typeface="B Nazanin" panose="00000400000000000000" pitchFamily="2" charset="-78"/>
+              </a:rPr>
+              <a:t>       </a:t>
+            </a:r>
+            <a:r>
+              <a:rPr lang="fa-IR" dirty="0" smtClean="0">
+                <a:solidFill>
+                  <a:srgbClr val="C00000"/>
+                </a:solidFill>
+                <a:cs typeface="B Nazanin" panose="00000400000000000000" pitchFamily="2" charset="-78"/>
+              </a:rPr>
+              <a:t>مقدمه</a:t>
+            </a:r>
+          </a:p>
+          <a:p>
+            <a:pPr algn="just" rtl="1">
+              <a:buFont typeface="Wingdings" panose="05000000000000000000" pitchFamily="2" charset="2"/>
+              <a:buChar char="§"/>
+            </a:pPr>
+            <a:r>
+              <a:rPr lang="fa-IR" sz="2000" dirty="0" smtClean="0">
+                <a:cs typeface="B Nazanin" panose="00000400000000000000" pitchFamily="2" charset="-78"/>
+              </a:rPr>
+              <a:t>هرنوع </a:t>
+            </a:r>
+            <a:r>
+              <a:rPr lang="fa-IR" sz="2000" dirty="0" smtClean="0">
+                <a:cs typeface="B Nazanin" panose="00000400000000000000" pitchFamily="2" charset="-78"/>
+              </a:rPr>
+              <a:t>پروژه ای به نماینده مناسبی احتیاج دارد تا صداي كاربران را به گوش برساند . </a:t>
+            </a:r>
+          </a:p>
+          <a:p>
+            <a:pPr algn="just" rtl="1">
+              <a:buFont typeface="Wingdings" panose="05000000000000000000" pitchFamily="2" charset="2"/>
+              <a:buChar char="§"/>
+            </a:pPr>
+            <a:r>
+              <a:rPr lang="fa-IR" sz="2000" dirty="0" smtClean="0">
+                <a:cs typeface="B Nazanin" panose="00000400000000000000" pitchFamily="2" charset="-78"/>
+              </a:rPr>
+              <a:t>اين پروژه ها مي‌تواند اعم از </a:t>
+            </a:r>
+            <a:r>
+              <a:rPr lang="fa-IR" sz="2000" dirty="0" smtClean="0">
+                <a:solidFill>
+                  <a:srgbClr val="C00000"/>
+                </a:solidFill>
+                <a:cs typeface="B Nazanin" panose="00000400000000000000" pitchFamily="2" charset="-78"/>
+              </a:rPr>
+              <a:t>شرکت‌های</a:t>
+            </a:r>
+            <a:r>
+              <a:rPr lang="fa-IR" sz="2000" dirty="0" smtClean="0">
+                <a:cs typeface="B Nazanin" panose="00000400000000000000" pitchFamily="2" charset="-78"/>
+              </a:rPr>
+              <a:t> </a:t>
+            </a:r>
+            <a:r>
+              <a:rPr lang="fa-IR" sz="2000" dirty="0" smtClean="0">
+                <a:solidFill>
+                  <a:srgbClr val="C00000"/>
+                </a:solidFill>
+                <a:cs typeface="B Nazanin" panose="00000400000000000000" pitchFamily="2" charset="-78"/>
+              </a:rPr>
+              <a:t>اطلاع رسانی حقوقی</a:t>
+            </a:r>
+            <a:r>
+              <a:rPr lang="fa-IR" sz="2000" dirty="0" smtClean="0">
+                <a:cs typeface="B Nazanin" panose="00000400000000000000" pitchFamily="2" charset="-78"/>
+              </a:rPr>
+              <a:t>، </a:t>
+            </a:r>
+            <a:r>
+              <a:rPr lang="fa-IR" sz="2000" dirty="0" smtClean="0">
+                <a:solidFill>
+                  <a:srgbClr val="C00000"/>
+                </a:solidFill>
+                <a:cs typeface="B Nazanin" panose="00000400000000000000" pitchFamily="2" charset="-78"/>
+              </a:rPr>
+              <a:t>نرم‌افزارهای تجاری </a:t>
+            </a:r>
+            <a:r>
+              <a:rPr lang="fa-IR" sz="2000" dirty="0" smtClean="0">
+                <a:cs typeface="B Nazanin" panose="00000400000000000000" pitchFamily="2" charset="-78"/>
+              </a:rPr>
+              <a:t>، </a:t>
+            </a:r>
+            <a:r>
+              <a:rPr lang="fa-IR" sz="2000" dirty="0" smtClean="0">
+                <a:solidFill>
+                  <a:srgbClr val="C00000"/>
+                </a:solidFill>
+                <a:cs typeface="B Nazanin" panose="00000400000000000000" pitchFamily="2" charset="-78"/>
+              </a:rPr>
+              <a:t>سیستم‌های نهفته </a:t>
+            </a:r>
+            <a:r>
+              <a:rPr lang="fa-IR" sz="2000" dirty="0" smtClean="0">
+                <a:cs typeface="B Nazanin" panose="00000400000000000000" pitchFamily="2" charset="-78"/>
+              </a:rPr>
+              <a:t>، </a:t>
+            </a:r>
+            <a:r>
+              <a:rPr lang="fa-IR" sz="2000" dirty="0" smtClean="0">
+                <a:solidFill>
+                  <a:srgbClr val="C00000"/>
+                </a:solidFill>
+                <a:cs typeface="B Nazanin" panose="00000400000000000000" pitchFamily="2" charset="-78"/>
+              </a:rPr>
+              <a:t>وب‌سایت‌ها</a:t>
+            </a:r>
+            <a:r>
+              <a:rPr lang="fa-IR" sz="2000" dirty="0" smtClean="0">
+                <a:cs typeface="B Nazanin" panose="00000400000000000000" pitchFamily="2" charset="-78"/>
+              </a:rPr>
+              <a:t> ، </a:t>
+            </a:r>
+            <a:r>
+              <a:rPr lang="fa-IR" sz="2000" dirty="0" smtClean="0">
+                <a:solidFill>
+                  <a:srgbClr val="C00000"/>
+                </a:solidFill>
+                <a:cs typeface="B Nazanin" panose="00000400000000000000" pitchFamily="2" charset="-78"/>
+              </a:rPr>
+              <a:t>نرم‌افزارهای سفارشی  </a:t>
+            </a:r>
+            <a:r>
+              <a:rPr lang="fa-IR" sz="2000" dirty="0" smtClean="0">
+                <a:solidFill>
+                  <a:schemeClr val="tx1"/>
+                </a:solidFill>
+                <a:cs typeface="B Nazanin" panose="00000400000000000000" pitchFamily="2" charset="-78"/>
+              </a:rPr>
+              <a:t>باشد.</a:t>
+            </a:r>
+          </a:p>
+          <a:p>
+            <a:pPr algn="just" rtl="1">
+              <a:buFont typeface="Wingdings" panose="05000000000000000000" pitchFamily="2" charset="2"/>
+              <a:buChar char="§"/>
+            </a:pPr>
+            <a:r>
+              <a:rPr lang="fa-IR" sz="2000" dirty="0" smtClean="0">
+                <a:solidFill>
+                  <a:schemeClr val="tx1"/>
+                </a:solidFill>
+                <a:cs typeface="B Nazanin" panose="00000400000000000000" pitchFamily="2" charset="-78"/>
+              </a:rPr>
+              <a:t>حضور اين كاربران محدود به فاز نيازمندي‌ها نيست .</a:t>
+            </a:r>
+          </a:p>
+          <a:p>
+            <a:pPr algn="just" rtl="1">
+              <a:buFont typeface="Wingdings" panose="05000000000000000000" pitchFamily="2" charset="2"/>
+              <a:buChar char="§"/>
+            </a:pPr>
+            <a:r>
+              <a:rPr lang="fa-IR" sz="2000" dirty="0" smtClean="0">
+                <a:solidFill>
+                  <a:schemeClr val="tx1"/>
+                </a:solidFill>
+                <a:cs typeface="B Nazanin" panose="00000400000000000000" pitchFamily="2" charset="-78"/>
+              </a:rPr>
+              <a:t>اين نمايندگان بايد در كل پروسه توليد نرم افزار حضور داشته باشند. </a:t>
+            </a:r>
+          </a:p>
+          <a:p>
+            <a:pPr>
+              <a:buFont typeface="Wingdings" panose="05000000000000000000" pitchFamily="2" charset="2"/>
+              <a:buChar char="§"/>
+            </a:pPr>
+            <a:r>
+              <a:rPr lang="fa-IR" sz="2000" dirty="0">
+                <a:cs typeface="B Nazanin" panose="00000400000000000000" pitchFamily="2" charset="-78"/>
+              </a:rPr>
+              <a:t>به جای اینکه خود را به جای کاربران واقعی قرار داده و نیازهای آن ها را حدث بزنید از کاربران واقعی استفاده کنید . </a:t>
+            </a:r>
+          </a:p>
+          <a:p>
+            <a:pPr>
+              <a:buFont typeface="Wingdings" panose="05000000000000000000" pitchFamily="2" charset="2"/>
+              <a:buChar char="§"/>
+            </a:pPr>
+            <a:r>
+              <a:rPr lang="fa-IR" sz="2000" dirty="0">
+                <a:cs typeface="B Nazanin" panose="00000400000000000000" pitchFamily="2" charset="-78"/>
+              </a:rPr>
+              <a:t>براي اينكار </a:t>
+            </a:r>
+            <a:r>
+              <a:rPr lang="fa-IR" sz="2000" dirty="0" smtClean="0">
+                <a:cs typeface="B Nazanin" panose="00000400000000000000" pitchFamily="2" charset="-78"/>
+              </a:rPr>
+              <a:t>مي‌شود  </a:t>
+            </a:r>
+            <a:r>
+              <a:rPr lang="fa-IR" sz="2000" dirty="0">
+                <a:cs typeface="B Nazanin" panose="00000400000000000000" pitchFamily="2" charset="-78"/>
+              </a:rPr>
+              <a:t>گروه‌های متمرکزی از کاربران فعلی </a:t>
+            </a:r>
+            <a:r>
+              <a:rPr lang="fa-IR" sz="2000" dirty="0" smtClean="0">
+                <a:cs typeface="B Nazanin" panose="00000400000000000000" pitchFamily="2" charset="-78"/>
+              </a:rPr>
+              <a:t>سازمان  </a:t>
+            </a:r>
+            <a:r>
+              <a:rPr lang="fa-IR" sz="2000" dirty="0">
+                <a:cs typeface="B Nazanin" panose="00000400000000000000" pitchFamily="2" charset="-78"/>
+              </a:rPr>
+              <a:t>یا رقبا را تشکیل داده و از آنها استفاده </a:t>
+            </a:r>
+            <a:r>
+              <a:rPr lang="fa-IR" sz="2000" dirty="0" smtClean="0">
+                <a:cs typeface="B Nazanin" panose="00000400000000000000" pitchFamily="2" charset="-78"/>
+              </a:rPr>
+              <a:t>کرد </a:t>
+            </a:r>
+            <a:r>
+              <a:rPr lang="fa-IR" sz="2000" dirty="0">
+                <a:cs typeface="B Nazanin" panose="00000400000000000000" pitchFamily="2" charset="-78"/>
+              </a:rPr>
+              <a:t>. </a:t>
+            </a:r>
+          </a:p>
+          <a:p>
+            <a:pPr>
+              <a:buFont typeface="Wingdings" panose="05000000000000000000" pitchFamily="2" charset="2"/>
+              <a:buChar char="§"/>
+            </a:pPr>
+            <a:r>
+              <a:rPr lang="fa-IR" sz="2000" dirty="0">
+                <a:cs typeface="B Nazanin" panose="00000400000000000000" pitchFamily="2" charset="-78"/>
+              </a:rPr>
+              <a:t>این کاربران را باید طیفی از کاربران با تجربه و هم چنین تازه کار تشکیل </a:t>
+            </a:r>
+            <a:r>
+              <a:rPr lang="fa-IR" sz="2000" dirty="0" smtClean="0">
+                <a:cs typeface="B Nazanin" panose="00000400000000000000" pitchFamily="2" charset="-78"/>
+              </a:rPr>
+              <a:t>دهد.</a:t>
+            </a:r>
+          </a:p>
+          <a:p>
+            <a:pPr>
+              <a:buFont typeface="Wingdings" panose="05000000000000000000" pitchFamily="2" charset="2"/>
+              <a:buChar char="§"/>
+            </a:pPr>
+            <a:r>
+              <a:rPr lang="fa-IR" sz="2000" dirty="0" smtClean="0">
+                <a:cs typeface="B Nazanin" panose="00000400000000000000" pitchFamily="2" charset="-78"/>
+              </a:rPr>
+              <a:t>اگرگروه متمرکز فقط شامل پذیرندگان اولیه یا متفکران آسمان آبی باشد ،ممکن است سازمان با بسیاری از الزامات پیچیده و از نظر فنی دشوار روبرو شود که برای مشتریان کمتر مفید است .  </a:t>
+            </a:r>
+          </a:p>
+          <a:p>
+            <a:pPr marL="0" indent="0">
+              <a:buNone/>
+            </a:pPr>
+            <a:endParaRPr lang="fa-IR" sz="2000" dirty="0" smtClean="0">
+              <a:solidFill>
+                <a:srgbClr val="C00000"/>
+              </a:solidFill>
+              <a:cs typeface="B Nazanin" panose="00000400000000000000" pitchFamily="2" charset="-78"/>
+            </a:endParaRPr>
+          </a:p>
+          <a:p>
             <a:pPr algn="r" rtl="1">
               <a:buFont typeface="Wingdings" panose="05000000000000000000" pitchFamily="2" charset="2"/>
               <a:buChar char="§"/>
             </a:pPr>
-            <a:endParaRPr lang="fa-IR" sz="2400" dirty="0" smtClean="0">
-              <a:cs typeface="B Nazanin" panose="00000400000000000000" pitchFamily="2" charset="-78"/>
-            </a:endParaRPr>
-          </a:p>
-          <a:p>
-            <a:pPr algn="r" rtl="1">
-              <a:buFont typeface="Wingdings" panose="05000000000000000000" pitchFamily="2" charset="2"/>
-              <a:buChar char="§"/>
-            </a:pPr>
-            <a:endParaRPr lang="fa-IR" sz="2400" dirty="0" smtClean="0">
-              <a:cs typeface="B Nazanin" panose="00000400000000000000" pitchFamily="2" charset="-78"/>
-            </a:endParaRPr>
-          </a:p>
-          <a:p>
-            <a:pPr algn="r" rtl="1">
-              <a:buFont typeface="Wingdings" panose="05000000000000000000" pitchFamily="2" charset="2"/>
-              <a:buChar char="§"/>
-            </a:pPr>
-            <a:endParaRPr lang="fa-IR" sz="2400" dirty="0" smtClean="0">
-              <a:cs typeface="B Nazanin" panose="00000400000000000000" pitchFamily="2" charset="-78"/>
-            </a:endParaRPr>
-          </a:p>
-          <a:p>
-            <a:pPr algn="r" rtl="1">
-              <a:buFont typeface="Wingdings" panose="05000000000000000000" pitchFamily="2" charset="2"/>
-              <a:buChar char="§"/>
-            </a:pPr>
-            <a:endParaRPr lang="en-US" sz="2400" dirty="0">
+            <a:endParaRPr lang="fa-IR" sz="2400" b="1" dirty="0">
               <a:cs typeface="B Nazanin" panose="00000400000000000000" pitchFamily="2" charset="-78"/>
             </a:endParaRPr>
           </a:p>
@@ -5147,15 +5157,15 @@
           <p:nvPr/>
         </p:nvPicPr>
         <p:blipFill>
-          <a:blip r:embed="rId2"/>
+          <a:blip r:embed="rId3"/>
           <a:stretch>
             <a:fillRect/>
           </a:stretch>
         </p:blipFill>
         <p:spPr>
           <a:xfrm>
-            <a:off x="1295400" y="1316553"/>
-            <a:ext cx="9705975" cy="5003284"/>
+            <a:off x="11473782" y="1337187"/>
+            <a:ext cx="365792" cy="317019"/>
           </a:xfrm>
           <a:prstGeom prst="rect">
             <a:avLst/>
@@ -5165,7 +5175,7 @@
     </p:spTree>
     <p:extLst>
       <p:ext uri="{BB962C8B-B14F-4D97-AF65-F5344CB8AC3E}">
-        <p14:creationId xmlns:p14="http://schemas.microsoft.com/office/powerpoint/2010/main" val="273974870"/>
+        <p14:creationId xmlns:p14="http://schemas.microsoft.com/office/powerpoint/2010/main" val="1394043056"/>
       </p:ext>
     </p:extLst>
   </p:cSld>
@@ -5209,24 +5219,29 @@
             <p:ph type="title"/>
           </p:nvPr>
         </p:nvSpPr>
-        <p:spPr/>
+        <p:spPr>
+          <a:xfrm>
+            <a:off x="838200" y="365126"/>
+            <a:ext cx="10515600" cy="768350"/>
+          </a:xfrm>
+        </p:spPr>
         <p:txBody>
           <a:bodyPr>
             <a:normAutofit/>
           </a:bodyPr>
           <a:lstStyle/>
           <a:p>
-            <a:pPr algn="ctr"/>
-            <a:r>
-              <a:rPr lang="fa-IR" sz="4400" u="sng" dirty="0" smtClean="0">
+            <a:pPr algn="ctr" rtl="1"/>
+            <a:r>
+              <a:rPr lang="fa-IR" sz="3600" u="sng" dirty="0" smtClean="0">
                 <a:solidFill>
                   <a:srgbClr val="C00000"/>
                 </a:solidFill>
                 <a:cs typeface="B Nazanin" panose="00000400000000000000" pitchFamily="2" charset="-78"/>
               </a:rPr>
-              <a:t>گام بعدی</a:t>
-            </a:r>
-            <a:endParaRPr lang="fa-IR" sz="4400" u="sng" dirty="0">
+              <a:t>ارتباط با نمايندگان كاربران (ادامه )</a:t>
+            </a:r>
+            <a:endParaRPr lang="en-US" sz="3600" u="sng" dirty="0">
               <a:solidFill>
                 <a:srgbClr val="C00000"/>
               </a:solidFill>
@@ -5245,87 +5260,83 @@
             <p:ph idx="1"/>
           </p:nvPr>
         </p:nvSpPr>
-        <p:spPr/>
-        <p:txBody>
-          <a:bodyPr/>
+        <p:spPr>
+          <a:xfrm>
+            <a:off x="838200" y="1276350"/>
+            <a:ext cx="10515600" cy="4900613"/>
+          </a:xfrm>
+        </p:spPr>
+        <p:txBody>
+          <a:bodyPr>
+            <a:normAutofit/>
+          </a:bodyPr>
           <a:lstStyle/>
           <a:p>
             <a:pPr algn="r" rtl="1">
               <a:buFont typeface="Wingdings" panose="05000000000000000000" pitchFamily="2" charset="2"/>
               <a:buChar char="§"/>
             </a:pPr>
-            <a:r>
-              <a:rPr lang="fa-IR" dirty="0" smtClean="0"/>
-              <a:t>کلاس های کاربری</a:t>
-            </a:r>
+            <a:endParaRPr lang="fa-IR" sz="2400" dirty="0" smtClean="0">
+              <a:cs typeface="B Nazanin" panose="00000400000000000000" pitchFamily="2" charset="-78"/>
+            </a:endParaRPr>
           </a:p>
           <a:p>
             <a:pPr algn="r" rtl="1">
               <a:buFont typeface="Wingdings" panose="05000000000000000000" pitchFamily="2" charset="2"/>
               <a:buChar char="§"/>
             </a:pPr>
-            <a:r>
-              <a:rPr lang="fa-IR" dirty="0" smtClean="0"/>
-              <a:t>شخصیت های کاربر</a:t>
-            </a:r>
+            <a:endParaRPr lang="fa-IR" sz="2400" dirty="0" smtClean="0">
+              <a:cs typeface="B Nazanin" panose="00000400000000000000" pitchFamily="2" charset="-78"/>
+            </a:endParaRPr>
           </a:p>
           <a:p>
             <a:pPr algn="r" rtl="1">
               <a:buFont typeface="Wingdings" panose="05000000000000000000" pitchFamily="2" charset="2"/>
               <a:buChar char="§"/>
             </a:pPr>
-            <a:r>
-              <a:rPr lang="fa-IR" dirty="0" smtClean="0"/>
-              <a:t>ارتباط با نمایندگان کاربران </a:t>
-            </a:r>
+            <a:endParaRPr lang="fa-IR" sz="2400" dirty="0" smtClean="0">
+              <a:cs typeface="B Nazanin" panose="00000400000000000000" pitchFamily="2" charset="-78"/>
+            </a:endParaRPr>
           </a:p>
           <a:p>
             <a:pPr algn="r" rtl="1">
               <a:buFont typeface="Wingdings" panose="05000000000000000000" pitchFamily="2" charset="2"/>
               <a:buChar char="§"/>
             </a:pPr>
-            <a:r>
-              <a:rPr lang="fa-IR" dirty="0" smtClean="0">
-                <a:solidFill>
-                  <a:schemeClr val="accent3">
-                    <a:lumMod val="75000"/>
-                  </a:schemeClr>
-                </a:solidFill>
-              </a:rPr>
-              <a:t>قهرمان محصول </a:t>
-            </a:r>
-          </a:p>
-          <a:p>
-            <a:pPr algn="r" rtl="1">
-              <a:buFont typeface="Wingdings" panose="05000000000000000000" pitchFamily="2" charset="2"/>
-              <a:buChar char="§"/>
-            </a:pPr>
-            <a:r>
-              <a:rPr lang="fa-IR" dirty="0"/>
-              <a:t>نمایندگی کاربر در پروژه های </a:t>
-            </a:r>
-            <a:r>
-              <a:rPr lang="fa-IR" dirty="0" smtClean="0"/>
-              <a:t>چابک</a:t>
-            </a:r>
-          </a:p>
-          <a:p>
-            <a:pPr algn="r" rtl="1">
-              <a:buFont typeface="Wingdings" panose="05000000000000000000" pitchFamily="2" charset="2"/>
-              <a:buChar char="§"/>
-            </a:pPr>
-            <a:r>
-              <a:rPr lang="fa-IR" dirty="0" smtClean="0"/>
-              <a:t>حل و فصل نیازمندی‌های متضاد </a:t>
-            </a:r>
-            <a:endParaRPr lang="fa-IR" dirty="0"/>
-          </a:p>
-        </p:txBody>
-      </p:sp>
+            <a:endParaRPr lang="en-US" sz="2400" dirty="0">
+              <a:cs typeface="B Nazanin" panose="00000400000000000000" pitchFamily="2" charset="-78"/>
+            </a:endParaRPr>
+          </a:p>
+        </p:txBody>
+      </p:sp>
+      <p:pic>
+        <p:nvPicPr>
+          <p:cNvPr id="4" name="Picture 3"/>
+          <p:cNvPicPr>
+            <a:picLocks noChangeAspect="1"/>
+          </p:cNvPicPr>
+          <p:nvPr/>
+        </p:nvPicPr>
+        <p:blipFill>
+          <a:blip r:embed="rId2"/>
+          <a:stretch>
+            <a:fillRect/>
+          </a:stretch>
+        </p:blipFill>
+        <p:spPr>
+          <a:xfrm>
+            <a:off x="1295400" y="1316553"/>
+            <a:ext cx="9705975" cy="5003284"/>
+          </a:xfrm>
+          <a:prstGeom prst="rect">
+            <a:avLst/>
+          </a:prstGeom>
+        </p:spPr>
+      </p:pic>
     </p:spTree>
     <p:extLst>
       <p:ext uri="{BB962C8B-B14F-4D97-AF65-F5344CB8AC3E}">
-        <p14:creationId xmlns:p14="http://schemas.microsoft.com/office/powerpoint/2010/main" val="937462786"/>
+        <p14:creationId xmlns:p14="http://schemas.microsoft.com/office/powerpoint/2010/main" val="273974870"/>
       </p:ext>
     </p:extLst>
   </p:cSld>
@@ -5369,29 +5380,24 @@
             <p:ph type="title"/>
           </p:nvPr>
         </p:nvSpPr>
-        <p:spPr>
-          <a:xfrm>
-            <a:off x="648229" y="352425"/>
-            <a:ext cx="10895541" cy="657225"/>
-          </a:xfrm>
-        </p:spPr>
+        <p:spPr/>
         <p:txBody>
           <a:bodyPr>
             <a:normAutofit/>
           </a:bodyPr>
           <a:lstStyle/>
           <a:p>
-            <a:pPr algn="ctr" rtl="1"/>
-            <a:r>
-              <a:rPr lang="fa-IR" sz="3600" u="sng" dirty="0" smtClean="0">
+            <a:pPr algn="ctr"/>
+            <a:r>
+              <a:rPr lang="fa-IR" sz="4400" u="sng" dirty="0" smtClean="0">
                 <a:solidFill>
                   <a:srgbClr val="C00000"/>
                 </a:solidFill>
                 <a:cs typeface="B Nazanin" panose="00000400000000000000" pitchFamily="2" charset="-78"/>
               </a:rPr>
-              <a:t>قهرمان محصول</a:t>
-            </a:r>
-            <a:endParaRPr lang="en-US" sz="3600" u="sng" dirty="0">
+              <a:t>گام بعدی</a:t>
+            </a:r>
+            <a:endParaRPr lang="fa-IR" sz="4400" u="sng" dirty="0">
               <a:solidFill>
                 <a:srgbClr val="C00000"/>
               </a:solidFill>
@@ -5410,168 +5416,87 @@
             <p:ph idx="1"/>
           </p:nvPr>
         </p:nvSpPr>
-        <p:spPr>
-          <a:xfrm>
-            <a:off x="838199" y="1169398"/>
-            <a:ext cx="10515600" cy="4929188"/>
-          </a:xfrm>
-        </p:spPr>
-        <p:txBody>
-          <a:bodyPr>
-            <a:normAutofit/>
-          </a:bodyPr>
-          <a:lstStyle/>
-          <a:p>
-            <a:pPr algn="r" rtl="1"/>
-            <a:endParaRPr lang="fa-IR" sz="2000" dirty="0" smtClean="0">
-              <a:cs typeface="B Nazanin" panose="00000400000000000000" pitchFamily="2" charset="-78"/>
-            </a:endParaRPr>
-          </a:p>
-          <a:p>
-            <a:pPr marL="0" indent="0" algn="r" rtl="1">
-              <a:buNone/>
+        <p:spPr/>
+        <p:txBody>
+          <a:bodyPr/>
+          <a:lstStyle/>
+          <a:p>
+            <a:pPr algn="r" rtl="1">
+              <a:buFont typeface="Wingdings" panose="05000000000000000000" pitchFamily="2" charset="2"/>
+              <a:buChar char="§"/>
+            </a:pPr>
+            <a:r>
+              <a:rPr lang="fa-IR" dirty="0" smtClean="0"/>
+              <a:t>کلاس های کاربری</a:t>
+            </a:r>
+          </a:p>
+          <a:p>
+            <a:pPr algn="r" rtl="1">
+              <a:buFont typeface="Wingdings" panose="05000000000000000000" pitchFamily="2" charset="2"/>
+              <a:buChar char="§"/>
+            </a:pPr>
+            <a:r>
+              <a:rPr lang="fa-IR" dirty="0" smtClean="0"/>
+              <a:t>شخصیت های کاربر</a:t>
+            </a:r>
+          </a:p>
+          <a:p>
+            <a:pPr algn="r" rtl="1">
+              <a:buFont typeface="Wingdings" panose="05000000000000000000" pitchFamily="2" charset="2"/>
+              <a:buChar char="§"/>
+            </a:pPr>
+            <a:r>
+              <a:rPr lang="fa-IR" dirty="0" smtClean="0"/>
+              <a:t>ارتباط با نمایندگان کاربران </a:t>
+            </a:r>
+          </a:p>
+          <a:p>
+            <a:pPr algn="r" rtl="1">
+              <a:buFont typeface="Wingdings" panose="05000000000000000000" pitchFamily="2" charset="2"/>
+              <a:buChar char="§"/>
             </a:pPr>
             <a:r>
               <a:rPr lang="fa-IR" dirty="0" smtClean="0">
                 <a:solidFill>
-                  <a:srgbClr val="C00000"/>
-                </a:solidFill>
-                <a:cs typeface="B Nazanin" panose="00000400000000000000" pitchFamily="2" charset="-78"/>
-              </a:rPr>
-              <a:t>     مقدمه</a:t>
-            </a:r>
-            <a:r>
-              <a:rPr lang="fa-IR" sz="2000" dirty="0" smtClean="0">
-                <a:cs typeface="B Nazanin" panose="00000400000000000000" pitchFamily="2" charset="-78"/>
-              </a:rPr>
-              <a:t> </a:t>
-            </a:r>
-            <a:endParaRPr lang="fa-IR" sz="2000" dirty="0">
-              <a:cs typeface="B Nazanin" panose="00000400000000000000" pitchFamily="2" charset="-78"/>
-            </a:endParaRPr>
-          </a:p>
-          <a:p>
-            <a:pPr algn="r" rtl="1"/>
-            <a:r>
-              <a:rPr lang="fa-IR" sz="2000" dirty="0" smtClean="0">
-                <a:cs typeface="B Nazanin" panose="00000400000000000000" pitchFamily="2" charset="-78"/>
-              </a:rPr>
-              <a:t>قهرمان </a:t>
-            </a:r>
-            <a:r>
-              <a:rPr lang="fa-IR" sz="2000" dirty="0" smtClean="0">
-                <a:cs typeface="B Nazanin" panose="00000400000000000000" pitchFamily="2" charset="-78"/>
-              </a:rPr>
-              <a:t>محصول به عنوان رابط اصلی بین کاربران یک کلاس کاربری و تحلیگر کسب و کار عمل میکند .</a:t>
-            </a:r>
-          </a:p>
-          <a:p>
-            <a:r>
-              <a:rPr lang="fa-IR" sz="2000" dirty="0" smtClean="0">
-                <a:cs typeface="B Nazanin" panose="00000400000000000000" pitchFamily="2" charset="-78"/>
-              </a:rPr>
-              <a:t>در حالت ایده آل قهرمان محصول یک کاربر واقعی است </a:t>
-            </a:r>
-            <a:r>
-              <a:rPr lang="fa-IR" sz="2000" dirty="0">
-                <a:cs typeface="B Nazanin" panose="00000400000000000000" pitchFamily="2" charset="-78"/>
-              </a:rPr>
-              <a:t>،</a:t>
-            </a:r>
-            <a:r>
-              <a:rPr lang="fa-IR" sz="2000" dirty="0" smtClean="0">
-                <a:cs typeface="B Nazanin" panose="00000400000000000000" pitchFamily="2" charset="-78"/>
-              </a:rPr>
-              <a:t> </a:t>
-            </a:r>
-            <a:r>
-              <a:rPr lang="fa-IR" sz="2000" dirty="0">
-                <a:cs typeface="B Nazanin" panose="00000400000000000000" pitchFamily="2" charset="-78"/>
-              </a:rPr>
-              <a:t>نه جانشیانی مانند حامیان مالی،کارکنان بازاریابی، مدیریت کاربران یا توسعه دهندگان نرم‌افزاری</a:t>
-            </a:r>
-            <a:r>
-              <a:rPr lang="fa-IR" sz="2000" dirty="0" smtClean="0">
-                <a:cs typeface="B Nazanin" panose="00000400000000000000" pitchFamily="2" charset="-78"/>
-              </a:rPr>
-              <a:t> که خود را به جای کاربران واقعی جای زده اند . </a:t>
-            </a:r>
-          </a:p>
-          <a:p>
-            <a:pPr algn="r" rtl="1"/>
-            <a:r>
-              <a:rPr lang="fa-IR" sz="2000" dirty="0" smtClean="0">
-                <a:cs typeface="B Nazanin" panose="00000400000000000000" pitchFamily="2" charset="-78"/>
-              </a:rPr>
-              <a:t>قهرمان محصول نیازمندی ها را از کاربران کلاس کاربری که نماینده آن هاست استخراج میکند .</a:t>
-            </a:r>
-          </a:p>
-          <a:p>
-            <a:pPr algn="r" rtl="1"/>
-            <a:r>
-              <a:rPr lang="fa-IR" sz="2000" dirty="0" smtClean="0">
-                <a:cs typeface="B Nazanin" panose="00000400000000000000" pitchFamily="2" charset="-78"/>
-              </a:rPr>
-              <a:t>قهرمان محصول تضادهای بین نیازمندیها را بر طرف می ‌کند و به تحلیلگر کسب و کار ارائه میدهد .</a:t>
-            </a:r>
-            <a:endParaRPr lang="en-US" sz="2000" dirty="0">
-              <a:cs typeface="B Nazanin" panose="00000400000000000000" pitchFamily="2" charset="-78"/>
-            </a:endParaRPr>
-          </a:p>
-        </p:txBody>
-      </p:sp>
-      <p:sp>
-        <p:nvSpPr>
-          <p:cNvPr id="4" name="Cube 3"/>
-          <p:cNvSpPr/>
-          <p:nvPr/>
-        </p:nvSpPr>
-        <p:spPr>
-          <a:xfrm>
-            <a:off x="10922859" y="1607912"/>
-            <a:ext cx="352425" cy="307975"/>
-          </a:xfrm>
-          <a:prstGeom prst="cube">
-            <a:avLst/>
-          </a:prstGeom>
-          <a:solidFill>
-            <a:srgbClr val="C00000"/>
-          </a:solidFill>
-          <a:ln>
-            <a:solidFill>
-              <a:srgbClr val="C00000"/>
-            </a:solidFill>
-          </a:ln>
-        </p:spPr>
-        <p:style>
-          <a:lnRef idx="2">
-            <a:schemeClr val="accent1">
-              <a:shade val="50000"/>
-            </a:schemeClr>
-          </a:lnRef>
-          <a:fillRef idx="1">
-            <a:schemeClr val="accent1"/>
-          </a:fillRef>
-          <a:effectRef idx="0">
-            <a:schemeClr val="accent1"/>
-          </a:effectRef>
-          <a:fontRef idx="minor">
-            <a:schemeClr val="lt1"/>
-          </a:fontRef>
-        </p:style>
-        <p:txBody>
-          <a:bodyPr rtlCol="1" anchor="ctr"/>
-          <a:lstStyle/>
-          <a:p>
-            <a:pPr algn="ctr"/>
-            <a:endParaRPr lang="fa-IR"/>
+                  <a:schemeClr val="accent3">
+                    <a:lumMod val="75000"/>
+                  </a:schemeClr>
+                </a:solidFill>
+              </a:rPr>
+              <a:t>قهرمان محصول </a:t>
+            </a:r>
+          </a:p>
+          <a:p>
+            <a:pPr algn="r" rtl="1">
+              <a:buFont typeface="Wingdings" panose="05000000000000000000" pitchFamily="2" charset="2"/>
+              <a:buChar char="§"/>
+            </a:pPr>
+            <a:r>
+              <a:rPr lang="fa-IR" dirty="0"/>
+              <a:t>نمایندگی کاربر در پروژه های </a:t>
+            </a:r>
+            <a:r>
+              <a:rPr lang="fa-IR" dirty="0" smtClean="0"/>
+              <a:t>چابک</a:t>
+            </a:r>
+          </a:p>
+          <a:p>
+            <a:pPr algn="r" rtl="1">
+              <a:buFont typeface="Wingdings" panose="05000000000000000000" pitchFamily="2" charset="2"/>
+              <a:buChar char="§"/>
+            </a:pPr>
+            <a:r>
+              <a:rPr lang="fa-IR" dirty="0" smtClean="0"/>
+              <a:t>حل و فصل نیازمندی‌های متضاد </a:t>
+            </a:r>
+            <a:endParaRPr lang="fa-IR" dirty="0"/>
           </a:p>
         </p:txBody>
       </p:sp>
     </p:spTree>
     <p:extLst>
       <p:ext uri="{BB962C8B-B14F-4D97-AF65-F5344CB8AC3E}">
-        <p14:creationId xmlns:p14="http://schemas.microsoft.com/office/powerpoint/2010/main" val="4180595628"/>
+        <p14:creationId xmlns:p14="http://schemas.microsoft.com/office/powerpoint/2010/main" val="937462786"/>
       </p:ext>
     </p:extLst>
   </p:cSld>
@@ -5777,25 +5702,27 @@
         </p:nvSpPr>
         <p:spPr>
           <a:xfrm>
-            <a:off x="677333" y="647700"/>
-            <a:ext cx="10857441" cy="762000"/>
-          </a:xfrm>
-        </p:spPr>
-        <p:txBody>
-          <a:bodyPr/>
+            <a:off x="648229" y="352425"/>
+            <a:ext cx="10895541" cy="657225"/>
+          </a:xfrm>
+        </p:spPr>
+        <p:txBody>
+          <a:bodyPr>
+            <a:normAutofit/>
+          </a:bodyPr>
           <a:lstStyle/>
           <a:p>
             <a:pPr algn="ctr" rtl="1"/>
             <a:r>
-              <a:rPr lang="fa-IR" u="sng" dirty="0" smtClean="0">
+              <a:rPr lang="fa-IR" sz="3600" u="sng" dirty="0" smtClean="0">
                 <a:solidFill>
                   <a:srgbClr val="C00000"/>
                 </a:solidFill>
                 <a:cs typeface="B Nazanin" panose="00000400000000000000" pitchFamily="2" charset="-78"/>
               </a:rPr>
-              <a:t>قهرمان محصول(ادامه )</a:t>
-            </a:r>
-            <a:endParaRPr lang="en-US" u="sng" dirty="0">
+              <a:t>قهرمان محصول</a:t>
+            </a:r>
+            <a:endParaRPr lang="en-US" sz="3600" u="sng" dirty="0">
               <a:solidFill>
                 <a:srgbClr val="C00000"/>
               </a:solidFill>
@@ -5814,113 +5741,125 @@
             <p:ph idx="1"/>
           </p:nvPr>
         </p:nvSpPr>
-        <p:spPr/>
-        <p:txBody>
-          <a:bodyPr/>
-          <a:lstStyle/>
-          <a:p>
-            <a:pPr marL="0" indent="0" algn="r" rtl="1">
-              <a:buNone/>
-            </a:pPr>
-            <a:r>
-              <a:rPr lang="fa-IR" sz="2000" dirty="0" smtClean="0">
-                <a:solidFill>
-                  <a:srgbClr val="C00000"/>
-                </a:solidFill>
-                <a:cs typeface="B Nazanin" panose="00000400000000000000" pitchFamily="2" charset="-78"/>
-              </a:rPr>
-              <a:t>      ویژگی های قهرمان محصول </a:t>
-            </a:r>
-          </a:p>
-          <a:p>
-            <a:pPr algn="r" rtl="1">
-              <a:buFont typeface="Wingdings" panose="05000000000000000000" pitchFamily="2" charset="2"/>
-              <a:buChar char="§"/>
-            </a:pPr>
-            <a:r>
-              <a:rPr lang="fa-IR" sz="2000" dirty="0" smtClean="0">
-                <a:cs typeface="B Nazanin" panose="00000400000000000000" pitchFamily="2" charset="-78"/>
-              </a:rPr>
-              <a:t>بهترین قهرمان محصول کسی است که دیدگاه روشنی نسبت به سیستم جدید دارد .  </a:t>
-            </a:r>
-          </a:p>
-          <a:p>
-            <a:pPr algn="r" rtl="1">
-              <a:buFont typeface="Wingdings" panose="05000000000000000000" pitchFamily="2" charset="2"/>
-              <a:buChar char="§"/>
-            </a:pPr>
-            <a:r>
-              <a:rPr lang="fa-IR" sz="2000" dirty="0" smtClean="0">
-                <a:cs typeface="B Nazanin" panose="00000400000000000000" pitchFamily="2" charset="-78"/>
-              </a:rPr>
-              <a:t>باید ارتباط دهنده های موثری باشند که مورد احترام همتایان خود باشند . </a:t>
-            </a:r>
-          </a:p>
-          <a:p>
-            <a:pPr algn="r" rtl="1">
-              <a:buFont typeface="Wingdings" panose="05000000000000000000" pitchFamily="2" charset="2"/>
-              <a:buChar char="§"/>
-            </a:pPr>
-            <a:r>
-              <a:rPr lang="fa-IR" sz="2000" dirty="0" smtClean="0">
-                <a:cs typeface="B Nazanin" panose="00000400000000000000" pitchFamily="2" charset="-78"/>
-              </a:rPr>
-              <a:t>آنها باید درک کاملی از حوزه برنامه و محیط عملیاتی داشته باشند  . </a:t>
-            </a:r>
-          </a:p>
-          <a:p>
-            <a:pPr algn="r" rtl="1">
-              <a:buFont typeface="Wingdings" panose="05000000000000000000" pitchFamily="2" charset="2"/>
-              <a:buChar char="§"/>
-            </a:pPr>
-            <a:r>
-              <a:rPr lang="fa-IR" sz="2000" dirty="0" smtClean="0">
-                <a:cs typeface="B Nazanin" panose="00000400000000000000" pitchFamily="2" charset="-78"/>
-              </a:rPr>
-              <a:t>قهرمان محصول ایده‌‌‌‌‌‌‌‌‌‌‌‌‌‌‌‌‌‌‌‌‌‌‌‌‌‌‌‌‌‌‌‌‌آل پیشنهادهای دیگری برای ایفای این نقش توسط دیگران دارد پس باید دلیل متقاعد کننده ای برای مشارکتش ارائه شود . </a:t>
-            </a:r>
-          </a:p>
-          <a:p>
-            <a:pPr algn="r" rtl="1">
-              <a:buFont typeface="Wingdings" panose="05000000000000000000" pitchFamily="2" charset="2"/>
-              <a:buChar char="§"/>
-            </a:pPr>
-            <a:r>
-              <a:rPr lang="fa-IR" sz="2000" dirty="0" smtClean="0">
-                <a:cs typeface="B Nazanin" panose="00000400000000000000" pitchFamily="2" charset="-78"/>
-              </a:rPr>
-              <a:t>قهرمان محصول خوب باعث ایجاد تفاوت بسیاری در یک پروژه می‌شود پس باید جایزه و قدردانی از او گردد. </a:t>
-            </a:r>
-          </a:p>
-          <a:p>
-            <a:pPr algn="r" rtl="1">
-              <a:buFont typeface="Wingdings" panose="05000000000000000000" pitchFamily="2" charset="2"/>
-              <a:buChar char="§"/>
-            </a:pPr>
-            <a:endParaRPr lang="fa-IR" dirty="0" smtClean="0">
+        <p:spPr>
+          <a:xfrm>
+            <a:off x="838199" y="1169398"/>
+            <a:ext cx="10515600" cy="4929188"/>
+          </a:xfrm>
+        </p:spPr>
+        <p:txBody>
+          <a:bodyPr>
+            <a:normAutofit/>
+          </a:bodyPr>
+          <a:lstStyle/>
+          <a:p>
+            <a:pPr algn="r" rtl="1"/>
+            <a:endParaRPr lang="fa-IR" sz="2000" dirty="0" smtClean="0">
               <a:cs typeface="B Nazanin" panose="00000400000000000000" pitchFamily="2" charset="-78"/>
             </a:endParaRPr>
           </a:p>
           <a:p>
-            <a:pPr algn="r" rtl="1">
-              <a:buFont typeface="Wingdings" panose="05000000000000000000" pitchFamily="2" charset="2"/>
-              <a:buChar char="§"/>
-            </a:pPr>
-            <a:endParaRPr lang="en-US" dirty="0">
+            <a:pPr marL="0" indent="0" algn="r" rtl="1">
+              <a:buNone/>
+            </a:pPr>
+            <a:r>
+              <a:rPr lang="fa-IR" dirty="0" smtClean="0">
+                <a:solidFill>
+                  <a:srgbClr val="C00000"/>
+                </a:solidFill>
+                <a:cs typeface="B Nazanin" panose="00000400000000000000" pitchFamily="2" charset="-78"/>
+              </a:rPr>
+              <a:t>     مقدمه</a:t>
+            </a:r>
+            <a:r>
+              <a:rPr lang="fa-IR" sz="2000" dirty="0" smtClean="0">
+                <a:cs typeface="B Nazanin" panose="00000400000000000000" pitchFamily="2" charset="-78"/>
+              </a:rPr>
+              <a:t> </a:t>
+            </a:r>
+            <a:endParaRPr lang="fa-IR" sz="2000" dirty="0">
               <a:cs typeface="B Nazanin" panose="00000400000000000000" pitchFamily="2" charset="-78"/>
             </a:endParaRPr>
           </a:p>
-        </p:txBody>
-      </p:sp>
-      <p:sp>
-        <p:nvSpPr>
-          <p:cNvPr id="5" name="Cube 4"/>
+          <a:p>
+            <a:pPr algn="r" rtl="1"/>
+            <a:r>
+              <a:rPr lang="fa-IR" sz="2000" dirty="0" smtClean="0">
+                <a:cs typeface="B Nazanin" panose="00000400000000000000" pitchFamily="2" charset="-78"/>
+              </a:rPr>
+              <a:t>قهرمان </a:t>
+            </a:r>
+            <a:r>
+              <a:rPr lang="fa-IR" sz="2000" dirty="0" smtClean="0">
+                <a:cs typeface="B Nazanin" panose="00000400000000000000" pitchFamily="2" charset="-78"/>
+              </a:rPr>
+              <a:t>محصول به عنوان رابط اصلی بین کاربران یک کلاس کاربری و تحلیگر کسب و کار عمل میکند .</a:t>
+            </a:r>
+          </a:p>
+          <a:p>
+            <a:r>
+              <a:rPr lang="fa-IR" sz="2000" dirty="0" smtClean="0">
+                <a:cs typeface="B Nazanin" panose="00000400000000000000" pitchFamily="2" charset="-78"/>
+              </a:rPr>
+              <a:t>در حالت ایده آل قهرمان محصول یک کاربر واقعی است </a:t>
+            </a:r>
+            <a:r>
+              <a:rPr lang="fa-IR" sz="2000" dirty="0">
+                <a:cs typeface="B Nazanin" panose="00000400000000000000" pitchFamily="2" charset="-78"/>
+              </a:rPr>
+              <a:t>،</a:t>
+            </a:r>
+            <a:r>
+              <a:rPr lang="fa-IR" sz="2000" dirty="0" smtClean="0">
+                <a:cs typeface="B Nazanin" panose="00000400000000000000" pitchFamily="2" charset="-78"/>
+              </a:rPr>
+              <a:t> </a:t>
+            </a:r>
+            <a:r>
+              <a:rPr lang="fa-IR" sz="2000" dirty="0">
+                <a:cs typeface="B Nazanin" panose="00000400000000000000" pitchFamily="2" charset="-78"/>
+              </a:rPr>
+              <a:t>نه جانشیانی مانند حامیان مالی،کارکنان بازاریابی، مدیریت کاربران یا توسعه دهندگان نرم‌افزاری</a:t>
+            </a:r>
+            <a:r>
+              <a:rPr lang="fa-IR" sz="2000" dirty="0" smtClean="0">
+                <a:cs typeface="B Nazanin" panose="00000400000000000000" pitchFamily="2" charset="-78"/>
+              </a:rPr>
+              <a:t> که خود را به جای کاربران واقعی جای زده اند . </a:t>
+            </a:r>
+          </a:p>
+          <a:p>
+            <a:pPr algn="r" rtl="1"/>
+            <a:r>
+              <a:rPr lang="fa-IR" sz="2000" dirty="0" smtClean="0">
+                <a:cs typeface="B Nazanin" panose="00000400000000000000" pitchFamily="2" charset="-78"/>
+              </a:rPr>
+              <a:t>قهرمان محصول نیازمندی ها را از کاربران کلاس کاربری که نماینده آن هاست استخراج میکند .</a:t>
+            </a:r>
+          </a:p>
+          <a:p>
+            <a:pPr algn="r" rtl="1"/>
+            <a:r>
+              <a:rPr lang="fa-IR" sz="2000" dirty="0" smtClean="0">
+                <a:cs typeface="B Nazanin" panose="00000400000000000000" pitchFamily="2" charset="-78"/>
+              </a:rPr>
+              <a:t>قهرمان محصول تضادهای بین نیازمندیها را بر طرف می ‌کند و به تحلیلگر کسب و کار ارائه میدهد .</a:t>
+            </a:r>
+            <a:endParaRPr lang="en-US" sz="2000" dirty="0">
+              <a:cs typeface="B Nazanin" panose="00000400000000000000" pitchFamily="2" charset="-78"/>
+            </a:endParaRPr>
+          </a:p>
+        </p:txBody>
+      </p:sp>
+      <p:sp>
+        <p:nvSpPr>
+          <p:cNvPr id="4" name="Cube 3"/>
           <p:cNvSpPr/>
           <p:nvPr/>
         </p:nvSpPr>
         <p:spPr>
           <a:xfrm>
-            <a:off x="11001374" y="1825625"/>
+            <a:off x="10922859" y="1607912"/>
             <a:ext cx="352425" cy="307975"/>
           </a:xfrm>
           <a:prstGeom prst="cube">
@@ -5963,7 +5902,7 @@
     </p:spTree>
     <p:extLst>
       <p:ext uri="{BB962C8B-B14F-4D97-AF65-F5344CB8AC3E}">
-        <p14:creationId xmlns:p14="http://schemas.microsoft.com/office/powerpoint/2010/main" val="2835657515"/>
+        <p14:creationId xmlns:p14="http://schemas.microsoft.com/office/powerpoint/2010/main" val="4180595628"/>
       </p:ext>
     </p:extLst>
   </p:cSld>
@@ -6009,25 +5948,25 @@
         </p:nvSpPr>
         <p:spPr>
           <a:xfrm>
-            <a:off x="838200" y="365125"/>
-            <a:ext cx="10515600" cy="796925"/>
+            <a:off x="677333" y="647700"/>
+            <a:ext cx="10857441" cy="762000"/>
           </a:xfrm>
         </p:spPr>
         <p:txBody>
           <a:bodyPr/>
           <a:lstStyle/>
           <a:p>
-            <a:pPr algn="ctr"/>
-            <a:r>
-              <a:rPr lang="fa-IR" dirty="0" smtClean="0">
+            <a:pPr algn="ctr" rtl="1"/>
+            <a:r>
+              <a:rPr lang="fa-IR" u="sng" dirty="0" smtClean="0">
                 <a:solidFill>
                   <a:srgbClr val="C00000"/>
                 </a:solidFill>
                 <a:cs typeface="B Nazanin" panose="00000400000000000000" pitchFamily="2" charset="-78"/>
               </a:rPr>
-              <a:t>قهرمان محصول (ادامه)</a:t>
-            </a:r>
-            <a:endParaRPr lang="en-US" dirty="0">
+              <a:t>قهرمان محصول(ادامه )</a:t>
+            </a:r>
+            <a:endParaRPr lang="en-US" u="sng" dirty="0">
               <a:solidFill>
                 <a:srgbClr val="C00000"/>
               </a:solidFill>
@@ -6048,22 +5987,20 @@
         </p:nvSpPr>
         <p:spPr/>
         <p:txBody>
-          <a:bodyPr>
-            <a:normAutofit/>
-          </a:bodyPr>
+          <a:bodyPr/>
           <a:lstStyle/>
           <a:p>
             <a:pPr marL="0" indent="0" algn="r" rtl="1">
               <a:buNone/>
             </a:pPr>
             <a:r>
-              <a:rPr lang="fa-IR" sz="2400" dirty="0" smtClean="0">
+              <a:rPr lang="fa-IR" sz="2000" dirty="0" smtClean="0">
                 <a:solidFill>
                   <a:srgbClr val="C00000"/>
                 </a:solidFill>
                 <a:cs typeface="B Nazanin" panose="00000400000000000000" pitchFamily="2" charset="-78"/>
               </a:rPr>
-              <a:t>    بهترین عملکرد قهرمان محصول </a:t>
+              <a:t>      ویژگی های قهرمان محصول </a:t>
             </a:r>
           </a:p>
           <a:p>
@@ -6075,16 +6012,7 @@
               <a:rPr lang="fa-IR" sz="2000" dirty="0" smtClean="0">
                 <a:cs typeface="B Nazanin" panose="00000400000000000000" pitchFamily="2" charset="-78"/>
               </a:rPr>
-              <a:t>اگر</a:t>
-            </a:r>
-            <a:r>
-              <a:rPr lang="fa-IR" sz="2000" dirty="0" smtClean="0">
-                <a:solidFill>
-                  <a:schemeClr val="tx1"/>
-                </a:solidFill>
-                <a:cs typeface="B Nazanin" panose="00000400000000000000" pitchFamily="2" charset="-78"/>
-              </a:rPr>
-              <a:t>قهرمان محصول اختیار کامل داشته باشد که از طرف کلاس کاربری که نماینده آن است تصمیمات سازنده اتخاذ کند .</a:t>
+              <a:t>بهترین قهرمان محصول کسی است که دیدگاه روشنی نسبت به سیستم جدید دارد .  </a:t>
             </a:r>
           </a:p>
           <a:p>
@@ -6096,14 +6024,8 @@
               <a:rPr lang="fa-IR" sz="2000" dirty="0" smtClean="0">
                 <a:cs typeface="B Nazanin" panose="00000400000000000000" pitchFamily="2" charset="-78"/>
               </a:rPr>
-              <a:t>اگر تصمیمات یک قهرمان محصول به طور مداوم توسط دیگران نادیده نگرفته شود . </a:t>
-            </a:r>
-            <a:endParaRPr lang="fa-IR" sz="2000" dirty="0" smtClean="0">
-              <a:solidFill>
-                <a:schemeClr val="tx1"/>
-              </a:solidFill>
-              <a:cs typeface="B Nazanin" panose="00000400000000000000" pitchFamily="2" charset="-78"/>
-            </a:endParaRPr>
+              <a:t>باید ارتباط دهنده های موثری باشند که مورد احترام همتایان خود باشند . </a:t>
+            </a:r>
           </a:p>
           <a:p>
             <a:pPr algn="r" rtl="1">
@@ -6112,12 +6034,9 @@
             </a:pPr>
             <a:r>
               <a:rPr lang="fa-IR" sz="2000" dirty="0" smtClean="0">
-                <a:solidFill>
-                  <a:schemeClr val="tx1"/>
-                </a:solidFill>
-                <a:cs typeface="B Nazanin" panose="00000400000000000000" pitchFamily="2" charset="-78"/>
-              </a:rPr>
-              <a:t>اگر تعامالات قهرمان محصول با همتایان خود به اندازه کافی باشد . </a:t>
+                <a:cs typeface="B Nazanin" panose="00000400000000000000" pitchFamily="2" charset="-78"/>
+              </a:rPr>
+              <a:t>آنها باید درک کاملی از حوزه برنامه و محیط عملیاتی داشته باشند  . </a:t>
             </a:r>
           </a:p>
           <a:p>
@@ -6127,49 +6046,9 @@
             </a:pPr>
             <a:r>
               <a:rPr lang="fa-IR" sz="2000" dirty="0" smtClean="0">
-                <a:solidFill>
-                  <a:schemeClr val="tx1"/>
-                </a:solidFill>
-                <a:cs typeface="B Nazanin" panose="00000400000000000000" pitchFamily="2" charset="-78"/>
-              </a:rPr>
-              <a:t>اگر قهرمان محصول فقط و فقط خواسته های خود را ارائه ندهد .</a:t>
-            </a:r>
-          </a:p>
-          <a:p>
-            <a:pPr marL="0" indent="0" algn="r" rtl="1">
-              <a:buNone/>
-            </a:pPr>
-            <a:r>
-              <a:rPr lang="fa-IR" sz="2000" dirty="0" smtClean="0">
-                <a:solidFill>
-                  <a:schemeClr val="tx1"/>
-                </a:solidFill>
-                <a:cs typeface="B Nazanin" panose="00000400000000000000" pitchFamily="2" charset="-78"/>
-              </a:rPr>
-              <a:t> </a:t>
-            </a:r>
-          </a:p>
-          <a:p>
-            <a:pPr marL="0" indent="0" algn="r" rtl="1">
-              <a:buNone/>
-            </a:pPr>
-            <a:r>
-              <a:rPr lang="fa-IR" sz="2000" dirty="0" smtClean="0">
-                <a:solidFill>
-                  <a:schemeClr val="tx1"/>
-                </a:solidFill>
-                <a:cs typeface="B Nazanin" panose="00000400000000000000" pitchFamily="2" charset="-78"/>
-              </a:rPr>
-              <a:t>                        در </a:t>
-            </a:r>
-            <a:r>
-              <a:rPr lang="fa-IR" sz="2000" dirty="0">
-                <a:solidFill>
-                  <a:schemeClr val="tx1"/>
-                </a:solidFill>
-                <a:cs typeface="B Nazanin" panose="00000400000000000000" pitchFamily="2" charset="-78"/>
-              </a:rPr>
-              <a:t>اینصورت رویکرد قهرمان محصول بهترین کارکرد را دارد . </a:t>
+                <a:cs typeface="B Nazanin" panose="00000400000000000000" pitchFamily="2" charset="-78"/>
+              </a:rPr>
+              <a:t>قهرمان محصول ایده‌‌‌‌‌‌‌‌‌‌‌‌‌‌‌‌‌‌‌‌‌‌‌‌‌‌‌‌‌‌‌‌‌آل پیشنهادهای دیگری برای ایفای این نقش توسط دیگران دارد پس باید دلیل متقاعد کننده ای برای مشارکتش ارائه شود . </a:t>
             </a:r>
           </a:p>
           <a:p>
@@ -6177,22 +6056,19 @@
               <a:buFont typeface="Wingdings" panose="05000000000000000000" pitchFamily="2" charset="2"/>
               <a:buChar char="§"/>
             </a:pPr>
-            <a:endParaRPr lang="fa-IR" sz="2000" dirty="0" smtClean="0">
-              <a:solidFill>
-                <a:schemeClr val="tx1"/>
-              </a:solidFill>
-              <a:cs typeface="B Nazanin" panose="00000400000000000000" pitchFamily="2" charset="-78"/>
-            </a:endParaRPr>
+            <a:r>
+              <a:rPr lang="fa-IR" sz="2000" dirty="0" smtClean="0">
+                <a:cs typeface="B Nazanin" panose="00000400000000000000" pitchFamily="2" charset="-78"/>
+              </a:rPr>
+              <a:t>قهرمان محصول خوب باعث ایجاد تفاوت بسیاری در یک پروژه می‌شود پس باید جایزه و قدردانی از او گردد. </a:t>
+            </a:r>
           </a:p>
           <a:p>
             <a:pPr algn="r" rtl="1">
               <a:buFont typeface="Wingdings" panose="05000000000000000000" pitchFamily="2" charset="2"/>
               <a:buChar char="§"/>
             </a:pPr>
-            <a:endParaRPr lang="fa-IR" sz="2000" dirty="0">
-              <a:solidFill>
-                <a:schemeClr val="tx1"/>
-              </a:solidFill>
+            <a:endParaRPr lang="fa-IR" dirty="0" smtClean="0">
               <a:cs typeface="B Nazanin" panose="00000400000000000000" pitchFamily="2" charset="-78"/>
             </a:endParaRPr>
           </a:p>
@@ -6201,49 +6077,22 @@
               <a:buFont typeface="Wingdings" panose="05000000000000000000" pitchFamily="2" charset="2"/>
               <a:buChar char="§"/>
             </a:pPr>
-            <a:endParaRPr lang="fa-IR" sz="2000" dirty="0" smtClean="0">
-              <a:solidFill>
-                <a:schemeClr val="tx1"/>
-              </a:solidFill>
+            <a:endParaRPr lang="en-US" dirty="0">
               <a:cs typeface="B Nazanin" panose="00000400000000000000" pitchFamily="2" charset="-78"/>
             </a:endParaRPr>
           </a:p>
-          <a:p>
-            <a:pPr algn="r" rtl="1">
-              <a:buFont typeface="Wingdings" panose="05000000000000000000" pitchFamily="2" charset="2"/>
-              <a:buChar char="§"/>
-            </a:pPr>
-            <a:endParaRPr lang="fa-IR" sz="2000" dirty="0" smtClean="0">
-              <a:solidFill>
-                <a:schemeClr val="tx1"/>
-              </a:solidFill>
-              <a:cs typeface="B Nazanin" panose="00000400000000000000" pitchFamily="2" charset="-78"/>
-            </a:endParaRPr>
-          </a:p>
-          <a:p>
-            <a:pPr algn="r" rtl="1">
-              <a:buFont typeface="Wingdings" panose="05000000000000000000" pitchFamily="2" charset="2"/>
-              <a:buChar char="§"/>
-            </a:pPr>
-            <a:endParaRPr lang="en-US" sz="2000" dirty="0">
-              <a:solidFill>
-                <a:srgbClr val="C00000"/>
-              </a:solidFill>
-              <a:cs typeface="B Nazanin" panose="00000400000000000000" pitchFamily="2" charset="-78"/>
-            </a:endParaRPr>
-          </a:p>
-        </p:txBody>
-      </p:sp>
-      <p:sp>
-        <p:nvSpPr>
-          <p:cNvPr id="4" name="Cube 3"/>
+        </p:txBody>
+      </p:sp>
+      <p:sp>
+        <p:nvSpPr>
+          <p:cNvPr id="5" name="Cube 4"/>
           <p:cNvSpPr/>
           <p:nvPr/>
         </p:nvSpPr>
         <p:spPr>
           <a:xfrm>
-            <a:off x="11068050" y="1933182"/>
-            <a:ext cx="285750" cy="238125"/>
+            <a:off x="11001374" y="1825625"/>
+            <a:ext cx="352425" cy="307975"/>
           </a:xfrm>
           <a:prstGeom prst="cube">
             <a:avLst/>
@@ -6282,58 +6131,10 @@
           </a:p>
         </p:txBody>
       </p:sp>
-      <p:sp>
-        <p:nvSpPr>
-          <p:cNvPr id="7" name="Left Arrow 6"/>
-          <p:cNvSpPr/>
-          <p:nvPr/>
-        </p:nvSpPr>
-        <p:spPr>
-          <a:xfrm>
-            <a:off x="9902073" y="4298622"/>
-            <a:ext cx="1451727" cy="329938"/>
-          </a:xfrm>
-          <a:prstGeom prst="leftArrow">
-            <a:avLst/>
-          </a:prstGeom>
-          <a:solidFill>
-            <a:srgbClr val="C00000"/>
-          </a:solidFill>
-          <a:ln>
-            <a:solidFill>
-              <a:srgbClr val="C00000"/>
-            </a:solidFill>
-          </a:ln>
-        </p:spPr>
-        <p:style>
-          <a:lnRef idx="2">
-            <a:schemeClr val="accent1">
-              <a:shade val="50000"/>
-            </a:schemeClr>
-          </a:lnRef>
-          <a:fillRef idx="1">
-            <a:schemeClr val="accent1"/>
-          </a:fillRef>
-          <a:effectRef idx="0">
-            <a:schemeClr val="accent1"/>
-          </a:effectRef>
-          <a:fontRef idx="minor">
-            <a:schemeClr val="lt1"/>
-          </a:fontRef>
-        </p:style>
-        <p:txBody>
-          <a:bodyPr rtlCol="1" anchor="ctr"/>
-          <a:lstStyle/>
-          <a:p>
-            <a:pPr algn="ctr"/>
-            <a:endParaRPr lang="fa-IR"/>
-          </a:p>
-        </p:txBody>
-      </p:sp>
     </p:spTree>
     <p:extLst>
       <p:ext uri="{BB962C8B-B14F-4D97-AF65-F5344CB8AC3E}">
-        <p14:creationId xmlns:p14="http://schemas.microsoft.com/office/powerpoint/2010/main" val="4059136810"/>
+        <p14:creationId xmlns:p14="http://schemas.microsoft.com/office/powerpoint/2010/main" val="2835657515"/>
       </p:ext>
     </p:extLst>
   </p:cSld>
@@ -6379,27 +6180,25 @@
         </p:nvSpPr>
         <p:spPr>
           <a:xfrm>
-            <a:off x="838200" y="365126"/>
-            <a:ext cx="10515600" cy="844550"/>
-          </a:xfrm>
-        </p:spPr>
-        <p:txBody>
-          <a:bodyPr>
-            <a:normAutofit/>
-          </a:bodyPr>
+            <a:off x="838200" y="365125"/>
+            <a:ext cx="10515600" cy="796925"/>
+          </a:xfrm>
+        </p:spPr>
+        <p:txBody>
+          <a:bodyPr/>
           <a:lstStyle/>
           <a:p>
             <a:pPr algn="ctr"/>
             <a:r>
-              <a:rPr lang="fa-IR" sz="4000" u="sng" dirty="0" smtClean="0">
+              <a:rPr lang="fa-IR" dirty="0" smtClean="0">
                 <a:solidFill>
                   <a:srgbClr val="C00000"/>
                 </a:solidFill>
                 <a:cs typeface="B Nazanin" panose="00000400000000000000" pitchFamily="2" charset="-78"/>
               </a:rPr>
-              <a:t>قهرمان محصول خارجی</a:t>
-            </a:r>
-            <a:endParaRPr lang="en-US" sz="4000" u="sng" dirty="0">
+              <a:t>قهرمان محصول (ادامه)</a:t>
+            </a:r>
+            <a:endParaRPr lang="en-US" dirty="0">
               <a:solidFill>
                 <a:srgbClr val="C00000"/>
               </a:solidFill>
@@ -6418,12 +6217,7 @@
             <p:ph idx="1"/>
           </p:nvPr>
         </p:nvSpPr>
-        <p:spPr>
-          <a:xfrm>
-            <a:off x="867833" y="1209676"/>
-            <a:ext cx="10981659" cy="5125136"/>
-          </a:xfrm>
-        </p:spPr>
+        <p:spPr/>
         <p:txBody>
           <a:bodyPr>
             <a:normAutofit/>
@@ -6434,220 +6228,205 @@
               <a:buNone/>
             </a:pPr>
             <a:r>
+              <a:rPr lang="fa-IR" sz="2400" dirty="0" smtClean="0">
+                <a:solidFill>
+                  <a:srgbClr val="C00000"/>
+                </a:solidFill>
+                <a:cs typeface="B Nazanin" panose="00000400000000000000" pitchFamily="2" charset="-78"/>
+              </a:rPr>
+              <a:t>    بهترین عملکرد قهرمان محصول </a:t>
+            </a:r>
+          </a:p>
+          <a:p>
+            <a:pPr algn="r" rtl="1">
+              <a:buFont typeface="Wingdings" panose="05000000000000000000" pitchFamily="2" charset="2"/>
+              <a:buChar char="§"/>
+            </a:pPr>
+            <a:r>
+              <a:rPr lang="fa-IR" sz="2000" dirty="0" smtClean="0">
+                <a:cs typeface="B Nazanin" panose="00000400000000000000" pitchFamily="2" charset="-78"/>
+              </a:rPr>
+              <a:t>اگر</a:t>
+            </a:r>
+            <a:r>
+              <a:rPr lang="fa-IR" sz="2000" dirty="0" smtClean="0">
+                <a:solidFill>
+                  <a:schemeClr val="tx1"/>
+                </a:solidFill>
+                <a:cs typeface="B Nazanin" panose="00000400000000000000" pitchFamily="2" charset="-78"/>
+              </a:rPr>
+              <a:t>قهرمان محصول اختیار کامل داشته باشد که از طرف کلاس کاربری که نماینده آن است تصمیمات سازنده اتخاذ کند .</a:t>
+            </a:r>
+          </a:p>
+          <a:p>
+            <a:pPr algn="r" rtl="1">
+              <a:buFont typeface="Wingdings" panose="05000000000000000000" pitchFamily="2" charset="2"/>
+              <a:buChar char="§"/>
+            </a:pPr>
+            <a:r>
+              <a:rPr lang="fa-IR" sz="2000" dirty="0" smtClean="0">
+                <a:cs typeface="B Nazanin" panose="00000400000000000000" pitchFamily="2" charset="-78"/>
+              </a:rPr>
+              <a:t>اگر تصمیمات یک قهرمان محصول به طور مداوم توسط دیگران نادیده نگرفته شود . </a:t>
+            </a:r>
+            <a:endParaRPr lang="fa-IR" sz="2000" dirty="0" smtClean="0">
+              <a:solidFill>
+                <a:schemeClr val="tx1"/>
+              </a:solidFill>
+              <a:cs typeface="B Nazanin" panose="00000400000000000000" pitchFamily="2" charset="-78"/>
+            </a:endParaRPr>
+          </a:p>
+          <a:p>
+            <a:pPr algn="r" rtl="1">
+              <a:buFont typeface="Wingdings" panose="05000000000000000000" pitchFamily="2" charset="2"/>
+              <a:buChar char="§"/>
+            </a:pPr>
+            <a:r>
+              <a:rPr lang="fa-IR" sz="2000" dirty="0" smtClean="0">
+                <a:solidFill>
+                  <a:schemeClr val="tx1"/>
+                </a:solidFill>
+                <a:cs typeface="B Nazanin" panose="00000400000000000000" pitchFamily="2" charset="-78"/>
+              </a:rPr>
+              <a:t>اگر تعامالات قهرمان محصول با همتایان خود به اندازه کافی باشد . </a:t>
+            </a:r>
+          </a:p>
+          <a:p>
+            <a:pPr algn="r" rtl="1">
+              <a:buFont typeface="Wingdings" panose="05000000000000000000" pitchFamily="2" charset="2"/>
+              <a:buChar char="§"/>
+            </a:pPr>
+            <a:r>
+              <a:rPr lang="fa-IR" sz="2000" dirty="0" smtClean="0">
+                <a:solidFill>
+                  <a:schemeClr val="tx1"/>
+                </a:solidFill>
+                <a:cs typeface="B Nazanin" panose="00000400000000000000" pitchFamily="2" charset="-78"/>
+              </a:rPr>
+              <a:t>اگر قهرمان محصول فقط و فقط خواسته های خود را ارائه ندهد .</a:t>
+            </a:r>
+          </a:p>
+          <a:p>
+            <a:pPr marL="0" indent="0" algn="r" rtl="1">
+              <a:buNone/>
+            </a:pPr>
+            <a:r>
+              <a:rPr lang="fa-IR" sz="2000" dirty="0" smtClean="0">
+                <a:solidFill>
+                  <a:schemeClr val="tx1"/>
+                </a:solidFill>
+                <a:cs typeface="B Nazanin" panose="00000400000000000000" pitchFamily="2" charset="-78"/>
+              </a:rPr>
+              <a:t> </a:t>
+            </a:r>
+          </a:p>
+          <a:p>
+            <a:pPr marL="0" indent="0" algn="r" rtl="1">
+              <a:buNone/>
+            </a:pPr>
+            <a:r>
+              <a:rPr lang="fa-IR" sz="2000" dirty="0" smtClean="0">
+                <a:solidFill>
+                  <a:schemeClr val="tx1"/>
+                </a:solidFill>
+                <a:cs typeface="B Nazanin" panose="00000400000000000000" pitchFamily="2" charset="-78"/>
+              </a:rPr>
+              <a:t>                        در </a:t>
+            </a:r>
+            <a:r>
               <a:rPr lang="fa-IR" sz="2000" dirty="0">
-                <a:cs typeface="B Nazanin" panose="00000400000000000000" pitchFamily="2" charset="-78"/>
-              </a:rPr>
-              <a:t> </a:t>
-            </a:r>
-            <a:r>
-              <a:rPr lang="fa-IR" sz="2000" dirty="0" smtClean="0">
-                <a:cs typeface="B Nazanin" panose="00000400000000000000" pitchFamily="2" charset="-78"/>
-              </a:rPr>
-              <a:t>      </a:t>
-            </a:r>
-            <a:r>
-              <a:rPr lang="fa-IR" dirty="0" smtClean="0">
-                <a:solidFill>
-                  <a:srgbClr val="C00000"/>
-                </a:solidFill>
-                <a:cs typeface="B Nazanin" panose="00000400000000000000" pitchFamily="2" charset="-78"/>
-              </a:rPr>
-              <a:t>قهرمان محصول خارجی </a:t>
-            </a:r>
-            <a:endParaRPr lang="fa-IR" dirty="0">
+                <a:solidFill>
+                  <a:schemeClr val="tx1"/>
+                </a:solidFill>
+                <a:cs typeface="B Nazanin" panose="00000400000000000000" pitchFamily="2" charset="-78"/>
+              </a:rPr>
+              <a:t>اینصورت رویکرد قهرمان محصول بهترین کارکرد را دارد . </a:t>
+            </a:r>
+          </a:p>
+          <a:p>
+            <a:pPr algn="r" rtl="1">
+              <a:buFont typeface="Wingdings" panose="05000000000000000000" pitchFamily="2" charset="2"/>
+              <a:buChar char="§"/>
+            </a:pPr>
+            <a:endParaRPr lang="fa-IR" sz="2000" dirty="0" smtClean="0">
+              <a:solidFill>
+                <a:schemeClr val="tx1"/>
+              </a:solidFill>
+              <a:cs typeface="B Nazanin" panose="00000400000000000000" pitchFamily="2" charset="-78"/>
+            </a:endParaRPr>
+          </a:p>
+          <a:p>
+            <a:pPr algn="r" rtl="1">
+              <a:buFont typeface="Wingdings" panose="05000000000000000000" pitchFamily="2" charset="2"/>
+              <a:buChar char="§"/>
+            </a:pPr>
+            <a:endParaRPr lang="fa-IR" sz="2000" dirty="0">
+              <a:solidFill>
+                <a:schemeClr val="tx1"/>
+              </a:solidFill>
+              <a:cs typeface="B Nazanin" panose="00000400000000000000" pitchFamily="2" charset="-78"/>
+            </a:endParaRPr>
+          </a:p>
+          <a:p>
+            <a:pPr algn="r" rtl="1">
+              <a:buFont typeface="Wingdings" panose="05000000000000000000" pitchFamily="2" charset="2"/>
+              <a:buChar char="§"/>
+            </a:pPr>
+            <a:endParaRPr lang="fa-IR" sz="2000" dirty="0" smtClean="0">
+              <a:solidFill>
+                <a:schemeClr val="tx1"/>
+              </a:solidFill>
+              <a:cs typeface="B Nazanin" panose="00000400000000000000" pitchFamily="2" charset="-78"/>
+            </a:endParaRPr>
+          </a:p>
+          <a:p>
+            <a:pPr algn="r" rtl="1">
+              <a:buFont typeface="Wingdings" panose="05000000000000000000" pitchFamily="2" charset="2"/>
+              <a:buChar char="§"/>
+            </a:pPr>
+            <a:endParaRPr lang="fa-IR" sz="2000" dirty="0" smtClean="0">
+              <a:solidFill>
+                <a:schemeClr val="tx1"/>
+              </a:solidFill>
+              <a:cs typeface="B Nazanin" panose="00000400000000000000" pitchFamily="2" charset="-78"/>
+            </a:endParaRPr>
+          </a:p>
+          <a:p>
+            <a:pPr algn="r" rtl="1">
+              <a:buFont typeface="Wingdings" panose="05000000000000000000" pitchFamily="2" charset="2"/>
+              <a:buChar char="§"/>
+            </a:pPr>
+            <a:endParaRPr lang="en-US" sz="2000" dirty="0">
               <a:solidFill>
                 <a:srgbClr val="C00000"/>
               </a:solidFill>
               <a:cs typeface="B Nazanin" panose="00000400000000000000" pitchFamily="2" charset="-78"/>
             </a:endParaRPr>
           </a:p>
-          <a:p>
-            <a:pPr algn="r" rtl="1">
-              <a:buFont typeface="Wingdings" panose="05000000000000000000" pitchFamily="2" charset="2"/>
-              <a:buChar char="v"/>
-            </a:pPr>
-            <a:r>
-              <a:rPr lang="fa-IR" sz="2000" dirty="0" smtClean="0">
-                <a:cs typeface="B Nazanin" panose="00000400000000000000" pitchFamily="2" charset="-78"/>
-              </a:rPr>
-              <a:t> گاهی استخدام </a:t>
-            </a:r>
-            <a:r>
-              <a:rPr lang="fa-IR" sz="2000" dirty="0" smtClean="0">
-                <a:solidFill>
-                  <a:srgbClr val="C00000"/>
-                </a:solidFill>
-                <a:cs typeface="B Nazanin" panose="00000400000000000000" pitchFamily="2" charset="-78"/>
-              </a:rPr>
-              <a:t>کاربران واقعی </a:t>
-            </a:r>
-            <a:r>
-              <a:rPr lang="fa-IR" sz="2000" dirty="0" smtClean="0">
-                <a:cs typeface="B Nazanin" panose="00000400000000000000" pitchFamily="2" charset="-78"/>
-              </a:rPr>
-              <a:t>به عنوان </a:t>
-            </a:r>
-            <a:r>
-              <a:rPr lang="fa-IR" sz="2000" dirty="0" smtClean="0">
-                <a:solidFill>
-                  <a:srgbClr val="C00000"/>
-                </a:solidFill>
-                <a:cs typeface="B Nazanin" panose="00000400000000000000" pitchFamily="2" charset="-78"/>
-              </a:rPr>
-              <a:t>قهرمان محصول </a:t>
-            </a:r>
-            <a:r>
-              <a:rPr lang="fa-IR" sz="2000" dirty="0" smtClean="0">
-                <a:cs typeface="B Nazanin" panose="00000400000000000000" pitchFamily="2" charset="-78"/>
-              </a:rPr>
-              <a:t>می‌تواند سخت باشد . </a:t>
-            </a:r>
-          </a:p>
-          <a:p>
-            <a:pPr marL="0" indent="0" algn="r" rtl="1">
-              <a:buNone/>
-            </a:pPr>
-            <a:r>
-              <a:rPr lang="fa-IR" sz="2000" dirty="0" smtClean="0">
-                <a:cs typeface="B Nazanin" panose="00000400000000000000" pitchFamily="2" charset="-78"/>
-              </a:rPr>
-              <a:t>       در این گونه مواقع می توان از کارشناسان داخلی یا مشاوران خارجی برای شبیه سازی نقش این کاربران استفاده کرد .</a:t>
-            </a:r>
-          </a:p>
-          <a:p>
-            <a:pPr algn="r" rtl="1">
-              <a:buFont typeface="Wingdings" panose="05000000000000000000" pitchFamily="2" charset="2"/>
-              <a:buChar char="§"/>
-            </a:pPr>
-            <a:r>
-              <a:rPr lang="fa-IR" sz="2000" dirty="0" smtClean="0">
-                <a:cs typeface="B Nazanin" panose="00000400000000000000" pitchFamily="2" charset="-78"/>
-              </a:rPr>
-              <a:t> اگر سازمان با مشتریان حقوقی بزرگ ارتباط دارد می‌شود از این فرصت برای مشارکت در استخراج نیازمندی‌ها استفاده کرد .</a:t>
-            </a:r>
-          </a:p>
-          <a:p>
-            <a:pPr algn="r" rtl="1">
-              <a:buFont typeface="Wingdings" panose="05000000000000000000" pitchFamily="2" charset="2"/>
-              <a:buChar char="§"/>
-            </a:pPr>
-            <a:r>
-              <a:rPr lang="fa-IR" sz="2000" dirty="0" smtClean="0">
-                <a:cs typeface="B Nazanin" panose="00000400000000000000" pitchFamily="2" charset="-78"/>
-              </a:rPr>
-              <a:t>همچنین برای مشارکت قهرمان محصول خارجی باید انگیزه ایجاد کرد . </a:t>
-            </a:r>
-          </a:p>
-          <a:p>
-            <a:pPr algn="r" rtl="1">
-              <a:buFont typeface="Wingdings" panose="05000000000000000000" pitchFamily="2" charset="2"/>
-              <a:buChar char="v"/>
-            </a:pPr>
-            <a:r>
-              <a:rPr lang="fa-IR" sz="2000" dirty="0" smtClean="0">
-                <a:cs typeface="B Nazanin" panose="00000400000000000000" pitchFamily="2" charset="-78"/>
-              </a:rPr>
-              <a:t>اگر تعداد کلاس‌های کاربری زیادی دارید ابتدا نیازمندی های اصلی که برای کاربران مشترک است را شناسایی کنید . </a:t>
-            </a:r>
-          </a:p>
-          <a:p>
-            <a:pPr algn="r" rtl="1">
-              <a:buFont typeface="Wingdings" panose="05000000000000000000" pitchFamily="2" charset="2"/>
-              <a:buChar char="v"/>
-            </a:pPr>
-            <a:r>
-              <a:rPr lang="fa-IR" sz="2000" dirty="0" smtClean="0">
-                <a:cs typeface="B Nazanin" panose="00000400000000000000" pitchFamily="2" charset="-78"/>
-              </a:rPr>
-              <a:t>سپس نیازمندی های که مخصوص کلاس های کاربری خاصی است را در نظر بگیرید .</a:t>
-            </a:r>
-          </a:p>
-          <a:p>
-            <a:pPr algn="r" rtl="1">
-              <a:buFont typeface="Wingdings" panose="05000000000000000000" pitchFamily="2" charset="2"/>
-              <a:buChar char="v"/>
-            </a:pPr>
-            <a:r>
-              <a:rPr lang="fa-IR" sz="2000" dirty="0" smtClean="0">
-                <a:cs typeface="B Nazanin" panose="00000400000000000000" pitchFamily="2" charset="-78"/>
-              </a:rPr>
-              <a:t>به علت امکان تغییر سریع دامنه بعضی از مسائل سیستم نیازمندی های کاربران ممکن است ثابت نباشد.</a:t>
-            </a:r>
-          </a:p>
-          <a:p>
-            <a:pPr algn="r" rtl="1">
-              <a:buFont typeface="Wingdings" panose="05000000000000000000" pitchFamily="2" charset="2"/>
-              <a:buChar char="v"/>
-            </a:pPr>
-            <a:r>
-              <a:rPr lang="fa-IR" sz="2000" dirty="0" smtClean="0">
-                <a:cs typeface="B Nazanin" panose="00000400000000000000" pitchFamily="2" charset="-78"/>
-              </a:rPr>
-              <a:t> قهرمان محصول را از کاربران فعلی سیستم فعلی انتخاب کنید .</a:t>
-            </a:r>
-          </a:p>
-          <a:p>
-            <a:pPr algn="r" rtl="1">
-              <a:buFont typeface="Wingdings" panose="05000000000000000000" pitchFamily="2" charset="2"/>
-              <a:buChar char="v"/>
-            </a:pPr>
-            <a:r>
-              <a:rPr lang="fa-IR" sz="2000" dirty="0" smtClean="0">
-                <a:cs typeface="B Nazanin" panose="00000400000000000000" pitchFamily="2" charset="-78"/>
-              </a:rPr>
-              <a:t>اگر از کاربران سابق سیستم باشد ممکن است نیازمندی های بروزنشده ای را ارائه دهد . </a:t>
-            </a:r>
-          </a:p>
-          <a:p>
-            <a:pPr marL="0" indent="0" algn="r" rtl="1">
-              <a:buNone/>
-            </a:pPr>
-            <a:r>
-              <a:rPr lang="fa-IR" dirty="0" smtClean="0"/>
-              <a:t> </a:t>
-            </a:r>
-            <a:endParaRPr lang="en-US" dirty="0"/>
-          </a:p>
-        </p:txBody>
-      </p:sp>
-      <p:pic>
-        <p:nvPicPr>
-          <p:cNvPr id="4" name="Picture 3"/>
-          <p:cNvPicPr>
-            <a:picLocks noChangeAspect="1"/>
-          </p:cNvPicPr>
+        </p:txBody>
+      </p:sp>
+      <p:sp>
+        <p:nvSpPr>
+          <p:cNvPr id="4" name="Cube 3"/>
+          <p:cNvSpPr/>
           <p:nvPr/>
-        </p:nvPicPr>
-        <p:blipFill>
-          <a:blip r:embed="rId2"/>
-          <a:stretch>
-            <a:fillRect/>
-          </a:stretch>
-        </p:blipFill>
-        <p:spPr>
-          <a:xfrm>
-            <a:off x="11458958" y="1286685"/>
-            <a:ext cx="298730" cy="249958"/>
-          </a:xfrm>
-          <a:prstGeom prst="rect">
+        </p:nvSpPr>
+        <p:spPr>
+          <a:xfrm>
+            <a:off x="11068050" y="1933182"/>
+            <a:ext cx="285750" cy="238125"/>
+          </a:xfrm>
+          <a:prstGeom prst="cube">
             <a:avLst/>
           </a:prstGeom>
-        </p:spPr>
-      </p:pic>
-      <p:sp>
-        <p:nvSpPr>
-          <p:cNvPr id="5" name="Left Arrow 4"/>
-          <p:cNvSpPr/>
-          <p:nvPr/>
-        </p:nvSpPr>
-        <p:spPr>
-          <a:xfrm>
-            <a:off x="11411361" y="2211511"/>
-            <a:ext cx="346327" cy="169682"/>
-          </a:xfrm>
-          <a:prstGeom prst="leftArrow">
-            <a:avLst/>
-          </a:prstGeom>
+          <a:solidFill>
+            <a:srgbClr val="C00000"/>
+          </a:solidFill>
+          <a:ln>
+            <a:solidFill>
+              <a:srgbClr val="C00000"/>
+            </a:solidFill>
+          </a:ln>
         </p:spPr>
         <p:style>
           <a:lnRef idx="2">
@@ -6674,10 +6453,58 @@
           </a:p>
         </p:txBody>
       </p:sp>
+      <p:sp>
+        <p:nvSpPr>
+          <p:cNvPr id="7" name="Left Arrow 6"/>
+          <p:cNvSpPr/>
+          <p:nvPr/>
+        </p:nvSpPr>
+        <p:spPr>
+          <a:xfrm>
+            <a:off x="9902073" y="4298622"/>
+            <a:ext cx="1451727" cy="329938"/>
+          </a:xfrm>
+          <a:prstGeom prst="leftArrow">
+            <a:avLst/>
+          </a:prstGeom>
+          <a:solidFill>
+            <a:srgbClr val="C00000"/>
+          </a:solidFill>
+          <a:ln>
+            <a:solidFill>
+              <a:srgbClr val="C00000"/>
+            </a:solidFill>
+          </a:ln>
+        </p:spPr>
+        <p:style>
+          <a:lnRef idx="2">
+            <a:schemeClr val="accent1">
+              <a:shade val="50000"/>
+            </a:schemeClr>
+          </a:lnRef>
+          <a:fillRef idx="1">
+            <a:schemeClr val="accent1"/>
+          </a:fillRef>
+          <a:effectRef idx="0">
+            <a:schemeClr val="accent1"/>
+          </a:effectRef>
+          <a:fontRef idx="minor">
+            <a:schemeClr val="lt1"/>
+          </a:fontRef>
+        </p:style>
+        <p:txBody>
+          <a:bodyPr rtlCol="1" anchor="ctr"/>
+          <a:lstStyle/>
+          <a:p>
+            <a:pPr algn="ctr"/>
+            <a:endParaRPr lang="fa-IR"/>
+          </a:p>
+        </p:txBody>
+      </p:sp>
     </p:spTree>
     <p:extLst>
       <p:ext uri="{BB962C8B-B14F-4D97-AF65-F5344CB8AC3E}">
-        <p14:creationId xmlns:p14="http://schemas.microsoft.com/office/powerpoint/2010/main" val="872599586"/>
+        <p14:creationId xmlns:p14="http://schemas.microsoft.com/office/powerpoint/2010/main" val="4059136810"/>
       </p:ext>
     </p:extLst>
   </p:cSld>
@@ -6724,12 +6551,12 @@
         <p:spPr>
           <a:xfrm>
             <a:off x="838200" y="365126"/>
-            <a:ext cx="10515600" cy="634115"/>
+            <a:ext cx="10515600" cy="844550"/>
           </a:xfrm>
         </p:spPr>
         <p:txBody>
           <a:bodyPr>
-            <a:normAutofit fontScale="90000"/>
+            <a:normAutofit/>
           </a:bodyPr>
           <a:lstStyle/>
           <a:p>
@@ -6741,7 +6568,7 @@
                 </a:solidFill>
                 <a:cs typeface="B Nazanin" panose="00000400000000000000" pitchFamily="2" charset="-78"/>
               </a:rPr>
-              <a:t>قهرمان محصول (ادامه )</a:t>
+              <a:t>قهرمان محصول خارجی</a:t>
             </a:r>
             <a:endParaRPr lang="en-US" sz="4000" u="sng" dirty="0">
               <a:solidFill>
@@ -6764,8 +6591,8 @@
         </p:nvSpPr>
         <p:spPr>
           <a:xfrm>
-            <a:off x="838200" y="1148571"/>
-            <a:ext cx="10515600" cy="4989186"/>
+            <a:off x="867833" y="1209676"/>
+            <a:ext cx="10981659" cy="5125136"/>
           </a:xfrm>
         </p:spPr>
         <p:txBody>
@@ -6778,10 +6605,16 @@
               <a:buNone/>
             </a:pPr>
             <a:r>
+              <a:rPr lang="fa-IR" sz="2000" dirty="0">
+                <a:cs typeface="B Nazanin" panose="00000400000000000000" pitchFamily="2" charset="-78"/>
+              </a:rPr>
+              <a:t> </a:t>
+            </a:r>
+            <a:r>
               <a:rPr lang="fa-IR" sz="2000" dirty="0" smtClean="0">
                 <a:cs typeface="B Nazanin" panose="00000400000000000000" pitchFamily="2" charset="-78"/>
               </a:rPr>
-              <a:t>     </a:t>
+              <a:t>      </a:t>
             </a:r>
             <a:r>
               <a:rPr lang="fa-IR" dirty="0" smtClean="0">
@@ -6790,7 +6623,66 @@
                 </a:solidFill>
                 <a:cs typeface="B Nazanin" panose="00000400000000000000" pitchFamily="2" charset="-78"/>
               </a:rPr>
-              <a:t>انتظارات از قهرمان محصول </a:t>
+              <a:t>قهرمان محصول خارجی </a:t>
+            </a:r>
+            <a:endParaRPr lang="fa-IR" dirty="0">
+              <a:solidFill>
+                <a:srgbClr val="C00000"/>
+              </a:solidFill>
+              <a:cs typeface="B Nazanin" panose="00000400000000000000" pitchFamily="2" charset="-78"/>
+            </a:endParaRPr>
+          </a:p>
+          <a:p>
+            <a:pPr algn="r" rtl="1">
+              <a:buFont typeface="Wingdings" panose="05000000000000000000" pitchFamily="2" charset="2"/>
+              <a:buChar char="v"/>
+            </a:pPr>
+            <a:r>
+              <a:rPr lang="fa-IR" sz="2000" dirty="0" smtClean="0">
+                <a:cs typeface="B Nazanin" panose="00000400000000000000" pitchFamily="2" charset="-78"/>
+              </a:rPr>
+              <a:t> گاهی استخدام </a:t>
+            </a:r>
+            <a:r>
+              <a:rPr lang="fa-IR" sz="2000" dirty="0" smtClean="0">
+                <a:solidFill>
+                  <a:srgbClr val="C00000"/>
+                </a:solidFill>
+                <a:cs typeface="B Nazanin" panose="00000400000000000000" pitchFamily="2" charset="-78"/>
+              </a:rPr>
+              <a:t>کاربران واقعی </a:t>
+            </a:r>
+            <a:r>
+              <a:rPr lang="fa-IR" sz="2000" dirty="0" smtClean="0">
+                <a:cs typeface="B Nazanin" panose="00000400000000000000" pitchFamily="2" charset="-78"/>
+              </a:rPr>
+              <a:t>به عنوان </a:t>
+            </a:r>
+            <a:r>
+              <a:rPr lang="fa-IR" sz="2000" dirty="0" smtClean="0">
+                <a:solidFill>
+                  <a:srgbClr val="C00000"/>
+                </a:solidFill>
+                <a:cs typeface="B Nazanin" panose="00000400000000000000" pitchFamily="2" charset="-78"/>
+              </a:rPr>
+              <a:t>قهرمان محصول </a:t>
+            </a:r>
+            <a:r>
+              <a:rPr lang="fa-IR" sz="2000" dirty="0" smtClean="0">
+                <a:cs typeface="B Nazanin" panose="00000400000000000000" pitchFamily="2" charset="-78"/>
+              </a:rPr>
+              <a:t>می‌تواند سخت باشد . </a:t>
+            </a:r>
+          </a:p>
+          <a:p>
+            <a:pPr marL="0" indent="0" algn="r" rtl="1">
+              <a:buNone/>
+            </a:pPr>
+            <a:r>
+              <a:rPr lang="fa-IR" sz="2000" dirty="0" smtClean="0">
+                <a:cs typeface="B Nazanin" panose="00000400000000000000" pitchFamily="2" charset="-78"/>
+              </a:rPr>
+              <a:t>       در این گونه مواقع می توان از کارشناسان داخلی یا مشاوران خارجی برای شبیه سازی نقش این کاربران استفاده کرد .</a:t>
             </a:r>
           </a:p>
           <a:p>
@@ -6802,37 +6694,7 @@
               <a:rPr lang="fa-IR" sz="2000" dirty="0" smtClean="0">
                 <a:cs typeface="B Nazanin" panose="00000400000000000000" pitchFamily="2" charset="-78"/>
               </a:rPr>
-              <a:t>آنچه را از </a:t>
-            </a:r>
-            <a:r>
-              <a:rPr lang="fa-IR" sz="2000" dirty="0" smtClean="0">
-                <a:solidFill>
-                  <a:srgbClr val="C00000"/>
-                </a:solidFill>
-                <a:cs typeface="B Nazanin" panose="00000400000000000000" pitchFamily="2" charset="-78"/>
-              </a:rPr>
-              <a:t>قهرمان محصول </a:t>
-            </a:r>
-            <a:r>
-              <a:rPr lang="fa-IR" sz="2000" dirty="0" smtClean="0">
-                <a:cs typeface="B Nazanin" panose="00000400000000000000" pitchFamily="2" charset="-78"/>
-              </a:rPr>
-              <a:t>خود انتظار انجام دهید </a:t>
-            </a:r>
-            <a:r>
-              <a:rPr lang="fa-IR" sz="2000" dirty="0" smtClean="0">
-                <a:solidFill>
-                  <a:srgbClr val="C00000"/>
-                </a:solidFill>
-                <a:cs typeface="B Nazanin" panose="00000400000000000000" pitchFamily="2" charset="-78"/>
-              </a:rPr>
-              <a:t>مستند</a:t>
-            </a:r>
-            <a:r>
-              <a:rPr lang="fa-IR" sz="2000" dirty="0" smtClean="0">
-                <a:cs typeface="B Nazanin" panose="00000400000000000000" pitchFamily="2" charset="-78"/>
-              </a:rPr>
-              <a:t> کنید . </a:t>
+              <a:t> اگر سازمان با مشتریان حقوقی بزرگ ارتباط دارد می‌شود از این فرصت برای مشارکت در استخراج نیازمندی‌ها استفاده کرد .</a:t>
             </a:r>
           </a:p>
           <a:p>
@@ -6844,163 +6706,119 @@
               <a:rPr lang="fa-IR" sz="2000" dirty="0" smtClean="0">
                 <a:cs typeface="B Nazanin" panose="00000400000000000000" pitchFamily="2" charset="-78"/>
               </a:rPr>
-              <a:t>برای هر </a:t>
-            </a:r>
-            <a:r>
-              <a:rPr lang="fa-IR" sz="2000" dirty="0" smtClean="0">
-                <a:solidFill>
-                  <a:srgbClr val="C00000"/>
-                </a:solidFill>
-                <a:cs typeface="B Nazanin" panose="00000400000000000000" pitchFamily="2" charset="-78"/>
-              </a:rPr>
-              <a:t>قهرمان محصول </a:t>
-            </a:r>
-            <a:r>
-              <a:rPr lang="fa-IR" sz="2000" dirty="0" smtClean="0">
-                <a:cs typeface="B Nazanin" panose="00000400000000000000" pitchFamily="2" charset="-78"/>
-              </a:rPr>
-              <a:t>پرونده ای ایجاد کنید و </a:t>
-            </a:r>
-            <a:r>
-              <a:rPr lang="fa-IR" sz="2000" dirty="0" smtClean="0">
-                <a:solidFill>
-                  <a:srgbClr val="C00000"/>
-                </a:solidFill>
-                <a:cs typeface="B Nazanin" panose="00000400000000000000" pitchFamily="2" charset="-78"/>
-              </a:rPr>
-              <a:t>نقش ها </a:t>
-            </a:r>
-            <a:r>
-              <a:rPr lang="fa-IR" sz="2000" dirty="0" smtClean="0">
-                <a:cs typeface="B Nazanin" panose="00000400000000000000" pitchFamily="2" charset="-78"/>
-              </a:rPr>
-              <a:t>و </a:t>
-            </a:r>
-            <a:r>
-              <a:rPr lang="fa-IR" sz="2000" dirty="0" smtClean="0">
-                <a:solidFill>
-                  <a:srgbClr val="C00000"/>
-                </a:solidFill>
-                <a:cs typeface="B Nazanin" panose="00000400000000000000" pitchFamily="2" charset="-78"/>
-              </a:rPr>
-              <a:t>وظایفشان</a:t>
-            </a:r>
-            <a:r>
-              <a:rPr lang="fa-IR" sz="2000" dirty="0" smtClean="0">
-                <a:cs typeface="B Nazanin" panose="00000400000000000000" pitchFamily="2" charset="-78"/>
-              </a:rPr>
-              <a:t> را سند کنید . </a:t>
+              <a:t>همچنین برای مشارکت قهرمان محصول خارجی باید انگیزه ایجاد کرد . </a:t>
             </a:r>
           </a:p>
           <a:p>
             <a:pPr algn="r" rtl="1">
               <a:buFont typeface="Wingdings" panose="05000000000000000000" pitchFamily="2" charset="2"/>
-              <a:buChar char="§"/>
+              <a:buChar char="v"/>
             </a:pPr>
             <a:r>
               <a:rPr lang="fa-IR" sz="2000" dirty="0" smtClean="0">
                 <a:cs typeface="B Nazanin" panose="00000400000000000000" pitchFamily="2" charset="-78"/>
               </a:rPr>
-              <a:t>برای شروع مطابق الگوی زیر جلو بروید .</a:t>
-            </a:r>
-          </a:p>
-          <a:p>
-            <a:pPr marL="0" indent="0" algn="r" rtl="1">
-              <a:buNone/>
-            </a:pPr>
-            <a:r>
-              <a:rPr lang="fa-IR" sz="2000" dirty="0" smtClean="0">
-                <a:cs typeface="B Nazanin" panose="00000400000000000000" pitchFamily="2" charset="-78"/>
-              </a:rPr>
-              <a:t>    برنامه ریزی :</a:t>
-            </a:r>
-          </a:p>
-          <a:p>
-            <a:pPr marL="914400" lvl="2" indent="0">
-              <a:buNone/>
-            </a:pPr>
-            <a:r>
-              <a:rPr lang="fa-IR" dirty="0" smtClean="0">
-                <a:cs typeface="B Nazanin" panose="00000400000000000000" pitchFamily="2" charset="-78"/>
-              </a:rPr>
-              <a:t>محدوده و محدودیت های سیستم را مشخص کند .</a:t>
-            </a:r>
-          </a:p>
-          <a:p>
-            <a:pPr marL="914400" lvl="2" indent="0">
-              <a:buNone/>
-            </a:pPr>
-            <a:r>
-              <a:rPr lang="fa-IR" dirty="0" smtClean="0">
-                <a:cs typeface="B Nazanin" panose="00000400000000000000" pitchFamily="2" charset="-78"/>
-              </a:rPr>
-              <a:t>سیستم های که با آن ها در تعامل است سیستم فعلی را مشخص کند .</a:t>
-            </a:r>
-          </a:p>
-          <a:p>
-            <a:pPr marL="914400" lvl="2" indent="0">
-              <a:buNone/>
-            </a:pPr>
-            <a:r>
-              <a:rPr lang="fa-IR" dirty="0" smtClean="0">
-                <a:cs typeface="B Nazanin" panose="00000400000000000000" pitchFamily="2" charset="-78"/>
-              </a:rPr>
-              <a:t>یک مسیر انتقال از برنامه های فعلی یا عملیات دستی تعریف کنید .</a:t>
-            </a:r>
-          </a:p>
-          <a:p>
-            <a:pPr marL="914400" lvl="2" indent="0">
-              <a:buNone/>
-            </a:pPr>
-            <a:r>
-              <a:rPr lang="fa-IR" dirty="0" smtClean="0">
-                <a:cs typeface="B Nazanin" panose="00000400000000000000" pitchFamily="2" charset="-78"/>
-              </a:rPr>
-              <a:t>استاندارهای مربوطه و نیازمندی های گواهینامه را مشخص کنید . </a:t>
+              <a:t>اگر تعداد کلاس‌های کاربری زیادی دارید ابتدا نیازمندی های اصلی که برای کاربران مشترک است را شناسایی کنید . </a:t>
             </a:r>
           </a:p>
           <a:p>
             <a:pPr algn="r" rtl="1">
               <a:buFont typeface="Wingdings" panose="05000000000000000000" pitchFamily="2" charset="2"/>
-              <a:buChar char="q"/>
-            </a:pPr>
-            <a:endParaRPr lang="fa-IR" sz="2000" dirty="0" smtClean="0">
-              <a:cs typeface="B Nazanin" panose="00000400000000000000" pitchFamily="2" charset="-78"/>
-            </a:endParaRPr>
+              <a:buChar char="v"/>
+            </a:pPr>
+            <a:r>
+              <a:rPr lang="fa-IR" sz="2000" dirty="0" smtClean="0">
+                <a:cs typeface="B Nazanin" panose="00000400000000000000" pitchFamily="2" charset="-78"/>
+              </a:rPr>
+              <a:t>سپس نیازمندی های که مخصوص کلاس های کاربری خاصی است را در نظر بگیرید .</a:t>
+            </a:r>
           </a:p>
           <a:p>
             <a:pPr algn="r" rtl="1">
               <a:buFont typeface="Wingdings" panose="05000000000000000000" pitchFamily="2" charset="2"/>
-              <a:buChar char="q"/>
-            </a:pPr>
-            <a:endParaRPr lang="fa-IR" sz="2000" dirty="0" smtClean="0">
-              <a:cs typeface="B Nazanin" panose="00000400000000000000" pitchFamily="2" charset="-78"/>
-            </a:endParaRPr>
-          </a:p>
-        </p:txBody>
-      </p:sp>
-      <p:sp>
-        <p:nvSpPr>
-          <p:cNvPr id="5" name="Cube 4"/>
+              <a:buChar char="v"/>
+            </a:pPr>
+            <a:r>
+              <a:rPr lang="fa-IR" sz="2000" dirty="0" smtClean="0">
+                <a:cs typeface="B Nazanin" panose="00000400000000000000" pitchFamily="2" charset="-78"/>
+              </a:rPr>
+              <a:t>به علت امکان تغییر سریع دامنه بعضی از مسائل سیستم نیازمندی های کاربران ممکن است ثابت نباشد.</a:t>
+            </a:r>
+          </a:p>
+          <a:p>
+            <a:pPr algn="r" rtl="1">
+              <a:buFont typeface="Wingdings" panose="05000000000000000000" pitchFamily="2" charset="2"/>
+              <a:buChar char="v"/>
+            </a:pPr>
+            <a:r>
+              <a:rPr lang="fa-IR" sz="2000" dirty="0" smtClean="0">
+                <a:cs typeface="B Nazanin" panose="00000400000000000000" pitchFamily="2" charset="-78"/>
+              </a:rPr>
+              <a:t> قهرمان محصول را از کاربران فعلی سیستم فعلی انتخاب کنید .</a:t>
+            </a:r>
+          </a:p>
+          <a:p>
+            <a:pPr algn="r" rtl="1">
+              <a:buFont typeface="Wingdings" panose="05000000000000000000" pitchFamily="2" charset="2"/>
+              <a:buChar char="v"/>
+            </a:pPr>
+            <a:r>
+              <a:rPr lang="fa-IR" sz="2000" dirty="0" smtClean="0">
+                <a:cs typeface="B Nazanin" panose="00000400000000000000" pitchFamily="2" charset="-78"/>
+              </a:rPr>
+              <a:t>اگر از کاربران سابق سیستم باشد ممکن است نیازمندی های بروزنشده ای را ارائه دهد . </a:t>
+            </a:r>
+          </a:p>
+          <a:p>
+            <a:pPr marL="0" indent="0" algn="r" rtl="1">
+              <a:buNone/>
+            </a:pPr>
+            <a:r>
+              <a:rPr lang="fa-IR" dirty="0" smtClean="0"/>
+              <a:t> </a:t>
+            </a:r>
+            <a:endParaRPr lang="en-US" dirty="0"/>
+          </a:p>
+        </p:txBody>
+      </p:sp>
+      <p:pic>
+        <p:nvPicPr>
+          <p:cNvPr id="4" name="Picture 3"/>
+          <p:cNvPicPr>
+            <a:picLocks noChangeAspect="1"/>
+          </p:cNvPicPr>
+          <p:nvPr/>
+        </p:nvPicPr>
+        <p:blipFill>
+          <a:blip r:embed="rId2"/>
+          <a:stretch>
+            <a:fillRect/>
+          </a:stretch>
+        </p:blipFill>
+        <p:spPr>
+          <a:xfrm>
+            <a:off x="11458958" y="1286685"/>
+            <a:ext cx="298730" cy="249958"/>
+          </a:xfrm>
+          <a:prstGeom prst="rect">
+            <a:avLst/>
+          </a:prstGeom>
+        </p:spPr>
+      </p:pic>
+      <p:sp>
+        <p:nvSpPr>
+          <p:cNvPr id="5" name="Left Arrow 4"/>
           <p:cNvSpPr/>
           <p:nvPr/>
         </p:nvSpPr>
         <p:spPr>
           <a:xfrm>
-            <a:off x="11068050" y="1272618"/>
-            <a:ext cx="285750" cy="238125"/>
-          </a:xfrm>
-          <a:prstGeom prst="cube">
+            <a:off x="11411361" y="2211511"/>
+            <a:ext cx="346327" cy="169682"/>
+          </a:xfrm>
+          <a:prstGeom prst="leftArrow">
             <a:avLst/>
           </a:prstGeom>
-          <a:solidFill>
-            <a:srgbClr val="C00000"/>
-          </a:solidFill>
-          <a:ln>
-            <a:solidFill>
-              <a:srgbClr val="C00000"/>
-            </a:solidFill>
-          </a:ln>
         </p:spPr>
         <p:style>
           <a:lnRef idx="2">
@@ -7027,154 +6845,10 @@
           </a:p>
         </p:txBody>
       </p:sp>
-      <p:pic>
-        <p:nvPicPr>
-          <p:cNvPr id="6" name="Picture 5"/>
-          <p:cNvPicPr>
-            <a:picLocks noChangeAspect="1"/>
-          </p:cNvPicPr>
-          <p:nvPr/>
-        </p:nvPicPr>
-        <p:blipFill>
-          <a:blip r:embed="rId2"/>
-          <a:stretch>
-            <a:fillRect/>
-          </a:stretch>
-        </p:blipFill>
-        <p:spPr>
-          <a:xfrm>
-            <a:off x="10507169" y="3332698"/>
-            <a:ext cx="560881" cy="243861"/>
-          </a:xfrm>
-          <a:prstGeom prst="rect">
-            <a:avLst/>
-          </a:prstGeom>
-        </p:spPr>
-      </p:pic>
-      <p:pic>
-        <p:nvPicPr>
-          <p:cNvPr id="7" name="Picture 6"/>
-          <p:cNvPicPr>
-            <a:picLocks noChangeAspect="1"/>
-          </p:cNvPicPr>
-          <p:nvPr/>
-        </p:nvPicPr>
-        <p:blipFill>
-          <a:blip r:embed="rId2"/>
-          <a:stretch>
-            <a:fillRect/>
-          </a:stretch>
-        </p:blipFill>
-        <p:spPr>
-          <a:xfrm>
-            <a:off x="10507168" y="3643164"/>
-            <a:ext cx="560881" cy="243861"/>
-          </a:xfrm>
-          <a:prstGeom prst="rect">
-            <a:avLst/>
-          </a:prstGeom>
-        </p:spPr>
-      </p:pic>
-      <p:pic>
-        <p:nvPicPr>
-          <p:cNvPr id="8" name="Picture 7"/>
-          <p:cNvPicPr>
-            <a:picLocks noChangeAspect="1"/>
-          </p:cNvPicPr>
-          <p:nvPr/>
-        </p:nvPicPr>
-        <p:blipFill>
-          <a:blip r:embed="rId2"/>
-          <a:stretch>
-            <a:fillRect/>
-          </a:stretch>
-        </p:blipFill>
-        <p:spPr>
-          <a:xfrm>
-            <a:off x="10507167" y="3953630"/>
-            <a:ext cx="560881" cy="243861"/>
-          </a:xfrm>
-          <a:prstGeom prst="rect">
-            <a:avLst/>
-          </a:prstGeom>
-        </p:spPr>
-      </p:pic>
-      <p:pic>
-        <p:nvPicPr>
-          <p:cNvPr id="9" name="Picture 8"/>
-          <p:cNvPicPr>
-            <a:picLocks noChangeAspect="1"/>
-          </p:cNvPicPr>
-          <p:nvPr/>
-        </p:nvPicPr>
-        <p:blipFill>
-          <a:blip r:embed="rId2"/>
-          <a:stretch>
-            <a:fillRect/>
-          </a:stretch>
-        </p:blipFill>
-        <p:spPr>
-          <a:xfrm>
-            <a:off x="10507167" y="4281903"/>
-            <a:ext cx="560881" cy="243861"/>
-          </a:xfrm>
-          <a:prstGeom prst="rect">
-            <a:avLst/>
-          </a:prstGeom>
-        </p:spPr>
-      </p:pic>
-      <p:sp>
-        <p:nvSpPr>
-          <p:cNvPr id="15" name="Isosceles Triangle 14"/>
-          <p:cNvSpPr/>
-          <p:nvPr/>
-        </p:nvSpPr>
-        <p:spPr>
-          <a:xfrm rot="16200000">
-            <a:off x="11025629" y="2980239"/>
-            <a:ext cx="282804" cy="197966"/>
-          </a:xfrm>
-          <a:prstGeom prst="triangle">
-            <a:avLst/>
-          </a:prstGeom>
-          <a:solidFill>
-            <a:srgbClr val="C00000"/>
-          </a:solidFill>
-          <a:ln>
-            <a:solidFill>
-              <a:srgbClr val="C00000"/>
-            </a:solidFill>
-          </a:ln>
-        </p:spPr>
-        <p:style>
-          <a:lnRef idx="2">
-            <a:schemeClr val="accent1">
-              <a:shade val="50000"/>
-            </a:schemeClr>
-          </a:lnRef>
-          <a:fillRef idx="1">
-            <a:schemeClr val="accent1"/>
-          </a:fillRef>
-          <a:effectRef idx="0">
-            <a:schemeClr val="accent1"/>
-          </a:effectRef>
-          <a:fontRef idx="minor">
-            <a:schemeClr val="lt1"/>
-          </a:fontRef>
-        </p:style>
-        <p:txBody>
-          <a:bodyPr rtlCol="1" anchor="ctr"/>
-          <a:lstStyle/>
-          <a:p>
-            <a:pPr algn="ctr"/>
-            <a:endParaRPr lang="fa-IR"/>
-          </a:p>
-        </p:txBody>
-      </p:sp>
     </p:spTree>
     <p:extLst>
       <p:ext uri="{BB962C8B-B14F-4D97-AF65-F5344CB8AC3E}">
-        <p14:creationId xmlns:p14="http://schemas.microsoft.com/office/powerpoint/2010/main" val="128213998"/>
+        <p14:creationId xmlns:p14="http://schemas.microsoft.com/office/powerpoint/2010/main" val="872599586"/>
       </p:ext>
     </p:extLst>
   </p:cSld>
@@ -7220,27 +6894,27 @@
         </p:nvSpPr>
         <p:spPr>
           <a:xfrm>
-            <a:off x="838200" y="365125"/>
-            <a:ext cx="10515600" cy="732481"/>
+            <a:off x="838200" y="365126"/>
+            <a:ext cx="10515600" cy="634115"/>
           </a:xfrm>
         </p:spPr>
         <p:txBody>
           <a:bodyPr>
-            <a:normAutofit/>
+            <a:normAutofit fontScale="90000"/>
           </a:bodyPr>
           <a:lstStyle/>
           <a:p>
             <a:pPr algn="ctr"/>
             <a:r>
-              <a:rPr lang="fa-IR" sz="3600" u="sng" dirty="0" smtClean="0">
+              <a:rPr lang="fa-IR" sz="4000" u="sng" dirty="0" smtClean="0">
                 <a:solidFill>
                   <a:srgbClr val="C00000"/>
                 </a:solidFill>
                 <a:cs typeface="B Nazanin" panose="00000400000000000000" pitchFamily="2" charset="-78"/>
               </a:rPr>
-              <a:t>قهرمان محصول (ادامه)</a:t>
-            </a:r>
-            <a:endParaRPr lang="en-US" sz="3600" u="sng" dirty="0">
+              <a:t>قهرمان محصول (ادامه )</a:t>
+            </a:r>
+            <a:endParaRPr lang="en-US" sz="4000" u="sng" dirty="0">
               <a:solidFill>
                 <a:srgbClr val="C00000"/>
               </a:solidFill>
@@ -7261,8 +6935,8 @@
         </p:nvSpPr>
         <p:spPr>
           <a:xfrm>
-            <a:off x="838200" y="1097606"/>
-            <a:ext cx="10515600" cy="4859057"/>
+            <a:off x="838200" y="1148571"/>
+            <a:ext cx="10515600" cy="4989186"/>
           </a:xfrm>
         </p:spPr>
         <p:txBody>
@@ -7275,19 +6949,13 @@
               <a:buNone/>
             </a:pPr>
             <a:r>
-              <a:rPr lang="fa-IR" sz="2000" dirty="0">
-                <a:cs typeface="B Nazanin" panose="00000400000000000000" pitchFamily="2" charset="-78"/>
-              </a:rPr>
-              <a:t> </a:t>
-            </a:r>
-            <a:r>
               <a:rPr lang="fa-IR" sz="2000" dirty="0" smtClean="0">
                 <a:cs typeface="B Nazanin" panose="00000400000000000000" pitchFamily="2" charset="-78"/>
               </a:rPr>
-              <a:t>         </a:t>
-            </a:r>
-            <a:r>
-              <a:rPr lang="fa-IR" sz="2400" dirty="0" smtClean="0">
+              <a:t>     </a:t>
+            </a:r>
+            <a:r>
+              <a:rPr lang="fa-IR" dirty="0" smtClean="0">
                 <a:solidFill>
                   <a:srgbClr val="C00000"/>
                 </a:solidFill>
@@ -7295,12 +6963,117 @@
               </a:rPr>
               <a:t>انتظارات از قهرمان محصول </a:t>
             </a:r>
-            <a:endParaRPr lang="fa-IR" sz="2400" dirty="0">
-              <a:solidFill>
-                <a:srgbClr val="C00000"/>
-              </a:solidFill>
-              <a:cs typeface="B Nazanin" panose="00000400000000000000" pitchFamily="2" charset="-78"/>
-            </a:endParaRPr>
+          </a:p>
+          <a:p>
+            <a:pPr algn="r" rtl="1">
+              <a:buFont typeface="Wingdings" panose="05000000000000000000" pitchFamily="2" charset="2"/>
+              <a:buChar char="§"/>
+            </a:pPr>
+            <a:r>
+              <a:rPr lang="fa-IR" sz="2000" dirty="0" smtClean="0">
+                <a:cs typeface="B Nazanin" panose="00000400000000000000" pitchFamily="2" charset="-78"/>
+              </a:rPr>
+              <a:t>آنچه را از </a:t>
+            </a:r>
+            <a:r>
+              <a:rPr lang="fa-IR" sz="2000" dirty="0" smtClean="0">
+                <a:solidFill>
+                  <a:srgbClr val="C00000"/>
+                </a:solidFill>
+                <a:cs typeface="B Nazanin" panose="00000400000000000000" pitchFamily="2" charset="-78"/>
+              </a:rPr>
+              <a:t>قهرمان محصول </a:t>
+            </a:r>
+            <a:r>
+              <a:rPr lang="fa-IR" sz="2000" dirty="0" smtClean="0">
+                <a:cs typeface="B Nazanin" panose="00000400000000000000" pitchFamily="2" charset="-78"/>
+              </a:rPr>
+              <a:t>خود انتظار انجام دهید </a:t>
+            </a:r>
+            <a:r>
+              <a:rPr lang="fa-IR" sz="2000" dirty="0" smtClean="0">
+                <a:solidFill>
+                  <a:srgbClr val="C00000"/>
+                </a:solidFill>
+                <a:cs typeface="B Nazanin" panose="00000400000000000000" pitchFamily="2" charset="-78"/>
+              </a:rPr>
+              <a:t>مستند</a:t>
+            </a:r>
+            <a:r>
+              <a:rPr lang="fa-IR" sz="2000" dirty="0" smtClean="0">
+                <a:cs typeface="B Nazanin" panose="00000400000000000000" pitchFamily="2" charset="-78"/>
+              </a:rPr>
+              <a:t> کنید . </a:t>
+            </a:r>
+          </a:p>
+          <a:p>
+            <a:pPr algn="r" rtl="1">
+              <a:buFont typeface="Wingdings" panose="05000000000000000000" pitchFamily="2" charset="2"/>
+              <a:buChar char="§"/>
+            </a:pPr>
+            <a:r>
+              <a:rPr lang="fa-IR" sz="2000" dirty="0" smtClean="0">
+                <a:cs typeface="B Nazanin" panose="00000400000000000000" pitchFamily="2" charset="-78"/>
+              </a:rPr>
+              <a:t>برای هر </a:t>
+            </a:r>
+            <a:r>
+              <a:rPr lang="fa-IR" sz="2000" dirty="0" smtClean="0">
+                <a:solidFill>
+                  <a:srgbClr val="C00000"/>
+                </a:solidFill>
+                <a:cs typeface="B Nazanin" panose="00000400000000000000" pitchFamily="2" charset="-78"/>
+              </a:rPr>
+              <a:t>قهرمان محصول </a:t>
+            </a:r>
+            <a:r>
+              <a:rPr lang="fa-IR" sz="2000" dirty="0" smtClean="0">
+                <a:cs typeface="B Nazanin" panose="00000400000000000000" pitchFamily="2" charset="-78"/>
+              </a:rPr>
+              <a:t>پرونده ای ایجاد کنید و </a:t>
+            </a:r>
+            <a:r>
+              <a:rPr lang="fa-IR" sz="2000" dirty="0" smtClean="0">
+                <a:solidFill>
+                  <a:srgbClr val="C00000"/>
+                </a:solidFill>
+                <a:cs typeface="B Nazanin" panose="00000400000000000000" pitchFamily="2" charset="-78"/>
+              </a:rPr>
+              <a:t>نقش ها </a:t>
+            </a:r>
+            <a:r>
+              <a:rPr lang="fa-IR" sz="2000" dirty="0" smtClean="0">
+                <a:cs typeface="B Nazanin" panose="00000400000000000000" pitchFamily="2" charset="-78"/>
+              </a:rPr>
+              <a:t>و </a:t>
+            </a:r>
+            <a:r>
+              <a:rPr lang="fa-IR" sz="2000" dirty="0" smtClean="0">
+                <a:solidFill>
+                  <a:srgbClr val="C00000"/>
+                </a:solidFill>
+                <a:cs typeface="B Nazanin" panose="00000400000000000000" pitchFamily="2" charset="-78"/>
+              </a:rPr>
+              <a:t>وظایفشان</a:t>
+            </a:r>
+            <a:r>
+              <a:rPr lang="fa-IR" sz="2000" dirty="0" smtClean="0">
+                <a:cs typeface="B Nazanin" panose="00000400000000000000" pitchFamily="2" charset="-78"/>
+              </a:rPr>
+              <a:t> را سند کنید . </a:t>
+            </a:r>
+          </a:p>
+          <a:p>
+            <a:pPr algn="r" rtl="1">
+              <a:buFont typeface="Wingdings" panose="05000000000000000000" pitchFamily="2" charset="2"/>
+              <a:buChar char="§"/>
+            </a:pPr>
+            <a:r>
+              <a:rPr lang="fa-IR" sz="2000" dirty="0" smtClean="0">
+                <a:cs typeface="B Nazanin" panose="00000400000000000000" pitchFamily="2" charset="-78"/>
+              </a:rPr>
+              <a:t>برای شروع مطابق الگوی زیر جلو بروید .</a:t>
+            </a:r>
           </a:p>
           <a:p>
             <a:pPr marL="0" indent="0" algn="r" rtl="1">
@@ -7310,7 +7083,7 @@
               <a:rPr lang="fa-IR" sz="2000" dirty="0" smtClean="0">
                 <a:cs typeface="B Nazanin" panose="00000400000000000000" pitchFamily="2" charset="-78"/>
               </a:rPr>
-              <a:t>        نیازمندی ها:</a:t>
+              <a:t>    برنامه ریزی :</a:t>
             </a:r>
           </a:p>
           <a:p>
@@ -7321,7 +7094,7 @@
               <a:rPr lang="fa-IR" dirty="0" smtClean="0">
                 <a:cs typeface="B Nazanin" panose="00000400000000000000" pitchFamily="2" charset="-78"/>
               </a:rPr>
-              <a:t>نیازمندی ها را از کاربران جمع آوری کند .</a:t>
+              <a:t>محدوده و محدودیت های سیستم را مشخص کند .</a:t>
             </a:r>
           </a:p>
           <a:p>
@@ -7332,7 +7105,7 @@
               <a:rPr lang="fa-IR" dirty="0" smtClean="0">
                 <a:cs typeface="B Nazanin" panose="00000400000000000000" pitchFamily="2" charset="-78"/>
               </a:rPr>
-              <a:t>سناریوهای استفاده ، یوزکیس ها و داستان های کاربران را بسط دهد . </a:t>
+              <a:t>سیستم های که با آن ها در تعامل است سیستم فعلی را مشخص کند .</a:t>
             </a:r>
           </a:p>
           <a:p>
@@ -7343,7 +7116,7 @@
               <a:rPr lang="fa-IR" dirty="0" smtClean="0">
                 <a:cs typeface="B Nazanin" panose="00000400000000000000" pitchFamily="2" charset="-78"/>
               </a:rPr>
-              <a:t>تضادها بین نیازمندی های پیشنهاد شده در کلاس کاربری را حل کند . </a:t>
+              <a:t>یک مسیر انتقال از برنامه های فعلی یا عملیات دستی تعریف کنید .</a:t>
             </a:r>
           </a:p>
           <a:p>
@@ -7354,51 +7127,7 @@
               <a:rPr lang="fa-IR" dirty="0" smtClean="0">
                 <a:cs typeface="B Nazanin" panose="00000400000000000000" pitchFamily="2" charset="-78"/>
               </a:rPr>
-              <a:t>الویت های اجرایی را تعریف کند .</a:t>
-            </a:r>
-          </a:p>
-          <a:p>
-            <a:pPr marL="914400" lvl="2" indent="0">
-              <a:buNone/>
-            </a:pPr>
-            <a:r>
-              <a:rPr lang="fa-IR" dirty="0" smtClean="0">
-                <a:cs typeface="B Nazanin" panose="00000400000000000000" pitchFamily="2" charset="-78"/>
-              </a:rPr>
-              <a:t>ورودی‌ها را در مورد عملکرد و سایر الزامات کیفی ارائه دهد .</a:t>
-            </a:r>
-          </a:p>
-          <a:p>
-            <a:pPr marL="914400" lvl="2" indent="0">
-              <a:buNone/>
-            </a:pPr>
-            <a:r>
-              <a:rPr lang="fa-IR" dirty="0" smtClean="0">
-                <a:cs typeface="B Nazanin" panose="00000400000000000000" pitchFamily="2" charset="-78"/>
-              </a:rPr>
-              <a:t>نمونه های اولیه را ارزیابی کند . </a:t>
-            </a:r>
-          </a:p>
-          <a:p>
-            <a:pPr marL="914400" lvl="2" indent="0">
-              <a:buNone/>
-            </a:pPr>
-            <a:r>
-              <a:rPr lang="fa-IR" dirty="0" smtClean="0">
-                <a:cs typeface="B Nazanin" panose="00000400000000000000" pitchFamily="2" charset="-78"/>
-              </a:rPr>
-              <a:t>با سایر تصمیم گیرندگان راهبردی برای برطرف کردن تضادها بین سایر ذینفعان کار کند . </a:t>
-            </a:r>
-          </a:p>
-          <a:p>
-            <a:pPr marL="914400" lvl="2" indent="0">
-              <a:buNone/>
-            </a:pPr>
-            <a:r>
-              <a:rPr lang="fa-IR" dirty="0" smtClean="0">
-                <a:cs typeface="B Nazanin" panose="00000400000000000000" pitchFamily="2" charset="-78"/>
-              </a:rPr>
-              <a:t>الگوریتم های تخصصی را ارائه بدهد . </a:t>
+              <a:t>استاندارهای مربوطه و نیازمندی های گواهینامه را مشخص کنید . </a:t>
             </a:r>
           </a:p>
           <a:p>
@@ -7421,210 +7150,18 @@
           </a:p>
         </p:txBody>
       </p:sp>
-      <p:pic>
-        <p:nvPicPr>
-          <p:cNvPr id="4" name="Picture 3"/>
-          <p:cNvPicPr>
-            <a:picLocks noChangeAspect="1"/>
-          </p:cNvPicPr>
-          <p:nvPr/>
-        </p:nvPicPr>
-        <p:blipFill>
-          <a:blip r:embed="rId2"/>
-          <a:stretch>
-            <a:fillRect/>
-          </a:stretch>
-        </p:blipFill>
-        <p:spPr>
-          <a:xfrm>
-            <a:off x="10476646" y="1923115"/>
-            <a:ext cx="560881" cy="243861"/>
-          </a:xfrm>
-          <a:prstGeom prst="rect">
-            <a:avLst/>
-          </a:prstGeom>
-        </p:spPr>
-      </p:pic>
-      <p:pic>
-        <p:nvPicPr>
-          <p:cNvPr id="5" name="Picture 4"/>
-          <p:cNvPicPr>
-            <a:picLocks noChangeAspect="1"/>
-          </p:cNvPicPr>
-          <p:nvPr/>
-        </p:nvPicPr>
-        <p:blipFill>
-          <a:blip r:embed="rId2"/>
-          <a:stretch>
-            <a:fillRect/>
-          </a:stretch>
-        </p:blipFill>
-        <p:spPr>
-          <a:xfrm>
-            <a:off x="10476645" y="2247703"/>
-            <a:ext cx="560881" cy="243861"/>
-          </a:xfrm>
-          <a:prstGeom prst="rect">
-            <a:avLst/>
-          </a:prstGeom>
-        </p:spPr>
-      </p:pic>
-      <p:pic>
-        <p:nvPicPr>
-          <p:cNvPr id="6" name="Picture 5"/>
-          <p:cNvPicPr>
-            <a:picLocks noChangeAspect="1"/>
-          </p:cNvPicPr>
-          <p:nvPr/>
-        </p:nvPicPr>
-        <p:blipFill>
-          <a:blip r:embed="rId2"/>
-          <a:stretch>
-            <a:fillRect/>
-          </a:stretch>
-        </p:blipFill>
-        <p:spPr>
-          <a:xfrm>
-            <a:off x="10467219" y="2567909"/>
-            <a:ext cx="560881" cy="243861"/>
-          </a:xfrm>
-          <a:prstGeom prst="rect">
-            <a:avLst/>
-          </a:prstGeom>
-        </p:spPr>
-      </p:pic>
-      <p:pic>
-        <p:nvPicPr>
-          <p:cNvPr id="7" name="Picture 6"/>
-          <p:cNvPicPr>
-            <a:picLocks noChangeAspect="1"/>
-          </p:cNvPicPr>
-          <p:nvPr/>
-        </p:nvPicPr>
-        <p:blipFill>
-          <a:blip r:embed="rId2"/>
-          <a:stretch>
-            <a:fillRect/>
-          </a:stretch>
-        </p:blipFill>
-        <p:spPr>
-          <a:xfrm>
-            <a:off x="10476645" y="2882397"/>
-            <a:ext cx="560881" cy="243861"/>
-          </a:xfrm>
-          <a:prstGeom prst="rect">
-            <a:avLst/>
-          </a:prstGeom>
-        </p:spPr>
-      </p:pic>
-      <p:pic>
-        <p:nvPicPr>
-          <p:cNvPr id="8" name="Picture 7"/>
-          <p:cNvPicPr>
-            <a:picLocks noChangeAspect="1"/>
-          </p:cNvPicPr>
-          <p:nvPr/>
-        </p:nvPicPr>
-        <p:blipFill>
-          <a:blip r:embed="rId2"/>
-          <a:stretch>
-            <a:fillRect/>
-          </a:stretch>
-        </p:blipFill>
-        <p:spPr>
-          <a:xfrm>
-            <a:off x="10467219" y="3284788"/>
-            <a:ext cx="560881" cy="243861"/>
-          </a:xfrm>
-          <a:prstGeom prst="rect">
-            <a:avLst/>
-          </a:prstGeom>
-        </p:spPr>
-      </p:pic>
-      <p:pic>
-        <p:nvPicPr>
-          <p:cNvPr id="9" name="Picture 8"/>
-          <p:cNvPicPr>
-            <a:picLocks noChangeAspect="1"/>
-          </p:cNvPicPr>
-          <p:nvPr/>
-        </p:nvPicPr>
-        <p:blipFill>
-          <a:blip r:embed="rId2"/>
-          <a:stretch>
-            <a:fillRect/>
-          </a:stretch>
-        </p:blipFill>
-        <p:spPr>
-          <a:xfrm>
-            <a:off x="10467219" y="3652621"/>
-            <a:ext cx="560881" cy="243861"/>
-          </a:xfrm>
-          <a:prstGeom prst="rect">
-            <a:avLst/>
-          </a:prstGeom>
-        </p:spPr>
-      </p:pic>
-      <p:pic>
-        <p:nvPicPr>
-          <p:cNvPr id="10" name="Picture 9"/>
-          <p:cNvPicPr>
-            <a:picLocks noChangeAspect="1"/>
-          </p:cNvPicPr>
-          <p:nvPr/>
-        </p:nvPicPr>
-        <p:blipFill>
-          <a:blip r:embed="rId2"/>
-          <a:stretch>
-            <a:fillRect/>
-          </a:stretch>
-        </p:blipFill>
-        <p:spPr>
-          <a:xfrm>
-            <a:off x="10467220" y="3972661"/>
-            <a:ext cx="560881" cy="243861"/>
-          </a:xfrm>
-          <a:prstGeom prst="rect">
-            <a:avLst/>
-          </a:prstGeom>
-        </p:spPr>
-      </p:pic>
-      <p:pic>
-        <p:nvPicPr>
-          <p:cNvPr id="11" name="Picture 10"/>
-          <p:cNvPicPr>
-            <a:picLocks noChangeAspect="1"/>
-          </p:cNvPicPr>
-          <p:nvPr/>
-        </p:nvPicPr>
-        <p:blipFill>
-          <a:blip r:embed="rId2"/>
-          <a:stretch>
-            <a:fillRect/>
-          </a:stretch>
-        </p:blipFill>
-        <p:spPr>
-          <a:xfrm>
-            <a:off x="10476645" y="4281598"/>
-            <a:ext cx="560881" cy="243861"/>
-          </a:xfrm>
-          <a:prstGeom prst="rect">
-            <a:avLst/>
-          </a:prstGeom>
-        </p:spPr>
-      </p:pic>
-      <p:sp>
-        <p:nvSpPr>
-          <p:cNvPr id="12" name="Isosceles Triangle 11"/>
+      <p:sp>
+        <p:nvSpPr>
+          <p:cNvPr id="5" name="Cube 4"/>
           <p:cNvSpPr/>
           <p:nvPr/>
         </p:nvSpPr>
         <p:spPr>
-          <a:xfrm rot="16200000">
-            <a:off x="10797141" y="1641078"/>
-            <a:ext cx="282804" cy="197966"/>
-          </a:xfrm>
-          <a:prstGeom prst="triangle">
+          <a:xfrm>
+            <a:off x="11068050" y="1272618"/>
+            <a:ext cx="285750" cy="238125"/>
+          </a:xfrm>
+          <a:prstGeom prst="cube">
             <a:avLst/>
           </a:prstGeom>
           <a:solidFill>
@@ -7661,18 +7198,114 @@
           </a:p>
         </p:txBody>
       </p:sp>
-      <p:sp>
-        <p:nvSpPr>
-          <p:cNvPr id="13" name="Cube 12"/>
+      <p:pic>
+        <p:nvPicPr>
+          <p:cNvPr id="6" name="Picture 5"/>
+          <p:cNvPicPr>
+            <a:picLocks noChangeAspect="1"/>
+          </p:cNvPicPr>
+          <p:nvPr/>
+        </p:nvPicPr>
+        <p:blipFill>
+          <a:blip r:embed="rId2"/>
+          <a:stretch>
+            <a:fillRect/>
+          </a:stretch>
+        </p:blipFill>
+        <p:spPr>
+          <a:xfrm>
+            <a:off x="10507169" y="3332698"/>
+            <a:ext cx="560881" cy="243861"/>
+          </a:xfrm>
+          <a:prstGeom prst="rect">
+            <a:avLst/>
+          </a:prstGeom>
+        </p:spPr>
+      </p:pic>
+      <p:pic>
+        <p:nvPicPr>
+          <p:cNvPr id="7" name="Picture 6"/>
+          <p:cNvPicPr>
+            <a:picLocks noChangeAspect="1"/>
+          </p:cNvPicPr>
+          <p:nvPr/>
+        </p:nvPicPr>
+        <p:blipFill>
+          <a:blip r:embed="rId2"/>
+          <a:stretch>
+            <a:fillRect/>
+          </a:stretch>
+        </p:blipFill>
+        <p:spPr>
+          <a:xfrm>
+            <a:off x="10507168" y="3643164"/>
+            <a:ext cx="560881" cy="243861"/>
+          </a:xfrm>
+          <a:prstGeom prst="rect">
+            <a:avLst/>
+          </a:prstGeom>
+        </p:spPr>
+      </p:pic>
+      <p:pic>
+        <p:nvPicPr>
+          <p:cNvPr id="8" name="Picture 7"/>
+          <p:cNvPicPr>
+            <a:picLocks noChangeAspect="1"/>
+          </p:cNvPicPr>
+          <p:nvPr/>
+        </p:nvPicPr>
+        <p:blipFill>
+          <a:blip r:embed="rId2"/>
+          <a:stretch>
+            <a:fillRect/>
+          </a:stretch>
+        </p:blipFill>
+        <p:spPr>
+          <a:xfrm>
+            <a:off x="10507167" y="3953630"/>
+            <a:ext cx="560881" cy="243861"/>
+          </a:xfrm>
+          <a:prstGeom prst="rect">
+            <a:avLst/>
+          </a:prstGeom>
+        </p:spPr>
+      </p:pic>
+      <p:pic>
+        <p:nvPicPr>
+          <p:cNvPr id="9" name="Picture 8"/>
+          <p:cNvPicPr>
+            <a:picLocks noChangeAspect="1"/>
+          </p:cNvPicPr>
+          <p:nvPr/>
+        </p:nvPicPr>
+        <p:blipFill>
+          <a:blip r:embed="rId2"/>
+          <a:stretch>
+            <a:fillRect/>
+          </a:stretch>
+        </p:blipFill>
+        <p:spPr>
+          <a:xfrm>
+            <a:off x="10507167" y="4281903"/>
+            <a:ext cx="560881" cy="243861"/>
+          </a:xfrm>
+          <a:prstGeom prst="rect">
+            <a:avLst/>
+          </a:prstGeom>
+        </p:spPr>
+      </p:pic>
+      <p:sp>
+        <p:nvSpPr>
+          <p:cNvPr id="15" name="Isosceles Triangle 14"/>
           <p:cNvSpPr/>
           <p:nvPr/>
         </p:nvSpPr>
         <p:spPr>
-          <a:xfrm>
-            <a:off x="10757087" y="1097606"/>
-            <a:ext cx="285750" cy="292248"/>
-          </a:xfrm>
-          <a:prstGeom prst="cube">
+          <a:xfrm rot="16200000">
+            <a:off x="11025629" y="2980239"/>
+            <a:ext cx="282804" cy="197966"/>
+          </a:xfrm>
+          <a:prstGeom prst="triangle">
             <a:avLst/>
           </a:prstGeom>
           <a:solidFill>
@@ -7712,13 +7345,20 @@
     </p:spTree>
     <p:extLst>
       <p:ext uri="{BB962C8B-B14F-4D97-AF65-F5344CB8AC3E}">
-        <p14:creationId xmlns:p14="http://schemas.microsoft.com/office/powerpoint/2010/main" val="3060607866"/>
+        <p14:creationId xmlns:p14="http://schemas.microsoft.com/office/powerpoint/2010/main" val="128213998"/>
       </p:ext>
     </p:extLst>
   </p:cSld>
   <p:clrMapOvr>
     <a:masterClrMapping/>
   </p:clrMapOvr>
+  <p:timing>
+    <p:tnLst>
+      <p:par>
+        <p:cTn id="1" dur="indefinite" restart="never" nodeType="tmRoot"/>
+      </p:par>
+    </p:tnLst>
+  </p:timing>
 </p:sld>
 </file>
 
@@ -7752,7 +7392,7 @@
         <p:spPr>
           <a:xfrm>
             <a:off x="838200" y="365125"/>
-            <a:ext cx="10515600" cy="818347"/>
+            <a:ext cx="10515600" cy="732481"/>
           </a:xfrm>
         </p:spPr>
         <p:txBody>
@@ -7792,8 +7432,8 @@
         </p:nvSpPr>
         <p:spPr>
           <a:xfrm>
-            <a:off x="838200" y="992778"/>
-            <a:ext cx="10317634" cy="5184186"/>
+            <a:off x="838200" y="1097606"/>
+            <a:ext cx="10515600" cy="4859057"/>
           </a:xfrm>
         </p:spPr>
         <p:txBody>
@@ -7806,16 +7446,17 @@
               <a:buNone/>
             </a:pPr>
             <a:r>
+              <a:rPr lang="fa-IR" sz="2000" dirty="0">
+                <a:cs typeface="B Nazanin" panose="00000400000000000000" pitchFamily="2" charset="-78"/>
+              </a:rPr>
+              <a:t> </a:t>
+            </a:r>
+            <a:r>
               <a:rPr lang="fa-IR" sz="2000" dirty="0" smtClean="0">
                 <a:cs typeface="B Nazanin" panose="00000400000000000000" pitchFamily="2" charset="-78"/>
               </a:rPr>
-              <a:t>  </a:t>
-            </a:r>
-          </a:p>
-          <a:p>
-            <a:pPr marL="0" indent="0" algn="r" rtl="1">
-              <a:buNone/>
-            </a:pPr>
+              <a:t>         </a:t>
+            </a:r>
             <a:r>
               <a:rPr lang="fa-IR" sz="2400" dirty="0" smtClean="0">
                 <a:solidFill>
@@ -7840,7 +7481,7 @@
               <a:rPr lang="fa-IR" sz="2000" dirty="0" smtClean="0">
                 <a:cs typeface="B Nazanin" panose="00000400000000000000" pitchFamily="2" charset="-78"/>
               </a:rPr>
-              <a:t>  اعتبار سنجی و تایید :</a:t>
+              <a:t>        نیازمندی ها:</a:t>
             </a:r>
           </a:p>
           <a:p>
@@ -7851,7 +7492,7 @@
               <a:rPr lang="fa-IR" dirty="0" smtClean="0">
                 <a:cs typeface="B Nazanin" panose="00000400000000000000" pitchFamily="2" charset="-78"/>
               </a:rPr>
-              <a:t>مشخات نیازمندی ها را بررسی کند .</a:t>
+              <a:t>نیازمندی ها را از کاربران جمع آوری کند .</a:t>
             </a:r>
           </a:p>
           <a:p>
@@ -7862,7 +7503,7 @@
               <a:rPr lang="fa-IR" dirty="0" smtClean="0">
                 <a:cs typeface="B Nazanin" panose="00000400000000000000" pitchFamily="2" charset="-78"/>
               </a:rPr>
-              <a:t>معیارهای پذیرش را تعریف کند </a:t>
+              <a:t>سناریوهای استفاده ، یوزکیس ها و داستان های کاربران را بسط دهد . </a:t>
             </a:r>
           </a:p>
           <a:p>
@@ -7873,7 +7514,7 @@
               <a:rPr lang="fa-IR" dirty="0" smtClean="0">
                 <a:cs typeface="B Nazanin" panose="00000400000000000000" pitchFamily="2" charset="-78"/>
               </a:rPr>
-              <a:t>از سناریوهای کاربردی تست پذیرش کاربر را توسعه دهد . </a:t>
+              <a:t>تضادها بین نیازمندی های پیشنهاد شده در کلاس کاربری را حل کند . </a:t>
             </a:r>
           </a:p>
           <a:p>
@@ -7884,7 +7525,7 @@
               <a:rPr lang="fa-IR" dirty="0" smtClean="0">
                 <a:cs typeface="B Nazanin" panose="00000400000000000000" pitchFamily="2" charset="-78"/>
               </a:rPr>
-              <a:t>مجموعه داده های آزمایشی را از کسب و کار ارائه دهید </a:t>
+              <a:t>الویت های اجرایی را تعریف کند .</a:t>
             </a:r>
           </a:p>
           <a:p>
@@ -7895,21 +7536,7 @@
               <a:rPr lang="fa-IR" dirty="0" smtClean="0">
                 <a:cs typeface="B Nazanin" panose="00000400000000000000" pitchFamily="2" charset="-78"/>
               </a:rPr>
-              <a:t>تست پذیرش کاربر یا بتا تست را انجام دهد . </a:t>
-            </a:r>
-          </a:p>
-          <a:p>
-            <a:pPr marL="0" lvl="0" indent="0">
-              <a:buNone/>
-            </a:pPr>
-            <a:r>
-              <a:rPr lang="fa-IR" sz="2000" dirty="0">
-                <a:solidFill>
-                  <a:prstClr val="black"/>
-                </a:solidFill>
-                <a:cs typeface="B Nazanin" panose="00000400000000000000" pitchFamily="2" charset="-78"/>
-              </a:rPr>
-              <a:t>مدیریت تغییرات </a:t>
+              <a:t>ورودی‌ها را در مورد عملکرد و سایر الزامات کیفی ارائه دهد .</a:t>
             </a:r>
           </a:p>
           <a:p>
@@ -7917,13 +7544,10 @@
               <a:buNone/>
             </a:pPr>
             <a:r>
-              <a:rPr lang="fa-IR" dirty="0">
-                <a:solidFill>
-                  <a:prstClr val="black"/>
-                </a:solidFill>
-                <a:cs typeface="B Nazanin" panose="00000400000000000000" pitchFamily="2" charset="-78"/>
-              </a:rPr>
-              <a:t>درخواست های بهبود و اصلاحات نقص ها را الویت بندی کند .</a:t>
+              <a:rPr lang="fa-IR" dirty="0" smtClean="0">
+                <a:cs typeface="B Nazanin" panose="00000400000000000000" pitchFamily="2" charset="-78"/>
+              </a:rPr>
+              <a:t>نمونه های اولیه را ارزیابی کند . </a:t>
             </a:r>
           </a:p>
           <a:p>
@@ -7931,13 +7555,10 @@
               <a:buNone/>
             </a:pPr>
             <a:r>
-              <a:rPr lang="fa-IR" dirty="0">
-                <a:solidFill>
-                  <a:prstClr val="black"/>
-                </a:solidFill>
-                <a:cs typeface="B Nazanin" panose="00000400000000000000" pitchFamily="2" charset="-78"/>
-              </a:rPr>
-              <a:t>به صورت پویا محدوده انتشارات آینده را مشخص کند . </a:t>
+              <a:rPr lang="fa-IR" dirty="0" smtClean="0">
+                <a:cs typeface="B Nazanin" panose="00000400000000000000" pitchFamily="2" charset="-78"/>
+              </a:rPr>
+              <a:t>با سایر تصمیم گیرندگان راهبردی برای برطرف کردن تضادها بین سایر ذینفعان کار کند . </a:t>
             </a:r>
           </a:p>
           <a:p>
@@ -7945,27 +7566,10 @@
               <a:buNone/>
             </a:pPr>
             <a:r>
-              <a:rPr lang="fa-IR" dirty="0">
-                <a:solidFill>
-                  <a:prstClr val="black"/>
-                </a:solidFill>
-                <a:cs typeface="B Nazanin" panose="00000400000000000000" pitchFamily="2" charset="-78"/>
-              </a:rPr>
-              <a:t>تاثیر تغییرات پیشنهادی بر روی کاربران و فرایندهای تجاری را ارزیابی کند . </a:t>
-            </a:r>
-          </a:p>
-          <a:p>
-            <a:pPr marL="914400" lvl="2" indent="0">
-              <a:buNone/>
-            </a:pPr>
-            <a:r>
-              <a:rPr lang="fa-IR" dirty="0">
-                <a:solidFill>
-                  <a:prstClr val="black"/>
-                </a:solidFill>
-                <a:cs typeface="B Nazanin" panose="00000400000000000000" pitchFamily="2" charset="-78"/>
-              </a:rPr>
-              <a:t>در تصمیم گیری برای تغییرات سازنده شرکت کند . </a:t>
+              <a:rPr lang="fa-IR" dirty="0" smtClean="0">
+                <a:cs typeface="B Nazanin" panose="00000400000000000000" pitchFamily="2" charset="-78"/>
+              </a:rPr>
+              <a:t>الگوریتم های تخصصی را ارائه بدهد . </a:t>
             </a:r>
           </a:p>
           <a:p>
@@ -7988,15 +7592,207 @@
           </a:p>
         </p:txBody>
       </p:sp>
-      <p:sp>
-        <p:nvSpPr>
-          <p:cNvPr id="4" name="Isosceles Triangle 3"/>
+      <p:pic>
+        <p:nvPicPr>
+          <p:cNvPr id="4" name="Picture 3"/>
+          <p:cNvPicPr>
+            <a:picLocks noChangeAspect="1"/>
+          </p:cNvPicPr>
+          <p:nvPr/>
+        </p:nvPicPr>
+        <p:blipFill>
+          <a:blip r:embed="rId2"/>
+          <a:stretch>
+            <a:fillRect/>
+          </a:stretch>
+        </p:blipFill>
+        <p:spPr>
+          <a:xfrm>
+            <a:off x="10476646" y="1923115"/>
+            <a:ext cx="560881" cy="243861"/>
+          </a:xfrm>
+          <a:prstGeom prst="rect">
+            <a:avLst/>
+          </a:prstGeom>
+        </p:spPr>
+      </p:pic>
+      <p:pic>
+        <p:nvPicPr>
+          <p:cNvPr id="5" name="Picture 4"/>
+          <p:cNvPicPr>
+            <a:picLocks noChangeAspect="1"/>
+          </p:cNvPicPr>
+          <p:nvPr/>
+        </p:nvPicPr>
+        <p:blipFill>
+          <a:blip r:embed="rId2"/>
+          <a:stretch>
+            <a:fillRect/>
+          </a:stretch>
+        </p:blipFill>
+        <p:spPr>
+          <a:xfrm>
+            <a:off x="10476645" y="2247703"/>
+            <a:ext cx="560881" cy="243861"/>
+          </a:xfrm>
+          <a:prstGeom prst="rect">
+            <a:avLst/>
+          </a:prstGeom>
+        </p:spPr>
+      </p:pic>
+      <p:pic>
+        <p:nvPicPr>
+          <p:cNvPr id="6" name="Picture 5"/>
+          <p:cNvPicPr>
+            <a:picLocks noChangeAspect="1"/>
+          </p:cNvPicPr>
+          <p:nvPr/>
+        </p:nvPicPr>
+        <p:blipFill>
+          <a:blip r:embed="rId2"/>
+          <a:stretch>
+            <a:fillRect/>
+          </a:stretch>
+        </p:blipFill>
+        <p:spPr>
+          <a:xfrm>
+            <a:off x="10467219" y="2567909"/>
+            <a:ext cx="560881" cy="243861"/>
+          </a:xfrm>
+          <a:prstGeom prst="rect">
+            <a:avLst/>
+          </a:prstGeom>
+        </p:spPr>
+      </p:pic>
+      <p:pic>
+        <p:nvPicPr>
+          <p:cNvPr id="7" name="Picture 6"/>
+          <p:cNvPicPr>
+            <a:picLocks noChangeAspect="1"/>
+          </p:cNvPicPr>
+          <p:nvPr/>
+        </p:nvPicPr>
+        <p:blipFill>
+          <a:blip r:embed="rId2"/>
+          <a:stretch>
+            <a:fillRect/>
+          </a:stretch>
+        </p:blipFill>
+        <p:spPr>
+          <a:xfrm>
+            <a:off x="10476645" y="2882397"/>
+            <a:ext cx="560881" cy="243861"/>
+          </a:xfrm>
+          <a:prstGeom prst="rect">
+            <a:avLst/>
+          </a:prstGeom>
+        </p:spPr>
+      </p:pic>
+      <p:pic>
+        <p:nvPicPr>
+          <p:cNvPr id="8" name="Picture 7"/>
+          <p:cNvPicPr>
+            <a:picLocks noChangeAspect="1"/>
+          </p:cNvPicPr>
+          <p:nvPr/>
+        </p:nvPicPr>
+        <p:blipFill>
+          <a:blip r:embed="rId2"/>
+          <a:stretch>
+            <a:fillRect/>
+          </a:stretch>
+        </p:blipFill>
+        <p:spPr>
+          <a:xfrm>
+            <a:off x="10467219" y="3284788"/>
+            <a:ext cx="560881" cy="243861"/>
+          </a:xfrm>
+          <a:prstGeom prst="rect">
+            <a:avLst/>
+          </a:prstGeom>
+        </p:spPr>
+      </p:pic>
+      <p:pic>
+        <p:nvPicPr>
+          <p:cNvPr id="9" name="Picture 8"/>
+          <p:cNvPicPr>
+            <a:picLocks noChangeAspect="1"/>
+          </p:cNvPicPr>
+          <p:nvPr/>
+        </p:nvPicPr>
+        <p:blipFill>
+          <a:blip r:embed="rId2"/>
+          <a:stretch>
+            <a:fillRect/>
+          </a:stretch>
+        </p:blipFill>
+        <p:spPr>
+          <a:xfrm>
+            <a:off x="10467219" y="3652621"/>
+            <a:ext cx="560881" cy="243861"/>
+          </a:xfrm>
+          <a:prstGeom prst="rect">
+            <a:avLst/>
+          </a:prstGeom>
+        </p:spPr>
+      </p:pic>
+      <p:pic>
+        <p:nvPicPr>
+          <p:cNvPr id="10" name="Picture 9"/>
+          <p:cNvPicPr>
+            <a:picLocks noChangeAspect="1"/>
+          </p:cNvPicPr>
+          <p:nvPr/>
+        </p:nvPicPr>
+        <p:blipFill>
+          <a:blip r:embed="rId2"/>
+          <a:stretch>
+            <a:fillRect/>
+          </a:stretch>
+        </p:blipFill>
+        <p:spPr>
+          <a:xfrm>
+            <a:off x="10467220" y="3972661"/>
+            <a:ext cx="560881" cy="243861"/>
+          </a:xfrm>
+          <a:prstGeom prst="rect">
+            <a:avLst/>
+          </a:prstGeom>
+        </p:spPr>
+      </p:pic>
+      <p:pic>
+        <p:nvPicPr>
+          <p:cNvPr id="11" name="Picture 10"/>
+          <p:cNvPicPr>
+            <a:picLocks noChangeAspect="1"/>
+          </p:cNvPicPr>
+          <p:nvPr/>
+        </p:nvPicPr>
+        <p:blipFill>
+          <a:blip r:embed="rId2"/>
+          <a:stretch>
+            <a:fillRect/>
+          </a:stretch>
+        </p:blipFill>
+        <p:spPr>
+          <a:xfrm>
+            <a:off x="10476645" y="4281598"/>
+            <a:ext cx="560881" cy="243861"/>
+          </a:xfrm>
+          <a:prstGeom prst="rect">
+            <a:avLst/>
+          </a:prstGeom>
+        </p:spPr>
+      </p:pic>
+      <p:sp>
+        <p:nvSpPr>
+          <p:cNvPr id="12" name="Isosceles Triangle 11"/>
           <p:cNvSpPr/>
           <p:nvPr/>
         </p:nvSpPr>
         <p:spPr>
           <a:xfrm rot="16200000">
-            <a:off x="11113415" y="1868044"/>
+            <a:off x="10797141" y="1641078"/>
             <a:ext cx="282804" cy="197966"/>
           </a:xfrm>
           <a:prstGeom prst="triangle">
@@ -8036,162 +7832,18 @@
           </a:p>
         </p:txBody>
       </p:sp>
-      <p:pic>
-        <p:nvPicPr>
-          <p:cNvPr id="5" name="Picture 4"/>
-          <p:cNvPicPr>
-            <a:picLocks noChangeAspect="1"/>
-          </p:cNvPicPr>
-          <p:nvPr/>
-        </p:nvPicPr>
-        <p:blipFill>
-          <a:blip r:embed="rId2"/>
-          <a:stretch>
-            <a:fillRect/>
-          </a:stretch>
-        </p:blipFill>
-        <p:spPr>
-          <a:xfrm>
-            <a:off x="10502055" y="2210909"/>
-            <a:ext cx="560881" cy="243861"/>
-          </a:xfrm>
-          <a:prstGeom prst="rect">
-            <a:avLst/>
-          </a:prstGeom>
-        </p:spPr>
-      </p:pic>
-      <p:pic>
-        <p:nvPicPr>
-          <p:cNvPr id="6" name="Picture 5"/>
-          <p:cNvPicPr>
-            <a:picLocks noChangeAspect="1"/>
-          </p:cNvPicPr>
-          <p:nvPr/>
-        </p:nvPicPr>
-        <p:blipFill>
-          <a:blip r:embed="rId2"/>
-          <a:stretch>
-            <a:fillRect/>
-          </a:stretch>
-        </p:blipFill>
-        <p:spPr>
-          <a:xfrm>
-            <a:off x="10502054" y="2596193"/>
-            <a:ext cx="560881" cy="243861"/>
-          </a:xfrm>
-          <a:prstGeom prst="rect">
-            <a:avLst/>
-          </a:prstGeom>
-        </p:spPr>
-      </p:pic>
-      <p:pic>
-        <p:nvPicPr>
-          <p:cNvPr id="7" name="Picture 6"/>
-          <p:cNvPicPr>
-            <a:picLocks noChangeAspect="1"/>
-          </p:cNvPicPr>
-          <p:nvPr/>
-        </p:nvPicPr>
-        <p:blipFill>
-          <a:blip r:embed="rId2"/>
-          <a:stretch>
-            <a:fillRect/>
-          </a:stretch>
-        </p:blipFill>
-        <p:spPr>
-          <a:xfrm>
-            <a:off x="10502054" y="2916136"/>
-            <a:ext cx="560881" cy="243861"/>
-          </a:xfrm>
-          <a:prstGeom prst="rect">
-            <a:avLst/>
-          </a:prstGeom>
-        </p:spPr>
-      </p:pic>
-      <p:pic>
-        <p:nvPicPr>
-          <p:cNvPr id="8" name="Picture 7"/>
-          <p:cNvPicPr>
-            <a:picLocks noChangeAspect="1"/>
-          </p:cNvPicPr>
-          <p:nvPr/>
-        </p:nvPicPr>
-        <p:blipFill>
-          <a:blip r:embed="rId2"/>
-          <a:stretch>
-            <a:fillRect/>
-          </a:stretch>
-        </p:blipFill>
-        <p:spPr>
-          <a:xfrm>
-            <a:off x="10502054" y="3238344"/>
-            <a:ext cx="560881" cy="243861"/>
-          </a:xfrm>
-          <a:prstGeom prst="rect">
-            <a:avLst/>
-          </a:prstGeom>
-        </p:spPr>
-      </p:pic>
-      <p:pic>
-        <p:nvPicPr>
-          <p:cNvPr id="9" name="Picture 8"/>
-          <p:cNvPicPr>
-            <a:picLocks noChangeAspect="1"/>
-          </p:cNvPicPr>
-          <p:nvPr/>
-        </p:nvPicPr>
-        <p:blipFill>
-          <a:blip r:embed="rId2"/>
-          <a:stretch>
-            <a:fillRect/>
-          </a:stretch>
-        </p:blipFill>
-        <p:spPr>
-          <a:xfrm>
-            <a:off x="10502054" y="3558287"/>
-            <a:ext cx="560881" cy="243861"/>
-          </a:xfrm>
-          <a:prstGeom prst="rect">
-            <a:avLst/>
-          </a:prstGeom>
-        </p:spPr>
-      </p:pic>
-      <p:pic>
-        <p:nvPicPr>
-          <p:cNvPr id="10" name="Picture 9"/>
-          <p:cNvPicPr>
-            <a:picLocks noChangeAspect="1"/>
-          </p:cNvPicPr>
-          <p:nvPr/>
-        </p:nvPicPr>
-        <p:blipFill>
-          <a:blip r:embed="rId3"/>
-          <a:stretch>
-            <a:fillRect/>
-          </a:stretch>
-        </p:blipFill>
-        <p:spPr>
-          <a:xfrm>
-            <a:off x="11204435" y="1392364"/>
-            <a:ext cx="298730" cy="304826"/>
-          </a:xfrm>
-          <a:prstGeom prst="rect">
-            <a:avLst/>
-          </a:prstGeom>
-        </p:spPr>
-      </p:pic>
-      <p:sp>
-        <p:nvSpPr>
-          <p:cNvPr id="21" name="Isosceles Triangle 20"/>
+      <p:sp>
+        <p:nvSpPr>
+          <p:cNvPr id="13" name="Cube 12"/>
           <p:cNvSpPr/>
           <p:nvPr/>
         </p:nvSpPr>
         <p:spPr>
-          <a:xfrm rot="16200000">
-            <a:off x="11072956" y="4003682"/>
-            <a:ext cx="282804" cy="197966"/>
-          </a:xfrm>
-          <a:prstGeom prst="triangle">
+          <a:xfrm>
+            <a:off x="10757087" y="1097606"/>
+            <a:ext cx="285750" cy="292248"/>
+          </a:xfrm>
+          <a:prstGeom prst="cube">
             <a:avLst/>
           </a:prstGeom>
           <a:solidFill>
@@ -8228,130 +7880,10 @@
           </a:p>
         </p:txBody>
       </p:sp>
-      <p:pic>
-        <p:nvPicPr>
-          <p:cNvPr id="23" name="Picture 22"/>
-          <p:cNvPicPr>
-            <a:picLocks noChangeAspect="1"/>
-          </p:cNvPicPr>
-          <p:nvPr/>
-        </p:nvPicPr>
-        <p:blipFill>
-          <a:blip r:embed="rId2"/>
-          <a:stretch>
-            <a:fillRect/>
-          </a:stretch>
-        </p:blipFill>
-        <p:spPr>
-          <a:xfrm>
-            <a:off x="10513248" y="4387712"/>
-            <a:ext cx="560881" cy="243861"/>
-          </a:xfrm>
-          <a:prstGeom prst="rect">
-            <a:avLst/>
-          </a:prstGeom>
-        </p:spPr>
-      </p:pic>
-      <p:pic>
-        <p:nvPicPr>
-          <p:cNvPr id="24" name="Picture 23"/>
-          <p:cNvPicPr>
-            <a:picLocks noChangeAspect="1"/>
-          </p:cNvPicPr>
-          <p:nvPr/>
-        </p:nvPicPr>
-        <p:blipFill>
-          <a:blip r:embed="rId2"/>
-          <a:stretch>
-            <a:fillRect/>
-          </a:stretch>
-        </p:blipFill>
-        <p:spPr>
-          <a:xfrm>
-            <a:off x="10502054" y="4355255"/>
-            <a:ext cx="560881" cy="243861"/>
-          </a:xfrm>
-          <a:prstGeom prst="rect">
-            <a:avLst/>
-          </a:prstGeom>
-        </p:spPr>
-      </p:pic>
-      <p:pic>
-        <p:nvPicPr>
-          <p:cNvPr id="25" name="Picture 24"/>
-          <p:cNvPicPr>
-            <a:picLocks noChangeAspect="1"/>
-          </p:cNvPicPr>
-          <p:nvPr/>
-        </p:nvPicPr>
-        <p:blipFill>
-          <a:blip r:embed="rId2"/>
-          <a:stretch>
-            <a:fillRect/>
-          </a:stretch>
-        </p:blipFill>
-        <p:spPr>
-          <a:xfrm>
-            <a:off x="10513248" y="4734053"/>
-            <a:ext cx="560881" cy="243861"/>
-          </a:xfrm>
-          <a:prstGeom prst="rect">
-            <a:avLst/>
-          </a:prstGeom>
-        </p:spPr>
-      </p:pic>
-      <p:pic>
-        <p:nvPicPr>
-          <p:cNvPr id="26" name="Picture 25"/>
-          <p:cNvPicPr>
-            <a:picLocks noChangeAspect="1"/>
-          </p:cNvPicPr>
-          <p:nvPr/>
-        </p:nvPicPr>
-        <p:blipFill>
-          <a:blip r:embed="rId2"/>
-          <a:stretch>
-            <a:fillRect/>
-          </a:stretch>
-        </p:blipFill>
-        <p:spPr>
-          <a:xfrm>
-            <a:off x="10513248" y="5076188"/>
-            <a:ext cx="560881" cy="243861"/>
-          </a:xfrm>
-          <a:prstGeom prst="rect">
-            <a:avLst/>
-          </a:prstGeom>
-        </p:spPr>
-      </p:pic>
-      <p:pic>
-        <p:nvPicPr>
-          <p:cNvPr id="31" name="Picture 30"/>
-          <p:cNvPicPr>
-            <a:picLocks noChangeAspect="1"/>
-          </p:cNvPicPr>
-          <p:nvPr/>
-        </p:nvPicPr>
-        <p:blipFill>
-          <a:blip r:embed="rId2"/>
-          <a:stretch>
-            <a:fillRect/>
-          </a:stretch>
-        </p:blipFill>
-        <p:spPr>
-          <a:xfrm>
-            <a:off x="10513248" y="5382715"/>
-            <a:ext cx="560881" cy="243861"/>
-          </a:xfrm>
-          <a:prstGeom prst="rect">
-            <a:avLst/>
-          </a:prstGeom>
-        </p:spPr>
-      </p:pic>
     </p:spTree>
     <p:extLst>
       <p:ext uri="{BB962C8B-B14F-4D97-AF65-F5344CB8AC3E}">
-        <p14:creationId xmlns:p14="http://schemas.microsoft.com/office/powerpoint/2010/main" val="1900475528"/>
+        <p14:creationId xmlns:p14="http://schemas.microsoft.com/office/powerpoint/2010/main" val="3060607866"/>
       </p:ext>
     </p:extLst>
   </p:cSld>
@@ -8390,8 +7922,8 @@
         </p:nvSpPr>
         <p:spPr>
           <a:xfrm>
-            <a:off x="838200" y="365126"/>
-            <a:ext cx="10515600" cy="775698"/>
+            <a:off x="838200" y="365125"/>
+            <a:ext cx="10515600" cy="818347"/>
           </a:xfrm>
         </p:spPr>
         <p:txBody>
@@ -8408,7 +7940,7 @@
                 </a:solidFill>
                 <a:cs typeface="B Nazanin" panose="00000400000000000000" pitchFamily="2" charset="-78"/>
               </a:rPr>
-              <a:t>قهرمان محصول(ادامه)</a:t>
+              <a:t>قهرمان محصول (ادامه)</a:t>
             </a:r>
             <a:endParaRPr lang="en-US" sz="3600" u="sng" dirty="0">
               <a:solidFill>
@@ -8431,8 +7963,8 @@
         </p:nvSpPr>
         <p:spPr>
           <a:xfrm>
-            <a:off x="707572" y="1210491"/>
-            <a:ext cx="10515600" cy="4994494"/>
+            <a:off x="838200" y="992778"/>
+            <a:ext cx="10317634" cy="5184186"/>
           </a:xfrm>
         </p:spPr>
         <p:txBody>
@@ -8441,40 +7973,128 @@
           </a:bodyPr>
           <a:lstStyle/>
           <a:p>
+            <a:pPr marL="0" indent="0" algn="r" rtl="1">
+              <a:buNone/>
+            </a:pPr>
+            <a:r>
+              <a:rPr lang="fa-IR" sz="2000" dirty="0" smtClean="0">
+                <a:cs typeface="B Nazanin" panose="00000400000000000000" pitchFamily="2" charset="-78"/>
+              </a:rPr>
+              <a:t>  </a:t>
+            </a:r>
+          </a:p>
+          <a:p>
+            <a:pPr marL="0" indent="0" algn="r" rtl="1">
+              <a:buNone/>
+            </a:pPr>
+            <a:r>
+              <a:rPr lang="fa-IR" sz="2400" dirty="0" smtClean="0">
+                <a:solidFill>
+                  <a:srgbClr val="C00000"/>
+                </a:solidFill>
+                <a:cs typeface="B Nazanin" panose="00000400000000000000" pitchFamily="2" charset="-78"/>
+              </a:rPr>
+              <a:t>انتظارات از قهرمان محصول </a:t>
+            </a:r>
+            <a:endParaRPr lang="fa-IR" sz="2400" dirty="0">
+              <a:solidFill>
+                <a:srgbClr val="C00000"/>
+              </a:solidFill>
+              <a:cs typeface="B Nazanin" panose="00000400000000000000" pitchFamily="2" charset="-78"/>
+            </a:endParaRPr>
+          </a:p>
+          <a:p>
+            <a:pPr marL="0" indent="0" algn="r" rtl="1">
+              <a:buNone/>
+            </a:pPr>
+            <a:r>
+              <a:rPr lang="fa-IR" sz="2000" dirty="0" smtClean="0">
+                <a:cs typeface="B Nazanin" panose="00000400000000000000" pitchFamily="2" charset="-78"/>
+              </a:rPr>
+              <a:t>  اعتبار سنجی و تایید :</a:t>
+            </a:r>
+          </a:p>
+          <a:p>
+            <a:pPr marL="914400" lvl="2" indent="0">
+              <a:buNone/>
+            </a:pPr>
+            <a:r>
+              <a:rPr lang="fa-IR" dirty="0" smtClean="0">
+                <a:cs typeface="B Nazanin" panose="00000400000000000000" pitchFamily="2" charset="-78"/>
+              </a:rPr>
+              <a:t>مشخات نیازمندی ها را بررسی کند .</a:t>
+            </a:r>
+          </a:p>
+          <a:p>
+            <a:pPr marL="914400" lvl="2" indent="0">
+              <a:buNone/>
+            </a:pPr>
+            <a:r>
+              <a:rPr lang="fa-IR" dirty="0" smtClean="0">
+                <a:cs typeface="B Nazanin" panose="00000400000000000000" pitchFamily="2" charset="-78"/>
+              </a:rPr>
+              <a:t>معیارهای پذیرش را تعریف کند </a:t>
+            </a:r>
+          </a:p>
+          <a:p>
+            <a:pPr marL="914400" lvl="2" indent="0">
+              <a:buNone/>
+            </a:pPr>
+            <a:r>
+              <a:rPr lang="fa-IR" dirty="0" smtClean="0">
+                <a:cs typeface="B Nazanin" panose="00000400000000000000" pitchFamily="2" charset="-78"/>
+              </a:rPr>
+              <a:t>از سناریوهای کاربردی تست پذیرش کاربر را توسعه دهد . </a:t>
+            </a:r>
+          </a:p>
+          <a:p>
+            <a:pPr marL="914400" lvl="2" indent="0">
+              <a:buNone/>
+            </a:pPr>
+            <a:r>
+              <a:rPr lang="fa-IR" dirty="0" smtClean="0">
+                <a:cs typeface="B Nazanin" panose="00000400000000000000" pitchFamily="2" charset="-78"/>
+              </a:rPr>
+              <a:t>مجموعه داده های آزمایشی را از کسب و کار ارائه دهید </a:t>
+            </a:r>
+          </a:p>
+          <a:p>
+            <a:pPr marL="914400" lvl="2" indent="0">
+              <a:buNone/>
+            </a:pPr>
+            <a:r>
+              <a:rPr lang="fa-IR" dirty="0" smtClean="0">
+                <a:cs typeface="B Nazanin" panose="00000400000000000000" pitchFamily="2" charset="-78"/>
+              </a:rPr>
+              <a:t>تست پذیرش کاربر یا بتا تست را انجام دهد . </a:t>
+            </a:r>
+          </a:p>
+          <a:p>
             <a:pPr marL="0" lvl="0" indent="0">
               <a:buNone/>
             </a:pPr>
             <a:r>
-              <a:rPr lang="fa-IR" sz="2400" dirty="0" smtClean="0">
-                <a:solidFill>
-                  <a:srgbClr val="C00000"/>
-                </a:solidFill>
-                <a:cs typeface="B Nazanin" panose="00000400000000000000" pitchFamily="2" charset="-78"/>
-              </a:rPr>
-              <a:t>انتظارات از قهرمان محصول </a:t>
-            </a:r>
-          </a:p>
-          <a:p>
-            <a:pPr marL="0" lvl="0" indent="0">
-              <a:buNone/>
-            </a:pPr>
-            <a:r>
-              <a:rPr lang="fa-IR" sz="2000" dirty="0" smtClean="0">
+              <a:rPr lang="fa-IR" sz="2000" dirty="0">
                 <a:solidFill>
                   <a:prstClr val="black"/>
                 </a:solidFill>
                 <a:cs typeface="B Nazanin" panose="00000400000000000000" pitchFamily="2" charset="-78"/>
               </a:rPr>
-              <a:t>کمک </a:t>
-            </a:r>
-            <a:r>
-              <a:rPr lang="fa-IR" sz="2000" dirty="0">
+              <a:t>مدیریت تغییرات </a:t>
+            </a:r>
+          </a:p>
+          <a:p>
+            <a:pPr marL="914400" lvl="2" indent="0">
+              <a:buNone/>
+            </a:pPr>
+            <a:r>
+              <a:rPr lang="fa-IR" dirty="0">
                 <a:solidFill>
                   <a:prstClr val="black"/>
                 </a:solidFill>
                 <a:cs typeface="B Nazanin" panose="00000400000000000000" pitchFamily="2" charset="-78"/>
               </a:rPr>
-              <a:t>های کاربر</a:t>
+              <a:t>درخواست های بهبود و اصلاحات نقص ها را الویت بندی کند .</a:t>
             </a:r>
           </a:p>
           <a:p>
@@ -8488,7 +8108,7 @@
                 </a:solidFill>
                 <a:cs typeface="B Nazanin" panose="00000400000000000000" pitchFamily="2" charset="-78"/>
               </a:rPr>
-              <a:t>بخش های از اسناد کاربر و متن راهنما را بنویسد .</a:t>
+              <a:t>به صورت پویا محدوده انتشارات آینده را مشخص کند . </a:t>
             </a:r>
           </a:p>
           <a:p>
@@ -8502,7 +8122,7 @@
                 </a:solidFill>
                 <a:cs typeface="B Nazanin" panose="00000400000000000000" pitchFamily="2" charset="-78"/>
               </a:rPr>
-              <a:t>در برنامه های تمرینی یا آموزش شرکت کند .</a:t>
+              <a:t>تاثیر تغییرات پیشنهادی بر روی کاربران و فرایندهای تجاری را ارزیابی کند . </a:t>
             </a:r>
           </a:p>
           <a:p>
@@ -8516,7 +8136,7 @@
                 </a:solidFill>
                 <a:cs typeface="B Nazanin" panose="00000400000000000000" pitchFamily="2" charset="-78"/>
               </a:rPr>
-              <a:t>سیستم را برای همتایان خود شرح دهد . </a:t>
+              <a:t>در تصمیم گیری برای تغییرات سازنده شرکت کند . </a:t>
             </a:r>
           </a:p>
           <a:p>
@@ -8537,35 +8157,17 @@
               <a:cs typeface="B Nazanin" panose="00000400000000000000" pitchFamily="2" charset="-78"/>
             </a:endParaRPr>
           </a:p>
-          <a:p>
-            <a:pPr algn="r" rtl="1">
-              <a:buFont typeface="Wingdings" panose="05000000000000000000" pitchFamily="2" charset="2"/>
-              <a:buChar char="q"/>
-            </a:pPr>
-            <a:endParaRPr lang="fa-IR" sz="2000" dirty="0" smtClean="0">
-              <a:cs typeface="B Nazanin" panose="00000400000000000000" pitchFamily="2" charset="-78"/>
-            </a:endParaRPr>
-          </a:p>
-          <a:p>
-            <a:pPr algn="r" rtl="1">
-              <a:buFont typeface="Wingdings" panose="05000000000000000000" pitchFamily="2" charset="2"/>
-              <a:buChar char="q"/>
-            </a:pPr>
-            <a:endParaRPr lang="fa-IR" sz="2000" dirty="0" smtClean="0">
-              <a:cs typeface="B Nazanin" panose="00000400000000000000" pitchFamily="2" charset="-78"/>
-            </a:endParaRPr>
-          </a:p>
-        </p:txBody>
-      </p:sp>
-      <p:sp>
-        <p:nvSpPr>
-          <p:cNvPr id="5" name="Isosceles Triangle 4"/>
+        </p:txBody>
+      </p:sp>
+      <p:sp>
+        <p:nvSpPr>
+          <p:cNvPr id="4" name="Isosceles Triangle 3"/>
           <p:cNvSpPr/>
           <p:nvPr/>
         </p:nvSpPr>
         <p:spPr>
           <a:xfrm rot="16200000">
-            <a:off x="11137715" y="1731692"/>
+            <a:off x="11113415" y="1868044"/>
             <a:ext cx="282804" cy="197966"/>
           </a:xfrm>
           <a:prstGeom prst="triangle">
@@ -8607,7 +8209,7 @@
       </p:sp>
       <p:pic>
         <p:nvPicPr>
-          <p:cNvPr id="10" name="Picture 9"/>
+          <p:cNvPr id="5" name="Picture 4"/>
           <p:cNvPicPr>
             <a:picLocks noChangeAspect="1"/>
           </p:cNvPicPr>
@@ -8621,7 +8223,7 @@
         </p:blipFill>
         <p:spPr>
           <a:xfrm>
-            <a:off x="10316407" y="2091967"/>
+            <a:off x="10502055" y="2210909"/>
             <a:ext cx="560881" cy="243861"/>
           </a:xfrm>
           <a:prstGeom prst="rect">
@@ -8631,7 +8233,7 @@
       </p:pic>
       <p:pic>
         <p:nvPicPr>
-          <p:cNvPr id="11" name="Picture 10"/>
+          <p:cNvPr id="6" name="Picture 5"/>
           <p:cNvPicPr>
             <a:picLocks noChangeAspect="1"/>
           </p:cNvPicPr>
@@ -8645,7 +8247,7 @@
         </p:blipFill>
         <p:spPr>
           <a:xfrm>
-            <a:off x="10316407" y="2467103"/>
+            <a:off x="10502054" y="2596193"/>
             <a:ext cx="560881" cy="243861"/>
           </a:xfrm>
           <a:prstGeom prst="rect">
@@ -8655,7 +8257,7 @@
       </p:pic>
       <p:pic>
         <p:nvPicPr>
-          <p:cNvPr id="12" name="Picture 11"/>
+          <p:cNvPr id="7" name="Picture 6"/>
           <p:cNvPicPr>
             <a:picLocks noChangeAspect="1"/>
           </p:cNvPicPr>
@@ -8669,7 +8271,7 @@
         </p:blipFill>
         <p:spPr>
           <a:xfrm>
-            <a:off x="10339582" y="2787307"/>
+            <a:off x="10502054" y="2916136"/>
             <a:ext cx="560881" cy="243861"/>
           </a:xfrm>
           <a:prstGeom prst="rect">
@@ -8679,7 +8281,55 @@
       </p:pic>
       <p:pic>
         <p:nvPicPr>
-          <p:cNvPr id="14" name="Picture 13"/>
+          <p:cNvPr id="8" name="Picture 7"/>
+          <p:cNvPicPr>
+            <a:picLocks noChangeAspect="1"/>
+          </p:cNvPicPr>
+          <p:nvPr/>
+        </p:nvPicPr>
+        <p:blipFill>
+          <a:blip r:embed="rId2"/>
+          <a:stretch>
+            <a:fillRect/>
+          </a:stretch>
+        </p:blipFill>
+        <p:spPr>
+          <a:xfrm>
+            <a:off x="10502054" y="3238344"/>
+            <a:ext cx="560881" cy="243861"/>
+          </a:xfrm>
+          <a:prstGeom prst="rect">
+            <a:avLst/>
+          </a:prstGeom>
+        </p:spPr>
+      </p:pic>
+      <p:pic>
+        <p:nvPicPr>
+          <p:cNvPr id="9" name="Picture 8"/>
+          <p:cNvPicPr>
+            <a:picLocks noChangeAspect="1"/>
+          </p:cNvPicPr>
+          <p:nvPr/>
+        </p:nvPicPr>
+        <p:blipFill>
+          <a:blip r:embed="rId2"/>
+          <a:stretch>
+            <a:fillRect/>
+          </a:stretch>
+        </p:blipFill>
+        <p:spPr>
+          <a:xfrm>
+            <a:off x="10502054" y="3558287"/>
+            <a:ext cx="560881" cy="243861"/>
+          </a:xfrm>
+          <a:prstGeom prst="rect">
+            <a:avLst/>
+          </a:prstGeom>
+        </p:spPr>
+      </p:pic>
+      <p:pic>
+        <p:nvPicPr>
+          <p:cNvPr id="10" name="Picture 9"/>
           <p:cNvPicPr>
             <a:picLocks noChangeAspect="1"/>
           </p:cNvPicPr>
@@ -8693,8 +8343,176 @@
         </p:blipFill>
         <p:spPr>
           <a:xfrm>
-            <a:off x="11279117" y="1210491"/>
-            <a:ext cx="347331" cy="304826"/>
+            <a:off x="11204435" y="1392364"/>
+            <a:ext cx="298730" cy="304826"/>
+          </a:xfrm>
+          <a:prstGeom prst="rect">
+            <a:avLst/>
+          </a:prstGeom>
+        </p:spPr>
+      </p:pic>
+      <p:sp>
+        <p:nvSpPr>
+          <p:cNvPr id="21" name="Isosceles Triangle 20"/>
+          <p:cNvSpPr/>
+          <p:nvPr/>
+        </p:nvSpPr>
+        <p:spPr>
+          <a:xfrm rot="16200000">
+            <a:off x="11072956" y="4003682"/>
+            <a:ext cx="282804" cy="197966"/>
+          </a:xfrm>
+          <a:prstGeom prst="triangle">
+            <a:avLst/>
+          </a:prstGeom>
+          <a:solidFill>
+            <a:srgbClr val="C00000"/>
+          </a:solidFill>
+          <a:ln>
+            <a:solidFill>
+              <a:srgbClr val="C00000"/>
+            </a:solidFill>
+          </a:ln>
+        </p:spPr>
+        <p:style>
+          <a:lnRef idx="2">
+            <a:schemeClr val="accent1">
+              <a:shade val="50000"/>
+            </a:schemeClr>
+          </a:lnRef>
+          <a:fillRef idx="1">
+            <a:schemeClr val="accent1"/>
+          </a:fillRef>
+          <a:effectRef idx="0">
+            <a:schemeClr val="accent1"/>
+          </a:effectRef>
+          <a:fontRef idx="minor">
+            <a:schemeClr val="lt1"/>
+          </a:fontRef>
+        </p:style>
+        <p:txBody>
+          <a:bodyPr rtlCol="1" anchor="ctr"/>
+          <a:lstStyle/>
+          <a:p>
+            <a:pPr algn="ctr"/>
+            <a:endParaRPr lang="fa-IR"/>
+          </a:p>
+        </p:txBody>
+      </p:sp>
+      <p:pic>
+        <p:nvPicPr>
+          <p:cNvPr id="23" name="Picture 22"/>
+          <p:cNvPicPr>
+            <a:picLocks noChangeAspect="1"/>
+          </p:cNvPicPr>
+          <p:nvPr/>
+        </p:nvPicPr>
+        <p:blipFill>
+          <a:blip r:embed="rId2"/>
+          <a:stretch>
+            <a:fillRect/>
+          </a:stretch>
+        </p:blipFill>
+        <p:spPr>
+          <a:xfrm>
+            <a:off x="10513248" y="4387712"/>
+            <a:ext cx="560881" cy="243861"/>
+          </a:xfrm>
+          <a:prstGeom prst="rect">
+            <a:avLst/>
+          </a:prstGeom>
+        </p:spPr>
+      </p:pic>
+      <p:pic>
+        <p:nvPicPr>
+          <p:cNvPr id="24" name="Picture 23"/>
+          <p:cNvPicPr>
+            <a:picLocks noChangeAspect="1"/>
+          </p:cNvPicPr>
+          <p:nvPr/>
+        </p:nvPicPr>
+        <p:blipFill>
+          <a:blip r:embed="rId2"/>
+          <a:stretch>
+            <a:fillRect/>
+          </a:stretch>
+        </p:blipFill>
+        <p:spPr>
+          <a:xfrm>
+            <a:off x="10502054" y="4355255"/>
+            <a:ext cx="560881" cy="243861"/>
+          </a:xfrm>
+          <a:prstGeom prst="rect">
+            <a:avLst/>
+          </a:prstGeom>
+        </p:spPr>
+      </p:pic>
+      <p:pic>
+        <p:nvPicPr>
+          <p:cNvPr id="25" name="Picture 24"/>
+          <p:cNvPicPr>
+            <a:picLocks noChangeAspect="1"/>
+          </p:cNvPicPr>
+          <p:nvPr/>
+        </p:nvPicPr>
+        <p:blipFill>
+          <a:blip r:embed="rId2"/>
+          <a:stretch>
+            <a:fillRect/>
+          </a:stretch>
+        </p:blipFill>
+        <p:spPr>
+          <a:xfrm>
+            <a:off x="10513248" y="4734053"/>
+            <a:ext cx="560881" cy="243861"/>
+          </a:xfrm>
+          <a:prstGeom prst="rect">
+            <a:avLst/>
+          </a:prstGeom>
+        </p:spPr>
+      </p:pic>
+      <p:pic>
+        <p:nvPicPr>
+          <p:cNvPr id="26" name="Picture 25"/>
+          <p:cNvPicPr>
+            <a:picLocks noChangeAspect="1"/>
+          </p:cNvPicPr>
+          <p:nvPr/>
+        </p:nvPicPr>
+        <p:blipFill>
+          <a:blip r:embed="rId2"/>
+          <a:stretch>
+            <a:fillRect/>
+          </a:stretch>
+        </p:blipFill>
+        <p:spPr>
+          <a:xfrm>
+            <a:off x="10513248" y="5076188"/>
+            <a:ext cx="560881" cy="243861"/>
+          </a:xfrm>
+          <a:prstGeom prst="rect">
+            <a:avLst/>
+          </a:prstGeom>
+        </p:spPr>
+      </p:pic>
+      <p:pic>
+        <p:nvPicPr>
+          <p:cNvPr id="31" name="Picture 30"/>
+          <p:cNvPicPr>
+            <a:picLocks noChangeAspect="1"/>
+          </p:cNvPicPr>
+          <p:nvPr/>
+        </p:nvPicPr>
+        <p:blipFill>
+          <a:blip r:embed="rId2"/>
+          <a:stretch>
+            <a:fillRect/>
+          </a:stretch>
+        </p:blipFill>
+        <p:spPr>
+          <a:xfrm>
+            <a:off x="10513248" y="5382715"/>
+            <a:ext cx="560881" cy="243861"/>
           </a:xfrm>
           <a:prstGeom prst="rect">
             <a:avLst/>
@@ -8704,7 +8522,7 @@
     </p:spTree>
     <p:extLst>
       <p:ext uri="{BB962C8B-B14F-4D97-AF65-F5344CB8AC3E}">
-        <p14:creationId xmlns:p14="http://schemas.microsoft.com/office/powerpoint/2010/main" val="2598287691"/>
+        <p14:creationId xmlns:p14="http://schemas.microsoft.com/office/powerpoint/2010/main" val="1900475528"/>
       </p:ext>
     </p:extLst>
   </p:cSld>
@@ -8744,7 +8562,7 @@
         <p:spPr>
           <a:xfrm>
             <a:off x="838200" y="365126"/>
-            <a:ext cx="10515600" cy="627651"/>
+            <a:ext cx="10515600" cy="775698"/>
           </a:xfrm>
         </p:spPr>
         <p:txBody>
@@ -8761,9 +8579,9 @@
                 </a:solidFill>
                 <a:cs typeface="B Nazanin" panose="00000400000000000000" pitchFamily="2" charset="-78"/>
               </a:rPr>
-              <a:t>قهرمان محصول (ادامه )</a:t>
-            </a:r>
-            <a:endParaRPr lang="fa-IR" sz="3600" u="sng" dirty="0">
+              <a:t>قهرمان محصول(ادامه)</a:t>
+            </a:r>
+            <a:endParaRPr lang="en-US" sz="3600" u="sng" dirty="0">
               <a:solidFill>
                 <a:srgbClr val="C00000"/>
               </a:solidFill>
@@ -8784,8 +8602,8 @@
         </p:nvSpPr>
         <p:spPr>
           <a:xfrm>
-            <a:off x="838200" y="1272619"/>
-            <a:ext cx="10515600" cy="4904344"/>
+            <a:off x="707572" y="1210491"/>
+            <a:ext cx="10515600" cy="4994494"/>
           </a:xfrm>
         </p:spPr>
         <p:txBody>
@@ -8794,7 +8612,7 @@
           </a:bodyPr>
           <a:lstStyle/>
           <a:p>
-            <a:pPr marL="0" indent="0" algn="r" rtl="1">
+            <a:pPr marL="0" lvl="0" indent="0">
               <a:buNone/>
             </a:pPr>
             <a:r>
@@ -8804,106 +8622,163 @@
                 </a:solidFill>
                 <a:cs typeface="B Nazanin" panose="00000400000000000000" pitchFamily="2" charset="-78"/>
               </a:rPr>
-              <a:t>    چندنین قهرمان محصول </a:t>
+              <a:t>انتظارات از قهرمان محصول </a:t>
+            </a:r>
+          </a:p>
+          <a:p>
+            <a:pPr marL="0" lvl="0" indent="0">
+              <a:buNone/>
+            </a:pPr>
+            <a:r>
+              <a:rPr lang="fa-IR" sz="2000" dirty="0" smtClean="0">
+                <a:solidFill>
+                  <a:prstClr val="black"/>
+                </a:solidFill>
+                <a:cs typeface="B Nazanin" panose="00000400000000000000" pitchFamily="2" charset="-78"/>
+              </a:rPr>
+              <a:t>کمک </a:t>
+            </a:r>
+            <a:r>
+              <a:rPr lang="fa-IR" sz="2000" dirty="0">
+                <a:solidFill>
+                  <a:prstClr val="black"/>
+                </a:solidFill>
+                <a:cs typeface="B Nazanin" panose="00000400000000000000" pitchFamily="2" charset="-78"/>
+              </a:rPr>
+              <a:t>های کاربر</a:t>
+            </a:r>
+          </a:p>
+          <a:p>
+            <a:pPr marL="914400" lvl="2" indent="0">
+              <a:buNone/>
+            </a:pPr>
+            <a:r>
+              <a:rPr lang="fa-IR" dirty="0">
+                <a:solidFill>
+                  <a:prstClr val="black"/>
+                </a:solidFill>
+                <a:cs typeface="B Nazanin" panose="00000400000000000000" pitchFamily="2" charset="-78"/>
+              </a:rPr>
+              <a:t>بخش های از اسناد کاربر و متن راهنما را بنویسد .</a:t>
+            </a:r>
+          </a:p>
+          <a:p>
+            <a:pPr marL="914400" lvl="2" indent="0">
+              <a:buNone/>
+            </a:pPr>
+            <a:r>
+              <a:rPr lang="fa-IR" dirty="0">
+                <a:solidFill>
+                  <a:prstClr val="black"/>
+                </a:solidFill>
+                <a:cs typeface="B Nazanin" panose="00000400000000000000" pitchFamily="2" charset="-78"/>
+              </a:rPr>
+              <a:t>در برنامه های تمرینی یا آموزش شرکت کند .</a:t>
+            </a:r>
+          </a:p>
+          <a:p>
+            <a:pPr marL="914400" lvl="2" indent="0">
+              <a:buNone/>
+            </a:pPr>
+            <a:r>
+              <a:rPr lang="fa-IR" dirty="0">
+                <a:solidFill>
+                  <a:prstClr val="black"/>
+                </a:solidFill>
+                <a:cs typeface="B Nazanin" panose="00000400000000000000" pitchFamily="2" charset="-78"/>
+              </a:rPr>
+              <a:t>سیستم را برای همتایان خود شرح دهد . </a:t>
             </a:r>
           </a:p>
           <a:p>
             <a:pPr algn="r" rtl="1">
               <a:buFont typeface="Wingdings" panose="05000000000000000000" pitchFamily="2" charset="2"/>
-              <a:buChar char="§"/>
-            </a:pPr>
-            <a:r>
-              <a:rPr lang="fa-IR" sz="2400" dirty="0" smtClean="0">
-                <a:cs typeface="B Nazanin" panose="00000400000000000000" pitchFamily="2" charset="-78"/>
-              </a:rPr>
-              <a:t>یک نفر به ندرت می‌تواند نیازمندی های همه کلاسهای کاربری یک سیستم را توصیف کند . </a:t>
-            </a:r>
+              <a:buChar char="q"/>
+            </a:pPr>
+            <a:endParaRPr lang="fa-IR" sz="2000" dirty="0" smtClean="0">
+              <a:cs typeface="B Nazanin" panose="00000400000000000000" pitchFamily="2" charset="-78"/>
+            </a:endParaRPr>
           </a:p>
           <a:p>
             <a:pPr algn="r" rtl="1">
               <a:buFont typeface="Wingdings" panose="05000000000000000000" pitchFamily="2" charset="2"/>
-              <a:buChar char="§"/>
-            </a:pPr>
-            <a:r>
-              <a:rPr lang="fa-IR" sz="2400" dirty="0" smtClean="0">
-                <a:cs typeface="B Nazanin" panose="00000400000000000000" pitchFamily="2" charset="-78"/>
-              </a:rPr>
-              <a:t>برای اینکه این کار به خوبی انجام شود به تعداد کلاس‌های کاربری باید قهرمان محصول در نظر گرفت . </a:t>
-            </a:r>
-          </a:p>
-          <a:p>
-            <a:pPr marL="0" indent="0" algn="r" rtl="1">
-              <a:buNone/>
-            </a:pPr>
-            <a:r>
-              <a:rPr lang="fa-IR" sz="2000" dirty="0" smtClean="0">
-                <a:cs typeface="B Nazanin" panose="00000400000000000000" pitchFamily="2" charset="-78"/>
-              </a:rPr>
-              <a:t>      </a:t>
-            </a:r>
-            <a:r>
-              <a:rPr lang="fa-IR" sz="2400" dirty="0" smtClean="0">
-                <a:solidFill>
-                  <a:srgbClr val="C00000"/>
-                </a:solidFill>
-                <a:cs typeface="B Nazanin" panose="00000400000000000000" pitchFamily="2" charset="-78"/>
-              </a:rPr>
-              <a:t>فروش ایده‌های قهرمان محصول </a:t>
-            </a:r>
+              <a:buChar char="q"/>
+            </a:pPr>
+            <a:endParaRPr lang="fa-IR" sz="2000" dirty="0" smtClean="0">
+              <a:cs typeface="B Nazanin" panose="00000400000000000000" pitchFamily="2" charset="-78"/>
+            </a:endParaRPr>
           </a:p>
           <a:p>
             <a:pPr algn="r" rtl="1">
               <a:buFont typeface="Wingdings" panose="05000000000000000000" pitchFamily="2" charset="2"/>
-              <a:buChar char="§"/>
-            </a:pPr>
-            <a:r>
-              <a:rPr lang="fa-IR" sz="2400" dirty="0" smtClean="0">
-                <a:cs typeface="B Nazanin" panose="00000400000000000000" pitchFamily="2" charset="-78"/>
-              </a:rPr>
-              <a:t>زمانیکه ایده قهرمان محصول مطرح می‌شود ممکن است با مقاومت‌هایی روبرو شود . </a:t>
-            </a:r>
-            <a:endParaRPr lang="fa-IR" sz="2400" dirty="0">
+              <a:buChar char="q"/>
+            </a:pPr>
+            <a:endParaRPr lang="fa-IR" sz="2000" dirty="0" smtClean="0">
               <a:cs typeface="B Nazanin" panose="00000400000000000000" pitchFamily="2" charset="-78"/>
             </a:endParaRPr>
           </a:p>
           <a:p>
             <a:pPr algn="r" rtl="1">
               <a:buFont typeface="Wingdings" panose="05000000000000000000" pitchFamily="2" charset="2"/>
-              <a:buChar char="§"/>
-            </a:pPr>
-            <a:r>
-              <a:rPr lang="fa-IR" sz="2400" dirty="0" smtClean="0">
-                <a:cs typeface="B Nazanin" panose="00000400000000000000" pitchFamily="2" charset="-78"/>
-              </a:rPr>
-              <a:t>برخی از کاربران تمایلی به همکاری با پروژه‌ای ندارند که نحوه کارشان را تغییر بدهد یا شغلشان را به خطر بیندازد . </a:t>
-            </a:r>
-          </a:p>
-          <a:p>
-            <a:pPr algn="r" rtl="1">
-              <a:buFont typeface="Wingdings" panose="05000000000000000000" pitchFamily="2" charset="2"/>
-              <a:buChar char="§"/>
-            </a:pPr>
-            <a:r>
-              <a:rPr lang="fa-IR" sz="2400" dirty="0" smtClean="0">
-                <a:cs typeface="B Nazanin" panose="00000400000000000000" pitchFamily="2" charset="-78"/>
-              </a:rPr>
-              <a:t>مدیران گاهی تمایل به تفویض اختیارات خود در مورد تعیین و تکلیف نیازمندی ها به کاربران عادی را ندارند . </a:t>
-            </a:r>
-          </a:p>
-          <a:p>
-            <a:pPr algn="r" rtl="1">
-              <a:buFont typeface="Wingdings" panose="05000000000000000000" pitchFamily="2" charset="2"/>
-              <a:buChar char="§"/>
-            </a:pPr>
-            <a:endParaRPr lang="fa-IR" sz="2400" dirty="0">
+              <a:buChar char="q"/>
+            </a:pPr>
+            <a:endParaRPr lang="fa-IR" sz="2000" dirty="0" smtClean="0">
               <a:cs typeface="B Nazanin" panose="00000400000000000000" pitchFamily="2" charset="-78"/>
             </a:endParaRPr>
           </a:p>
         </p:txBody>
       </p:sp>
+      <p:sp>
+        <p:nvSpPr>
+          <p:cNvPr id="5" name="Isosceles Triangle 4"/>
+          <p:cNvSpPr/>
+          <p:nvPr/>
+        </p:nvSpPr>
+        <p:spPr>
+          <a:xfrm rot="16200000">
+            <a:off x="11137715" y="1731692"/>
+            <a:ext cx="282804" cy="197966"/>
+          </a:xfrm>
+          <a:prstGeom prst="triangle">
+            <a:avLst/>
+          </a:prstGeom>
+          <a:solidFill>
+            <a:srgbClr val="C00000"/>
+          </a:solidFill>
+          <a:ln>
+            <a:solidFill>
+              <a:srgbClr val="C00000"/>
+            </a:solidFill>
+          </a:ln>
+        </p:spPr>
+        <p:style>
+          <a:lnRef idx="2">
+            <a:schemeClr val="accent1">
+              <a:shade val="50000"/>
+            </a:schemeClr>
+          </a:lnRef>
+          <a:fillRef idx="1">
+            <a:schemeClr val="accent1"/>
+          </a:fillRef>
+          <a:effectRef idx="0">
+            <a:schemeClr val="accent1"/>
+          </a:effectRef>
+          <a:fontRef idx="minor">
+            <a:schemeClr val="lt1"/>
+          </a:fontRef>
+        </p:style>
+        <p:txBody>
+          <a:bodyPr rtlCol="1" anchor="ctr"/>
+          <a:lstStyle/>
+          <a:p>
+            <a:pPr algn="ctr"/>
+            <a:endParaRPr lang="fa-IR"/>
+          </a:p>
+        </p:txBody>
+      </p:sp>
       <p:pic>
         <p:nvPicPr>
-          <p:cNvPr id="4" name="Picture 3"/>
+          <p:cNvPr id="10" name="Picture 9"/>
           <p:cNvPicPr>
             <a:picLocks noChangeAspect="1"/>
           </p:cNvPicPr>
@@ -8917,8 +8792,8 @@
         </p:blipFill>
         <p:spPr>
           <a:xfrm>
-            <a:off x="11078820" y="1349828"/>
-            <a:ext cx="347331" cy="304826"/>
+            <a:off x="10316407" y="2091967"/>
+            <a:ext cx="560881" cy="243861"/>
           </a:xfrm>
           <a:prstGeom prst="rect">
             <a:avLst/>
@@ -8927,7 +8802,7 @@
       </p:pic>
       <p:pic>
         <p:nvPicPr>
-          <p:cNvPr id="5" name="Picture 4"/>
+          <p:cNvPr id="11" name="Picture 10"/>
           <p:cNvPicPr>
             <a:picLocks noChangeAspect="1"/>
           </p:cNvPicPr>
@@ -8941,7 +8816,55 @@
         </p:blipFill>
         <p:spPr>
           <a:xfrm>
-            <a:off x="11078820" y="2634343"/>
+            <a:off x="10316407" y="2467103"/>
+            <a:ext cx="560881" cy="243861"/>
+          </a:xfrm>
+          <a:prstGeom prst="rect">
+            <a:avLst/>
+          </a:prstGeom>
+        </p:spPr>
+      </p:pic>
+      <p:pic>
+        <p:nvPicPr>
+          <p:cNvPr id="12" name="Picture 11"/>
+          <p:cNvPicPr>
+            <a:picLocks noChangeAspect="1"/>
+          </p:cNvPicPr>
+          <p:nvPr/>
+        </p:nvPicPr>
+        <p:blipFill>
+          <a:blip r:embed="rId2"/>
+          <a:stretch>
+            <a:fillRect/>
+          </a:stretch>
+        </p:blipFill>
+        <p:spPr>
+          <a:xfrm>
+            <a:off x="10339582" y="2787307"/>
+            <a:ext cx="560881" cy="243861"/>
+          </a:xfrm>
+          <a:prstGeom prst="rect">
+            <a:avLst/>
+          </a:prstGeom>
+        </p:spPr>
+      </p:pic>
+      <p:pic>
+        <p:nvPicPr>
+          <p:cNvPr id="14" name="Picture 13"/>
+          <p:cNvPicPr>
+            <a:picLocks noChangeAspect="1"/>
+          </p:cNvPicPr>
+          <p:nvPr/>
+        </p:nvPicPr>
+        <p:blipFill>
+          <a:blip r:embed="rId3"/>
+          <a:stretch>
+            <a:fillRect/>
+          </a:stretch>
+        </p:blipFill>
+        <p:spPr>
+          <a:xfrm>
+            <a:off x="11279117" y="1210491"/>
             <a:ext cx="347331" cy="304826"/>
           </a:xfrm>
           <a:prstGeom prst="rect">
@@ -8952,20 +8875,13 @@
     </p:spTree>
     <p:extLst>
       <p:ext uri="{BB962C8B-B14F-4D97-AF65-F5344CB8AC3E}">
-        <p14:creationId xmlns:p14="http://schemas.microsoft.com/office/powerpoint/2010/main" val="950362897"/>
+        <p14:creationId xmlns:p14="http://schemas.microsoft.com/office/powerpoint/2010/main" val="2598287691"/>
       </p:ext>
     </p:extLst>
   </p:cSld>
   <p:clrMapOvr>
     <a:masterClrMapping/>
   </p:clrMapOvr>
-  <p:timing>
-    <p:tnLst>
-      <p:par>
-        <p:cTn id="1" dur="indefinite" restart="never" nodeType="tmRoot"/>
-      </p:par>
-    </p:tnLst>
-  </p:timing>
 </p:sld>
 </file>
 
@@ -8999,26 +8915,26 @@
         <p:spPr>
           <a:xfrm>
             <a:off x="838200" y="365126"/>
-            <a:ext cx="10515600" cy="497023"/>
+            <a:ext cx="10515600" cy="627651"/>
           </a:xfrm>
         </p:spPr>
         <p:txBody>
           <a:bodyPr>
-            <a:normAutofit fontScale="90000"/>
+            <a:normAutofit/>
           </a:bodyPr>
           <a:lstStyle/>
           <a:p>
             <a:pPr algn="ctr"/>
             <a:r>
-              <a:rPr lang="fa-IR" u="sng" dirty="0" smtClean="0">
+              <a:rPr lang="fa-IR" sz="3600" u="sng" dirty="0" smtClean="0">
                 <a:solidFill>
                   <a:srgbClr val="C00000"/>
                 </a:solidFill>
                 <a:cs typeface="B Nazanin" panose="00000400000000000000" pitchFamily="2" charset="-78"/>
               </a:rPr>
-              <a:t>قهرمان محصول (ادامه)</a:t>
-            </a:r>
-            <a:endParaRPr lang="fa-IR" u="sng" dirty="0">
+              <a:t>قهرمان محصول (ادامه )</a:t>
+            </a:r>
+            <a:endParaRPr lang="fa-IR" sz="3600" u="sng" dirty="0">
               <a:solidFill>
                 <a:srgbClr val="C00000"/>
               </a:solidFill>
@@ -9039,8 +8955,8 @@
         </p:nvSpPr>
         <p:spPr>
           <a:xfrm>
-            <a:off x="600891" y="988437"/>
-            <a:ext cx="10752909" cy="5477691"/>
+            <a:off x="838200" y="1272619"/>
+            <a:ext cx="10515600" cy="4904344"/>
           </a:xfrm>
         </p:spPr>
         <p:txBody>
@@ -9053,32 +8969,14 @@
               <a:buNone/>
             </a:pPr>
             <a:r>
-              <a:rPr lang="fa-IR" sz="2400" dirty="0">
-                <a:cs typeface="B Nazanin" panose="00000400000000000000" pitchFamily="2" charset="-78"/>
-              </a:rPr>
-              <a:t> </a:t>
-            </a:r>
-            <a:r>
               <a:rPr lang="fa-IR" sz="2400" dirty="0" smtClean="0">
-                <a:cs typeface="B Nazanin" panose="00000400000000000000" pitchFamily="2" charset="-78"/>
-              </a:rPr>
-              <a:t>     </a:t>
-            </a:r>
-            <a:r>
-              <a:rPr lang="fa-IR" sz="2400" dirty="0" smtClean="0">
                 <a:solidFill>
                   <a:srgbClr val="C00000"/>
                 </a:solidFill>
                 <a:cs typeface="B Nazanin" panose="00000400000000000000" pitchFamily="2" charset="-78"/>
               </a:rPr>
-              <a:t>جلوگیری از تله قهرمان محصول      </a:t>
-            </a:r>
-            <a:endParaRPr lang="fa-IR" sz="2400" dirty="0">
-              <a:solidFill>
-                <a:srgbClr val="C00000"/>
-              </a:solidFill>
-              <a:cs typeface="B Nazanin" panose="00000400000000000000" pitchFamily="2" charset="-78"/>
-            </a:endParaRPr>
+              <a:t>    چندنین قهرمان محصول </a:t>
+            </a:r>
           </a:p>
           <a:p>
             <a:pPr algn="r" rtl="1">
@@ -9086,10 +8984,10 @@
               <a:buChar char="§"/>
             </a:pPr>
             <a:r>
-              <a:rPr lang="fa-IR" sz="2000" b="1" dirty="0" smtClean="0">
-                <a:cs typeface="B Nazanin" panose="00000400000000000000" pitchFamily="2" charset="-78"/>
-              </a:rPr>
-              <a:t>مدل قهرمان محصول زمانی درست کار می‌کند که قهرمان محصول مسئولیت‌های خود را به خوبی درک کند . </a:t>
+              <a:rPr lang="fa-IR" sz="2400" dirty="0" smtClean="0">
+                <a:cs typeface="B Nazanin" panose="00000400000000000000" pitchFamily="2" charset="-78"/>
+              </a:rPr>
+              <a:t>یک نفر به ندرت می‌تواند نیازمندی های همه کلاسهای کاربری یک سیستم را توصیف کند . </a:t>
             </a:r>
           </a:p>
           <a:p>
@@ -9098,10 +8996,30 @@
               <a:buChar char="§"/>
             </a:pPr>
             <a:r>
-              <a:rPr lang="fa-IR" sz="2000" b="1" dirty="0" smtClean="0">
-                <a:cs typeface="B Nazanin" panose="00000400000000000000" pitchFamily="2" charset="-78"/>
-              </a:rPr>
-              <a:t>اختیار تصمیم گیری درسطح نیازهای کاربری را داشته باشد . </a:t>
+              <a:rPr lang="fa-IR" sz="2400" dirty="0" smtClean="0">
+                <a:cs typeface="B Nazanin" panose="00000400000000000000" pitchFamily="2" charset="-78"/>
+              </a:rPr>
+              <a:t>برای اینکه این کار به خوبی انجام شود به تعداد کلاس‌های کاربری باید قهرمان محصول در نظر گرفت . </a:t>
+            </a:r>
+          </a:p>
+          <a:p>
+            <a:pPr marL="0" indent="0" algn="r" rtl="1">
+              <a:buNone/>
+            </a:pPr>
+            <a:r>
+              <a:rPr lang="fa-IR" sz="2000" dirty="0" smtClean="0">
+                <a:cs typeface="B Nazanin" panose="00000400000000000000" pitchFamily="2" charset="-78"/>
+              </a:rPr>
+              <a:t>      </a:t>
+            </a:r>
+            <a:r>
+              <a:rPr lang="fa-IR" sz="2400" dirty="0" smtClean="0">
+                <a:solidFill>
+                  <a:srgbClr val="C00000"/>
+                </a:solidFill>
+                <a:cs typeface="B Nazanin" panose="00000400000000000000" pitchFamily="2" charset="-78"/>
+              </a:rPr>
+              <a:t>فروش ایده‌های قهرمان محصول </a:t>
             </a:r>
           </a:p>
           <a:p>
@@ -9110,169 +9028,45 @@
               <a:buChar char="§"/>
             </a:pPr>
             <a:r>
-              <a:rPr lang="fa-IR" sz="2000" b="1" dirty="0" smtClean="0">
-                <a:cs typeface="B Nazanin" panose="00000400000000000000" pitchFamily="2" charset="-78"/>
-              </a:rPr>
-              <a:t>و زمان کافی برای انجام این وظایف را در دسترس داشته باشند . </a:t>
-            </a:r>
-          </a:p>
-          <a:p>
-            <a:pPr marL="0" indent="0" algn="r" rtl="1">
-              <a:buNone/>
-            </a:pPr>
-            <a:r>
-              <a:rPr lang="en-US" sz="2000" dirty="0" smtClean="0">
-                <a:cs typeface="B Nazanin" panose="00000400000000000000" pitchFamily="2" charset="-78"/>
-              </a:rPr>
-              <a:t>    </a:t>
-            </a:r>
-            <a:r>
-              <a:rPr lang="fa-IR" sz="2000" dirty="0" smtClean="0">
-                <a:cs typeface="B Nazanin" panose="00000400000000000000" pitchFamily="2" charset="-78"/>
-              </a:rPr>
-              <a:t>   </a:t>
-            </a:r>
-            <a:r>
-              <a:rPr lang="fa-IR" sz="2000" b="1" dirty="0" smtClean="0">
-                <a:cs typeface="B Nazanin" panose="00000400000000000000" pitchFamily="2" charset="-78"/>
-              </a:rPr>
-              <a:t>مراقب مشکلات احتمالی زیر باشید:</a:t>
-            </a:r>
+              <a:rPr lang="fa-IR" sz="2400" dirty="0" smtClean="0">
+                <a:cs typeface="B Nazanin" panose="00000400000000000000" pitchFamily="2" charset="-78"/>
+              </a:rPr>
+              <a:t>زمانیکه ایده قهرمان محصول مطرح می‌شود ممکن است با مقاومت‌هایی روبرو شود . </a:t>
+            </a:r>
+            <a:endParaRPr lang="fa-IR" sz="2400" dirty="0">
+              <a:cs typeface="B Nazanin" panose="00000400000000000000" pitchFamily="2" charset="-78"/>
+            </a:endParaRPr>
           </a:p>
           <a:p>
             <a:pPr algn="r" rtl="1">
               <a:buFont typeface="Wingdings" panose="05000000000000000000" pitchFamily="2" charset="2"/>
-              <a:buChar char="v"/>
-            </a:pPr>
-            <a:r>
-              <a:rPr lang="en-US" sz="2000" dirty="0" smtClean="0">
-                <a:cs typeface="B Nazanin" panose="00000400000000000000" pitchFamily="2" charset="-78"/>
-              </a:rPr>
-              <a:t>    </a:t>
-            </a:r>
-            <a:r>
-              <a:rPr lang="fa-IR" sz="2000" b="1" dirty="0" smtClean="0">
-                <a:cs typeface="B Nazanin" panose="00000400000000000000" pitchFamily="2" charset="-78"/>
-              </a:rPr>
-              <a:t>مدیران تصمیماتی را که قهرمان محصول می‌گیرد نادیده می‌گیرند.</a:t>
-            </a:r>
-          </a:p>
-          <a:p>
-            <a:pPr marL="0" indent="0" algn="r" rtl="1">
-              <a:buNone/>
-            </a:pPr>
-            <a:r>
-              <a:rPr lang="fa-IR" sz="2000" b="1" dirty="0">
-                <a:cs typeface="B Nazanin" panose="00000400000000000000" pitchFamily="2" charset="-78"/>
-              </a:rPr>
-              <a:t> </a:t>
-            </a:r>
-            <a:r>
-              <a:rPr lang="fa-IR" sz="2000" b="1" dirty="0" smtClean="0">
-                <a:cs typeface="B Nazanin" panose="00000400000000000000" pitchFamily="2" charset="-78"/>
-              </a:rPr>
-              <a:t>     </a:t>
-            </a:r>
-            <a:r>
-              <a:rPr lang="fa-IR" sz="2000" dirty="0" smtClean="0">
-                <a:cs typeface="B Nazanin" panose="00000400000000000000" pitchFamily="2" charset="-78"/>
-              </a:rPr>
-              <a:t>آنها در آخرین لحظات تصمیمات ناگهانی می‌گیرند و فکر می‌کنند خودشان بهتر نیازهای کاربران را می‌دانند.</a:t>
-            </a:r>
-          </a:p>
-          <a:p>
-            <a:pPr marL="0" indent="0" algn="r" rtl="1">
-              <a:buNone/>
-            </a:pPr>
-            <a:r>
-              <a:rPr lang="fa-IR" sz="2000" dirty="0">
-                <a:cs typeface="B Nazanin" panose="00000400000000000000" pitchFamily="2" charset="-78"/>
-              </a:rPr>
-              <a:t> </a:t>
-            </a:r>
-            <a:r>
-              <a:rPr lang="fa-IR" sz="2000" dirty="0" smtClean="0">
-                <a:cs typeface="B Nazanin" panose="00000400000000000000" pitchFamily="2" charset="-78"/>
-              </a:rPr>
-              <a:t>     در این شرایط قهرمان محصول ناامید می‌شوند و فکر می‌کند مدیران به او اعتماد ندارند . </a:t>
+              <a:buChar char="§"/>
+            </a:pPr>
+            <a:r>
+              <a:rPr lang="fa-IR" sz="2400" dirty="0" smtClean="0">
+                <a:cs typeface="B Nazanin" panose="00000400000000000000" pitchFamily="2" charset="-78"/>
+              </a:rPr>
+              <a:t>برخی از کاربران تمایلی به همکاری با پروژه‌ای ندارند که نحوه کارشان را تغییر بدهد یا شغلشان را به خطر بیندازد . </a:t>
             </a:r>
           </a:p>
           <a:p>
             <a:pPr algn="r" rtl="1">
               <a:buFont typeface="Wingdings" panose="05000000000000000000" pitchFamily="2" charset="2"/>
-              <a:buChar char="v"/>
-            </a:pPr>
-            <a:r>
-              <a:rPr lang="fa-IR" sz="2000" b="1" dirty="0" smtClean="0">
-                <a:cs typeface="B Nazanin" panose="00000400000000000000" pitchFamily="2" charset="-78"/>
-              </a:rPr>
-              <a:t>  قهرمان محصولی که فراموش می‌کند نماینده سایر کاربران است و فقط نیازهای خود را ارائه می‌کند  کارش را درست انجام نداده است.</a:t>
+              <a:buChar char="§"/>
+            </a:pPr>
+            <a:r>
+              <a:rPr lang="fa-IR" sz="2400" dirty="0" smtClean="0">
+                <a:cs typeface="B Nazanin" panose="00000400000000000000" pitchFamily="2" charset="-78"/>
+              </a:rPr>
+              <a:t>مدیران گاهی تمایل به تفویض اختیارات خود در مورد تعیین و تکلیف نیازمندی ها به کاربران عادی را ندارند . </a:t>
             </a:r>
           </a:p>
           <a:p>
             <a:pPr algn="r" rtl="1">
               <a:buFont typeface="Wingdings" panose="05000000000000000000" pitchFamily="2" charset="2"/>
-              <a:buChar char="v"/>
-            </a:pPr>
-            <a:r>
-              <a:rPr lang="fa-IR" sz="2000" b="1" dirty="0" smtClean="0">
-                <a:cs typeface="B Nazanin" panose="00000400000000000000" pitchFamily="2" charset="-78"/>
-              </a:rPr>
-              <a:t>  قهرمان محصولی که فاقد دید روشنی از سیستم است، ممکن است تصمیم گیری را به آنالیزور کسب و کار موکول میکند .</a:t>
-            </a:r>
-          </a:p>
-          <a:p>
-            <a:pPr marL="0" indent="0" algn="r" rtl="1">
-              <a:buNone/>
-            </a:pPr>
-            <a:r>
-              <a:rPr lang="fa-IR" sz="2000" b="1" dirty="0">
-                <a:cs typeface="B Nazanin" panose="00000400000000000000" pitchFamily="2" charset="-78"/>
-              </a:rPr>
-              <a:t> </a:t>
-            </a:r>
-            <a:r>
-              <a:rPr lang="fa-IR" sz="2000" b="1" dirty="0" smtClean="0">
-                <a:cs typeface="B Nazanin" panose="00000400000000000000" pitchFamily="2" charset="-78"/>
-              </a:rPr>
-              <a:t>  </a:t>
-            </a:r>
-            <a:r>
-              <a:rPr lang="fa-IR" sz="2000" dirty="0" smtClean="0">
-                <a:cs typeface="B Nazanin" panose="00000400000000000000" pitchFamily="2" charset="-78"/>
-              </a:rPr>
-              <a:t>اگر تصمیات آنالیزور کسب و کار به خوبی یک قهرمان محصول باشد دیگر قهرمان محصول بدرد نمی‌خورد . </a:t>
-            </a:r>
-          </a:p>
-          <a:p>
-            <a:pPr algn="r" rtl="1">
-              <a:buFont typeface="Wingdings" panose="05000000000000000000" pitchFamily="2" charset="2"/>
-              <a:buChar char="v"/>
-            </a:pPr>
-            <a:r>
-              <a:rPr lang="fa-IR" sz="2000" b="1" dirty="0" smtClean="0">
-                <a:cs typeface="B Nazanin" panose="00000400000000000000" pitchFamily="2" charset="-78"/>
-              </a:rPr>
-              <a:t> یک کاربر ارشد به علت کمبود وقت ممکن است یک کاربر با تجربه کمتر را به عنوان قهرمان محصول معرفی کند . </a:t>
-            </a:r>
-          </a:p>
-          <a:p>
-            <a:pPr marL="0" indent="0" algn="r" rtl="1">
-              <a:buNone/>
-            </a:pPr>
-            <a:r>
-              <a:rPr lang="fa-IR" sz="2000" dirty="0">
-                <a:cs typeface="B Nazanin" panose="00000400000000000000" pitchFamily="2" charset="-78"/>
-              </a:rPr>
-              <a:t> </a:t>
-            </a:r>
-            <a:r>
-              <a:rPr lang="fa-IR" sz="2000" dirty="0" smtClean="0">
-                <a:cs typeface="B Nazanin" panose="00000400000000000000" pitchFamily="2" charset="-78"/>
-              </a:rPr>
-              <a:t>  این امر ممکن است منجر به پدیده رانندگی از صندلی عقب از سوی کاربر ارشد شود که می‌خواهد هنوز بر روی سیستم تاثیر بگذارد. </a:t>
-            </a:r>
-            <a:endParaRPr lang="fa-IR" sz="2000" dirty="0">
+              <a:buChar char="§"/>
+            </a:pPr>
+            <a:endParaRPr lang="fa-IR" sz="2400" dirty="0">
               <a:cs typeface="B Nazanin" panose="00000400000000000000" pitchFamily="2" charset="-78"/>
             </a:endParaRPr>
           </a:p>
@@ -9294,8 +9088,8 @@
         </p:blipFill>
         <p:spPr>
           <a:xfrm>
-            <a:off x="10964030" y="988437"/>
-            <a:ext cx="347502" cy="304826"/>
+            <a:off x="11078820" y="1349828"/>
+            <a:ext cx="347331" cy="304826"/>
           </a:xfrm>
           <a:prstGeom prst="rect">
             <a:avLst/>
@@ -9304,28 +9098,22 @@
       </p:pic>
       <p:pic>
         <p:nvPicPr>
-          <p:cNvPr id="7" name="Picture 6"/>
+          <p:cNvPr id="5" name="Picture 4"/>
           <p:cNvPicPr>
             <a:picLocks noChangeAspect="1"/>
           </p:cNvPicPr>
           <p:nvPr/>
         </p:nvPicPr>
         <p:blipFill>
-          <a:blip r:embed="rId3" cstate="print">
-            <a:extLst>
-              <a:ext uri="{28A0092B-C50C-407E-A947-70E740481C1C}">
-                <a14:useLocalDpi xmlns:a14="http://schemas.microsoft.com/office/drawing/2010/main" val="0"/>
-              </a:ext>
-            </a:extLst>
-          </a:blip>
+          <a:blip r:embed="rId2"/>
           <a:stretch>
             <a:fillRect/>
           </a:stretch>
         </p:blipFill>
         <p:spPr>
           <a:xfrm>
-            <a:off x="10964030" y="2645229"/>
-            <a:ext cx="363368" cy="359230"/>
+            <a:off x="11078820" y="2634343"/>
+            <a:ext cx="347331" cy="304826"/>
           </a:xfrm>
           <a:prstGeom prst="rect">
             <a:avLst/>
@@ -9335,7 +9123,7 @@
     </p:spTree>
     <p:extLst>
       <p:ext uri="{BB962C8B-B14F-4D97-AF65-F5344CB8AC3E}">
-        <p14:creationId xmlns:p14="http://schemas.microsoft.com/office/powerpoint/2010/main" val="3738519587"/>
+        <p14:creationId xmlns:p14="http://schemas.microsoft.com/office/powerpoint/2010/main" val="950362897"/>
       </p:ext>
     </p:extLst>
   </p:cSld>
@@ -9379,24 +9167,29 @@
             <p:ph type="title"/>
           </p:nvPr>
         </p:nvSpPr>
-        <p:spPr/>
+        <p:spPr>
+          <a:xfrm>
+            <a:off x="838200" y="365126"/>
+            <a:ext cx="10515600" cy="497023"/>
+          </a:xfrm>
+        </p:spPr>
         <p:txBody>
           <a:bodyPr>
-            <a:normAutofit/>
+            <a:normAutofit fontScale="90000"/>
           </a:bodyPr>
           <a:lstStyle/>
           <a:p>
             <a:pPr algn="ctr"/>
             <a:r>
-              <a:rPr lang="fa-IR" sz="4400" u="sng" dirty="0" smtClean="0">
+              <a:rPr lang="fa-IR" u="sng" dirty="0" smtClean="0">
                 <a:solidFill>
                   <a:srgbClr val="C00000"/>
                 </a:solidFill>
                 <a:cs typeface="B Nazanin" panose="00000400000000000000" pitchFamily="2" charset="-78"/>
               </a:rPr>
-              <a:t>گام بعدی</a:t>
-            </a:r>
-            <a:endParaRPr lang="fa-IR" sz="4400" u="sng" dirty="0">
+              <a:t>قهرمان محصول (ادامه)</a:t>
+            </a:r>
+            <a:endParaRPr lang="fa-IR" u="sng" dirty="0">
               <a:solidFill>
                 <a:srgbClr val="C00000"/>
               </a:solidFill>
@@ -9415,18 +9208,59 @@
             <p:ph idx="1"/>
           </p:nvPr>
         </p:nvSpPr>
-        <p:spPr/>
-        <p:txBody>
-          <a:bodyPr/>
-          <a:lstStyle/>
+        <p:spPr>
+          <a:xfrm>
+            <a:off x="600891" y="988437"/>
+            <a:ext cx="10752909" cy="5477691"/>
+          </a:xfrm>
+        </p:spPr>
+        <p:txBody>
+          <a:bodyPr>
+            <a:normAutofit/>
+          </a:bodyPr>
+          <a:lstStyle/>
+          <a:p>
+            <a:pPr marL="0" indent="0" algn="r" rtl="1">
+              <a:buNone/>
+            </a:pPr>
+            <a:r>
+              <a:rPr lang="fa-IR" sz="2400" dirty="0">
+                <a:cs typeface="B Nazanin" panose="00000400000000000000" pitchFamily="2" charset="-78"/>
+              </a:rPr>
+              <a:t> </a:t>
+            </a:r>
+            <a:r>
+              <a:rPr lang="fa-IR" sz="2400" dirty="0" smtClean="0">
+                <a:cs typeface="B Nazanin" panose="00000400000000000000" pitchFamily="2" charset="-78"/>
+              </a:rPr>
+              <a:t>     </a:t>
+            </a:r>
+            <a:r>
+              <a:rPr lang="fa-IR" sz="2400" dirty="0" smtClean="0">
+                <a:solidFill>
+                  <a:srgbClr val="C00000"/>
+                </a:solidFill>
+                <a:cs typeface="B Nazanin" panose="00000400000000000000" pitchFamily="2" charset="-78"/>
+              </a:rPr>
+              <a:t>جلوگیری از تله قهرمان محصول      </a:t>
+            </a:r>
+            <a:endParaRPr lang="fa-IR" sz="2400" dirty="0">
+              <a:solidFill>
+                <a:srgbClr val="C00000"/>
+              </a:solidFill>
+              <a:cs typeface="B Nazanin" panose="00000400000000000000" pitchFamily="2" charset="-78"/>
+            </a:endParaRPr>
+          </a:p>
           <a:p>
             <a:pPr algn="r" rtl="1">
               <a:buFont typeface="Wingdings" panose="05000000000000000000" pitchFamily="2" charset="2"/>
               <a:buChar char="§"/>
             </a:pPr>
             <a:r>
-              <a:rPr lang="fa-IR" dirty="0" smtClean="0"/>
-              <a:t>کلاس های کاربری</a:t>
+              <a:rPr lang="fa-IR" sz="2000" b="1" dirty="0" smtClean="0">
+                <a:cs typeface="B Nazanin" panose="00000400000000000000" pitchFamily="2" charset="-78"/>
+              </a:rPr>
+              <a:t>مدل قهرمان محصول زمانی درست کار می‌کند که قهرمان محصول مسئولیت‌های خود را به خوبی درک کند . </a:t>
             </a:r>
           </a:p>
           <a:p>
@@ -9435,8 +9269,10 @@
               <a:buChar char="§"/>
             </a:pPr>
             <a:r>
-              <a:rPr lang="fa-IR" dirty="0" smtClean="0"/>
-              <a:t>شخصیت های کاربر</a:t>
+              <a:rPr lang="fa-IR" sz="2000" b="1" dirty="0" smtClean="0">
+                <a:cs typeface="B Nazanin" panose="00000400000000000000" pitchFamily="2" charset="-78"/>
+              </a:rPr>
+              <a:t>اختیار تصمیم گیری درسطح نیازهای کاربری را داشته باشد . </a:t>
             </a:r>
           </a:p>
           <a:p>
@@ -9445,63 +9281,232 @@
               <a:buChar char="§"/>
             </a:pPr>
             <a:r>
-              <a:rPr lang="fa-IR" dirty="0" smtClean="0"/>
-              <a:t>ارتباط با نمایندگان کاربران </a:t>
+              <a:rPr lang="fa-IR" sz="2000" b="1" dirty="0" smtClean="0">
+                <a:cs typeface="B Nazanin" panose="00000400000000000000" pitchFamily="2" charset="-78"/>
+              </a:rPr>
+              <a:t>و زمان کافی برای انجام این وظایف را در دسترس داشته باشند . </a:t>
+            </a:r>
+          </a:p>
+          <a:p>
+            <a:pPr marL="0" indent="0" algn="r" rtl="1">
+              <a:buNone/>
+            </a:pPr>
+            <a:r>
+              <a:rPr lang="en-US" sz="2000" dirty="0" smtClean="0">
+                <a:cs typeface="B Nazanin" panose="00000400000000000000" pitchFamily="2" charset="-78"/>
+              </a:rPr>
+              <a:t>    </a:t>
+            </a:r>
+            <a:r>
+              <a:rPr lang="fa-IR" sz="2000" dirty="0" smtClean="0">
+                <a:cs typeface="B Nazanin" panose="00000400000000000000" pitchFamily="2" charset="-78"/>
+              </a:rPr>
+              <a:t>   </a:t>
+            </a:r>
+            <a:r>
+              <a:rPr lang="fa-IR" sz="2000" b="1" dirty="0" smtClean="0">
+                <a:cs typeface="B Nazanin" panose="00000400000000000000" pitchFamily="2" charset="-78"/>
+              </a:rPr>
+              <a:t>مراقب مشکلات احتمالی زیر باشید:</a:t>
             </a:r>
           </a:p>
           <a:p>
             <a:pPr algn="r" rtl="1">
               <a:buFont typeface="Wingdings" panose="05000000000000000000" pitchFamily="2" charset="2"/>
-              <a:buChar char="§"/>
-            </a:pPr>
-            <a:r>
-              <a:rPr lang="fa-IR" dirty="0" smtClean="0"/>
-              <a:t>قهرمان محصول </a:t>
+              <a:buChar char="v"/>
+            </a:pPr>
+            <a:r>
+              <a:rPr lang="en-US" sz="2000" dirty="0" smtClean="0">
+                <a:cs typeface="B Nazanin" panose="00000400000000000000" pitchFamily="2" charset="-78"/>
+              </a:rPr>
+              <a:t>    </a:t>
+            </a:r>
+            <a:r>
+              <a:rPr lang="fa-IR" sz="2000" b="1" dirty="0" smtClean="0">
+                <a:cs typeface="B Nazanin" panose="00000400000000000000" pitchFamily="2" charset="-78"/>
+              </a:rPr>
+              <a:t>مدیران تصمیماتی را که قهرمان محصول می‌گیرد نادیده می‌گیرند.</a:t>
+            </a:r>
+          </a:p>
+          <a:p>
+            <a:pPr marL="0" indent="0" algn="r" rtl="1">
+              <a:buNone/>
+            </a:pPr>
+            <a:r>
+              <a:rPr lang="fa-IR" sz="2000" b="1" dirty="0">
+                <a:cs typeface="B Nazanin" panose="00000400000000000000" pitchFamily="2" charset="-78"/>
+              </a:rPr>
+              <a:t> </a:t>
+            </a:r>
+            <a:r>
+              <a:rPr lang="fa-IR" sz="2000" b="1" dirty="0" smtClean="0">
+                <a:cs typeface="B Nazanin" panose="00000400000000000000" pitchFamily="2" charset="-78"/>
+              </a:rPr>
+              <a:t>     </a:t>
+            </a:r>
+            <a:r>
+              <a:rPr lang="fa-IR" sz="2000" dirty="0" smtClean="0">
+                <a:cs typeface="B Nazanin" panose="00000400000000000000" pitchFamily="2" charset="-78"/>
+              </a:rPr>
+              <a:t>آنها در آخرین لحظات تصمیمات ناگهانی می‌گیرند و فکر می‌کنند خودشان بهتر نیازهای کاربران را می‌دانند.</a:t>
+            </a:r>
+          </a:p>
+          <a:p>
+            <a:pPr marL="0" indent="0" algn="r" rtl="1">
+              <a:buNone/>
+            </a:pPr>
+            <a:r>
+              <a:rPr lang="fa-IR" sz="2000" dirty="0">
+                <a:cs typeface="B Nazanin" panose="00000400000000000000" pitchFamily="2" charset="-78"/>
+              </a:rPr>
+              <a:t> </a:t>
+            </a:r>
+            <a:r>
+              <a:rPr lang="fa-IR" sz="2000" dirty="0" smtClean="0">
+                <a:cs typeface="B Nazanin" panose="00000400000000000000" pitchFamily="2" charset="-78"/>
+              </a:rPr>
+              <a:t>     در این شرایط قهرمان محصول ناامید می‌شوند و فکر می‌کند مدیران به او اعتماد ندارند . </a:t>
             </a:r>
           </a:p>
           <a:p>
             <a:pPr algn="r" rtl="1">
               <a:buFont typeface="Wingdings" panose="05000000000000000000" pitchFamily="2" charset="2"/>
-              <a:buChar char="§"/>
-            </a:pPr>
-            <a:r>
-              <a:rPr lang="fa-IR" dirty="0">
-                <a:solidFill>
-                  <a:schemeClr val="accent3">
-                    <a:lumMod val="75000"/>
-                  </a:schemeClr>
-                </a:solidFill>
-              </a:rPr>
-              <a:t>نمایندگی کاربر در پروژه های </a:t>
-            </a:r>
-            <a:r>
-              <a:rPr lang="fa-IR" dirty="0" smtClean="0">
-                <a:solidFill>
-                  <a:schemeClr val="accent3">
-                    <a:lumMod val="75000"/>
-                  </a:schemeClr>
-                </a:solidFill>
-              </a:rPr>
-              <a:t>چابک</a:t>
+              <a:buChar char="v"/>
+            </a:pPr>
+            <a:r>
+              <a:rPr lang="fa-IR" sz="2000" b="1" dirty="0" smtClean="0">
+                <a:cs typeface="B Nazanin" panose="00000400000000000000" pitchFamily="2" charset="-78"/>
+              </a:rPr>
+              <a:t>  قهرمان محصولی که فراموش می‌کند نماینده سایر کاربران است و فقط نیازهای خود را ارائه می‌کند  کارش را درست انجام نداده است.</a:t>
             </a:r>
           </a:p>
           <a:p>
             <a:pPr algn="r" rtl="1">
               <a:buFont typeface="Wingdings" panose="05000000000000000000" pitchFamily="2" charset="2"/>
-              <a:buChar char="§"/>
-            </a:pPr>
-            <a:r>
-              <a:rPr lang="fa-IR" dirty="0" smtClean="0"/>
-              <a:t>حل و فصل نیازمندی‌های متضاد </a:t>
-            </a:r>
-            <a:endParaRPr lang="fa-IR" dirty="0"/>
-          </a:p>
-        </p:txBody>
-      </p:sp>
+              <a:buChar char="v"/>
+            </a:pPr>
+            <a:r>
+              <a:rPr lang="fa-IR" sz="2000" b="1" dirty="0" smtClean="0">
+                <a:cs typeface="B Nazanin" panose="00000400000000000000" pitchFamily="2" charset="-78"/>
+              </a:rPr>
+              <a:t>  قهرمان محصولی که فاقد دید روشنی از سیستم است، ممکن است تصمیم گیری را به آنالیزور کسب و کار موکول میکند .</a:t>
+            </a:r>
+          </a:p>
+          <a:p>
+            <a:pPr marL="0" indent="0" algn="r" rtl="1">
+              <a:buNone/>
+            </a:pPr>
+            <a:r>
+              <a:rPr lang="fa-IR" sz="2000" b="1" dirty="0">
+                <a:cs typeface="B Nazanin" panose="00000400000000000000" pitchFamily="2" charset="-78"/>
+              </a:rPr>
+              <a:t> </a:t>
+            </a:r>
+            <a:r>
+              <a:rPr lang="fa-IR" sz="2000" b="1" dirty="0" smtClean="0">
+                <a:cs typeface="B Nazanin" panose="00000400000000000000" pitchFamily="2" charset="-78"/>
+              </a:rPr>
+              <a:t>  </a:t>
+            </a:r>
+            <a:r>
+              <a:rPr lang="fa-IR" sz="2000" dirty="0" smtClean="0">
+                <a:cs typeface="B Nazanin" panose="00000400000000000000" pitchFamily="2" charset="-78"/>
+              </a:rPr>
+              <a:t>اگر تصمیات آنالیزور کسب و کار به خوبی یک قهرمان محصول باشد دیگر قهرمان محصول بدرد نمی‌خورد . </a:t>
+            </a:r>
+          </a:p>
+          <a:p>
+            <a:pPr algn="r" rtl="1">
+              <a:buFont typeface="Wingdings" panose="05000000000000000000" pitchFamily="2" charset="2"/>
+              <a:buChar char="v"/>
+            </a:pPr>
+            <a:r>
+              <a:rPr lang="fa-IR" sz="2000" b="1" dirty="0" smtClean="0">
+                <a:cs typeface="B Nazanin" panose="00000400000000000000" pitchFamily="2" charset="-78"/>
+              </a:rPr>
+              <a:t> یک کاربر ارشد به علت کمبود وقت ممکن است یک کاربر با تجربه کمتر را به عنوان قهرمان محصول معرفی کند . </a:t>
+            </a:r>
+          </a:p>
+          <a:p>
+            <a:pPr marL="0" indent="0" algn="r" rtl="1">
+              <a:buNone/>
+            </a:pPr>
+            <a:r>
+              <a:rPr lang="fa-IR" sz="2000" dirty="0">
+                <a:cs typeface="B Nazanin" panose="00000400000000000000" pitchFamily="2" charset="-78"/>
+              </a:rPr>
+              <a:t> </a:t>
+            </a:r>
+            <a:r>
+              <a:rPr lang="fa-IR" sz="2000" dirty="0" smtClean="0">
+                <a:cs typeface="B Nazanin" panose="00000400000000000000" pitchFamily="2" charset="-78"/>
+              </a:rPr>
+              <a:t>  این امر ممکن است منجر به پدیده رانندگی از صندلی عقب از سوی کاربر ارشد شود که می‌خواهد هنوز بر روی سیستم تاثیر بگذارد. </a:t>
+            </a:r>
+            <a:endParaRPr lang="fa-IR" sz="2000" dirty="0">
+              <a:cs typeface="B Nazanin" panose="00000400000000000000" pitchFamily="2" charset="-78"/>
+            </a:endParaRPr>
+          </a:p>
+        </p:txBody>
+      </p:sp>
+      <p:pic>
+        <p:nvPicPr>
+          <p:cNvPr id="4" name="Picture 3"/>
+          <p:cNvPicPr>
+            <a:picLocks noChangeAspect="1"/>
+          </p:cNvPicPr>
+          <p:nvPr/>
+        </p:nvPicPr>
+        <p:blipFill>
+          <a:blip r:embed="rId2"/>
+          <a:stretch>
+            <a:fillRect/>
+          </a:stretch>
+        </p:blipFill>
+        <p:spPr>
+          <a:xfrm>
+            <a:off x="10964030" y="988437"/>
+            <a:ext cx="347502" cy="304826"/>
+          </a:xfrm>
+          <a:prstGeom prst="rect">
+            <a:avLst/>
+          </a:prstGeom>
+        </p:spPr>
+      </p:pic>
+      <p:pic>
+        <p:nvPicPr>
+          <p:cNvPr id="7" name="Picture 6"/>
+          <p:cNvPicPr>
+            <a:picLocks noChangeAspect="1"/>
+          </p:cNvPicPr>
+          <p:nvPr/>
+        </p:nvPicPr>
+        <p:blipFill>
+          <a:blip r:embed="rId3" cstate="print">
+            <a:extLst>
+              <a:ext uri="{28A0092B-C50C-407E-A947-70E740481C1C}">
+                <a14:useLocalDpi xmlns:a14="http://schemas.microsoft.com/office/drawing/2010/main" val="0"/>
+              </a:ext>
+            </a:extLst>
+          </a:blip>
+          <a:stretch>
+            <a:fillRect/>
+          </a:stretch>
+        </p:blipFill>
+        <p:spPr>
+          <a:xfrm>
+            <a:off x="10964030" y="2645229"/>
+            <a:ext cx="363368" cy="359230"/>
+          </a:xfrm>
+          <a:prstGeom prst="rect">
+            <a:avLst/>
+          </a:prstGeom>
+        </p:spPr>
+      </p:pic>
     </p:spTree>
     <p:extLst>
       <p:ext uri="{BB962C8B-B14F-4D97-AF65-F5344CB8AC3E}">
-        <p14:creationId xmlns:p14="http://schemas.microsoft.com/office/powerpoint/2010/main" val="1572676064"/>
+        <p14:creationId xmlns:p14="http://schemas.microsoft.com/office/powerpoint/2010/main" val="3738519587"/>
       </p:ext>
     </p:extLst>
   </p:cSld>
@@ -9904,12 +9909,7 @@
             <p:ph type="title"/>
           </p:nvPr>
         </p:nvSpPr>
-        <p:spPr>
-          <a:xfrm>
-            <a:off x="838200" y="365126"/>
-            <a:ext cx="10515600" cy="653778"/>
-          </a:xfrm>
-        </p:spPr>
+        <p:spPr/>
         <p:txBody>
           <a:bodyPr>
             <a:normAutofit/>
@@ -9918,15 +9918,15 @@
           <a:p>
             <a:pPr algn="ctr"/>
             <a:r>
-              <a:rPr lang="fa-IR" sz="3600" u="sng" dirty="0" smtClean="0">
+              <a:rPr lang="fa-IR" sz="4400" u="sng" dirty="0" smtClean="0">
                 <a:solidFill>
                   <a:srgbClr val="C00000"/>
                 </a:solidFill>
                 <a:cs typeface="B Nazanin" panose="00000400000000000000" pitchFamily="2" charset="-78"/>
               </a:rPr>
-              <a:t>نماینده کاربر در پروژه های چابک</a:t>
-            </a:r>
-            <a:endParaRPr lang="fa-IR" sz="3600" u="sng" dirty="0">
+              <a:t>گام بعدی</a:t>
+            </a:r>
+            <a:endParaRPr lang="fa-IR" sz="4400" u="sng" dirty="0">
               <a:solidFill>
                 <a:srgbClr val="C00000"/>
               </a:solidFill>
@@ -9945,99 +9945,93 @@
             <p:ph idx="1"/>
           </p:nvPr>
         </p:nvSpPr>
-        <p:spPr>
-          <a:xfrm>
-            <a:off x="838200" y="1193074"/>
-            <a:ext cx="10515600" cy="4983889"/>
-          </a:xfrm>
-        </p:spPr>
-        <p:txBody>
-          <a:bodyPr>
-            <a:normAutofit/>
-          </a:bodyPr>
+        <p:spPr/>
+        <p:txBody>
+          <a:bodyPr/>
           <a:lstStyle/>
           <a:p>
             <a:pPr algn="r" rtl="1">
-              <a:lnSpc>
-                <a:spcPct val="150000"/>
-              </a:lnSpc>
               <a:buFont typeface="Wingdings" panose="05000000000000000000" pitchFamily="2" charset="2"/>
               <a:buChar char="§"/>
             </a:pPr>
             <a:r>
-              <a:rPr lang="fa-IR" dirty="0">
-                <a:cs typeface="B Nazanin" panose="00000400000000000000" pitchFamily="2" charset="-78"/>
-              </a:rPr>
-              <a:t>مکالمات مکرر بین اعضای تیم پروژه و مشتریان مناسب موثرترین راه برای حل بسیاری از مسائل مورد نیاز و مشخص کردن نیازهای خاص در صورت نیاز است</a:t>
-            </a:r>
-            <a:r>
-              <a:rPr lang="fa-IR" dirty="0" smtClean="0">
-                <a:cs typeface="B Nazanin" panose="00000400000000000000" pitchFamily="2" charset="-78"/>
-              </a:rPr>
-              <a:t>.</a:t>
-            </a:r>
-          </a:p>
-          <a:p>
-            <a:pPr>
-              <a:lnSpc>
-                <a:spcPct val="150000"/>
-              </a:lnSpc>
+              <a:rPr lang="fa-IR" dirty="0" smtClean="0"/>
+              <a:t>کلاس های کاربری</a:t>
+            </a:r>
+          </a:p>
+          <a:p>
+            <a:pPr algn="r" rtl="1">
               <a:buFont typeface="Wingdings" panose="05000000000000000000" pitchFamily="2" charset="2"/>
               <a:buChar char="§"/>
             </a:pPr>
             <a:r>
-              <a:rPr lang="fa-IR" dirty="0"/>
-              <a:t>یک اصل اساسی برنامه نویسی افراطی، یکی از روش های اولیه توسعه چابک، وجود یک مشتری تمام وقت و در محل برای این بحث ها است </a:t>
-            </a:r>
-            <a:r>
               <a:rPr lang="fa-IR" dirty="0" smtClean="0"/>
-              <a:t>.</a:t>
-            </a:r>
-          </a:p>
-          <a:p>
-            <a:pPr>
-              <a:lnSpc>
-                <a:spcPct val="150000"/>
-              </a:lnSpc>
+              <a:t>شخصیت های کاربر</a:t>
+            </a:r>
+          </a:p>
+          <a:p>
+            <a:pPr algn="r" rtl="1">
               <a:buFont typeface="Wingdings" panose="05000000000000000000" pitchFamily="2" charset="2"/>
               <a:buChar char="§"/>
             </a:pPr>
             <a:r>
+              <a:rPr lang="fa-IR" dirty="0" smtClean="0"/>
+              <a:t>ارتباط با نمایندگان کاربران </a:t>
+            </a:r>
+          </a:p>
+          <a:p>
+            <a:pPr algn="r" rtl="1">
+              <a:buFont typeface="Wingdings" panose="05000000000000000000" pitchFamily="2" charset="2"/>
+              <a:buChar char="§"/>
+            </a:pPr>
+            <a:r>
+              <a:rPr lang="fa-IR" dirty="0" smtClean="0"/>
+              <a:t>قهرمان محصول </a:t>
+            </a:r>
+          </a:p>
+          <a:p>
+            <a:pPr algn="r" rtl="1">
+              <a:buFont typeface="Wingdings" panose="05000000000000000000" pitchFamily="2" charset="2"/>
+              <a:buChar char="§"/>
+            </a:pPr>
+            <a:r>
+              <a:rPr lang="fa-IR" dirty="0">
+                <a:solidFill>
+                  <a:schemeClr val="accent3">
+                    <a:lumMod val="75000"/>
+                  </a:schemeClr>
+                </a:solidFill>
+              </a:rPr>
+              <a:t>نمایندگی کاربر در پروژه های </a:t>
+            </a:r>
+            <a:r>
               <a:rPr lang="fa-IR" dirty="0" smtClean="0">
-                <a:cs typeface="B Nazanin" panose="00000400000000000000" pitchFamily="2" charset="-78"/>
-              </a:rPr>
-              <a:t>برخی روش های توسعه چابک شامل حضور یک نماینده واحد از طرف ذی نفعان به نام </a:t>
-            </a:r>
-            <a:r>
-              <a:rPr lang="fa-IR" dirty="0" smtClean="0">
-                <a:solidFill>
-                  <a:srgbClr val="C00000"/>
-                </a:solidFill>
-                <a:cs typeface="B Nazanin" panose="00000400000000000000" pitchFamily="2" charset="-78"/>
-              </a:rPr>
-              <a:t>مالک محصول </a:t>
-            </a:r>
-            <a:r>
-              <a:rPr lang="fa-IR" dirty="0" smtClean="0">
-                <a:cs typeface="B Nazanin" panose="00000400000000000000" pitchFamily="2" charset="-78"/>
-              </a:rPr>
-              <a:t>است که مسئول رساندن صدای مشتریان به تیم توسعه دهنده است .</a:t>
-            </a:r>
-          </a:p>
-          <a:p>
-            <a:pPr marL="0" indent="0">
-              <a:buNone/>
-            </a:pPr>
-            <a:endParaRPr lang="fa-IR" sz="2000" dirty="0">
-              <a:cs typeface="B Nazanin" panose="00000400000000000000" pitchFamily="2" charset="-78"/>
-            </a:endParaRPr>
+                <a:solidFill>
+                  <a:schemeClr val="accent3">
+                    <a:lumMod val="75000"/>
+                  </a:schemeClr>
+                </a:solidFill>
+              </a:rPr>
+              <a:t>چابک</a:t>
+            </a:r>
+          </a:p>
+          <a:p>
+            <a:pPr algn="r" rtl="1">
+              <a:buFont typeface="Wingdings" panose="05000000000000000000" pitchFamily="2" charset="2"/>
+              <a:buChar char="§"/>
+            </a:pPr>
+            <a:r>
+              <a:rPr lang="fa-IR" dirty="0" smtClean="0"/>
+              <a:t>حل و فصل نیازمندی‌های متضاد </a:t>
+            </a:r>
+            <a:endParaRPr lang="fa-IR" dirty="0"/>
           </a:p>
         </p:txBody>
       </p:sp>
     </p:spTree>
     <p:extLst>
       <p:ext uri="{BB962C8B-B14F-4D97-AF65-F5344CB8AC3E}">
-        <p14:creationId xmlns:p14="http://schemas.microsoft.com/office/powerpoint/2010/main" val="496497235"/>
+        <p14:creationId xmlns:p14="http://schemas.microsoft.com/office/powerpoint/2010/main" val="1572676064"/>
       </p:ext>
     </p:extLst>
   </p:cSld>
@@ -10101,7 +10095,7 @@
                 </a:solidFill>
                 <a:cs typeface="B Nazanin" panose="00000400000000000000" pitchFamily="2" charset="-78"/>
               </a:rPr>
-              <a:t>نماینده کاربر در پروژه های چابک(ادامه)</a:t>
+              <a:t>نماینده کاربر در پروژه های چابک</a:t>
             </a:r>
             <a:endParaRPr lang="fa-IR" sz="3600" u="sng" dirty="0">
               <a:solidFill>
@@ -10134,26 +10128,59 @@
           </a:bodyPr>
           <a:lstStyle/>
           <a:p>
-            <a:pPr marL="0" indent="0" algn="r" rtl="1">
-              <a:buNone/>
-            </a:pPr>
-            <a:r>
-              <a:rPr lang="fa-IR" dirty="0" smtClean="0">
-                <a:solidFill>
-                  <a:srgbClr val="C00000"/>
-                </a:solidFill>
-                <a:cs typeface="B Nazanin" panose="00000400000000000000" pitchFamily="2" charset="-78"/>
-              </a:rPr>
-              <a:t>     مالک محصول  </a:t>
-            </a:r>
-          </a:p>
-          <a:p>
-            <a:pPr>
+            <a:pPr algn="r" rtl="1">
+              <a:lnSpc>
+                <a:spcPct val="150000"/>
+              </a:lnSpc>
               <a:buFont typeface="Wingdings" panose="05000000000000000000" pitchFamily="2" charset="2"/>
               <a:buChar char="§"/>
             </a:pPr>
             <a:r>
+              <a:rPr lang="fa-IR" dirty="0">
+                <a:cs typeface="B Nazanin" panose="00000400000000000000" pitchFamily="2" charset="-78"/>
+              </a:rPr>
+              <a:t>مکالمات مکرر بین اعضای تیم پروژه و مشتریان مناسب موثرترین راه برای حل بسیاری از مسائل مورد نیاز و مشخص کردن نیازهای خاص در صورت نیاز است</a:t>
+            </a:r>
+            <a:r>
               <a:rPr lang="fa-IR" dirty="0" smtClean="0">
+                <a:cs typeface="B Nazanin" panose="00000400000000000000" pitchFamily="2" charset="-78"/>
+              </a:rPr>
+              <a:t>.</a:t>
+            </a:r>
+          </a:p>
+          <a:p>
+            <a:pPr>
+              <a:lnSpc>
+                <a:spcPct val="150000"/>
+              </a:lnSpc>
+              <a:buFont typeface="Wingdings" panose="05000000000000000000" pitchFamily="2" charset="2"/>
+              <a:buChar char="§"/>
+            </a:pPr>
+            <a:r>
+              <a:rPr lang="fa-IR" dirty="0"/>
+              <a:t>یک اصل اساسی برنامه نویسی افراطی، یکی از روش های اولیه توسعه چابک، وجود یک مشتری تمام وقت و در محل برای این بحث ها است </a:t>
+            </a:r>
+            <a:r>
+              <a:rPr lang="fa-IR" dirty="0" smtClean="0"/>
+              <a:t>.</a:t>
+            </a:r>
+          </a:p>
+          <a:p>
+            <a:pPr>
+              <a:lnSpc>
+                <a:spcPct val="150000"/>
+              </a:lnSpc>
+              <a:buFont typeface="Wingdings" panose="05000000000000000000" pitchFamily="2" charset="2"/>
+              <a:buChar char="§"/>
+            </a:pPr>
+            <a:r>
+              <a:rPr lang="fa-IR" dirty="0" smtClean="0">
+                <a:cs typeface="B Nazanin" panose="00000400000000000000" pitchFamily="2" charset="-78"/>
+              </a:rPr>
+              <a:t>برخی روش های توسعه چابک شامل حضور یک نماینده واحد از طرف ذی نفعان به نام </a:t>
+            </a:r>
+            <a:r>
+              <a:rPr lang="fa-IR" dirty="0" smtClean="0">
                 <a:solidFill>
                   <a:srgbClr val="C00000"/>
                 </a:solidFill>
@@ -10165,204 +10192,23 @@
               <a:rPr lang="fa-IR" dirty="0" smtClean="0">
                 <a:cs typeface="B Nazanin" panose="00000400000000000000" pitchFamily="2" charset="-78"/>
               </a:rPr>
-              <a:t>چشم انداز پروژه راتعریف می‌کند و مسئول توسعه و اولویت بندی محتویات </a:t>
-            </a:r>
-            <a:r>
-              <a:rPr lang="fa-IR" dirty="0" smtClean="0">
-                <a:solidFill>
-                  <a:srgbClr val="C00000"/>
-                </a:solidFill>
-                <a:cs typeface="B Nazanin" panose="00000400000000000000" pitchFamily="2" charset="-78"/>
-              </a:rPr>
-              <a:t>بک لاگ محصول </a:t>
-            </a:r>
-            <a:r>
-              <a:rPr lang="fa-IR" dirty="0" smtClean="0">
-                <a:cs typeface="B Nazanin" panose="00000400000000000000" pitchFamily="2" charset="-78"/>
-              </a:rPr>
-              <a:t>است . </a:t>
-            </a:r>
-            <a:endParaRPr lang="en-US" dirty="0" smtClean="0">
+              <a:t>است که مسئول رساندن صدای مشتریان به تیم توسعه دهنده است .</a:t>
+            </a:r>
+          </a:p>
+          <a:p>
+            <a:pPr marL="0" indent="0">
+              <a:buNone/>
+            </a:pPr>
+            <a:endParaRPr lang="fa-IR" sz="2000" dirty="0">
               <a:cs typeface="B Nazanin" panose="00000400000000000000" pitchFamily="2" charset="-78"/>
             </a:endParaRPr>
           </a:p>
-          <a:p>
-            <a:pPr>
-              <a:buFont typeface="Wingdings" panose="05000000000000000000" pitchFamily="2" charset="2"/>
-              <a:buChar char="§"/>
-            </a:pPr>
-            <a:r>
-              <a:rPr lang="fa-IR" dirty="0" smtClean="0">
-                <a:solidFill>
-                  <a:srgbClr val="C00000"/>
-                </a:solidFill>
-                <a:cs typeface="B Nazanin" panose="00000400000000000000" pitchFamily="2" charset="-78"/>
-              </a:rPr>
-              <a:t>مالک محصول </a:t>
-            </a:r>
-            <a:r>
-              <a:rPr lang="fa-IR" dirty="0" smtClean="0">
-                <a:cs typeface="B Nazanin" panose="00000400000000000000" pitchFamily="2" charset="-78"/>
-              </a:rPr>
-              <a:t>اساسا نقش </a:t>
-            </a:r>
-            <a:r>
-              <a:rPr lang="fa-IR" dirty="0" smtClean="0">
-                <a:solidFill>
-                  <a:srgbClr val="C00000"/>
-                </a:solidFill>
-                <a:cs typeface="B Nazanin" panose="00000400000000000000" pitchFamily="2" charset="-78"/>
-              </a:rPr>
-              <a:t>قهرمان محصول </a:t>
-            </a:r>
-            <a:r>
-              <a:rPr lang="fa-IR" dirty="0" smtClean="0">
-                <a:cs typeface="B Nazanin" panose="00000400000000000000" pitchFamily="2" charset="-78"/>
-              </a:rPr>
-              <a:t>و کارکردهای تحلیلگر تجاری،نمایندگی مشتری، تعریف ویژگی های محصول ، اولویت بندی آنها و غیره را بر عهده دارد . </a:t>
-            </a:r>
-          </a:p>
-          <a:p>
-            <a:pPr marL="457200" algn="just">
-              <a:lnSpc>
-                <a:spcPct val="107000"/>
-              </a:lnSpc>
-              <a:spcBef>
-                <a:spcPts val="0"/>
-              </a:spcBef>
-              <a:spcAft>
-                <a:spcPts val="800"/>
-              </a:spcAft>
-            </a:pPr>
-            <a:r>
-              <a:rPr lang="fa-IR" dirty="0">
-                <a:latin typeface="Calibri" panose="020F0502020204030204" pitchFamily="34" charset="0"/>
-                <a:ea typeface="Calibri" panose="020F0502020204030204" pitchFamily="34" charset="0"/>
-              </a:rPr>
-              <a:t>طرح های </a:t>
-            </a:r>
-            <a:r>
-              <a:rPr lang="fa-IR" dirty="0">
-                <a:solidFill>
-                  <a:srgbClr val="C00000"/>
-                </a:solidFill>
-                <a:latin typeface="Calibri" panose="020F0502020204030204" pitchFamily="34" charset="0"/>
-                <a:ea typeface="Calibri" panose="020F0502020204030204" pitchFamily="34" charset="0"/>
-              </a:rPr>
-              <a:t>مالک محصول </a:t>
-            </a:r>
-            <a:r>
-              <a:rPr lang="fa-IR" dirty="0">
-                <a:latin typeface="Calibri" panose="020F0502020204030204" pitchFamily="34" charset="0"/>
-                <a:ea typeface="Calibri" panose="020F0502020204030204" pitchFamily="34" charset="0"/>
-              </a:rPr>
-              <a:t>و </a:t>
-            </a:r>
-            <a:r>
-              <a:rPr lang="fa-IR" dirty="0">
-                <a:solidFill>
-                  <a:srgbClr val="C00000"/>
-                </a:solidFill>
-                <a:latin typeface="Calibri" panose="020F0502020204030204" pitchFamily="34" charset="0"/>
-                <a:ea typeface="Calibri" panose="020F0502020204030204" pitchFamily="34" charset="0"/>
-              </a:rPr>
-              <a:t>قهرمان محصول </a:t>
-            </a:r>
-            <a:r>
-              <a:rPr lang="fa-IR" dirty="0">
-                <a:latin typeface="Calibri" panose="020F0502020204030204" pitchFamily="34" charset="0"/>
-                <a:ea typeface="Calibri" panose="020F0502020204030204" pitchFamily="34" charset="0"/>
-              </a:rPr>
-              <a:t>متقابل نیستند .</a:t>
-            </a:r>
-          </a:p>
-          <a:p>
-            <a:pPr marL="457200" algn="just">
-              <a:lnSpc>
-                <a:spcPct val="107000"/>
-              </a:lnSpc>
-              <a:spcBef>
-                <a:spcPts val="0"/>
-              </a:spcBef>
-              <a:spcAft>
-                <a:spcPts val="800"/>
-              </a:spcAft>
-            </a:pPr>
-            <a:r>
-              <a:rPr lang="fa-IR" dirty="0">
-                <a:latin typeface="Calibri" panose="020F0502020204030204" pitchFamily="34" charset="0"/>
-                <a:ea typeface="Calibri" panose="020F0502020204030204" pitchFamily="34" charset="0"/>
-              </a:rPr>
-              <a:t> اگر </a:t>
-            </a:r>
-            <a:r>
-              <a:rPr lang="fa-IR" dirty="0">
-                <a:solidFill>
-                  <a:srgbClr val="C00000"/>
-                </a:solidFill>
-                <a:latin typeface="Calibri" panose="020F0502020204030204" pitchFamily="34" charset="0"/>
-                <a:ea typeface="Calibri" panose="020F0502020204030204" pitchFamily="34" charset="0"/>
-              </a:rPr>
-              <a:t>صاحب محصول </a:t>
-            </a:r>
-            <a:r>
-              <a:rPr lang="fa-IR" dirty="0">
-                <a:latin typeface="Calibri" panose="020F0502020204030204" pitchFamily="34" charset="0"/>
-                <a:ea typeface="Calibri" panose="020F0502020204030204" pitchFamily="34" charset="0"/>
-              </a:rPr>
-              <a:t>در نقش یک تحلیلگر تجاری و  نه به عنوان نماینده ذی نفعان عمل می‌کند، می تواند ساختاری را با یک یا چند </a:t>
-            </a:r>
-            <a:r>
-              <a:rPr lang="fa-IR" dirty="0">
-                <a:solidFill>
-                  <a:srgbClr val="C00000"/>
-                </a:solidFill>
-                <a:latin typeface="Calibri" panose="020F0502020204030204" pitchFamily="34" charset="0"/>
-                <a:ea typeface="Calibri" panose="020F0502020204030204" pitchFamily="34" charset="0"/>
-              </a:rPr>
-              <a:t>قهرمان محصول </a:t>
-            </a:r>
-            <a:r>
-              <a:rPr lang="fa-IR" dirty="0">
-                <a:latin typeface="Calibri" panose="020F0502020204030204" pitchFamily="34" charset="0"/>
-                <a:ea typeface="Calibri" panose="020F0502020204030204" pitchFamily="34" charset="0"/>
-              </a:rPr>
-              <a:t>راه اندازی کند تا بهترین ورودی ها را دریافت کن</a:t>
-            </a:r>
-            <a:endParaRPr lang="fa-IR" dirty="0">
-              <a:cs typeface="B Nazanin" panose="00000400000000000000" pitchFamily="2" charset="-78"/>
-            </a:endParaRPr>
-          </a:p>
-        </p:txBody>
-      </p:sp>
-      <p:pic>
-        <p:nvPicPr>
-          <p:cNvPr id="4" name="Picture 3"/>
-          <p:cNvPicPr>
-            <a:picLocks noChangeAspect="1"/>
-          </p:cNvPicPr>
-          <p:nvPr/>
-        </p:nvPicPr>
-        <p:blipFill>
-          <a:blip r:embed="rId2"/>
-          <a:stretch>
-            <a:fillRect/>
-          </a:stretch>
-        </p:blipFill>
-        <p:spPr>
-          <a:xfrm>
-            <a:off x="11006298" y="1258403"/>
-            <a:ext cx="347502" cy="304826"/>
-          </a:xfrm>
-          <a:prstGeom prst="rect">
-            <a:avLst/>
-          </a:prstGeom>
-        </p:spPr>
-      </p:pic>
+        </p:txBody>
+      </p:sp>
     </p:spTree>
     <p:extLst>
       <p:ext uri="{BB962C8B-B14F-4D97-AF65-F5344CB8AC3E}">
-        <p14:creationId xmlns:p14="http://schemas.microsoft.com/office/powerpoint/2010/main" val="2324013328"/>
+        <p14:creationId xmlns:p14="http://schemas.microsoft.com/office/powerpoint/2010/main" val="496497235"/>
       </p:ext>
     </p:extLst>
   </p:cSld>
@@ -10406,6 +10252,331 @@
             <p:ph type="title"/>
           </p:nvPr>
         </p:nvSpPr>
+        <p:spPr>
+          <a:xfrm>
+            <a:off x="838200" y="365126"/>
+            <a:ext cx="10515600" cy="653778"/>
+          </a:xfrm>
+        </p:spPr>
+        <p:txBody>
+          <a:bodyPr>
+            <a:normAutofit/>
+          </a:bodyPr>
+          <a:lstStyle/>
+          <a:p>
+            <a:pPr algn="ctr"/>
+            <a:r>
+              <a:rPr lang="fa-IR" sz="3600" u="sng" dirty="0" smtClean="0">
+                <a:solidFill>
+                  <a:srgbClr val="C00000"/>
+                </a:solidFill>
+                <a:cs typeface="B Nazanin" panose="00000400000000000000" pitchFamily="2" charset="-78"/>
+              </a:rPr>
+              <a:t>نماینده کاربر در پروژه های چابک(ادامه)</a:t>
+            </a:r>
+            <a:endParaRPr lang="fa-IR" sz="3600" u="sng" dirty="0">
+              <a:solidFill>
+                <a:srgbClr val="C00000"/>
+              </a:solidFill>
+              <a:cs typeface="B Nazanin" panose="00000400000000000000" pitchFamily="2" charset="-78"/>
+            </a:endParaRPr>
+          </a:p>
+        </p:txBody>
+      </p:sp>
+      <p:sp>
+        <p:nvSpPr>
+          <p:cNvPr id="3" name="Content Placeholder 2"/>
+          <p:cNvSpPr>
+            <a:spLocks noGrp="1"/>
+          </p:cNvSpPr>
+          <p:nvPr>
+            <p:ph idx="1"/>
+          </p:nvPr>
+        </p:nvSpPr>
+        <p:spPr>
+          <a:xfrm>
+            <a:off x="838200" y="1193074"/>
+            <a:ext cx="10515600" cy="4983889"/>
+          </a:xfrm>
+        </p:spPr>
+        <p:txBody>
+          <a:bodyPr>
+            <a:normAutofit/>
+          </a:bodyPr>
+          <a:lstStyle/>
+          <a:p>
+            <a:pPr marL="0" indent="0" algn="r" rtl="1">
+              <a:buNone/>
+            </a:pPr>
+            <a:r>
+              <a:rPr lang="fa-IR" dirty="0" smtClean="0">
+                <a:solidFill>
+                  <a:srgbClr val="C00000"/>
+                </a:solidFill>
+                <a:cs typeface="B Nazanin" panose="00000400000000000000" pitchFamily="2" charset="-78"/>
+              </a:rPr>
+              <a:t>     مالک محصول  </a:t>
+            </a:r>
+          </a:p>
+          <a:p>
+            <a:pPr>
+              <a:buFont typeface="Wingdings" panose="05000000000000000000" pitchFamily="2" charset="2"/>
+              <a:buChar char="§"/>
+            </a:pPr>
+            <a:r>
+              <a:rPr lang="fa-IR" dirty="0" smtClean="0">
+                <a:solidFill>
+                  <a:srgbClr val="C00000"/>
+                </a:solidFill>
+                <a:cs typeface="B Nazanin" panose="00000400000000000000" pitchFamily="2" charset="-78"/>
+              </a:rPr>
+              <a:t>مالک محصول </a:t>
+            </a:r>
+            <a:r>
+              <a:rPr lang="fa-IR" dirty="0" smtClean="0">
+                <a:cs typeface="B Nazanin" panose="00000400000000000000" pitchFamily="2" charset="-78"/>
+              </a:rPr>
+              <a:t>چشم انداز پروژه راتعریف می‌کند و مسئول توسعه و اولویت بندی محتویات </a:t>
+            </a:r>
+            <a:r>
+              <a:rPr lang="fa-IR" dirty="0" smtClean="0">
+                <a:solidFill>
+                  <a:srgbClr val="C00000"/>
+                </a:solidFill>
+                <a:cs typeface="B Nazanin" panose="00000400000000000000" pitchFamily="2" charset="-78"/>
+              </a:rPr>
+              <a:t>بک لاگ محصول </a:t>
+            </a:r>
+            <a:r>
+              <a:rPr lang="fa-IR" dirty="0" smtClean="0">
+                <a:cs typeface="B Nazanin" panose="00000400000000000000" pitchFamily="2" charset="-78"/>
+              </a:rPr>
+              <a:t>است . </a:t>
+            </a:r>
+            <a:endParaRPr lang="en-US" dirty="0" smtClean="0">
+              <a:cs typeface="B Nazanin" panose="00000400000000000000" pitchFamily="2" charset="-78"/>
+            </a:endParaRPr>
+          </a:p>
+          <a:p>
+            <a:pPr>
+              <a:buFont typeface="Wingdings" panose="05000000000000000000" pitchFamily="2" charset="2"/>
+              <a:buChar char="§"/>
+            </a:pPr>
+            <a:r>
+              <a:rPr lang="fa-IR" dirty="0" smtClean="0">
+                <a:solidFill>
+                  <a:srgbClr val="C00000"/>
+                </a:solidFill>
+                <a:cs typeface="B Nazanin" panose="00000400000000000000" pitchFamily="2" charset="-78"/>
+              </a:rPr>
+              <a:t>مالک محصول </a:t>
+            </a:r>
+            <a:r>
+              <a:rPr lang="fa-IR" dirty="0" smtClean="0">
+                <a:cs typeface="B Nazanin" panose="00000400000000000000" pitchFamily="2" charset="-78"/>
+              </a:rPr>
+              <a:t>اساسا نقش </a:t>
+            </a:r>
+            <a:r>
+              <a:rPr lang="fa-IR" dirty="0" smtClean="0">
+                <a:solidFill>
+                  <a:srgbClr val="C00000"/>
+                </a:solidFill>
+                <a:cs typeface="B Nazanin" panose="00000400000000000000" pitchFamily="2" charset="-78"/>
+              </a:rPr>
+              <a:t>قهرمان محصول </a:t>
+            </a:r>
+            <a:r>
+              <a:rPr lang="fa-IR" dirty="0" smtClean="0">
+                <a:cs typeface="B Nazanin" panose="00000400000000000000" pitchFamily="2" charset="-78"/>
+              </a:rPr>
+              <a:t>و کارکردهای تحلیلگر تجاری،نمایندگی مشتری، تعریف ویژگی های محصول ، اولویت بندی آنها و غیره را بر عهده دارد . </a:t>
+            </a:r>
+          </a:p>
+          <a:p>
+            <a:pPr marL="457200" algn="just">
+              <a:lnSpc>
+                <a:spcPct val="107000"/>
+              </a:lnSpc>
+              <a:spcBef>
+                <a:spcPts val="0"/>
+              </a:spcBef>
+              <a:spcAft>
+                <a:spcPts val="800"/>
+              </a:spcAft>
+            </a:pPr>
+            <a:r>
+              <a:rPr lang="fa-IR" dirty="0">
+                <a:latin typeface="Calibri" panose="020F0502020204030204" pitchFamily="34" charset="0"/>
+                <a:ea typeface="Calibri" panose="020F0502020204030204" pitchFamily="34" charset="0"/>
+              </a:rPr>
+              <a:t>طرح های </a:t>
+            </a:r>
+            <a:r>
+              <a:rPr lang="fa-IR" dirty="0">
+                <a:solidFill>
+                  <a:srgbClr val="C00000"/>
+                </a:solidFill>
+                <a:latin typeface="Calibri" panose="020F0502020204030204" pitchFamily="34" charset="0"/>
+                <a:ea typeface="Calibri" panose="020F0502020204030204" pitchFamily="34" charset="0"/>
+              </a:rPr>
+              <a:t>مالک محصول </a:t>
+            </a:r>
+            <a:r>
+              <a:rPr lang="fa-IR" dirty="0">
+                <a:latin typeface="Calibri" panose="020F0502020204030204" pitchFamily="34" charset="0"/>
+                <a:ea typeface="Calibri" panose="020F0502020204030204" pitchFamily="34" charset="0"/>
+              </a:rPr>
+              <a:t>و </a:t>
+            </a:r>
+            <a:r>
+              <a:rPr lang="fa-IR" dirty="0">
+                <a:solidFill>
+                  <a:srgbClr val="C00000"/>
+                </a:solidFill>
+                <a:latin typeface="Calibri" panose="020F0502020204030204" pitchFamily="34" charset="0"/>
+                <a:ea typeface="Calibri" panose="020F0502020204030204" pitchFamily="34" charset="0"/>
+              </a:rPr>
+              <a:t>قهرمان محصول </a:t>
+            </a:r>
+            <a:r>
+              <a:rPr lang="fa-IR" dirty="0">
+                <a:latin typeface="Calibri" panose="020F0502020204030204" pitchFamily="34" charset="0"/>
+                <a:ea typeface="Calibri" panose="020F0502020204030204" pitchFamily="34" charset="0"/>
+              </a:rPr>
+              <a:t>متقابل نیستند .</a:t>
+            </a:r>
+          </a:p>
+          <a:p>
+            <a:pPr marL="457200" algn="just">
+              <a:lnSpc>
+                <a:spcPct val="107000"/>
+              </a:lnSpc>
+              <a:spcBef>
+                <a:spcPts val="0"/>
+              </a:spcBef>
+              <a:spcAft>
+                <a:spcPts val="800"/>
+              </a:spcAft>
+            </a:pPr>
+            <a:r>
+              <a:rPr lang="fa-IR" dirty="0">
+                <a:latin typeface="Calibri" panose="020F0502020204030204" pitchFamily="34" charset="0"/>
+                <a:ea typeface="Calibri" panose="020F0502020204030204" pitchFamily="34" charset="0"/>
+              </a:rPr>
+              <a:t> اگر </a:t>
+            </a:r>
+            <a:r>
+              <a:rPr lang="fa-IR" dirty="0">
+                <a:solidFill>
+                  <a:srgbClr val="C00000"/>
+                </a:solidFill>
+                <a:latin typeface="Calibri" panose="020F0502020204030204" pitchFamily="34" charset="0"/>
+                <a:ea typeface="Calibri" panose="020F0502020204030204" pitchFamily="34" charset="0"/>
+              </a:rPr>
+              <a:t>صاحب محصول </a:t>
+            </a:r>
+            <a:r>
+              <a:rPr lang="fa-IR" dirty="0">
+                <a:latin typeface="Calibri" panose="020F0502020204030204" pitchFamily="34" charset="0"/>
+                <a:ea typeface="Calibri" panose="020F0502020204030204" pitchFamily="34" charset="0"/>
+              </a:rPr>
+              <a:t>در نقش یک تحلیلگر تجاری و  نه به عنوان نماینده ذی نفعان عمل می‌کند، می تواند ساختاری را با یک یا چند </a:t>
+            </a:r>
+            <a:r>
+              <a:rPr lang="fa-IR" dirty="0">
+                <a:solidFill>
+                  <a:srgbClr val="C00000"/>
+                </a:solidFill>
+                <a:latin typeface="Calibri" panose="020F0502020204030204" pitchFamily="34" charset="0"/>
+                <a:ea typeface="Calibri" panose="020F0502020204030204" pitchFamily="34" charset="0"/>
+              </a:rPr>
+              <a:t>قهرمان محصول </a:t>
+            </a:r>
+            <a:r>
+              <a:rPr lang="fa-IR" dirty="0">
+                <a:latin typeface="Calibri" panose="020F0502020204030204" pitchFamily="34" charset="0"/>
+                <a:ea typeface="Calibri" panose="020F0502020204030204" pitchFamily="34" charset="0"/>
+              </a:rPr>
+              <a:t>راه اندازی کند تا بهترین ورودی ها را دریافت کن</a:t>
+            </a:r>
+            <a:endParaRPr lang="fa-IR" dirty="0">
+              <a:cs typeface="B Nazanin" panose="00000400000000000000" pitchFamily="2" charset="-78"/>
+            </a:endParaRPr>
+          </a:p>
+        </p:txBody>
+      </p:sp>
+      <p:pic>
+        <p:nvPicPr>
+          <p:cNvPr id="4" name="Picture 3"/>
+          <p:cNvPicPr>
+            <a:picLocks noChangeAspect="1"/>
+          </p:cNvPicPr>
+          <p:nvPr/>
+        </p:nvPicPr>
+        <p:blipFill>
+          <a:blip r:embed="rId2"/>
+          <a:stretch>
+            <a:fillRect/>
+          </a:stretch>
+        </p:blipFill>
+        <p:spPr>
+          <a:xfrm>
+            <a:off x="11006298" y="1258403"/>
+            <a:ext cx="347502" cy="304826"/>
+          </a:xfrm>
+          <a:prstGeom prst="rect">
+            <a:avLst/>
+          </a:prstGeom>
+        </p:spPr>
+      </p:pic>
+    </p:spTree>
+    <p:extLst>
+      <p:ext uri="{BB962C8B-B14F-4D97-AF65-F5344CB8AC3E}">
+        <p14:creationId xmlns:p14="http://schemas.microsoft.com/office/powerpoint/2010/main" val="2324013328"/>
+      </p:ext>
+    </p:extLst>
+  </p:cSld>
+  <p:clrMapOvr>
+    <a:masterClrMapping/>
+  </p:clrMapOvr>
+  <p:timing>
+    <p:tnLst>
+      <p:par>
+        <p:cTn id="1" dur="indefinite" restart="never" nodeType="tmRoot"/>
+      </p:par>
+    </p:tnLst>
+  </p:timing>
+</p:sld>
+</file>
+
+<file path=ppt/slides/slide33.xml><?xml version="1.0" encoding="utf-8"?>
+<p:sld xmlns:a="http://schemas.openxmlformats.org/drawingml/2006/main" xmlns:r="http://schemas.openxmlformats.org/officeDocument/2006/relationships" xmlns:p="http://schemas.openxmlformats.org/presentationml/2006/main">
+  <p:cSld>
+    <p:spTree>
+      <p:nvGrpSpPr>
+        <p:cNvPr id="1" name=""/>
+        <p:cNvGrpSpPr/>
+        <p:nvPr/>
+      </p:nvGrpSpPr>
+      <p:grpSpPr>
+        <a:xfrm>
+          <a:off x="0" y="0"/>
+          <a:ext cx="0" cy="0"/>
+          <a:chOff x="0" y="0"/>
+          <a:chExt cx="0" cy="0"/>
+        </a:xfrm>
+      </p:grpSpPr>
+      <p:sp>
+        <p:nvSpPr>
+          <p:cNvPr id="2" name="Title 1"/>
+          <p:cNvSpPr>
+            <a:spLocks noGrp="1"/>
+          </p:cNvSpPr>
+          <p:nvPr>
+            <p:ph type="title"/>
+          </p:nvPr>
+        </p:nvSpPr>
         <p:spPr/>
         <p:txBody>
           <a:bodyPr>
@@ -10545,7 +10716,7 @@
 </p:sld>
 </file>
 
-<file path=ppt/slides/slide33.xml><?xml version="1.0" encoding="utf-8"?>
+<file path=ppt/slides/slide34.xml><?xml version="1.0" encoding="utf-8"?>
 <p:sld xmlns:a="http://schemas.openxmlformats.org/drawingml/2006/main" xmlns:r="http://schemas.openxmlformats.org/officeDocument/2006/relationships" xmlns:p="http://schemas.openxmlformats.org/presentationml/2006/main">
   <p:cSld>
     <p:spTree>
@@ -12435,7 +12606,16 @@
                 </a:solidFill>
                 <a:cs typeface="B Nazanin" panose="00000400000000000000" pitchFamily="2" charset="-78"/>
               </a:rPr>
-              <a:t>کلاس‌های کاربری  </a:t>
+              <a:t>کلاس‌های </a:t>
+            </a:r>
+            <a:r>
+              <a:rPr lang="fa-IR" u="sng" dirty="0" smtClean="0">
+                <a:solidFill>
+                  <a:srgbClr val="C00000"/>
+                </a:solidFill>
+                <a:cs typeface="B Nazanin" panose="00000400000000000000" pitchFamily="2" charset="-78"/>
+              </a:rPr>
+              <a:t>کاربری(ادامه)  </a:t>
             </a:r>
             <a:endParaRPr lang="en-US" u="sng" dirty="0">
               <a:solidFill>
@@ -12461,32 +12641,295 @@
           <a:bodyPr/>
           <a:lstStyle/>
           <a:p>
-            <a:pPr algn="r" rtl="1">
-              <a:buFont typeface="Arial" panose="020B0604020202020204" pitchFamily="34" charset="0"/>
-              <a:buChar char="•"/>
+            <a:pPr marL="0" indent="0" algn="r" rtl="1">
+              <a:buNone/>
             </a:pPr>
             <a:r>
               <a:rPr lang="fa-IR" dirty="0" smtClean="0"/>
-              <a:t>وسوسه انگيز است اگر كاربران را بر اساس موقعيت تجاري يا انواع كمپاني هايي كه در آن كار مي‌كنند تقسيم كنيم .</a:t>
-            </a:r>
-          </a:p>
-          <a:p>
-            <a:pPr algn="r" rtl="1">
-              <a:buFont typeface="Arial" panose="020B0604020202020204" pitchFamily="34" charset="0"/>
-              <a:buChar char="•"/>
-            </a:pPr>
-            <a:endParaRPr lang="fa-IR" dirty="0" smtClean="0"/>
-          </a:p>
-          <a:p>
-            <a:pPr algn="r" rtl="1">
-              <a:buFont typeface="Arial" panose="020B0604020202020204" pitchFamily="34" charset="0"/>
-              <a:buChar char="•"/>
-            </a:pPr>
-            <a:endParaRPr lang="fa-IR" dirty="0" smtClean="0"/>
+              <a:t>    </a:t>
+            </a:r>
+            <a:r>
+              <a:rPr lang="fa-IR" dirty="0" smtClean="0">
+                <a:solidFill>
+                  <a:srgbClr val="C00000"/>
+                </a:solidFill>
+              </a:rPr>
+              <a:t>نکاتی راجع به طبقه بندی کلاسهای کاربری</a:t>
+            </a:r>
+          </a:p>
+          <a:p>
+            <a:pPr marL="0" indent="0" algn="just" rtl="1">
+              <a:buNone/>
+            </a:pPr>
+            <a:r>
+              <a:rPr lang="fa-IR" dirty="0" smtClean="0"/>
+              <a:t>     </a:t>
+            </a:r>
+            <a:r>
+              <a:rPr lang="fa-IR" sz="2000" dirty="0" smtClean="0"/>
+              <a:t>طبقه بندی کاربران به كلاس‌هایی براساس موقعیت جغرافیایی یا انواع شرکت هایی که در آن کار می‌كنند به نوعي رغبت انگيز است . اما اين تمايزات بخش هاي مختلف تجاري را نشان مي‌دهد نه كلاس‌هاي كاربري متفاوت.  </a:t>
+            </a:r>
+            <a:endParaRPr lang="fa-IR" sz="2000" dirty="0" smtClean="0"/>
+          </a:p>
+          <a:p>
+            <a:pPr marL="0" indent="0" algn="r" rtl="1">
+              <a:buNone/>
+            </a:pPr>
+            <a:r>
+              <a:rPr lang="fa-IR" dirty="0" smtClean="0"/>
+              <a:t>      </a:t>
+            </a:r>
+            <a:r>
+              <a:rPr lang="fa-IR" sz="2000" dirty="0" smtClean="0"/>
+              <a:t>يك راه بهتر براي شناسايي كلاس‌هاي كاربري فكر كردن در مورد كارهايي است كه كاربران مختلف با سيستم انجام خواهند داد .ب</a:t>
+            </a:r>
+          </a:p>
+          <a:p>
+            <a:pPr marL="0" indent="0" algn="r" rtl="1">
+              <a:buNone/>
+            </a:pPr>
+            <a:r>
+              <a:rPr lang="fa-IR" sz="2000" dirty="0" smtClean="0"/>
+              <a:t>       بعضي از كلاس هاي كاربري براي يك پروژه خاص از بقيه مهم تر هستند </a:t>
+            </a:r>
+            <a:r>
+              <a:rPr lang="fa-IR" sz="2000" dirty="0" smtClean="0"/>
+              <a:t>یعنی رضایت آنها با دستیابی به اهداف پروژه همسو است .در هنگام اولیوت بندی نیازمندی ها نیازهای آنها مورد الویت قرار می‌گیرد.</a:t>
+            </a:r>
+          </a:p>
+          <a:p>
+            <a:pPr marL="0" indent="0" algn="r" rtl="1">
+              <a:buNone/>
+            </a:pPr>
+            <a:r>
+              <a:rPr lang="fa-IR" sz="2000" dirty="0"/>
+              <a:t> </a:t>
+            </a:r>
+            <a:r>
+              <a:rPr lang="fa-IR" sz="2000" dirty="0" smtClean="0"/>
+              <a:t>     </a:t>
+            </a:r>
+            <a:endParaRPr lang="fa-IR" sz="2000" dirty="0" smtClean="0"/>
           </a:p>
           <a:p>
             <a:pPr algn="r" rtl="1"/>
             <a:endParaRPr lang="en-US" dirty="0"/>
+          </a:p>
+        </p:txBody>
+      </p:sp>
+      <p:pic>
+        <p:nvPicPr>
+          <p:cNvPr id="4" name="Picture 3"/>
+          <p:cNvPicPr>
+            <a:picLocks noChangeAspect="1"/>
+          </p:cNvPicPr>
+          <p:nvPr/>
+        </p:nvPicPr>
+        <p:blipFill>
+          <a:blip r:embed="rId2"/>
+          <a:stretch>
+            <a:fillRect/>
+          </a:stretch>
+        </p:blipFill>
+        <p:spPr>
+          <a:xfrm>
+            <a:off x="10945355" y="1825625"/>
+            <a:ext cx="298730" cy="304826"/>
+          </a:xfrm>
+          <a:prstGeom prst="rect">
+            <a:avLst/>
+          </a:prstGeom>
+        </p:spPr>
+      </p:pic>
+      <p:sp>
+        <p:nvSpPr>
+          <p:cNvPr id="6" name="5-Point Star 5"/>
+          <p:cNvSpPr/>
+          <p:nvPr/>
+        </p:nvSpPr>
+        <p:spPr>
+          <a:xfrm>
+            <a:off x="10850022" y="2448268"/>
+            <a:ext cx="294772" cy="313507"/>
+          </a:xfrm>
+          <a:prstGeom prst="star5">
+            <a:avLst/>
+          </a:prstGeom>
+          <a:solidFill>
+            <a:schemeClr val="accent5"/>
+          </a:solidFill>
+          <a:ln>
+            <a:solidFill>
+              <a:srgbClr val="C00000"/>
+            </a:solidFill>
+          </a:ln>
+        </p:spPr>
+        <p:style>
+          <a:lnRef idx="2">
+            <a:schemeClr val="accent1">
+              <a:shade val="50000"/>
+            </a:schemeClr>
+          </a:lnRef>
+          <a:fillRef idx="1">
+            <a:schemeClr val="accent1"/>
+          </a:fillRef>
+          <a:effectRef idx="0">
+            <a:schemeClr val="accent1"/>
+          </a:effectRef>
+          <a:fontRef idx="minor">
+            <a:schemeClr val="lt1"/>
+          </a:fontRef>
+        </p:style>
+        <p:txBody>
+          <a:bodyPr rtlCol="1" anchor="ctr"/>
+          <a:lstStyle/>
+          <a:p>
+            <a:pPr algn="ctr"/>
+            <a:endParaRPr lang="fa-IR"/>
+          </a:p>
+        </p:txBody>
+      </p:sp>
+      <p:sp>
+        <p:nvSpPr>
+          <p:cNvPr id="7" name="5-Point Star 6"/>
+          <p:cNvSpPr/>
+          <p:nvPr/>
+        </p:nvSpPr>
+        <p:spPr>
+          <a:xfrm>
+            <a:off x="10809514" y="3149287"/>
+            <a:ext cx="394063" cy="325434"/>
+          </a:xfrm>
+          <a:prstGeom prst="star5">
+            <a:avLst/>
+          </a:prstGeom>
+          <a:solidFill>
+            <a:schemeClr val="accent5"/>
+          </a:solidFill>
+          <a:ln>
+            <a:solidFill>
+              <a:srgbClr val="C00000"/>
+            </a:solidFill>
+          </a:ln>
+        </p:spPr>
+        <p:style>
+          <a:lnRef idx="2">
+            <a:schemeClr val="accent1">
+              <a:shade val="50000"/>
+            </a:schemeClr>
+          </a:lnRef>
+          <a:fillRef idx="1">
+            <a:schemeClr val="accent1"/>
+          </a:fillRef>
+          <a:effectRef idx="0">
+            <a:schemeClr val="accent1"/>
+          </a:effectRef>
+          <a:fontRef idx="minor">
+            <a:schemeClr val="lt1"/>
+          </a:fontRef>
+        </p:style>
+        <p:txBody>
+          <a:bodyPr rtlCol="1" anchor="ctr"/>
+          <a:lstStyle/>
+          <a:p>
+            <a:pPr algn="ctr"/>
+            <a:endParaRPr lang="fa-IR"/>
+          </a:p>
+        </p:txBody>
+      </p:sp>
+      <p:sp>
+        <p:nvSpPr>
+          <p:cNvPr id="8" name="5-Point Star 7"/>
+          <p:cNvSpPr/>
+          <p:nvPr/>
+        </p:nvSpPr>
+        <p:spPr>
+          <a:xfrm>
+            <a:off x="10850022" y="3870943"/>
+            <a:ext cx="394063" cy="325434"/>
+          </a:xfrm>
+          <a:prstGeom prst="star5">
+            <a:avLst/>
+          </a:prstGeom>
+          <a:solidFill>
+            <a:schemeClr val="accent5"/>
+          </a:solidFill>
+          <a:ln>
+            <a:solidFill>
+              <a:srgbClr val="C00000"/>
+            </a:solidFill>
+          </a:ln>
+        </p:spPr>
+        <p:style>
+          <a:lnRef idx="2">
+            <a:schemeClr val="accent1">
+              <a:shade val="50000"/>
+            </a:schemeClr>
+          </a:lnRef>
+          <a:fillRef idx="1">
+            <a:schemeClr val="accent1"/>
+          </a:fillRef>
+          <a:effectRef idx="0">
+            <a:schemeClr val="accent1"/>
+          </a:effectRef>
+          <a:fontRef idx="minor">
+            <a:schemeClr val="lt1"/>
+          </a:fontRef>
+        </p:style>
+        <p:txBody>
+          <a:bodyPr rtlCol="1" anchor="ctr"/>
+          <a:lstStyle/>
+          <a:p>
+            <a:pPr algn="ctr"/>
+            <a:endParaRPr lang="fa-IR"/>
+          </a:p>
+        </p:txBody>
+      </p:sp>
+      <p:sp>
+        <p:nvSpPr>
+          <p:cNvPr id="9" name="5-Point Star 8"/>
+          <p:cNvSpPr/>
+          <p:nvPr/>
+        </p:nvSpPr>
+        <p:spPr>
+          <a:xfrm>
+            <a:off x="10897688" y="4635666"/>
+            <a:ext cx="394063" cy="325434"/>
+          </a:xfrm>
+          <a:prstGeom prst="star5">
+            <a:avLst/>
+          </a:prstGeom>
+          <a:solidFill>
+            <a:schemeClr val="accent5"/>
+          </a:solidFill>
+          <a:ln>
+            <a:solidFill>
+              <a:srgbClr val="C00000"/>
+            </a:solidFill>
+          </a:ln>
+        </p:spPr>
+        <p:style>
+          <a:lnRef idx="2">
+            <a:schemeClr val="accent1">
+              <a:shade val="50000"/>
+            </a:schemeClr>
+          </a:lnRef>
+          <a:fillRef idx="1">
+            <a:schemeClr val="accent1"/>
+          </a:fillRef>
+          <a:effectRef idx="0">
+            <a:schemeClr val="accent1"/>
+          </a:effectRef>
+          <a:fontRef idx="minor">
+            <a:schemeClr val="lt1"/>
+          </a:fontRef>
+        </p:style>
+        <p:txBody>
+          <a:bodyPr rtlCol="1" anchor="ctr"/>
+          <a:lstStyle/>
+          <a:p>
+            <a:pPr algn="ctr"/>
+            <a:endParaRPr lang="fa-IR"/>
           </a:p>
         </p:txBody>
       </p:sp>
@@ -12542,96 +12985,164 @@
           <a:bodyPr/>
           <a:lstStyle/>
           <a:p>
+            <a:pPr algn="ctr" rtl="1"/>
+            <a:r>
+              <a:rPr lang="fa-IR" u="sng" dirty="0" smtClean="0">
+                <a:solidFill>
+                  <a:srgbClr val="C00000"/>
+                </a:solidFill>
+                <a:cs typeface="B Nazanin" panose="00000400000000000000" pitchFamily="2" charset="-78"/>
+              </a:rPr>
+              <a:t>کلاس‌های </a:t>
+            </a:r>
+            <a:r>
+              <a:rPr lang="fa-IR" u="sng" dirty="0" smtClean="0">
+                <a:solidFill>
+                  <a:srgbClr val="C00000"/>
+                </a:solidFill>
+                <a:cs typeface="B Nazanin" panose="00000400000000000000" pitchFamily="2" charset="-78"/>
+              </a:rPr>
+              <a:t>کاربری(ادامه)  </a:t>
+            </a:r>
+            <a:endParaRPr lang="en-US" u="sng" dirty="0">
+              <a:solidFill>
+                <a:srgbClr val="C00000"/>
+              </a:solidFill>
+              <a:cs typeface="B Nazanin" panose="00000400000000000000" pitchFamily="2" charset="-78"/>
+            </a:endParaRPr>
+          </a:p>
+        </p:txBody>
+      </p:sp>
+      <p:sp>
+        <p:nvSpPr>
+          <p:cNvPr id="3" name="Content Placeholder 2"/>
+          <p:cNvSpPr>
+            <a:spLocks noGrp="1"/>
+          </p:cNvSpPr>
+          <p:nvPr>
+            <p:ph idx="1"/>
+          </p:nvPr>
+        </p:nvSpPr>
+        <p:spPr/>
+        <p:txBody>
+          <a:bodyPr/>
+          <a:lstStyle/>
+          <a:p>
+            <a:pPr marL="0" indent="0" algn="r" rtl="1">
+              <a:buNone/>
+            </a:pPr>
+            <a:r>
+              <a:rPr lang="fa-IR" dirty="0" smtClean="0"/>
+              <a:t>    </a:t>
+            </a:r>
+            <a:r>
+              <a:rPr lang="fa-IR" dirty="0" smtClean="0">
+                <a:solidFill>
+                  <a:srgbClr val="C00000"/>
+                </a:solidFill>
+              </a:rPr>
+              <a:t>کلاس کاربران ناراضی</a:t>
+            </a:r>
+          </a:p>
+          <a:p>
+            <a:pPr algn="r" rtl="1">
+              <a:buFont typeface="Wingdings" panose="05000000000000000000" pitchFamily="2" charset="2"/>
+              <a:buChar char="§"/>
+            </a:pPr>
+            <a:r>
+              <a:rPr lang="fa-IR" sz="2000" dirty="0" smtClean="0"/>
+              <a:t>دسته بندی کلاس کاربران ناراضی گروه هایی هستند که بنابر دلالیل ایمنی یا امنیتی مجاز به استفاده از محصول نیستند .</a:t>
+            </a:r>
+          </a:p>
+          <a:p>
+            <a:pPr algn="r" rtl="1">
+              <a:buFont typeface="Wingdings" panose="05000000000000000000" pitchFamily="2" charset="2"/>
+              <a:buChar char="§"/>
+            </a:pPr>
+            <a:r>
+              <a:rPr lang="fa-IR" sz="2000" dirty="0" smtClean="0"/>
+              <a:t>معمولا مکانیزم هایی برای جلوگیری از اقدامات غیر مجاز این کلاس کاربری انجام می‌شود .</a:t>
+            </a:r>
+          </a:p>
+          <a:p>
+            <a:pPr marL="0" indent="0" algn="r" rtl="1">
+              <a:buNone/>
+            </a:pPr>
+            <a:r>
+              <a:rPr lang="fa-IR" sz="2000" dirty="0"/>
+              <a:t> </a:t>
+            </a:r>
+            <a:r>
+              <a:rPr lang="fa-IR" sz="2000" dirty="0" smtClean="0"/>
+              <a:t>   </a:t>
+            </a:r>
+            <a:r>
+              <a:rPr lang="fa-IR" sz="1800" dirty="0" smtClean="0">
+                <a:solidFill>
+                  <a:srgbClr val="002060"/>
+                </a:solidFill>
+              </a:rPr>
+              <a:t>مثال:قفل کردن اکانت کاربری بعد از چند بار تلاش ناموفق ، سیستم تشخیص ربات و غیره  </a:t>
+            </a:r>
+          </a:p>
+          <a:p>
+            <a:pPr algn="r" rtl="1">
+              <a:buFont typeface="Wingdings" panose="05000000000000000000" pitchFamily="2" charset="2"/>
+              <a:buChar char="§"/>
+            </a:pPr>
+            <a:r>
+              <a:rPr lang="fa-IR" sz="2000" dirty="0" smtClean="0"/>
+              <a:t>در ساخت محصول نباید این کلاس کاربری را نادیده گرفت بلکه محصول را مطابق با نیازآن ها نباید ساخت . </a:t>
+            </a:r>
+          </a:p>
+          <a:p>
+            <a:pPr marL="0" indent="0" algn="just" rtl="1">
+              <a:buNone/>
+            </a:pPr>
+            <a:r>
+              <a:rPr lang="fa-IR" dirty="0" smtClean="0"/>
+              <a:t>     </a:t>
+            </a:r>
+            <a:r>
+              <a:rPr lang="fa-IR" sz="2000" dirty="0" smtClean="0"/>
+              <a:t>      </a:t>
+            </a:r>
+            <a:endParaRPr lang="fa-IR" sz="2000" dirty="0" smtClean="0"/>
+          </a:p>
+          <a:p>
             <a:pPr algn="r" rtl="1"/>
-            <a:r>
-              <a:rPr lang="fa-IR" dirty="0" smtClean="0"/>
-              <a:t>کلاس کاربران ناراضی</a:t>
-            </a:r>
             <a:endParaRPr lang="en-US" dirty="0"/>
           </a:p>
         </p:txBody>
       </p:sp>
-      <p:sp>
-        <p:nvSpPr>
-          <p:cNvPr id="3" name="Content Placeholder 2"/>
-          <p:cNvSpPr>
-            <a:spLocks noGrp="1"/>
-          </p:cNvSpPr>
-          <p:nvPr>
-            <p:ph idx="1"/>
-          </p:nvPr>
-        </p:nvSpPr>
-        <p:spPr/>
-        <p:txBody>
-          <a:bodyPr/>
-          <a:lstStyle/>
-          <a:p>
-            <a:pPr algn="r" rtl="1">
-              <a:buFont typeface="Arial" panose="020B0604020202020204" pitchFamily="34" charset="0"/>
-              <a:buChar char="•"/>
-            </a:pPr>
-            <a:r>
-              <a:rPr lang="fa-IR" dirty="0" smtClean="0"/>
-              <a:t>دسته بندی کاربران ناراضی کاربرانی هستند که به دلایل قوانین </a:t>
-            </a:r>
-            <a:r>
-              <a:rPr lang="fa-IR" dirty="0" smtClean="0">
-                <a:solidFill>
-                  <a:srgbClr val="FF0000"/>
-                </a:solidFill>
-              </a:rPr>
-              <a:t>امنیتی</a:t>
-            </a:r>
-            <a:r>
-              <a:rPr lang="fa-IR" dirty="0" smtClean="0"/>
-              <a:t> یا </a:t>
-            </a:r>
-            <a:r>
-              <a:rPr lang="fa-IR" dirty="0" smtClean="0">
-                <a:solidFill>
-                  <a:srgbClr val="FF0000"/>
-                </a:solidFill>
-              </a:rPr>
-              <a:t>ایمنی</a:t>
-            </a:r>
-            <a:r>
-              <a:rPr lang="fa-IR" dirty="0" smtClean="0"/>
-              <a:t> مجاز به استفاده از سیستم نیستند . </a:t>
-            </a:r>
-          </a:p>
-          <a:p>
-            <a:pPr algn="r" rtl="1">
-              <a:buFont typeface="Arial" panose="020B0604020202020204" pitchFamily="34" charset="0"/>
-              <a:buChar char="•"/>
-            </a:pPr>
-            <a:r>
-              <a:rPr lang="fa-IR" dirty="0" smtClean="0"/>
-              <a:t>در سیستم ویژگی های باید در نظر گرفته شود که انجام دادن بعضی از کارهایی که این کاربران تمایل به انجام آن دارند را سخت کند.</a:t>
-            </a:r>
-          </a:p>
-          <a:p>
-            <a:pPr algn="r" rtl="1">
-              <a:buFont typeface="Arial" panose="020B0604020202020204" pitchFamily="34" charset="0"/>
-              <a:buChar char="•"/>
-            </a:pPr>
-            <a:r>
-              <a:rPr lang="fa-IR" dirty="0" smtClean="0"/>
-              <a:t>براي مثال :مكانيزم هاي دسترسي امنيتي ، سطح دسترسي كاربران ، ويژگي هاي ضدبدافزاري، گزارشات اسفاده </a:t>
-            </a:r>
-          </a:p>
-          <a:p>
-            <a:pPr algn="r" rtl="1">
-              <a:buFont typeface="Arial" panose="020B0604020202020204" pitchFamily="34" charset="0"/>
-              <a:buChar char="•"/>
-            </a:pPr>
-            <a:endParaRPr lang="en-US" dirty="0"/>
-          </a:p>
-        </p:txBody>
-      </p:sp>
+      <p:pic>
+        <p:nvPicPr>
+          <p:cNvPr id="4" name="Picture 3"/>
+          <p:cNvPicPr>
+            <a:picLocks noChangeAspect="1"/>
+          </p:cNvPicPr>
+          <p:nvPr/>
+        </p:nvPicPr>
+        <p:blipFill>
+          <a:blip r:embed="rId2"/>
+          <a:stretch>
+            <a:fillRect/>
+          </a:stretch>
+        </p:blipFill>
+        <p:spPr>
+          <a:xfrm>
+            <a:off x="10945355" y="1825625"/>
+            <a:ext cx="298730" cy="304826"/>
+          </a:xfrm>
+          <a:prstGeom prst="rect">
+            <a:avLst/>
+          </a:prstGeom>
+        </p:spPr>
+      </p:pic>
     </p:spTree>
     <p:extLst>
       <p:ext uri="{BB962C8B-B14F-4D97-AF65-F5344CB8AC3E}">
-        <p14:creationId xmlns:p14="http://schemas.microsoft.com/office/powerpoint/2010/main" val="296523623"/>
+        <p14:creationId xmlns:p14="http://schemas.microsoft.com/office/powerpoint/2010/main" val="3875926252"/>
       </p:ext>
     </p:extLst>
   </p:cSld>
@@ -12683,7 +13194,7 @@
             <a:pPr algn="r" rtl="1"/>
             <a:r>
               <a:rPr lang="fa-IR" dirty="0" smtClean="0"/>
-              <a:t>كلاس هاي كاربري غير مستقيم </a:t>
+              <a:t>کلاس کاربران ناراضی</a:t>
             </a:r>
             <a:endParaRPr lang="en-US" dirty="0"/>
           </a:p>
@@ -12705,12 +13216,12 @@
           <a:lstStyle/>
           <a:p>
             <a:pPr algn="r" rtl="1">
-              <a:buFont typeface="Wingdings" panose="05000000000000000000" pitchFamily="2" charset="2"/>
-              <a:buChar char="§"/>
+              <a:buFont typeface="Arial" panose="020B0604020202020204" pitchFamily="34" charset="0"/>
+              <a:buChar char="•"/>
             </a:pPr>
             <a:r>
               <a:rPr lang="fa-IR" dirty="0" smtClean="0"/>
-              <a:t>كلاس هاي كاربري  هستند كه به طور </a:t>
+              <a:t>دسته بندی کاربران ناراضی کاربرانی هستند که به دلایل قوانین </a:t>
             </a:r>
             <a:r>
               <a:rPr lang="fa-IR" dirty="0" smtClean="0">
@@ -12718,32 +13229,50 @@
                   <a:srgbClr val="FF0000"/>
                 </a:solidFill>
               </a:rPr>
-              <a:t>غير مستقيم </a:t>
+              <a:t>امنیتی</a:t>
             </a:r>
             <a:r>
               <a:rPr lang="fa-IR" dirty="0" smtClean="0"/>
-              <a:t>با سيستم سر  و كار دارند .</a:t>
+              <a:t> یا </a:t>
+            </a:r>
+            <a:r>
+              <a:rPr lang="fa-IR" dirty="0" smtClean="0">
+                <a:solidFill>
+                  <a:srgbClr val="FF0000"/>
+                </a:solidFill>
+              </a:rPr>
+              <a:t>ایمنی</a:t>
+            </a:r>
+            <a:r>
+              <a:rPr lang="fa-IR" dirty="0" smtClean="0"/>
+              <a:t> مجاز به استفاده از سیستم نیستند . </a:t>
             </a:r>
           </a:p>
           <a:p>
             <a:pPr algn="r" rtl="1">
-              <a:buFont typeface="Wingdings" panose="05000000000000000000" pitchFamily="2" charset="2"/>
-              <a:buChar char="§"/>
+              <a:buFont typeface="Arial" panose="020B0604020202020204" pitchFamily="34" charset="0"/>
+              <a:buChar char="•"/>
             </a:pPr>
             <a:r>
               <a:rPr lang="fa-IR" dirty="0" smtClean="0"/>
-              <a:t>از طريق برنامه هاي كاربردي ديگر با اين سيستم سر و كار دارند .</a:t>
+              <a:t>در سیستم ویژگی های باید در نظر گرفته شود که انجام دادن بعضی از کارهایی که این کاربران تمایل به انجام آن دارند را سخت کند.</a:t>
             </a:r>
           </a:p>
           <a:p>
             <a:pPr algn="r" rtl="1">
-              <a:buFont typeface="Wingdings" panose="05000000000000000000" pitchFamily="2" charset="2"/>
-              <a:buChar char="§"/>
+              <a:buFont typeface="Arial" panose="020B0604020202020204" pitchFamily="34" charset="0"/>
+              <a:buChar char="•"/>
             </a:pPr>
             <a:r>
               <a:rPr lang="fa-IR" dirty="0" smtClean="0"/>
-              <a:t>از اين دسته از كاربران نبايد صرف نظر كرد . </a:t>
-            </a:r>
+              <a:t>براي مثال :مكانيزم هاي دسترسي امنيتي ، سطح دسترسي كاربران ، ويژگي هاي ضدبدافزاري، گزارشات اسفاده </a:t>
+            </a:r>
+          </a:p>
+          <a:p>
+            <a:pPr algn="r" rtl="1">
+              <a:buFont typeface="Arial" panose="020B0604020202020204" pitchFamily="34" charset="0"/>
+              <a:buChar char="•"/>
+            </a:pPr>
             <a:endParaRPr lang="en-US" dirty="0"/>
           </a:p>
         </p:txBody>
@@ -12751,7 +13280,7 @@
     </p:spTree>
     <p:extLst>
       <p:ext uri="{BB962C8B-B14F-4D97-AF65-F5344CB8AC3E}">
-        <p14:creationId xmlns:p14="http://schemas.microsoft.com/office/powerpoint/2010/main" val="127493397"/>
+        <p14:creationId xmlns:p14="http://schemas.microsoft.com/office/powerpoint/2010/main" val="296523623"/>
       </p:ext>
     </p:extLst>
   </p:cSld>
